--- a/GitHub_note.pptx
+++ b/GitHub_note.pptx
@@ -10,6 +10,10 @@
     <p:sldId id="258" r:id="rId4"/>
     <p:sldId id="259" r:id="rId5"/>
     <p:sldId id="260" r:id="rId6"/>
+    <p:sldId id="261" r:id="rId7"/>
+    <p:sldId id="262" r:id="rId8"/>
+    <p:sldId id="263" r:id="rId9"/>
+    <p:sldId id="264" r:id="rId10"/>
   </p:sldIdLst>
   <p:sldSz cx="12192000" cy="6858000"/>
   <p:notesSz cx="6858000" cy="9144000"/>
@@ -108,6 +112,11 @@
       </a:defRPr>
     </a:lvl9pPr>
   </p:defaultTextStyle>
+  <p:extLst>
+    <p:ext uri="{EFAFB233-063F-42B5-8137-9DF3F51BA10A}">
+      <p15:sldGuideLst xmlns:p15="http://schemas.microsoft.com/office/powerpoint/2012/main"/>
+    </p:ext>
+  </p:extLst>
 </p:presentation>
 </file>
 
@@ -267,7 +276,7 @@
           <a:p>
             <a:fld id="{6444479B-705B-4489-957E-7E8A228BDFA0}" type="datetime1">
               <a:rPr lang="en-US" smtClean="0"/>
-              <a:t>11/13/2025</a:t>
+              <a:t>11/14/2025</a:t>
             </a:fld>
             <a:endParaRPr lang="en-US"/>
           </a:p>
@@ -467,7 +476,7 @@
           <a:p>
             <a:fld id="{C07B66AD-7C08-490A-ADA4-B47E10FB2407}" type="datetime1">
               <a:rPr lang="en-US" smtClean="0"/>
-              <a:t>11/13/2025</a:t>
+              <a:t>11/14/2025</a:t>
             </a:fld>
             <a:endParaRPr lang="en-US"/>
           </a:p>
@@ -726,7 +735,7 @@
           <a:p>
             <a:fld id="{05B95027-4255-49E7-9841-CD21BCC99996}" type="datetime1">
               <a:rPr lang="en-US" smtClean="0"/>
-              <a:t>11/13/2025</a:t>
+              <a:t>11/14/2025</a:t>
             </a:fld>
             <a:endParaRPr lang="en-US"/>
           </a:p>
@@ -967,7 +976,7 @@
           <a:p>
             <a:fld id="{9F89F774-3FA6-43B8-9241-99959C8FD463}" type="datetime1">
               <a:rPr lang="en-US" smtClean="0"/>
-              <a:t>11/13/2025</a:t>
+              <a:t>11/14/2025</a:t>
             </a:fld>
             <a:endParaRPr lang="en-US"/>
           </a:p>
@@ -1294,7 +1303,7 @@
           <a:p>
             <a:fld id="{F9504452-5DCC-4FE2-A5C9-8A5EF6714D65}" type="datetime1">
               <a:rPr lang="en-US" smtClean="0"/>
-              <a:t>11/13/2025</a:t>
+              <a:t>11/14/2025</a:t>
             </a:fld>
             <a:endParaRPr lang="en-US"/>
           </a:p>
@@ -1604,7 +1613,7 @@
           <a:p>
             <a:fld id="{E579ABC2-0180-4F3A-A895-A85BC724D472}" type="datetime1">
               <a:rPr lang="en-US" smtClean="0"/>
-              <a:t>11/13/2025</a:t>
+              <a:t>11/14/2025</a:t>
             </a:fld>
             <a:endParaRPr lang="en-US"/>
           </a:p>
@@ -2022,7 +2031,7 @@
           <a:p>
             <a:fld id="{6AEEA9BA-4E8F-439E-BEA4-91FBA01E3F5F}" type="datetime1">
               <a:rPr lang="en-US" smtClean="0"/>
-              <a:t>11/13/2025</a:t>
+              <a:t>11/14/2025</a:t>
             </a:fld>
             <a:endParaRPr lang="en-US"/>
           </a:p>
@@ -2164,7 +2173,7 @@
           <a:p>
             <a:fld id="{BE15BF18-0007-481C-AA29-413124BC3EE7}" type="datetime1">
               <a:rPr lang="en-US" smtClean="0"/>
-              <a:t>11/13/2025</a:t>
+              <a:t>11/14/2025</a:t>
             </a:fld>
             <a:endParaRPr lang="en-US"/>
           </a:p>
@@ -2326,7 +2335,7 @@
           <a:p>
             <a:fld id="{09BE9870-3748-43AD-B547-02A075CB4A1D}" type="datetime1">
               <a:rPr lang="en-US" smtClean="0"/>
-              <a:t>11/13/2025</a:t>
+              <a:t>11/14/2025</a:t>
             </a:fld>
             <a:endParaRPr lang="en-US"/>
           </a:p>
@@ -2643,7 +2652,7 @@
           <a:p>
             <a:fld id="{558E7897-33C5-4F1A-9307-D068E37F3DC7}" type="datetime1">
               <a:rPr lang="en-US" smtClean="0"/>
-              <a:t>11/13/2025</a:t>
+              <a:t>11/14/2025</a:t>
             </a:fld>
             <a:endParaRPr lang="en-US"/>
           </a:p>
@@ -2938,7 +2947,7 @@
           <a:p>
             <a:fld id="{82E171BA-CC09-47C8-A6DF-F5C5CB59CEEC}" type="datetime1">
               <a:rPr lang="en-US" smtClean="0"/>
-              <a:t>11/13/2025</a:t>
+              <a:t>11/14/2025</a:t>
             </a:fld>
             <a:endParaRPr lang="en-US"/>
           </a:p>
@@ -3179,7 +3188,7 @@
           <a:p>
             <a:fld id="{7DA38F49-B3E2-4BF0-BEC7-C30D34ABBB8D}" type="datetime1">
               <a:rPr lang="en-US" smtClean="0"/>
-              <a:t>11/13/2025</a:t>
+              <a:t>11/14/2025</a:t>
             </a:fld>
             <a:endParaRPr lang="en-US"/>
           </a:p>
@@ -3820,7 +3829,7 @@
         <p:spPr>
           <a:xfrm>
             <a:off x="640080" y="5251621"/>
-            <a:ext cx="4439920" cy="1104721"/>
+            <a:ext cx="6119308" cy="1104721"/>
           </a:xfrm>
         </p:spPr>
         <p:txBody>
@@ -3830,29 +3839,88 @@
           <a:lstStyle/>
           <a:p>
             <a:r>
-              <a:rPr lang="zh-TW" altLang="en-US">
+              <a:rPr lang="en-US" altLang="zh-TW" dirty="0">
                 <a:solidFill>
                   <a:srgbClr val="FFFFFF"/>
                 </a:solidFill>
               </a:rPr>
-              <a:t>版本控管</a:t>
-            </a:r>
-            <a:endParaRPr lang="en-US" altLang="zh-TW">
-              <a:solidFill>
-                <a:srgbClr val="FFFFFF"/>
-              </a:solidFill>
-            </a:endParaRPr>
-          </a:p>
-          <a:p>
-            <a:r>
-              <a:rPr lang="en-US" altLang="zh-TW">
+              <a:t>GIT </a:t>
+            </a:r>
+            <a:r>
+              <a:rPr lang="zh-TW" altLang="en-US" dirty="0">
                 <a:solidFill>
                   <a:srgbClr val="FFFFFF"/>
                 </a:solidFill>
               </a:rPr>
+              <a:t>版本控管使用</a:t>
+            </a:r>
+            <a:r>
+              <a:rPr lang="en-US" altLang="zh-TW" dirty="0">
+                <a:solidFill>
+                  <a:srgbClr val="FFFFFF"/>
+                </a:solidFill>
+              </a:rPr>
+              <a:t>GIT</a:t>
+            </a:r>
+            <a:r>
+              <a:rPr lang="zh-TW" altLang="en-US" dirty="0">
+                <a:solidFill>
+                  <a:srgbClr val="FFFFFF"/>
+                </a:solidFill>
+              </a:rPr>
+              <a:t> </a:t>
+            </a:r>
+            <a:r>
+              <a:rPr lang="en-US" altLang="zh-TW" dirty="0">
+                <a:solidFill>
+                  <a:srgbClr val="FFFFFF"/>
+                </a:solidFill>
+              </a:rPr>
+              <a:t>BASH</a:t>
+            </a:r>
+            <a:r>
+              <a:rPr lang="zh-TW" altLang="en-US" dirty="0">
+                <a:solidFill>
+                  <a:srgbClr val="FFFFFF"/>
+                </a:solidFill>
+              </a:rPr>
+              <a:t> </a:t>
+            </a:r>
+            <a:r>
+              <a:rPr lang="en-US" altLang="zh-TW" dirty="0">
+                <a:solidFill>
+                  <a:srgbClr val="FFFFFF"/>
+                </a:solidFill>
+              </a:rPr>
+              <a:t>COMMAND</a:t>
+            </a:r>
+            <a:r>
+              <a:rPr lang="zh-TW" altLang="en-US" dirty="0">
+                <a:solidFill>
+                  <a:srgbClr val="FFFFFF"/>
+                </a:solidFill>
+              </a:rPr>
+              <a:t> </a:t>
+            </a:r>
+            <a:r>
+              <a:rPr lang="en-US" altLang="zh-TW" dirty="0">
+                <a:solidFill>
+                  <a:srgbClr val="FFFFFF"/>
+                </a:solidFill>
+              </a:rPr>
+              <a:t>LINE</a:t>
+            </a:r>
+          </a:p>
+          <a:p>
+            <a:r>
+              <a:rPr lang="en-US" altLang="zh-TW" dirty="0">
+                <a:solidFill>
+                  <a:srgbClr val="FFFFFF"/>
+                </a:solidFill>
+              </a:rPr>
               <a:t>GitHub</a:t>
             </a:r>
-            <a:endParaRPr lang="zh-TW" altLang="en-US">
+            <a:endParaRPr lang="zh-TW" altLang="en-US" dirty="0">
               <a:solidFill>
                 <a:srgbClr val="FFFFFF"/>
               </a:solidFill>
@@ -6006,8 +6074,8 @@
         </p:nvSpPr>
         <p:spPr>
           <a:xfrm>
-            <a:off x="254806" y="6333766"/>
-            <a:ext cx="4818394" cy="338554"/>
+            <a:off x="254805" y="6333766"/>
+            <a:ext cx="8662621" cy="338554"/>
           </a:xfrm>
           <a:prstGeom prst="rect">
             <a:avLst/>
@@ -6128,7 +6196,27 @@
                 <a:latin typeface="Courier New" panose="02070309020205020404" pitchFamily="49" charset="0"/>
                 <a:cs typeface="Courier New" panose="02070309020205020404" pitchFamily="49" charset="0"/>
               </a:rPr>
-              <a:t>master </a:t>
+              <a:t>master</a:t>
+            </a:r>
+            <a:r>
+              <a:rPr lang="zh-TW" altLang="en-US" sz="1600" dirty="0">
+                <a:solidFill>
+                  <a:schemeClr val="bg1"/>
+                </a:solidFill>
+                <a:latin typeface="Courier New" panose="02070309020205020404" pitchFamily="49" charset="0"/>
+                <a:cs typeface="Courier New" panose="02070309020205020404" pitchFamily="49" charset="0"/>
+              </a:rPr>
+              <a:t>，若要使用預設值則不用重新定義。</a:t>
+            </a:r>
+            <a:r>
+              <a:rPr lang="en-US" altLang="zh-TW" sz="1600" dirty="0">
+                <a:solidFill>
+                  <a:schemeClr val="bg1"/>
+                </a:solidFill>
+                <a:latin typeface="Courier New" panose="02070309020205020404" pitchFamily="49" charset="0"/>
+                <a:cs typeface="Courier New" panose="02070309020205020404" pitchFamily="49" charset="0"/>
+              </a:rPr>
+              <a:t> </a:t>
             </a:r>
             <a:endParaRPr lang="zh-TW" altLang="en-US" sz="1600" dirty="0">
               <a:solidFill>
@@ -6318,7 +6406,7 @@
         <p:spPr>
           <a:xfrm>
             <a:off x="1717954" y="2747130"/>
-            <a:ext cx="9281740" cy="799450"/>
+            <a:ext cx="9281740" cy="711092"/>
           </a:xfrm>
           <a:prstGeom prst="rect">
             <a:avLst/>
@@ -6337,17 +6425,17 @@
               </a:lnSpc>
             </a:pPr>
             <a:r>
-              <a:rPr lang="zh-TW" altLang="en-US" sz="1600" dirty="0">
-                <a:solidFill>
-                  <a:schemeClr val="bg1"/>
-                </a:solidFill>
-                <a:latin typeface="Courier New" panose="02070309020205020404" pitchFamily="49" charset="0"/>
-                <a:cs typeface="Courier New" panose="02070309020205020404" pitchFamily="49" charset="0"/>
-              </a:rPr>
-              <a:t>首先在想要建立</a:t>
-            </a:r>
-            <a:r>
-              <a:rPr lang="en-US" altLang="zh-TW" sz="1600" dirty="0">
+              <a:rPr lang="zh-TW" altLang="en-US" sz="1400" dirty="0">
+                <a:solidFill>
+                  <a:schemeClr val="bg1"/>
+                </a:solidFill>
+                <a:latin typeface="Courier New" panose="02070309020205020404" pitchFamily="49" charset="0"/>
+                <a:cs typeface="Courier New" panose="02070309020205020404" pitchFamily="49" charset="0"/>
+              </a:rPr>
+              <a:t>首先在當前的路徑下新增一個要進行版控的</a:t>
+            </a:r>
+            <a:r>
+              <a:rPr lang="en-US" altLang="zh-TW" sz="1400" dirty="0">
                 <a:solidFill>
                   <a:schemeClr val="bg1"/>
                 </a:solidFill>
@@ -6357,87 +6445,7 @@
               <a:t>Git</a:t>
             </a:r>
             <a:r>
-              <a:rPr lang="zh-TW" altLang="en-US" sz="1600" dirty="0">
-                <a:solidFill>
-                  <a:schemeClr val="bg1"/>
-                </a:solidFill>
-                <a:latin typeface="Courier New" panose="02070309020205020404" pitchFamily="49" charset="0"/>
-                <a:cs typeface="Courier New" panose="02070309020205020404" pitchFamily="49" charset="0"/>
-              </a:rPr>
-              <a:t>版本管控的路徑下建立一個新的資料夾作為</a:t>
-            </a:r>
-            <a:r>
-              <a:rPr lang="en-US" altLang="zh-TW" sz="1600" dirty="0">
-                <a:solidFill>
-                  <a:schemeClr val="bg1"/>
-                </a:solidFill>
-                <a:latin typeface="Courier New" panose="02070309020205020404" pitchFamily="49" charset="0"/>
-                <a:cs typeface="Courier New" panose="02070309020205020404" pitchFamily="49" charset="0"/>
-              </a:rPr>
-              <a:t>Git</a:t>
-            </a:r>
-            <a:r>
-              <a:rPr lang="zh-TW" altLang="en-US" sz="1600" dirty="0">
-                <a:solidFill>
-                  <a:schemeClr val="bg1"/>
-                </a:solidFill>
-                <a:latin typeface="Courier New" panose="02070309020205020404" pitchFamily="49" charset="0"/>
-                <a:cs typeface="Courier New" panose="02070309020205020404" pitchFamily="49" charset="0"/>
-              </a:rPr>
-              <a:t>版本控管倉庫</a:t>
-            </a:r>
-            <a:r>
-              <a:rPr lang="en-US" altLang="zh-TW" sz="1600" dirty="0">
-                <a:solidFill>
-                  <a:schemeClr val="bg1"/>
-                </a:solidFill>
-                <a:latin typeface="Courier New" panose="02070309020205020404" pitchFamily="49" charset="0"/>
-                <a:cs typeface="Courier New" panose="02070309020205020404" pitchFamily="49" charset="0"/>
-              </a:rPr>
-              <a:t>(</a:t>
-            </a:r>
-            <a:r>
-              <a:rPr lang="zh-TW" altLang="en-US" sz="1600" dirty="0">
-                <a:solidFill>
-                  <a:schemeClr val="bg1"/>
-                </a:solidFill>
-                <a:latin typeface="Courier New" panose="02070309020205020404" pitchFamily="49" charset="0"/>
-                <a:cs typeface="Courier New" panose="02070309020205020404" pitchFamily="49" charset="0"/>
-              </a:rPr>
-              <a:t>就是新增資料夾然後自訂名字</a:t>
-            </a:r>
-            <a:r>
-              <a:rPr lang="en-US" altLang="zh-TW" sz="1600" dirty="0">
-                <a:solidFill>
-                  <a:schemeClr val="bg1"/>
-                </a:solidFill>
-                <a:latin typeface="Courier New" panose="02070309020205020404" pitchFamily="49" charset="0"/>
-                <a:cs typeface="Courier New" panose="02070309020205020404" pitchFamily="49" charset="0"/>
-              </a:rPr>
-              <a:t>)</a:t>
-            </a:r>
-            <a:r>
-              <a:rPr lang="zh-TW" altLang="en-US" sz="1600" dirty="0">
-                <a:solidFill>
-                  <a:schemeClr val="bg1"/>
-                </a:solidFill>
-                <a:latin typeface="Courier New" panose="02070309020205020404" pitchFamily="49" charset="0"/>
-                <a:cs typeface="Courier New" panose="02070309020205020404" pitchFamily="49" charset="0"/>
-              </a:rPr>
-              <a:t>，完成後在</a:t>
-            </a:r>
-            <a:r>
-              <a:rPr lang="en-US" altLang="zh-TW" sz="1600" dirty="0">
-                <a:solidFill>
-                  <a:schemeClr val="bg1"/>
-                </a:solidFill>
-                <a:latin typeface="Courier New" panose="02070309020205020404" pitchFamily="49" charset="0"/>
-                <a:cs typeface="Courier New" panose="02070309020205020404" pitchFamily="49" charset="0"/>
-              </a:rPr>
-              <a:t>Git</a:t>
-            </a:r>
-            <a:r>
-              <a:rPr lang="zh-TW" altLang="en-US" sz="1600" dirty="0">
+              <a:rPr lang="zh-TW" altLang="en-US" sz="1400" dirty="0">
                 <a:solidFill>
                   <a:schemeClr val="bg1"/>
                 </a:solidFill>
@@ -6447,26 +6455,86 @@
               <a:t> </a:t>
             </a:r>
             <a:r>
-              <a:rPr lang="en-US" altLang="zh-TW" sz="1600" dirty="0">
-                <a:solidFill>
-                  <a:schemeClr val="bg1"/>
-                </a:solidFill>
-                <a:latin typeface="Courier New" panose="02070309020205020404" pitchFamily="49" charset="0"/>
-                <a:cs typeface="Courier New" panose="02070309020205020404" pitchFamily="49" charset="0"/>
-              </a:rPr>
-              <a:t>Bash</a:t>
-            </a:r>
-            <a:r>
-              <a:rPr lang="zh-TW" altLang="en-US" sz="1600" dirty="0">
-                <a:solidFill>
-                  <a:schemeClr val="bg1"/>
-                </a:solidFill>
-                <a:latin typeface="Courier New" panose="02070309020205020404" pitchFamily="49" charset="0"/>
-                <a:cs typeface="Courier New" panose="02070309020205020404" pitchFamily="49" charset="0"/>
-              </a:rPr>
-              <a:t>命令視窗中切換到剛才建立的目錄。</a:t>
-            </a:r>
-            <a:endParaRPr lang="zh-TW" altLang="en-US" sz="1600" dirty="0">
+              <a:rPr lang="en-US" altLang="zh-TW" sz="1400" dirty="0">
+                <a:solidFill>
+                  <a:schemeClr val="bg1"/>
+                </a:solidFill>
+                <a:latin typeface="Courier New" panose="02070309020205020404" pitchFamily="49" charset="0"/>
+                <a:cs typeface="Courier New" panose="02070309020205020404" pitchFamily="49" charset="0"/>
+              </a:rPr>
+              <a:t>Repository</a:t>
+            </a:r>
+            <a:r>
+              <a:rPr lang="zh-TW" altLang="en-US" sz="1400" dirty="0">
+                <a:solidFill>
+                  <a:schemeClr val="bg1"/>
+                </a:solidFill>
+                <a:latin typeface="Courier New" panose="02070309020205020404" pitchFamily="49" charset="0"/>
+                <a:cs typeface="Courier New" panose="02070309020205020404" pitchFamily="49" charset="0"/>
+              </a:rPr>
+              <a:t>，可先使用</a:t>
+            </a:r>
+            <a:r>
+              <a:rPr lang="en-US" altLang="zh-TW" sz="1400" dirty="0">
+                <a:solidFill>
+                  <a:schemeClr val="bg1"/>
+                </a:solidFill>
+                <a:latin typeface="Courier New" panose="02070309020205020404" pitchFamily="49" charset="0"/>
+                <a:cs typeface="Courier New" panose="02070309020205020404" pitchFamily="49" charset="0"/>
+              </a:rPr>
+              <a:t>”</a:t>
+            </a:r>
+            <a:r>
+              <a:rPr lang="en-US" altLang="zh-TW" sz="1400" dirty="0">
+                <a:solidFill>
+                  <a:srgbClr val="00FF00"/>
+                </a:solidFill>
+                <a:latin typeface="Courier New" panose="02070309020205020404" pitchFamily="49" charset="0"/>
+                <a:cs typeface="Courier New" panose="02070309020205020404" pitchFamily="49" charset="0"/>
+              </a:rPr>
+              <a:t>pwd</a:t>
+            </a:r>
+            <a:r>
+              <a:rPr lang="en-US" altLang="zh-TW" sz="1400" dirty="0">
+                <a:solidFill>
+                  <a:schemeClr val="bg1"/>
+                </a:solidFill>
+                <a:latin typeface="Courier New" panose="02070309020205020404" pitchFamily="49" charset="0"/>
+                <a:cs typeface="Courier New" panose="02070309020205020404" pitchFamily="49" charset="0"/>
+              </a:rPr>
+              <a:t>”</a:t>
+            </a:r>
+            <a:r>
+              <a:rPr lang="zh-TW" altLang="en-US" sz="1400" dirty="0">
+                <a:solidFill>
+                  <a:schemeClr val="bg1"/>
+                </a:solidFill>
+                <a:latin typeface="Courier New" panose="02070309020205020404" pitchFamily="49" charset="0"/>
+                <a:cs typeface="Courier New" panose="02070309020205020404" pitchFamily="49" charset="0"/>
+              </a:rPr>
+              <a:t>指令查看當前路徑，或是切換到想要建立</a:t>
+            </a:r>
+            <a:r>
+              <a:rPr lang="en-US" altLang="zh-TW" sz="1400" dirty="0">
+                <a:solidFill>
+                  <a:schemeClr val="bg1"/>
+                </a:solidFill>
+                <a:latin typeface="Courier New" panose="02070309020205020404" pitchFamily="49" charset="0"/>
+                <a:cs typeface="Courier New" panose="02070309020205020404" pitchFamily="49" charset="0"/>
+              </a:rPr>
+              <a:t>Repository</a:t>
+            </a:r>
+            <a:r>
+              <a:rPr lang="zh-TW" altLang="en-US" sz="1400" dirty="0">
+                <a:solidFill>
+                  <a:schemeClr val="bg1"/>
+                </a:solidFill>
+                <a:latin typeface="Courier New" panose="02070309020205020404" pitchFamily="49" charset="0"/>
+                <a:cs typeface="Courier New" panose="02070309020205020404" pitchFamily="49" charset="0"/>
+              </a:rPr>
+              <a:t>的路徑</a:t>
+            </a:r>
+            <a:endParaRPr lang="zh-TW" altLang="en-US" sz="1400" dirty="0">
               <a:solidFill>
                 <a:srgbClr val="00FF00"/>
               </a:solidFill>
@@ -6493,7 +6561,7 @@
         <p:spPr>
           <a:xfrm>
             <a:off x="1340359" y="2252412"/>
-            <a:ext cx="8662622" cy="586731"/>
+            <a:ext cx="8662622" cy="514673"/>
           </a:xfrm>
           <a:prstGeom prst="rect">
             <a:avLst/>
@@ -6678,7 +6746,7 @@
               <a:buChar char="Ø"/>
             </a:pPr>
             <a:r>
-              <a:rPr lang="zh-TW" altLang="en-US" sz="1800" dirty="0">
+              <a:rPr lang="zh-TW" altLang="en-US" sz="1600" dirty="0">
                 <a:solidFill>
                   <a:schemeClr val="bg1"/>
                 </a:solidFill>
@@ -6686,7 +6754,7 @@
               <a:t>建立新的</a:t>
             </a:r>
             <a:r>
-              <a:rPr lang="en-US" altLang="zh-TW" sz="1800" dirty="0">
+              <a:rPr lang="en-US" altLang="zh-TW" sz="1600" dirty="0">
                 <a:solidFill>
                   <a:schemeClr val="bg1"/>
                 </a:solidFill>
@@ -6694,7 +6762,7 @@
               <a:t>Git</a:t>
             </a:r>
             <a:r>
-              <a:rPr lang="zh-TW" altLang="en-US" sz="1800" dirty="0">
+              <a:rPr lang="zh-TW" altLang="en-US" sz="1600" dirty="0">
                 <a:solidFill>
                   <a:schemeClr val="bg1"/>
                 </a:solidFill>
@@ -6702,7 +6770,7 @@
               <a:t> </a:t>
             </a:r>
             <a:r>
-              <a:rPr lang="en-US" altLang="zh-TW" sz="1800" dirty="0">
+              <a:rPr lang="en-US" altLang="zh-TW" sz="1600" dirty="0">
                 <a:solidFill>
                   <a:schemeClr val="bg1"/>
                 </a:solidFill>
@@ -6710,7 +6778,7 @@
               <a:t>Repository</a:t>
             </a:r>
             <a:r>
-              <a:rPr lang="zh-TW" altLang="en-US" sz="1800" dirty="0">
+              <a:rPr lang="zh-TW" altLang="en-US" sz="1600" dirty="0">
                 <a:solidFill>
                   <a:schemeClr val="bg1"/>
                 </a:solidFill>
@@ -6735,7 +6803,7 @@
         <p:spPr>
           <a:xfrm>
             <a:off x="2034847" y="3566933"/>
-            <a:ext cx="4240447" cy="338554"/>
+            <a:ext cx="6140965" cy="276999"/>
           </a:xfrm>
           <a:prstGeom prst="rect">
             <a:avLst/>
@@ -6749,7 +6817,7 @@
           <a:lstStyle/>
           <a:p>
             <a:r>
-              <a:rPr lang="en-US" altLang="zh-TW" sz="1600" dirty="0">
+              <a:rPr lang="en-US" altLang="zh-TW" sz="1200" dirty="0">
                 <a:solidFill>
                   <a:schemeClr val="bg1"/>
                 </a:solidFill>
@@ -6759,16 +6827,84 @@
               <a:t>$</a:t>
             </a:r>
             <a:r>
-              <a:rPr lang="en-US" altLang="zh-TW" sz="1600" dirty="0">
+              <a:rPr lang="en-US" altLang="zh-TW" sz="1200" dirty="0">
                 <a:solidFill>
                   <a:srgbClr val="00FF00"/>
                 </a:solidFill>
                 <a:latin typeface="Courier New" panose="02070309020205020404" pitchFamily="49" charset="0"/>
                 <a:cs typeface="Courier New" panose="02070309020205020404" pitchFamily="49" charset="0"/>
               </a:rPr>
-              <a:t> cd d:/CAI_Project/git_test </a:t>
-            </a:r>
-            <a:endParaRPr lang="zh-TW" altLang="en-US" sz="1600" dirty="0">
+              <a:t> cd d:/CAI_Project</a:t>
+            </a:r>
+            <a:r>
+              <a:rPr lang="zh-TW" altLang="en-US" sz="1200" dirty="0">
+                <a:solidFill>
+                  <a:srgbClr val="00FF00"/>
+                </a:solidFill>
+                <a:latin typeface="Courier New" panose="02070309020205020404" pitchFamily="49" charset="0"/>
+                <a:cs typeface="Courier New" panose="02070309020205020404" pitchFamily="49" charset="0"/>
+              </a:rPr>
+              <a:t> </a:t>
+            </a:r>
+            <a:r>
+              <a:rPr lang="en-US" altLang="zh-TW" sz="1200" dirty="0">
+                <a:solidFill>
+                  <a:schemeClr val="bg1">
+                    <a:lumMod val="65000"/>
+                  </a:schemeClr>
+                </a:solidFill>
+                <a:latin typeface="Courier New" panose="02070309020205020404" pitchFamily="49" charset="0"/>
+                <a:cs typeface="Courier New" panose="02070309020205020404" pitchFamily="49" charset="0"/>
+              </a:rPr>
+              <a:t>#</a:t>
+            </a:r>
+            <a:r>
+              <a:rPr lang="zh-TW" altLang="en-US" sz="1200" dirty="0">
+                <a:solidFill>
+                  <a:schemeClr val="bg1">
+                    <a:lumMod val="65000"/>
+                  </a:schemeClr>
+                </a:solidFill>
+                <a:latin typeface="Courier New" panose="02070309020205020404" pitchFamily="49" charset="0"/>
+                <a:cs typeface="Courier New" panose="02070309020205020404" pitchFamily="49" charset="0"/>
+              </a:rPr>
+              <a:t> 切換到 </a:t>
+            </a:r>
+            <a:r>
+              <a:rPr lang="en-US" altLang="zh-TW" sz="1200" dirty="0">
+                <a:solidFill>
+                  <a:schemeClr val="bg1">
+                    <a:lumMod val="65000"/>
+                  </a:schemeClr>
+                </a:solidFill>
+                <a:latin typeface="Courier New" panose="02070309020205020404" pitchFamily="49" charset="0"/>
+                <a:cs typeface="Courier New" panose="02070309020205020404" pitchFamily="49" charset="0"/>
+              </a:rPr>
+              <a:t>D:/CAI_Project</a:t>
+            </a:r>
+            <a:r>
+              <a:rPr lang="zh-TW" altLang="en-US" sz="1200" dirty="0">
+                <a:solidFill>
+                  <a:schemeClr val="bg1">
+                    <a:lumMod val="65000"/>
+                  </a:schemeClr>
+                </a:solidFill>
+                <a:latin typeface="Courier New" panose="02070309020205020404" pitchFamily="49" charset="0"/>
+                <a:cs typeface="Courier New" panose="02070309020205020404" pitchFamily="49" charset="0"/>
+              </a:rPr>
+              <a:t>的路徑</a:t>
+            </a:r>
+            <a:r>
+              <a:rPr lang="en-US" altLang="zh-TW" sz="1200" dirty="0">
+                <a:solidFill>
+                  <a:srgbClr val="00FF00"/>
+                </a:solidFill>
+                <a:latin typeface="Courier New" panose="02070309020205020404" pitchFamily="49" charset="0"/>
+                <a:cs typeface="Courier New" panose="02070309020205020404" pitchFamily="49" charset="0"/>
+              </a:rPr>
+              <a:t> </a:t>
+            </a:r>
+            <a:endParaRPr lang="zh-TW" altLang="en-US" sz="1200" dirty="0">
               <a:solidFill>
                 <a:srgbClr val="00FF00"/>
               </a:solidFill>
@@ -6780,10 +6916,886 @@
       </p:sp>
       <p:sp>
         <p:nvSpPr>
-          <p:cNvPr id="6" name="內容版面配置區 2">
-            <a:extLst>
-              <a:ext uri="{FF2B5EF4-FFF2-40B4-BE49-F238E27FC236}">
-                <a16:creationId xmlns:a16="http://schemas.microsoft.com/office/drawing/2014/main" id="{F0BC99AF-5605-7791-B16A-0E5CE4D8010C}"/>
+          <p:cNvPr id="7" name="文字方塊 6">
+            <a:extLst>
+              <a:ext uri="{FF2B5EF4-FFF2-40B4-BE49-F238E27FC236}">
+                <a16:creationId xmlns:a16="http://schemas.microsoft.com/office/drawing/2014/main" id="{0DEC97E7-B73C-8160-B454-DEA5021C5391}"/>
+              </a:ext>
+            </a:extLst>
+          </p:cNvPr>
+          <p:cNvSpPr txBox="1"/>
+          <p:nvPr/>
+        </p:nvSpPr>
+        <p:spPr>
+          <a:xfrm>
+            <a:off x="1717954" y="3905487"/>
+            <a:ext cx="9281740" cy="387927"/>
+          </a:xfrm>
+          <a:prstGeom prst="rect">
+            <a:avLst/>
+          </a:prstGeom>
+          <a:noFill/>
+        </p:spPr>
+        <p:txBody>
+          <a:bodyPr wrap="square" rtlCol="0">
+            <a:spAutoFit/>
+          </a:bodyPr>
+          <a:lstStyle/>
+          <a:p>
+            <a:pPr>
+              <a:lnSpc>
+                <a:spcPct val="150000"/>
+              </a:lnSpc>
+            </a:pPr>
+            <a:r>
+              <a:rPr lang="zh-TW" altLang="en-US" sz="1400" dirty="0">
+                <a:solidFill>
+                  <a:schemeClr val="bg1"/>
+                </a:solidFill>
+                <a:latin typeface="Courier New" panose="02070309020205020404" pitchFamily="49" charset="0"/>
+                <a:cs typeface="Courier New" panose="02070309020205020404" pitchFamily="49" charset="0"/>
+              </a:rPr>
+              <a:t>切換後，在</a:t>
+            </a:r>
+            <a:r>
+              <a:rPr lang="en-US" altLang="zh-TW" sz="1400" dirty="0">
+                <a:solidFill>
+                  <a:schemeClr val="bg1"/>
+                </a:solidFill>
+                <a:latin typeface="Courier New" panose="02070309020205020404" pitchFamily="49" charset="0"/>
+                <a:cs typeface="Courier New" panose="02070309020205020404" pitchFamily="49" charset="0"/>
+              </a:rPr>
+              <a:t>$</a:t>
+            </a:r>
+            <a:r>
+              <a:rPr lang="zh-TW" altLang="en-US" sz="1400" dirty="0">
+                <a:solidFill>
+                  <a:schemeClr val="bg1"/>
+                </a:solidFill>
+                <a:latin typeface="Courier New" panose="02070309020205020404" pitchFamily="49" charset="0"/>
+                <a:cs typeface="Courier New" panose="02070309020205020404" pitchFamily="49" charset="0"/>
+              </a:rPr>
+              <a:t>之前會顯示目前所在的路徑，如下：</a:t>
+            </a:r>
+            <a:endParaRPr lang="zh-TW" altLang="en-US" sz="1400" dirty="0">
+              <a:solidFill>
+                <a:srgbClr val="00FF00"/>
+              </a:solidFill>
+              <a:latin typeface="Courier New" panose="02070309020205020404" pitchFamily="49" charset="0"/>
+              <a:cs typeface="Courier New" panose="02070309020205020404" pitchFamily="49" charset="0"/>
+            </a:endParaRPr>
+          </a:p>
+        </p:txBody>
+      </p:sp>
+      <p:sp>
+        <p:nvSpPr>
+          <p:cNvPr id="10" name="文字方塊 9">
+            <a:extLst>
+              <a:ext uri="{FF2B5EF4-FFF2-40B4-BE49-F238E27FC236}">
+                <a16:creationId xmlns:a16="http://schemas.microsoft.com/office/drawing/2014/main" id="{6C34DB80-E9A7-9113-2D51-5B4C4F7EB519}"/>
+              </a:ext>
+            </a:extLst>
+          </p:cNvPr>
+          <p:cNvSpPr txBox="1"/>
+          <p:nvPr/>
+        </p:nvSpPr>
+        <p:spPr>
+          <a:xfrm>
+            <a:off x="2196212" y="4362015"/>
+            <a:ext cx="7273645" cy="276999"/>
+          </a:xfrm>
+          <a:prstGeom prst="rect">
+            <a:avLst/>
+          </a:prstGeom>
+          <a:noFill/>
+        </p:spPr>
+        <p:txBody>
+          <a:bodyPr wrap="square" rtlCol="0">
+            <a:spAutoFit/>
+          </a:bodyPr>
+          <a:lstStyle/>
+          <a:p>
+            <a:r>
+              <a:rPr lang="en-US" altLang="zh-TW" sz="1200" dirty="0">
+                <a:solidFill>
+                  <a:srgbClr val="00FF00"/>
+                </a:solidFill>
+                <a:latin typeface="Courier New" panose="02070309020205020404" pitchFamily="49" charset="0"/>
+                <a:cs typeface="Courier New" panose="02070309020205020404" pitchFamily="49" charset="0"/>
+              </a:rPr>
+              <a:t>Daniel.hsu@DESKTOP-2C8EEA2 </a:t>
+            </a:r>
+            <a:r>
+              <a:rPr lang="en-US" altLang="zh-TW" sz="1200" dirty="0">
+                <a:solidFill>
+                  <a:srgbClr val="FF00FF"/>
+                </a:solidFill>
+                <a:latin typeface="Courier New" panose="02070309020205020404" pitchFamily="49" charset="0"/>
+                <a:cs typeface="Courier New" panose="02070309020205020404" pitchFamily="49" charset="0"/>
+              </a:rPr>
+              <a:t>MINGW64</a:t>
+            </a:r>
+            <a:r>
+              <a:rPr lang="en-US" altLang="zh-TW" sz="1200" dirty="0">
+                <a:solidFill>
+                  <a:srgbClr val="00FF00"/>
+                </a:solidFill>
+                <a:latin typeface="Courier New" panose="02070309020205020404" pitchFamily="49" charset="0"/>
+                <a:cs typeface="Courier New" panose="02070309020205020404" pitchFamily="49" charset="0"/>
+              </a:rPr>
+              <a:t> </a:t>
+            </a:r>
+            <a:r>
+              <a:rPr lang="en-US" altLang="zh-TW" sz="1200" dirty="0">
+                <a:solidFill>
+                  <a:srgbClr val="FFC000"/>
+                </a:solidFill>
+                <a:latin typeface="Courier New" panose="02070309020205020404" pitchFamily="49" charset="0"/>
+                <a:cs typeface="Courier New" panose="02070309020205020404" pitchFamily="49" charset="0"/>
+              </a:rPr>
+              <a:t>/d/CAI_Project</a:t>
+            </a:r>
+          </a:p>
+        </p:txBody>
+      </p:sp>
+      <p:sp>
+        <p:nvSpPr>
+          <p:cNvPr id="11" name="文字方塊 10">
+            <a:extLst>
+              <a:ext uri="{FF2B5EF4-FFF2-40B4-BE49-F238E27FC236}">
+                <a16:creationId xmlns:a16="http://schemas.microsoft.com/office/drawing/2014/main" id="{1F2F76F4-9BF8-D671-6BB9-4D3E424D1B52}"/>
+              </a:ext>
+            </a:extLst>
+          </p:cNvPr>
+          <p:cNvSpPr txBox="1"/>
+          <p:nvPr/>
+        </p:nvSpPr>
+        <p:spPr>
+          <a:xfrm>
+            <a:off x="2034847" y="5029242"/>
+            <a:ext cx="5310375" cy="461665"/>
+          </a:xfrm>
+          <a:prstGeom prst="rect">
+            <a:avLst/>
+          </a:prstGeom>
+          <a:noFill/>
+        </p:spPr>
+        <p:txBody>
+          <a:bodyPr wrap="square" rtlCol="0">
+            <a:spAutoFit/>
+          </a:bodyPr>
+          <a:lstStyle/>
+          <a:p>
+            <a:r>
+              <a:rPr lang="en-US" altLang="zh-TW" sz="1200" dirty="0">
+                <a:solidFill>
+                  <a:schemeClr val="bg1"/>
+                </a:solidFill>
+                <a:latin typeface="Courier New" panose="02070309020205020404" pitchFamily="49" charset="0"/>
+                <a:cs typeface="Courier New" panose="02070309020205020404" pitchFamily="49" charset="0"/>
+              </a:rPr>
+              <a:t>$</a:t>
+            </a:r>
+            <a:r>
+              <a:rPr lang="en-US" altLang="zh-TW" sz="1200" dirty="0">
+                <a:solidFill>
+                  <a:srgbClr val="00FF00"/>
+                </a:solidFill>
+                <a:latin typeface="Courier New" panose="02070309020205020404" pitchFamily="49" charset="0"/>
+                <a:cs typeface="Courier New" panose="02070309020205020404" pitchFamily="49" charset="0"/>
+              </a:rPr>
+              <a:t> mkdir NewGitRepository </a:t>
+            </a:r>
+            <a:r>
+              <a:rPr lang="en-US" altLang="zh-TW" sz="1200" dirty="0">
+                <a:solidFill>
+                  <a:schemeClr val="bg1">
+                    <a:lumMod val="65000"/>
+                  </a:schemeClr>
+                </a:solidFill>
+                <a:latin typeface="Courier New" panose="02070309020205020404" pitchFamily="49" charset="0"/>
+                <a:cs typeface="Courier New" panose="02070309020205020404" pitchFamily="49" charset="0"/>
+              </a:rPr>
+              <a:t>#</a:t>
+            </a:r>
+            <a:r>
+              <a:rPr lang="zh-TW" altLang="en-US" sz="1200" dirty="0">
+                <a:solidFill>
+                  <a:schemeClr val="bg1">
+                    <a:lumMod val="65000"/>
+                  </a:schemeClr>
+                </a:solidFill>
+                <a:latin typeface="Courier New" panose="02070309020205020404" pitchFamily="49" charset="0"/>
+                <a:cs typeface="Courier New" panose="02070309020205020404" pitchFamily="49" charset="0"/>
+              </a:rPr>
+              <a:t> 倉庫名稱可自行定義</a:t>
+            </a:r>
+            <a:endParaRPr lang="en-US" altLang="zh-TW" sz="1200" dirty="0">
+              <a:solidFill>
+                <a:schemeClr val="bg1">
+                  <a:lumMod val="65000"/>
+                </a:schemeClr>
+              </a:solidFill>
+              <a:latin typeface="Courier New" panose="02070309020205020404" pitchFamily="49" charset="0"/>
+              <a:cs typeface="Courier New" panose="02070309020205020404" pitchFamily="49" charset="0"/>
+            </a:endParaRPr>
+          </a:p>
+          <a:p>
+            <a:r>
+              <a:rPr lang="en-US" altLang="zh-TW" sz="1200" dirty="0">
+                <a:solidFill>
+                  <a:schemeClr val="bg1"/>
+                </a:solidFill>
+                <a:latin typeface="Courier New" panose="02070309020205020404" pitchFamily="49" charset="0"/>
+                <a:cs typeface="Courier New" panose="02070309020205020404" pitchFamily="49" charset="0"/>
+              </a:rPr>
+              <a:t>$</a:t>
+            </a:r>
+            <a:r>
+              <a:rPr lang="zh-TW" altLang="en-US" sz="1200" dirty="0">
+                <a:solidFill>
+                  <a:schemeClr val="bg1"/>
+                </a:solidFill>
+                <a:latin typeface="Courier New" panose="02070309020205020404" pitchFamily="49" charset="0"/>
+                <a:cs typeface="Courier New" panose="02070309020205020404" pitchFamily="49" charset="0"/>
+              </a:rPr>
+              <a:t> </a:t>
+            </a:r>
+            <a:r>
+              <a:rPr lang="en-US" altLang="zh-TW" sz="1200" dirty="0">
+                <a:solidFill>
+                  <a:srgbClr val="00FF00"/>
+                </a:solidFill>
+                <a:latin typeface="Courier New" panose="02070309020205020404" pitchFamily="49" charset="0"/>
+                <a:cs typeface="Courier New" panose="02070309020205020404" pitchFamily="49" charset="0"/>
+              </a:rPr>
+              <a:t>cd NewGitRepository</a:t>
+            </a:r>
+            <a:endParaRPr lang="zh-TW" altLang="en-US" sz="1200" dirty="0">
+              <a:solidFill>
+                <a:schemeClr val="bg1"/>
+              </a:solidFill>
+              <a:latin typeface="Courier New" panose="02070309020205020404" pitchFamily="49" charset="0"/>
+              <a:cs typeface="Courier New" panose="02070309020205020404" pitchFamily="49" charset="0"/>
+            </a:endParaRPr>
+          </a:p>
+        </p:txBody>
+      </p:sp>
+      <p:sp>
+        <p:nvSpPr>
+          <p:cNvPr id="12" name="文字方塊 11">
+            <a:extLst>
+              <a:ext uri="{FF2B5EF4-FFF2-40B4-BE49-F238E27FC236}">
+                <a16:creationId xmlns:a16="http://schemas.microsoft.com/office/drawing/2014/main" id="{0FEB5CB1-1543-767D-1BC2-8C5BED4DD824}"/>
+              </a:ext>
+            </a:extLst>
+          </p:cNvPr>
+          <p:cNvSpPr txBox="1"/>
+          <p:nvPr/>
+        </p:nvSpPr>
+        <p:spPr>
+          <a:xfrm>
+            <a:off x="1717954" y="5431816"/>
+            <a:ext cx="5310375" cy="387927"/>
+          </a:xfrm>
+          <a:prstGeom prst="rect">
+            <a:avLst/>
+          </a:prstGeom>
+          <a:noFill/>
+        </p:spPr>
+        <p:txBody>
+          <a:bodyPr wrap="square" rtlCol="0">
+            <a:spAutoFit/>
+          </a:bodyPr>
+          <a:lstStyle/>
+          <a:p>
+            <a:pPr>
+              <a:lnSpc>
+                <a:spcPct val="150000"/>
+              </a:lnSpc>
+            </a:pPr>
+            <a:r>
+              <a:rPr lang="zh-TW" altLang="en-US" sz="1400" dirty="0">
+                <a:solidFill>
+                  <a:schemeClr val="bg1"/>
+                </a:solidFill>
+                <a:latin typeface="Courier New" panose="02070309020205020404" pitchFamily="49" charset="0"/>
+                <a:cs typeface="Courier New" panose="02070309020205020404" pitchFamily="49" charset="0"/>
+              </a:rPr>
+              <a:t>切換目錄後，所在的目錄路徑如下：</a:t>
+            </a:r>
+            <a:endParaRPr lang="zh-TW" altLang="en-US" sz="1400" dirty="0">
+              <a:solidFill>
+                <a:srgbClr val="00FF00"/>
+              </a:solidFill>
+              <a:latin typeface="Courier New" panose="02070309020205020404" pitchFamily="49" charset="0"/>
+              <a:cs typeface="Courier New" panose="02070309020205020404" pitchFamily="49" charset="0"/>
+            </a:endParaRPr>
+          </a:p>
+        </p:txBody>
+      </p:sp>
+      <p:sp>
+        <p:nvSpPr>
+          <p:cNvPr id="13" name="文字方塊 12">
+            <a:extLst>
+              <a:ext uri="{FF2B5EF4-FFF2-40B4-BE49-F238E27FC236}">
+                <a16:creationId xmlns:a16="http://schemas.microsoft.com/office/drawing/2014/main" id="{85721289-3BCC-5498-9364-A4499EB0097E}"/>
+              </a:ext>
+            </a:extLst>
+          </p:cNvPr>
+          <p:cNvSpPr txBox="1"/>
+          <p:nvPr/>
+        </p:nvSpPr>
+        <p:spPr>
+          <a:xfrm>
+            <a:off x="2034847" y="5893481"/>
+            <a:ext cx="8830377" cy="461665"/>
+          </a:xfrm>
+          <a:prstGeom prst="rect">
+            <a:avLst/>
+          </a:prstGeom>
+          <a:noFill/>
+        </p:spPr>
+        <p:txBody>
+          <a:bodyPr wrap="square" rtlCol="0">
+            <a:spAutoFit/>
+          </a:bodyPr>
+          <a:lstStyle/>
+          <a:p>
+            <a:r>
+              <a:rPr lang="en-US" altLang="zh-TW" sz="1200" dirty="0">
+                <a:solidFill>
+                  <a:srgbClr val="00FF00"/>
+                </a:solidFill>
+                <a:latin typeface="Courier New" panose="02070309020205020404" pitchFamily="49" charset="0"/>
+                <a:cs typeface="Courier New" panose="02070309020205020404" pitchFamily="49" charset="0"/>
+              </a:rPr>
+              <a:t>Daniel.hsu@DESKTOP-2C8EEA2 </a:t>
+            </a:r>
+            <a:r>
+              <a:rPr lang="en-US" altLang="zh-TW" sz="1200" dirty="0">
+                <a:solidFill>
+                  <a:srgbClr val="FF00FF"/>
+                </a:solidFill>
+                <a:latin typeface="Courier New" panose="02070309020205020404" pitchFamily="49" charset="0"/>
+                <a:cs typeface="Courier New" panose="02070309020205020404" pitchFamily="49" charset="0"/>
+              </a:rPr>
+              <a:t>MINGW64</a:t>
+            </a:r>
+            <a:r>
+              <a:rPr lang="en-US" altLang="zh-TW" sz="1200" dirty="0">
+                <a:solidFill>
+                  <a:srgbClr val="00FF00"/>
+                </a:solidFill>
+                <a:latin typeface="Courier New" panose="02070309020205020404" pitchFamily="49" charset="0"/>
+                <a:cs typeface="Courier New" panose="02070309020205020404" pitchFamily="49" charset="0"/>
+              </a:rPr>
+              <a:t> </a:t>
+            </a:r>
+            <a:r>
+              <a:rPr lang="en-US" altLang="zh-TW" sz="1200" dirty="0">
+                <a:solidFill>
+                  <a:srgbClr val="FFC000"/>
+                </a:solidFill>
+                <a:latin typeface="Courier New" panose="02070309020205020404" pitchFamily="49" charset="0"/>
+                <a:cs typeface="Courier New" panose="02070309020205020404" pitchFamily="49" charset="0"/>
+              </a:rPr>
+              <a:t>/d/CAI_Project/NewGitRepository</a:t>
+            </a:r>
+            <a:endParaRPr lang="en-US" altLang="zh-TW" sz="1200" dirty="0">
+              <a:solidFill>
+                <a:srgbClr val="33CCCC"/>
+              </a:solidFill>
+              <a:latin typeface="Courier New" panose="02070309020205020404" pitchFamily="49" charset="0"/>
+              <a:cs typeface="Courier New" panose="02070309020205020404" pitchFamily="49" charset="0"/>
+            </a:endParaRPr>
+          </a:p>
+          <a:p>
+            <a:r>
+              <a:rPr lang="en-US" altLang="zh-TW" sz="1200" dirty="0">
+                <a:solidFill>
+                  <a:schemeClr val="bg1"/>
+                </a:solidFill>
+                <a:latin typeface="Courier New" panose="02070309020205020404" pitchFamily="49" charset="0"/>
+                <a:cs typeface="Courier New" panose="02070309020205020404" pitchFamily="49" charset="0"/>
+              </a:rPr>
+              <a:t>$</a:t>
+            </a:r>
+            <a:r>
+              <a:rPr lang="en-US" altLang="zh-TW" sz="1200" dirty="0">
+                <a:solidFill>
+                  <a:srgbClr val="00FF00"/>
+                </a:solidFill>
+                <a:latin typeface="Courier New" panose="02070309020205020404" pitchFamily="49" charset="0"/>
+                <a:cs typeface="Courier New" panose="02070309020205020404" pitchFamily="49" charset="0"/>
+              </a:rPr>
+              <a:t> </a:t>
+            </a:r>
+            <a:endParaRPr lang="zh-TW" altLang="en-US" sz="1200" dirty="0">
+              <a:solidFill>
+                <a:srgbClr val="00FF00"/>
+              </a:solidFill>
+              <a:latin typeface="Courier New" panose="02070309020205020404" pitchFamily="49" charset="0"/>
+              <a:cs typeface="Courier New" panose="02070309020205020404" pitchFamily="49" charset="0"/>
+            </a:endParaRPr>
+          </a:p>
+        </p:txBody>
+      </p:sp>
+      <p:sp>
+        <p:nvSpPr>
+          <p:cNvPr id="9" name="文字方塊 8">
+            <a:extLst>
+              <a:ext uri="{FF2B5EF4-FFF2-40B4-BE49-F238E27FC236}">
+                <a16:creationId xmlns:a16="http://schemas.microsoft.com/office/drawing/2014/main" id="{1A152E4C-E262-D4CD-462B-1DA75E8DE596}"/>
+              </a:ext>
+            </a:extLst>
+          </p:cNvPr>
+          <p:cNvSpPr txBox="1"/>
+          <p:nvPr/>
+        </p:nvSpPr>
+        <p:spPr>
+          <a:xfrm>
+            <a:off x="1717954" y="4610996"/>
+            <a:ext cx="9281740" cy="387927"/>
+          </a:xfrm>
+          <a:prstGeom prst="rect">
+            <a:avLst/>
+          </a:prstGeom>
+          <a:noFill/>
+        </p:spPr>
+        <p:txBody>
+          <a:bodyPr wrap="square" rtlCol="0">
+            <a:spAutoFit/>
+          </a:bodyPr>
+          <a:lstStyle/>
+          <a:p>
+            <a:pPr>
+              <a:lnSpc>
+                <a:spcPct val="150000"/>
+              </a:lnSpc>
+            </a:pPr>
+            <a:r>
+              <a:rPr lang="zh-TW" altLang="en-US" sz="1400" dirty="0">
+                <a:solidFill>
+                  <a:schemeClr val="bg1"/>
+                </a:solidFill>
+                <a:latin typeface="Courier New" panose="02070309020205020404" pitchFamily="49" charset="0"/>
+                <a:cs typeface="Courier New" panose="02070309020205020404" pitchFamily="49" charset="0"/>
+              </a:rPr>
+              <a:t>使用</a:t>
+            </a:r>
+            <a:r>
+              <a:rPr lang="en-US" altLang="zh-TW" sz="1400" dirty="0">
+                <a:solidFill>
+                  <a:schemeClr val="bg1"/>
+                </a:solidFill>
+                <a:latin typeface="Courier New" panose="02070309020205020404" pitchFamily="49" charset="0"/>
+                <a:cs typeface="Courier New" panose="02070309020205020404" pitchFamily="49" charset="0"/>
+              </a:rPr>
+              <a:t>“</a:t>
+            </a:r>
+            <a:r>
+              <a:rPr lang="en-US" altLang="zh-TW" sz="1400" dirty="0">
+                <a:solidFill>
+                  <a:srgbClr val="00FF00"/>
+                </a:solidFill>
+                <a:latin typeface="Courier New" panose="02070309020205020404" pitchFamily="49" charset="0"/>
+                <a:cs typeface="Courier New" panose="02070309020205020404" pitchFamily="49" charset="0"/>
+              </a:rPr>
+              <a:t>mkdir</a:t>
+            </a:r>
+            <a:r>
+              <a:rPr lang="en-US" altLang="zh-TW" sz="1400" dirty="0">
+                <a:solidFill>
+                  <a:schemeClr val="bg1"/>
+                </a:solidFill>
+                <a:latin typeface="Courier New" panose="02070309020205020404" pitchFamily="49" charset="0"/>
+                <a:cs typeface="Courier New" panose="02070309020205020404" pitchFamily="49" charset="0"/>
+              </a:rPr>
+              <a:t>”</a:t>
+            </a:r>
+            <a:r>
+              <a:rPr lang="zh-TW" altLang="en-US" sz="1400" dirty="0">
+                <a:solidFill>
+                  <a:schemeClr val="bg1"/>
+                </a:solidFill>
+                <a:latin typeface="Courier New" panose="02070309020205020404" pitchFamily="49" charset="0"/>
+                <a:cs typeface="Courier New" panose="02070309020205020404" pitchFamily="49" charset="0"/>
+              </a:rPr>
+              <a:t>指令建立</a:t>
+            </a:r>
+            <a:r>
+              <a:rPr lang="en-US" altLang="zh-TW" sz="1400" dirty="0">
+                <a:solidFill>
+                  <a:schemeClr val="bg1"/>
+                </a:solidFill>
+                <a:latin typeface="Courier New" panose="02070309020205020404" pitchFamily="49" charset="0"/>
+                <a:cs typeface="Courier New" panose="02070309020205020404" pitchFamily="49" charset="0"/>
+              </a:rPr>
+              <a:t>Repository</a:t>
+            </a:r>
+            <a:r>
+              <a:rPr lang="zh-TW" altLang="en-US" sz="1400" dirty="0">
+                <a:solidFill>
+                  <a:schemeClr val="bg1"/>
+                </a:solidFill>
+                <a:latin typeface="Courier New" panose="02070309020205020404" pitchFamily="49" charset="0"/>
+                <a:cs typeface="Courier New" panose="02070309020205020404" pitchFamily="49" charset="0"/>
+              </a:rPr>
+              <a:t>，並切換到新建立的</a:t>
+            </a:r>
+            <a:r>
+              <a:rPr lang="en-US" altLang="zh-TW" sz="1400" dirty="0">
+                <a:solidFill>
+                  <a:schemeClr val="bg1"/>
+                </a:solidFill>
+                <a:latin typeface="Courier New" panose="02070309020205020404" pitchFamily="49" charset="0"/>
+                <a:cs typeface="Courier New" panose="02070309020205020404" pitchFamily="49" charset="0"/>
+              </a:rPr>
+              <a:t>Repository</a:t>
+            </a:r>
+            <a:r>
+              <a:rPr lang="zh-TW" altLang="en-US" sz="1400" dirty="0">
+                <a:solidFill>
+                  <a:schemeClr val="bg1"/>
+                </a:solidFill>
+                <a:latin typeface="Courier New" panose="02070309020205020404" pitchFamily="49" charset="0"/>
+                <a:cs typeface="Courier New" panose="02070309020205020404" pitchFamily="49" charset="0"/>
+              </a:rPr>
+              <a:t>路經</a:t>
+            </a:r>
+            <a:endParaRPr lang="zh-TW" altLang="en-US" sz="1400" dirty="0">
+              <a:solidFill>
+                <a:srgbClr val="00FF00"/>
+              </a:solidFill>
+              <a:latin typeface="Courier New" panose="02070309020205020404" pitchFamily="49" charset="0"/>
+              <a:cs typeface="Courier New" panose="02070309020205020404" pitchFamily="49" charset="0"/>
+            </a:endParaRPr>
+          </a:p>
+        </p:txBody>
+      </p:sp>
+    </p:spTree>
+    <p:extLst>
+      <p:ext uri="{BB962C8B-B14F-4D97-AF65-F5344CB8AC3E}">
+        <p14:creationId xmlns:p14="http://schemas.microsoft.com/office/powerpoint/2010/main" val="1841242470"/>
+      </p:ext>
+    </p:extLst>
+  </p:cSld>
+  <p:clrMapOvr>
+    <a:masterClrMapping/>
+  </p:clrMapOvr>
+</p:sld>
+</file>
+
+<file path=ppt/slides/slide6.xml><?xml version="1.0" encoding="utf-8"?>
+<p:sld xmlns:a="http://schemas.openxmlformats.org/drawingml/2006/main" xmlns:r="http://schemas.openxmlformats.org/officeDocument/2006/relationships" xmlns:p="http://schemas.openxmlformats.org/presentationml/2006/main">
+  <p:cSld>
+    <p:bg>
+      <p:bgPr>
+        <a:solidFill>
+          <a:schemeClr val="tx1">
+            <a:lumMod val="75000"/>
+            <a:lumOff val="25000"/>
+          </a:schemeClr>
+        </a:solidFill>
+        <a:effectLst/>
+      </p:bgPr>
+    </p:bg>
+    <p:spTree>
+      <p:nvGrpSpPr>
+        <p:cNvPr id="1" name="">
+          <a:extLst>
+            <a:ext uri="{FF2B5EF4-FFF2-40B4-BE49-F238E27FC236}">
+              <a16:creationId xmlns:a16="http://schemas.microsoft.com/office/drawing/2014/main" id="{67B831A2-780B-DFCB-D373-C39009015F2F}"/>
+            </a:ext>
+          </a:extLst>
+        </p:cNvPr>
+        <p:cNvGrpSpPr/>
+        <p:nvPr/>
+      </p:nvGrpSpPr>
+      <p:grpSpPr>
+        <a:xfrm>
+          <a:off x="0" y="0"/>
+          <a:ext cx="0" cy="0"/>
+          <a:chOff x="0" y="0"/>
+          <a:chExt cx="0" cy="0"/>
+        </a:xfrm>
+      </p:grpSpPr>
+      <p:sp>
+        <p:nvSpPr>
+          <p:cNvPr id="2" name="標題 1">
+            <a:extLst>
+              <a:ext uri="{FF2B5EF4-FFF2-40B4-BE49-F238E27FC236}">
+                <a16:creationId xmlns:a16="http://schemas.microsoft.com/office/drawing/2014/main" id="{7F78E74D-09C7-FBAA-8E81-AA59913D1A70}"/>
+              </a:ext>
+            </a:extLst>
+          </p:cNvPr>
+          <p:cNvSpPr>
+            <a:spLocks noGrp="1"/>
+          </p:cNvSpPr>
+          <p:nvPr>
+            <p:ph type="title"/>
+          </p:nvPr>
+        </p:nvSpPr>
+        <p:spPr>
+          <a:xfrm>
+            <a:off x="640079" y="1102718"/>
+            <a:ext cx="10890929" cy="662474"/>
+          </a:xfrm>
+        </p:spPr>
+        <p:txBody>
+          <a:bodyPr anchor="ctr" anchorCtr="0">
+            <a:normAutofit/>
+          </a:bodyPr>
+          <a:lstStyle/>
+          <a:p>
+            <a:r>
+              <a:rPr lang="en-US" altLang="zh-TW" sz="3200" dirty="0">
+                <a:solidFill>
+                  <a:srgbClr val="FFC000"/>
+                </a:solidFill>
+              </a:rPr>
+              <a:t>Git Bash – Command Line</a:t>
+            </a:r>
+            <a:endParaRPr lang="zh-TW" altLang="en-US" sz="3200" dirty="0">
+              <a:solidFill>
+                <a:srgbClr val="FFC000"/>
+              </a:solidFill>
+            </a:endParaRPr>
+          </a:p>
+        </p:txBody>
+      </p:sp>
+      <p:sp>
+        <p:nvSpPr>
+          <p:cNvPr id="3" name="內容版面配置區 2">
+            <a:extLst>
+              <a:ext uri="{FF2B5EF4-FFF2-40B4-BE49-F238E27FC236}">
+                <a16:creationId xmlns:a16="http://schemas.microsoft.com/office/drawing/2014/main" id="{121812F4-CDAA-CB06-0D7F-871B47897472}"/>
+              </a:ext>
+            </a:extLst>
+          </p:cNvPr>
+          <p:cNvSpPr>
+            <a:spLocks noGrp="1"/>
+          </p:cNvSpPr>
+          <p:nvPr>
+            <p:ph idx="1"/>
+          </p:nvPr>
+        </p:nvSpPr>
+        <p:spPr>
+          <a:xfrm>
+            <a:off x="797097" y="1765192"/>
+            <a:ext cx="4339679" cy="547027"/>
+          </a:xfrm>
+        </p:spPr>
+        <p:txBody>
+          <a:bodyPr anchor="ctr" anchorCtr="0">
+            <a:noAutofit/>
+          </a:bodyPr>
+          <a:lstStyle/>
+          <a:p>
+            <a:pPr>
+              <a:buFont typeface="Wingdings" panose="05000000000000000000" pitchFamily="2" charset="2"/>
+              <a:buChar char="l"/>
+            </a:pPr>
+            <a:r>
+              <a:rPr lang="zh-TW" altLang="en-US" dirty="0">
+                <a:solidFill>
+                  <a:srgbClr val="00B0F0"/>
+                </a:solidFill>
+              </a:rPr>
+              <a:t> 建立新的</a:t>
+            </a:r>
+            <a:r>
+              <a:rPr lang="en-US" altLang="zh-TW" dirty="0">
+                <a:solidFill>
+                  <a:srgbClr val="00B0F0"/>
+                </a:solidFill>
+              </a:rPr>
+              <a:t>Git</a:t>
+            </a:r>
+            <a:r>
+              <a:rPr lang="zh-TW" altLang="en-US" dirty="0">
+                <a:solidFill>
+                  <a:srgbClr val="00B0F0"/>
+                </a:solidFill>
+              </a:rPr>
+              <a:t> </a:t>
+            </a:r>
+            <a:r>
+              <a:rPr lang="en-US" altLang="zh-TW" dirty="0">
+                <a:solidFill>
+                  <a:srgbClr val="00B0F0"/>
+                </a:solidFill>
+              </a:rPr>
+              <a:t>Repository</a:t>
+            </a:r>
+            <a:endParaRPr lang="zh-TW" altLang="en-US" dirty="0">
+              <a:solidFill>
+                <a:srgbClr val="00B0F0"/>
+              </a:solidFill>
+            </a:endParaRPr>
+          </a:p>
+        </p:txBody>
+      </p:sp>
+      <p:sp>
+        <p:nvSpPr>
+          <p:cNvPr id="4" name="文字方塊 3">
+            <a:extLst>
+              <a:ext uri="{FF2B5EF4-FFF2-40B4-BE49-F238E27FC236}">
+                <a16:creationId xmlns:a16="http://schemas.microsoft.com/office/drawing/2014/main" id="{0329278C-5F64-B2FD-6568-402D5E263990}"/>
+              </a:ext>
+            </a:extLst>
+          </p:cNvPr>
+          <p:cNvSpPr txBox="1"/>
+          <p:nvPr/>
+        </p:nvSpPr>
+        <p:spPr>
+          <a:xfrm>
+            <a:off x="1717954" y="2747130"/>
+            <a:ext cx="9281740" cy="387927"/>
+          </a:xfrm>
+          <a:prstGeom prst="rect">
+            <a:avLst/>
+          </a:prstGeom>
+          <a:noFill/>
+        </p:spPr>
+        <p:txBody>
+          <a:bodyPr wrap="square" rtlCol="0">
+            <a:spAutoFit/>
+          </a:bodyPr>
+          <a:lstStyle/>
+          <a:p>
+            <a:pPr>
+              <a:lnSpc>
+                <a:spcPct val="150000"/>
+              </a:lnSpc>
+            </a:pPr>
+            <a:r>
+              <a:rPr lang="zh-TW" altLang="en-US" sz="1400" dirty="0">
+                <a:solidFill>
+                  <a:schemeClr val="bg1"/>
+                </a:solidFill>
+                <a:latin typeface="Courier New" panose="02070309020205020404" pitchFamily="49" charset="0"/>
+                <a:cs typeface="Courier New" panose="02070309020205020404" pitchFamily="49" charset="0"/>
+              </a:rPr>
+              <a:t>使用</a:t>
+            </a:r>
+            <a:r>
+              <a:rPr lang="en-US" altLang="zh-TW" sz="1400" dirty="0">
+                <a:solidFill>
+                  <a:schemeClr val="bg1"/>
+                </a:solidFill>
+                <a:latin typeface="Courier New" panose="02070309020205020404" pitchFamily="49" charset="0"/>
+                <a:cs typeface="Courier New" panose="02070309020205020404" pitchFamily="49" charset="0"/>
+              </a:rPr>
+              <a:t>”</a:t>
+            </a:r>
+            <a:r>
+              <a:rPr lang="en-US" altLang="zh-TW" sz="1400" dirty="0">
+                <a:solidFill>
+                  <a:srgbClr val="00FF00"/>
+                </a:solidFill>
+                <a:latin typeface="Courier New" panose="02070309020205020404" pitchFamily="49" charset="0"/>
+                <a:cs typeface="Courier New" panose="02070309020205020404" pitchFamily="49" charset="0"/>
+              </a:rPr>
+              <a:t>pwd</a:t>
+            </a:r>
+            <a:r>
+              <a:rPr lang="en-US" altLang="zh-TW" sz="1400" dirty="0">
+                <a:solidFill>
+                  <a:schemeClr val="bg1"/>
+                </a:solidFill>
+                <a:latin typeface="Courier New" panose="02070309020205020404" pitchFamily="49" charset="0"/>
+                <a:cs typeface="Courier New" panose="02070309020205020404" pitchFamily="49" charset="0"/>
+              </a:rPr>
+              <a:t>”</a:t>
+            </a:r>
+            <a:r>
+              <a:rPr lang="zh-TW" altLang="en-US" sz="1400" dirty="0">
+                <a:solidFill>
+                  <a:schemeClr val="bg1"/>
+                </a:solidFill>
+                <a:latin typeface="Courier New" panose="02070309020205020404" pitchFamily="49" charset="0"/>
+                <a:cs typeface="Courier New" panose="02070309020205020404" pitchFamily="49" charset="0"/>
+              </a:rPr>
+              <a:t>指令查看當前路徑，確認路徑是剛才建立的</a:t>
+            </a:r>
+            <a:r>
+              <a:rPr lang="en-US" altLang="zh-TW" sz="1400" dirty="0">
+                <a:solidFill>
+                  <a:schemeClr val="bg1"/>
+                </a:solidFill>
+                <a:latin typeface="Courier New" panose="02070309020205020404" pitchFamily="49" charset="0"/>
+                <a:cs typeface="Courier New" panose="02070309020205020404" pitchFamily="49" charset="0"/>
+              </a:rPr>
+              <a:t>Repository</a:t>
+            </a:r>
+            <a:r>
+              <a:rPr lang="zh-TW" altLang="en-US" sz="1400" dirty="0">
+                <a:solidFill>
+                  <a:schemeClr val="bg1"/>
+                </a:solidFill>
+                <a:latin typeface="Courier New" panose="02070309020205020404" pitchFamily="49" charset="0"/>
+                <a:cs typeface="Courier New" panose="02070309020205020404" pitchFamily="49" charset="0"/>
+              </a:rPr>
+              <a:t>目錄後接著下</a:t>
+            </a:r>
+            <a:r>
+              <a:rPr lang="en-US" altLang="zh-TW" sz="1400" dirty="0">
+                <a:solidFill>
+                  <a:schemeClr val="bg1"/>
+                </a:solidFill>
+                <a:latin typeface="Courier New" panose="02070309020205020404" pitchFamily="49" charset="0"/>
+                <a:cs typeface="Courier New" panose="02070309020205020404" pitchFamily="49" charset="0"/>
+              </a:rPr>
+              <a:t>“</a:t>
+            </a:r>
+            <a:r>
+              <a:rPr lang="en-US" altLang="zh-TW" sz="1400" dirty="0">
+                <a:solidFill>
+                  <a:srgbClr val="00FF00"/>
+                </a:solidFill>
+                <a:latin typeface="Courier New" panose="02070309020205020404" pitchFamily="49" charset="0"/>
+                <a:cs typeface="Courier New" panose="02070309020205020404" pitchFamily="49" charset="0"/>
+              </a:rPr>
+              <a:t>init</a:t>
+            </a:r>
+            <a:r>
+              <a:rPr lang="en-US" altLang="zh-TW" sz="1400" dirty="0">
+                <a:solidFill>
+                  <a:schemeClr val="bg1"/>
+                </a:solidFill>
+                <a:latin typeface="Courier New" panose="02070309020205020404" pitchFamily="49" charset="0"/>
+                <a:cs typeface="Courier New" panose="02070309020205020404" pitchFamily="49" charset="0"/>
+              </a:rPr>
+              <a:t>”</a:t>
+            </a:r>
+            <a:r>
+              <a:rPr lang="zh-TW" altLang="en-US" sz="1400" dirty="0">
+                <a:solidFill>
+                  <a:schemeClr val="bg1"/>
+                </a:solidFill>
+                <a:latin typeface="Courier New" panose="02070309020205020404" pitchFamily="49" charset="0"/>
+                <a:cs typeface="Courier New" panose="02070309020205020404" pitchFamily="49" charset="0"/>
+              </a:rPr>
+              <a:t>進行倉庫初始化</a:t>
+            </a:r>
+            <a:endParaRPr lang="zh-TW" altLang="en-US" sz="1400" dirty="0">
+              <a:solidFill>
+                <a:srgbClr val="00FF00"/>
+              </a:solidFill>
+              <a:latin typeface="Courier New" panose="02070309020205020404" pitchFamily="49" charset="0"/>
+              <a:cs typeface="Courier New" panose="02070309020205020404" pitchFamily="49" charset="0"/>
+            </a:endParaRPr>
+          </a:p>
+        </p:txBody>
+      </p:sp>
+      <p:sp>
+        <p:nvSpPr>
+          <p:cNvPr id="5" name="內容版面配置區 2">
+            <a:extLst>
+              <a:ext uri="{FF2B5EF4-FFF2-40B4-BE49-F238E27FC236}">
+                <a16:creationId xmlns:a16="http://schemas.microsoft.com/office/drawing/2014/main" id="{E1B8AE2B-5B38-7960-D378-78A6ECF2BA8F}"/>
               </a:ext>
             </a:extLst>
           </p:cNvPr>
@@ -6794,8 +7806,8 @@
         </p:nvSpPr>
         <p:spPr>
           <a:xfrm>
-            <a:off x="1340358" y="4946790"/>
-            <a:ext cx="3617123" cy="430118"/>
+            <a:off x="1340359" y="2252412"/>
+            <a:ext cx="8662622" cy="514673"/>
           </a:xfrm>
           <a:prstGeom prst="rect">
             <a:avLst/>
@@ -6980,7 +7992,7 @@
               <a:buChar char="Ø"/>
             </a:pPr>
             <a:r>
-              <a:rPr lang="zh-TW" altLang="en-US" sz="1800" dirty="0">
+              <a:rPr lang="zh-TW" altLang="en-US" sz="1600" dirty="0">
                 <a:solidFill>
                   <a:schemeClr val="bg1"/>
                 </a:solidFill>
@@ -6988,7 +8000,7 @@
               <a:t>初始化</a:t>
             </a:r>
             <a:r>
-              <a:rPr lang="en-US" altLang="zh-TW" sz="1800" dirty="0">
+              <a:rPr lang="en-US" altLang="zh-TW" sz="1600" dirty="0">
                 <a:solidFill>
                   <a:schemeClr val="bg1"/>
                 </a:solidFill>
@@ -6996,7 +8008,7 @@
               <a:t>Git</a:t>
             </a:r>
             <a:r>
-              <a:rPr lang="zh-TW" altLang="en-US" sz="1800" dirty="0">
+              <a:rPr lang="zh-TW" altLang="en-US" sz="1600" dirty="0">
                 <a:solidFill>
                   <a:schemeClr val="bg1"/>
                 </a:solidFill>
@@ -7004,7 +8016,7 @@
               <a:t> </a:t>
             </a:r>
             <a:r>
-              <a:rPr lang="en-US" altLang="zh-TW" sz="1800" dirty="0">
+              <a:rPr lang="en-US" altLang="zh-TW" sz="1600" dirty="0">
                 <a:solidFill>
                   <a:schemeClr val="bg1"/>
                 </a:solidFill>
@@ -7012,22 +8024,22 @@
               <a:t>Repository</a:t>
             </a:r>
             <a:r>
-              <a:rPr lang="zh-TW" altLang="en-US" sz="1800" dirty="0">
-                <a:solidFill>
-                  <a:schemeClr val="bg1"/>
-                </a:solidFill>
-              </a:rPr>
-              <a:t>目錄指令</a:t>
-            </a:r>
-          </a:p>
-        </p:txBody>
-      </p:sp>
-      <p:sp>
-        <p:nvSpPr>
-          <p:cNvPr id="7" name="文字方塊 6">
-            <a:extLst>
-              <a:ext uri="{FF2B5EF4-FFF2-40B4-BE49-F238E27FC236}">
-                <a16:creationId xmlns:a16="http://schemas.microsoft.com/office/drawing/2014/main" id="{0DEC97E7-B73C-8160-B454-DEA5021C5391}"/>
+              <a:rPr lang="zh-TW" altLang="en-US" sz="1600" dirty="0">
+                <a:solidFill>
+                  <a:schemeClr val="bg1"/>
+                </a:solidFill>
+              </a:rPr>
+              <a:t>目錄</a:t>
+            </a:r>
+          </a:p>
+        </p:txBody>
+      </p:sp>
+      <p:sp>
+        <p:nvSpPr>
+          <p:cNvPr id="8" name="文字方塊 7">
+            <a:extLst>
+              <a:ext uri="{FF2B5EF4-FFF2-40B4-BE49-F238E27FC236}">
+                <a16:creationId xmlns:a16="http://schemas.microsoft.com/office/drawing/2014/main" id="{1D352081-1CA8-99B6-A60E-087356F9E9AA}"/>
               </a:ext>
             </a:extLst>
           </p:cNvPr>
@@ -7036,8 +8048,8 @@
         </p:nvSpPr>
         <p:spPr>
           <a:xfrm>
-            <a:off x="1717954" y="3905487"/>
-            <a:ext cx="9281740" cy="430118"/>
+            <a:off x="2034847" y="3175640"/>
+            <a:ext cx="3783247" cy="276999"/>
           </a:xfrm>
           <a:prstGeom prst="rect">
             <a:avLst/>
@@ -7050,23 +8062,8 @@
           </a:bodyPr>
           <a:lstStyle/>
           <a:p>
-            <a:pPr>
-              <a:lnSpc>
-                <a:spcPct val="150000"/>
-              </a:lnSpc>
-            </a:pPr>
-            <a:r>
-              <a:rPr lang="zh-TW" altLang="en-US" sz="1600" dirty="0">
-                <a:solidFill>
-                  <a:schemeClr val="bg1"/>
-                </a:solidFill>
-                <a:latin typeface="Courier New" panose="02070309020205020404" pitchFamily="49" charset="0"/>
-                <a:cs typeface="Courier New" panose="02070309020205020404" pitchFamily="49" charset="0"/>
-              </a:rPr>
-              <a:t>切換到剛才建立的目錄後，在</a:t>
-            </a:r>
-            <a:r>
-              <a:rPr lang="en-US" altLang="zh-TW" sz="1600" dirty="0">
+            <a:r>
+              <a:rPr lang="en-US" altLang="zh-TW" sz="1200" dirty="0">
                 <a:solidFill>
                   <a:schemeClr val="bg1"/>
                 </a:solidFill>
@@ -7076,16 +8073,64 @@
               <a:t>$</a:t>
             </a:r>
             <a:r>
-              <a:rPr lang="zh-TW" altLang="en-US" sz="1600" dirty="0">
-                <a:solidFill>
-                  <a:schemeClr val="bg1"/>
-                </a:solidFill>
-                <a:latin typeface="Courier New" panose="02070309020205020404" pitchFamily="49" charset="0"/>
-                <a:cs typeface="Courier New" panose="02070309020205020404" pitchFamily="49" charset="0"/>
-              </a:rPr>
-              <a:t>之前會顯示目前所在的路徑，如下：</a:t>
-            </a:r>
-            <a:endParaRPr lang="zh-TW" altLang="en-US" sz="1600" dirty="0">
+              <a:rPr lang="en-US" altLang="zh-TW" sz="1200" dirty="0">
+                <a:solidFill>
+                  <a:srgbClr val="00FF00"/>
+                </a:solidFill>
+                <a:latin typeface="Courier New" panose="02070309020205020404" pitchFamily="49" charset="0"/>
+                <a:cs typeface="Courier New" panose="02070309020205020404" pitchFamily="49" charset="0"/>
+              </a:rPr>
+              <a:t> git init </a:t>
+            </a:r>
+            <a:r>
+              <a:rPr lang="en-US" altLang="zh-TW" sz="1200" dirty="0">
+                <a:solidFill>
+                  <a:schemeClr val="bg1">
+                    <a:lumMod val="65000"/>
+                  </a:schemeClr>
+                </a:solidFill>
+                <a:latin typeface="Courier New" panose="02070309020205020404" pitchFamily="49" charset="0"/>
+                <a:cs typeface="Courier New" panose="02070309020205020404" pitchFamily="49" charset="0"/>
+              </a:rPr>
+              <a:t>#</a:t>
+            </a:r>
+            <a:r>
+              <a:rPr lang="zh-TW" altLang="en-US" sz="1200" dirty="0">
+                <a:solidFill>
+                  <a:schemeClr val="bg1">
+                    <a:lumMod val="65000"/>
+                  </a:schemeClr>
+                </a:solidFill>
+                <a:latin typeface="Courier New" panose="02070309020205020404" pitchFamily="49" charset="0"/>
+                <a:cs typeface="Courier New" panose="02070309020205020404" pitchFamily="49" charset="0"/>
+              </a:rPr>
+              <a:t> 初始化</a:t>
+            </a:r>
+            <a:r>
+              <a:rPr lang="en-US" altLang="zh-TW" sz="1200" dirty="0">
+                <a:solidFill>
+                  <a:schemeClr val="bg1">
+                    <a:lumMod val="65000"/>
+                  </a:schemeClr>
+                </a:solidFill>
+                <a:latin typeface="Courier New" panose="02070309020205020404" pitchFamily="49" charset="0"/>
+                <a:cs typeface="Courier New" panose="02070309020205020404" pitchFamily="49" charset="0"/>
+              </a:rPr>
+              <a:t>Repository</a:t>
+            </a:r>
+            <a:r>
+              <a:rPr lang="zh-TW" altLang="en-US" sz="1200" dirty="0">
+                <a:solidFill>
+                  <a:schemeClr val="bg1">
+                    <a:lumMod val="65000"/>
+                  </a:schemeClr>
+                </a:solidFill>
+                <a:latin typeface="Courier New" panose="02070309020205020404" pitchFamily="49" charset="0"/>
+                <a:cs typeface="Courier New" panose="02070309020205020404" pitchFamily="49" charset="0"/>
+              </a:rPr>
+              <a:t>目錄</a:t>
+            </a:r>
+            <a:endParaRPr lang="zh-TW" altLang="en-US" sz="1200" dirty="0">
               <a:solidFill>
                 <a:srgbClr val="00FF00"/>
               </a:solidFill>
@@ -7097,10 +8142,10 @@
       </p:sp>
       <p:sp>
         <p:nvSpPr>
-          <p:cNvPr id="10" name="文字方塊 9">
-            <a:extLst>
-              <a:ext uri="{FF2B5EF4-FFF2-40B4-BE49-F238E27FC236}">
-                <a16:creationId xmlns:a16="http://schemas.microsoft.com/office/drawing/2014/main" id="{6C34DB80-E9A7-9113-2D51-5B4C4F7EB519}"/>
+          <p:cNvPr id="13" name="文字方塊 12">
+            <a:extLst>
+              <a:ext uri="{FF2B5EF4-FFF2-40B4-BE49-F238E27FC236}">
+                <a16:creationId xmlns:a16="http://schemas.microsoft.com/office/drawing/2014/main" id="{31921340-7264-2AE2-7946-759375CDCADC}"/>
               </a:ext>
             </a:extLst>
           </p:cNvPr>
@@ -7109,8 +8154,8 @@
         </p:nvSpPr>
         <p:spPr>
           <a:xfrm>
-            <a:off x="2034847" y="4362015"/>
-            <a:ext cx="7273645" cy="584775"/>
+            <a:off x="2034847" y="5925949"/>
+            <a:ext cx="7790471" cy="461665"/>
           </a:xfrm>
           <a:prstGeom prst="rect">
             <a:avLst/>
@@ -7124,7 +8169,7 @@
           <a:lstStyle/>
           <a:p>
             <a:r>
-              <a:rPr lang="en-US" altLang="zh-TW" sz="1600" dirty="0">
+              <a:rPr lang="en-US" altLang="zh-TW" sz="1200" dirty="0">
                 <a:solidFill>
                   <a:srgbClr val="00FF00"/>
                 </a:solidFill>
@@ -7134,7 +8179,7 @@
               <a:t>Daniel.hsu@DESKTOP-2C8EEA2 </a:t>
             </a:r>
             <a:r>
-              <a:rPr lang="en-US" altLang="zh-TW" sz="1600" dirty="0">
+              <a:rPr lang="en-US" altLang="zh-TW" sz="1200" dirty="0">
                 <a:solidFill>
                   <a:srgbClr val="FF00FF"/>
                 </a:solidFill>
@@ -7144,7 +8189,7 @@
               <a:t>MINGW64</a:t>
             </a:r>
             <a:r>
-              <a:rPr lang="en-US" altLang="zh-TW" sz="1600" dirty="0">
+              <a:rPr lang="en-US" altLang="zh-TW" sz="1200" dirty="0">
                 <a:solidFill>
                   <a:srgbClr val="00FF00"/>
                 </a:solidFill>
@@ -7154,19 +8199,39 @@
               <a:t> </a:t>
             </a:r>
             <a:r>
-              <a:rPr lang="en-US" altLang="zh-TW" sz="1600" dirty="0">
+              <a:rPr lang="en-US" altLang="zh-TW" sz="1200" dirty="0">
                 <a:solidFill>
                   <a:srgbClr val="FFC000"/>
                 </a:solidFill>
                 <a:latin typeface="Courier New" panose="02070309020205020404" pitchFamily="49" charset="0"/>
                 <a:cs typeface="Courier New" panose="02070309020205020404" pitchFamily="49" charset="0"/>
               </a:rPr>
-              <a:t>/d/CAI_Project/git_test</a:t>
-            </a:r>
-          </a:p>
-          <a:p>
-            <a:r>
-              <a:rPr lang="en-US" altLang="zh-TW" sz="1600" dirty="0">
+              <a:t>/d/CAI_Project/NewGitRepository</a:t>
+            </a:r>
+            <a:r>
+              <a:rPr lang="zh-TW" altLang="en-US" sz="1200" dirty="0">
+                <a:solidFill>
+                  <a:srgbClr val="FFC000"/>
+                </a:solidFill>
+                <a:latin typeface="Courier New" panose="02070309020205020404" pitchFamily="49" charset="0"/>
+                <a:cs typeface="Courier New" panose="02070309020205020404" pitchFamily="49" charset="0"/>
+              </a:rPr>
+              <a:t> </a:t>
+            </a:r>
+            <a:r>
+              <a:rPr lang="en-US" altLang="zh-TW" sz="1200" dirty="0">
+                <a:solidFill>
+                  <a:srgbClr val="33CCCC"/>
+                </a:solidFill>
+                <a:latin typeface="Courier New" panose="02070309020205020404" pitchFamily="49" charset="0"/>
+                <a:cs typeface="Courier New" panose="02070309020205020404" pitchFamily="49" charset="0"/>
+              </a:rPr>
+              <a:t>(master)</a:t>
+            </a:r>
+          </a:p>
+          <a:p>
+            <a:r>
+              <a:rPr lang="en-US" altLang="zh-TW" sz="1200" dirty="0">
                 <a:solidFill>
                   <a:schemeClr val="bg1"/>
                 </a:solidFill>
@@ -7175,17 +8240,133 @@
               </a:rPr>
               <a:t>$</a:t>
             </a:r>
-            <a:r>
-              <a:rPr lang="en-US" altLang="zh-TW" sz="1600" dirty="0">
-                <a:solidFill>
-                  <a:srgbClr val="00FF00"/>
-                </a:solidFill>
-                <a:latin typeface="Courier New" panose="02070309020205020404" pitchFamily="49" charset="0"/>
-                <a:cs typeface="Courier New" panose="02070309020205020404" pitchFamily="49" charset="0"/>
-              </a:rPr>
-              <a:t> </a:t>
-            </a:r>
-            <a:endParaRPr lang="zh-TW" altLang="en-US" sz="1600" dirty="0">
+          </a:p>
+        </p:txBody>
+      </p:sp>
+      <p:sp>
+        <p:nvSpPr>
+          <p:cNvPr id="9" name="文字方塊 8">
+            <a:extLst>
+              <a:ext uri="{FF2B5EF4-FFF2-40B4-BE49-F238E27FC236}">
+                <a16:creationId xmlns:a16="http://schemas.microsoft.com/office/drawing/2014/main" id="{B952615F-3D36-2337-5EE0-6066F8258048}"/>
+              </a:ext>
+            </a:extLst>
+          </p:cNvPr>
+          <p:cNvSpPr txBox="1"/>
+          <p:nvPr/>
+        </p:nvSpPr>
+        <p:spPr>
+          <a:xfrm>
+            <a:off x="1717954" y="5137582"/>
+            <a:ext cx="9813054" cy="387927"/>
+          </a:xfrm>
+          <a:prstGeom prst="rect">
+            <a:avLst/>
+          </a:prstGeom>
+          <a:noFill/>
+        </p:spPr>
+        <p:txBody>
+          <a:bodyPr wrap="square" rtlCol="0">
+            <a:spAutoFit/>
+          </a:bodyPr>
+          <a:lstStyle/>
+          <a:p>
+            <a:pPr>
+              <a:lnSpc>
+                <a:spcPct val="150000"/>
+              </a:lnSpc>
+            </a:pPr>
+            <a:r>
+              <a:rPr lang="zh-TW" altLang="en-US" sz="1400" dirty="0">
+                <a:solidFill>
+                  <a:schemeClr val="bg1"/>
+                </a:solidFill>
+                <a:latin typeface="Courier New" panose="02070309020205020404" pitchFamily="49" charset="0"/>
+                <a:cs typeface="Courier New" panose="02070309020205020404" pitchFamily="49" charset="0"/>
+              </a:rPr>
+              <a:t>初始化完成後，命令列路徑提示字串最後會顯示</a:t>
+            </a:r>
+            <a:r>
+              <a:rPr lang="en-US" altLang="zh-TW" sz="1400" dirty="0">
+                <a:solidFill>
+                  <a:schemeClr val="bg1"/>
+                </a:solidFill>
+                <a:latin typeface="Courier New" panose="02070309020205020404" pitchFamily="49" charset="0"/>
+                <a:cs typeface="Courier New" panose="02070309020205020404" pitchFamily="49" charset="0"/>
+              </a:rPr>
+              <a:t>“master”</a:t>
+            </a:r>
+            <a:r>
+              <a:rPr lang="zh-TW" altLang="en-US" sz="1400" dirty="0">
+                <a:solidFill>
+                  <a:schemeClr val="bg1"/>
+                </a:solidFill>
+                <a:latin typeface="Courier New" panose="02070309020205020404" pitchFamily="49" charset="0"/>
+                <a:cs typeface="Courier New" panose="02070309020205020404" pitchFamily="49" charset="0"/>
+              </a:rPr>
+              <a:t>，這是</a:t>
+            </a:r>
+            <a:r>
+              <a:rPr lang="en-US" altLang="zh-TW" sz="1400" dirty="0">
+                <a:solidFill>
+                  <a:schemeClr val="bg1"/>
+                </a:solidFill>
+                <a:latin typeface="Courier New" panose="02070309020205020404" pitchFamily="49" charset="0"/>
+                <a:cs typeface="Courier New" panose="02070309020205020404" pitchFamily="49" charset="0"/>
+              </a:rPr>
+              <a:t>git</a:t>
+            </a:r>
+            <a:r>
+              <a:rPr lang="zh-TW" altLang="en-US" sz="1400" dirty="0">
+                <a:solidFill>
+                  <a:schemeClr val="bg1"/>
+                </a:solidFill>
+                <a:latin typeface="Courier New" panose="02070309020205020404" pitchFamily="49" charset="0"/>
+                <a:cs typeface="Courier New" panose="02070309020205020404" pitchFamily="49" charset="0"/>
+              </a:rPr>
+              <a:t>預設的初始分支名稱，表示為版控的</a:t>
+            </a:r>
+            <a:r>
+              <a:rPr lang="en-US" altLang="zh-TW" sz="1400" dirty="0">
+                <a:solidFill>
+                  <a:schemeClr val="bg1"/>
+                </a:solidFill>
+                <a:latin typeface="Courier New" panose="02070309020205020404" pitchFamily="49" charset="0"/>
+                <a:cs typeface="Courier New" panose="02070309020205020404" pitchFamily="49" charset="0"/>
+              </a:rPr>
+              <a:t>『</a:t>
+            </a:r>
+            <a:r>
+              <a:rPr lang="zh-TW" altLang="en-US" sz="1400" dirty="0">
+                <a:solidFill>
+                  <a:schemeClr val="bg1"/>
+                </a:solidFill>
+                <a:latin typeface="Courier New" panose="02070309020205020404" pitchFamily="49" charset="0"/>
+                <a:cs typeface="Courier New" panose="02070309020205020404" pitchFamily="49" charset="0"/>
+              </a:rPr>
+              <a:t>主</a:t>
+            </a:r>
+            <a:r>
+              <a:rPr lang="en-US" altLang="zh-TW" sz="1400" dirty="0">
+                <a:solidFill>
+                  <a:schemeClr val="bg1"/>
+                </a:solidFill>
+                <a:latin typeface="Courier New" panose="02070309020205020404" pitchFamily="49" charset="0"/>
+                <a:cs typeface="Courier New" panose="02070309020205020404" pitchFamily="49" charset="0"/>
+              </a:rPr>
+              <a:t>』</a:t>
+            </a:r>
+            <a:r>
+              <a:rPr lang="zh-TW" altLang="en-US" sz="1400" dirty="0">
+                <a:solidFill>
+                  <a:schemeClr val="bg1"/>
+                </a:solidFill>
+                <a:latin typeface="Courier New" panose="02070309020205020404" pitchFamily="49" charset="0"/>
+                <a:cs typeface="Courier New" panose="02070309020205020404" pitchFamily="49" charset="0"/>
+              </a:rPr>
+              <a:t>版本</a:t>
+            </a:r>
+            <a:endParaRPr lang="zh-TW" altLang="en-US" sz="1400" dirty="0">
               <a:solidFill>
                 <a:srgbClr val="00FF00"/>
               </a:solidFill>
@@ -7195,12 +8376,42 @@
           </a:p>
         </p:txBody>
       </p:sp>
-      <p:sp>
-        <p:nvSpPr>
-          <p:cNvPr id="11" name="文字方塊 10">
-            <a:extLst>
-              <a:ext uri="{FF2B5EF4-FFF2-40B4-BE49-F238E27FC236}">
-                <a16:creationId xmlns:a16="http://schemas.microsoft.com/office/drawing/2014/main" id="{1F2F76F4-9BF8-D671-6BB9-4D3E424D1B52}"/>
+      <p:pic>
+        <p:nvPicPr>
+          <p:cNvPr id="14" name="圖片 13">
+            <a:extLst>
+              <a:ext uri="{FF2B5EF4-FFF2-40B4-BE49-F238E27FC236}">
+                <a16:creationId xmlns:a16="http://schemas.microsoft.com/office/drawing/2014/main" id="{00C47F96-AF0D-D03F-099A-577CC96CCC6F}"/>
+              </a:ext>
+            </a:extLst>
+          </p:cNvPr>
+          <p:cNvPicPr>
+            <a:picLocks noChangeAspect="1"/>
+          </p:cNvPicPr>
+          <p:nvPr/>
+        </p:nvPicPr>
+        <p:blipFill>
+          <a:blip r:embed="rId2"/>
+          <a:stretch>
+            <a:fillRect/>
+          </a:stretch>
+        </p:blipFill>
+        <p:spPr>
+          <a:xfrm>
+            <a:off x="3358962" y="3700778"/>
+            <a:ext cx="2028825" cy="876300"/>
+          </a:xfrm>
+          <a:prstGeom prst="rect">
+            <a:avLst/>
+          </a:prstGeom>
+        </p:spPr>
+      </p:pic>
+      <p:sp>
+        <p:nvSpPr>
+          <p:cNvPr id="15" name="文字方塊 14">
+            <a:extLst>
+              <a:ext uri="{FF2B5EF4-FFF2-40B4-BE49-F238E27FC236}">
+                <a16:creationId xmlns:a16="http://schemas.microsoft.com/office/drawing/2014/main" id="{6D31D7E3-1F0C-0BDC-C124-E3D5D36BBC99}"/>
               </a:ext>
             </a:extLst>
           </p:cNvPr>
@@ -7209,8 +8420,8 @@
         </p:nvSpPr>
         <p:spPr>
           <a:xfrm>
-            <a:off x="2034848" y="5448712"/>
-            <a:ext cx="2725412" cy="338554"/>
+            <a:off x="5671670" y="4108090"/>
+            <a:ext cx="4563034" cy="276999"/>
           </a:xfrm>
           <a:prstGeom prst="rect">
             <a:avLst/>
@@ -7224,26 +8435,102 @@
           <a:lstStyle/>
           <a:p>
             <a:r>
-              <a:rPr lang="en-US" altLang="zh-TW" sz="1600" dirty="0">
-                <a:solidFill>
-                  <a:schemeClr val="bg1"/>
-                </a:solidFill>
-                <a:latin typeface="Courier New" panose="02070309020205020404" pitchFamily="49" charset="0"/>
-                <a:cs typeface="Courier New" panose="02070309020205020404" pitchFamily="49" charset="0"/>
-              </a:rPr>
-              <a:t>$</a:t>
-            </a:r>
-            <a:r>
-              <a:rPr lang="en-US" altLang="zh-TW" sz="1600" dirty="0">
-                <a:solidFill>
-                  <a:srgbClr val="00FF00"/>
-                </a:solidFill>
-                <a:latin typeface="Courier New" panose="02070309020205020404" pitchFamily="49" charset="0"/>
-                <a:cs typeface="Courier New" panose="02070309020205020404" pitchFamily="49" charset="0"/>
-              </a:rPr>
-              <a:t> git init</a:t>
-            </a:r>
-            <a:endParaRPr lang="zh-TW" altLang="en-US" sz="1600" dirty="0">
+              <a:rPr lang="zh-TW" altLang="en-US" sz="1200" dirty="0">
+                <a:solidFill>
+                  <a:schemeClr val="bg1">
+                    <a:lumMod val="65000"/>
+                  </a:schemeClr>
+                </a:solidFill>
+                <a:latin typeface="Courier New" panose="02070309020205020404" pitchFamily="49" charset="0"/>
+                <a:cs typeface="Courier New" panose="02070309020205020404" pitchFamily="49" charset="0"/>
+              </a:rPr>
+              <a:t>初始化完成後</a:t>
+            </a:r>
+            <a:r>
+              <a:rPr lang="en-US" altLang="zh-TW" sz="1200" dirty="0">
+                <a:solidFill>
+                  <a:schemeClr val="bg1">
+                    <a:lumMod val="65000"/>
+                  </a:schemeClr>
+                </a:solidFill>
+                <a:latin typeface="Courier New" panose="02070309020205020404" pitchFamily="49" charset="0"/>
+                <a:cs typeface="Courier New" panose="02070309020205020404" pitchFamily="49" charset="0"/>
+              </a:rPr>
+              <a:t>Repository</a:t>
+            </a:r>
+            <a:r>
+              <a:rPr lang="zh-TW" altLang="en-US" sz="1200" dirty="0">
+                <a:solidFill>
+                  <a:schemeClr val="bg1">
+                    <a:lumMod val="65000"/>
+                  </a:schemeClr>
+                </a:solidFill>
+                <a:latin typeface="Courier New" panose="02070309020205020404" pitchFamily="49" charset="0"/>
+                <a:cs typeface="Courier New" panose="02070309020205020404" pitchFamily="49" charset="0"/>
+              </a:rPr>
+              <a:t>目錄中會出現</a:t>
+            </a:r>
+            <a:r>
+              <a:rPr lang="en-US" altLang="zh-TW" sz="1200" dirty="0">
+                <a:solidFill>
+                  <a:schemeClr val="bg1">
+                    <a:lumMod val="65000"/>
+                  </a:schemeClr>
+                </a:solidFill>
+                <a:latin typeface="Courier New" panose="02070309020205020404" pitchFamily="49" charset="0"/>
+                <a:cs typeface="Courier New" panose="02070309020205020404" pitchFamily="49" charset="0"/>
+              </a:rPr>
+              <a:t>.git</a:t>
+            </a:r>
+            <a:r>
+              <a:rPr lang="zh-TW" altLang="en-US" sz="1200" dirty="0">
+                <a:solidFill>
+                  <a:schemeClr val="bg1">
+                    <a:lumMod val="65000"/>
+                  </a:schemeClr>
+                </a:solidFill>
+                <a:latin typeface="Courier New" panose="02070309020205020404" pitchFamily="49" charset="0"/>
+                <a:cs typeface="Courier New" panose="02070309020205020404" pitchFamily="49" charset="0"/>
+              </a:rPr>
+              <a:t>的資料夾</a:t>
+            </a:r>
+            <a:r>
+              <a:rPr lang="en-US" altLang="zh-TW" sz="1200" dirty="0">
+                <a:solidFill>
+                  <a:schemeClr val="bg1">
+                    <a:lumMod val="65000"/>
+                  </a:schemeClr>
+                </a:solidFill>
+                <a:latin typeface="Courier New" panose="02070309020205020404" pitchFamily="49" charset="0"/>
+                <a:cs typeface="Courier New" panose="02070309020205020404" pitchFamily="49" charset="0"/>
+              </a:rPr>
+              <a:t>(</a:t>
+            </a:r>
+            <a:r>
+              <a:rPr lang="zh-TW" altLang="en-US" sz="1200" dirty="0">
+                <a:solidFill>
+                  <a:schemeClr val="bg1">
+                    <a:lumMod val="65000"/>
+                  </a:schemeClr>
+                </a:solidFill>
+                <a:latin typeface="Courier New" panose="02070309020205020404" pitchFamily="49" charset="0"/>
+                <a:cs typeface="Courier New" panose="02070309020205020404" pitchFamily="49" charset="0"/>
+              </a:rPr>
+              <a:t>隱藏檔</a:t>
+            </a:r>
+            <a:r>
+              <a:rPr lang="en-US" altLang="zh-TW" sz="1200" dirty="0">
+                <a:solidFill>
+                  <a:schemeClr val="bg1">
+                    <a:lumMod val="65000"/>
+                  </a:schemeClr>
+                </a:solidFill>
+                <a:latin typeface="Courier New" panose="02070309020205020404" pitchFamily="49" charset="0"/>
+                <a:cs typeface="Courier New" panose="02070309020205020404" pitchFamily="49" charset="0"/>
+              </a:rPr>
+              <a:t>)</a:t>
+            </a:r>
+            <a:endParaRPr lang="zh-TW" altLang="en-US" sz="1200" dirty="0">
               <a:solidFill>
                 <a:srgbClr val="00FF00"/>
               </a:solidFill>
@@ -7253,12 +8540,178 @@
           </a:p>
         </p:txBody>
       </p:sp>
-      <p:sp>
-        <p:nvSpPr>
-          <p:cNvPr id="12" name="文字方塊 11">
-            <a:extLst>
-              <a:ext uri="{FF2B5EF4-FFF2-40B4-BE49-F238E27FC236}">
-                <a16:creationId xmlns:a16="http://schemas.microsoft.com/office/drawing/2014/main" id="{0FEB5CB1-1543-767D-1BC2-8C5BED4DD824}"/>
+    </p:spTree>
+    <p:extLst>
+      <p:ext uri="{BB962C8B-B14F-4D97-AF65-F5344CB8AC3E}">
+        <p14:creationId xmlns:p14="http://schemas.microsoft.com/office/powerpoint/2010/main" val="2533157438"/>
+      </p:ext>
+    </p:extLst>
+  </p:cSld>
+  <p:clrMapOvr>
+    <a:masterClrMapping/>
+  </p:clrMapOvr>
+</p:sld>
+</file>
+
+<file path=ppt/slides/slide7.xml><?xml version="1.0" encoding="utf-8"?>
+<p:sld xmlns:a="http://schemas.openxmlformats.org/drawingml/2006/main" xmlns:r="http://schemas.openxmlformats.org/officeDocument/2006/relationships" xmlns:p="http://schemas.openxmlformats.org/presentationml/2006/main">
+  <p:cSld>
+    <p:bg>
+      <p:bgPr>
+        <a:solidFill>
+          <a:schemeClr val="tx1">
+            <a:lumMod val="75000"/>
+            <a:lumOff val="25000"/>
+          </a:schemeClr>
+        </a:solidFill>
+        <a:effectLst/>
+      </p:bgPr>
+    </p:bg>
+    <p:spTree>
+      <p:nvGrpSpPr>
+        <p:cNvPr id="1" name="">
+          <a:extLst>
+            <a:ext uri="{FF2B5EF4-FFF2-40B4-BE49-F238E27FC236}">
+              <a16:creationId xmlns:a16="http://schemas.microsoft.com/office/drawing/2014/main" id="{D3EAE79C-5D44-A23C-B7EE-9E96464F095B}"/>
+            </a:ext>
+          </a:extLst>
+        </p:cNvPr>
+        <p:cNvGrpSpPr/>
+        <p:nvPr/>
+      </p:nvGrpSpPr>
+      <p:grpSpPr>
+        <a:xfrm>
+          <a:off x="0" y="0"/>
+          <a:ext cx="0" cy="0"/>
+          <a:chOff x="0" y="0"/>
+          <a:chExt cx="0" cy="0"/>
+        </a:xfrm>
+      </p:grpSpPr>
+      <p:sp>
+        <p:nvSpPr>
+          <p:cNvPr id="2" name="標題 1">
+            <a:extLst>
+              <a:ext uri="{FF2B5EF4-FFF2-40B4-BE49-F238E27FC236}">
+                <a16:creationId xmlns:a16="http://schemas.microsoft.com/office/drawing/2014/main" id="{D2B3281E-F36E-73EC-7324-D18EDA72F7A0}"/>
+              </a:ext>
+            </a:extLst>
+          </p:cNvPr>
+          <p:cNvSpPr>
+            <a:spLocks noGrp="1"/>
+          </p:cNvSpPr>
+          <p:nvPr>
+            <p:ph type="title"/>
+          </p:nvPr>
+        </p:nvSpPr>
+        <p:spPr>
+          <a:xfrm>
+            <a:off x="640079" y="1102718"/>
+            <a:ext cx="10890929" cy="662474"/>
+          </a:xfrm>
+        </p:spPr>
+        <p:txBody>
+          <a:bodyPr anchor="ctr" anchorCtr="0">
+            <a:normAutofit/>
+          </a:bodyPr>
+          <a:lstStyle/>
+          <a:p>
+            <a:r>
+              <a:rPr lang="en-US" altLang="zh-TW" sz="3200" dirty="0">
+                <a:solidFill>
+                  <a:srgbClr val="FFC000"/>
+                </a:solidFill>
+              </a:rPr>
+              <a:t>Git Bash – Command Line</a:t>
+            </a:r>
+            <a:endParaRPr lang="zh-TW" altLang="en-US" sz="3200" dirty="0">
+              <a:solidFill>
+                <a:srgbClr val="FFC000"/>
+              </a:solidFill>
+            </a:endParaRPr>
+          </a:p>
+        </p:txBody>
+      </p:sp>
+      <p:sp>
+        <p:nvSpPr>
+          <p:cNvPr id="3" name="內容版面配置區 2">
+            <a:extLst>
+              <a:ext uri="{FF2B5EF4-FFF2-40B4-BE49-F238E27FC236}">
+                <a16:creationId xmlns:a16="http://schemas.microsoft.com/office/drawing/2014/main" id="{A439F662-30D5-300B-A183-1405EC1D22AE}"/>
+              </a:ext>
+            </a:extLst>
+          </p:cNvPr>
+          <p:cNvSpPr>
+            <a:spLocks noGrp="1"/>
+          </p:cNvSpPr>
+          <p:nvPr>
+            <p:ph idx="1"/>
+          </p:nvPr>
+        </p:nvSpPr>
+        <p:spPr>
+          <a:xfrm>
+            <a:off x="797097" y="1765192"/>
+            <a:ext cx="4339679" cy="547027"/>
+          </a:xfrm>
+        </p:spPr>
+        <p:txBody>
+          <a:bodyPr anchor="ctr" anchorCtr="0">
+            <a:noAutofit/>
+          </a:bodyPr>
+          <a:lstStyle/>
+          <a:p>
+            <a:pPr>
+              <a:buFont typeface="Wingdings" panose="05000000000000000000" pitchFamily="2" charset="2"/>
+              <a:buChar char="l"/>
+            </a:pPr>
+            <a:r>
+              <a:rPr lang="zh-TW" altLang="en-US" dirty="0">
+                <a:solidFill>
+                  <a:srgbClr val="00B0F0"/>
+                </a:solidFill>
+              </a:rPr>
+              <a:t> 在新的</a:t>
+            </a:r>
+            <a:r>
+              <a:rPr lang="en-US" altLang="zh-TW" dirty="0">
+                <a:solidFill>
+                  <a:srgbClr val="00B0F0"/>
+                </a:solidFill>
+              </a:rPr>
+              <a:t>Git</a:t>
+            </a:r>
+            <a:r>
+              <a:rPr lang="zh-TW" altLang="en-US" dirty="0">
+                <a:solidFill>
+                  <a:srgbClr val="00B0F0"/>
+                </a:solidFill>
+              </a:rPr>
+              <a:t> </a:t>
+            </a:r>
+            <a:r>
+              <a:rPr lang="en-US" altLang="zh-TW" dirty="0">
+                <a:solidFill>
+                  <a:srgbClr val="00B0F0"/>
+                </a:solidFill>
+              </a:rPr>
+              <a:t>Repository</a:t>
+            </a:r>
+            <a:r>
+              <a:rPr lang="zh-TW" altLang="en-US" dirty="0">
+                <a:solidFill>
+                  <a:srgbClr val="00B0F0"/>
+                </a:solidFill>
+              </a:rPr>
+              <a:t>建立檔案</a:t>
+            </a:r>
+          </a:p>
+        </p:txBody>
+      </p:sp>
+      <p:sp>
+        <p:nvSpPr>
+          <p:cNvPr id="4" name="文字方塊 3">
+            <a:extLst>
+              <a:ext uri="{FF2B5EF4-FFF2-40B4-BE49-F238E27FC236}">
+                <a16:creationId xmlns:a16="http://schemas.microsoft.com/office/drawing/2014/main" id="{41ED9965-7A6C-3699-436F-161E72E40F31}"/>
               </a:ext>
             </a:extLst>
           </p:cNvPr>
@@ -7267,8 +8720,8 @@
         </p:nvSpPr>
         <p:spPr>
           <a:xfrm>
-            <a:off x="1717954" y="5746624"/>
-            <a:ext cx="5310375" cy="430118"/>
+            <a:off x="1717954" y="2747130"/>
+            <a:ext cx="8851434" cy="387927"/>
           </a:xfrm>
           <a:prstGeom prst="rect">
             <a:avLst/>
@@ -7287,36 +8740,76 @@
               </a:lnSpc>
             </a:pPr>
             <a:r>
-              <a:rPr lang="zh-TW" altLang="en-US" sz="1600" dirty="0">
-                <a:solidFill>
-                  <a:schemeClr val="bg1"/>
-                </a:solidFill>
-                <a:latin typeface="Courier New" panose="02070309020205020404" pitchFamily="49" charset="0"/>
-                <a:cs typeface="Courier New" panose="02070309020205020404" pitchFamily="49" charset="0"/>
-              </a:rPr>
-              <a:t>初始化完成後，所在的目錄路徑會出現 </a:t>
-            </a:r>
-            <a:r>
-              <a:rPr lang="en-US" altLang="zh-TW" sz="1600" dirty="0">
-                <a:solidFill>
-                  <a:schemeClr val="bg1"/>
-                </a:solidFill>
-                <a:latin typeface="Courier New" panose="02070309020205020404" pitchFamily="49" charset="0"/>
-                <a:cs typeface="Courier New" panose="02070309020205020404" pitchFamily="49" charset="0"/>
-              </a:rPr>
-              <a:t>master</a:t>
-            </a:r>
-            <a:r>
-              <a:rPr lang="zh-TW" altLang="en-US" sz="1600" dirty="0">
-                <a:solidFill>
-                  <a:schemeClr val="bg1"/>
-                </a:solidFill>
-                <a:latin typeface="Courier New" panose="02070309020205020404" pitchFamily="49" charset="0"/>
-                <a:cs typeface="Courier New" panose="02070309020205020404" pitchFamily="49" charset="0"/>
-              </a:rPr>
-              <a:t>，如下：</a:t>
-            </a:r>
-            <a:endParaRPr lang="zh-TW" altLang="en-US" sz="1600" dirty="0">
+              <a:rPr lang="zh-TW" altLang="en-US" sz="1400" dirty="0">
+                <a:solidFill>
+                  <a:schemeClr val="bg1"/>
+                </a:solidFill>
+                <a:latin typeface="Courier New" panose="02070309020205020404" pitchFamily="49" charset="0"/>
+                <a:cs typeface="Courier New" panose="02070309020205020404" pitchFamily="49" charset="0"/>
+              </a:rPr>
+              <a:t>可先使用</a:t>
+            </a:r>
+            <a:r>
+              <a:rPr lang="en-US" altLang="zh-TW" sz="1400" dirty="0">
+                <a:solidFill>
+                  <a:schemeClr val="bg1"/>
+                </a:solidFill>
+                <a:latin typeface="Courier New" panose="02070309020205020404" pitchFamily="49" charset="0"/>
+                <a:cs typeface="Courier New" panose="02070309020205020404" pitchFamily="49" charset="0"/>
+              </a:rPr>
+              <a:t>”</a:t>
+            </a:r>
+            <a:r>
+              <a:rPr lang="en-US" altLang="zh-TW" sz="1400" dirty="0">
+                <a:solidFill>
+                  <a:srgbClr val="00FF00"/>
+                </a:solidFill>
+                <a:latin typeface="Courier New" panose="02070309020205020404" pitchFamily="49" charset="0"/>
+                <a:cs typeface="Courier New" panose="02070309020205020404" pitchFamily="49" charset="0"/>
+              </a:rPr>
+              <a:t>status</a:t>
+            </a:r>
+            <a:r>
+              <a:rPr lang="en-US" altLang="zh-TW" sz="1400" dirty="0">
+                <a:solidFill>
+                  <a:schemeClr val="bg1"/>
+                </a:solidFill>
+                <a:latin typeface="Courier New" panose="02070309020205020404" pitchFamily="49" charset="0"/>
+                <a:cs typeface="Courier New" panose="02070309020205020404" pitchFamily="49" charset="0"/>
+              </a:rPr>
+              <a:t>”</a:t>
+            </a:r>
+            <a:r>
+              <a:rPr lang="zh-TW" altLang="en-US" sz="1400" dirty="0">
+                <a:solidFill>
+                  <a:schemeClr val="bg1"/>
+                </a:solidFill>
+                <a:latin typeface="Courier New" panose="02070309020205020404" pitchFamily="49" charset="0"/>
+                <a:cs typeface="Courier New" panose="02070309020205020404" pitchFamily="49" charset="0"/>
+              </a:rPr>
+              <a:t>指令查看當前</a:t>
+            </a:r>
+            <a:r>
+              <a:rPr lang="en-US" altLang="zh-TW" sz="1400" dirty="0">
+                <a:solidFill>
+                  <a:schemeClr val="bg1"/>
+                </a:solidFill>
+                <a:latin typeface="Courier New" panose="02070309020205020404" pitchFamily="49" charset="0"/>
+                <a:cs typeface="Courier New" panose="02070309020205020404" pitchFamily="49" charset="0"/>
+              </a:rPr>
+              <a:t>Git</a:t>
+            </a:r>
+            <a:r>
+              <a:rPr lang="zh-TW" altLang="en-US" sz="1400" dirty="0">
+                <a:solidFill>
+                  <a:schemeClr val="bg1"/>
+                </a:solidFill>
+                <a:latin typeface="Courier New" panose="02070309020205020404" pitchFamily="49" charset="0"/>
+                <a:cs typeface="Courier New" panose="02070309020205020404" pitchFamily="49" charset="0"/>
+              </a:rPr>
+              <a:t>版控目錄的狀態</a:t>
+            </a:r>
+            <a:endParaRPr lang="zh-TW" altLang="en-US" sz="1400" dirty="0">
               <a:solidFill>
                 <a:srgbClr val="00FF00"/>
               </a:solidFill>
@@ -7328,10 +8821,222 @@
       </p:sp>
       <p:sp>
         <p:nvSpPr>
-          <p:cNvPr id="13" name="文字方塊 12">
-            <a:extLst>
-              <a:ext uri="{FF2B5EF4-FFF2-40B4-BE49-F238E27FC236}">
-                <a16:creationId xmlns:a16="http://schemas.microsoft.com/office/drawing/2014/main" id="{85721289-3BCC-5498-9364-A4499EB0097E}"/>
+          <p:cNvPr id="5" name="內容版面配置區 2">
+            <a:extLst>
+              <a:ext uri="{FF2B5EF4-FFF2-40B4-BE49-F238E27FC236}">
+                <a16:creationId xmlns:a16="http://schemas.microsoft.com/office/drawing/2014/main" id="{98748C2C-30D0-78F2-F8F7-053B77EC740B}"/>
+              </a:ext>
+            </a:extLst>
+          </p:cNvPr>
+          <p:cNvSpPr txBox="1">
+            <a:spLocks/>
+          </p:cNvSpPr>
+          <p:nvPr/>
+        </p:nvSpPr>
+        <p:spPr>
+          <a:xfrm>
+            <a:off x="1340359" y="2252412"/>
+            <a:ext cx="3195782" cy="514673"/>
+          </a:xfrm>
+          <a:prstGeom prst="rect">
+            <a:avLst/>
+          </a:prstGeom>
+        </p:spPr>
+        <p:txBody>
+          <a:bodyPr vert="horz" lIns="91440" tIns="45720" rIns="91440" bIns="45720" rtlCol="0" anchor="ctr" anchorCtr="0">
+            <a:normAutofit/>
+          </a:bodyPr>
+          <a:lstStyle>
+            <a:lvl1pPr marL="228600" indent="-228600" algn="l" defTabSz="914400" rtl="0" eaLnBrk="1" latinLnBrk="0" hangingPunct="1">
+              <a:lnSpc>
+                <a:spcPct val="120000"/>
+              </a:lnSpc>
+              <a:spcBef>
+                <a:spcPts val="1000"/>
+              </a:spcBef>
+              <a:buSzPct val="87000"/>
+              <a:buFont typeface="Arial" panose="020B0604020202020204" pitchFamily="34" charset="0"/>
+              <a:buChar char="•"/>
+              <a:defRPr sz="2000" kern="1200">
+                <a:solidFill>
+                  <a:schemeClr val="tx1"/>
+                </a:solidFill>
+                <a:latin typeface="+mn-lt"/>
+                <a:ea typeface="+mn-ea"/>
+                <a:cs typeface="+mn-cs"/>
+              </a:defRPr>
+            </a:lvl1pPr>
+            <a:lvl2pPr marL="493776" indent="-228600" algn="l" defTabSz="914400" rtl="0" eaLnBrk="1" latinLnBrk="0" hangingPunct="1">
+              <a:lnSpc>
+                <a:spcPct val="120000"/>
+              </a:lnSpc>
+              <a:spcBef>
+                <a:spcPts val="500"/>
+              </a:spcBef>
+              <a:buSzPct val="87000"/>
+              <a:buFont typeface="Arial" panose="020B0604020202020204" pitchFamily="34" charset="0"/>
+              <a:buChar char="•"/>
+              <a:defRPr sz="1800" kern="1200">
+                <a:solidFill>
+                  <a:schemeClr val="tx1"/>
+                </a:solidFill>
+                <a:latin typeface="+mn-lt"/>
+                <a:ea typeface="+mn-ea"/>
+                <a:cs typeface="+mn-cs"/>
+              </a:defRPr>
+            </a:lvl2pPr>
+            <a:lvl3pPr marL="731520" indent="-228600" algn="l" defTabSz="914400" rtl="0" eaLnBrk="1" latinLnBrk="0" hangingPunct="1">
+              <a:lnSpc>
+                <a:spcPct val="120000"/>
+              </a:lnSpc>
+              <a:spcBef>
+                <a:spcPts val="500"/>
+              </a:spcBef>
+              <a:buSzPct val="87000"/>
+              <a:buFont typeface="Arial" panose="020B0604020202020204" pitchFamily="34" charset="0"/>
+              <a:buChar char="•"/>
+              <a:defRPr sz="1600" kern="1200">
+                <a:solidFill>
+                  <a:schemeClr val="tx1"/>
+                </a:solidFill>
+                <a:latin typeface="+mn-lt"/>
+                <a:ea typeface="+mn-ea"/>
+                <a:cs typeface="+mn-cs"/>
+              </a:defRPr>
+            </a:lvl3pPr>
+            <a:lvl4pPr marL="1051560" indent="-285750" algn="l" defTabSz="914400" rtl="0" eaLnBrk="1" latinLnBrk="0" hangingPunct="1">
+              <a:lnSpc>
+                <a:spcPct val="120000"/>
+              </a:lnSpc>
+              <a:spcBef>
+                <a:spcPts val="500"/>
+              </a:spcBef>
+              <a:buSzPct val="87000"/>
+              <a:buFont typeface="Arial" panose="020B0604020202020204" pitchFamily="34" charset="0"/>
+              <a:buChar char="•"/>
+              <a:defRPr sz="1400" kern="1200">
+                <a:solidFill>
+                  <a:schemeClr val="tx1"/>
+                </a:solidFill>
+                <a:latin typeface="+mn-lt"/>
+                <a:ea typeface="+mn-ea"/>
+                <a:cs typeface="+mn-cs"/>
+              </a:defRPr>
+            </a:lvl4pPr>
+            <a:lvl5pPr marL="1298448" indent="-228600" algn="l" defTabSz="914400" rtl="0" eaLnBrk="1" latinLnBrk="0" hangingPunct="1">
+              <a:lnSpc>
+                <a:spcPct val="120000"/>
+              </a:lnSpc>
+              <a:spcBef>
+                <a:spcPts val="500"/>
+              </a:spcBef>
+              <a:buSzPct val="87000"/>
+              <a:buFont typeface="Arial" panose="020B0604020202020204" pitchFamily="34" charset="0"/>
+              <a:buChar char="•"/>
+              <a:defRPr sz="1400" kern="1200">
+                <a:solidFill>
+                  <a:schemeClr val="tx1"/>
+                </a:solidFill>
+                <a:latin typeface="+mn-lt"/>
+                <a:ea typeface="+mn-ea"/>
+                <a:cs typeface="+mn-cs"/>
+              </a:defRPr>
+            </a:lvl5pPr>
+            <a:lvl6pPr marL="2514600" indent="-228600" algn="l" defTabSz="914400" rtl="0" eaLnBrk="1" latinLnBrk="0" hangingPunct="1">
+              <a:lnSpc>
+                <a:spcPct val="90000"/>
+              </a:lnSpc>
+              <a:spcBef>
+                <a:spcPts val="500"/>
+              </a:spcBef>
+              <a:buFont typeface="Arial" panose="020B0604020202020204" pitchFamily="34" charset="0"/>
+              <a:buChar char="•"/>
+              <a:defRPr sz="1800" kern="1200">
+                <a:solidFill>
+                  <a:schemeClr val="tx1"/>
+                </a:solidFill>
+                <a:latin typeface="+mn-lt"/>
+                <a:ea typeface="+mn-ea"/>
+                <a:cs typeface="+mn-cs"/>
+              </a:defRPr>
+            </a:lvl6pPr>
+            <a:lvl7pPr marL="2971800" indent="-228600" algn="l" defTabSz="914400" rtl="0" eaLnBrk="1" latinLnBrk="0" hangingPunct="1">
+              <a:lnSpc>
+                <a:spcPct val="90000"/>
+              </a:lnSpc>
+              <a:spcBef>
+                <a:spcPts val="500"/>
+              </a:spcBef>
+              <a:buFont typeface="Arial" panose="020B0604020202020204" pitchFamily="34" charset="0"/>
+              <a:buChar char="•"/>
+              <a:defRPr sz="1800" kern="1200">
+                <a:solidFill>
+                  <a:schemeClr val="tx1"/>
+                </a:solidFill>
+                <a:latin typeface="+mn-lt"/>
+                <a:ea typeface="+mn-ea"/>
+                <a:cs typeface="+mn-cs"/>
+              </a:defRPr>
+            </a:lvl7pPr>
+            <a:lvl8pPr marL="3429000" indent="-228600" algn="l" defTabSz="914400" rtl="0" eaLnBrk="1" latinLnBrk="0" hangingPunct="1">
+              <a:lnSpc>
+                <a:spcPct val="90000"/>
+              </a:lnSpc>
+              <a:spcBef>
+                <a:spcPts val="500"/>
+              </a:spcBef>
+              <a:buFont typeface="Arial" panose="020B0604020202020204" pitchFamily="34" charset="0"/>
+              <a:buChar char="•"/>
+              <a:defRPr sz="1800" kern="1200">
+                <a:solidFill>
+                  <a:schemeClr val="tx1"/>
+                </a:solidFill>
+                <a:latin typeface="+mn-lt"/>
+                <a:ea typeface="+mn-ea"/>
+                <a:cs typeface="+mn-cs"/>
+              </a:defRPr>
+            </a:lvl8pPr>
+            <a:lvl9pPr marL="3886200" indent="-228600" algn="l" defTabSz="914400" rtl="0" eaLnBrk="1" latinLnBrk="0" hangingPunct="1">
+              <a:lnSpc>
+                <a:spcPct val="90000"/>
+              </a:lnSpc>
+              <a:spcBef>
+                <a:spcPts val="500"/>
+              </a:spcBef>
+              <a:buFont typeface="Arial" panose="020B0604020202020204" pitchFamily="34" charset="0"/>
+              <a:buChar char="•"/>
+              <a:defRPr sz="1800" kern="1200">
+                <a:solidFill>
+                  <a:schemeClr val="tx1"/>
+                </a:solidFill>
+                <a:latin typeface="+mn-lt"/>
+                <a:ea typeface="+mn-ea"/>
+                <a:cs typeface="+mn-cs"/>
+              </a:defRPr>
+            </a:lvl9pPr>
+          </a:lstStyle>
+          <a:p>
+            <a:pPr>
+              <a:buFont typeface="Wingdings" panose="05000000000000000000" pitchFamily="2" charset="2"/>
+              <a:buChar char="Ø"/>
+            </a:pPr>
+            <a:r>
+              <a:rPr lang="zh-TW" altLang="en-US" sz="1600" dirty="0">
+                <a:solidFill>
+                  <a:schemeClr val="bg1"/>
+                </a:solidFill>
+              </a:rPr>
+              <a:t>建立檔案</a:t>
+            </a:r>
+          </a:p>
+        </p:txBody>
+      </p:sp>
+      <p:sp>
+        <p:nvSpPr>
+          <p:cNvPr id="8" name="文字方塊 7">
+            <a:extLst>
+              <a:ext uri="{FF2B5EF4-FFF2-40B4-BE49-F238E27FC236}">
+                <a16:creationId xmlns:a16="http://schemas.microsoft.com/office/drawing/2014/main" id="{E77865B6-1691-10A5-AA96-36446E960DEC}"/>
               </a:ext>
             </a:extLst>
           </p:cNvPr>
@@ -7340,8 +9045,8 @@
         </p:nvSpPr>
         <p:spPr>
           <a:xfrm>
-            <a:off x="2034847" y="6137325"/>
-            <a:ext cx="8830377" cy="584775"/>
+            <a:off x="8636035" y="3865801"/>
+            <a:ext cx="3147874" cy="622671"/>
           </a:xfrm>
           <a:prstGeom prst="rect">
             <a:avLst/>
@@ -7354,89 +9059,76 @@
           </a:bodyPr>
           <a:lstStyle/>
           <a:p>
-            <a:r>
-              <a:rPr lang="en-US" altLang="zh-TW" sz="1600" dirty="0">
-                <a:solidFill>
-                  <a:srgbClr val="00FF00"/>
-                </a:solidFill>
-                <a:latin typeface="Courier New" panose="02070309020205020404" pitchFamily="49" charset="0"/>
-                <a:cs typeface="Courier New" panose="02070309020205020404" pitchFamily="49" charset="0"/>
-              </a:rPr>
-              <a:t>Daniel.hsu@DESKTOP-2C8EEA2 </a:t>
-            </a:r>
-            <a:r>
-              <a:rPr lang="en-US" altLang="zh-TW" sz="1600" dirty="0">
-                <a:solidFill>
-                  <a:srgbClr val="FF00FF"/>
-                </a:solidFill>
-                <a:latin typeface="Courier New" panose="02070309020205020404" pitchFamily="49" charset="0"/>
-                <a:cs typeface="Courier New" panose="02070309020205020404" pitchFamily="49" charset="0"/>
-              </a:rPr>
-              <a:t>MINGW64</a:t>
-            </a:r>
-            <a:r>
-              <a:rPr lang="en-US" altLang="zh-TW" sz="1600" dirty="0">
-                <a:solidFill>
-                  <a:srgbClr val="00FF00"/>
-                </a:solidFill>
-                <a:latin typeface="Courier New" panose="02070309020205020404" pitchFamily="49" charset="0"/>
-                <a:cs typeface="Courier New" panose="02070309020205020404" pitchFamily="49" charset="0"/>
-              </a:rPr>
-              <a:t> </a:t>
-            </a:r>
-            <a:r>
-              <a:rPr lang="en-US" altLang="zh-TW" sz="1600" dirty="0">
-                <a:solidFill>
-                  <a:srgbClr val="FFC000"/>
-                </a:solidFill>
-                <a:latin typeface="Courier New" panose="02070309020205020404" pitchFamily="49" charset="0"/>
-                <a:cs typeface="Courier New" panose="02070309020205020404" pitchFamily="49" charset="0"/>
-              </a:rPr>
-              <a:t>/d/CAI_Project/git_test</a:t>
-            </a:r>
-            <a:r>
-              <a:rPr lang="zh-TW" altLang="en-US" sz="1600" dirty="0">
-                <a:solidFill>
-                  <a:srgbClr val="FFC000"/>
-                </a:solidFill>
-                <a:latin typeface="Courier New" panose="02070309020205020404" pitchFamily="49" charset="0"/>
-                <a:cs typeface="Courier New" panose="02070309020205020404" pitchFamily="49" charset="0"/>
-              </a:rPr>
-              <a:t> </a:t>
-            </a:r>
-            <a:r>
-              <a:rPr lang="en-US" altLang="zh-TW" sz="1600" dirty="0">
-                <a:solidFill>
-                  <a:srgbClr val="33CCCC"/>
-                </a:solidFill>
-                <a:latin typeface="Courier New" panose="02070309020205020404" pitchFamily="49" charset="0"/>
-                <a:cs typeface="Courier New" panose="02070309020205020404" pitchFamily="49" charset="0"/>
-              </a:rPr>
-              <a:t>(master)</a:t>
-            </a:r>
-          </a:p>
-          <a:p>
-            <a:r>
-              <a:rPr lang="en-US" altLang="zh-TW" sz="1600" dirty="0">
-                <a:solidFill>
-                  <a:schemeClr val="bg1"/>
-                </a:solidFill>
-                <a:latin typeface="Courier New" panose="02070309020205020404" pitchFamily="49" charset="0"/>
-                <a:cs typeface="Courier New" panose="02070309020205020404" pitchFamily="49" charset="0"/>
-              </a:rPr>
-              <a:t>$</a:t>
-            </a:r>
-            <a:r>
-              <a:rPr lang="en-US" altLang="zh-TW" sz="1600" dirty="0">
-                <a:solidFill>
-                  <a:srgbClr val="00FF00"/>
-                </a:solidFill>
-                <a:latin typeface="Courier New" panose="02070309020205020404" pitchFamily="49" charset="0"/>
-                <a:cs typeface="Courier New" panose="02070309020205020404" pitchFamily="49" charset="0"/>
-              </a:rPr>
-              <a:t> </a:t>
-            </a:r>
-            <a:endParaRPr lang="zh-TW" altLang="en-US" sz="1600" dirty="0">
+            <a:pPr>
+              <a:lnSpc>
+                <a:spcPct val="150000"/>
+              </a:lnSpc>
+            </a:pPr>
+            <a:r>
+              <a:rPr lang="zh-TW" altLang="en-US" sz="1200" dirty="0">
+                <a:solidFill>
+                  <a:schemeClr val="bg1">
+                    <a:lumMod val="65000"/>
+                  </a:schemeClr>
+                </a:solidFill>
+                <a:latin typeface="Courier New" panose="02070309020205020404" pitchFamily="49" charset="0"/>
+                <a:cs typeface="Courier New" panose="02070309020205020404" pitchFamily="49" charset="0"/>
+              </a:rPr>
+              <a:t>因為初始化後的</a:t>
+            </a:r>
+            <a:r>
+              <a:rPr lang="en-US" altLang="zh-TW" sz="1200" dirty="0">
+                <a:solidFill>
+                  <a:schemeClr val="bg1">
+                    <a:lumMod val="65000"/>
+                  </a:schemeClr>
+                </a:solidFill>
+                <a:latin typeface="Courier New" panose="02070309020205020404" pitchFamily="49" charset="0"/>
+                <a:cs typeface="Courier New" panose="02070309020205020404" pitchFamily="49" charset="0"/>
+              </a:rPr>
+              <a:t>Repository</a:t>
+            </a:r>
+            <a:r>
+              <a:rPr lang="zh-TW" altLang="en-US" sz="1200" dirty="0">
+                <a:solidFill>
+                  <a:schemeClr val="bg1">
+                    <a:lumMod val="65000"/>
+                  </a:schemeClr>
+                </a:solidFill>
+                <a:latin typeface="Courier New" panose="02070309020205020404" pitchFamily="49" charset="0"/>
+                <a:cs typeface="Courier New" panose="02070309020205020404" pitchFamily="49" charset="0"/>
+              </a:rPr>
+              <a:t>目錄是空的，</a:t>
+            </a:r>
+            <a:endParaRPr lang="en-US" altLang="zh-TW" sz="1200" dirty="0">
+              <a:solidFill>
+                <a:schemeClr val="bg1">
+                  <a:lumMod val="65000"/>
+                </a:schemeClr>
+              </a:solidFill>
+              <a:latin typeface="Courier New" panose="02070309020205020404" pitchFamily="49" charset="0"/>
+              <a:cs typeface="Courier New" panose="02070309020205020404" pitchFamily="49" charset="0"/>
+            </a:endParaRPr>
+          </a:p>
+          <a:p>
+            <a:pPr>
+              <a:lnSpc>
+                <a:spcPct val="150000"/>
+              </a:lnSpc>
+            </a:pPr>
+            <a:r>
+              <a:rPr lang="zh-TW" altLang="en-US" sz="1200" dirty="0">
+                <a:solidFill>
+                  <a:schemeClr val="bg1">
+                    <a:lumMod val="65000"/>
+                  </a:schemeClr>
+                </a:solidFill>
+                <a:latin typeface="Courier New" panose="02070309020205020404" pitchFamily="49" charset="0"/>
+                <a:cs typeface="Courier New" panose="02070309020205020404" pitchFamily="49" charset="0"/>
+              </a:rPr>
+              <a:t>所以會提示要使用者新增檔案</a:t>
+            </a:r>
+            <a:endParaRPr lang="zh-TW" altLang="en-US" sz="1200" dirty="0">
               <a:solidFill>
                 <a:srgbClr val="00FF00"/>
               </a:solidFill>
@@ -7446,10 +9138,2573 @@
           </a:p>
         </p:txBody>
       </p:sp>
+      <p:sp>
+        <p:nvSpPr>
+          <p:cNvPr id="13" name="文字方塊 12">
+            <a:extLst>
+              <a:ext uri="{FF2B5EF4-FFF2-40B4-BE49-F238E27FC236}">
+                <a16:creationId xmlns:a16="http://schemas.microsoft.com/office/drawing/2014/main" id="{4C8D2AF8-FDFA-3CF3-31FB-7DB577E0E97A}"/>
+              </a:ext>
+            </a:extLst>
+          </p:cNvPr>
+          <p:cNvSpPr txBox="1"/>
+          <p:nvPr/>
+        </p:nvSpPr>
+        <p:spPr>
+          <a:xfrm>
+            <a:off x="2034847" y="5226362"/>
+            <a:ext cx="4590071" cy="276999"/>
+          </a:xfrm>
+          <a:prstGeom prst="rect">
+            <a:avLst/>
+          </a:prstGeom>
+          <a:noFill/>
+        </p:spPr>
+        <p:txBody>
+          <a:bodyPr wrap="square" rtlCol="0">
+            <a:spAutoFit/>
+          </a:bodyPr>
+          <a:lstStyle/>
+          <a:p>
+            <a:r>
+              <a:rPr lang="en-US" altLang="zh-TW" sz="1200" dirty="0">
+                <a:solidFill>
+                  <a:schemeClr val="bg1"/>
+                </a:solidFill>
+                <a:latin typeface="Courier New" panose="02070309020205020404" pitchFamily="49" charset="0"/>
+                <a:cs typeface="Courier New" panose="02070309020205020404" pitchFamily="49" charset="0"/>
+              </a:rPr>
+              <a:t>$</a:t>
+            </a:r>
+            <a:r>
+              <a:rPr lang="zh-TW" altLang="en-US" sz="1200" dirty="0">
+                <a:solidFill>
+                  <a:srgbClr val="00FF00"/>
+                </a:solidFill>
+                <a:latin typeface="Courier New" panose="02070309020205020404" pitchFamily="49" charset="0"/>
+                <a:cs typeface="Courier New" panose="02070309020205020404" pitchFamily="49" charset="0"/>
+              </a:rPr>
+              <a:t> </a:t>
+            </a:r>
+            <a:r>
+              <a:rPr lang="en-US" altLang="zh-TW" sz="1200" dirty="0">
+                <a:solidFill>
+                  <a:srgbClr val="00FF00"/>
+                </a:solidFill>
+                <a:latin typeface="Courier New" panose="02070309020205020404" pitchFamily="49" charset="0"/>
+                <a:cs typeface="Courier New" panose="02070309020205020404" pitchFamily="49" charset="0"/>
+              </a:rPr>
+              <a:t>echo “This is new test file” &gt; test_file.txt</a:t>
+            </a:r>
+            <a:endParaRPr lang="en-US" altLang="zh-TW" sz="1200" dirty="0">
+              <a:solidFill>
+                <a:srgbClr val="33CCCC"/>
+              </a:solidFill>
+              <a:latin typeface="Courier New" panose="02070309020205020404" pitchFamily="49" charset="0"/>
+              <a:cs typeface="Courier New" panose="02070309020205020404" pitchFamily="49" charset="0"/>
+            </a:endParaRPr>
+          </a:p>
+        </p:txBody>
+      </p:sp>
+      <p:sp>
+        <p:nvSpPr>
+          <p:cNvPr id="9" name="文字方塊 8">
+            <a:extLst>
+              <a:ext uri="{FF2B5EF4-FFF2-40B4-BE49-F238E27FC236}">
+                <a16:creationId xmlns:a16="http://schemas.microsoft.com/office/drawing/2014/main" id="{5519C9C6-41B2-1878-39DD-D077FB115472}"/>
+              </a:ext>
+            </a:extLst>
+          </p:cNvPr>
+          <p:cNvSpPr txBox="1"/>
+          <p:nvPr/>
+        </p:nvSpPr>
+        <p:spPr>
+          <a:xfrm>
+            <a:off x="1717954" y="4715184"/>
+            <a:ext cx="5050399" cy="387927"/>
+          </a:xfrm>
+          <a:prstGeom prst="rect">
+            <a:avLst/>
+          </a:prstGeom>
+          <a:noFill/>
+        </p:spPr>
+        <p:txBody>
+          <a:bodyPr wrap="square" rtlCol="0">
+            <a:spAutoFit/>
+          </a:bodyPr>
+          <a:lstStyle/>
+          <a:p>
+            <a:pPr>
+              <a:lnSpc>
+                <a:spcPct val="150000"/>
+              </a:lnSpc>
+            </a:pPr>
+            <a:r>
+              <a:rPr lang="zh-TW" altLang="en-US" sz="1400" dirty="0">
+                <a:solidFill>
+                  <a:schemeClr val="bg1"/>
+                </a:solidFill>
+                <a:latin typeface="Courier New" panose="02070309020205020404" pitchFamily="49" charset="0"/>
+                <a:cs typeface="Courier New" panose="02070309020205020404" pitchFamily="49" charset="0"/>
+              </a:rPr>
+              <a:t>使用</a:t>
+            </a:r>
+            <a:r>
+              <a:rPr lang="en-US" altLang="zh-TW" sz="1400" dirty="0">
+                <a:solidFill>
+                  <a:schemeClr val="bg1"/>
+                </a:solidFill>
+                <a:latin typeface="Courier New" panose="02070309020205020404" pitchFamily="49" charset="0"/>
+                <a:cs typeface="Courier New" panose="02070309020205020404" pitchFamily="49" charset="0"/>
+              </a:rPr>
+              <a:t>“echo”</a:t>
+            </a:r>
+            <a:r>
+              <a:rPr lang="zh-TW" altLang="en-US" sz="1400" dirty="0">
+                <a:solidFill>
+                  <a:schemeClr val="bg1"/>
+                </a:solidFill>
+                <a:latin typeface="Courier New" panose="02070309020205020404" pitchFamily="49" charset="0"/>
+                <a:cs typeface="Courier New" panose="02070309020205020404" pitchFamily="49" charset="0"/>
+              </a:rPr>
+              <a:t>指令來新增檔案，以文字檔為例</a:t>
+            </a:r>
+            <a:r>
+              <a:rPr lang="en-US" altLang="zh-TW" sz="1400" dirty="0">
+                <a:solidFill>
+                  <a:schemeClr val="bg1"/>
+                </a:solidFill>
+                <a:latin typeface="Courier New" panose="02070309020205020404" pitchFamily="49" charset="0"/>
+                <a:cs typeface="Courier New" panose="02070309020205020404" pitchFamily="49" charset="0"/>
+              </a:rPr>
+              <a:t>:</a:t>
+            </a:r>
+            <a:endParaRPr lang="zh-TW" altLang="en-US" sz="1400" dirty="0">
+              <a:solidFill>
+                <a:srgbClr val="00FF00"/>
+              </a:solidFill>
+              <a:latin typeface="Courier New" panose="02070309020205020404" pitchFamily="49" charset="0"/>
+              <a:cs typeface="Courier New" panose="02070309020205020404" pitchFamily="49" charset="0"/>
+            </a:endParaRPr>
+          </a:p>
+        </p:txBody>
+      </p:sp>
+      <p:pic>
+        <p:nvPicPr>
+          <p:cNvPr id="7" name="圖片 6">
+            <a:extLst>
+              <a:ext uri="{FF2B5EF4-FFF2-40B4-BE49-F238E27FC236}">
+                <a16:creationId xmlns:a16="http://schemas.microsoft.com/office/drawing/2014/main" id="{DD993D28-2F74-2239-225D-7D0B39151CB0}"/>
+              </a:ext>
+            </a:extLst>
+          </p:cNvPr>
+          <p:cNvPicPr>
+            <a:picLocks noChangeAspect="1"/>
+          </p:cNvPicPr>
+          <p:nvPr/>
+        </p:nvPicPr>
+        <p:blipFill>
+          <a:blip r:embed="rId2"/>
+          <a:stretch>
+            <a:fillRect/>
+          </a:stretch>
+        </p:blipFill>
+        <p:spPr>
+          <a:xfrm>
+            <a:off x="1964951" y="3335947"/>
+            <a:ext cx="6343650" cy="1152525"/>
+          </a:xfrm>
+          <a:prstGeom prst="rect">
+            <a:avLst/>
+          </a:prstGeom>
+        </p:spPr>
+      </p:pic>
+      <p:sp>
+        <p:nvSpPr>
+          <p:cNvPr id="10" name="文字方塊 9">
+            <a:extLst>
+              <a:ext uri="{FF2B5EF4-FFF2-40B4-BE49-F238E27FC236}">
+                <a16:creationId xmlns:a16="http://schemas.microsoft.com/office/drawing/2014/main" id="{99203D5E-7DB4-15A2-F644-08973B841815}"/>
+              </a:ext>
+            </a:extLst>
+          </p:cNvPr>
+          <p:cNvSpPr txBox="1"/>
+          <p:nvPr/>
+        </p:nvSpPr>
+        <p:spPr>
+          <a:xfrm>
+            <a:off x="6624918" y="5235793"/>
+            <a:ext cx="4022234" cy="276999"/>
+          </a:xfrm>
+          <a:prstGeom prst="rect">
+            <a:avLst/>
+          </a:prstGeom>
+          <a:noFill/>
+        </p:spPr>
+        <p:txBody>
+          <a:bodyPr wrap="square" rtlCol="0">
+            <a:spAutoFit/>
+          </a:bodyPr>
+          <a:lstStyle/>
+          <a:p>
+            <a:r>
+              <a:rPr lang="zh-TW" altLang="en-US" sz="1200" dirty="0">
+                <a:solidFill>
+                  <a:schemeClr val="bg1"/>
+                </a:solidFill>
+                <a:latin typeface="Courier New" panose="02070309020205020404" pitchFamily="49" charset="0"/>
+                <a:cs typeface="Courier New" panose="02070309020205020404" pitchFamily="49" charset="0"/>
+              </a:rPr>
+              <a:t>語法 </a:t>
+            </a:r>
+            <a:r>
+              <a:rPr lang="en-US" altLang="zh-TW" sz="1200" dirty="0">
+                <a:solidFill>
+                  <a:schemeClr val="bg1"/>
+                </a:solidFill>
+                <a:latin typeface="Courier New" panose="02070309020205020404" pitchFamily="49" charset="0"/>
+                <a:cs typeface="Courier New" panose="02070309020205020404" pitchFamily="49" charset="0"/>
+              </a:rPr>
+              <a:t>:</a:t>
+            </a:r>
+            <a:r>
+              <a:rPr lang="zh-TW" altLang="en-US" sz="1200" dirty="0">
+                <a:solidFill>
+                  <a:schemeClr val="bg1"/>
+                </a:solidFill>
+                <a:latin typeface="Courier New" panose="02070309020205020404" pitchFamily="49" charset="0"/>
+                <a:cs typeface="Courier New" panose="02070309020205020404" pitchFamily="49" charset="0"/>
+              </a:rPr>
+              <a:t> </a:t>
+            </a:r>
+            <a:r>
+              <a:rPr lang="en-US" altLang="zh-TW" sz="1200" dirty="0">
+                <a:solidFill>
+                  <a:schemeClr val="bg1"/>
+                </a:solidFill>
+                <a:latin typeface="Courier New" panose="02070309020205020404" pitchFamily="49" charset="0"/>
+                <a:cs typeface="Courier New" panose="02070309020205020404" pitchFamily="49" charset="0"/>
+              </a:rPr>
+              <a:t>$</a:t>
+            </a:r>
+            <a:r>
+              <a:rPr lang="zh-TW" altLang="en-US" sz="1200" dirty="0">
+                <a:solidFill>
+                  <a:schemeClr val="bg1"/>
+                </a:solidFill>
+                <a:latin typeface="Courier New" panose="02070309020205020404" pitchFamily="49" charset="0"/>
+                <a:cs typeface="Courier New" panose="02070309020205020404" pitchFamily="49" charset="0"/>
+              </a:rPr>
+              <a:t> </a:t>
+            </a:r>
+            <a:r>
+              <a:rPr lang="en-US" altLang="zh-TW" sz="1200" dirty="0">
+                <a:solidFill>
+                  <a:schemeClr val="bg1"/>
+                </a:solidFill>
+                <a:latin typeface="Courier New" panose="02070309020205020404" pitchFamily="49" charset="0"/>
+                <a:cs typeface="Courier New" panose="02070309020205020404" pitchFamily="49" charset="0"/>
+              </a:rPr>
+              <a:t>echo “</a:t>
+            </a:r>
+            <a:r>
+              <a:rPr lang="zh-TW" altLang="en-US" sz="1200" dirty="0">
+                <a:solidFill>
+                  <a:schemeClr val="bg1"/>
+                </a:solidFill>
+                <a:latin typeface="Courier New" panose="02070309020205020404" pitchFamily="49" charset="0"/>
+                <a:cs typeface="Courier New" panose="02070309020205020404" pitchFamily="49" charset="0"/>
+              </a:rPr>
+              <a:t>檔案內容</a:t>
+            </a:r>
+            <a:r>
+              <a:rPr lang="en-US" altLang="zh-TW" sz="1200" dirty="0">
+                <a:solidFill>
+                  <a:schemeClr val="bg1"/>
+                </a:solidFill>
+                <a:latin typeface="Courier New" panose="02070309020205020404" pitchFamily="49" charset="0"/>
+                <a:cs typeface="Courier New" panose="02070309020205020404" pitchFamily="49" charset="0"/>
+              </a:rPr>
+              <a:t>”</a:t>
+            </a:r>
+            <a:r>
+              <a:rPr lang="zh-TW" altLang="en-US" sz="1200" dirty="0">
+                <a:solidFill>
+                  <a:schemeClr val="bg1"/>
+                </a:solidFill>
+                <a:latin typeface="Courier New" panose="02070309020205020404" pitchFamily="49" charset="0"/>
+                <a:cs typeface="Courier New" panose="02070309020205020404" pitchFamily="49" charset="0"/>
+              </a:rPr>
+              <a:t> </a:t>
+            </a:r>
+            <a:r>
+              <a:rPr lang="en-US" altLang="zh-TW" sz="1200" dirty="0">
+                <a:solidFill>
+                  <a:schemeClr val="bg1"/>
+                </a:solidFill>
+                <a:latin typeface="Courier New" panose="02070309020205020404" pitchFamily="49" charset="0"/>
+                <a:cs typeface="Courier New" panose="02070309020205020404" pitchFamily="49" charset="0"/>
+              </a:rPr>
+              <a:t>&gt;</a:t>
+            </a:r>
+            <a:r>
+              <a:rPr lang="zh-TW" altLang="en-US" sz="1200" dirty="0">
+                <a:solidFill>
+                  <a:schemeClr val="bg1"/>
+                </a:solidFill>
+                <a:latin typeface="Courier New" panose="02070309020205020404" pitchFamily="49" charset="0"/>
+                <a:cs typeface="Courier New" panose="02070309020205020404" pitchFamily="49" charset="0"/>
+              </a:rPr>
+              <a:t> 檔案名稱</a:t>
+            </a:r>
+            <a:r>
+              <a:rPr lang="en-US" altLang="zh-TW" sz="1200" dirty="0">
+                <a:solidFill>
+                  <a:schemeClr val="bg1"/>
+                </a:solidFill>
+                <a:latin typeface="Courier New" panose="02070309020205020404" pitchFamily="49" charset="0"/>
+                <a:cs typeface="Courier New" panose="02070309020205020404" pitchFamily="49" charset="0"/>
+              </a:rPr>
+              <a:t>.</a:t>
+            </a:r>
+            <a:r>
+              <a:rPr lang="zh-TW" altLang="en-US" sz="1200" dirty="0">
+                <a:solidFill>
+                  <a:schemeClr val="bg1"/>
+                </a:solidFill>
+                <a:latin typeface="Courier New" panose="02070309020205020404" pitchFamily="49" charset="0"/>
+                <a:cs typeface="Courier New" panose="02070309020205020404" pitchFamily="49" charset="0"/>
+              </a:rPr>
+              <a:t>副檔名</a:t>
+            </a:r>
+            <a:endParaRPr lang="en-US" altLang="zh-TW" sz="1200" dirty="0">
+              <a:solidFill>
+                <a:srgbClr val="33CCCC"/>
+              </a:solidFill>
+              <a:latin typeface="Courier New" panose="02070309020205020404" pitchFamily="49" charset="0"/>
+              <a:cs typeface="Courier New" panose="02070309020205020404" pitchFamily="49" charset="0"/>
+            </a:endParaRPr>
+          </a:p>
+        </p:txBody>
+      </p:sp>
+      <p:pic>
+        <p:nvPicPr>
+          <p:cNvPr id="12" name="圖片 11">
+            <a:extLst>
+              <a:ext uri="{FF2B5EF4-FFF2-40B4-BE49-F238E27FC236}">
+                <a16:creationId xmlns:a16="http://schemas.microsoft.com/office/drawing/2014/main" id="{D60149B3-1506-B58B-9509-70FC5E3CB99F}"/>
+              </a:ext>
+            </a:extLst>
+          </p:cNvPr>
+          <p:cNvPicPr>
+            <a:picLocks noChangeAspect="1"/>
+          </p:cNvPicPr>
+          <p:nvPr/>
+        </p:nvPicPr>
+        <p:blipFill>
+          <a:blip r:embed="rId3"/>
+          <a:stretch>
+            <a:fillRect/>
+          </a:stretch>
+        </p:blipFill>
+        <p:spPr>
+          <a:xfrm>
+            <a:off x="1964951" y="5683113"/>
+            <a:ext cx="2181225" cy="1000125"/>
+          </a:xfrm>
+          <a:prstGeom prst="rect">
+            <a:avLst/>
+          </a:prstGeom>
+        </p:spPr>
+      </p:pic>
+      <p:sp>
+        <p:nvSpPr>
+          <p:cNvPr id="16" name="文字方塊 15">
+            <a:extLst>
+              <a:ext uri="{FF2B5EF4-FFF2-40B4-BE49-F238E27FC236}">
+                <a16:creationId xmlns:a16="http://schemas.microsoft.com/office/drawing/2014/main" id="{52E8803E-CA6A-3C68-DF29-3DAB694D734E}"/>
+              </a:ext>
+            </a:extLst>
+          </p:cNvPr>
+          <p:cNvSpPr txBox="1"/>
+          <p:nvPr/>
+        </p:nvSpPr>
+        <p:spPr>
+          <a:xfrm>
+            <a:off x="6104263" y="6333508"/>
+            <a:ext cx="4762432" cy="276999"/>
+          </a:xfrm>
+          <a:prstGeom prst="rect">
+            <a:avLst/>
+          </a:prstGeom>
+          <a:noFill/>
+        </p:spPr>
+        <p:txBody>
+          <a:bodyPr wrap="square" rtlCol="0">
+            <a:spAutoFit/>
+          </a:bodyPr>
+          <a:lstStyle/>
+          <a:p>
+            <a:r>
+              <a:rPr lang="en-US" altLang="zh-TW" sz="1200" dirty="0">
+                <a:solidFill>
+                  <a:schemeClr val="bg1">
+                    <a:lumMod val="65000"/>
+                  </a:schemeClr>
+                </a:solidFill>
+                <a:latin typeface="Courier New" panose="02070309020205020404" pitchFamily="49" charset="0"/>
+                <a:cs typeface="Courier New" panose="02070309020205020404" pitchFamily="49" charset="0"/>
+              </a:rPr>
+              <a:t>NewGitRepository</a:t>
+            </a:r>
+            <a:r>
+              <a:rPr lang="zh-TW" altLang="en-US" sz="1200" dirty="0">
+                <a:solidFill>
+                  <a:schemeClr val="bg1">
+                    <a:lumMod val="65000"/>
+                  </a:schemeClr>
+                </a:solidFill>
+                <a:latin typeface="Courier New" panose="02070309020205020404" pitchFamily="49" charset="0"/>
+                <a:cs typeface="Courier New" panose="02070309020205020404" pitchFamily="49" charset="0"/>
+              </a:rPr>
+              <a:t>目錄中出現剛才所新增的檔案，及檔案內容。</a:t>
+            </a:r>
+            <a:endParaRPr lang="zh-TW" altLang="en-US" sz="1200" dirty="0">
+              <a:solidFill>
+                <a:srgbClr val="00FF00"/>
+              </a:solidFill>
+              <a:latin typeface="Courier New" panose="02070309020205020404" pitchFamily="49" charset="0"/>
+              <a:cs typeface="Courier New" panose="02070309020205020404" pitchFamily="49" charset="0"/>
+            </a:endParaRPr>
+          </a:p>
+        </p:txBody>
+      </p:sp>
+      <p:pic>
+        <p:nvPicPr>
+          <p:cNvPr id="18" name="圖片 17">
+            <a:extLst>
+              <a:ext uri="{FF2B5EF4-FFF2-40B4-BE49-F238E27FC236}">
+                <a16:creationId xmlns:a16="http://schemas.microsoft.com/office/drawing/2014/main" id="{1D25E543-FCB3-B171-FE95-92D47BBDCAF1}"/>
+              </a:ext>
+            </a:extLst>
+          </p:cNvPr>
+          <p:cNvPicPr>
+            <a:picLocks noChangeAspect="1"/>
+          </p:cNvPicPr>
+          <p:nvPr/>
+        </p:nvPicPr>
+        <p:blipFill>
+          <a:blip r:embed="rId4"/>
+          <a:stretch>
+            <a:fillRect/>
+          </a:stretch>
+        </p:blipFill>
+        <p:spPr>
+          <a:xfrm>
+            <a:off x="4329882" y="5839410"/>
+            <a:ext cx="1590675" cy="819150"/>
+          </a:xfrm>
+          <a:prstGeom prst="rect">
+            <a:avLst/>
+          </a:prstGeom>
+        </p:spPr>
+      </p:pic>
     </p:spTree>
     <p:extLst>
       <p:ext uri="{BB962C8B-B14F-4D97-AF65-F5344CB8AC3E}">
-        <p14:creationId xmlns:p14="http://schemas.microsoft.com/office/powerpoint/2010/main" val="1841242470"/>
+        <p14:creationId xmlns:p14="http://schemas.microsoft.com/office/powerpoint/2010/main" val="2439881090"/>
+      </p:ext>
+    </p:extLst>
+  </p:cSld>
+  <p:clrMapOvr>
+    <a:masterClrMapping/>
+  </p:clrMapOvr>
+</p:sld>
+</file>
+
+<file path=ppt/slides/slide8.xml><?xml version="1.0" encoding="utf-8"?>
+<p:sld xmlns:a="http://schemas.openxmlformats.org/drawingml/2006/main" xmlns:r="http://schemas.openxmlformats.org/officeDocument/2006/relationships" xmlns:p="http://schemas.openxmlformats.org/presentationml/2006/main">
+  <p:cSld>
+    <p:bg>
+      <p:bgPr>
+        <a:solidFill>
+          <a:schemeClr val="tx1">
+            <a:lumMod val="75000"/>
+            <a:lumOff val="25000"/>
+          </a:schemeClr>
+        </a:solidFill>
+        <a:effectLst/>
+      </p:bgPr>
+    </p:bg>
+    <p:spTree>
+      <p:nvGrpSpPr>
+        <p:cNvPr id="1" name="">
+          <a:extLst>
+            <a:ext uri="{FF2B5EF4-FFF2-40B4-BE49-F238E27FC236}">
+              <a16:creationId xmlns:a16="http://schemas.microsoft.com/office/drawing/2014/main" id="{5BD32A17-5789-AF87-3411-16F935C20AAB}"/>
+            </a:ext>
+          </a:extLst>
+        </p:cNvPr>
+        <p:cNvGrpSpPr/>
+        <p:nvPr/>
+      </p:nvGrpSpPr>
+      <p:grpSpPr>
+        <a:xfrm>
+          <a:off x="0" y="0"/>
+          <a:ext cx="0" cy="0"/>
+          <a:chOff x="0" y="0"/>
+          <a:chExt cx="0" cy="0"/>
+        </a:xfrm>
+      </p:grpSpPr>
+      <p:sp>
+        <p:nvSpPr>
+          <p:cNvPr id="2" name="標題 1">
+            <a:extLst>
+              <a:ext uri="{FF2B5EF4-FFF2-40B4-BE49-F238E27FC236}">
+                <a16:creationId xmlns:a16="http://schemas.microsoft.com/office/drawing/2014/main" id="{7C1F09EC-0B75-DC61-1065-29FFC9AC132D}"/>
+              </a:ext>
+            </a:extLst>
+          </p:cNvPr>
+          <p:cNvSpPr>
+            <a:spLocks noGrp="1"/>
+          </p:cNvSpPr>
+          <p:nvPr>
+            <p:ph type="title"/>
+          </p:nvPr>
+        </p:nvSpPr>
+        <p:spPr>
+          <a:xfrm>
+            <a:off x="640079" y="1102718"/>
+            <a:ext cx="5948643" cy="662474"/>
+          </a:xfrm>
+        </p:spPr>
+        <p:txBody>
+          <a:bodyPr anchor="ctr" anchorCtr="0">
+            <a:normAutofit/>
+          </a:bodyPr>
+          <a:lstStyle/>
+          <a:p>
+            <a:r>
+              <a:rPr lang="en-US" altLang="zh-TW" sz="3200" dirty="0">
+                <a:solidFill>
+                  <a:srgbClr val="FFC000"/>
+                </a:solidFill>
+              </a:rPr>
+              <a:t>Git Bash – Command Line</a:t>
+            </a:r>
+            <a:endParaRPr lang="zh-TW" altLang="en-US" sz="3200" dirty="0">
+              <a:solidFill>
+                <a:srgbClr val="FFC000"/>
+              </a:solidFill>
+            </a:endParaRPr>
+          </a:p>
+        </p:txBody>
+      </p:sp>
+      <p:sp>
+        <p:nvSpPr>
+          <p:cNvPr id="3" name="內容版面配置區 2">
+            <a:extLst>
+              <a:ext uri="{FF2B5EF4-FFF2-40B4-BE49-F238E27FC236}">
+                <a16:creationId xmlns:a16="http://schemas.microsoft.com/office/drawing/2014/main" id="{5E9EE9B5-33D8-A26B-C06C-8CFD368AF65E}"/>
+              </a:ext>
+            </a:extLst>
+          </p:cNvPr>
+          <p:cNvSpPr>
+            <a:spLocks noGrp="1"/>
+          </p:cNvSpPr>
+          <p:nvPr>
+            <p:ph idx="1"/>
+          </p:nvPr>
+        </p:nvSpPr>
+        <p:spPr>
+          <a:xfrm>
+            <a:off x="797097" y="1765192"/>
+            <a:ext cx="5711279" cy="547027"/>
+          </a:xfrm>
+        </p:spPr>
+        <p:txBody>
+          <a:bodyPr anchor="ctr" anchorCtr="0">
+            <a:noAutofit/>
+          </a:bodyPr>
+          <a:lstStyle/>
+          <a:p>
+            <a:pPr>
+              <a:buFont typeface="Wingdings" panose="05000000000000000000" pitchFamily="2" charset="2"/>
+              <a:buChar char="l"/>
+            </a:pPr>
+            <a:r>
+              <a:rPr lang="zh-TW" altLang="en-US" dirty="0">
+                <a:solidFill>
+                  <a:srgbClr val="00B0F0"/>
+                </a:solidFill>
+              </a:rPr>
+              <a:t> 將新建立的檔案存入暫存區</a:t>
+            </a:r>
+            <a:r>
+              <a:rPr lang="en-US" altLang="zh-TW" dirty="0">
+                <a:solidFill>
+                  <a:srgbClr val="00B0F0"/>
+                </a:solidFill>
+              </a:rPr>
+              <a:t>(</a:t>
+            </a:r>
+            <a:r>
+              <a:rPr lang="zh-TW" altLang="en-US" dirty="0">
+                <a:solidFill>
+                  <a:srgbClr val="00B0F0"/>
+                </a:solidFill>
+              </a:rPr>
+              <a:t>進行追蹤</a:t>
+            </a:r>
+            <a:r>
+              <a:rPr lang="en-US" altLang="zh-TW" dirty="0">
+                <a:solidFill>
+                  <a:srgbClr val="00B0F0"/>
+                </a:solidFill>
+              </a:rPr>
+              <a:t>)</a:t>
+            </a:r>
+            <a:endParaRPr lang="zh-TW" altLang="en-US" dirty="0">
+              <a:solidFill>
+                <a:srgbClr val="00B0F0"/>
+              </a:solidFill>
+            </a:endParaRPr>
+          </a:p>
+        </p:txBody>
+      </p:sp>
+      <p:sp>
+        <p:nvSpPr>
+          <p:cNvPr id="4" name="文字方塊 3">
+            <a:extLst>
+              <a:ext uri="{FF2B5EF4-FFF2-40B4-BE49-F238E27FC236}">
+                <a16:creationId xmlns:a16="http://schemas.microsoft.com/office/drawing/2014/main" id="{C01D1101-ED7D-F893-BE10-D0A92CA11880}"/>
+              </a:ext>
+            </a:extLst>
+          </p:cNvPr>
+          <p:cNvSpPr txBox="1"/>
+          <p:nvPr/>
+        </p:nvSpPr>
+        <p:spPr>
+          <a:xfrm>
+            <a:off x="1717954" y="2747130"/>
+            <a:ext cx="4790422" cy="387927"/>
+          </a:xfrm>
+          <a:prstGeom prst="rect">
+            <a:avLst/>
+          </a:prstGeom>
+          <a:noFill/>
+        </p:spPr>
+        <p:txBody>
+          <a:bodyPr wrap="square" rtlCol="0">
+            <a:spAutoFit/>
+          </a:bodyPr>
+          <a:lstStyle/>
+          <a:p>
+            <a:pPr>
+              <a:lnSpc>
+                <a:spcPct val="150000"/>
+              </a:lnSpc>
+            </a:pPr>
+            <a:r>
+              <a:rPr lang="zh-TW" altLang="en-US" sz="1400" dirty="0">
+                <a:solidFill>
+                  <a:schemeClr val="bg1"/>
+                </a:solidFill>
+                <a:latin typeface="Courier New" panose="02070309020205020404" pitchFamily="49" charset="0"/>
+                <a:cs typeface="Courier New" panose="02070309020205020404" pitchFamily="49" charset="0"/>
+              </a:rPr>
+              <a:t>可先使用</a:t>
+            </a:r>
+            <a:r>
+              <a:rPr lang="en-US" altLang="zh-TW" sz="1400" dirty="0">
+                <a:solidFill>
+                  <a:schemeClr val="bg1"/>
+                </a:solidFill>
+                <a:latin typeface="Courier New" panose="02070309020205020404" pitchFamily="49" charset="0"/>
+                <a:cs typeface="Courier New" panose="02070309020205020404" pitchFamily="49" charset="0"/>
+              </a:rPr>
+              <a:t>”</a:t>
+            </a:r>
+            <a:r>
+              <a:rPr lang="en-US" altLang="zh-TW" sz="1400" dirty="0">
+                <a:solidFill>
+                  <a:srgbClr val="00FF00"/>
+                </a:solidFill>
+                <a:latin typeface="Courier New" panose="02070309020205020404" pitchFamily="49" charset="0"/>
+                <a:cs typeface="Courier New" panose="02070309020205020404" pitchFamily="49" charset="0"/>
+              </a:rPr>
+              <a:t>status</a:t>
+            </a:r>
+            <a:r>
+              <a:rPr lang="en-US" altLang="zh-TW" sz="1400" dirty="0">
+                <a:solidFill>
+                  <a:schemeClr val="bg1"/>
+                </a:solidFill>
+                <a:latin typeface="Courier New" panose="02070309020205020404" pitchFamily="49" charset="0"/>
+                <a:cs typeface="Courier New" panose="02070309020205020404" pitchFamily="49" charset="0"/>
+              </a:rPr>
+              <a:t>”</a:t>
+            </a:r>
+            <a:r>
+              <a:rPr lang="zh-TW" altLang="en-US" sz="1400" dirty="0">
+                <a:solidFill>
+                  <a:schemeClr val="bg1"/>
+                </a:solidFill>
+                <a:latin typeface="Courier New" panose="02070309020205020404" pitchFamily="49" charset="0"/>
+                <a:cs typeface="Courier New" panose="02070309020205020404" pitchFamily="49" charset="0"/>
+              </a:rPr>
+              <a:t>指令查看當前</a:t>
+            </a:r>
+            <a:r>
+              <a:rPr lang="en-US" altLang="zh-TW" sz="1400" dirty="0">
+                <a:solidFill>
+                  <a:schemeClr val="bg1"/>
+                </a:solidFill>
+                <a:latin typeface="Courier New" panose="02070309020205020404" pitchFamily="49" charset="0"/>
+                <a:cs typeface="Courier New" panose="02070309020205020404" pitchFamily="49" charset="0"/>
+              </a:rPr>
+              <a:t>Git</a:t>
+            </a:r>
+            <a:r>
+              <a:rPr lang="zh-TW" altLang="en-US" sz="1400" dirty="0">
+                <a:solidFill>
+                  <a:schemeClr val="bg1"/>
+                </a:solidFill>
+                <a:latin typeface="Courier New" panose="02070309020205020404" pitchFamily="49" charset="0"/>
+                <a:cs typeface="Courier New" panose="02070309020205020404" pitchFamily="49" charset="0"/>
+              </a:rPr>
+              <a:t>版控目錄的狀態</a:t>
+            </a:r>
+            <a:endParaRPr lang="zh-TW" altLang="en-US" sz="1400" dirty="0">
+              <a:solidFill>
+                <a:srgbClr val="00FF00"/>
+              </a:solidFill>
+              <a:latin typeface="Courier New" panose="02070309020205020404" pitchFamily="49" charset="0"/>
+              <a:cs typeface="Courier New" panose="02070309020205020404" pitchFamily="49" charset="0"/>
+            </a:endParaRPr>
+          </a:p>
+        </p:txBody>
+      </p:sp>
+      <p:sp>
+        <p:nvSpPr>
+          <p:cNvPr id="5" name="內容版面配置區 2">
+            <a:extLst>
+              <a:ext uri="{FF2B5EF4-FFF2-40B4-BE49-F238E27FC236}">
+                <a16:creationId xmlns:a16="http://schemas.microsoft.com/office/drawing/2014/main" id="{740248F0-66D1-7D2B-E347-CF48A88AD79F}"/>
+              </a:ext>
+            </a:extLst>
+          </p:cNvPr>
+          <p:cNvSpPr txBox="1">
+            <a:spLocks/>
+          </p:cNvSpPr>
+          <p:nvPr/>
+        </p:nvSpPr>
+        <p:spPr>
+          <a:xfrm>
+            <a:off x="1340359" y="2252412"/>
+            <a:ext cx="3195782" cy="514673"/>
+          </a:xfrm>
+          <a:prstGeom prst="rect">
+            <a:avLst/>
+          </a:prstGeom>
+        </p:spPr>
+        <p:txBody>
+          <a:bodyPr vert="horz" lIns="91440" tIns="45720" rIns="91440" bIns="45720" rtlCol="0" anchor="ctr" anchorCtr="0">
+            <a:normAutofit/>
+          </a:bodyPr>
+          <a:lstStyle>
+            <a:lvl1pPr marL="228600" indent="-228600" algn="l" defTabSz="914400" rtl="0" eaLnBrk="1" latinLnBrk="0" hangingPunct="1">
+              <a:lnSpc>
+                <a:spcPct val="120000"/>
+              </a:lnSpc>
+              <a:spcBef>
+                <a:spcPts val="1000"/>
+              </a:spcBef>
+              <a:buSzPct val="87000"/>
+              <a:buFont typeface="Arial" panose="020B0604020202020204" pitchFamily="34" charset="0"/>
+              <a:buChar char="•"/>
+              <a:defRPr sz="2000" kern="1200">
+                <a:solidFill>
+                  <a:schemeClr val="tx1"/>
+                </a:solidFill>
+                <a:latin typeface="+mn-lt"/>
+                <a:ea typeface="+mn-ea"/>
+                <a:cs typeface="+mn-cs"/>
+              </a:defRPr>
+            </a:lvl1pPr>
+            <a:lvl2pPr marL="493776" indent="-228600" algn="l" defTabSz="914400" rtl="0" eaLnBrk="1" latinLnBrk="0" hangingPunct="1">
+              <a:lnSpc>
+                <a:spcPct val="120000"/>
+              </a:lnSpc>
+              <a:spcBef>
+                <a:spcPts val="500"/>
+              </a:spcBef>
+              <a:buSzPct val="87000"/>
+              <a:buFont typeface="Arial" panose="020B0604020202020204" pitchFamily="34" charset="0"/>
+              <a:buChar char="•"/>
+              <a:defRPr sz="1800" kern="1200">
+                <a:solidFill>
+                  <a:schemeClr val="tx1"/>
+                </a:solidFill>
+                <a:latin typeface="+mn-lt"/>
+                <a:ea typeface="+mn-ea"/>
+                <a:cs typeface="+mn-cs"/>
+              </a:defRPr>
+            </a:lvl2pPr>
+            <a:lvl3pPr marL="731520" indent="-228600" algn="l" defTabSz="914400" rtl="0" eaLnBrk="1" latinLnBrk="0" hangingPunct="1">
+              <a:lnSpc>
+                <a:spcPct val="120000"/>
+              </a:lnSpc>
+              <a:spcBef>
+                <a:spcPts val="500"/>
+              </a:spcBef>
+              <a:buSzPct val="87000"/>
+              <a:buFont typeface="Arial" panose="020B0604020202020204" pitchFamily="34" charset="0"/>
+              <a:buChar char="•"/>
+              <a:defRPr sz="1600" kern="1200">
+                <a:solidFill>
+                  <a:schemeClr val="tx1"/>
+                </a:solidFill>
+                <a:latin typeface="+mn-lt"/>
+                <a:ea typeface="+mn-ea"/>
+                <a:cs typeface="+mn-cs"/>
+              </a:defRPr>
+            </a:lvl3pPr>
+            <a:lvl4pPr marL="1051560" indent="-285750" algn="l" defTabSz="914400" rtl="0" eaLnBrk="1" latinLnBrk="0" hangingPunct="1">
+              <a:lnSpc>
+                <a:spcPct val="120000"/>
+              </a:lnSpc>
+              <a:spcBef>
+                <a:spcPts val="500"/>
+              </a:spcBef>
+              <a:buSzPct val="87000"/>
+              <a:buFont typeface="Arial" panose="020B0604020202020204" pitchFamily="34" charset="0"/>
+              <a:buChar char="•"/>
+              <a:defRPr sz="1400" kern="1200">
+                <a:solidFill>
+                  <a:schemeClr val="tx1"/>
+                </a:solidFill>
+                <a:latin typeface="+mn-lt"/>
+                <a:ea typeface="+mn-ea"/>
+                <a:cs typeface="+mn-cs"/>
+              </a:defRPr>
+            </a:lvl4pPr>
+            <a:lvl5pPr marL="1298448" indent="-228600" algn="l" defTabSz="914400" rtl="0" eaLnBrk="1" latinLnBrk="0" hangingPunct="1">
+              <a:lnSpc>
+                <a:spcPct val="120000"/>
+              </a:lnSpc>
+              <a:spcBef>
+                <a:spcPts val="500"/>
+              </a:spcBef>
+              <a:buSzPct val="87000"/>
+              <a:buFont typeface="Arial" panose="020B0604020202020204" pitchFamily="34" charset="0"/>
+              <a:buChar char="•"/>
+              <a:defRPr sz="1400" kern="1200">
+                <a:solidFill>
+                  <a:schemeClr val="tx1"/>
+                </a:solidFill>
+                <a:latin typeface="+mn-lt"/>
+                <a:ea typeface="+mn-ea"/>
+                <a:cs typeface="+mn-cs"/>
+              </a:defRPr>
+            </a:lvl5pPr>
+            <a:lvl6pPr marL="2514600" indent="-228600" algn="l" defTabSz="914400" rtl="0" eaLnBrk="1" latinLnBrk="0" hangingPunct="1">
+              <a:lnSpc>
+                <a:spcPct val="90000"/>
+              </a:lnSpc>
+              <a:spcBef>
+                <a:spcPts val="500"/>
+              </a:spcBef>
+              <a:buFont typeface="Arial" panose="020B0604020202020204" pitchFamily="34" charset="0"/>
+              <a:buChar char="•"/>
+              <a:defRPr sz="1800" kern="1200">
+                <a:solidFill>
+                  <a:schemeClr val="tx1"/>
+                </a:solidFill>
+                <a:latin typeface="+mn-lt"/>
+                <a:ea typeface="+mn-ea"/>
+                <a:cs typeface="+mn-cs"/>
+              </a:defRPr>
+            </a:lvl6pPr>
+            <a:lvl7pPr marL="2971800" indent="-228600" algn="l" defTabSz="914400" rtl="0" eaLnBrk="1" latinLnBrk="0" hangingPunct="1">
+              <a:lnSpc>
+                <a:spcPct val="90000"/>
+              </a:lnSpc>
+              <a:spcBef>
+                <a:spcPts val="500"/>
+              </a:spcBef>
+              <a:buFont typeface="Arial" panose="020B0604020202020204" pitchFamily="34" charset="0"/>
+              <a:buChar char="•"/>
+              <a:defRPr sz="1800" kern="1200">
+                <a:solidFill>
+                  <a:schemeClr val="tx1"/>
+                </a:solidFill>
+                <a:latin typeface="+mn-lt"/>
+                <a:ea typeface="+mn-ea"/>
+                <a:cs typeface="+mn-cs"/>
+              </a:defRPr>
+            </a:lvl7pPr>
+            <a:lvl8pPr marL="3429000" indent="-228600" algn="l" defTabSz="914400" rtl="0" eaLnBrk="1" latinLnBrk="0" hangingPunct="1">
+              <a:lnSpc>
+                <a:spcPct val="90000"/>
+              </a:lnSpc>
+              <a:spcBef>
+                <a:spcPts val="500"/>
+              </a:spcBef>
+              <a:buFont typeface="Arial" panose="020B0604020202020204" pitchFamily="34" charset="0"/>
+              <a:buChar char="•"/>
+              <a:defRPr sz="1800" kern="1200">
+                <a:solidFill>
+                  <a:schemeClr val="tx1"/>
+                </a:solidFill>
+                <a:latin typeface="+mn-lt"/>
+                <a:ea typeface="+mn-ea"/>
+                <a:cs typeface="+mn-cs"/>
+              </a:defRPr>
+            </a:lvl8pPr>
+            <a:lvl9pPr marL="3886200" indent="-228600" algn="l" defTabSz="914400" rtl="0" eaLnBrk="1" latinLnBrk="0" hangingPunct="1">
+              <a:lnSpc>
+                <a:spcPct val="90000"/>
+              </a:lnSpc>
+              <a:spcBef>
+                <a:spcPts val="500"/>
+              </a:spcBef>
+              <a:buFont typeface="Arial" panose="020B0604020202020204" pitchFamily="34" charset="0"/>
+              <a:buChar char="•"/>
+              <a:defRPr sz="1800" kern="1200">
+                <a:solidFill>
+                  <a:schemeClr val="tx1"/>
+                </a:solidFill>
+                <a:latin typeface="+mn-lt"/>
+                <a:ea typeface="+mn-ea"/>
+                <a:cs typeface="+mn-cs"/>
+              </a:defRPr>
+            </a:lvl9pPr>
+          </a:lstStyle>
+          <a:p>
+            <a:pPr>
+              <a:buFont typeface="Wingdings" panose="05000000000000000000" pitchFamily="2" charset="2"/>
+              <a:buChar char="Ø"/>
+            </a:pPr>
+            <a:r>
+              <a:rPr lang="zh-TW" altLang="en-US" sz="1600" dirty="0">
+                <a:solidFill>
+                  <a:schemeClr val="bg1"/>
+                </a:solidFill>
+              </a:rPr>
+              <a:t>新建檔案追蹤</a:t>
+            </a:r>
+          </a:p>
+        </p:txBody>
+      </p:sp>
+      <p:sp>
+        <p:nvSpPr>
+          <p:cNvPr id="8" name="文字方塊 7">
+            <a:extLst>
+              <a:ext uri="{FF2B5EF4-FFF2-40B4-BE49-F238E27FC236}">
+                <a16:creationId xmlns:a16="http://schemas.microsoft.com/office/drawing/2014/main" id="{27FD7AEF-F4D9-B768-DA41-874E43B6A37F}"/>
+              </a:ext>
+            </a:extLst>
+          </p:cNvPr>
+          <p:cNvSpPr txBox="1"/>
+          <p:nvPr/>
+        </p:nvSpPr>
+        <p:spPr>
+          <a:xfrm>
+            <a:off x="8177982" y="3887939"/>
+            <a:ext cx="3191662" cy="900246"/>
+          </a:xfrm>
+          <a:prstGeom prst="rect">
+            <a:avLst/>
+          </a:prstGeom>
+          <a:noFill/>
+        </p:spPr>
+        <p:txBody>
+          <a:bodyPr wrap="square" rtlCol="0">
+            <a:spAutoFit/>
+          </a:bodyPr>
+          <a:lstStyle/>
+          <a:p>
+            <a:pPr>
+              <a:lnSpc>
+                <a:spcPct val="150000"/>
+              </a:lnSpc>
+            </a:pPr>
+            <a:r>
+              <a:rPr lang="zh-TW" altLang="en-US" sz="1200" dirty="0">
+                <a:solidFill>
+                  <a:schemeClr val="bg1">
+                    <a:lumMod val="65000"/>
+                  </a:schemeClr>
+                </a:solidFill>
+                <a:latin typeface="Courier New" panose="02070309020205020404" pitchFamily="49" charset="0"/>
+                <a:cs typeface="Courier New" panose="02070309020205020404" pitchFamily="49" charset="0"/>
+              </a:rPr>
+              <a:t>因為新增的檔案沒有進行追蹤，檔案名稱以紅色顏色提示要求使用者先進行追蹤後再做</a:t>
+            </a:r>
+            <a:r>
+              <a:rPr lang="en-US" altLang="zh-TW" sz="1200" dirty="0">
+                <a:solidFill>
+                  <a:schemeClr val="bg1">
+                    <a:lumMod val="65000"/>
+                  </a:schemeClr>
+                </a:solidFill>
+                <a:latin typeface="Courier New" panose="02070309020205020404" pitchFamily="49" charset="0"/>
+                <a:cs typeface="Courier New" panose="02070309020205020404" pitchFamily="49" charset="0"/>
+              </a:rPr>
+              <a:t>commit</a:t>
+            </a:r>
+            <a:r>
+              <a:rPr lang="zh-TW" altLang="en-US" sz="1200" dirty="0">
+                <a:solidFill>
+                  <a:schemeClr val="bg1">
+                    <a:lumMod val="65000"/>
+                  </a:schemeClr>
+                </a:solidFill>
+                <a:latin typeface="Courier New" panose="02070309020205020404" pitchFamily="49" charset="0"/>
+                <a:cs typeface="Courier New" panose="02070309020205020404" pitchFamily="49" charset="0"/>
+              </a:rPr>
+              <a:t>動作。</a:t>
+            </a:r>
+            <a:endParaRPr lang="zh-TW" altLang="en-US" sz="1200" dirty="0">
+              <a:solidFill>
+                <a:srgbClr val="00FF00"/>
+              </a:solidFill>
+              <a:latin typeface="Courier New" panose="02070309020205020404" pitchFamily="49" charset="0"/>
+              <a:cs typeface="Courier New" panose="02070309020205020404" pitchFamily="49" charset="0"/>
+            </a:endParaRPr>
+          </a:p>
+        </p:txBody>
+      </p:sp>
+      <p:sp>
+        <p:nvSpPr>
+          <p:cNvPr id="13" name="文字方塊 12">
+            <a:extLst>
+              <a:ext uri="{FF2B5EF4-FFF2-40B4-BE49-F238E27FC236}">
+                <a16:creationId xmlns:a16="http://schemas.microsoft.com/office/drawing/2014/main" id="{DE8C30B3-64E8-01EC-FF90-954AA7B64EC0}"/>
+              </a:ext>
+            </a:extLst>
+          </p:cNvPr>
+          <p:cNvSpPr txBox="1"/>
+          <p:nvPr/>
+        </p:nvSpPr>
+        <p:spPr>
+          <a:xfrm>
+            <a:off x="2034848" y="5540447"/>
+            <a:ext cx="2501294" cy="276999"/>
+          </a:xfrm>
+          <a:prstGeom prst="rect">
+            <a:avLst/>
+          </a:prstGeom>
+          <a:noFill/>
+        </p:spPr>
+        <p:txBody>
+          <a:bodyPr wrap="square" rtlCol="0">
+            <a:spAutoFit/>
+          </a:bodyPr>
+          <a:lstStyle/>
+          <a:p>
+            <a:r>
+              <a:rPr lang="en-US" altLang="zh-TW" sz="1200" dirty="0">
+                <a:solidFill>
+                  <a:schemeClr val="bg1"/>
+                </a:solidFill>
+                <a:latin typeface="Courier New" panose="02070309020205020404" pitchFamily="49" charset="0"/>
+                <a:cs typeface="Courier New" panose="02070309020205020404" pitchFamily="49" charset="0"/>
+              </a:rPr>
+              <a:t>$</a:t>
+            </a:r>
+            <a:r>
+              <a:rPr lang="zh-TW" altLang="en-US" sz="1200" dirty="0">
+                <a:solidFill>
+                  <a:srgbClr val="00FF00"/>
+                </a:solidFill>
+                <a:latin typeface="Courier New" panose="02070309020205020404" pitchFamily="49" charset="0"/>
+                <a:cs typeface="Courier New" panose="02070309020205020404" pitchFamily="49" charset="0"/>
+              </a:rPr>
+              <a:t> </a:t>
+            </a:r>
+            <a:r>
+              <a:rPr lang="en-US" altLang="zh-TW" sz="1200" dirty="0">
+                <a:solidFill>
+                  <a:srgbClr val="00FF00"/>
+                </a:solidFill>
+                <a:latin typeface="Courier New" panose="02070309020205020404" pitchFamily="49" charset="0"/>
+                <a:cs typeface="Courier New" panose="02070309020205020404" pitchFamily="49" charset="0"/>
+              </a:rPr>
+              <a:t>git add test_file.txt</a:t>
+            </a:r>
+            <a:endParaRPr lang="en-US" altLang="zh-TW" sz="1200" dirty="0">
+              <a:solidFill>
+                <a:srgbClr val="33CCCC"/>
+              </a:solidFill>
+              <a:latin typeface="Courier New" panose="02070309020205020404" pitchFamily="49" charset="0"/>
+              <a:cs typeface="Courier New" panose="02070309020205020404" pitchFamily="49" charset="0"/>
+            </a:endParaRPr>
+          </a:p>
+        </p:txBody>
+      </p:sp>
+      <p:sp>
+        <p:nvSpPr>
+          <p:cNvPr id="9" name="文字方塊 8">
+            <a:extLst>
+              <a:ext uri="{FF2B5EF4-FFF2-40B4-BE49-F238E27FC236}">
+                <a16:creationId xmlns:a16="http://schemas.microsoft.com/office/drawing/2014/main" id="{D421A2BC-4D2C-3516-39A7-C7C1E1842AD3}"/>
+              </a:ext>
+            </a:extLst>
+          </p:cNvPr>
+          <p:cNvSpPr txBox="1"/>
+          <p:nvPr/>
+        </p:nvSpPr>
+        <p:spPr>
+          <a:xfrm>
+            <a:off x="1717955" y="4895710"/>
+            <a:ext cx="3642940" cy="387927"/>
+          </a:xfrm>
+          <a:prstGeom prst="rect">
+            <a:avLst/>
+          </a:prstGeom>
+          <a:noFill/>
+        </p:spPr>
+        <p:txBody>
+          <a:bodyPr wrap="square" rtlCol="0">
+            <a:spAutoFit/>
+          </a:bodyPr>
+          <a:lstStyle/>
+          <a:p>
+            <a:pPr>
+              <a:lnSpc>
+                <a:spcPct val="150000"/>
+              </a:lnSpc>
+            </a:pPr>
+            <a:r>
+              <a:rPr lang="zh-TW" altLang="en-US" sz="1400" dirty="0">
+                <a:solidFill>
+                  <a:schemeClr val="bg1"/>
+                </a:solidFill>
+                <a:latin typeface="Courier New" panose="02070309020205020404" pitchFamily="49" charset="0"/>
+                <a:cs typeface="Courier New" panose="02070309020205020404" pitchFamily="49" charset="0"/>
+              </a:rPr>
+              <a:t>使用</a:t>
+            </a:r>
+            <a:r>
+              <a:rPr lang="en-US" altLang="zh-TW" sz="1400" dirty="0">
+                <a:solidFill>
+                  <a:schemeClr val="bg1"/>
+                </a:solidFill>
+                <a:latin typeface="Courier New" panose="02070309020205020404" pitchFamily="49" charset="0"/>
+                <a:cs typeface="Courier New" panose="02070309020205020404" pitchFamily="49" charset="0"/>
+              </a:rPr>
+              <a:t>“</a:t>
+            </a:r>
+            <a:r>
+              <a:rPr lang="en-US" altLang="zh-TW" sz="1400" dirty="0">
+                <a:solidFill>
+                  <a:srgbClr val="00FF00"/>
+                </a:solidFill>
+                <a:latin typeface="Courier New" panose="02070309020205020404" pitchFamily="49" charset="0"/>
+                <a:cs typeface="Courier New" panose="02070309020205020404" pitchFamily="49" charset="0"/>
+              </a:rPr>
+              <a:t>add</a:t>
+            </a:r>
+            <a:r>
+              <a:rPr lang="en-US" altLang="zh-TW" sz="1400" dirty="0">
+                <a:solidFill>
+                  <a:schemeClr val="bg1"/>
+                </a:solidFill>
+                <a:latin typeface="Courier New" panose="02070309020205020404" pitchFamily="49" charset="0"/>
+                <a:cs typeface="Courier New" panose="02070309020205020404" pitchFamily="49" charset="0"/>
+              </a:rPr>
+              <a:t>”</a:t>
+            </a:r>
+            <a:r>
+              <a:rPr lang="zh-TW" altLang="en-US" sz="1400" dirty="0">
+                <a:solidFill>
+                  <a:schemeClr val="bg1"/>
+                </a:solidFill>
+                <a:latin typeface="Courier New" panose="02070309020205020404" pitchFamily="49" charset="0"/>
+                <a:cs typeface="Courier New" panose="02070309020205020404" pitchFamily="49" charset="0"/>
+              </a:rPr>
+              <a:t>指令將新增的檔案，進行追蹤</a:t>
+            </a:r>
+            <a:r>
+              <a:rPr lang="en-US" altLang="zh-TW" sz="1400" dirty="0">
+                <a:solidFill>
+                  <a:schemeClr val="bg1"/>
+                </a:solidFill>
+                <a:latin typeface="Courier New" panose="02070309020205020404" pitchFamily="49" charset="0"/>
+                <a:cs typeface="Courier New" panose="02070309020205020404" pitchFamily="49" charset="0"/>
+              </a:rPr>
+              <a:t>:</a:t>
+            </a:r>
+            <a:endParaRPr lang="zh-TW" altLang="en-US" sz="1400" dirty="0">
+              <a:solidFill>
+                <a:srgbClr val="00FF00"/>
+              </a:solidFill>
+              <a:latin typeface="Courier New" panose="02070309020205020404" pitchFamily="49" charset="0"/>
+              <a:cs typeface="Courier New" panose="02070309020205020404" pitchFamily="49" charset="0"/>
+            </a:endParaRPr>
+          </a:p>
+        </p:txBody>
+      </p:sp>
+      <p:sp>
+        <p:nvSpPr>
+          <p:cNvPr id="16" name="文字方塊 15">
+            <a:extLst>
+              <a:ext uri="{FF2B5EF4-FFF2-40B4-BE49-F238E27FC236}">
+                <a16:creationId xmlns:a16="http://schemas.microsoft.com/office/drawing/2014/main" id="{CD2BA613-F64B-364C-73B2-6F21F37C9D92}"/>
+              </a:ext>
+            </a:extLst>
+          </p:cNvPr>
+          <p:cNvSpPr txBox="1"/>
+          <p:nvPr/>
+        </p:nvSpPr>
+        <p:spPr>
+          <a:xfrm>
+            <a:off x="6588722" y="6410338"/>
+            <a:ext cx="5316702" cy="276999"/>
+          </a:xfrm>
+          <a:prstGeom prst="rect">
+            <a:avLst/>
+          </a:prstGeom>
+          <a:noFill/>
+        </p:spPr>
+        <p:txBody>
+          <a:bodyPr wrap="square" rtlCol="0">
+            <a:spAutoFit/>
+          </a:bodyPr>
+          <a:lstStyle/>
+          <a:p>
+            <a:r>
+              <a:rPr lang="zh-TW" altLang="en-US" sz="1200" dirty="0">
+                <a:solidFill>
+                  <a:schemeClr val="bg1">
+                    <a:lumMod val="65000"/>
+                  </a:schemeClr>
+                </a:solidFill>
+                <a:latin typeface="Courier New" panose="02070309020205020404" pitchFamily="49" charset="0"/>
+                <a:cs typeface="Courier New" panose="02070309020205020404" pitchFamily="49" charset="0"/>
+              </a:rPr>
+              <a:t>新增的</a:t>
+            </a:r>
+            <a:r>
+              <a:rPr lang="en-US" altLang="zh-TW" sz="1200" dirty="0">
+                <a:solidFill>
+                  <a:schemeClr val="bg1">
+                    <a:lumMod val="65000"/>
+                  </a:schemeClr>
+                </a:solidFill>
+                <a:latin typeface="Courier New" panose="02070309020205020404" pitchFamily="49" charset="0"/>
+                <a:cs typeface="Courier New" panose="02070309020205020404" pitchFamily="49" charset="0"/>
+              </a:rPr>
+              <a:t>test_file.txt</a:t>
+            </a:r>
+            <a:r>
+              <a:rPr lang="zh-TW" altLang="en-US" sz="1200" dirty="0">
+                <a:solidFill>
+                  <a:schemeClr val="bg1">
+                    <a:lumMod val="65000"/>
+                  </a:schemeClr>
+                </a:solidFill>
+                <a:latin typeface="Courier New" panose="02070309020205020404" pitchFamily="49" charset="0"/>
+                <a:cs typeface="Courier New" panose="02070309020205020404" pitchFamily="49" charset="0"/>
+              </a:rPr>
+              <a:t>檔案會出現打勾的圖示，表示完成檔案追蹤。</a:t>
+            </a:r>
+            <a:endParaRPr lang="zh-TW" altLang="en-US" sz="1200" dirty="0">
+              <a:solidFill>
+                <a:srgbClr val="00FF00"/>
+              </a:solidFill>
+              <a:latin typeface="Courier New" panose="02070309020205020404" pitchFamily="49" charset="0"/>
+              <a:cs typeface="Courier New" panose="02070309020205020404" pitchFamily="49" charset="0"/>
+            </a:endParaRPr>
+          </a:p>
+        </p:txBody>
+      </p:sp>
+      <p:pic>
+        <p:nvPicPr>
+          <p:cNvPr id="11" name="圖片 10">
+            <a:extLst>
+              <a:ext uri="{FF2B5EF4-FFF2-40B4-BE49-F238E27FC236}">
+                <a16:creationId xmlns:a16="http://schemas.microsoft.com/office/drawing/2014/main" id="{220852F7-A9AE-783D-E6C9-0A9A491F3EC3}"/>
+              </a:ext>
+            </a:extLst>
+          </p:cNvPr>
+          <p:cNvPicPr>
+            <a:picLocks noChangeAspect="1"/>
+          </p:cNvPicPr>
+          <p:nvPr/>
+        </p:nvPicPr>
+        <p:blipFill>
+          <a:blip r:embed="rId2"/>
+          <a:stretch>
+            <a:fillRect/>
+          </a:stretch>
+        </p:blipFill>
+        <p:spPr>
+          <a:xfrm>
+            <a:off x="2034847" y="3174617"/>
+            <a:ext cx="5948643" cy="1672618"/>
+          </a:xfrm>
+          <a:prstGeom prst="rect">
+            <a:avLst/>
+          </a:prstGeom>
+        </p:spPr>
+      </p:pic>
+      <p:pic>
+        <p:nvPicPr>
+          <p:cNvPr id="15" name="圖片 14">
+            <a:extLst>
+              <a:ext uri="{FF2B5EF4-FFF2-40B4-BE49-F238E27FC236}">
+                <a16:creationId xmlns:a16="http://schemas.microsoft.com/office/drawing/2014/main" id="{3868275F-0BC5-85AA-E4E9-D2C406378A9E}"/>
+              </a:ext>
+            </a:extLst>
+          </p:cNvPr>
+          <p:cNvPicPr>
+            <a:picLocks noChangeAspect="1"/>
+          </p:cNvPicPr>
+          <p:nvPr/>
+        </p:nvPicPr>
+        <p:blipFill>
+          <a:blip r:embed="rId3"/>
+          <a:stretch>
+            <a:fillRect/>
+          </a:stretch>
+        </p:blipFill>
+        <p:spPr>
+          <a:xfrm>
+            <a:off x="4365532" y="5760678"/>
+            <a:ext cx="1990725" cy="952500"/>
+          </a:xfrm>
+          <a:prstGeom prst="rect">
+            <a:avLst/>
+          </a:prstGeom>
+        </p:spPr>
+      </p:pic>
+    </p:spTree>
+    <p:extLst>
+      <p:ext uri="{BB962C8B-B14F-4D97-AF65-F5344CB8AC3E}">
+        <p14:creationId xmlns:p14="http://schemas.microsoft.com/office/powerpoint/2010/main" val="2879944179"/>
+      </p:ext>
+    </p:extLst>
+  </p:cSld>
+  <p:clrMapOvr>
+    <a:masterClrMapping/>
+  </p:clrMapOvr>
+</p:sld>
+</file>
+
+<file path=ppt/slides/slide9.xml><?xml version="1.0" encoding="utf-8"?>
+<p:sld xmlns:a="http://schemas.openxmlformats.org/drawingml/2006/main" xmlns:r="http://schemas.openxmlformats.org/officeDocument/2006/relationships" xmlns:p="http://schemas.openxmlformats.org/presentationml/2006/main">
+  <p:cSld>
+    <p:bg>
+      <p:bgPr>
+        <a:solidFill>
+          <a:schemeClr val="tx1">
+            <a:lumMod val="75000"/>
+            <a:lumOff val="25000"/>
+          </a:schemeClr>
+        </a:solidFill>
+        <a:effectLst/>
+      </p:bgPr>
+    </p:bg>
+    <p:spTree>
+      <p:nvGrpSpPr>
+        <p:cNvPr id="1" name="">
+          <a:extLst>
+            <a:ext uri="{FF2B5EF4-FFF2-40B4-BE49-F238E27FC236}">
+              <a16:creationId xmlns:a16="http://schemas.microsoft.com/office/drawing/2014/main" id="{C11532BE-DA99-EA06-A802-9CC78EE9A313}"/>
+            </a:ext>
+          </a:extLst>
+        </p:cNvPr>
+        <p:cNvGrpSpPr/>
+        <p:nvPr/>
+      </p:nvGrpSpPr>
+      <p:grpSpPr>
+        <a:xfrm>
+          <a:off x="0" y="0"/>
+          <a:ext cx="0" cy="0"/>
+          <a:chOff x="0" y="0"/>
+          <a:chExt cx="0" cy="0"/>
+        </a:xfrm>
+      </p:grpSpPr>
+      <p:sp>
+        <p:nvSpPr>
+          <p:cNvPr id="2" name="標題 1">
+            <a:extLst>
+              <a:ext uri="{FF2B5EF4-FFF2-40B4-BE49-F238E27FC236}">
+                <a16:creationId xmlns:a16="http://schemas.microsoft.com/office/drawing/2014/main" id="{2B78FFB9-BDD2-7F29-2319-85C9D92FA16E}"/>
+              </a:ext>
+            </a:extLst>
+          </p:cNvPr>
+          <p:cNvSpPr>
+            <a:spLocks noGrp="1"/>
+          </p:cNvSpPr>
+          <p:nvPr>
+            <p:ph type="title"/>
+          </p:nvPr>
+        </p:nvSpPr>
+        <p:spPr>
+          <a:xfrm>
+            <a:off x="640079" y="1102718"/>
+            <a:ext cx="5948643" cy="662474"/>
+          </a:xfrm>
+        </p:spPr>
+        <p:txBody>
+          <a:bodyPr anchor="ctr" anchorCtr="0">
+            <a:normAutofit/>
+          </a:bodyPr>
+          <a:lstStyle/>
+          <a:p>
+            <a:r>
+              <a:rPr lang="en-US" altLang="zh-TW" sz="3200" dirty="0">
+                <a:solidFill>
+                  <a:srgbClr val="FFC000"/>
+                </a:solidFill>
+              </a:rPr>
+              <a:t>Git Bash – Command Line</a:t>
+            </a:r>
+            <a:endParaRPr lang="zh-TW" altLang="en-US" sz="3200" dirty="0">
+              <a:solidFill>
+                <a:srgbClr val="FFC000"/>
+              </a:solidFill>
+            </a:endParaRPr>
+          </a:p>
+        </p:txBody>
+      </p:sp>
+      <p:sp>
+        <p:nvSpPr>
+          <p:cNvPr id="3" name="內容版面配置區 2">
+            <a:extLst>
+              <a:ext uri="{FF2B5EF4-FFF2-40B4-BE49-F238E27FC236}">
+                <a16:creationId xmlns:a16="http://schemas.microsoft.com/office/drawing/2014/main" id="{F88F3F50-6E26-8449-38BC-E577BA2B51C2}"/>
+              </a:ext>
+            </a:extLst>
+          </p:cNvPr>
+          <p:cNvSpPr>
+            <a:spLocks noGrp="1"/>
+          </p:cNvSpPr>
+          <p:nvPr>
+            <p:ph idx="1"/>
+          </p:nvPr>
+        </p:nvSpPr>
+        <p:spPr>
+          <a:xfrm>
+            <a:off x="797097" y="1765192"/>
+            <a:ext cx="6329844" cy="547027"/>
+          </a:xfrm>
+        </p:spPr>
+        <p:txBody>
+          <a:bodyPr anchor="ctr" anchorCtr="0">
+            <a:noAutofit/>
+          </a:bodyPr>
+          <a:lstStyle/>
+          <a:p>
+            <a:pPr>
+              <a:buFont typeface="Wingdings" panose="05000000000000000000" pitchFamily="2" charset="2"/>
+              <a:buChar char="l"/>
+            </a:pPr>
+            <a:r>
+              <a:rPr lang="zh-TW" altLang="en-US" dirty="0">
+                <a:solidFill>
+                  <a:srgbClr val="00B0F0"/>
+                </a:solidFill>
+              </a:rPr>
+              <a:t> 將</a:t>
+            </a:r>
+            <a:r>
+              <a:rPr lang="en-US" altLang="zh-TW" dirty="0">
+                <a:solidFill>
+                  <a:srgbClr val="00B0F0"/>
+                </a:solidFill>
+              </a:rPr>
+              <a:t>Git Repository</a:t>
+            </a:r>
+            <a:r>
+              <a:rPr lang="zh-TW" altLang="en-US" dirty="0">
+                <a:solidFill>
+                  <a:srgbClr val="00B0F0"/>
+                </a:solidFill>
+              </a:rPr>
+              <a:t>進行</a:t>
+            </a:r>
+            <a:r>
+              <a:rPr lang="en-US" altLang="zh-TW" dirty="0">
+                <a:solidFill>
+                  <a:srgbClr val="00B0F0"/>
+                </a:solidFill>
+              </a:rPr>
+              <a:t>Commit(</a:t>
+            </a:r>
+            <a:r>
+              <a:rPr lang="zh-TW" altLang="en-US" dirty="0">
+                <a:solidFill>
+                  <a:srgbClr val="00B0F0"/>
+                </a:solidFill>
+              </a:rPr>
+              <a:t>理解為存檔的概念</a:t>
+            </a:r>
+            <a:r>
+              <a:rPr lang="en-US" altLang="zh-TW" dirty="0">
+                <a:solidFill>
+                  <a:srgbClr val="00B0F0"/>
+                </a:solidFill>
+              </a:rPr>
+              <a:t>)</a:t>
+            </a:r>
+            <a:endParaRPr lang="zh-TW" altLang="en-US" dirty="0">
+              <a:solidFill>
+                <a:srgbClr val="00B0F0"/>
+              </a:solidFill>
+            </a:endParaRPr>
+          </a:p>
+        </p:txBody>
+      </p:sp>
+      <p:sp>
+        <p:nvSpPr>
+          <p:cNvPr id="4" name="文字方塊 3">
+            <a:extLst>
+              <a:ext uri="{FF2B5EF4-FFF2-40B4-BE49-F238E27FC236}">
+                <a16:creationId xmlns:a16="http://schemas.microsoft.com/office/drawing/2014/main" id="{145E97B2-CD73-11AA-0BB9-D101C8F884AC}"/>
+              </a:ext>
+            </a:extLst>
+          </p:cNvPr>
+          <p:cNvSpPr txBox="1"/>
+          <p:nvPr/>
+        </p:nvSpPr>
+        <p:spPr>
+          <a:xfrm>
+            <a:off x="1717954" y="2747130"/>
+            <a:ext cx="4790422" cy="387927"/>
+          </a:xfrm>
+          <a:prstGeom prst="rect">
+            <a:avLst/>
+          </a:prstGeom>
+          <a:noFill/>
+        </p:spPr>
+        <p:txBody>
+          <a:bodyPr wrap="square" rtlCol="0">
+            <a:spAutoFit/>
+          </a:bodyPr>
+          <a:lstStyle/>
+          <a:p>
+            <a:pPr>
+              <a:lnSpc>
+                <a:spcPct val="150000"/>
+              </a:lnSpc>
+            </a:pPr>
+            <a:r>
+              <a:rPr lang="zh-TW" altLang="en-US" sz="1400" dirty="0">
+                <a:solidFill>
+                  <a:schemeClr val="bg1"/>
+                </a:solidFill>
+                <a:latin typeface="Courier New" panose="02070309020205020404" pitchFamily="49" charset="0"/>
+                <a:cs typeface="Courier New" panose="02070309020205020404" pitchFamily="49" charset="0"/>
+              </a:rPr>
+              <a:t>先使用</a:t>
+            </a:r>
+            <a:r>
+              <a:rPr lang="en-US" altLang="zh-TW" sz="1400" dirty="0">
+                <a:solidFill>
+                  <a:schemeClr val="bg1"/>
+                </a:solidFill>
+                <a:latin typeface="Courier New" panose="02070309020205020404" pitchFamily="49" charset="0"/>
+                <a:cs typeface="Courier New" panose="02070309020205020404" pitchFamily="49" charset="0"/>
+              </a:rPr>
+              <a:t>”</a:t>
+            </a:r>
+            <a:r>
+              <a:rPr lang="en-US" altLang="zh-TW" sz="1400" dirty="0">
+                <a:solidFill>
+                  <a:srgbClr val="00FF00"/>
+                </a:solidFill>
+                <a:latin typeface="Courier New" panose="02070309020205020404" pitchFamily="49" charset="0"/>
+                <a:cs typeface="Courier New" panose="02070309020205020404" pitchFamily="49" charset="0"/>
+              </a:rPr>
+              <a:t>status</a:t>
+            </a:r>
+            <a:r>
+              <a:rPr lang="en-US" altLang="zh-TW" sz="1400" dirty="0">
+                <a:solidFill>
+                  <a:schemeClr val="bg1"/>
+                </a:solidFill>
+                <a:latin typeface="Courier New" panose="02070309020205020404" pitchFamily="49" charset="0"/>
+                <a:cs typeface="Courier New" panose="02070309020205020404" pitchFamily="49" charset="0"/>
+              </a:rPr>
+              <a:t>”</a:t>
+            </a:r>
+            <a:r>
+              <a:rPr lang="zh-TW" altLang="en-US" sz="1400" dirty="0">
+                <a:solidFill>
+                  <a:schemeClr val="bg1"/>
+                </a:solidFill>
+                <a:latin typeface="Courier New" panose="02070309020205020404" pitchFamily="49" charset="0"/>
+                <a:cs typeface="Courier New" panose="02070309020205020404" pitchFamily="49" charset="0"/>
+              </a:rPr>
+              <a:t>指令查看當前</a:t>
+            </a:r>
+            <a:r>
+              <a:rPr lang="en-US" altLang="zh-TW" sz="1400" dirty="0">
+                <a:solidFill>
+                  <a:schemeClr val="bg1"/>
+                </a:solidFill>
+                <a:latin typeface="Courier New" panose="02070309020205020404" pitchFamily="49" charset="0"/>
+                <a:cs typeface="Courier New" panose="02070309020205020404" pitchFamily="49" charset="0"/>
+              </a:rPr>
+              <a:t>Git</a:t>
+            </a:r>
+            <a:r>
+              <a:rPr lang="zh-TW" altLang="en-US" sz="1400" dirty="0">
+                <a:solidFill>
+                  <a:schemeClr val="bg1"/>
+                </a:solidFill>
+                <a:latin typeface="Courier New" panose="02070309020205020404" pitchFamily="49" charset="0"/>
+                <a:cs typeface="Courier New" panose="02070309020205020404" pitchFamily="49" charset="0"/>
+              </a:rPr>
+              <a:t>版控目錄的狀態</a:t>
+            </a:r>
+            <a:endParaRPr lang="zh-TW" altLang="en-US" sz="1400" dirty="0">
+              <a:solidFill>
+                <a:srgbClr val="00FF00"/>
+              </a:solidFill>
+              <a:latin typeface="Courier New" panose="02070309020205020404" pitchFamily="49" charset="0"/>
+              <a:cs typeface="Courier New" panose="02070309020205020404" pitchFamily="49" charset="0"/>
+            </a:endParaRPr>
+          </a:p>
+        </p:txBody>
+      </p:sp>
+      <p:sp>
+        <p:nvSpPr>
+          <p:cNvPr id="5" name="內容版面配置區 2">
+            <a:extLst>
+              <a:ext uri="{FF2B5EF4-FFF2-40B4-BE49-F238E27FC236}">
+                <a16:creationId xmlns:a16="http://schemas.microsoft.com/office/drawing/2014/main" id="{81A07E7F-7A42-8C4B-3678-3E84FE9E12CD}"/>
+              </a:ext>
+            </a:extLst>
+          </p:cNvPr>
+          <p:cNvSpPr txBox="1">
+            <a:spLocks/>
+          </p:cNvSpPr>
+          <p:nvPr/>
+        </p:nvSpPr>
+        <p:spPr>
+          <a:xfrm>
+            <a:off x="1340358" y="2252412"/>
+            <a:ext cx="4388089" cy="514673"/>
+          </a:xfrm>
+          <a:prstGeom prst="rect">
+            <a:avLst/>
+          </a:prstGeom>
+        </p:spPr>
+        <p:txBody>
+          <a:bodyPr vert="horz" lIns="91440" tIns="45720" rIns="91440" bIns="45720" rtlCol="0" anchor="ctr" anchorCtr="0">
+            <a:normAutofit fontScale="92500"/>
+          </a:bodyPr>
+          <a:lstStyle>
+            <a:lvl1pPr marL="228600" indent="-228600" algn="l" defTabSz="914400" rtl="0" eaLnBrk="1" latinLnBrk="0" hangingPunct="1">
+              <a:lnSpc>
+                <a:spcPct val="120000"/>
+              </a:lnSpc>
+              <a:spcBef>
+                <a:spcPts val="1000"/>
+              </a:spcBef>
+              <a:buSzPct val="87000"/>
+              <a:buFont typeface="Arial" panose="020B0604020202020204" pitchFamily="34" charset="0"/>
+              <a:buChar char="•"/>
+              <a:defRPr sz="2000" kern="1200">
+                <a:solidFill>
+                  <a:schemeClr val="tx1"/>
+                </a:solidFill>
+                <a:latin typeface="+mn-lt"/>
+                <a:ea typeface="+mn-ea"/>
+                <a:cs typeface="+mn-cs"/>
+              </a:defRPr>
+            </a:lvl1pPr>
+            <a:lvl2pPr marL="493776" indent="-228600" algn="l" defTabSz="914400" rtl="0" eaLnBrk="1" latinLnBrk="0" hangingPunct="1">
+              <a:lnSpc>
+                <a:spcPct val="120000"/>
+              </a:lnSpc>
+              <a:spcBef>
+                <a:spcPts val="500"/>
+              </a:spcBef>
+              <a:buSzPct val="87000"/>
+              <a:buFont typeface="Arial" panose="020B0604020202020204" pitchFamily="34" charset="0"/>
+              <a:buChar char="•"/>
+              <a:defRPr sz="1800" kern="1200">
+                <a:solidFill>
+                  <a:schemeClr val="tx1"/>
+                </a:solidFill>
+                <a:latin typeface="+mn-lt"/>
+                <a:ea typeface="+mn-ea"/>
+                <a:cs typeface="+mn-cs"/>
+              </a:defRPr>
+            </a:lvl2pPr>
+            <a:lvl3pPr marL="731520" indent="-228600" algn="l" defTabSz="914400" rtl="0" eaLnBrk="1" latinLnBrk="0" hangingPunct="1">
+              <a:lnSpc>
+                <a:spcPct val="120000"/>
+              </a:lnSpc>
+              <a:spcBef>
+                <a:spcPts val="500"/>
+              </a:spcBef>
+              <a:buSzPct val="87000"/>
+              <a:buFont typeface="Arial" panose="020B0604020202020204" pitchFamily="34" charset="0"/>
+              <a:buChar char="•"/>
+              <a:defRPr sz="1600" kern="1200">
+                <a:solidFill>
+                  <a:schemeClr val="tx1"/>
+                </a:solidFill>
+                <a:latin typeface="+mn-lt"/>
+                <a:ea typeface="+mn-ea"/>
+                <a:cs typeface="+mn-cs"/>
+              </a:defRPr>
+            </a:lvl3pPr>
+            <a:lvl4pPr marL="1051560" indent="-285750" algn="l" defTabSz="914400" rtl="0" eaLnBrk="1" latinLnBrk="0" hangingPunct="1">
+              <a:lnSpc>
+                <a:spcPct val="120000"/>
+              </a:lnSpc>
+              <a:spcBef>
+                <a:spcPts val="500"/>
+              </a:spcBef>
+              <a:buSzPct val="87000"/>
+              <a:buFont typeface="Arial" panose="020B0604020202020204" pitchFamily="34" charset="0"/>
+              <a:buChar char="•"/>
+              <a:defRPr sz="1400" kern="1200">
+                <a:solidFill>
+                  <a:schemeClr val="tx1"/>
+                </a:solidFill>
+                <a:latin typeface="+mn-lt"/>
+                <a:ea typeface="+mn-ea"/>
+                <a:cs typeface="+mn-cs"/>
+              </a:defRPr>
+            </a:lvl4pPr>
+            <a:lvl5pPr marL="1298448" indent="-228600" algn="l" defTabSz="914400" rtl="0" eaLnBrk="1" latinLnBrk="0" hangingPunct="1">
+              <a:lnSpc>
+                <a:spcPct val="120000"/>
+              </a:lnSpc>
+              <a:spcBef>
+                <a:spcPts val="500"/>
+              </a:spcBef>
+              <a:buSzPct val="87000"/>
+              <a:buFont typeface="Arial" panose="020B0604020202020204" pitchFamily="34" charset="0"/>
+              <a:buChar char="•"/>
+              <a:defRPr sz="1400" kern="1200">
+                <a:solidFill>
+                  <a:schemeClr val="tx1"/>
+                </a:solidFill>
+                <a:latin typeface="+mn-lt"/>
+                <a:ea typeface="+mn-ea"/>
+                <a:cs typeface="+mn-cs"/>
+              </a:defRPr>
+            </a:lvl5pPr>
+            <a:lvl6pPr marL="2514600" indent="-228600" algn="l" defTabSz="914400" rtl="0" eaLnBrk="1" latinLnBrk="0" hangingPunct="1">
+              <a:lnSpc>
+                <a:spcPct val="90000"/>
+              </a:lnSpc>
+              <a:spcBef>
+                <a:spcPts val="500"/>
+              </a:spcBef>
+              <a:buFont typeface="Arial" panose="020B0604020202020204" pitchFamily="34" charset="0"/>
+              <a:buChar char="•"/>
+              <a:defRPr sz="1800" kern="1200">
+                <a:solidFill>
+                  <a:schemeClr val="tx1"/>
+                </a:solidFill>
+                <a:latin typeface="+mn-lt"/>
+                <a:ea typeface="+mn-ea"/>
+                <a:cs typeface="+mn-cs"/>
+              </a:defRPr>
+            </a:lvl6pPr>
+            <a:lvl7pPr marL="2971800" indent="-228600" algn="l" defTabSz="914400" rtl="0" eaLnBrk="1" latinLnBrk="0" hangingPunct="1">
+              <a:lnSpc>
+                <a:spcPct val="90000"/>
+              </a:lnSpc>
+              <a:spcBef>
+                <a:spcPts val="500"/>
+              </a:spcBef>
+              <a:buFont typeface="Arial" panose="020B0604020202020204" pitchFamily="34" charset="0"/>
+              <a:buChar char="•"/>
+              <a:defRPr sz="1800" kern="1200">
+                <a:solidFill>
+                  <a:schemeClr val="tx1"/>
+                </a:solidFill>
+                <a:latin typeface="+mn-lt"/>
+                <a:ea typeface="+mn-ea"/>
+                <a:cs typeface="+mn-cs"/>
+              </a:defRPr>
+            </a:lvl7pPr>
+            <a:lvl8pPr marL="3429000" indent="-228600" algn="l" defTabSz="914400" rtl="0" eaLnBrk="1" latinLnBrk="0" hangingPunct="1">
+              <a:lnSpc>
+                <a:spcPct val="90000"/>
+              </a:lnSpc>
+              <a:spcBef>
+                <a:spcPts val="500"/>
+              </a:spcBef>
+              <a:buFont typeface="Arial" panose="020B0604020202020204" pitchFamily="34" charset="0"/>
+              <a:buChar char="•"/>
+              <a:defRPr sz="1800" kern="1200">
+                <a:solidFill>
+                  <a:schemeClr val="tx1"/>
+                </a:solidFill>
+                <a:latin typeface="+mn-lt"/>
+                <a:ea typeface="+mn-ea"/>
+                <a:cs typeface="+mn-cs"/>
+              </a:defRPr>
+            </a:lvl8pPr>
+            <a:lvl9pPr marL="3886200" indent="-228600" algn="l" defTabSz="914400" rtl="0" eaLnBrk="1" latinLnBrk="0" hangingPunct="1">
+              <a:lnSpc>
+                <a:spcPct val="90000"/>
+              </a:lnSpc>
+              <a:spcBef>
+                <a:spcPts val="500"/>
+              </a:spcBef>
+              <a:buFont typeface="Arial" panose="020B0604020202020204" pitchFamily="34" charset="0"/>
+              <a:buChar char="•"/>
+              <a:defRPr sz="1800" kern="1200">
+                <a:solidFill>
+                  <a:schemeClr val="tx1"/>
+                </a:solidFill>
+                <a:latin typeface="+mn-lt"/>
+                <a:ea typeface="+mn-ea"/>
+                <a:cs typeface="+mn-cs"/>
+              </a:defRPr>
+            </a:lvl9pPr>
+          </a:lstStyle>
+          <a:p>
+            <a:pPr>
+              <a:buFont typeface="Wingdings" panose="05000000000000000000" pitchFamily="2" charset="2"/>
+              <a:buChar char="Ø"/>
+            </a:pPr>
+            <a:r>
+              <a:rPr lang="zh-TW" altLang="en-US" sz="1600">
+                <a:solidFill>
+                  <a:schemeClr val="bg1"/>
+                </a:solidFill>
+              </a:rPr>
+              <a:t>將</a:t>
+            </a:r>
+            <a:r>
+              <a:rPr lang="en-US" altLang="zh-TW" sz="1600" dirty="0">
+                <a:solidFill>
+                  <a:schemeClr val="bg1"/>
+                </a:solidFill>
+              </a:rPr>
+              <a:t>NewGitRepository</a:t>
+            </a:r>
+            <a:r>
+              <a:rPr lang="zh-TW" altLang="en-US" sz="1600" dirty="0">
+                <a:solidFill>
+                  <a:schemeClr val="bg1"/>
+                </a:solidFill>
+              </a:rPr>
+              <a:t>中所有的內容進行</a:t>
+            </a:r>
+            <a:r>
+              <a:rPr lang="en-US" altLang="zh-TW" sz="1600" dirty="0">
+                <a:solidFill>
+                  <a:schemeClr val="bg1"/>
+                </a:solidFill>
+              </a:rPr>
+              <a:t>Commit</a:t>
+            </a:r>
+            <a:endParaRPr lang="zh-TW" altLang="en-US" sz="1600" dirty="0">
+              <a:solidFill>
+                <a:schemeClr val="bg1"/>
+              </a:solidFill>
+            </a:endParaRPr>
+          </a:p>
+        </p:txBody>
+      </p:sp>
+      <p:sp>
+        <p:nvSpPr>
+          <p:cNvPr id="8" name="文字方塊 7">
+            <a:extLst>
+              <a:ext uri="{FF2B5EF4-FFF2-40B4-BE49-F238E27FC236}">
+                <a16:creationId xmlns:a16="http://schemas.microsoft.com/office/drawing/2014/main" id="{E6D8E2B2-4357-182B-3E48-5EFA36330401}"/>
+              </a:ext>
+            </a:extLst>
+          </p:cNvPr>
+          <p:cNvSpPr txBox="1"/>
+          <p:nvPr/>
+        </p:nvSpPr>
+        <p:spPr>
+          <a:xfrm>
+            <a:off x="8133157" y="3977661"/>
+            <a:ext cx="3879548" cy="622671"/>
+          </a:xfrm>
+          <a:prstGeom prst="rect">
+            <a:avLst/>
+          </a:prstGeom>
+          <a:noFill/>
+        </p:spPr>
+        <p:txBody>
+          <a:bodyPr wrap="square" rtlCol="0">
+            <a:spAutoFit/>
+          </a:bodyPr>
+          <a:lstStyle/>
+          <a:p>
+            <a:pPr>
+              <a:lnSpc>
+                <a:spcPct val="150000"/>
+              </a:lnSpc>
+            </a:pPr>
+            <a:r>
+              <a:rPr lang="zh-TW" altLang="en-US" sz="1200" dirty="0">
+                <a:solidFill>
+                  <a:schemeClr val="bg1">
+                    <a:lumMod val="65000"/>
+                  </a:schemeClr>
+                </a:solidFill>
+                <a:latin typeface="Courier New" panose="02070309020205020404" pitchFamily="49" charset="0"/>
+                <a:cs typeface="Courier New" panose="02070309020205020404" pitchFamily="49" charset="0"/>
+              </a:rPr>
+              <a:t>已進行了</a:t>
+            </a:r>
+            <a:r>
+              <a:rPr lang="en-US" altLang="zh-TW" sz="1200" dirty="0">
+                <a:solidFill>
+                  <a:schemeClr val="bg1">
+                    <a:lumMod val="65000"/>
+                  </a:schemeClr>
+                </a:solidFill>
+                <a:latin typeface="Courier New" panose="02070309020205020404" pitchFamily="49" charset="0"/>
+                <a:cs typeface="Courier New" panose="02070309020205020404" pitchFamily="49" charset="0"/>
+              </a:rPr>
+              <a:t>git</a:t>
+            </a:r>
+            <a:r>
+              <a:rPr lang="zh-TW" altLang="en-US" sz="1200" dirty="0">
+                <a:solidFill>
+                  <a:schemeClr val="bg1">
+                    <a:lumMod val="65000"/>
+                  </a:schemeClr>
+                </a:solidFill>
+                <a:latin typeface="Courier New" panose="02070309020205020404" pitchFamily="49" charset="0"/>
+                <a:cs typeface="Courier New" panose="02070309020205020404" pitchFamily="49" charset="0"/>
+              </a:rPr>
+              <a:t> </a:t>
+            </a:r>
+            <a:r>
+              <a:rPr lang="en-US" altLang="zh-TW" sz="1200" dirty="0">
+                <a:solidFill>
+                  <a:schemeClr val="bg1">
+                    <a:lumMod val="65000"/>
+                  </a:schemeClr>
+                </a:solidFill>
+                <a:latin typeface="Courier New" panose="02070309020205020404" pitchFamily="49" charset="0"/>
+                <a:cs typeface="Courier New" panose="02070309020205020404" pitchFamily="49" charset="0"/>
+              </a:rPr>
+              <a:t>add</a:t>
+            </a:r>
+            <a:r>
+              <a:rPr lang="zh-TW" altLang="en-US" sz="1200" dirty="0">
+                <a:solidFill>
+                  <a:schemeClr val="bg1">
+                    <a:lumMod val="65000"/>
+                  </a:schemeClr>
+                </a:solidFill>
+                <a:latin typeface="Courier New" panose="02070309020205020404" pitchFamily="49" charset="0"/>
+                <a:cs typeface="Courier New" panose="02070309020205020404" pitchFamily="49" charset="0"/>
+              </a:rPr>
+              <a:t>將檔案進行追蹤，檔案名稱變為綠色，但仍處於為存檔狀態</a:t>
+            </a:r>
+            <a:r>
+              <a:rPr lang="en-US" altLang="zh-TW" sz="1200" dirty="0">
+                <a:solidFill>
+                  <a:schemeClr val="bg1">
+                    <a:lumMod val="65000"/>
+                  </a:schemeClr>
+                </a:solidFill>
+                <a:latin typeface="Courier New" panose="02070309020205020404" pitchFamily="49" charset="0"/>
+                <a:cs typeface="Courier New" panose="02070309020205020404" pitchFamily="49" charset="0"/>
+              </a:rPr>
+              <a:t>(No commits yet )</a:t>
+            </a:r>
+            <a:endParaRPr lang="zh-TW" altLang="en-US" sz="1200" dirty="0">
+              <a:solidFill>
+                <a:srgbClr val="00FF00"/>
+              </a:solidFill>
+              <a:latin typeface="Courier New" panose="02070309020205020404" pitchFamily="49" charset="0"/>
+              <a:cs typeface="Courier New" panose="02070309020205020404" pitchFamily="49" charset="0"/>
+            </a:endParaRPr>
+          </a:p>
+        </p:txBody>
+      </p:sp>
+      <p:sp>
+        <p:nvSpPr>
+          <p:cNvPr id="13" name="文字方塊 12">
+            <a:extLst>
+              <a:ext uri="{FF2B5EF4-FFF2-40B4-BE49-F238E27FC236}">
+                <a16:creationId xmlns:a16="http://schemas.microsoft.com/office/drawing/2014/main" id="{80A04761-C550-CC3B-D99A-6BFC4997AD2B}"/>
+              </a:ext>
+            </a:extLst>
+          </p:cNvPr>
+          <p:cNvSpPr txBox="1"/>
+          <p:nvPr/>
+        </p:nvSpPr>
+        <p:spPr>
+          <a:xfrm>
+            <a:off x="2034847" y="5339830"/>
+            <a:ext cx="3433623" cy="276999"/>
+          </a:xfrm>
+          <a:prstGeom prst="rect">
+            <a:avLst/>
+          </a:prstGeom>
+          <a:noFill/>
+        </p:spPr>
+        <p:txBody>
+          <a:bodyPr wrap="square" rtlCol="0">
+            <a:spAutoFit/>
+          </a:bodyPr>
+          <a:lstStyle/>
+          <a:p>
+            <a:r>
+              <a:rPr lang="en-US" altLang="zh-TW" sz="1200" dirty="0">
+                <a:solidFill>
+                  <a:schemeClr val="bg1"/>
+                </a:solidFill>
+                <a:latin typeface="Courier New" panose="02070309020205020404" pitchFamily="49" charset="0"/>
+                <a:cs typeface="Courier New" panose="02070309020205020404" pitchFamily="49" charset="0"/>
+              </a:rPr>
+              <a:t>$</a:t>
+            </a:r>
+            <a:r>
+              <a:rPr lang="zh-TW" altLang="en-US" sz="1200" dirty="0">
+                <a:solidFill>
+                  <a:srgbClr val="00FF00"/>
+                </a:solidFill>
+                <a:latin typeface="Courier New" panose="02070309020205020404" pitchFamily="49" charset="0"/>
+                <a:cs typeface="Courier New" panose="02070309020205020404" pitchFamily="49" charset="0"/>
+              </a:rPr>
+              <a:t> </a:t>
+            </a:r>
+            <a:r>
+              <a:rPr lang="en-US" altLang="zh-TW" sz="1200" dirty="0">
+                <a:solidFill>
+                  <a:srgbClr val="00FF00"/>
+                </a:solidFill>
+                <a:latin typeface="Courier New" panose="02070309020205020404" pitchFamily="49" charset="0"/>
+                <a:cs typeface="Courier New" panose="02070309020205020404" pitchFamily="49" charset="0"/>
+              </a:rPr>
+              <a:t>git commit –m “First commit”</a:t>
+            </a:r>
+            <a:endParaRPr lang="en-US" altLang="zh-TW" sz="1200" dirty="0">
+              <a:solidFill>
+                <a:srgbClr val="33CCCC"/>
+              </a:solidFill>
+              <a:latin typeface="Courier New" panose="02070309020205020404" pitchFamily="49" charset="0"/>
+              <a:cs typeface="Courier New" panose="02070309020205020404" pitchFamily="49" charset="0"/>
+            </a:endParaRPr>
+          </a:p>
+        </p:txBody>
+      </p:sp>
+      <p:sp>
+        <p:nvSpPr>
+          <p:cNvPr id="9" name="文字方塊 8">
+            <a:extLst>
+              <a:ext uri="{FF2B5EF4-FFF2-40B4-BE49-F238E27FC236}">
+                <a16:creationId xmlns:a16="http://schemas.microsoft.com/office/drawing/2014/main" id="{6DFA0FE7-C8C0-3CCC-35FE-0CE4E6163444}"/>
+              </a:ext>
+            </a:extLst>
+          </p:cNvPr>
+          <p:cNvSpPr txBox="1"/>
+          <p:nvPr/>
+        </p:nvSpPr>
+        <p:spPr>
+          <a:xfrm>
+            <a:off x="1717954" y="4895710"/>
+            <a:ext cx="5166939" cy="387927"/>
+          </a:xfrm>
+          <a:prstGeom prst="rect">
+            <a:avLst/>
+          </a:prstGeom>
+          <a:noFill/>
+        </p:spPr>
+        <p:txBody>
+          <a:bodyPr wrap="square" rtlCol="0">
+            <a:spAutoFit/>
+          </a:bodyPr>
+          <a:lstStyle/>
+          <a:p>
+            <a:pPr>
+              <a:lnSpc>
+                <a:spcPct val="150000"/>
+              </a:lnSpc>
+            </a:pPr>
+            <a:r>
+              <a:rPr lang="zh-TW" altLang="en-US" sz="1400" dirty="0">
+                <a:solidFill>
+                  <a:schemeClr val="bg1"/>
+                </a:solidFill>
+                <a:latin typeface="Courier New" panose="02070309020205020404" pitchFamily="49" charset="0"/>
+                <a:cs typeface="Courier New" panose="02070309020205020404" pitchFamily="49" charset="0"/>
+              </a:rPr>
+              <a:t>使用</a:t>
+            </a:r>
+            <a:r>
+              <a:rPr lang="en-US" altLang="zh-TW" sz="1400" dirty="0">
+                <a:solidFill>
+                  <a:schemeClr val="bg1"/>
+                </a:solidFill>
+                <a:latin typeface="Courier New" panose="02070309020205020404" pitchFamily="49" charset="0"/>
+                <a:cs typeface="Courier New" panose="02070309020205020404" pitchFamily="49" charset="0"/>
+              </a:rPr>
+              <a:t>“</a:t>
+            </a:r>
+            <a:r>
+              <a:rPr lang="en-US" altLang="zh-TW" sz="1400" dirty="0">
+                <a:solidFill>
+                  <a:srgbClr val="00FF00"/>
+                </a:solidFill>
+                <a:latin typeface="Courier New" panose="02070309020205020404" pitchFamily="49" charset="0"/>
+                <a:cs typeface="Courier New" panose="02070309020205020404" pitchFamily="49" charset="0"/>
+              </a:rPr>
+              <a:t>commit</a:t>
+            </a:r>
+            <a:r>
+              <a:rPr lang="en-US" altLang="zh-TW" sz="1400" dirty="0">
+                <a:solidFill>
+                  <a:schemeClr val="bg1"/>
+                </a:solidFill>
+                <a:latin typeface="Courier New" panose="02070309020205020404" pitchFamily="49" charset="0"/>
+                <a:cs typeface="Courier New" panose="02070309020205020404" pitchFamily="49" charset="0"/>
+              </a:rPr>
+              <a:t>”</a:t>
+            </a:r>
+            <a:r>
+              <a:rPr lang="zh-TW" altLang="en-US" sz="1400" dirty="0">
+                <a:solidFill>
+                  <a:schemeClr val="bg1"/>
+                </a:solidFill>
+                <a:latin typeface="Courier New" panose="02070309020205020404" pitchFamily="49" charset="0"/>
+                <a:cs typeface="Courier New" panose="02070309020205020404" pitchFamily="49" charset="0"/>
+              </a:rPr>
+              <a:t>指令進行存檔</a:t>
+            </a:r>
+            <a:r>
+              <a:rPr lang="en-US" altLang="zh-TW" sz="1400" dirty="0">
+                <a:solidFill>
+                  <a:schemeClr val="bg1"/>
+                </a:solidFill>
+                <a:latin typeface="Courier New" panose="02070309020205020404" pitchFamily="49" charset="0"/>
+                <a:cs typeface="Courier New" panose="02070309020205020404" pitchFamily="49" charset="0"/>
+              </a:rPr>
+              <a:t>:</a:t>
+            </a:r>
+            <a:endParaRPr lang="zh-TW" altLang="en-US" sz="1400" dirty="0">
+              <a:solidFill>
+                <a:srgbClr val="00FF00"/>
+              </a:solidFill>
+              <a:latin typeface="Courier New" panose="02070309020205020404" pitchFamily="49" charset="0"/>
+              <a:cs typeface="Courier New" panose="02070309020205020404" pitchFamily="49" charset="0"/>
+            </a:endParaRPr>
+          </a:p>
+        </p:txBody>
+      </p:sp>
+      <p:sp>
+        <p:nvSpPr>
+          <p:cNvPr id="16" name="文字方塊 15">
+            <a:extLst>
+              <a:ext uri="{FF2B5EF4-FFF2-40B4-BE49-F238E27FC236}">
+                <a16:creationId xmlns:a16="http://schemas.microsoft.com/office/drawing/2014/main" id="{2AECD62F-4AE0-07B6-7506-7F9F66B025B5}"/>
+              </a:ext>
+            </a:extLst>
+          </p:cNvPr>
+          <p:cNvSpPr txBox="1"/>
+          <p:nvPr/>
+        </p:nvSpPr>
+        <p:spPr>
+          <a:xfrm>
+            <a:off x="8352383" y="5816270"/>
+            <a:ext cx="3749875" cy="622671"/>
+          </a:xfrm>
+          <a:prstGeom prst="rect">
+            <a:avLst/>
+          </a:prstGeom>
+          <a:noFill/>
+        </p:spPr>
+        <p:txBody>
+          <a:bodyPr wrap="square" rtlCol="0">
+            <a:spAutoFit/>
+          </a:bodyPr>
+          <a:lstStyle/>
+          <a:p>
+            <a:pPr>
+              <a:lnSpc>
+                <a:spcPct val="150000"/>
+              </a:lnSpc>
+            </a:pPr>
+            <a:r>
+              <a:rPr lang="en-US" altLang="zh-TW" sz="1200" dirty="0">
+                <a:solidFill>
+                  <a:schemeClr val="bg1">
+                    <a:lumMod val="65000"/>
+                  </a:schemeClr>
+                </a:solidFill>
+                <a:latin typeface="Courier New" panose="02070309020205020404" pitchFamily="49" charset="0"/>
+                <a:cs typeface="Courier New" panose="02070309020205020404" pitchFamily="49" charset="0"/>
+              </a:rPr>
+              <a:t>Commit</a:t>
+            </a:r>
+            <a:r>
+              <a:rPr lang="zh-TW" altLang="en-US" sz="1200" dirty="0">
+                <a:solidFill>
+                  <a:schemeClr val="bg1">
+                    <a:lumMod val="65000"/>
+                  </a:schemeClr>
+                </a:solidFill>
+                <a:latin typeface="Courier New" panose="02070309020205020404" pitchFamily="49" charset="0"/>
+                <a:cs typeface="Courier New" panose="02070309020205020404" pitchFamily="49" charset="0"/>
+              </a:rPr>
+              <a:t>後面的參數 </a:t>
+            </a:r>
+            <a:r>
+              <a:rPr lang="en-US" altLang="zh-TW" sz="1200" dirty="0">
+                <a:solidFill>
+                  <a:schemeClr val="bg1">
+                    <a:lumMod val="65000"/>
+                  </a:schemeClr>
+                </a:solidFill>
+                <a:latin typeface="Courier New" panose="02070309020205020404" pitchFamily="49" charset="0"/>
+                <a:cs typeface="Courier New" panose="02070309020205020404" pitchFamily="49" charset="0"/>
+              </a:rPr>
+              <a:t>–m</a:t>
+            </a:r>
+            <a:r>
+              <a:rPr lang="zh-TW" altLang="en-US" sz="1200" dirty="0">
+                <a:solidFill>
+                  <a:schemeClr val="bg1">
+                    <a:lumMod val="65000"/>
+                  </a:schemeClr>
+                </a:solidFill>
+                <a:latin typeface="Courier New" panose="02070309020205020404" pitchFamily="49" charset="0"/>
+                <a:cs typeface="Courier New" panose="02070309020205020404" pitchFamily="49" charset="0"/>
+              </a:rPr>
+              <a:t> </a:t>
+            </a:r>
+            <a:endParaRPr lang="en-US" altLang="zh-TW" sz="1200" dirty="0">
+              <a:solidFill>
+                <a:schemeClr val="bg1">
+                  <a:lumMod val="65000"/>
+                </a:schemeClr>
+              </a:solidFill>
+              <a:latin typeface="Courier New" panose="02070309020205020404" pitchFamily="49" charset="0"/>
+              <a:cs typeface="Courier New" panose="02070309020205020404" pitchFamily="49" charset="0"/>
+            </a:endParaRPr>
+          </a:p>
+          <a:p>
+            <a:pPr>
+              <a:lnSpc>
+                <a:spcPct val="150000"/>
+              </a:lnSpc>
+            </a:pPr>
+            <a:r>
+              <a:rPr lang="zh-TW" altLang="en-US" sz="1200" dirty="0">
+                <a:solidFill>
+                  <a:schemeClr val="bg1">
+                    <a:lumMod val="65000"/>
+                  </a:schemeClr>
+                </a:solidFill>
+                <a:latin typeface="Courier New" panose="02070309020205020404" pitchFamily="49" charset="0"/>
+                <a:cs typeface="Courier New" panose="02070309020205020404" pitchFamily="49" charset="0"/>
+              </a:rPr>
+              <a:t>是要加入每一次進行</a:t>
+            </a:r>
+            <a:r>
+              <a:rPr lang="en-US" altLang="zh-TW" sz="1200" dirty="0">
+                <a:solidFill>
+                  <a:schemeClr val="bg1">
+                    <a:lumMod val="65000"/>
+                  </a:schemeClr>
+                </a:solidFill>
+                <a:latin typeface="Courier New" panose="02070309020205020404" pitchFamily="49" charset="0"/>
+                <a:cs typeface="Courier New" panose="02070309020205020404" pitchFamily="49" charset="0"/>
+              </a:rPr>
+              <a:t>commit</a:t>
+            </a:r>
+            <a:r>
+              <a:rPr lang="zh-TW" altLang="en-US" sz="1200" dirty="0">
+                <a:solidFill>
+                  <a:schemeClr val="bg1">
+                    <a:lumMod val="65000"/>
+                  </a:schemeClr>
+                </a:solidFill>
+                <a:latin typeface="Courier New" panose="02070309020205020404" pitchFamily="49" charset="0"/>
+                <a:cs typeface="Courier New" panose="02070309020205020404" pitchFamily="49" charset="0"/>
+              </a:rPr>
+              <a:t>的簡要說明，不能空白</a:t>
+            </a:r>
+            <a:endParaRPr lang="zh-TW" altLang="en-US" sz="1200" dirty="0">
+              <a:solidFill>
+                <a:srgbClr val="00FF00"/>
+              </a:solidFill>
+              <a:latin typeface="Courier New" panose="02070309020205020404" pitchFamily="49" charset="0"/>
+              <a:cs typeface="Courier New" panose="02070309020205020404" pitchFamily="49" charset="0"/>
+            </a:endParaRPr>
+          </a:p>
+        </p:txBody>
+      </p:sp>
+      <p:pic>
+        <p:nvPicPr>
+          <p:cNvPr id="7" name="圖片 6">
+            <a:extLst>
+              <a:ext uri="{FF2B5EF4-FFF2-40B4-BE49-F238E27FC236}">
+                <a16:creationId xmlns:a16="http://schemas.microsoft.com/office/drawing/2014/main" id="{A0638820-D59F-260E-6E0A-489AD33A2639}"/>
+              </a:ext>
+            </a:extLst>
+          </p:cNvPr>
+          <p:cNvPicPr>
+            <a:picLocks noChangeAspect="1"/>
+          </p:cNvPicPr>
+          <p:nvPr/>
+        </p:nvPicPr>
+        <p:blipFill>
+          <a:blip r:embed="rId2"/>
+          <a:stretch>
+            <a:fillRect/>
+          </a:stretch>
+        </p:blipFill>
+        <p:spPr>
+          <a:xfrm>
+            <a:off x="1964679" y="3254305"/>
+            <a:ext cx="6004944" cy="1446712"/>
+          </a:xfrm>
+          <a:prstGeom prst="rect">
+            <a:avLst/>
+          </a:prstGeom>
+        </p:spPr>
+      </p:pic>
+      <p:pic>
+        <p:nvPicPr>
+          <p:cNvPr id="12" name="圖片 11">
+            <a:extLst>
+              <a:ext uri="{FF2B5EF4-FFF2-40B4-BE49-F238E27FC236}">
+                <a16:creationId xmlns:a16="http://schemas.microsoft.com/office/drawing/2014/main" id="{5EE1E200-6CEB-0B66-1D47-CADB895B04F4}"/>
+              </a:ext>
+            </a:extLst>
+          </p:cNvPr>
+          <p:cNvPicPr>
+            <a:picLocks noChangeAspect="1"/>
+          </p:cNvPicPr>
+          <p:nvPr/>
+        </p:nvPicPr>
+        <p:blipFill>
+          <a:blip r:embed="rId3"/>
+          <a:stretch>
+            <a:fillRect/>
+          </a:stretch>
+        </p:blipFill>
+        <p:spPr>
+          <a:xfrm>
+            <a:off x="1964679" y="5706376"/>
+            <a:ext cx="6329844" cy="842461"/>
+          </a:xfrm>
+          <a:prstGeom prst="rect">
+            <a:avLst/>
+          </a:prstGeom>
+        </p:spPr>
+      </p:pic>
+      <p:sp>
+        <p:nvSpPr>
+          <p:cNvPr id="14" name="文字方塊 13">
+            <a:extLst>
+              <a:ext uri="{FF2B5EF4-FFF2-40B4-BE49-F238E27FC236}">
+                <a16:creationId xmlns:a16="http://schemas.microsoft.com/office/drawing/2014/main" id="{EB24B039-5556-4027-B66A-C11CDA465991}"/>
+              </a:ext>
+            </a:extLst>
+          </p:cNvPr>
+          <p:cNvSpPr txBox="1"/>
+          <p:nvPr/>
+        </p:nvSpPr>
+        <p:spPr>
+          <a:xfrm>
+            <a:off x="5060382" y="5345040"/>
+            <a:ext cx="5166938" cy="276999"/>
+          </a:xfrm>
+          <a:prstGeom prst="rect">
+            <a:avLst/>
+          </a:prstGeom>
+          <a:noFill/>
+        </p:spPr>
+        <p:txBody>
+          <a:bodyPr wrap="square" rtlCol="0">
+            <a:spAutoFit/>
+          </a:bodyPr>
+          <a:lstStyle/>
+          <a:p>
+            <a:r>
+              <a:rPr lang="zh-TW" altLang="en-US" sz="1200" dirty="0">
+                <a:solidFill>
+                  <a:schemeClr val="bg1"/>
+                </a:solidFill>
+                <a:latin typeface="Courier New" panose="02070309020205020404" pitchFamily="49" charset="0"/>
+                <a:cs typeface="Courier New" panose="02070309020205020404" pitchFamily="49" charset="0"/>
+              </a:rPr>
+              <a:t>語法 </a:t>
+            </a:r>
+            <a:r>
+              <a:rPr lang="en-US" altLang="zh-TW" sz="1200" dirty="0">
+                <a:solidFill>
+                  <a:schemeClr val="bg1"/>
+                </a:solidFill>
+                <a:latin typeface="Courier New" panose="02070309020205020404" pitchFamily="49" charset="0"/>
+                <a:cs typeface="Courier New" panose="02070309020205020404" pitchFamily="49" charset="0"/>
+              </a:rPr>
+              <a:t>:</a:t>
+            </a:r>
+            <a:r>
+              <a:rPr lang="zh-TW" altLang="en-US" sz="1200" dirty="0">
+                <a:solidFill>
+                  <a:schemeClr val="bg1"/>
+                </a:solidFill>
+                <a:latin typeface="Courier New" panose="02070309020205020404" pitchFamily="49" charset="0"/>
+                <a:cs typeface="Courier New" panose="02070309020205020404" pitchFamily="49" charset="0"/>
+              </a:rPr>
+              <a:t> </a:t>
+            </a:r>
+            <a:r>
+              <a:rPr lang="en-US" altLang="zh-TW" sz="1200" dirty="0">
+                <a:solidFill>
+                  <a:schemeClr val="bg1"/>
+                </a:solidFill>
+                <a:latin typeface="Courier New" panose="02070309020205020404" pitchFamily="49" charset="0"/>
+                <a:cs typeface="Courier New" panose="02070309020205020404" pitchFamily="49" charset="0"/>
+              </a:rPr>
+              <a:t>$</a:t>
+            </a:r>
+            <a:r>
+              <a:rPr lang="zh-TW" altLang="en-US" sz="1200" dirty="0">
+                <a:solidFill>
+                  <a:schemeClr val="bg1"/>
+                </a:solidFill>
+                <a:latin typeface="Courier New" panose="02070309020205020404" pitchFamily="49" charset="0"/>
+                <a:cs typeface="Courier New" panose="02070309020205020404" pitchFamily="49" charset="0"/>
+              </a:rPr>
+              <a:t> </a:t>
+            </a:r>
+            <a:r>
+              <a:rPr lang="en-US" altLang="zh-TW" sz="1200" dirty="0">
+                <a:solidFill>
+                  <a:schemeClr val="bg1"/>
+                </a:solidFill>
+                <a:latin typeface="Courier New" panose="02070309020205020404" pitchFamily="49" charset="0"/>
+                <a:cs typeface="Courier New" panose="02070309020205020404" pitchFamily="49" charset="0"/>
+              </a:rPr>
+              <a:t>git </a:t>
+            </a:r>
+            <a:r>
+              <a:rPr lang="zh-TW" altLang="en-US" sz="1200" dirty="0">
+                <a:solidFill>
+                  <a:schemeClr val="bg1"/>
+                </a:solidFill>
+                <a:latin typeface="Courier New" panose="02070309020205020404" pitchFamily="49" charset="0"/>
+                <a:cs typeface="Courier New" panose="02070309020205020404" pitchFamily="49" charset="0"/>
+              </a:rPr>
+              <a:t>命令</a:t>
+            </a:r>
+            <a:r>
+              <a:rPr lang="en-US" altLang="zh-TW" sz="1200" dirty="0">
+                <a:solidFill>
+                  <a:schemeClr val="bg1"/>
+                </a:solidFill>
+                <a:latin typeface="Courier New" panose="02070309020205020404" pitchFamily="49" charset="0"/>
+                <a:cs typeface="Courier New" panose="02070309020205020404" pitchFamily="49" charset="0"/>
+              </a:rPr>
+              <a:t>(commit)</a:t>
+            </a:r>
+            <a:r>
+              <a:rPr lang="zh-TW" altLang="en-US" sz="1200" dirty="0">
+                <a:solidFill>
+                  <a:schemeClr val="bg1"/>
+                </a:solidFill>
+                <a:latin typeface="Courier New" panose="02070309020205020404" pitchFamily="49" charset="0"/>
+                <a:cs typeface="Courier New" panose="02070309020205020404" pitchFamily="49" charset="0"/>
+              </a:rPr>
+              <a:t> </a:t>
+            </a:r>
+            <a:r>
+              <a:rPr lang="en-US" altLang="zh-TW" sz="1200" dirty="0">
+                <a:solidFill>
+                  <a:schemeClr val="bg1"/>
+                </a:solidFill>
+                <a:latin typeface="Courier New" panose="02070309020205020404" pitchFamily="49" charset="0"/>
+                <a:cs typeface="Courier New" panose="02070309020205020404" pitchFamily="49" charset="0"/>
+              </a:rPr>
+              <a:t>–</a:t>
+            </a:r>
+            <a:r>
+              <a:rPr lang="zh-TW" altLang="en-US" sz="1200" dirty="0">
+                <a:solidFill>
+                  <a:schemeClr val="bg1"/>
+                </a:solidFill>
+                <a:latin typeface="Courier New" panose="02070309020205020404" pitchFamily="49" charset="0"/>
+                <a:cs typeface="Courier New" panose="02070309020205020404" pitchFamily="49" charset="0"/>
+              </a:rPr>
+              <a:t>參數</a:t>
+            </a:r>
+            <a:r>
+              <a:rPr lang="en-US" altLang="zh-TW" sz="1200" dirty="0">
+                <a:solidFill>
+                  <a:schemeClr val="bg1"/>
+                </a:solidFill>
+                <a:latin typeface="Courier New" panose="02070309020205020404" pitchFamily="49" charset="0"/>
+                <a:cs typeface="Courier New" panose="02070309020205020404" pitchFamily="49" charset="0"/>
+              </a:rPr>
+              <a:t>(m)</a:t>
+            </a:r>
+            <a:r>
+              <a:rPr lang="zh-TW" altLang="en-US" sz="1200" dirty="0">
+                <a:solidFill>
+                  <a:schemeClr val="bg1"/>
+                </a:solidFill>
+                <a:latin typeface="Courier New" panose="02070309020205020404" pitchFamily="49" charset="0"/>
+                <a:cs typeface="Courier New" panose="02070309020205020404" pitchFamily="49" charset="0"/>
+              </a:rPr>
+              <a:t> </a:t>
+            </a:r>
+            <a:r>
+              <a:rPr lang="en-US" altLang="zh-TW" sz="1200" dirty="0">
+                <a:solidFill>
+                  <a:schemeClr val="bg1"/>
+                </a:solidFill>
+                <a:latin typeface="Courier New" panose="02070309020205020404" pitchFamily="49" charset="0"/>
+                <a:cs typeface="Courier New" panose="02070309020205020404" pitchFamily="49" charset="0"/>
+              </a:rPr>
+              <a:t>“commit</a:t>
+            </a:r>
+            <a:r>
+              <a:rPr lang="zh-TW" altLang="en-US" sz="1200" dirty="0">
+                <a:solidFill>
+                  <a:schemeClr val="bg1"/>
+                </a:solidFill>
+                <a:latin typeface="Courier New" panose="02070309020205020404" pitchFamily="49" charset="0"/>
+                <a:cs typeface="Courier New" panose="02070309020205020404" pitchFamily="49" charset="0"/>
+              </a:rPr>
+              <a:t>的簡要說明文字</a:t>
+            </a:r>
+            <a:r>
+              <a:rPr lang="en-US" altLang="zh-TW" sz="1200" dirty="0">
+                <a:solidFill>
+                  <a:schemeClr val="bg1"/>
+                </a:solidFill>
+                <a:latin typeface="Courier New" panose="02070309020205020404" pitchFamily="49" charset="0"/>
+                <a:cs typeface="Courier New" panose="02070309020205020404" pitchFamily="49" charset="0"/>
+              </a:rPr>
+              <a:t>”</a:t>
+            </a:r>
+            <a:endParaRPr lang="en-US" altLang="zh-TW" sz="1200" dirty="0">
+              <a:solidFill>
+                <a:srgbClr val="33CCCC"/>
+              </a:solidFill>
+              <a:latin typeface="Courier New" panose="02070309020205020404" pitchFamily="49" charset="0"/>
+              <a:cs typeface="Courier New" panose="02070309020205020404" pitchFamily="49" charset="0"/>
+            </a:endParaRPr>
+          </a:p>
+        </p:txBody>
+      </p:sp>
+    </p:spTree>
+    <p:extLst>
+      <p:ext uri="{BB962C8B-B14F-4D97-AF65-F5344CB8AC3E}">
+        <p14:creationId xmlns:p14="http://schemas.microsoft.com/office/powerpoint/2010/main" val="2932301226"/>
       </p:ext>
     </p:extLst>
   </p:cSld>

--- a/GitHub_note.pptx
+++ b/GitHub_note.pptx
@@ -14,6 +14,7 @@
     <p:sldId id="262" r:id="rId8"/>
     <p:sldId id="263" r:id="rId9"/>
     <p:sldId id="264" r:id="rId10"/>
+    <p:sldId id="265" r:id="rId11"/>
   </p:sldIdLst>
   <p:sldSz cx="12192000" cy="6858000"/>
   <p:notesSz cx="6858000" cy="9144000"/>
@@ -3989,6 +3990,1215 @@
 </p:sld>
 </file>
 
+<file path=ppt/slides/slide10.xml><?xml version="1.0" encoding="utf-8"?>
+<p:sld xmlns:a="http://schemas.openxmlformats.org/drawingml/2006/main" xmlns:r="http://schemas.openxmlformats.org/officeDocument/2006/relationships" xmlns:p="http://schemas.openxmlformats.org/presentationml/2006/main">
+  <p:cSld>
+    <p:bg>
+      <p:bgPr>
+        <a:solidFill>
+          <a:schemeClr val="tx1">
+            <a:lumMod val="75000"/>
+            <a:lumOff val="25000"/>
+          </a:schemeClr>
+        </a:solidFill>
+        <a:effectLst/>
+      </p:bgPr>
+    </p:bg>
+    <p:spTree>
+      <p:nvGrpSpPr>
+        <p:cNvPr id="1" name="">
+          <a:extLst>
+            <a:ext uri="{FF2B5EF4-FFF2-40B4-BE49-F238E27FC236}">
+              <a16:creationId xmlns:a16="http://schemas.microsoft.com/office/drawing/2014/main" id="{FD82A9D9-DE65-9FDC-801B-CA651E8E4D47}"/>
+            </a:ext>
+          </a:extLst>
+        </p:cNvPr>
+        <p:cNvGrpSpPr/>
+        <p:nvPr/>
+      </p:nvGrpSpPr>
+      <p:grpSpPr>
+        <a:xfrm>
+          <a:off x="0" y="0"/>
+          <a:ext cx="0" cy="0"/>
+          <a:chOff x="0" y="0"/>
+          <a:chExt cx="0" cy="0"/>
+        </a:xfrm>
+      </p:grpSpPr>
+      <p:sp>
+        <p:nvSpPr>
+          <p:cNvPr id="2" name="標題 1">
+            <a:extLst>
+              <a:ext uri="{FF2B5EF4-FFF2-40B4-BE49-F238E27FC236}">
+                <a16:creationId xmlns:a16="http://schemas.microsoft.com/office/drawing/2014/main" id="{AF684C87-3C9D-2C2D-C3DA-7F3F6EBE691B}"/>
+              </a:ext>
+            </a:extLst>
+          </p:cNvPr>
+          <p:cNvSpPr>
+            <a:spLocks noGrp="1"/>
+          </p:cNvSpPr>
+          <p:nvPr>
+            <p:ph type="title"/>
+          </p:nvPr>
+        </p:nvSpPr>
+        <p:spPr>
+          <a:xfrm>
+            <a:off x="640079" y="1102718"/>
+            <a:ext cx="10890929" cy="662474"/>
+          </a:xfrm>
+        </p:spPr>
+        <p:txBody>
+          <a:bodyPr anchor="ctr" anchorCtr="0">
+            <a:normAutofit/>
+          </a:bodyPr>
+          <a:lstStyle/>
+          <a:p>
+            <a:r>
+              <a:rPr lang="en-US" altLang="zh-TW" sz="3200" dirty="0">
+                <a:solidFill>
+                  <a:srgbClr val="FFC000"/>
+                </a:solidFill>
+              </a:rPr>
+              <a:t>Git Bash – Command Line</a:t>
+            </a:r>
+            <a:endParaRPr lang="zh-TW" altLang="en-US" sz="3200" dirty="0">
+              <a:solidFill>
+                <a:srgbClr val="FFC000"/>
+              </a:solidFill>
+            </a:endParaRPr>
+          </a:p>
+        </p:txBody>
+      </p:sp>
+      <p:sp>
+        <p:nvSpPr>
+          <p:cNvPr id="3" name="內容版面配置區 2">
+            <a:extLst>
+              <a:ext uri="{FF2B5EF4-FFF2-40B4-BE49-F238E27FC236}">
+                <a16:creationId xmlns:a16="http://schemas.microsoft.com/office/drawing/2014/main" id="{FABCD9E3-A92D-0762-E454-0F3D5692378E}"/>
+              </a:ext>
+            </a:extLst>
+          </p:cNvPr>
+          <p:cNvSpPr>
+            <a:spLocks noGrp="1"/>
+          </p:cNvSpPr>
+          <p:nvPr>
+            <p:ph idx="1"/>
+          </p:nvPr>
+        </p:nvSpPr>
+        <p:spPr>
+          <a:xfrm>
+            <a:off x="797097" y="1765192"/>
+            <a:ext cx="4339679" cy="547027"/>
+          </a:xfrm>
+        </p:spPr>
+        <p:txBody>
+          <a:bodyPr anchor="ctr" anchorCtr="0">
+            <a:noAutofit/>
+          </a:bodyPr>
+          <a:lstStyle/>
+          <a:p>
+            <a:pPr>
+              <a:buFont typeface="Wingdings" panose="05000000000000000000" pitchFamily="2" charset="2"/>
+              <a:buChar char="l"/>
+            </a:pPr>
+            <a:r>
+              <a:rPr lang="zh-TW" altLang="en-US" dirty="0">
+                <a:solidFill>
+                  <a:srgbClr val="00B0F0"/>
+                </a:solidFill>
+              </a:rPr>
+              <a:t> 建立遠端</a:t>
+            </a:r>
+            <a:r>
+              <a:rPr lang="en-US" altLang="zh-TW" dirty="0">
+                <a:solidFill>
+                  <a:srgbClr val="00B0F0"/>
+                </a:solidFill>
+              </a:rPr>
+              <a:t>Git</a:t>
+            </a:r>
+            <a:r>
+              <a:rPr lang="zh-TW" altLang="en-US" dirty="0">
+                <a:solidFill>
+                  <a:srgbClr val="00B0F0"/>
+                </a:solidFill>
+              </a:rPr>
+              <a:t> </a:t>
+            </a:r>
+            <a:r>
+              <a:rPr lang="en-US" altLang="zh-TW" dirty="0">
+                <a:solidFill>
+                  <a:srgbClr val="00B0F0"/>
+                </a:solidFill>
+              </a:rPr>
+              <a:t>Repository</a:t>
+            </a:r>
+            <a:r>
+              <a:rPr lang="zh-TW" altLang="en-US" dirty="0">
+                <a:solidFill>
+                  <a:srgbClr val="00B0F0"/>
+                </a:solidFill>
+              </a:rPr>
+              <a:t>目錄</a:t>
+            </a:r>
+          </a:p>
+        </p:txBody>
+      </p:sp>
+      <p:sp>
+        <p:nvSpPr>
+          <p:cNvPr id="4" name="文字方塊 3">
+            <a:extLst>
+              <a:ext uri="{FF2B5EF4-FFF2-40B4-BE49-F238E27FC236}">
+                <a16:creationId xmlns:a16="http://schemas.microsoft.com/office/drawing/2014/main" id="{2D4D5D6D-E793-1F25-F8BC-56CE808CD2D6}"/>
+              </a:ext>
+            </a:extLst>
+          </p:cNvPr>
+          <p:cNvSpPr txBox="1"/>
+          <p:nvPr/>
+        </p:nvSpPr>
+        <p:spPr>
+          <a:xfrm>
+            <a:off x="1717954" y="3135980"/>
+            <a:ext cx="9281740" cy="711092"/>
+          </a:xfrm>
+          <a:prstGeom prst="rect">
+            <a:avLst/>
+          </a:prstGeom>
+          <a:noFill/>
+        </p:spPr>
+        <p:txBody>
+          <a:bodyPr wrap="square" rtlCol="0">
+            <a:spAutoFit/>
+          </a:bodyPr>
+          <a:lstStyle/>
+          <a:p>
+            <a:pPr>
+              <a:lnSpc>
+                <a:spcPct val="150000"/>
+              </a:lnSpc>
+            </a:pPr>
+            <a:r>
+              <a:rPr lang="zh-TW" altLang="en-US" sz="1400" dirty="0">
+                <a:solidFill>
+                  <a:schemeClr val="bg1"/>
+                </a:solidFill>
+                <a:latin typeface="Courier New" panose="02070309020205020404" pitchFamily="49" charset="0"/>
+                <a:cs typeface="Courier New" panose="02070309020205020404" pitchFamily="49" charset="0"/>
+              </a:rPr>
+              <a:t>首先在當前的路徑下新增一個要作為遠端</a:t>
+            </a:r>
+            <a:r>
+              <a:rPr lang="en-US" altLang="zh-TW" sz="1400" dirty="0">
+                <a:solidFill>
+                  <a:schemeClr val="bg1"/>
+                </a:solidFill>
+                <a:latin typeface="Courier New" panose="02070309020205020404" pitchFamily="49" charset="0"/>
+                <a:cs typeface="Courier New" panose="02070309020205020404" pitchFamily="49" charset="0"/>
+              </a:rPr>
+              <a:t>Git</a:t>
+            </a:r>
+            <a:r>
+              <a:rPr lang="zh-TW" altLang="en-US" sz="1400" dirty="0">
+                <a:solidFill>
+                  <a:schemeClr val="bg1"/>
+                </a:solidFill>
+                <a:latin typeface="Courier New" panose="02070309020205020404" pitchFamily="49" charset="0"/>
+                <a:cs typeface="Courier New" panose="02070309020205020404" pitchFamily="49" charset="0"/>
+              </a:rPr>
+              <a:t> </a:t>
+            </a:r>
+            <a:r>
+              <a:rPr lang="en-US" altLang="zh-TW" sz="1400" dirty="0">
+                <a:solidFill>
+                  <a:schemeClr val="bg1"/>
+                </a:solidFill>
+                <a:latin typeface="Courier New" panose="02070309020205020404" pitchFamily="49" charset="0"/>
+                <a:cs typeface="Courier New" panose="02070309020205020404" pitchFamily="49" charset="0"/>
+              </a:rPr>
+              <a:t>Repository</a:t>
+            </a:r>
+            <a:r>
+              <a:rPr lang="zh-TW" altLang="en-US" sz="1400" dirty="0">
+                <a:solidFill>
+                  <a:schemeClr val="bg1"/>
+                </a:solidFill>
+                <a:latin typeface="Courier New" panose="02070309020205020404" pitchFamily="49" charset="0"/>
+                <a:cs typeface="Courier New" panose="02070309020205020404" pitchFamily="49" charset="0"/>
+              </a:rPr>
+              <a:t>，可先使用</a:t>
+            </a:r>
+            <a:r>
+              <a:rPr lang="en-US" altLang="zh-TW" sz="1400" dirty="0">
+                <a:solidFill>
+                  <a:schemeClr val="bg1"/>
+                </a:solidFill>
+                <a:latin typeface="Courier New" panose="02070309020205020404" pitchFamily="49" charset="0"/>
+                <a:cs typeface="Courier New" panose="02070309020205020404" pitchFamily="49" charset="0"/>
+              </a:rPr>
+              <a:t>”</a:t>
+            </a:r>
+            <a:r>
+              <a:rPr lang="en-US" altLang="zh-TW" sz="1400" dirty="0">
+                <a:solidFill>
+                  <a:srgbClr val="00FF00"/>
+                </a:solidFill>
+                <a:latin typeface="Courier New" panose="02070309020205020404" pitchFamily="49" charset="0"/>
+                <a:cs typeface="Courier New" panose="02070309020205020404" pitchFamily="49" charset="0"/>
+              </a:rPr>
+              <a:t>pwd</a:t>
+            </a:r>
+            <a:r>
+              <a:rPr lang="en-US" altLang="zh-TW" sz="1400" dirty="0">
+                <a:solidFill>
+                  <a:schemeClr val="bg1"/>
+                </a:solidFill>
+                <a:latin typeface="Courier New" panose="02070309020205020404" pitchFamily="49" charset="0"/>
+                <a:cs typeface="Courier New" panose="02070309020205020404" pitchFamily="49" charset="0"/>
+              </a:rPr>
+              <a:t>”</a:t>
+            </a:r>
+            <a:r>
+              <a:rPr lang="zh-TW" altLang="en-US" sz="1400" dirty="0">
+                <a:solidFill>
+                  <a:schemeClr val="bg1"/>
+                </a:solidFill>
+                <a:latin typeface="Courier New" panose="02070309020205020404" pitchFamily="49" charset="0"/>
+                <a:cs typeface="Courier New" panose="02070309020205020404" pitchFamily="49" charset="0"/>
+              </a:rPr>
+              <a:t>指令查看當前路徑，或是切換到想要建立</a:t>
+            </a:r>
+            <a:r>
+              <a:rPr lang="en-US" altLang="zh-TW" sz="1400" dirty="0">
+                <a:solidFill>
+                  <a:schemeClr val="bg1"/>
+                </a:solidFill>
+                <a:latin typeface="Courier New" panose="02070309020205020404" pitchFamily="49" charset="0"/>
+                <a:cs typeface="Courier New" panose="02070309020205020404" pitchFamily="49" charset="0"/>
+              </a:rPr>
+              <a:t>Repository</a:t>
+            </a:r>
+            <a:r>
+              <a:rPr lang="zh-TW" altLang="en-US" sz="1400" dirty="0">
+                <a:solidFill>
+                  <a:schemeClr val="bg1"/>
+                </a:solidFill>
+                <a:latin typeface="Courier New" panose="02070309020205020404" pitchFamily="49" charset="0"/>
+                <a:cs typeface="Courier New" panose="02070309020205020404" pitchFamily="49" charset="0"/>
+              </a:rPr>
+              <a:t>的路徑，並使用</a:t>
+            </a:r>
+            <a:r>
+              <a:rPr lang="en-US" altLang="zh-TW" sz="1400" dirty="0">
+                <a:solidFill>
+                  <a:schemeClr val="bg1"/>
+                </a:solidFill>
+                <a:latin typeface="Courier New" panose="02070309020205020404" pitchFamily="49" charset="0"/>
+                <a:cs typeface="Courier New" panose="02070309020205020404" pitchFamily="49" charset="0"/>
+              </a:rPr>
+              <a:t>”</a:t>
+            </a:r>
+            <a:r>
+              <a:rPr lang="en-US" altLang="zh-TW" sz="1400" dirty="0">
+                <a:solidFill>
+                  <a:srgbClr val="00FF00"/>
+                </a:solidFill>
+                <a:latin typeface="Courier New" panose="02070309020205020404" pitchFamily="49" charset="0"/>
+                <a:cs typeface="Courier New" panose="02070309020205020404" pitchFamily="49" charset="0"/>
+              </a:rPr>
+              <a:t>mkdir</a:t>
+            </a:r>
+            <a:r>
+              <a:rPr lang="en-US" altLang="zh-TW" sz="1400" dirty="0">
+                <a:solidFill>
+                  <a:schemeClr val="bg1"/>
+                </a:solidFill>
+                <a:latin typeface="Courier New" panose="02070309020205020404" pitchFamily="49" charset="0"/>
+                <a:cs typeface="Courier New" panose="02070309020205020404" pitchFamily="49" charset="0"/>
+              </a:rPr>
+              <a:t>”</a:t>
+            </a:r>
+            <a:r>
+              <a:rPr lang="zh-TW" altLang="en-US" sz="1400" dirty="0">
+                <a:solidFill>
+                  <a:schemeClr val="bg1"/>
+                </a:solidFill>
+                <a:latin typeface="Courier New" panose="02070309020205020404" pitchFamily="49" charset="0"/>
+                <a:cs typeface="Courier New" panose="02070309020205020404" pitchFamily="49" charset="0"/>
+              </a:rPr>
+              <a:t>指令建立目錄，建立完成後切換到該目錄。</a:t>
+            </a:r>
+            <a:endParaRPr lang="zh-TW" altLang="en-US" sz="1400" dirty="0">
+              <a:solidFill>
+                <a:srgbClr val="00FF00"/>
+              </a:solidFill>
+              <a:latin typeface="Courier New" panose="02070309020205020404" pitchFamily="49" charset="0"/>
+              <a:cs typeface="Courier New" panose="02070309020205020404" pitchFamily="49" charset="0"/>
+            </a:endParaRPr>
+          </a:p>
+        </p:txBody>
+      </p:sp>
+      <p:sp>
+        <p:nvSpPr>
+          <p:cNvPr id="5" name="內容版面配置區 2">
+            <a:extLst>
+              <a:ext uri="{FF2B5EF4-FFF2-40B4-BE49-F238E27FC236}">
+                <a16:creationId xmlns:a16="http://schemas.microsoft.com/office/drawing/2014/main" id="{B0888157-CB95-8747-4DF1-E2F8661CE291}"/>
+              </a:ext>
+            </a:extLst>
+          </p:cNvPr>
+          <p:cNvSpPr txBox="1">
+            <a:spLocks/>
+          </p:cNvSpPr>
+          <p:nvPr/>
+        </p:nvSpPr>
+        <p:spPr>
+          <a:xfrm>
+            <a:off x="1340359" y="2530295"/>
+            <a:ext cx="3410935" cy="339419"/>
+          </a:xfrm>
+          <a:prstGeom prst="rect">
+            <a:avLst/>
+          </a:prstGeom>
+        </p:spPr>
+        <p:txBody>
+          <a:bodyPr vert="horz" lIns="91440" tIns="45720" rIns="91440" bIns="45720" rtlCol="0" anchor="ctr" anchorCtr="0">
+            <a:normAutofit lnSpcReduction="10000"/>
+          </a:bodyPr>
+          <a:lstStyle>
+            <a:lvl1pPr marL="228600" indent="-228600" algn="l" defTabSz="914400" rtl="0" eaLnBrk="1" latinLnBrk="0" hangingPunct="1">
+              <a:lnSpc>
+                <a:spcPct val="120000"/>
+              </a:lnSpc>
+              <a:spcBef>
+                <a:spcPts val="1000"/>
+              </a:spcBef>
+              <a:buSzPct val="87000"/>
+              <a:buFont typeface="Arial" panose="020B0604020202020204" pitchFamily="34" charset="0"/>
+              <a:buChar char="•"/>
+              <a:defRPr sz="2000" kern="1200">
+                <a:solidFill>
+                  <a:schemeClr val="tx1"/>
+                </a:solidFill>
+                <a:latin typeface="+mn-lt"/>
+                <a:ea typeface="+mn-ea"/>
+                <a:cs typeface="+mn-cs"/>
+              </a:defRPr>
+            </a:lvl1pPr>
+            <a:lvl2pPr marL="493776" indent="-228600" algn="l" defTabSz="914400" rtl="0" eaLnBrk="1" latinLnBrk="0" hangingPunct="1">
+              <a:lnSpc>
+                <a:spcPct val="120000"/>
+              </a:lnSpc>
+              <a:spcBef>
+                <a:spcPts val="500"/>
+              </a:spcBef>
+              <a:buSzPct val="87000"/>
+              <a:buFont typeface="Arial" panose="020B0604020202020204" pitchFamily="34" charset="0"/>
+              <a:buChar char="•"/>
+              <a:defRPr sz="1800" kern="1200">
+                <a:solidFill>
+                  <a:schemeClr val="tx1"/>
+                </a:solidFill>
+                <a:latin typeface="+mn-lt"/>
+                <a:ea typeface="+mn-ea"/>
+                <a:cs typeface="+mn-cs"/>
+              </a:defRPr>
+            </a:lvl2pPr>
+            <a:lvl3pPr marL="731520" indent="-228600" algn="l" defTabSz="914400" rtl="0" eaLnBrk="1" latinLnBrk="0" hangingPunct="1">
+              <a:lnSpc>
+                <a:spcPct val="120000"/>
+              </a:lnSpc>
+              <a:spcBef>
+                <a:spcPts val="500"/>
+              </a:spcBef>
+              <a:buSzPct val="87000"/>
+              <a:buFont typeface="Arial" panose="020B0604020202020204" pitchFamily="34" charset="0"/>
+              <a:buChar char="•"/>
+              <a:defRPr sz="1600" kern="1200">
+                <a:solidFill>
+                  <a:schemeClr val="tx1"/>
+                </a:solidFill>
+                <a:latin typeface="+mn-lt"/>
+                <a:ea typeface="+mn-ea"/>
+                <a:cs typeface="+mn-cs"/>
+              </a:defRPr>
+            </a:lvl3pPr>
+            <a:lvl4pPr marL="1051560" indent="-285750" algn="l" defTabSz="914400" rtl="0" eaLnBrk="1" latinLnBrk="0" hangingPunct="1">
+              <a:lnSpc>
+                <a:spcPct val="120000"/>
+              </a:lnSpc>
+              <a:spcBef>
+                <a:spcPts val="500"/>
+              </a:spcBef>
+              <a:buSzPct val="87000"/>
+              <a:buFont typeface="Arial" panose="020B0604020202020204" pitchFamily="34" charset="0"/>
+              <a:buChar char="•"/>
+              <a:defRPr sz="1400" kern="1200">
+                <a:solidFill>
+                  <a:schemeClr val="tx1"/>
+                </a:solidFill>
+                <a:latin typeface="+mn-lt"/>
+                <a:ea typeface="+mn-ea"/>
+                <a:cs typeface="+mn-cs"/>
+              </a:defRPr>
+            </a:lvl4pPr>
+            <a:lvl5pPr marL="1298448" indent="-228600" algn="l" defTabSz="914400" rtl="0" eaLnBrk="1" latinLnBrk="0" hangingPunct="1">
+              <a:lnSpc>
+                <a:spcPct val="120000"/>
+              </a:lnSpc>
+              <a:spcBef>
+                <a:spcPts val="500"/>
+              </a:spcBef>
+              <a:buSzPct val="87000"/>
+              <a:buFont typeface="Arial" panose="020B0604020202020204" pitchFamily="34" charset="0"/>
+              <a:buChar char="•"/>
+              <a:defRPr sz="1400" kern="1200">
+                <a:solidFill>
+                  <a:schemeClr val="tx1"/>
+                </a:solidFill>
+                <a:latin typeface="+mn-lt"/>
+                <a:ea typeface="+mn-ea"/>
+                <a:cs typeface="+mn-cs"/>
+              </a:defRPr>
+            </a:lvl5pPr>
+            <a:lvl6pPr marL="2514600" indent="-228600" algn="l" defTabSz="914400" rtl="0" eaLnBrk="1" latinLnBrk="0" hangingPunct="1">
+              <a:lnSpc>
+                <a:spcPct val="90000"/>
+              </a:lnSpc>
+              <a:spcBef>
+                <a:spcPts val="500"/>
+              </a:spcBef>
+              <a:buFont typeface="Arial" panose="020B0604020202020204" pitchFamily="34" charset="0"/>
+              <a:buChar char="•"/>
+              <a:defRPr sz="1800" kern="1200">
+                <a:solidFill>
+                  <a:schemeClr val="tx1"/>
+                </a:solidFill>
+                <a:latin typeface="+mn-lt"/>
+                <a:ea typeface="+mn-ea"/>
+                <a:cs typeface="+mn-cs"/>
+              </a:defRPr>
+            </a:lvl6pPr>
+            <a:lvl7pPr marL="2971800" indent="-228600" algn="l" defTabSz="914400" rtl="0" eaLnBrk="1" latinLnBrk="0" hangingPunct="1">
+              <a:lnSpc>
+                <a:spcPct val="90000"/>
+              </a:lnSpc>
+              <a:spcBef>
+                <a:spcPts val="500"/>
+              </a:spcBef>
+              <a:buFont typeface="Arial" panose="020B0604020202020204" pitchFamily="34" charset="0"/>
+              <a:buChar char="•"/>
+              <a:defRPr sz="1800" kern="1200">
+                <a:solidFill>
+                  <a:schemeClr val="tx1"/>
+                </a:solidFill>
+                <a:latin typeface="+mn-lt"/>
+                <a:ea typeface="+mn-ea"/>
+                <a:cs typeface="+mn-cs"/>
+              </a:defRPr>
+            </a:lvl7pPr>
+            <a:lvl8pPr marL="3429000" indent="-228600" algn="l" defTabSz="914400" rtl="0" eaLnBrk="1" latinLnBrk="0" hangingPunct="1">
+              <a:lnSpc>
+                <a:spcPct val="90000"/>
+              </a:lnSpc>
+              <a:spcBef>
+                <a:spcPts val="500"/>
+              </a:spcBef>
+              <a:buFont typeface="Arial" panose="020B0604020202020204" pitchFamily="34" charset="0"/>
+              <a:buChar char="•"/>
+              <a:defRPr sz="1800" kern="1200">
+                <a:solidFill>
+                  <a:schemeClr val="tx1"/>
+                </a:solidFill>
+                <a:latin typeface="+mn-lt"/>
+                <a:ea typeface="+mn-ea"/>
+                <a:cs typeface="+mn-cs"/>
+              </a:defRPr>
+            </a:lvl8pPr>
+            <a:lvl9pPr marL="3886200" indent="-228600" algn="l" defTabSz="914400" rtl="0" eaLnBrk="1" latinLnBrk="0" hangingPunct="1">
+              <a:lnSpc>
+                <a:spcPct val="90000"/>
+              </a:lnSpc>
+              <a:spcBef>
+                <a:spcPts val="500"/>
+              </a:spcBef>
+              <a:buFont typeface="Arial" panose="020B0604020202020204" pitchFamily="34" charset="0"/>
+              <a:buChar char="•"/>
+              <a:defRPr sz="1800" kern="1200">
+                <a:solidFill>
+                  <a:schemeClr val="tx1"/>
+                </a:solidFill>
+                <a:latin typeface="+mn-lt"/>
+                <a:ea typeface="+mn-ea"/>
+                <a:cs typeface="+mn-cs"/>
+              </a:defRPr>
+            </a:lvl9pPr>
+          </a:lstStyle>
+          <a:p>
+            <a:pPr>
+              <a:buFont typeface="Wingdings" panose="05000000000000000000" pitchFamily="2" charset="2"/>
+              <a:buChar char="Ø"/>
+            </a:pPr>
+            <a:r>
+              <a:rPr lang="zh-TW" altLang="en-US" sz="1600" dirty="0">
+                <a:solidFill>
+                  <a:schemeClr val="bg1"/>
+                </a:solidFill>
+              </a:rPr>
+              <a:t>建立</a:t>
+            </a:r>
+            <a:r>
+              <a:rPr lang="en-US" altLang="zh-TW" sz="1600" dirty="0">
+                <a:solidFill>
+                  <a:schemeClr val="bg1"/>
+                </a:solidFill>
+              </a:rPr>
+              <a:t>Remote</a:t>
+            </a:r>
+            <a:r>
+              <a:rPr lang="zh-TW" altLang="en-US" sz="1600" dirty="0">
+                <a:solidFill>
+                  <a:schemeClr val="bg1"/>
+                </a:solidFill>
+              </a:rPr>
+              <a:t> </a:t>
+            </a:r>
+            <a:r>
+              <a:rPr lang="en-US" altLang="zh-TW" sz="1600" dirty="0">
+                <a:solidFill>
+                  <a:schemeClr val="bg1"/>
+                </a:solidFill>
+              </a:rPr>
+              <a:t>Git</a:t>
+            </a:r>
+            <a:r>
+              <a:rPr lang="zh-TW" altLang="en-US" sz="1600" dirty="0">
+                <a:solidFill>
+                  <a:schemeClr val="bg1"/>
+                </a:solidFill>
+              </a:rPr>
+              <a:t> </a:t>
+            </a:r>
+            <a:r>
+              <a:rPr lang="en-US" altLang="zh-TW" sz="1600" dirty="0">
+                <a:solidFill>
+                  <a:schemeClr val="bg1"/>
+                </a:solidFill>
+              </a:rPr>
+              <a:t>Repository</a:t>
+            </a:r>
+            <a:r>
+              <a:rPr lang="zh-TW" altLang="en-US" sz="1600" dirty="0">
+                <a:solidFill>
+                  <a:schemeClr val="bg1"/>
+                </a:solidFill>
+              </a:rPr>
+              <a:t>目錄</a:t>
+            </a:r>
+          </a:p>
+        </p:txBody>
+      </p:sp>
+      <p:sp>
+        <p:nvSpPr>
+          <p:cNvPr id="11" name="文字方塊 10">
+            <a:extLst>
+              <a:ext uri="{FF2B5EF4-FFF2-40B4-BE49-F238E27FC236}">
+                <a16:creationId xmlns:a16="http://schemas.microsoft.com/office/drawing/2014/main" id="{C5AEE6C9-2AED-5D81-62B7-C39F1704B49C}"/>
+              </a:ext>
+            </a:extLst>
+          </p:cNvPr>
+          <p:cNvSpPr txBox="1"/>
+          <p:nvPr/>
+        </p:nvSpPr>
+        <p:spPr>
+          <a:xfrm>
+            <a:off x="2034847" y="4277403"/>
+            <a:ext cx="9762706" cy="461665"/>
+          </a:xfrm>
+          <a:prstGeom prst="rect">
+            <a:avLst/>
+          </a:prstGeom>
+          <a:noFill/>
+        </p:spPr>
+        <p:txBody>
+          <a:bodyPr wrap="square" rtlCol="0">
+            <a:spAutoFit/>
+          </a:bodyPr>
+          <a:lstStyle/>
+          <a:p>
+            <a:r>
+              <a:rPr lang="en-US" altLang="zh-TW" sz="1200" dirty="0">
+                <a:solidFill>
+                  <a:schemeClr val="bg1"/>
+                </a:solidFill>
+                <a:latin typeface="Courier New" panose="02070309020205020404" pitchFamily="49" charset="0"/>
+                <a:cs typeface="Courier New" panose="02070309020205020404" pitchFamily="49" charset="0"/>
+              </a:rPr>
+              <a:t>$</a:t>
+            </a:r>
+            <a:r>
+              <a:rPr lang="en-US" altLang="zh-TW" sz="1200" dirty="0">
+                <a:solidFill>
+                  <a:srgbClr val="00FF00"/>
+                </a:solidFill>
+                <a:latin typeface="Courier New" panose="02070309020205020404" pitchFamily="49" charset="0"/>
+                <a:cs typeface="Courier New" panose="02070309020205020404" pitchFamily="49" charset="0"/>
+              </a:rPr>
+              <a:t> mkdir RemoteGitRepository.git </a:t>
+            </a:r>
+            <a:r>
+              <a:rPr lang="en-US" altLang="zh-TW" sz="1200" dirty="0">
+                <a:solidFill>
+                  <a:schemeClr val="bg1">
+                    <a:lumMod val="65000"/>
+                  </a:schemeClr>
+                </a:solidFill>
+                <a:latin typeface="Courier New" panose="02070309020205020404" pitchFamily="49" charset="0"/>
+                <a:cs typeface="Courier New" panose="02070309020205020404" pitchFamily="49" charset="0"/>
+              </a:rPr>
+              <a:t>#</a:t>
+            </a:r>
+            <a:r>
+              <a:rPr lang="zh-TW" altLang="en-US" sz="1200" dirty="0">
+                <a:solidFill>
+                  <a:schemeClr val="bg1">
+                    <a:lumMod val="65000"/>
+                  </a:schemeClr>
+                </a:solidFill>
+                <a:latin typeface="Courier New" panose="02070309020205020404" pitchFamily="49" charset="0"/>
+                <a:cs typeface="Courier New" panose="02070309020205020404" pitchFamily="49" charset="0"/>
+              </a:rPr>
+              <a:t> 遠端倉庫名稱可自行定義，這邊要注意的是遠端倉庫的建立，其檔案名稱後要加上</a:t>
+            </a:r>
+            <a:r>
+              <a:rPr lang="en-US" altLang="zh-TW" sz="1200" dirty="0">
+                <a:solidFill>
+                  <a:schemeClr val="bg1">
+                    <a:lumMod val="65000"/>
+                  </a:schemeClr>
+                </a:solidFill>
+                <a:latin typeface="Courier New" panose="02070309020205020404" pitchFamily="49" charset="0"/>
+                <a:cs typeface="Courier New" panose="02070309020205020404" pitchFamily="49" charset="0"/>
+              </a:rPr>
+              <a:t>.git</a:t>
+            </a:r>
+          </a:p>
+          <a:p>
+            <a:r>
+              <a:rPr lang="en-US" altLang="zh-TW" sz="1200" dirty="0">
+                <a:solidFill>
+                  <a:schemeClr val="bg1"/>
+                </a:solidFill>
+                <a:latin typeface="Courier New" panose="02070309020205020404" pitchFamily="49" charset="0"/>
+                <a:cs typeface="Courier New" panose="02070309020205020404" pitchFamily="49" charset="0"/>
+              </a:rPr>
+              <a:t>$</a:t>
+            </a:r>
+            <a:r>
+              <a:rPr lang="zh-TW" altLang="en-US" sz="1200" dirty="0">
+                <a:solidFill>
+                  <a:schemeClr val="bg1"/>
+                </a:solidFill>
+                <a:latin typeface="Courier New" panose="02070309020205020404" pitchFamily="49" charset="0"/>
+                <a:cs typeface="Courier New" panose="02070309020205020404" pitchFamily="49" charset="0"/>
+              </a:rPr>
+              <a:t> </a:t>
+            </a:r>
+            <a:r>
+              <a:rPr lang="en-US" altLang="zh-TW" sz="1200" dirty="0">
+                <a:solidFill>
+                  <a:srgbClr val="00FF00"/>
+                </a:solidFill>
+                <a:latin typeface="Courier New" panose="02070309020205020404" pitchFamily="49" charset="0"/>
+                <a:cs typeface="Courier New" panose="02070309020205020404" pitchFamily="49" charset="0"/>
+              </a:rPr>
+              <a:t>cd RemoteGitRepository.git</a:t>
+            </a:r>
+            <a:r>
+              <a:rPr lang="zh-TW" altLang="en-US" sz="1200" dirty="0">
+                <a:solidFill>
+                  <a:srgbClr val="00FF00"/>
+                </a:solidFill>
+                <a:latin typeface="Courier New" panose="02070309020205020404" pitchFamily="49" charset="0"/>
+                <a:cs typeface="Courier New" panose="02070309020205020404" pitchFamily="49" charset="0"/>
+              </a:rPr>
+              <a:t>    </a:t>
+            </a:r>
+            <a:r>
+              <a:rPr lang="en-US" altLang="zh-TW" sz="1200" dirty="0">
+                <a:solidFill>
+                  <a:schemeClr val="bg1">
+                    <a:lumMod val="65000"/>
+                  </a:schemeClr>
+                </a:solidFill>
+                <a:latin typeface="Courier New" panose="02070309020205020404" pitchFamily="49" charset="0"/>
+                <a:cs typeface="Courier New" panose="02070309020205020404" pitchFamily="49" charset="0"/>
+              </a:rPr>
+              <a:t>#</a:t>
+            </a:r>
+            <a:r>
+              <a:rPr lang="zh-TW" altLang="en-US" sz="1200" dirty="0">
+                <a:solidFill>
+                  <a:schemeClr val="bg1">
+                    <a:lumMod val="65000"/>
+                  </a:schemeClr>
+                </a:solidFill>
+                <a:latin typeface="Courier New" panose="02070309020205020404" pitchFamily="49" charset="0"/>
+                <a:cs typeface="Courier New" panose="02070309020205020404" pitchFamily="49" charset="0"/>
+              </a:rPr>
+              <a:t> 切換到建立好的遠端倉庫目錄</a:t>
+            </a:r>
+          </a:p>
+        </p:txBody>
+      </p:sp>
+      <p:sp>
+        <p:nvSpPr>
+          <p:cNvPr id="13" name="文字方塊 12">
+            <a:extLst>
+              <a:ext uri="{FF2B5EF4-FFF2-40B4-BE49-F238E27FC236}">
+                <a16:creationId xmlns:a16="http://schemas.microsoft.com/office/drawing/2014/main" id="{C2A548C1-B211-8668-8F18-325331A5E238}"/>
+              </a:ext>
+            </a:extLst>
+          </p:cNvPr>
+          <p:cNvSpPr txBox="1"/>
+          <p:nvPr/>
+        </p:nvSpPr>
+        <p:spPr>
+          <a:xfrm>
+            <a:off x="2034847" y="5897618"/>
+            <a:ext cx="8830377" cy="461665"/>
+          </a:xfrm>
+          <a:prstGeom prst="rect">
+            <a:avLst/>
+          </a:prstGeom>
+          <a:noFill/>
+        </p:spPr>
+        <p:txBody>
+          <a:bodyPr wrap="square" rtlCol="0">
+            <a:spAutoFit/>
+          </a:bodyPr>
+          <a:lstStyle/>
+          <a:p>
+            <a:r>
+              <a:rPr lang="en-US" altLang="zh-TW" sz="1200" dirty="0">
+                <a:solidFill>
+                  <a:srgbClr val="00FF00"/>
+                </a:solidFill>
+                <a:latin typeface="Courier New" panose="02070309020205020404" pitchFamily="49" charset="0"/>
+                <a:cs typeface="Courier New" panose="02070309020205020404" pitchFamily="49" charset="0"/>
+              </a:rPr>
+              <a:t>Daniel.hsu@DESKTOP-2C8EEA2 </a:t>
+            </a:r>
+            <a:r>
+              <a:rPr lang="en-US" altLang="zh-TW" sz="1200" dirty="0">
+                <a:solidFill>
+                  <a:srgbClr val="FF00FF"/>
+                </a:solidFill>
+                <a:latin typeface="Courier New" panose="02070309020205020404" pitchFamily="49" charset="0"/>
+                <a:cs typeface="Courier New" panose="02070309020205020404" pitchFamily="49" charset="0"/>
+              </a:rPr>
+              <a:t>MINGW64</a:t>
+            </a:r>
+            <a:r>
+              <a:rPr lang="en-US" altLang="zh-TW" sz="1200" dirty="0">
+                <a:solidFill>
+                  <a:srgbClr val="00FF00"/>
+                </a:solidFill>
+                <a:latin typeface="Courier New" panose="02070309020205020404" pitchFamily="49" charset="0"/>
+                <a:cs typeface="Courier New" panose="02070309020205020404" pitchFamily="49" charset="0"/>
+              </a:rPr>
+              <a:t> </a:t>
+            </a:r>
+            <a:r>
+              <a:rPr lang="en-US" altLang="zh-TW" sz="1200" dirty="0">
+                <a:solidFill>
+                  <a:srgbClr val="FFC000"/>
+                </a:solidFill>
+                <a:latin typeface="Courier New" panose="02070309020205020404" pitchFamily="49" charset="0"/>
+                <a:cs typeface="Courier New" panose="02070309020205020404" pitchFamily="49" charset="0"/>
+              </a:rPr>
+              <a:t>/d/CAI_Project/RemoteGitRepository.git</a:t>
+            </a:r>
+            <a:endParaRPr lang="en-US" altLang="zh-TW" sz="1200" dirty="0">
+              <a:solidFill>
+                <a:srgbClr val="33CCCC"/>
+              </a:solidFill>
+              <a:latin typeface="Courier New" panose="02070309020205020404" pitchFamily="49" charset="0"/>
+              <a:cs typeface="Courier New" panose="02070309020205020404" pitchFamily="49" charset="0"/>
+            </a:endParaRPr>
+          </a:p>
+          <a:p>
+            <a:r>
+              <a:rPr lang="en-US" altLang="zh-TW" sz="1200" dirty="0">
+                <a:solidFill>
+                  <a:schemeClr val="bg1"/>
+                </a:solidFill>
+                <a:latin typeface="Courier New" panose="02070309020205020404" pitchFamily="49" charset="0"/>
+                <a:cs typeface="Courier New" panose="02070309020205020404" pitchFamily="49" charset="0"/>
+              </a:rPr>
+              <a:t>$</a:t>
+            </a:r>
+            <a:r>
+              <a:rPr lang="en-US" altLang="zh-TW" sz="1200" dirty="0">
+                <a:solidFill>
+                  <a:srgbClr val="00FF00"/>
+                </a:solidFill>
+                <a:latin typeface="Courier New" panose="02070309020205020404" pitchFamily="49" charset="0"/>
+                <a:cs typeface="Courier New" panose="02070309020205020404" pitchFamily="49" charset="0"/>
+              </a:rPr>
+              <a:t> git init ––bare </a:t>
+            </a:r>
+            <a:r>
+              <a:rPr lang="en-US" altLang="zh-TW" sz="1200" dirty="0">
+                <a:solidFill>
+                  <a:srgbClr val="FF0000"/>
+                </a:solidFill>
+                <a:latin typeface="Courier New" panose="02070309020205020404" pitchFamily="49" charset="0"/>
+                <a:cs typeface="Courier New" panose="02070309020205020404" pitchFamily="49" charset="0"/>
+              </a:rPr>
+              <a:t>#</a:t>
+            </a:r>
+            <a:r>
+              <a:rPr lang="zh-TW" altLang="en-US" sz="1200" dirty="0">
+                <a:solidFill>
+                  <a:srgbClr val="FF0000"/>
+                </a:solidFill>
+                <a:latin typeface="Courier New" panose="02070309020205020404" pitchFamily="49" charset="0"/>
+                <a:cs typeface="Courier New" panose="02070309020205020404" pitchFamily="49" charset="0"/>
+              </a:rPr>
+              <a:t>這裡要注意的是初始化與先前的</a:t>
+            </a:r>
+            <a:r>
+              <a:rPr lang="en-US" altLang="zh-TW" sz="1200" dirty="0">
+                <a:solidFill>
+                  <a:srgbClr val="FF0000"/>
+                </a:solidFill>
+                <a:latin typeface="Courier New" panose="02070309020205020404" pitchFamily="49" charset="0"/>
+                <a:cs typeface="Courier New" panose="02070309020205020404" pitchFamily="49" charset="0"/>
+              </a:rPr>
+              <a:t>Git</a:t>
+            </a:r>
+            <a:r>
+              <a:rPr lang="zh-TW" altLang="en-US" sz="1200" dirty="0">
+                <a:solidFill>
+                  <a:srgbClr val="FF0000"/>
+                </a:solidFill>
+                <a:latin typeface="Courier New" panose="02070309020205020404" pitchFamily="49" charset="0"/>
+                <a:cs typeface="Courier New" panose="02070309020205020404" pitchFamily="49" charset="0"/>
+              </a:rPr>
+              <a:t>倉庫不同，遠端</a:t>
+            </a:r>
+            <a:r>
+              <a:rPr lang="en-US" altLang="zh-TW" sz="1200" dirty="0">
+                <a:solidFill>
+                  <a:srgbClr val="FF0000"/>
+                </a:solidFill>
+                <a:latin typeface="Courier New" panose="02070309020205020404" pitchFamily="49" charset="0"/>
+                <a:cs typeface="Courier New" panose="02070309020205020404" pitchFamily="49" charset="0"/>
+              </a:rPr>
+              <a:t>Git</a:t>
+            </a:r>
+            <a:r>
+              <a:rPr lang="zh-TW" altLang="en-US" sz="1200" dirty="0">
+                <a:solidFill>
+                  <a:srgbClr val="FF0000"/>
+                </a:solidFill>
+                <a:latin typeface="Courier New" panose="02070309020205020404" pitchFamily="49" charset="0"/>
+                <a:cs typeface="Courier New" panose="02070309020205020404" pitchFamily="49" charset="0"/>
+              </a:rPr>
+              <a:t>倉庫的初始化要加上參數 </a:t>
+            </a:r>
+            <a:r>
+              <a:rPr lang="en-US" altLang="zh-TW" sz="1200" dirty="0">
+                <a:solidFill>
+                  <a:srgbClr val="FF0000"/>
+                </a:solidFill>
+                <a:latin typeface="Courier New" panose="02070309020205020404" pitchFamily="49" charset="0"/>
+                <a:cs typeface="Courier New" panose="02070309020205020404" pitchFamily="49" charset="0"/>
+              </a:rPr>
+              <a:t>--bare</a:t>
+            </a:r>
+            <a:endParaRPr lang="zh-TW" altLang="en-US" sz="1200" dirty="0">
+              <a:solidFill>
+                <a:srgbClr val="FF0000"/>
+              </a:solidFill>
+              <a:latin typeface="Courier New" panose="02070309020205020404" pitchFamily="49" charset="0"/>
+              <a:cs typeface="Courier New" panose="02070309020205020404" pitchFamily="49" charset="0"/>
+            </a:endParaRPr>
+          </a:p>
+        </p:txBody>
+      </p:sp>
+      <p:sp>
+        <p:nvSpPr>
+          <p:cNvPr id="6" name="內容版面配置區 2">
+            <a:extLst>
+              <a:ext uri="{FF2B5EF4-FFF2-40B4-BE49-F238E27FC236}">
+                <a16:creationId xmlns:a16="http://schemas.microsoft.com/office/drawing/2014/main" id="{D41F87C0-611A-9FD1-A8DD-B7421494E4DE}"/>
+              </a:ext>
+            </a:extLst>
+          </p:cNvPr>
+          <p:cNvSpPr txBox="1">
+            <a:spLocks/>
+          </p:cNvSpPr>
+          <p:nvPr/>
+        </p:nvSpPr>
+        <p:spPr>
+          <a:xfrm>
+            <a:off x="1340359" y="5381925"/>
+            <a:ext cx="3410935" cy="339419"/>
+          </a:xfrm>
+          <a:prstGeom prst="rect">
+            <a:avLst/>
+          </a:prstGeom>
+        </p:spPr>
+        <p:txBody>
+          <a:bodyPr vert="horz" lIns="91440" tIns="45720" rIns="91440" bIns="45720" rtlCol="0" anchor="ctr" anchorCtr="0">
+            <a:normAutofit fontScale="92500" lnSpcReduction="10000"/>
+          </a:bodyPr>
+          <a:lstStyle>
+            <a:lvl1pPr marL="228600" indent="-228600" algn="l" defTabSz="914400" rtl="0" eaLnBrk="1" latinLnBrk="0" hangingPunct="1">
+              <a:lnSpc>
+                <a:spcPct val="120000"/>
+              </a:lnSpc>
+              <a:spcBef>
+                <a:spcPts val="1000"/>
+              </a:spcBef>
+              <a:buSzPct val="87000"/>
+              <a:buFont typeface="Arial" panose="020B0604020202020204" pitchFamily="34" charset="0"/>
+              <a:buChar char="•"/>
+              <a:defRPr sz="2000" kern="1200">
+                <a:solidFill>
+                  <a:schemeClr val="tx1"/>
+                </a:solidFill>
+                <a:latin typeface="+mn-lt"/>
+                <a:ea typeface="+mn-ea"/>
+                <a:cs typeface="+mn-cs"/>
+              </a:defRPr>
+            </a:lvl1pPr>
+            <a:lvl2pPr marL="493776" indent="-228600" algn="l" defTabSz="914400" rtl="0" eaLnBrk="1" latinLnBrk="0" hangingPunct="1">
+              <a:lnSpc>
+                <a:spcPct val="120000"/>
+              </a:lnSpc>
+              <a:spcBef>
+                <a:spcPts val="500"/>
+              </a:spcBef>
+              <a:buSzPct val="87000"/>
+              <a:buFont typeface="Arial" panose="020B0604020202020204" pitchFamily="34" charset="0"/>
+              <a:buChar char="•"/>
+              <a:defRPr sz="1800" kern="1200">
+                <a:solidFill>
+                  <a:schemeClr val="tx1"/>
+                </a:solidFill>
+                <a:latin typeface="+mn-lt"/>
+                <a:ea typeface="+mn-ea"/>
+                <a:cs typeface="+mn-cs"/>
+              </a:defRPr>
+            </a:lvl2pPr>
+            <a:lvl3pPr marL="731520" indent="-228600" algn="l" defTabSz="914400" rtl="0" eaLnBrk="1" latinLnBrk="0" hangingPunct="1">
+              <a:lnSpc>
+                <a:spcPct val="120000"/>
+              </a:lnSpc>
+              <a:spcBef>
+                <a:spcPts val="500"/>
+              </a:spcBef>
+              <a:buSzPct val="87000"/>
+              <a:buFont typeface="Arial" panose="020B0604020202020204" pitchFamily="34" charset="0"/>
+              <a:buChar char="•"/>
+              <a:defRPr sz="1600" kern="1200">
+                <a:solidFill>
+                  <a:schemeClr val="tx1"/>
+                </a:solidFill>
+                <a:latin typeface="+mn-lt"/>
+                <a:ea typeface="+mn-ea"/>
+                <a:cs typeface="+mn-cs"/>
+              </a:defRPr>
+            </a:lvl3pPr>
+            <a:lvl4pPr marL="1051560" indent="-285750" algn="l" defTabSz="914400" rtl="0" eaLnBrk="1" latinLnBrk="0" hangingPunct="1">
+              <a:lnSpc>
+                <a:spcPct val="120000"/>
+              </a:lnSpc>
+              <a:spcBef>
+                <a:spcPts val="500"/>
+              </a:spcBef>
+              <a:buSzPct val="87000"/>
+              <a:buFont typeface="Arial" panose="020B0604020202020204" pitchFamily="34" charset="0"/>
+              <a:buChar char="•"/>
+              <a:defRPr sz="1400" kern="1200">
+                <a:solidFill>
+                  <a:schemeClr val="tx1"/>
+                </a:solidFill>
+                <a:latin typeface="+mn-lt"/>
+                <a:ea typeface="+mn-ea"/>
+                <a:cs typeface="+mn-cs"/>
+              </a:defRPr>
+            </a:lvl4pPr>
+            <a:lvl5pPr marL="1298448" indent="-228600" algn="l" defTabSz="914400" rtl="0" eaLnBrk="1" latinLnBrk="0" hangingPunct="1">
+              <a:lnSpc>
+                <a:spcPct val="120000"/>
+              </a:lnSpc>
+              <a:spcBef>
+                <a:spcPts val="500"/>
+              </a:spcBef>
+              <a:buSzPct val="87000"/>
+              <a:buFont typeface="Arial" panose="020B0604020202020204" pitchFamily="34" charset="0"/>
+              <a:buChar char="•"/>
+              <a:defRPr sz="1400" kern="1200">
+                <a:solidFill>
+                  <a:schemeClr val="tx1"/>
+                </a:solidFill>
+                <a:latin typeface="+mn-lt"/>
+                <a:ea typeface="+mn-ea"/>
+                <a:cs typeface="+mn-cs"/>
+              </a:defRPr>
+            </a:lvl5pPr>
+            <a:lvl6pPr marL="2514600" indent="-228600" algn="l" defTabSz="914400" rtl="0" eaLnBrk="1" latinLnBrk="0" hangingPunct="1">
+              <a:lnSpc>
+                <a:spcPct val="90000"/>
+              </a:lnSpc>
+              <a:spcBef>
+                <a:spcPts val="500"/>
+              </a:spcBef>
+              <a:buFont typeface="Arial" panose="020B0604020202020204" pitchFamily="34" charset="0"/>
+              <a:buChar char="•"/>
+              <a:defRPr sz="1800" kern="1200">
+                <a:solidFill>
+                  <a:schemeClr val="tx1"/>
+                </a:solidFill>
+                <a:latin typeface="+mn-lt"/>
+                <a:ea typeface="+mn-ea"/>
+                <a:cs typeface="+mn-cs"/>
+              </a:defRPr>
+            </a:lvl6pPr>
+            <a:lvl7pPr marL="2971800" indent="-228600" algn="l" defTabSz="914400" rtl="0" eaLnBrk="1" latinLnBrk="0" hangingPunct="1">
+              <a:lnSpc>
+                <a:spcPct val="90000"/>
+              </a:lnSpc>
+              <a:spcBef>
+                <a:spcPts val="500"/>
+              </a:spcBef>
+              <a:buFont typeface="Arial" panose="020B0604020202020204" pitchFamily="34" charset="0"/>
+              <a:buChar char="•"/>
+              <a:defRPr sz="1800" kern="1200">
+                <a:solidFill>
+                  <a:schemeClr val="tx1"/>
+                </a:solidFill>
+                <a:latin typeface="+mn-lt"/>
+                <a:ea typeface="+mn-ea"/>
+                <a:cs typeface="+mn-cs"/>
+              </a:defRPr>
+            </a:lvl7pPr>
+            <a:lvl8pPr marL="3429000" indent="-228600" algn="l" defTabSz="914400" rtl="0" eaLnBrk="1" latinLnBrk="0" hangingPunct="1">
+              <a:lnSpc>
+                <a:spcPct val="90000"/>
+              </a:lnSpc>
+              <a:spcBef>
+                <a:spcPts val="500"/>
+              </a:spcBef>
+              <a:buFont typeface="Arial" panose="020B0604020202020204" pitchFamily="34" charset="0"/>
+              <a:buChar char="•"/>
+              <a:defRPr sz="1800" kern="1200">
+                <a:solidFill>
+                  <a:schemeClr val="tx1"/>
+                </a:solidFill>
+                <a:latin typeface="+mn-lt"/>
+                <a:ea typeface="+mn-ea"/>
+                <a:cs typeface="+mn-cs"/>
+              </a:defRPr>
+            </a:lvl8pPr>
+            <a:lvl9pPr marL="3886200" indent="-228600" algn="l" defTabSz="914400" rtl="0" eaLnBrk="1" latinLnBrk="0" hangingPunct="1">
+              <a:lnSpc>
+                <a:spcPct val="90000"/>
+              </a:lnSpc>
+              <a:spcBef>
+                <a:spcPts val="500"/>
+              </a:spcBef>
+              <a:buFont typeface="Arial" panose="020B0604020202020204" pitchFamily="34" charset="0"/>
+              <a:buChar char="•"/>
+              <a:defRPr sz="1800" kern="1200">
+                <a:solidFill>
+                  <a:schemeClr val="tx1"/>
+                </a:solidFill>
+                <a:latin typeface="+mn-lt"/>
+                <a:ea typeface="+mn-ea"/>
+                <a:cs typeface="+mn-cs"/>
+              </a:defRPr>
+            </a:lvl9pPr>
+          </a:lstStyle>
+          <a:p>
+            <a:pPr>
+              <a:buFont typeface="Wingdings" panose="05000000000000000000" pitchFamily="2" charset="2"/>
+              <a:buChar char="Ø"/>
+            </a:pPr>
+            <a:r>
+              <a:rPr lang="zh-TW" altLang="en-US" sz="1600" dirty="0">
+                <a:solidFill>
+                  <a:schemeClr val="bg1"/>
+                </a:solidFill>
+              </a:rPr>
+              <a:t>初始化</a:t>
+            </a:r>
+            <a:r>
+              <a:rPr lang="en-US" altLang="zh-TW" sz="1600" dirty="0">
+                <a:solidFill>
+                  <a:schemeClr val="bg1"/>
+                </a:solidFill>
+              </a:rPr>
+              <a:t>Remote</a:t>
+            </a:r>
+            <a:r>
+              <a:rPr lang="zh-TW" altLang="en-US" sz="1600" dirty="0">
+                <a:solidFill>
+                  <a:schemeClr val="bg1"/>
+                </a:solidFill>
+              </a:rPr>
+              <a:t> </a:t>
+            </a:r>
+            <a:r>
+              <a:rPr lang="en-US" altLang="zh-TW" sz="1600" dirty="0">
+                <a:solidFill>
+                  <a:schemeClr val="bg1"/>
+                </a:solidFill>
+              </a:rPr>
+              <a:t>Git</a:t>
+            </a:r>
+            <a:r>
+              <a:rPr lang="zh-TW" altLang="en-US" sz="1600" dirty="0">
+                <a:solidFill>
+                  <a:schemeClr val="bg1"/>
+                </a:solidFill>
+              </a:rPr>
+              <a:t> </a:t>
+            </a:r>
+            <a:r>
+              <a:rPr lang="en-US" altLang="zh-TW" sz="1600" dirty="0">
+                <a:solidFill>
+                  <a:schemeClr val="bg1"/>
+                </a:solidFill>
+              </a:rPr>
+              <a:t>Repository</a:t>
+            </a:r>
+            <a:r>
+              <a:rPr lang="zh-TW" altLang="en-US" sz="1600" dirty="0">
+                <a:solidFill>
+                  <a:schemeClr val="bg1"/>
+                </a:solidFill>
+              </a:rPr>
+              <a:t>目錄</a:t>
+            </a:r>
+          </a:p>
+        </p:txBody>
+      </p:sp>
+    </p:spTree>
+    <p:extLst>
+      <p:ext uri="{BB962C8B-B14F-4D97-AF65-F5344CB8AC3E}">
+        <p14:creationId xmlns:p14="http://schemas.microsoft.com/office/powerpoint/2010/main" val="3326759724"/>
+      </p:ext>
+    </p:extLst>
+  </p:cSld>
+  <p:clrMapOvr>
+    <a:masterClrMapping/>
+  </p:clrMapOvr>
+</p:sld>
+</file>
+
 <file path=ppt/slides/slide2.xml><?xml version="1.0" encoding="utf-8"?>
 <p:sld xmlns:a="http://schemas.openxmlformats.org/drawingml/2006/main" xmlns:r="http://schemas.openxmlformats.org/officeDocument/2006/relationships" xmlns:p="http://schemas.openxmlformats.org/presentationml/2006/main">
   <p:cSld>
@@ -5736,7 +6946,27 @@
                 <a:latin typeface="Courier New" panose="02070309020205020404" pitchFamily="49" charset="0"/>
                 <a:cs typeface="Courier New" panose="02070309020205020404" pitchFamily="49" charset="0"/>
               </a:rPr>
-              <a:t>define repository name: init.defaultbranch=master</a:t>
+              <a:t>define repository name: </a:t>
+            </a:r>
+            <a:r>
+              <a:rPr lang="en-US" altLang="zh-TW" sz="1600" dirty="0" err="1">
+                <a:solidFill>
+                  <a:schemeClr val="bg1"/>
+                </a:solidFill>
+                <a:latin typeface="Courier New" panose="02070309020205020404" pitchFamily="49" charset="0"/>
+                <a:cs typeface="Courier New" panose="02070309020205020404" pitchFamily="49" charset="0"/>
+              </a:rPr>
+              <a:t>init.defaultbranch</a:t>
+            </a:r>
+            <a:r>
+              <a:rPr lang="en-US" altLang="zh-TW" sz="1600" dirty="0">
+                <a:solidFill>
+                  <a:schemeClr val="bg1"/>
+                </a:solidFill>
+                <a:latin typeface="Courier New" panose="02070309020205020404" pitchFamily="49" charset="0"/>
+                <a:cs typeface="Courier New" panose="02070309020205020404" pitchFamily="49" charset="0"/>
+              </a:rPr>
+              <a:t>=master</a:t>
             </a:r>
             <a:r>
               <a:rPr lang="en-US" altLang="zh-TW" sz="1600" dirty="0">
@@ -6048,7 +7278,27 @@
                 <a:latin typeface="Courier New" panose="02070309020205020404" pitchFamily="49" charset="0"/>
                 <a:cs typeface="Courier New" panose="02070309020205020404" pitchFamily="49" charset="0"/>
               </a:rPr>
-              <a:t> git config ––global init.defaultbranch &lt;branch name&gt; </a:t>
+              <a:t> git config ––global </a:t>
+            </a:r>
+            <a:r>
+              <a:rPr lang="en-US" altLang="zh-TW" sz="1600" dirty="0" err="1">
+                <a:solidFill>
+                  <a:srgbClr val="00FF00"/>
+                </a:solidFill>
+                <a:latin typeface="Courier New" panose="02070309020205020404" pitchFamily="49" charset="0"/>
+                <a:cs typeface="Courier New" panose="02070309020205020404" pitchFamily="49" charset="0"/>
+              </a:rPr>
+              <a:t>init.defaultbranch</a:t>
+            </a:r>
+            <a:r>
+              <a:rPr lang="en-US" altLang="zh-TW" sz="1600" dirty="0">
+                <a:solidFill>
+                  <a:srgbClr val="00FF00"/>
+                </a:solidFill>
+                <a:latin typeface="Courier New" panose="02070309020205020404" pitchFamily="49" charset="0"/>
+                <a:cs typeface="Courier New" panose="02070309020205020404" pitchFamily="49" charset="0"/>
+              </a:rPr>
+              <a:t> &lt;branch name&gt; </a:t>
             </a:r>
             <a:endParaRPr lang="zh-TW" altLang="en-US" sz="1600" dirty="0">
               <a:solidFill>

--- a/GitHub_note.pptx
+++ b/GitHub_note.pptx
@@ -15,6 +15,7 @@
     <p:sldId id="263" r:id="rId9"/>
     <p:sldId id="264" r:id="rId10"/>
     <p:sldId id="265" r:id="rId11"/>
+    <p:sldId id="266" r:id="rId12"/>
   </p:sldIdLst>
   <p:sldSz cx="12192000" cy="6858000"/>
   <p:notesSz cx="6858000" cy="9144000"/>
@@ -277,7 +278,7 @@
           <a:p>
             <a:fld id="{6444479B-705B-4489-957E-7E8A228BDFA0}" type="datetime1">
               <a:rPr lang="en-US" smtClean="0"/>
-              <a:t>11/14/2025</a:t>
+              <a:t>11/15/2025</a:t>
             </a:fld>
             <a:endParaRPr lang="en-US"/>
           </a:p>
@@ -477,7 +478,7 @@
           <a:p>
             <a:fld id="{C07B66AD-7C08-490A-ADA4-B47E10FB2407}" type="datetime1">
               <a:rPr lang="en-US" smtClean="0"/>
-              <a:t>11/14/2025</a:t>
+              <a:t>11/15/2025</a:t>
             </a:fld>
             <a:endParaRPr lang="en-US"/>
           </a:p>
@@ -736,7 +737,7 @@
           <a:p>
             <a:fld id="{05B95027-4255-49E7-9841-CD21BCC99996}" type="datetime1">
               <a:rPr lang="en-US" smtClean="0"/>
-              <a:t>11/14/2025</a:t>
+              <a:t>11/15/2025</a:t>
             </a:fld>
             <a:endParaRPr lang="en-US"/>
           </a:p>
@@ -977,7 +978,7 @@
           <a:p>
             <a:fld id="{9F89F774-3FA6-43B8-9241-99959C8FD463}" type="datetime1">
               <a:rPr lang="en-US" smtClean="0"/>
-              <a:t>11/14/2025</a:t>
+              <a:t>11/15/2025</a:t>
             </a:fld>
             <a:endParaRPr lang="en-US"/>
           </a:p>
@@ -1304,7 +1305,7 @@
           <a:p>
             <a:fld id="{F9504452-5DCC-4FE2-A5C9-8A5EF6714D65}" type="datetime1">
               <a:rPr lang="en-US" smtClean="0"/>
-              <a:t>11/14/2025</a:t>
+              <a:t>11/15/2025</a:t>
             </a:fld>
             <a:endParaRPr lang="en-US"/>
           </a:p>
@@ -1614,7 +1615,7 @@
           <a:p>
             <a:fld id="{E579ABC2-0180-4F3A-A895-A85BC724D472}" type="datetime1">
               <a:rPr lang="en-US" smtClean="0"/>
-              <a:t>11/14/2025</a:t>
+              <a:t>11/15/2025</a:t>
             </a:fld>
             <a:endParaRPr lang="en-US"/>
           </a:p>
@@ -2032,7 +2033,7 @@
           <a:p>
             <a:fld id="{6AEEA9BA-4E8F-439E-BEA4-91FBA01E3F5F}" type="datetime1">
               <a:rPr lang="en-US" smtClean="0"/>
-              <a:t>11/14/2025</a:t>
+              <a:t>11/15/2025</a:t>
             </a:fld>
             <a:endParaRPr lang="en-US"/>
           </a:p>
@@ -2174,7 +2175,7 @@
           <a:p>
             <a:fld id="{BE15BF18-0007-481C-AA29-413124BC3EE7}" type="datetime1">
               <a:rPr lang="en-US" smtClean="0"/>
-              <a:t>11/14/2025</a:t>
+              <a:t>11/15/2025</a:t>
             </a:fld>
             <a:endParaRPr lang="en-US"/>
           </a:p>
@@ -2336,7 +2337,7 @@
           <a:p>
             <a:fld id="{09BE9870-3748-43AD-B547-02A075CB4A1D}" type="datetime1">
               <a:rPr lang="en-US" smtClean="0"/>
-              <a:t>11/14/2025</a:t>
+              <a:t>11/15/2025</a:t>
             </a:fld>
             <a:endParaRPr lang="en-US"/>
           </a:p>
@@ -2653,7 +2654,7 @@
           <a:p>
             <a:fld id="{558E7897-33C5-4F1A-9307-D068E37F3DC7}" type="datetime1">
               <a:rPr lang="en-US" smtClean="0"/>
-              <a:t>11/14/2025</a:t>
+              <a:t>11/15/2025</a:t>
             </a:fld>
             <a:endParaRPr lang="en-US"/>
           </a:p>
@@ -2948,7 +2949,7 @@
           <a:p>
             <a:fld id="{82E171BA-CC09-47C8-A6DF-F5C5CB59CEEC}" type="datetime1">
               <a:rPr lang="en-US" smtClean="0"/>
-              <a:t>11/14/2025</a:t>
+              <a:t>11/15/2025</a:t>
             </a:fld>
             <a:endParaRPr lang="en-US"/>
           </a:p>
@@ -3189,7 +3190,7 @@
           <a:p>
             <a:fld id="{7DA38F49-B3E2-4BF0-BEC7-C30D34ABBB8D}" type="datetime1">
               <a:rPr lang="en-US" smtClean="0"/>
-              <a:t>11/14/2025</a:t>
+              <a:t>11/15/2025</a:t>
             </a:fld>
             <a:endParaRPr lang="en-US"/>
           </a:p>
@@ -5199,6 +5200,98 @@
 </p:sld>
 </file>
 
+<file path=ppt/slides/slide11.xml><?xml version="1.0" encoding="utf-8"?>
+<p:sld xmlns:a="http://schemas.openxmlformats.org/drawingml/2006/main" xmlns:r="http://schemas.openxmlformats.org/officeDocument/2006/relationships" xmlns:p="http://schemas.openxmlformats.org/presentationml/2006/main">
+  <p:cSld>
+    <p:spTree>
+      <p:nvGrpSpPr>
+        <p:cNvPr id="1" name=""/>
+        <p:cNvGrpSpPr/>
+        <p:nvPr/>
+      </p:nvGrpSpPr>
+      <p:grpSpPr>
+        <a:xfrm>
+          <a:off x="0" y="0"/>
+          <a:ext cx="0" cy="0"/>
+          <a:chOff x="0" y="0"/>
+          <a:chExt cx="0" cy="0"/>
+        </a:xfrm>
+      </p:grpSpPr>
+      <p:sp>
+        <p:nvSpPr>
+          <p:cNvPr id="2" name="標題 1">
+            <a:extLst>
+              <a:ext uri="{FF2B5EF4-FFF2-40B4-BE49-F238E27FC236}">
+                <a16:creationId xmlns:a16="http://schemas.microsoft.com/office/drawing/2014/main" id="{1295165D-BBFE-B968-8812-5920135BB69A}"/>
+              </a:ext>
+            </a:extLst>
+          </p:cNvPr>
+          <p:cNvSpPr>
+            <a:spLocks noGrp="1"/>
+          </p:cNvSpPr>
+          <p:nvPr>
+            <p:ph type="title"/>
+          </p:nvPr>
+        </p:nvSpPr>
+        <p:spPr/>
+        <p:txBody>
+          <a:bodyPr/>
+          <a:lstStyle/>
+          <a:p>
+            <a:r>
+              <a:rPr lang="en-US" altLang="zh-TW" dirty="0"/>
+              <a:t>Git Test</a:t>
+            </a:r>
+            <a:endParaRPr lang="zh-TW" altLang="en-US" dirty="0"/>
+          </a:p>
+        </p:txBody>
+      </p:sp>
+      <p:sp>
+        <p:nvSpPr>
+          <p:cNvPr id="3" name="內容版面配置區 2">
+            <a:extLst>
+              <a:ext uri="{FF2B5EF4-FFF2-40B4-BE49-F238E27FC236}">
+                <a16:creationId xmlns:a16="http://schemas.microsoft.com/office/drawing/2014/main" id="{A3B52210-FB3E-3961-061E-A7E9C7B3D5F8}"/>
+              </a:ext>
+            </a:extLst>
+          </p:cNvPr>
+          <p:cNvSpPr>
+            <a:spLocks noGrp="1"/>
+          </p:cNvSpPr>
+          <p:nvPr>
+            <p:ph idx="1"/>
+          </p:nvPr>
+        </p:nvSpPr>
+        <p:spPr/>
+        <p:txBody>
+          <a:bodyPr/>
+          <a:lstStyle/>
+          <a:p>
+            <a:r>
+              <a:rPr lang="en-US" altLang="zh-TW" dirty="0"/>
+              <a:t>For commit, merge, pull and </a:t>
+            </a:r>
+            <a:r>
+              <a:rPr lang="en-US" altLang="zh-TW"/>
+              <a:t>push test.</a:t>
+            </a:r>
+            <a:endParaRPr lang="zh-TW" altLang="en-US"/>
+          </a:p>
+        </p:txBody>
+      </p:sp>
+    </p:spTree>
+    <p:extLst>
+      <p:ext uri="{BB962C8B-B14F-4D97-AF65-F5344CB8AC3E}">
+        <p14:creationId xmlns:p14="http://schemas.microsoft.com/office/powerpoint/2010/main" val="4235019278"/>
+      </p:ext>
+    </p:extLst>
+  </p:cSld>
+  <p:clrMapOvr>
+    <a:masterClrMapping/>
+  </p:clrMapOvr>
+</p:sld>
+</file>
+
 <file path=ppt/slides/slide2.xml><?xml version="1.0" encoding="utf-8"?>
 <p:sld xmlns:a="http://schemas.openxmlformats.org/drawingml/2006/main" xmlns:r="http://schemas.openxmlformats.org/officeDocument/2006/relationships" xmlns:p="http://schemas.openxmlformats.org/presentationml/2006/main">
   <p:cSld>

--- a/GitHub_note.pptx
+++ b/GitHub_note.pptx
@@ -15,7 +15,8 @@
     <p:sldId id="263" r:id="rId9"/>
     <p:sldId id="264" r:id="rId10"/>
     <p:sldId id="265" r:id="rId11"/>
-    <p:sldId id="266" r:id="rId12"/>
+    <p:sldId id="267" r:id="rId12"/>
+    <p:sldId id="266" r:id="rId13"/>
   </p:sldIdLst>
   <p:sldSz cx="12192000" cy="6858000"/>
   <p:notesSz cx="6858000" cy="9144000"/>
@@ -4850,7 +4851,10 @@
             <a:r>
               <a:rPr lang="en-US" altLang="zh-TW" sz="1200" dirty="0">
                 <a:solidFill>
-                  <a:srgbClr val="FF0000"/>
+                  <a:schemeClr val="accent5">
+                    <a:lumMod val="20000"/>
+                    <a:lumOff val="80000"/>
+                  </a:schemeClr>
                 </a:solidFill>
                 <a:latin typeface="Courier New" panose="02070309020205020404" pitchFamily="49" charset="0"/>
                 <a:cs typeface="Courier New" panose="02070309020205020404" pitchFamily="49" charset="0"/>
@@ -4860,7 +4864,10 @@
             <a:r>
               <a:rPr lang="zh-TW" altLang="en-US" sz="1200" dirty="0">
                 <a:solidFill>
-                  <a:srgbClr val="FF0000"/>
+                  <a:schemeClr val="accent5">
+                    <a:lumMod val="20000"/>
+                    <a:lumOff val="80000"/>
+                  </a:schemeClr>
                 </a:solidFill>
                 <a:latin typeface="Courier New" panose="02070309020205020404" pitchFamily="49" charset="0"/>
                 <a:cs typeface="Courier New" panose="02070309020205020404" pitchFamily="49" charset="0"/>
@@ -4870,7 +4877,10 @@
             <a:r>
               <a:rPr lang="en-US" altLang="zh-TW" sz="1200" dirty="0">
                 <a:solidFill>
-                  <a:srgbClr val="FF0000"/>
+                  <a:schemeClr val="accent5">
+                    <a:lumMod val="20000"/>
+                    <a:lumOff val="80000"/>
+                  </a:schemeClr>
                 </a:solidFill>
                 <a:latin typeface="Courier New" panose="02070309020205020404" pitchFamily="49" charset="0"/>
                 <a:cs typeface="Courier New" panose="02070309020205020404" pitchFamily="49" charset="0"/>
@@ -4880,7 +4890,10 @@
             <a:r>
               <a:rPr lang="zh-TW" altLang="en-US" sz="1200" dirty="0">
                 <a:solidFill>
-                  <a:srgbClr val="FF0000"/>
+                  <a:schemeClr val="accent5">
+                    <a:lumMod val="20000"/>
+                    <a:lumOff val="80000"/>
+                  </a:schemeClr>
                 </a:solidFill>
                 <a:latin typeface="Courier New" panose="02070309020205020404" pitchFamily="49" charset="0"/>
                 <a:cs typeface="Courier New" panose="02070309020205020404" pitchFamily="49" charset="0"/>
@@ -4890,7 +4903,10 @@
             <a:r>
               <a:rPr lang="en-US" altLang="zh-TW" sz="1200" dirty="0">
                 <a:solidFill>
-                  <a:srgbClr val="FF0000"/>
+                  <a:schemeClr val="accent5">
+                    <a:lumMod val="20000"/>
+                    <a:lumOff val="80000"/>
+                  </a:schemeClr>
                 </a:solidFill>
                 <a:latin typeface="Courier New" panose="02070309020205020404" pitchFamily="49" charset="0"/>
                 <a:cs typeface="Courier New" panose="02070309020205020404" pitchFamily="49" charset="0"/>
@@ -4900,7 +4916,10 @@
             <a:r>
               <a:rPr lang="zh-TW" altLang="en-US" sz="1200" dirty="0">
                 <a:solidFill>
-                  <a:srgbClr val="FF0000"/>
+                  <a:schemeClr val="accent5">
+                    <a:lumMod val="20000"/>
+                    <a:lumOff val="80000"/>
+                  </a:schemeClr>
                 </a:solidFill>
                 <a:latin typeface="Courier New" panose="02070309020205020404" pitchFamily="49" charset="0"/>
                 <a:cs typeface="Courier New" panose="02070309020205020404" pitchFamily="49" charset="0"/>
@@ -4910,7 +4929,10 @@
             <a:r>
               <a:rPr lang="en-US" altLang="zh-TW" sz="1200" dirty="0">
                 <a:solidFill>
-                  <a:srgbClr val="FF0000"/>
+                  <a:schemeClr val="accent5">
+                    <a:lumMod val="20000"/>
+                    <a:lumOff val="80000"/>
+                  </a:schemeClr>
                 </a:solidFill>
                 <a:latin typeface="Courier New" panose="02070309020205020404" pitchFamily="49" charset="0"/>
                 <a:cs typeface="Courier New" panose="02070309020205020404" pitchFamily="49" charset="0"/>
@@ -4919,7 +4941,10 @@
             </a:r>
             <a:endParaRPr lang="zh-TW" altLang="en-US" sz="1200" dirty="0">
               <a:solidFill>
-                <a:srgbClr val="FF0000"/>
+                <a:schemeClr val="accent5">
+                  <a:lumMod val="20000"/>
+                  <a:lumOff val="80000"/>
+                </a:schemeClr>
               </a:solidFill>
               <a:latin typeface="Courier New" panose="02070309020205020404" pitchFamily="49" charset="0"/>
               <a:cs typeface="Courier New" panose="02070309020205020404" pitchFamily="49" charset="0"/>
@@ -4943,8 +4968,8 @@
         </p:nvSpPr>
         <p:spPr>
           <a:xfrm>
-            <a:off x="1340359" y="5381925"/>
-            <a:ext cx="3410935" cy="339419"/>
+            <a:off x="1340358" y="5259679"/>
+            <a:ext cx="3796417" cy="461665"/>
           </a:xfrm>
           <a:prstGeom prst="rect">
             <a:avLst/>
@@ -4952,7 +4977,7 @@
         </p:spPr>
         <p:txBody>
           <a:bodyPr vert="horz" lIns="91440" tIns="45720" rIns="91440" bIns="45720" rtlCol="0" anchor="ctr" anchorCtr="0">
-            <a:normAutofit fontScale="92500" lnSpcReduction="10000"/>
+            <a:normAutofit/>
           </a:bodyPr>
           <a:lstStyle>
             <a:lvl1pPr marL="228600" indent="-228600" algn="l" defTabSz="914400" rtl="0" eaLnBrk="1" latinLnBrk="0" hangingPunct="1">
@@ -5201,6 +5226,1185 @@
 </file>
 
 <file path=ppt/slides/slide11.xml><?xml version="1.0" encoding="utf-8"?>
+<p:sld xmlns:a="http://schemas.openxmlformats.org/drawingml/2006/main" xmlns:r="http://schemas.openxmlformats.org/officeDocument/2006/relationships" xmlns:p="http://schemas.openxmlformats.org/presentationml/2006/main">
+  <p:cSld>
+    <p:bg>
+      <p:bgPr>
+        <a:solidFill>
+          <a:schemeClr val="tx1">
+            <a:lumMod val="75000"/>
+            <a:lumOff val="25000"/>
+          </a:schemeClr>
+        </a:solidFill>
+        <a:effectLst/>
+      </p:bgPr>
+    </p:bg>
+    <p:spTree>
+      <p:nvGrpSpPr>
+        <p:cNvPr id="1" name="">
+          <a:extLst>
+            <a:ext uri="{FF2B5EF4-FFF2-40B4-BE49-F238E27FC236}">
+              <a16:creationId xmlns:a16="http://schemas.microsoft.com/office/drawing/2014/main" id="{1FB869BC-F225-87F2-3E43-C751BD8B264E}"/>
+            </a:ext>
+          </a:extLst>
+        </p:cNvPr>
+        <p:cNvGrpSpPr/>
+        <p:nvPr/>
+      </p:nvGrpSpPr>
+      <p:grpSpPr>
+        <a:xfrm>
+          <a:off x="0" y="0"/>
+          <a:ext cx="0" cy="0"/>
+          <a:chOff x="0" y="0"/>
+          <a:chExt cx="0" cy="0"/>
+        </a:xfrm>
+      </p:grpSpPr>
+      <p:sp>
+        <p:nvSpPr>
+          <p:cNvPr id="2" name="標題 1">
+            <a:extLst>
+              <a:ext uri="{FF2B5EF4-FFF2-40B4-BE49-F238E27FC236}">
+                <a16:creationId xmlns:a16="http://schemas.microsoft.com/office/drawing/2014/main" id="{D0620685-3CEE-B4CB-5C01-71434B0991D1}"/>
+              </a:ext>
+            </a:extLst>
+          </p:cNvPr>
+          <p:cNvSpPr>
+            <a:spLocks noGrp="1"/>
+          </p:cNvSpPr>
+          <p:nvPr>
+            <p:ph type="title"/>
+          </p:nvPr>
+        </p:nvSpPr>
+        <p:spPr>
+          <a:xfrm>
+            <a:off x="640079" y="1102718"/>
+            <a:ext cx="10890929" cy="662474"/>
+          </a:xfrm>
+        </p:spPr>
+        <p:txBody>
+          <a:bodyPr anchor="ctr" anchorCtr="0">
+            <a:normAutofit/>
+          </a:bodyPr>
+          <a:lstStyle/>
+          <a:p>
+            <a:r>
+              <a:rPr lang="en-US" altLang="zh-TW" sz="3200" dirty="0">
+                <a:solidFill>
+                  <a:srgbClr val="FFC000"/>
+                </a:solidFill>
+              </a:rPr>
+              <a:t>Git Bash – Command Line</a:t>
+            </a:r>
+            <a:endParaRPr lang="zh-TW" altLang="en-US" sz="3200" dirty="0">
+              <a:solidFill>
+                <a:srgbClr val="FFC000"/>
+              </a:solidFill>
+            </a:endParaRPr>
+          </a:p>
+        </p:txBody>
+      </p:sp>
+      <p:sp>
+        <p:nvSpPr>
+          <p:cNvPr id="3" name="內容版面配置區 2">
+            <a:extLst>
+              <a:ext uri="{FF2B5EF4-FFF2-40B4-BE49-F238E27FC236}">
+                <a16:creationId xmlns:a16="http://schemas.microsoft.com/office/drawing/2014/main" id="{3237BA50-EF39-2055-1154-EE4A286B7D71}"/>
+              </a:ext>
+            </a:extLst>
+          </p:cNvPr>
+          <p:cNvSpPr>
+            <a:spLocks noGrp="1"/>
+          </p:cNvSpPr>
+          <p:nvPr>
+            <p:ph idx="1"/>
+          </p:nvPr>
+        </p:nvSpPr>
+        <p:spPr>
+          <a:xfrm>
+            <a:off x="797097" y="1765192"/>
+            <a:ext cx="4339679" cy="547027"/>
+          </a:xfrm>
+        </p:spPr>
+        <p:txBody>
+          <a:bodyPr anchor="ctr" anchorCtr="0">
+            <a:noAutofit/>
+          </a:bodyPr>
+          <a:lstStyle/>
+          <a:p>
+            <a:pPr>
+              <a:buFont typeface="Wingdings" panose="05000000000000000000" pitchFamily="2" charset="2"/>
+              <a:buChar char="l"/>
+            </a:pPr>
+            <a:r>
+              <a:rPr lang="zh-TW" altLang="en-US" dirty="0">
+                <a:solidFill>
+                  <a:srgbClr val="00B0F0"/>
+                </a:solidFill>
+              </a:rPr>
+              <a:t> 建立遠端</a:t>
+            </a:r>
+            <a:r>
+              <a:rPr lang="en-US" altLang="zh-TW" dirty="0">
+                <a:solidFill>
+                  <a:srgbClr val="00B0F0"/>
+                </a:solidFill>
+              </a:rPr>
+              <a:t>Git</a:t>
+            </a:r>
+            <a:r>
+              <a:rPr lang="zh-TW" altLang="en-US" dirty="0">
+                <a:solidFill>
+                  <a:srgbClr val="00B0F0"/>
+                </a:solidFill>
+              </a:rPr>
+              <a:t> </a:t>
+            </a:r>
+            <a:r>
+              <a:rPr lang="en-US" altLang="zh-TW" dirty="0">
+                <a:solidFill>
+                  <a:srgbClr val="00B0F0"/>
+                </a:solidFill>
+              </a:rPr>
+              <a:t>Repository</a:t>
+            </a:r>
+            <a:r>
+              <a:rPr lang="zh-TW" altLang="en-US" dirty="0">
+                <a:solidFill>
+                  <a:srgbClr val="00B0F0"/>
+                </a:solidFill>
+              </a:rPr>
+              <a:t>目錄</a:t>
+            </a:r>
+          </a:p>
+        </p:txBody>
+      </p:sp>
+      <p:sp>
+        <p:nvSpPr>
+          <p:cNvPr id="4" name="文字方塊 3">
+            <a:extLst>
+              <a:ext uri="{FF2B5EF4-FFF2-40B4-BE49-F238E27FC236}">
+                <a16:creationId xmlns:a16="http://schemas.microsoft.com/office/drawing/2014/main" id="{61BC4B93-41CA-C332-1FFD-F3D330791DEF}"/>
+              </a:ext>
+            </a:extLst>
+          </p:cNvPr>
+          <p:cNvSpPr txBox="1"/>
+          <p:nvPr/>
+        </p:nvSpPr>
+        <p:spPr>
+          <a:xfrm>
+            <a:off x="1717954" y="2944499"/>
+            <a:ext cx="9281740" cy="711092"/>
+          </a:xfrm>
+          <a:prstGeom prst="rect">
+            <a:avLst/>
+          </a:prstGeom>
+          <a:noFill/>
+        </p:spPr>
+        <p:txBody>
+          <a:bodyPr wrap="square" rtlCol="0">
+            <a:spAutoFit/>
+          </a:bodyPr>
+          <a:lstStyle/>
+          <a:p>
+            <a:pPr>
+              <a:lnSpc>
+                <a:spcPct val="150000"/>
+              </a:lnSpc>
+            </a:pPr>
+            <a:r>
+              <a:rPr lang="zh-TW" altLang="en-US" sz="1400" dirty="0">
+                <a:solidFill>
+                  <a:schemeClr val="bg1"/>
+                </a:solidFill>
+                <a:latin typeface="Courier New" panose="02070309020205020404" pitchFamily="49" charset="0"/>
+                <a:cs typeface="Courier New" panose="02070309020205020404" pitchFamily="49" charset="0"/>
+              </a:rPr>
+              <a:t>將目錄路徑切換到本地端的</a:t>
+            </a:r>
+            <a:r>
+              <a:rPr lang="en-US" altLang="zh-TW" sz="1400" dirty="0">
+                <a:solidFill>
+                  <a:schemeClr val="bg1"/>
+                </a:solidFill>
+                <a:latin typeface="Courier New" panose="02070309020205020404" pitchFamily="49" charset="0"/>
+                <a:cs typeface="Courier New" panose="02070309020205020404" pitchFamily="49" charset="0"/>
+              </a:rPr>
+              <a:t>Git</a:t>
+            </a:r>
+            <a:r>
+              <a:rPr lang="zh-TW" altLang="en-US" sz="1400" dirty="0">
+                <a:solidFill>
+                  <a:schemeClr val="bg1"/>
+                </a:solidFill>
+                <a:latin typeface="Courier New" panose="02070309020205020404" pitchFamily="49" charset="0"/>
+                <a:cs typeface="Courier New" panose="02070309020205020404" pitchFamily="49" charset="0"/>
+              </a:rPr>
+              <a:t> </a:t>
+            </a:r>
+            <a:r>
+              <a:rPr lang="en-US" altLang="zh-TW" sz="1400" dirty="0">
+                <a:solidFill>
+                  <a:schemeClr val="bg1"/>
+                </a:solidFill>
+                <a:latin typeface="Courier New" panose="02070309020205020404" pitchFamily="49" charset="0"/>
+                <a:cs typeface="Courier New" panose="02070309020205020404" pitchFamily="49" charset="0"/>
+              </a:rPr>
+              <a:t>Repository</a:t>
+            </a:r>
+            <a:r>
+              <a:rPr lang="zh-TW" altLang="en-US" sz="1400" dirty="0">
+                <a:solidFill>
+                  <a:schemeClr val="bg1"/>
+                </a:solidFill>
+                <a:latin typeface="Courier New" panose="02070309020205020404" pitchFamily="49" charset="0"/>
+                <a:cs typeface="Courier New" panose="02070309020205020404" pitchFamily="49" charset="0"/>
+              </a:rPr>
+              <a:t>，依照下列指令設定在這個目錄下的資料要推送到遠端的節點</a:t>
+            </a:r>
+            <a:r>
+              <a:rPr lang="en-US" altLang="zh-TW" sz="1400" dirty="0">
+                <a:solidFill>
+                  <a:schemeClr val="bg1"/>
+                </a:solidFill>
+                <a:latin typeface="Courier New" panose="02070309020205020404" pitchFamily="49" charset="0"/>
+                <a:cs typeface="Courier New" panose="02070309020205020404" pitchFamily="49" charset="0"/>
+              </a:rPr>
+              <a:t>(URL)</a:t>
+            </a:r>
+            <a:r>
+              <a:rPr lang="zh-TW" altLang="en-US" sz="1400" dirty="0">
+                <a:solidFill>
+                  <a:schemeClr val="bg1"/>
+                </a:solidFill>
+                <a:latin typeface="Courier New" panose="02070309020205020404" pitchFamily="49" charset="0"/>
+                <a:cs typeface="Courier New" panose="02070309020205020404" pitchFamily="49" charset="0"/>
+              </a:rPr>
+              <a:t>，以上述所建立的遠端倉庫為例</a:t>
+            </a:r>
+            <a:endParaRPr lang="zh-TW" altLang="en-US" sz="1400" dirty="0">
+              <a:solidFill>
+                <a:srgbClr val="00FF00"/>
+              </a:solidFill>
+              <a:latin typeface="Courier New" panose="02070309020205020404" pitchFamily="49" charset="0"/>
+              <a:cs typeface="Courier New" panose="02070309020205020404" pitchFamily="49" charset="0"/>
+            </a:endParaRPr>
+          </a:p>
+        </p:txBody>
+      </p:sp>
+      <p:sp>
+        <p:nvSpPr>
+          <p:cNvPr id="5" name="內容版面配置區 2">
+            <a:extLst>
+              <a:ext uri="{FF2B5EF4-FFF2-40B4-BE49-F238E27FC236}">
+                <a16:creationId xmlns:a16="http://schemas.microsoft.com/office/drawing/2014/main" id="{48591BF2-A41E-8B54-FABA-AF4712BFC073}"/>
+              </a:ext>
+            </a:extLst>
+          </p:cNvPr>
+          <p:cNvSpPr txBox="1">
+            <a:spLocks/>
+          </p:cNvSpPr>
+          <p:nvPr/>
+        </p:nvSpPr>
+        <p:spPr>
+          <a:xfrm>
+            <a:off x="1340358" y="2427667"/>
+            <a:ext cx="3966747" cy="442048"/>
+          </a:xfrm>
+          <a:prstGeom prst="rect">
+            <a:avLst/>
+          </a:prstGeom>
+        </p:spPr>
+        <p:txBody>
+          <a:bodyPr vert="horz" lIns="91440" tIns="45720" rIns="91440" bIns="45720" rtlCol="0" anchor="ctr" anchorCtr="0">
+            <a:normAutofit/>
+          </a:bodyPr>
+          <a:lstStyle>
+            <a:lvl1pPr marL="228600" indent="-228600" algn="l" defTabSz="914400" rtl="0" eaLnBrk="1" latinLnBrk="0" hangingPunct="1">
+              <a:lnSpc>
+                <a:spcPct val="120000"/>
+              </a:lnSpc>
+              <a:spcBef>
+                <a:spcPts val="1000"/>
+              </a:spcBef>
+              <a:buSzPct val="87000"/>
+              <a:buFont typeface="Arial" panose="020B0604020202020204" pitchFamily="34" charset="0"/>
+              <a:buChar char="•"/>
+              <a:defRPr sz="2000" kern="1200">
+                <a:solidFill>
+                  <a:schemeClr val="tx1"/>
+                </a:solidFill>
+                <a:latin typeface="+mn-lt"/>
+                <a:ea typeface="+mn-ea"/>
+                <a:cs typeface="+mn-cs"/>
+              </a:defRPr>
+            </a:lvl1pPr>
+            <a:lvl2pPr marL="493776" indent="-228600" algn="l" defTabSz="914400" rtl="0" eaLnBrk="1" latinLnBrk="0" hangingPunct="1">
+              <a:lnSpc>
+                <a:spcPct val="120000"/>
+              </a:lnSpc>
+              <a:spcBef>
+                <a:spcPts val="500"/>
+              </a:spcBef>
+              <a:buSzPct val="87000"/>
+              <a:buFont typeface="Arial" panose="020B0604020202020204" pitchFamily="34" charset="0"/>
+              <a:buChar char="•"/>
+              <a:defRPr sz="1800" kern="1200">
+                <a:solidFill>
+                  <a:schemeClr val="tx1"/>
+                </a:solidFill>
+                <a:latin typeface="+mn-lt"/>
+                <a:ea typeface="+mn-ea"/>
+                <a:cs typeface="+mn-cs"/>
+              </a:defRPr>
+            </a:lvl2pPr>
+            <a:lvl3pPr marL="731520" indent="-228600" algn="l" defTabSz="914400" rtl="0" eaLnBrk="1" latinLnBrk="0" hangingPunct="1">
+              <a:lnSpc>
+                <a:spcPct val="120000"/>
+              </a:lnSpc>
+              <a:spcBef>
+                <a:spcPts val="500"/>
+              </a:spcBef>
+              <a:buSzPct val="87000"/>
+              <a:buFont typeface="Arial" panose="020B0604020202020204" pitchFamily="34" charset="0"/>
+              <a:buChar char="•"/>
+              <a:defRPr sz="1600" kern="1200">
+                <a:solidFill>
+                  <a:schemeClr val="tx1"/>
+                </a:solidFill>
+                <a:latin typeface="+mn-lt"/>
+                <a:ea typeface="+mn-ea"/>
+                <a:cs typeface="+mn-cs"/>
+              </a:defRPr>
+            </a:lvl3pPr>
+            <a:lvl4pPr marL="1051560" indent="-285750" algn="l" defTabSz="914400" rtl="0" eaLnBrk="1" latinLnBrk="0" hangingPunct="1">
+              <a:lnSpc>
+                <a:spcPct val="120000"/>
+              </a:lnSpc>
+              <a:spcBef>
+                <a:spcPts val="500"/>
+              </a:spcBef>
+              <a:buSzPct val="87000"/>
+              <a:buFont typeface="Arial" panose="020B0604020202020204" pitchFamily="34" charset="0"/>
+              <a:buChar char="•"/>
+              <a:defRPr sz="1400" kern="1200">
+                <a:solidFill>
+                  <a:schemeClr val="tx1"/>
+                </a:solidFill>
+                <a:latin typeface="+mn-lt"/>
+                <a:ea typeface="+mn-ea"/>
+                <a:cs typeface="+mn-cs"/>
+              </a:defRPr>
+            </a:lvl4pPr>
+            <a:lvl5pPr marL="1298448" indent="-228600" algn="l" defTabSz="914400" rtl="0" eaLnBrk="1" latinLnBrk="0" hangingPunct="1">
+              <a:lnSpc>
+                <a:spcPct val="120000"/>
+              </a:lnSpc>
+              <a:spcBef>
+                <a:spcPts val="500"/>
+              </a:spcBef>
+              <a:buSzPct val="87000"/>
+              <a:buFont typeface="Arial" panose="020B0604020202020204" pitchFamily="34" charset="0"/>
+              <a:buChar char="•"/>
+              <a:defRPr sz="1400" kern="1200">
+                <a:solidFill>
+                  <a:schemeClr val="tx1"/>
+                </a:solidFill>
+                <a:latin typeface="+mn-lt"/>
+                <a:ea typeface="+mn-ea"/>
+                <a:cs typeface="+mn-cs"/>
+              </a:defRPr>
+            </a:lvl5pPr>
+            <a:lvl6pPr marL="2514600" indent="-228600" algn="l" defTabSz="914400" rtl="0" eaLnBrk="1" latinLnBrk="0" hangingPunct="1">
+              <a:lnSpc>
+                <a:spcPct val="90000"/>
+              </a:lnSpc>
+              <a:spcBef>
+                <a:spcPts val="500"/>
+              </a:spcBef>
+              <a:buFont typeface="Arial" panose="020B0604020202020204" pitchFamily="34" charset="0"/>
+              <a:buChar char="•"/>
+              <a:defRPr sz="1800" kern="1200">
+                <a:solidFill>
+                  <a:schemeClr val="tx1"/>
+                </a:solidFill>
+                <a:latin typeface="+mn-lt"/>
+                <a:ea typeface="+mn-ea"/>
+                <a:cs typeface="+mn-cs"/>
+              </a:defRPr>
+            </a:lvl6pPr>
+            <a:lvl7pPr marL="2971800" indent="-228600" algn="l" defTabSz="914400" rtl="0" eaLnBrk="1" latinLnBrk="0" hangingPunct="1">
+              <a:lnSpc>
+                <a:spcPct val="90000"/>
+              </a:lnSpc>
+              <a:spcBef>
+                <a:spcPts val="500"/>
+              </a:spcBef>
+              <a:buFont typeface="Arial" panose="020B0604020202020204" pitchFamily="34" charset="0"/>
+              <a:buChar char="•"/>
+              <a:defRPr sz="1800" kern="1200">
+                <a:solidFill>
+                  <a:schemeClr val="tx1"/>
+                </a:solidFill>
+                <a:latin typeface="+mn-lt"/>
+                <a:ea typeface="+mn-ea"/>
+                <a:cs typeface="+mn-cs"/>
+              </a:defRPr>
+            </a:lvl7pPr>
+            <a:lvl8pPr marL="3429000" indent="-228600" algn="l" defTabSz="914400" rtl="0" eaLnBrk="1" latinLnBrk="0" hangingPunct="1">
+              <a:lnSpc>
+                <a:spcPct val="90000"/>
+              </a:lnSpc>
+              <a:spcBef>
+                <a:spcPts val="500"/>
+              </a:spcBef>
+              <a:buFont typeface="Arial" panose="020B0604020202020204" pitchFamily="34" charset="0"/>
+              <a:buChar char="•"/>
+              <a:defRPr sz="1800" kern="1200">
+                <a:solidFill>
+                  <a:schemeClr val="tx1"/>
+                </a:solidFill>
+                <a:latin typeface="+mn-lt"/>
+                <a:ea typeface="+mn-ea"/>
+                <a:cs typeface="+mn-cs"/>
+              </a:defRPr>
+            </a:lvl8pPr>
+            <a:lvl9pPr marL="3886200" indent="-228600" algn="l" defTabSz="914400" rtl="0" eaLnBrk="1" latinLnBrk="0" hangingPunct="1">
+              <a:lnSpc>
+                <a:spcPct val="90000"/>
+              </a:lnSpc>
+              <a:spcBef>
+                <a:spcPts val="500"/>
+              </a:spcBef>
+              <a:buFont typeface="Arial" panose="020B0604020202020204" pitchFamily="34" charset="0"/>
+              <a:buChar char="•"/>
+              <a:defRPr sz="1800" kern="1200">
+                <a:solidFill>
+                  <a:schemeClr val="tx1"/>
+                </a:solidFill>
+                <a:latin typeface="+mn-lt"/>
+                <a:ea typeface="+mn-ea"/>
+                <a:cs typeface="+mn-cs"/>
+              </a:defRPr>
+            </a:lvl9pPr>
+          </a:lstStyle>
+          <a:p>
+            <a:pPr>
+              <a:buFont typeface="Wingdings" panose="05000000000000000000" pitchFamily="2" charset="2"/>
+              <a:buChar char="Ø"/>
+            </a:pPr>
+            <a:r>
+              <a:rPr lang="zh-TW" altLang="en-US" sz="1600" dirty="0">
+                <a:solidFill>
+                  <a:schemeClr val="bg1"/>
+                </a:solidFill>
+              </a:rPr>
+              <a:t>設定</a:t>
+            </a:r>
+            <a:r>
+              <a:rPr lang="en-US" altLang="zh-TW" sz="1600" dirty="0">
+                <a:solidFill>
+                  <a:schemeClr val="bg1"/>
+                </a:solidFill>
+              </a:rPr>
+              <a:t>Remote Git Repository</a:t>
+            </a:r>
+            <a:r>
+              <a:rPr lang="zh-TW" altLang="en-US" sz="1600" dirty="0">
+                <a:solidFill>
+                  <a:schemeClr val="bg1"/>
+                </a:solidFill>
+              </a:rPr>
+              <a:t>遠端節點</a:t>
+            </a:r>
+          </a:p>
+        </p:txBody>
+      </p:sp>
+      <p:sp>
+        <p:nvSpPr>
+          <p:cNvPr id="11" name="文字方塊 10">
+            <a:extLst>
+              <a:ext uri="{FF2B5EF4-FFF2-40B4-BE49-F238E27FC236}">
+                <a16:creationId xmlns:a16="http://schemas.microsoft.com/office/drawing/2014/main" id="{FF3E1B16-D632-8406-5F52-FD2E06F7C63F}"/>
+              </a:ext>
+            </a:extLst>
+          </p:cNvPr>
+          <p:cNvSpPr txBox="1"/>
+          <p:nvPr/>
+        </p:nvSpPr>
+        <p:spPr>
+          <a:xfrm>
+            <a:off x="2034847" y="3910521"/>
+            <a:ext cx="6669882" cy="276999"/>
+          </a:xfrm>
+          <a:prstGeom prst="rect">
+            <a:avLst/>
+          </a:prstGeom>
+          <a:noFill/>
+        </p:spPr>
+        <p:txBody>
+          <a:bodyPr wrap="square" rtlCol="0">
+            <a:spAutoFit/>
+          </a:bodyPr>
+          <a:lstStyle/>
+          <a:p>
+            <a:r>
+              <a:rPr lang="en-US" altLang="zh-TW" sz="1200" dirty="0">
+                <a:solidFill>
+                  <a:schemeClr val="bg1"/>
+                </a:solidFill>
+                <a:latin typeface="Courier New" panose="02070309020205020404" pitchFamily="49" charset="0"/>
+                <a:cs typeface="Courier New" panose="02070309020205020404" pitchFamily="49" charset="0"/>
+              </a:rPr>
+              <a:t>$</a:t>
+            </a:r>
+            <a:r>
+              <a:rPr lang="en-US" altLang="zh-TW" sz="1200" dirty="0">
+                <a:solidFill>
+                  <a:srgbClr val="00FF00"/>
+                </a:solidFill>
+                <a:latin typeface="Courier New" panose="02070309020205020404" pitchFamily="49" charset="0"/>
+                <a:cs typeface="Courier New" panose="02070309020205020404" pitchFamily="49" charset="0"/>
+              </a:rPr>
+              <a:t> git remote add origin d:/Daniel_SIDE_PROJECT/TestDoc/RemoteGit.git </a:t>
+            </a:r>
+            <a:endParaRPr lang="en-US" altLang="zh-TW" sz="1200" dirty="0">
+              <a:solidFill>
+                <a:schemeClr val="bg1">
+                  <a:lumMod val="65000"/>
+                </a:schemeClr>
+              </a:solidFill>
+              <a:latin typeface="Courier New" panose="02070309020205020404" pitchFamily="49" charset="0"/>
+              <a:cs typeface="Courier New" panose="02070309020205020404" pitchFamily="49" charset="0"/>
+            </a:endParaRPr>
+          </a:p>
+        </p:txBody>
+      </p:sp>
+      <p:sp>
+        <p:nvSpPr>
+          <p:cNvPr id="6" name="內容版面配置區 2">
+            <a:extLst>
+              <a:ext uri="{FF2B5EF4-FFF2-40B4-BE49-F238E27FC236}">
+                <a16:creationId xmlns:a16="http://schemas.microsoft.com/office/drawing/2014/main" id="{2E92DE7C-2642-7584-AC47-BA33A34DD7E0}"/>
+              </a:ext>
+            </a:extLst>
+          </p:cNvPr>
+          <p:cNvSpPr txBox="1">
+            <a:spLocks/>
+          </p:cNvSpPr>
+          <p:nvPr/>
+        </p:nvSpPr>
+        <p:spPr>
+          <a:xfrm>
+            <a:off x="1340359" y="4278510"/>
+            <a:ext cx="3410935" cy="339419"/>
+          </a:xfrm>
+          <a:prstGeom prst="rect">
+            <a:avLst/>
+          </a:prstGeom>
+        </p:spPr>
+        <p:txBody>
+          <a:bodyPr vert="horz" lIns="91440" tIns="45720" rIns="91440" bIns="45720" rtlCol="0" anchor="ctr" anchorCtr="0">
+            <a:normAutofit lnSpcReduction="10000"/>
+          </a:bodyPr>
+          <a:lstStyle>
+            <a:lvl1pPr marL="228600" indent="-228600" algn="l" defTabSz="914400" rtl="0" eaLnBrk="1" latinLnBrk="0" hangingPunct="1">
+              <a:lnSpc>
+                <a:spcPct val="120000"/>
+              </a:lnSpc>
+              <a:spcBef>
+                <a:spcPts val="1000"/>
+              </a:spcBef>
+              <a:buSzPct val="87000"/>
+              <a:buFont typeface="Arial" panose="020B0604020202020204" pitchFamily="34" charset="0"/>
+              <a:buChar char="•"/>
+              <a:defRPr sz="2000" kern="1200">
+                <a:solidFill>
+                  <a:schemeClr val="tx1"/>
+                </a:solidFill>
+                <a:latin typeface="+mn-lt"/>
+                <a:ea typeface="+mn-ea"/>
+                <a:cs typeface="+mn-cs"/>
+              </a:defRPr>
+            </a:lvl1pPr>
+            <a:lvl2pPr marL="493776" indent="-228600" algn="l" defTabSz="914400" rtl="0" eaLnBrk="1" latinLnBrk="0" hangingPunct="1">
+              <a:lnSpc>
+                <a:spcPct val="120000"/>
+              </a:lnSpc>
+              <a:spcBef>
+                <a:spcPts val="500"/>
+              </a:spcBef>
+              <a:buSzPct val="87000"/>
+              <a:buFont typeface="Arial" panose="020B0604020202020204" pitchFamily="34" charset="0"/>
+              <a:buChar char="•"/>
+              <a:defRPr sz="1800" kern="1200">
+                <a:solidFill>
+                  <a:schemeClr val="tx1"/>
+                </a:solidFill>
+                <a:latin typeface="+mn-lt"/>
+                <a:ea typeface="+mn-ea"/>
+                <a:cs typeface="+mn-cs"/>
+              </a:defRPr>
+            </a:lvl2pPr>
+            <a:lvl3pPr marL="731520" indent="-228600" algn="l" defTabSz="914400" rtl="0" eaLnBrk="1" latinLnBrk="0" hangingPunct="1">
+              <a:lnSpc>
+                <a:spcPct val="120000"/>
+              </a:lnSpc>
+              <a:spcBef>
+                <a:spcPts val="500"/>
+              </a:spcBef>
+              <a:buSzPct val="87000"/>
+              <a:buFont typeface="Arial" panose="020B0604020202020204" pitchFamily="34" charset="0"/>
+              <a:buChar char="•"/>
+              <a:defRPr sz="1600" kern="1200">
+                <a:solidFill>
+                  <a:schemeClr val="tx1"/>
+                </a:solidFill>
+                <a:latin typeface="+mn-lt"/>
+                <a:ea typeface="+mn-ea"/>
+                <a:cs typeface="+mn-cs"/>
+              </a:defRPr>
+            </a:lvl3pPr>
+            <a:lvl4pPr marL="1051560" indent="-285750" algn="l" defTabSz="914400" rtl="0" eaLnBrk="1" latinLnBrk="0" hangingPunct="1">
+              <a:lnSpc>
+                <a:spcPct val="120000"/>
+              </a:lnSpc>
+              <a:spcBef>
+                <a:spcPts val="500"/>
+              </a:spcBef>
+              <a:buSzPct val="87000"/>
+              <a:buFont typeface="Arial" panose="020B0604020202020204" pitchFamily="34" charset="0"/>
+              <a:buChar char="•"/>
+              <a:defRPr sz="1400" kern="1200">
+                <a:solidFill>
+                  <a:schemeClr val="tx1"/>
+                </a:solidFill>
+                <a:latin typeface="+mn-lt"/>
+                <a:ea typeface="+mn-ea"/>
+                <a:cs typeface="+mn-cs"/>
+              </a:defRPr>
+            </a:lvl4pPr>
+            <a:lvl5pPr marL="1298448" indent="-228600" algn="l" defTabSz="914400" rtl="0" eaLnBrk="1" latinLnBrk="0" hangingPunct="1">
+              <a:lnSpc>
+                <a:spcPct val="120000"/>
+              </a:lnSpc>
+              <a:spcBef>
+                <a:spcPts val="500"/>
+              </a:spcBef>
+              <a:buSzPct val="87000"/>
+              <a:buFont typeface="Arial" panose="020B0604020202020204" pitchFamily="34" charset="0"/>
+              <a:buChar char="•"/>
+              <a:defRPr sz="1400" kern="1200">
+                <a:solidFill>
+                  <a:schemeClr val="tx1"/>
+                </a:solidFill>
+                <a:latin typeface="+mn-lt"/>
+                <a:ea typeface="+mn-ea"/>
+                <a:cs typeface="+mn-cs"/>
+              </a:defRPr>
+            </a:lvl5pPr>
+            <a:lvl6pPr marL="2514600" indent="-228600" algn="l" defTabSz="914400" rtl="0" eaLnBrk="1" latinLnBrk="0" hangingPunct="1">
+              <a:lnSpc>
+                <a:spcPct val="90000"/>
+              </a:lnSpc>
+              <a:spcBef>
+                <a:spcPts val="500"/>
+              </a:spcBef>
+              <a:buFont typeface="Arial" panose="020B0604020202020204" pitchFamily="34" charset="0"/>
+              <a:buChar char="•"/>
+              <a:defRPr sz="1800" kern="1200">
+                <a:solidFill>
+                  <a:schemeClr val="tx1"/>
+                </a:solidFill>
+                <a:latin typeface="+mn-lt"/>
+                <a:ea typeface="+mn-ea"/>
+                <a:cs typeface="+mn-cs"/>
+              </a:defRPr>
+            </a:lvl6pPr>
+            <a:lvl7pPr marL="2971800" indent="-228600" algn="l" defTabSz="914400" rtl="0" eaLnBrk="1" latinLnBrk="0" hangingPunct="1">
+              <a:lnSpc>
+                <a:spcPct val="90000"/>
+              </a:lnSpc>
+              <a:spcBef>
+                <a:spcPts val="500"/>
+              </a:spcBef>
+              <a:buFont typeface="Arial" panose="020B0604020202020204" pitchFamily="34" charset="0"/>
+              <a:buChar char="•"/>
+              <a:defRPr sz="1800" kern="1200">
+                <a:solidFill>
+                  <a:schemeClr val="tx1"/>
+                </a:solidFill>
+                <a:latin typeface="+mn-lt"/>
+                <a:ea typeface="+mn-ea"/>
+                <a:cs typeface="+mn-cs"/>
+              </a:defRPr>
+            </a:lvl7pPr>
+            <a:lvl8pPr marL="3429000" indent="-228600" algn="l" defTabSz="914400" rtl="0" eaLnBrk="1" latinLnBrk="0" hangingPunct="1">
+              <a:lnSpc>
+                <a:spcPct val="90000"/>
+              </a:lnSpc>
+              <a:spcBef>
+                <a:spcPts val="500"/>
+              </a:spcBef>
+              <a:buFont typeface="Arial" panose="020B0604020202020204" pitchFamily="34" charset="0"/>
+              <a:buChar char="•"/>
+              <a:defRPr sz="1800" kern="1200">
+                <a:solidFill>
+                  <a:schemeClr val="tx1"/>
+                </a:solidFill>
+                <a:latin typeface="+mn-lt"/>
+                <a:ea typeface="+mn-ea"/>
+                <a:cs typeface="+mn-cs"/>
+              </a:defRPr>
+            </a:lvl8pPr>
+            <a:lvl9pPr marL="3886200" indent="-228600" algn="l" defTabSz="914400" rtl="0" eaLnBrk="1" latinLnBrk="0" hangingPunct="1">
+              <a:lnSpc>
+                <a:spcPct val="90000"/>
+              </a:lnSpc>
+              <a:spcBef>
+                <a:spcPts val="500"/>
+              </a:spcBef>
+              <a:buFont typeface="Arial" panose="020B0604020202020204" pitchFamily="34" charset="0"/>
+              <a:buChar char="•"/>
+              <a:defRPr sz="1800" kern="1200">
+                <a:solidFill>
+                  <a:schemeClr val="tx1"/>
+                </a:solidFill>
+                <a:latin typeface="+mn-lt"/>
+                <a:ea typeface="+mn-ea"/>
+                <a:cs typeface="+mn-cs"/>
+              </a:defRPr>
+            </a:lvl9pPr>
+          </a:lstStyle>
+          <a:p>
+            <a:pPr>
+              <a:buFont typeface="Wingdings" panose="05000000000000000000" pitchFamily="2" charset="2"/>
+              <a:buChar char="Ø"/>
+            </a:pPr>
+            <a:r>
+              <a:rPr lang="zh-TW" altLang="en-US" sz="1600" dirty="0">
+                <a:solidFill>
+                  <a:schemeClr val="bg1"/>
+                </a:solidFill>
+              </a:rPr>
+              <a:t>確認遠端節點</a:t>
+            </a:r>
+            <a:r>
+              <a:rPr lang="en-US" altLang="zh-TW" sz="1600" dirty="0">
+                <a:solidFill>
+                  <a:schemeClr val="bg1"/>
+                </a:solidFill>
+              </a:rPr>
+              <a:t>(URL)</a:t>
+            </a:r>
+            <a:r>
+              <a:rPr lang="zh-TW" altLang="en-US" sz="1600" dirty="0">
+                <a:solidFill>
+                  <a:schemeClr val="bg1"/>
+                </a:solidFill>
+              </a:rPr>
+              <a:t>設定狀態</a:t>
+            </a:r>
+          </a:p>
+        </p:txBody>
+      </p:sp>
+      <p:sp>
+        <p:nvSpPr>
+          <p:cNvPr id="7" name="文字方塊 6">
+            <a:extLst>
+              <a:ext uri="{FF2B5EF4-FFF2-40B4-BE49-F238E27FC236}">
+                <a16:creationId xmlns:a16="http://schemas.microsoft.com/office/drawing/2014/main" id="{7775DD89-B1BE-5C84-CA4C-68F9908F9E0B}"/>
+              </a:ext>
+            </a:extLst>
+          </p:cNvPr>
+          <p:cNvSpPr txBox="1"/>
+          <p:nvPr/>
+        </p:nvSpPr>
+        <p:spPr>
+          <a:xfrm>
+            <a:off x="2034847" y="3655591"/>
+            <a:ext cx="5567224" cy="276999"/>
+          </a:xfrm>
+          <a:prstGeom prst="rect">
+            <a:avLst/>
+          </a:prstGeom>
+          <a:noFill/>
+        </p:spPr>
+        <p:txBody>
+          <a:bodyPr wrap="square" rtlCol="0">
+            <a:spAutoFit/>
+          </a:bodyPr>
+          <a:lstStyle/>
+          <a:p>
+            <a:r>
+              <a:rPr lang="zh-TW" altLang="en-US" sz="1200" dirty="0">
+                <a:solidFill>
+                  <a:schemeClr val="bg1">
+                    <a:lumMod val="65000"/>
+                  </a:schemeClr>
+                </a:solidFill>
+                <a:latin typeface="Courier New" panose="02070309020205020404" pitchFamily="49" charset="0"/>
+                <a:cs typeface="Courier New" panose="02070309020205020404" pitchFamily="49" charset="0"/>
+              </a:rPr>
+              <a:t>遠端倉庫路徑</a:t>
+            </a:r>
+            <a:r>
+              <a:rPr lang="en-US" altLang="zh-TW" sz="1200" dirty="0">
+                <a:solidFill>
+                  <a:schemeClr val="bg1">
+                    <a:lumMod val="65000"/>
+                  </a:schemeClr>
+                </a:solidFill>
+                <a:latin typeface="Courier New" panose="02070309020205020404" pitchFamily="49" charset="0"/>
+                <a:cs typeface="Courier New" panose="02070309020205020404" pitchFamily="49" charset="0"/>
+              </a:rPr>
+              <a:t>:</a:t>
+            </a:r>
+            <a:r>
+              <a:rPr lang="zh-TW" altLang="en-US" sz="1200" dirty="0">
+                <a:solidFill>
+                  <a:schemeClr val="bg1">
+                    <a:lumMod val="65000"/>
+                  </a:schemeClr>
+                </a:solidFill>
+                <a:latin typeface="Courier New" panose="02070309020205020404" pitchFamily="49" charset="0"/>
+                <a:cs typeface="Courier New" panose="02070309020205020404" pitchFamily="49" charset="0"/>
+              </a:rPr>
+              <a:t> </a:t>
+            </a:r>
+            <a:r>
+              <a:rPr lang="en-US" altLang="zh-TW" sz="1200" dirty="0">
+                <a:solidFill>
+                  <a:schemeClr val="bg1">
+                    <a:lumMod val="65000"/>
+                  </a:schemeClr>
+                </a:solidFill>
+                <a:latin typeface="Courier New" panose="02070309020205020404" pitchFamily="49" charset="0"/>
+                <a:cs typeface="Courier New" panose="02070309020205020404" pitchFamily="49" charset="0"/>
+              </a:rPr>
+              <a:t>d:/Daniel_SIDE_PROJECT/TestDoc/RemoteGit.git</a:t>
+            </a:r>
+          </a:p>
+        </p:txBody>
+      </p:sp>
+      <p:sp>
+        <p:nvSpPr>
+          <p:cNvPr id="8" name="文字方塊 7">
+            <a:extLst>
+              <a:ext uri="{FF2B5EF4-FFF2-40B4-BE49-F238E27FC236}">
+                <a16:creationId xmlns:a16="http://schemas.microsoft.com/office/drawing/2014/main" id="{EB3A339E-327F-8420-174D-26DFB1710A0A}"/>
+              </a:ext>
+            </a:extLst>
+          </p:cNvPr>
+          <p:cNvSpPr txBox="1"/>
+          <p:nvPr/>
+        </p:nvSpPr>
+        <p:spPr>
+          <a:xfrm>
+            <a:off x="1717954" y="4601818"/>
+            <a:ext cx="4873346" cy="387927"/>
+          </a:xfrm>
+          <a:prstGeom prst="rect">
+            <a:avLst/>
+          </a:prstGeom>
+          <a:noFill/>
+        </p:spPr>
+        <p:txBody>
+          <a:bodyPr wrap="square" rtlCol="0">
+            <a:spAutoFit/>
+          </a:bodyPr>
+          <a:lstStyle/>
+          <a:p>
+            <a:pPr>
+              <a:lnSpc>
+                <a:spcPct val="150000"/>
+              </a:lnSpc>
+            </a:pPr>
+            <a:r>
+              <a:rPr lang="zh-TW" altLang="en-US" sz="1400" dirty="0">
+                <a:solidFill>
+                  <a:schemeClr val="bg1"/>
+                </a:solidFill>
+                <a:latin typeface="Courier New" panose="02070309020205020404" pitchFamily="49" charset="0"/>
+                <a:cs typeface="Courier New" panose="02070309020205020404" pitchFamily="49" charset="0"/>
+              </a:rPr>
+              <a:t>完成上述的</a:t>
+            </a:r>
+            <a:r>
+              <a:rPr lang="en-US" altLang="zh-TW" sz="1400" dirty="0">
+                <a:solidFill>
+                  <a:schemeClr val="bg1"/>
+                </a:solidFill>
+                <a:latin typeface="Courier New" panose="02070309020205020404" pitchFamily="49" charset="0"/>
+                <a:cs typeface="Courier New" panose="02070309020205020404" pitchFamily="49" charset="0"/>
+              </a:rPr>
+              <a:t>URL</a:t>
+            </a:r>
+            <a:r>
+              <a:rPr lang="zh-TW" altLang="en-US" sz="1400" dirty="0">
+                <a:solidFill>
+                  <a:schemeClr val="bg1"/>
+                </a:solidFill>
+                <a:latin typeface="Courier New" panose="02070309020205020404" pitchFamily="49" charset="0"/>
+                <a:cs typeface="Courier New" panose="02070309020205020404" pitchFamily="49" charset="0"/>
+              </a:rPr>
+              <a:t>推送節點設定後，下達以下指令確認</a:t>
+            </a:r>
+            <a:endParaRPr lang="zh-TW" altLang="en-US" sz="1400" dirty="0">
+              <a:solidFill>
+                <a:srgbClr val="00FF00"/>
+              </a:solidFill>
+              <a:latin typeface="Courier New" panose="02070309020205020404" pitchFamily="49" charset="0"/>
+              <a:cs typeface="Courier New" panose="02070309020205020404" pitchFamily="49" charset="0"/>
+            </a:endParaRPr>
+          </a:p>
+        </p:txBody>
+      </p:sp>
+      <p:sp>
+        <p:nvSpPr>
+          <p:cNvPr id="9" name="文字方塊 8">
+            <a:extLst>
+              <a:ext uri="{FF2B5EF4-FFF2-40B4-BE49-F238E27FC236}">
+                <a16:creationId xmlns:a16="http://schemas.microsoft.com/office/drawing/2014/main" id="{8C4A3CA1-8E68-3F2E-0DDA-B538278B2D93}"/>
+              </a:ext>
+            </a:extLst>
+          </p:cNvPr>
+          <p:cNvSpPr txBox="1"/>
+          <p:nvPr/>
+        </p:nvSpPr>
+        <p:spPr>
+          <a:xfrm>
+            <a:off x="2034847" y="5103817"/>
+            <a:ext cx="6669882" cy="1015663"/>
+          </a:xfrm>
+          <a:prstGeom prst="rect">
+            <a:avLst/>
+          </a:prstGeom>
+          <a:noFill/>
+        </p:spPr>
+        <p:txBody>
+          <a:bodyPr wrap="square" rtlCol="0">
+            <a:spAutoFit/>
+          </a:bodyPr>
+          <a:lstStyle/>
+          <a:p>
+            <a:r>
+              <a:rPr lang="en-US" altLang="zh-TW" sz="1200" dirty="0">
+                <a:solidFill>
+                  <a:srgbClr val="00FF00"/>
+                </a:solidFill>
+                <a:latin typeface="Courier New" panose="02070309020205020404" pitchFamily="49" charset="0"/>
+                <a:cs typeface="Courier New" panose="02070309020205020404" pitchFamily="49" charset="0"/>
+              </a:rPr>
+              <a:t>tengc@MSI </a:t>
+            </a:r>
+            <a:r>
+              <a:rPr lang="en-US" altLang="zh-TW" sz="1200" dirty="0">
+                <a:solidFill>
+                  <a:srgbClr val="FF00FF"/>
+                </a:solidFill>
+                <a:latin typeface="Courier New" panose="02070309020205020404" pitchFamily="49" charset="0"/>
+                <a:cs typeface="Courier New" panose="02070309020205020404" pitchFamily="49" charset="0"/>
+              </a:rPr>
+              <a:t>MINGW64</a:t>
+            </a:r>
+            <a:r>
+              <a:rPr lang="en-US" altLang="zh-TW" sz="1200" dirty="0">
+                <a:solidFill>
+                  <a:srgbClr val="00FF00"/>
+                </a:solidFill>
+                <a:latin typeface="Courier New" panose="02070309020205020404" pitchFamily="49" charset="0"/>
+                <a:cs typeface="Courier New" panose="02070309020205020404" pitchFamily="49" charset="0"/>
+              </a:rPr>
+              <a:t> </a:t>
+            </a:r>
+            <a:r>
+              <a:rPr lang="en-US" altLang="zh-TW" sz="1200" dirty="0">
+                <a:solidFill>
+                  <a:srgbClr val="FFC000"/>
+                </a:solidFill>
+                <a:latin typeface="Courier New" panose="02070309020205020404" pitchFamily="49" charset="0"/>
+                <a:cs typeface="Courier New" panose="02070309020205020404" pitchFamily="49" charset="0"/>
+              </a:rPr>
+              <a:t>/d/Daniel_SIDE_PROJECT/TestDoc/LocalGit </a:t>
+            </a:r>
+            <a:r>
+              <a:rPr lang="en-US" altLang="zh-TW" sz="1200" dirty="0">
+                <a:solidFill>
+                  <a:srgbClr val="33CCCC"/>
+                </a:solidFill>
+                <a:latin typeface="Courier New" panose="02070309020205020404" pitchFamily="49" charset="0"/>
+                <a:cs typeface="Courier New" panose="02070309020205020404" pitchFamily="49" charset="0"/>
+              </a:rPr>
+              <a:t>(master)</a:t>
+            </a:r>
+          </a:p>
+          <a:p>
+            <a:r>
+              <a:rPr lang="en-US" altLang="zh-TW" sz="1200" dirty="0">
+                <a:solidFill>
+                  <a:schemeClr val="bg1"/>
+                </a:solidFill>
+                <a:latin typeface="Courier New" panose="02070309020205020404" pitchFamily="49" charset="0"/>
+                <a:cs typeface="Courier New" panose="02070309020205020404" pitchFamily="49" charset="0"/>
+              </a:rPr>
+              <a:t>$</a:t>
+            </a:r>
+            <a:r>
+              <a:rPr lang="en-US" altLang="zh-TW" sz="1200" dirty="0">
+                <a:solidFill>
+                  <a:srgbClr val="00FF00"/>
+                </a:solidFill>
+                <a:latin typeface="Courier New" panose="02070309020205020404" pitchFamily="49" charset="0"/>
+                <a:cs typeface="Courier New" panose="02070309020205020404" pitchFamily="49" charset="0"/>
+              </a:rPr>
+              <a:t> git remote –v</a:t>
+            </a:r>
+          </a:p>
+          <a:p>
+            <a:r>
+              <a:rPr lang="en-US" altLang="zh-TW" sz="1200" dirty="0">
+                <a:solidFill>
+                  <a:schemeClr val="bg1"/>
+                </a:solidFill>
+                <a:latin typeface="Courier New" panose="02070309020205020404" pitchFamily="49" charset="0"/>
+                <a:cs typeface="Courier New" panose="02070309020205020404" pitchFamily="49" charset="0"/>
+              </a:rPr>
+              <a:t>origin d:/Daniel_SIDE_PROJECT/TestDoc/RemoteGit.git (fetch)</a:t>
+            </a:r>
+          </a:p>
+          <a:p>
+            <a:r>
+              <a:rPr lang="en-US" altLang="zh-TW" sz="1200" dirty="0">
+                <a:solidFill>
+                  <a:schemeClr val="bg1"/>
+                </a:solidFill>
+                <a:latin typeface="Courier New" panose="02070309020205020404" pitchFamily="49" charset="0"/>
+                <a:cs typeface="Courier New" panose="02070309020205020404" pitchFamily="49" charset="0"/>
+              </a:rPr>
+              <a:t>origin d:/Daniel_SIDE_PROJECT/TestDoc/RemoteGit.git (push)</a:t>
+            </a:r>
+          </a:p>
+          <a:p>
+            <a:r>
+              <a:rPr lang="en-US" altLang="zh-TW" sz="1200" dirty="0">
+                <a:solidFill>
+                  <a:schemeClr val="bg1"/>
+                </a:solidFill>
+                <a:latin typeface="Courier New" panose="02070309020205020404" pitchFamily="49" charset="0"/>
+                <a:cs typeface="Courier New" panose="02070309020205020404" pitchFamily="49" charset="0"/>
+              </a:rPr>
+              <a:t>$</a:t>
+            </a:r>
+          </a:p>
+        </p:txBody>
+      </p:sp>
+      <p:sp>
+        <p:nvSpPr>
+          <p:cNvPr id="10" name="文字方塊 9">
+            <a:extLst>
+              <a:ext uri="{FF2B5EF4-FFF2-40B4-BE49-F238E27FC236}">
+                <a16:creationId xmlns:a16="http://schemas.microsoft.com/office/drawing/2014/main" id="{E06D2F73-6DEE-CD1B-1E77-99ECAC62B295}"/>
+              </a:ext>
+            </a:extLst>
+          </p:cNvPr>
+          <p:cNvSpPr txBox="1"/>
+          <p:nvPr/>
+        </p:nvSpPr>
+        <p:spPr>
+          <a:xfrm>
+            <a:off x="1717953" y="6119480"/>
+            <a:ext cx="7711797" cy="387927"/>
+          </a:xfrm>
+          <a:prstGeom prst="rect">
+            <a:avLst/>
+          </a:prstGeom>
+          <a:noFill/>
+        </p:spPr>
+        <p:txBody>
+          <a:bodyPr wrap="square" rtlCol="0">
+            <a:spAutoFit/>
+          </a:bodyPr>
+          <a:lstStyle/>
+          <a:p>
+            <a:pPr>
+              <a:lnSpc>
+                <a:spcPct val="150000"/>
+              </a:lnSpc>
+            </a:pPr>
+            <a:r>
+              <a:rPr lang="zh-TW" altLang="en-US" sz="1400" dirty="0">
+                <a:solidFill>
+                  <a:schemeClr val="bg1"/>
+                </a:solidFill>
+                <a:latin typeface="Courier New" panose="02070309020205020404" pitchFamily="49" charset="0"/>
+                <a:cs typeface="Courier New" panose="02070309020205020404" pitchFamily="49" charset="0"/>
+              </a:rPr>
+              <a:t>如成功完成推送遠端節點的設設，</a:t>
+            </a:r>
+            <a:r>
+              <a:rPr lang="en-US" altLang="zh-TW" sz="1400" dirty="0">
+                <a:solidFill>
+                  <a:schemeClr val="bg1"/>
+                </a:solidFill>
+                <a:latin typeface="Courier New" panose="02070309020205020404" pitchFamily="49" charset="0"/>
+                <a:cs typeface="Courier New" panose="02070309020205020404" pitchFamily="49" charset="0"/>
+              </a:rPr>
+              <a:t>“remote –v”</a:t>
+            </a:r>
+            <a:r>
+              <a:rPr lang="zh-TW" altLang="en-US" sz="1400" dirty="0">
+                <a:solidFill>
+                  <a:schemeClr val="bg1"/>
+                </a:solidFill>
+                <a:latin typeface="Courier New" panose="02070309020205020404" pitchFamily="49" charset="0"/>
+                <a:cs typeface="Courier New" panose="02070309020205020404" pitchFamily="49" charset="0"/>
+              </a:rPr>
+              <a:t>指令後會出現要推送的遠端</a:t>
+            </a:r>
+            <a:r>
+              <a:rPr lang="en-US" altLang="zh-TW" sz="1400" dirty="0">
+                <a:solidFill>
+                  <a:schemeClr val="bg1"/>
+                </a:solidFill>
+                <a:latin typeface="Courier New" panose="02070309020205020404" pitchFamily="49" charset="0"/>
+                <a:cs typeface="Courier New" panose="02070309020205020404" pitchFamily="49" charset="0"/>
+              </a:rPr>
+              <a:t>Git</a:t>
+            </a:r>
+            <a:r>
+              <a:rPr lang="zh-TW" altLang="en-US" sz="1400" dirty="0">
+                <a:solidFill>
+                  <a:schemeClr val="bg1"/>
+                </a:solidFill>
+                <a:latin typeface="Courier New" panose="02070309020205020404" pitchFamily="49" charset="0"/>
+                <a:cs typeface="Courier New" panose="02070309020205020404" pitchFamily="49" charset="0"/>
+              </a:rPr>
+              <a:t>倉庫路徑。</a:t>
+            </a:r>
+            <a:endParaRPr lang="zh-TW" altLang="en-US" sz="1400" dirty="0">
+              <a:solidFill>
+                <a:srgbClr val="00FF00"/>
+              </a:solidFill>
+              <a:latin typeface="Courier New" panose="02070309020205020404" pitchFamily="49" charset="0"/>
+              <a:cs typeface="Courier New" panose="02070309020205020404" pitchFamily="49" charset="0"/>
+            </a:endParaRPr>
+          </a:p>
+        </p:txBody>
+      </p:sp>
+    </p:spTree>
+    <p:extLst>
+      <p:ext uri="{BB962C8B-B14F-4D97-AF65-F5344CB8AC3E}">
+        <p14:creationId xmlns:p14="http://schemas.microsoft.com/office/powerpoint/2010/main" val="4213550928"/>
+      </p:ext>
+    </p:extLst>
+  </p:cSld>
+  <p:clrMapOvr>
+    <a:masterClrMapping/>
+  </p:clrMapOvr>
+</p:sld>
+</file>
+
+<file path=ppt/slides/slide12.xml><?xml version="1.0" encoding="utf-8"?>
 <p:sld xmlns:a="http://schemas.openxmlformats.org/drawingml/2006/main" xmlns:r="http://schemas.openxmlformats.org/officeDocument/2006/relationships" xmlns:p="http://schemas.openxmlformats.org/presentationml/2006/main">
   <p:cSld>
     <p:spTree>
@@ -12318,7 +13522,7 @@
               <a:buChar char="Ø"/>
             </a:pPr>
             <a:r>
-              <a:rPr lang="zh-TW" altLang="en-US" sz="1600">
+              <a:rPr lang="zh-TW" altLang="en-US" sz="1600" dirty="0">
                 <a:solidFill>
                   <a:schemeClr val="bg1"/>
                 </a:solidFill>

--- a/GitHub_note.pptx
+++ b/GitHub_note.pptx
@@ -16,7 +16,9 @@
     <p:sldId id="264" r:id="rId10"/>
     <p:sldId id="265" r:id="rId11"/>
     <p:sldId id="267" r:id="rId12"/>
-    <p:sldId id="266" r:id="rId13"/>
+    <p:sldId id="268" r:id="rId13"/>
+    <p:sldId id="269" r:id="rId14"/>
+    <p:sldId id="266" r:id="rId15"/>
   </p:sldIdLst>
   <p:sldSz cx="12192000" cy="6858000"/>
   <p:notesSz cx="6858000" cy="9144000"/>
@@ -279,7 +281,7 @@
           <a:p>
             <a:fld id="{6444479B-705B-4489-957E-7E8A228BDFA0}" type="datetime1">
               <a:rPr lang="en-US" smtClean="0"/>
-              <a:t>11/15/2025</a:t>
+              <a:t>11/16/2025</a:t>
             </a:fld>
             <a:endParaRPr lang="en-US"/>
           </a:p>
@@ -479,7 +481,7 @@
           <a:p>
             <a:fld id="{C07B66AD-7C08-490A-ADA4-B47E10FB2407}" type="datetime1">
               <a:rPr lang="en-US" smtClean="0"/>
-              <a:t>11/15/2025</a:t>
+              <a:t>11/16/2025</a:t>
             </a:fld>
             <a:endParaRPr lang="en-US"/>
           </a:p>
@@ -738,7 +740,7 @@
           <a:p>
             <a:fld id="{05B95027-4255-49E7-9841-CD21BCC99996}" type="datetime1">
               <a:rPr lang="en-US" smtClean="0"/>
-              <a:t>11/15/2025</a:t>
+              <a:t>11/16/2025</a:t>
             </a:fld>
             <a:endParaRPr lang="en-US"/>
           </a:p>
@@ -979,7 +981,7 @@
           <a:p>
             <a:fld id="{9F89F774-3FA6-43B8-9241-99959C8FD463}" type="datetime1">
               <a:rPr lang="en-US" smtClean="0"/>
-              <a:t>11/15/2025</a:t>
+              <a:t>11/16/2025</a:t>
             </a:fld>
             <a:endParaRPr lang="en-US"/>
           </a:p>
@@ -1306,7 +1308,7 @@
           <a:p>
             <a:fld id="{F9504452-5DCC-4FE2-A5C9-8A5EF6714D65}" type="datetime1">
               <a:rPr lang="en-US" smtClean="0"/>
-              <a:t>11/15/2025</a:t>
+              <a:t>11/16/2025</a:t>
             </a:fld>
             <a:endParaRPr lang="en-US"/>
           </a:p>
@@ -1616,7 +1618,7 @@
           <a:p>
             <a:fld id="{E579ABC2-0180-4F3A-A895-A85BC724D472}" type="datetime1">
               <a:rPr lang="en-US" smtClean="0"/>
-              <a:t>11/15/2025</a:t>
+              <a:t>11/16/2025</a:t>
             </a:fld>
             <a:endParaRPr lang="en-US"/>
           </a:p>
@@ -2034,7 +2036,7 @@
           <a:p>
             <a:fld id="{6AEEA9BA-4E8F-439E-BEA4-91FBA01E3F5F}" type="datetime1">
               <a:rPr lang="en-US" smtClean="0"/>
-              <a:t>11/15/2025</a:t>
+              <a:t>11/16/2025</a:t>
             </a:fld>
             <a:endParaRPr lang="en-US"/>
           </a:p>
@@ -2176,7 +2178,7 @@
           <a:p>
             <a:fld id="{BE15BF18-0007-481C-AA29-413124BC3EE7}" type="datetime1">
               <a:rPr lang="en-US" smtClean="0"/>
-              <a:t>11/15/2025</a:t>
+              <a:t>11/16/2025</a:t>
             </a:fld>
             <a:endParaRPr lang="en-US"/>
           </a:p>
@@ -2338,7 +2340,7 @@
           <a:p>
             <a:fld id="{09BE9870-3748-43AD-B547-02A075CB4A1D}" type="datetime1">
               <a:rPr lang="en-US" smtClean="0"/>
-              <a:t>11/15/2025</a:t>
+              <a:t>11/16/2025</a:t>
             </a:fld>
             <a:endParaRPr lang="en-US"/>
           </a:p>
@@ -2655,7 +2657,7 @@
           <a:p>
             <a:fld id="{558E7897-33C5-4F1A-9307-D068E37F3DC7}" type="datetime1">
               <a:rPr lang="en-US" smtClean="0"/>
-              <a:t>11/15/2025</a:t>
+              <a:t>11/16/2025</a:t>
             </a:fld>
             <a:endParaRPr lang="en-US"/>
           </a:p>
@@ -2950,7 +2952,7 @@
           <a:p>
             <a:fld id="{82E171BA-CC09-47C8-A6DF-F5C5CB59CEEC}" type="datetime1">
               <a:rPr lang="en-US" smtClean="0"/>
-              <a:t>11/15/2025</a:t>
+              <a:t>11/16/2025</a:t>
             </a:fld>
             <a:endParaRPr lang="en-US"/>
           </a:p>
@@ -3191,7 +3193,7 @@
           <a:p>
             <a:fld id="{7DA38F49-B3E2-4BF0-BEC7-C30D34ABBB8D}" type="datetime1">
               <a:rPr lang="en-US" smtClean="0"/>
-              <a:t>11/15/2025</a:t>
+              <a:t>11/16/2025</a:t>
             </a:fld>
             <a:endParaRPr lang="en-US"/>
           </a:p>
@@ -5392,7 +5394,7 @@
         </p:nvSpPr>
         <p:spPr>
           <a:xfrm>
-            <a:off x="1717954" y="2944499"/>
+            <a:off x="1717954" y="2863344"/>
             <a:ext cx="9281740" cy="711092"/>
           </a:xfrm>
           <a:prstGeom prst="rect">
@@ -5795,7 +5797,7 @@
         </p:nvSpPr>
         <p:spPr>
           <a:xfrm>
-            <a:off x="1340359" y="4278510"/>
+            <a:off x="1340359" y="4524740"/>
             <a:ext cx="3410935" cy="339419"/>
           </a:xfrm>
           <a:prstGeom prst="rect">
@@ -6100,7 +6102,7 @@
         </p:nvSpPr>
         <p:spPr>
           <a:xfrm>
-            <a:off x="1717954" y="4601818"/>
+            <a:off x="1717954" y="4864159"/>
             <a:ext cx="4873346" cy="387927"/>
           </a:xfrm>
           <a:prstGeom prst="rect">
@@ -6173,7 +6175,7 @@
         </p:nvSpPr>
         <p:spPr>
           <a:xfrm>
-            <a:off x="2034847" y="5103817"/>
+            <a:off x="2034847" y="5313053"/>
             <a:ext cx="6669882" cy="1015663"/>
           </a:xfrm>
           <a:prstGeom prst="rect">
@@ -6312,7 +6314,7 @@
         </p:nvSpPr>
         <p:spPr>
           <a:xfrm>
-            <a:off x="1717953" y="6119480"/>
+            <a:off x="1717953" y="6277997"/>
             <a:ext cx="7711797" cy="387927"/>
           </a:xfrm>
           <a:prstGeom prst="rect">
@@ -6339,7 +6341,7 @@
                 <a:latin typeface="Courier New" panose="02070309020205020404" pitchFamily="49" charset="0"/>
                 <a:cs typeface="Courier New" panose="02070309020205020404" pitchFamily="49" charset="0"/>
               </a:rPr>
-              <a:t>如成功完成推送遠端節點的設設，</a:t>
+              <a:t>如成功完成推送遠端節點的設定，</a:t>
             </a:r>
             <a:r>
               <a:rPr lang="en-US" altLang="zh-TW" sz="1400" dirty="0">
@@ -6384,6 +6386,164 @@
             <a:endParaRPr lang="zh-TW" altLang="en-US" sz="1400" dirty="0">
               <a:solidFill>
                 <a:srgbClr val="00FF00"/>
+              </a:solidFill>
+              <a:latin typeface="Courier New" panose="02070309020205020404" pitchFamily="49" charset="0"/>
+              <a:cs typeface="Courier New" panose="02070309020205020404" pitchFamily="49" charset="0"/>
+            </a:endParaRPr>
+          </a:p>
+        </p:txBody>
+      </p:sp>
+      <p:sp>
+        <p:nvSpPr>
+          <p:cNvPr id="12" name="文字方塊 11">
+            <a:extLst>
+              <a:ext uri="{FF2B5EF4-FFF2-40B4-BE49-F238E27FC236}">
+                <a16:creationId xmlns:a16="http://schemas.microsoft.com/office/drawing/2014/main" id="{2E3DDA04-7AD5-FD81-938B-FAAEFFF2E2ED}"/>
+              </a:ext>
+            </a:extLst>
+          </p:cNvPr>
+          <p:cNvSpPr txBox="1"/>
+          <p:nvPr/>
+        </p:nvSpPr>
+        <p:spPr>
+          <a:xfrm>
+            <a:off x="2865438" y="4166745"/>
+            <a:ext cx="5166938" cy="276999"/>
+          </a:xfrm>
+          <a:prstGeom prst="rect">
+            <a:avLst/>
+          </a:prstGeom>
+          <a:noFill/>
+        </p:spPr>
+        <p:txBody>
+          <a:bodyPr wrap="square" rtlCol="0">
+            <a:spAutoFit/>
+          </a:bodyPr>
+          <a:lstStyle/>
+          <a:p>
+            <a:r>
+              <a:rPr lang="zh-TW" altLang="en-US" sz="1200" dirty="0">
+                <a:solidFill>
+                  <a:schemeClr val="bg1"/>
+                </a:solidFill>
+                <a:latin typeface="Courier New" panose="02070309020205020404" pitchFamily="49" charset="0"/>
+                <a:cs typeface="Courier New" panose="02070309020205020404" pitchFamily="49" charset="0"/>
+              </a:rPr>
+              <a:t>語法 </a:t>
+            </a:r>
+            <a:r>
+              <a:rPr lang="en-US" altLang="zh-TW" sz="1200" dirty="0">
+                <a:solidFill>
+                  <a:schemeClr val="bg1"/>
+                </a:solidFill>
+                <a:latin typeface="Courier New" panose="02070309020205020404" pitchFamily="49" charset="0"/>
+                <a:cs typeface="Courier New" panose="02070309020205020404" pitchFamily="49" charset="0"/>
+              </a:rPr>
+              <a:t>:</a:t>
+            </a:r>
+            <a:r>
+              <a:rPr lang="zh-TW" altLang="en-US" sz="1200" dirty="0">
+                <a:solidFill>
+                  <a:schemeClr val="bg1"/>
+                </a:solidFill>
+                <a:latin typeface="Courier New" panose="02070309020205020404" pitchFamily="49" charset="0"/>
+                <a:cs typeface="Courier New" panose="02070309020205020404" pitchFamily="49" charset="0"/>
+              </a:rPr>
+              <a:t> </a:t>
+            </a:r>
+            <a:r>
+              <a:rPr lang="en-US" altLang="zh-TW" sz="1200" dirty="0">
+                <a:solidFill>
+                  <a:schemeClr val="bg1"/>
+                </a:solidFill>
+                <a:latin typeface="Courier New" panose="02070309020205020404" pitchFamily="49" charset="0"/>
+                <a:cs typeface="Courier New" panose="02070309020205020404" pitchFamily="49" charset="0"/>
+              </a:rPr>
+              <a:t>$</a:t>
+            </a:r>
+            <a:r>
+              <a:rPr lang="zh-TW" altLang="en-US" sz="1200" dirty="0">
+                <a:solidFill>
+                  <a:schemeClr val="bg1"/>
+                </a:solidFill>
+                <a:latin typeface="Courier New" panose="02070309020205020404" pitchFamily="49" charset="0"/>
+                <a:cs typeface="Courier New" panose="02070309020205020404" pitchFamily="49" charset="0"/>
+              </a:rPr>
+              <a:t> </a:t>
+            </a:r>
+            <a:r>
+              <a:rPr lang="en-US" altLang="zh-TW" sz="1200" dirty="0">
+                <a:solidFill>
+                  <a:schemeClr val="bg1"/>
+                </a:solidFill>
+                <a:latin typeface="Courier New" panose="02070309020205020404" pitchFamily="49" charset="0"/>
+                <a:cs typeface="Courier New" panose="02070309020205020404" pitchFamily="49" charset="0"/>
+              </a:rPr>
+              <a:t>git </a:t>
+            </a:r>
+            <a:r>
+              <a:rPr lang="zh-TW" altLang="en-US" sz="1200" dirty="0">
+                <a:solidFill>
+                  <a:schemeClr val="bg1"/>
+                </a:solidFill>
+                <a:latin typeface="Courier New" panose="02070309020205020404" pitchFamily="49" charset="0"/>
+                <a:cs typeface="Courier New" panose="02070309020205020404" pitchFamily="49" charset="0"/>
+              </a:rPr>
+              <a:t>命令</a:t>
+            </a:r>
+            <a:r>
+              <a:rPr lang="en-US" altLang="zh-TW" sz="1200" dirty="0">
+                <a:solidFill>
+                  <a:schemeClr val="bg1"/>
+                </a:solidFill>
+                <a:latin typeface="Courier New" panose="02070309020205020404" pitchFamily="49" charset="0"/>
+                <a:cs typeface="Courier New" panose="02070309020205020404" pitchFamily="49" charset="0"/>
+              </a:rPr>
+              <a:t>(remote) </a:t>
+            </a:r>
+            <a:r>
+              <a:rPr lang="zh-TW" altLang="en-US" sz="1200" dirty="0">
+                <a:solidFill>
+                  <a:schemeClr val="bg1"/>
+                </a:solidFill>
+                <a:latin typeface="Courier New" panose="02070309020205020404" pitchFamily="49" charset="0"/>
+                <a:cs typeface="Courier New" panose="02070309020205020404" pitchFamily="49" charset="0"/>
+              </a:rPr>
+              <a:t>參數</a:t>
+            </a:r>
+            <a:r>
+              <a:rPr lang="en-US" altLang="zh-TW" sz="1200" dirty="0">
+                <a:solidFill>
+                  <a:schemeClr val="bg1"/>
+                </a:solidFill>
+                <a:latin typeface="Courier New" panose="02070309020205020404" pitchFamily="49" charset="0"/>
+                <a:cs typeface="Courier New" panose="02070309020205020404" pitchFamily="49" charset="0"/>
+              </a:rPr>
+              <a:t>(add origin</a:t>
+            </a:r>
+            <a:r>
+              <a:rPr lang="zh-TW" altLang="en-US" sz="1200" dirty="0">
+                <a:solidFill>
+                  <a:schemeClr val="bg1"/>
+                </a:solidFill>
+                <a:latin typeface="Courier New" panose="02070309020205020404" pitchFamily="49" charset="0"/>
+                <a:cs typeface="Courier New" panose="02070309020205020404" pitchFamily="49" charset="0"/>
+              </a:rPr>
+              <a:t> 遠端節點的</a:t>
+            </a:r>
+            <a:r>
+              <a:rPr lang="en-US" altLang="zh-TW" sz="1200" dirty="0">
+                <a:solidFill>
+                  <a:schemeClr val="bg1"/>
+                </a:solidFill>
+                <a:latin typeface="Courier New" panose="02070309020205020404" pitchFamily="49" charset="0"/>
+                <a:cs typeface="Courier New" panose="02070309020205020404" pitchFamily="49" charset="0"/>
+              </a:rPr>
+              <a:t>URL)</a:t>
+            </a:r>
+            <a:endParaRPr lang="en-US" altLang="zh-TW" sz="1200" dirty="0">
+              <a:solidFill>
+                <a:srgbClr val="33CCCC"/>
               </a:solidFill>
               <a:latin typeface="Courier New" panose="02070309020205020404" pitchFamily="49" charset="0"/>
               <a:cs typeface="Courier New" panose="02070309020205020404" pitchFamily="49" charset="0"/>
@@ -6405,6 +6565,2394 @@
 </file>
 
 <file path=ppt/slides/slide12.xml><?xml version="1.0" encoding="utf-8"?>
+<p:sld xmlns:a="http://schemas.openxmlformats.org/drawingml/2006/main" xmlns:r="http://schemas.openxmlformats.org/officeDocument/2006/relationships" xmlns:p="http://schemas.openxmlformats.org/presentationml/2006/main">
+  <p:cSld>
+    <p:bg>
+      <p:bgPr>
+        <a:solidFill>
+          <a:schemeClr val="tx1">
+            <a:lumMod val="75000"/>
+            <a:lumOff val="25000"/>
+          </a:schemeClr>
+        </a:solidFill>
+        <a:effectLst/>
+      </p:bgPr>
+    </p:bg>
+    <p:spTree>
+      <p:nvGrpSpPr>
+        <p:cNvPr id="1" name="">
+          <a:extLst>
+            <a:ext uri="{FF2B5EF4-FFF2-40B4-BE49-F238E27FC236}">
+              <a16:creationId xmlns:a16="http://schemas.microsoft.com/office/drawing/2014/main" id="{7500B80B-C921-039F-AE17-4542E1A5D23F}"/>
+            </a:ext>
+          </a:extLst>
+        </p:cNvPr>
+        <p:cNvGrpSpPr/>
+        <p:nvPr/>
+      </p:nvGrpSpPr>
+      <p:grpSpPr>
+        <a:xfrm>
+          <a:off x="0" y="0"/>
+          <a:ext cx="0" cy="0"/>
+          <a:chOff x="0" y="0"/>
+          <a:chExt cx="0" cy="0"/>
+        </a:xfrm>
+      </p:grpSpPr>
+      <p:sp>
+        <p:nvSpPr>
+          <p:cNvPr id="2" name="標題 1">
+            <a:extLst>
+              <a:ext uri="{FF2B5EF4-FFF2-40B4-BE49-F238E27FC236}">
+                <a16:creationId xmlns:a16="http://schemas.microsoft.com/office/drawing/2014/main" id="{04642623-80B8-E94B-9BB4-8DF293978670}"/>
+              </a:ext>
+            </a:extLst>
+          </p:cNvPr>
+          <p:cNvSpPr>
+            <a:spLocks noGrp="1"/>
+          </p:cNvSpPr>
+          <p:nvPr>
+            <p:ph type="title"/>
+          </p:nvPr>
+        </p:nvSpPr>
+        <p:spPr>
+          <a:xfrm>
+            <a:off x="640079" y="1102718"/>
+            <a:ext cx="10890929" cy="662474"/>
+          </a:xfrm>
+        </p:spPr>
+        <p:txBody>
+          <a:bodyPr anchor="ctr" anchorCtr="0">
+            <a:normAutofit/>
+          </a:bodyPr>
+          <a:lstStyle/>
+          <a:p>
+            <a:r>
+              <a:rPr lang="en-US" altLang="zh-TW" sz="3200" dirty="0">
+                <a:solidFill>
+                  <a:srgbClr val="FFC000"/>
+                </a:solidFill>
+              </a:rPr>
+              <a:t>Git Bash – Command Line</a:t>
+            </a:r>
+            <a:endParaRPr lang="zh-TW" altLang="en-US" sz="3200" dirty="0">
+              <a:solidFill>
+                <a:srgbClr val="FFC000"/>
+              </a:solidFill>
+            </a:endParaRPr>
+          </a:p>
+        </p:txBody>
+      </p:sp>
+      <p:sp>
+        <p:nvSpPr>
+          <p:cNvPr id="3" name="內容版面配置區 2">
+            <a:extLst>
+              <a:ext uri="{FF2B5EF4-FFF2-40B4-BE49-F238E27FC236}">
+                <a16:creationId xmlns:a16="http://schemas.microsoft.com/office/drawing/2014/main" id="{ACFA31FD-F1CF-0FE2-703D-E08A1C8B1A2F}"/>
+              </a:ext>
+            </a:extLst>
+          </p:cNvPr>
+          <p:cNvSpPr>
+            <a:spLocks noGrp="1"/>
+          </p:cNvSpPr>
+          <p:nvPr>
+            <p:ph idx="1"/>
+          </p:nvPr>
+        </p:nvSpPr>
+        <p:spPr>
+          <a:xfrm>
+            <a:off x="797097" y="1765192"/>
+            <a:ext cx="4913421" cy="547027"/>
+          </a:xfrm>
+        </p:spPr>
+        <p:txBody>
+          <a:bodyPr anchor="ctr" anchorCtr="0">
+            <a:noAutofit/>
+          </a:bodyPr>
+          <a:lstStyle/>
+          <a:p>
+            <a:pPr>
+              <a:buFont typeface="Wingdings" panose="05000000000000000000" pitchFamily="2" charset="2"/>
+              <a:buChar char="l"/>
+            </a:pPr>
+            <a:r>
+              <a:rPr lang="zh-TW" altLang="en-US" dirty="0">
+                <a:solidFill>
+                  <a:srgbClr val="00B0F0"/>
+                </a:solidFill>
+              </a:rPr>
+              <a:t> </a:t>
+            </a:r>
+            <a:r>
+              <a:rPr lang="en-US" altLang="zh-TW" dirty="0">
+                <a:solidFill>
+                  <a:srgbClr val="00B0F0"/>
+                </a:solidFill>
+              </a:rPr>
+              <a:t>Clone(</a:t>
+            </a:r>
+            <a:r>
+              <a:rPr lang="zh-TW" altLang="en-US" dirty="0">
+                <a:solidFill>
+                  <a:srgbClr val="00B0F0"/>
+                </a:solidFill>
+              </a:rPr>
+              <a:t>克隆</a:t>
+            </a:r>
+            <a:r>
+              <a:rPr lang="en-US" altLang="zh-TW" dirty="0">
+                <a:solidFill>
+                  <a:srgbClr val="00B0F0"/>
+                </a:solidFill>
+              </a:rPr>
+              <a:t>)</a:t>
+            </a:r>
+            <a:r>
+              <a:rPr lang="zh-TW" altLang="en-US" dirty="0">
+                <a:solidFill>
+                  <a:srgbClr val="00B0F0"/>
+                </a:solidFill>
+              </a:rPr>
+              <a:t>遠端</a:t>
+            </a:r>
+            <a:r>
+              <a:rPr lang="en-US" altLang="zh-TW" dirty="0">
+                <a:solidFill>
+                  <a:srgbClr val="00B0F0"/>
+                </a:solidFill>
+              </a:rPr>
+              <a:t>Git</a:t>
+            </a:r>
+            <a:r>
+              <a:rPr lang="zh-TW" altLang="en-US" dirty="0">
+                <a:solidFill>
+                  <a:srgbClr val="00B0F0"/>
+                </a:solidFill>
+              </a:rPr>
+              <a:t> </a:t>
+            </a:r>
+            <a:r>
+              <a:rPr lang="en-US" altLang="zh-TW" dirty="0">
+                <a:solidFill>
+                  <a:srgbClr val="00B0F0"/>
+                </a:solidFill>
+              </a:rPr>
+              <a:t>Repository</a:t>
+            </a:r>
+            <a:r>
+              <a:rPr lang="zh-TW" altLang="en-US" dirty="0">
+                <a:solidFill>
+                  <a:srgbClr val="00B0F0"/>
+                </a:solidFill>
+              </a:rPr>
+              <a:t>目錄</a:t>
+            </a:r>
+          </a:p>
+        </p:txBody>
+      </p:sp>
+      <p:sp>
+        <p:nvSpPr>
+          <p:cNvPr id="4" name="文字方塊 3">
+            <a:extLst>
+              <a:ext uri="{FF2B5EF4-FFF2-40B4-BE49-F238E27FC236}">
+                <a16:creationId xmlns:a16="http://schemas.microsoft.com/office/drawing/2014/main" id="{FF971187-F91B-57A9-D832-4BD436A4AF23}"/>
+              </a:ext>
+            </a:extLst>
+          </p:cNvPr>
+          <p:cNvSpPr txBox="1"/>
+          <p:nvPr/>
+        </p:nvSpPr>
+        <p:spPr>
+          <a:xfrm>
+            <a:off x="1717954" y="2863344"/>
+            <a:ext cx="9281740" cy="711092"/>
+          </a:xfrm>
+          <a:prstGeom prst="rect">
+            <a:avLst/>
+          </a:prstGeom>
+          <a:noFill/>
+        </p:spPr>
+        <p:txBody>
+          <a:bodyPr wrap="square" rtlCol="0">
+            <a:spAutoFit/>
+          </a:bodyPr>
+          <a:lstStyle/>
+          <a:p>
+            <a:pPr>
+              <a:lnSpc>
+                <a:spcPct val="150000"/>
+              </a:lnSpc>
+            </a:pPr>
+            <a:r>
+              <a:rPr lang="zh-TW" altLang="en-US" sz="1400" dirty="0">
+                <a:solidFill>
+                  <a:schemeClr val="bg1"/>
+                </a:solidFill>
+                <a:latin typeface="Courier New" panose="02070309020205020404" pitchFamily="49" charset="0"/>
+                <a:cs typeface="Courier New" panose="02070309020205020404" pitchFamily="49" charset="0"/>
+              </a:rPr>
+              <a:t>將目錄路徑切換到本地端任何一個想要存放</a:t>
+            </a:r>
+            <a:r>
+              <a:rPr lang="en-US" altLang="zh-TW" sz="1400" dirty="0">
+                <a:solidFill>
+                  <a:schemeClr val="bg1"/>
+                </a:solidFill>
+                <a:latin typeface="Courier New" panose="02070309020205020404" pitchFamily="49" charset="0"/>
+                <a:cs typeface="Courier New" panose="02070309020205020404" pitchFamily="49" charset="0"/>
+              </a:rPr>
+              <a:t>clone</a:t>
+            </a:r>
+            <a:r>
+              <a:rPr lang="zh-TW" altLang="en-US" sz="1400" dirty="0">
+                <a:solidFill>
+                  <a:schemeClr val="bg1"/>
+                </a:solidFill>
+                <a:latin typeface="Courier New" panose="02070309020205020404" pitchFamily="49" charset="0"/>
+                <a:cs typeface="Courier New" panose="02070309020205020404" pitchFamily="49" charset="0"/>
+              </a:rPr>
+              <a:t>資料的目錄，使用</a:t>
+            </a:r>
+            <a:r>
+              <a:rPr lang="en-US" altLang="zh-TW" sz="1400" dirty="0">
+                <a:solidFill>
+                  <a:schemeClr val="bg1"/>
+                </a:solidFill>
+                <a:latin typeface="Courier New" panose="02070309020205020404" pitchFamily="49" charset="0"/>
+                <a:cs typeface="Courier New" panose="02070309020205020404" pitchFamily="49" charset="0"/>
+              </a:rPr>
+              <a:t>“clone”</a:t>
+            </a:r>
+            <a:r>
+              <a:rPr lang="zh-TW" altLang="en-US" sz="1400" dirty="0">
+                <a:solidFill>
+                  <a:schemeClr val="bg1"/>
+                </a:solidFill>
+                <a:latin typeface="Courier New" panose="02070309020205020404" pitchFamily="49" charset="0"/>
+                <a:cs typeface="Courier New" panose="02070309020205020404" pitchFamily="49" charset="0"/>
+              </a:rPr>
+              <a:t>指令將遠端</a:t>
+            </a:r>
+            <a:r>
+              <a:rPr lang="en-US" altLang="zh-TW" sz="1400" dirty="0">
+                <a:solidFill>
+                  <a:schemeClr val="bg1"/>
+                </a:solidFill>
+                <a:latin typeface="Courier New" panose="02070309020205020404" pitchFamily="49" charset="0"/>
+                <a:cs typeface="Courier New" panose="02070309020205020404" pitchFamily="49" charset="0"/>
+              </a:rPr>
+              <a:t>Git</a:t>
+            </a:r>
+            <a:r>
+              <a:rPr lang="zh-TW" altLang="en-US" sz="1400" dirty="0">
+                <a:solidFill>
+                  <a:schemeClr val="bg1"/>
+                </a:solidFill>
+                <a:latin typeface="Courier New" panose="02070309020205020404" pitchFamily="49" charset="0"/>
+                <a:cs typeface="Courier New" panose="02070309020205020404" pitchFamily="49" charset="0"/>
+              </a:rPr>
+              <a:t>倉庫整個克隆</a:t>
+            </a:r>
+            <a:r>
+              <a:rPr lang="en-US" altLang="zh-TW" sz="1400" dirty="0">
+                <a:solidFill>
+                  <a:schemeClr val="bg1"/>
+                </a:solidFill>
+                <a:latin typeface="Courier New" panose="02070309020205020404" pitchFamily="49" charset="0"/>
+                <a:cs typeface="Courier New" panose="02070309020205020404" pitchFamily="49" charset="0"/>
+              </a:rPr>
+              <a:t>(</a:t>
+            </a:r>
+            <a:r>
+              <a:rPr lang="zh-TW" altLang="en-US" sz="1400" dirty="0">
+                <a:solidFill>
+                  <a:schemeClr val="bg1"/>
+                </a:solidFill>
+                <a:latin typeface="Courier New" panose="02070309020205020404" pitchFamily="49" charset="0"/>
+                <a:cs typeface="Courier New" panose="02070309020205020404" pitchFamily="49" charset="0"/>
+              </a:rPr>
+              <a:t>複製</a:t>
+            </a:r>
+            <a:r>
+              <a:rPr lang="en-US" altLang="zh-TW" sz="1400" dirty="0">
+                <a:solidFill>
+                  <a:schemeClr val="bg1"/>
+                </a:solidFill>
+                <a:latin typeface="Courier New" panose="02070309020205020404" pitchFamily="49" charset="0"/>
+                <a:cs typeface="Courier New" panose="02070309020205020404" pitchFamily="49" charset="0"/>
+              </a:rPr>
+              <a:t>)</a:t>
+            </a:r>
+            <a:r>
+              <a:rPr lang="zh-TW" altLang="en-US" sz="1400" dirty="0">
+                <a:solidFill>
+                  <a:schemeClr val="bg1"/>
+                </a:solidFill>
+                <a:latin typeface="Courier New" panose="02070309020205020404" pitchFamily="49" charset="0"/>
+                <a:cs typeface="Courier New" panose="02070309020205020404" pitchFamily="49" charset="0"/>
+              </a:rPr>
+              <a:t>到這個資料夾目錄中</a:t>
+            </a:r>
+            <a:r>
+              <a:rPr lang="en-US" altLang="zh-TW" sz="1400" dirty="0">
+                <a:solidFill>
+                  <a:schemeClr val="bg1"/>
+                </a:solidFill>
+                <a:latin typeface="Courier New" panose="02070309020205020404" pitchFamily="49" charset="0"/>
+                <a:cs typeface="Courier New" panose="02070309020205020404" pitchFamily="49" charset="0"/>
+              </a:rPr>
+              <a:t>(clone</a:t>
+            </a:r>
+            <a:r>
+              <a:rPr lang="zh-TW" altLang="en-US" sz="1400" dirty="0">
+                <a:solidFill>
+                  <a:schemeClr val="bg1"/>
+                </a:solidFill>
+                <a:latin typeface="Courier New" panose="02070309020205020404" pitchFamily="49" charset="0"/>
+                <a:cs typeface="Courier New" panose="02070309020205020404" pitchFamily="49" charset="0"/>
+              </a:rPr>
+              <a:t>的資料包含所有的</a:t>
+            </a:r>
+            <a:r>
+              <a:rPr lang="en-US" altLang="zh-TW" sz="1400" dirty="0">
+                <a:solidFill>
+                  <a:schemeClr val="bg1"/>
+                </a:solidFill>
+                <a:latin typeface="Courier New" panose="02070309020205020404" pitchFamily="49" charset="0"/>
+                <a:cs typeface="Courier New" panose="02070309020205020404" pitchFamily="49" charset="0"/>
+              </a:rPr>
+              <a:t>git</a:t>
+            </a:r>
+            <a:r>
+              <a:rPr lang="zh-TW" altLang="en-US" sz="1400" dirty="0">
+                <a:solidFill>
+                  <a:schemeClr val="bg1"/>
+                </a:solidFill>
+                <a:latin typeface="Courier New" panose="02070309020205020404" pitchFamily="49" charset="0"/>
+                <a:cs typeface="Courier New" panose="02070309020205020404" pitchFamily="49" charset="0"/>
+              </a:rPr>
+              <a:t>數據，修改文件與修改記錄等</a:t>
+            </a:r>
+            <a:r>
+              <a:rPr lang="en-US" altLang="zh-TW" sz="1400" dirty="0">
+                <a:solidFill>
+                  <a:schemeClr val="bg1"/>
+                </a:solidFill>
+                <a:latin typeface="Courier New" panose="02070309020205020404" pitchFamily="49" charset="0"/>
+                <a:cs typeface="Courier New" panose="02070309020205020404" pitchFamily="49" charset="0"/>
+              </a:rPr>
+              <a:t>)</a:t>
+            </a:r>
+            <a:endParaRPr lang="zh-TW" altLang="en-US" sz="1400" dirty="0">
+              <a:solidFill>
+                <a:srgbClr val="00FF00"/>
+              </a:solidFill>
+              <a:latin typeface="Courier New" panose="02070309020205020404" pitchFamily="49" charset="0"/>
+              <a:cs typeface="Courier New" panose="02070309020205020404" pitchFamily="49" charset="0"/>
+            </a:endParaRPr>
+          </a:p>
+        </p:txBody>
+      </p:sp>
+      <p:sp>
+        <p:nvSpPr>
+          <p:cNvPr id="5" name="內容版面配置區 2">
+            <a:extLst>
+              <a:ext uri="{FF2B5EF4-FFF2-40B4-BE49-F238E27FC236}">
+                <a16:creationId xmlns:a16="http://schemas.microsoft.com/office/drawing/2014/main" id="{3E4E6351-AF2F-3258-B6B7-DD66AE5F33F3}"/>
+              </a:ext>
+            </a:extLst>
+          </p:cNvPr>
+          <p:cNvSpPr txBox="1">
+            <a:spLocks/>
+          </p:cNvSpPr>
+          <p:nvPr/>
+        </p:nvSpPr>
+        <p:spPr>
+          <a:xfrm>
+            <a:off x="1340358" y="2427667"/>
+            <a:ext cx="3912960" cy="442048"/>
+          </a:xfrm>
+          <a:prstGeom prst="rect">
+            <a:avLst/>
+          </a:prstGeom>
+        </p:spPr>
+        <p:txBody>
+          <a:bodyPr vert="horz" lIns="91440" tIns="45720" rIns="91440" bIns="45720" rtlCol="0" anchor="ctr" anchorCtr="0">
+            <a:normAutofit/>
+          </a:bodyPr>
+          <a:lstStyle>
+            <a:lvl1pPr marL="228600" indent="-228600" algn="l" defTabSz="914400" rtl="0" eaLnBrk="1" latinLnBrk="0" hangingPunct="1">
+              <a:lnSpc>
+                <a:spcPct val="120000"/>
+              </a:lnSpc>
+              <a:spcBef>
+                <a:spcPts val="1000"/>
+              </a:spcBef>
+              <a:buSzPct val="87000"/>
+              <a:buFont typeface="Arial" panose="020B0604020202020204" pitchFamily="34" charset="0"/>
+              <a:buChar char="•"/>
+              <a:defRPr sz="2000" kern="1200">
+                <a:solidFill>
+                  <a:schemeClr val="tx1"/>
+                </a:solidFill>
+                <a:latin typeface="+mn-lt"/>
+                <a:ea typeface="+mn-ea"/>
+                <a:cs typeface="+mn-cs"/>
+              </a:defRPr>
+            </a:lvl1pPr>
+            <a:lvl2pPr marL="493776" indent="-228600" algn="l" defTabSz="914400" rtl="0" eaLnBrk="1" latinLnBrk="0" hangingPunct="1">
+              <a:lnSpc>
+                <a:spcPct val="120000"/>
+              </a:lnSpc>
+              <a:spcBef>
+                <a:spcPts val="500"/>
+              </a:spcBef>
+              <a:buSzPct val="87000"/>
+              <a:buFont typeface="Arial" panose="020B0604020202020204" pitchFamily="34" charset="0"/>
+              <a:buChar char="•"/>
+              <a:defRPr sz="1800" kern="1200">
+                <a:solidFill>
+                  <a:schemeClr val="tx1"/>
+                </a:solidFill>
+                <a:latin typeface="+mn-lt"/>
+                <a:ea typeface="+mn-ea"/>
+                <a:cs typeface="+mn-cs"/>
+              </a:defRPr>
+            </a:lvl2pPr>
+            <a:lvl3pPr marL="731520" indent="-228600" algn="l" defTabSz="914400" rtl="0" eaLnBrk="1" latinLnBrk="0" hangingPunct="1">
+              <a:lnSpc>
+                <a:spcPct val="120000"/>
+              </a:lnSpc>
+              <a:spcBef>
+                <a:spcPts val="500"/>
+              </a:spcBef>
+              <a:buSzPct val="87000"/>
+              <a:buFont typeface="Arial" panose="020B0604020202020204" pitchFamily="34" charset="0"/>
+              <a:buChar char="•"/>
+              <a:defRPr sz="1600" kern="1200">
+                <a:solidFill>
+                  <a:schemeClr val="tx1"/>
+                </a:solidFill>
+                <a:latin typeface="+mn-lt"/>
+                <a:ea typeface="+mn-ea"/>
+                <a:cs typeface="+mn-cs"/>
+              </a:defRPr>
+            </a:lvl3pPr>
+            <a:lvl4pPr marL="1051560" indent="-285750" algn="l" defTabSz="914400" rtl="0" eaLnBrk="1" latinLnBrk="0" hangingPunct="1">
+              <a:lnSpc>
+                <a:spcPct val="120000"/>
+              </a:lnSpc>
+              <a:spcBef>
+                <a:spcPts val="500"/>
+              </a:spcBef>
+              <a:buSzPct val="87000"/>
+              <a:buFont typeface="Arial" panose="020B0604020202020204" pitchFamily="34" charset="0"/>
+              <a:buChar char="•"/>
+              <a:defRPr sz="1400" kern="1200">
+                <a:solidFill>
+                  <a:schemeClr val="tx1"/>
+                </a:solidFill>
+                <a:latin typeface="+mn-lt"/>
+                <a:ea typeface="+mn-ea"/>
+                <a:cs typeface="+mn-cs"/>
+              </a:defRPr>
+            </a:lvl4pPr>
+            <a:lvl5pPr marL="1298448" indent="-228600" algn="l" defTabSz="914400" rtl="0" eaLnBrk="1" latinLnBrk="0" hangingPunct="1">
+              <a:lnSpc>
+                <a:spcPct val="120000"/>
+              </a:lnSpc>
+              <a:spcBef>
+                <a:spcPts val="500"/>
+              </a:spcBef>
+              <a:buSzPct val="87000"/>
+              <a:buFont typeface="Arial" panose="020B0604020202020204" pitchFamily="34" charset="0"/>
+              <a:buChar char="•"/>
+              <a:defRPr sz="1400" kern="1200">
+                <a:solidFill>
+                  <a:schemeClr val="tx1"/>
+                </a:solidFill>
+                <a:latin typeface="+mn-lt"/>
+                <a:ea typeface="+mn-ea"/>
+                <a:cs typeface="+mn-cs"/>
+              </a:defRPr>
+            </a:lvl5pPr>
+            <a:lvl6pPr marL="2514600" indent="-228600" algn="l" defTabSz="914400" rtl="0" eaLnBrk="1" latinLnBrk="0" hangingPunct="1">
+              <a:lnSpc>
+                <a:spcPct val="90000"/>
+              </a:lnSpc>
+              <a:spcBef>
+                <a:spcPts val="500"/>
+              </a:spcBef>
+              <a:buFont typeface="Arial" panose="020B0604020202020204" pitchFamily="34" charset="0"/>
+              <a:buChar char="•"/>
+              <a:defRPr sz="1800" kern="1200">
+                <a:solidFill>
+                  <a:schemeClr val="tx1"/>
+                </a:solidFill>
+                <a:latin typeface="+mn-lt"/>
+                <a:ea typeface="+mn-ea"/>
+                <a:cs typeface="+mn-cs"/>
+              </a:defRPr>
+            </a:lvl6pPr>
+            <a:lvl7pPr marL="2971800" indent="-228600" algn="l" defTabSz="914400" rtl="0" eaLnBrk="1" latinLnBrk="0" hangingPunct="1">
+              <a:lnSpc>
+                <a:spcPct val="90000"/>
+              </a:lnSpc>
+              <a:spcBef>
+                <a:spcPts val="500"/>
+              </a:spcBef>
+              <a:buFont typeface="Arial" panose="020B0604020202020204" pitchFamily="34" charset="0"/>
+              <a:buChar char="•"/>
+              <a:defRPr sz="1800" kern="1200">
+                <a:solidFill>
+                  <a:schemeClr val="tx1"/>
+                </a:solidFill>
+                <a:latin typeface="+mn-lt"/>
+                <a:ea typeface="+mn-ea"/>
+                <a:cs typeface="+mn-cs"/>
+              </a:defRPr>
+            </a:lvl7pPr>
+            <a:lvl8pPr marL="3429000" indent="-228600" algn="l" defTabSz="914400" rtl="0" eaLnBrk="1" latinLnBrk="0" hangingPunct="1">
+              <a:lnSpc>
+                <a:spcPct val="90000"/>
+              </a:lnSpc>
+              <a:spcBef>
+                <a:spcPts val="500"/>
+              </a:spcBef>
+              <a:buFont typeface="Arial" panose="020B0604020202020204" pitchFamily="34" charset="0"/>
+              <a:buChar char="•"/>
+              <a:defRPr sz="1800" kern="1200">
+                <a:solidFill>
+                  <a:schemeClr val="tx1"/>
+                </a:solidFill>
+                <a:latin typeface="+mn-lt"/>
+                <a:ea typeface="+mn-ea"/>
+                <a:cs typeface="+mn-cs"/>
+              </a:defRPr>
+            </a:lvl8pPr>
+            <a:lvl9pPr marL="3886200" indent="-228600" algn="l" defTabSz="914400" rtl="0" eaLnBrk="1" latinLnBrk="0" hangingPunct="1">
+              <a:lnSpc>
+                <a:spcPct val="90000"/>
+              </a:lnSpc>
+              <a:spcBef>
+                <a:spcPts val="500"/>
+              </a:spcBef>
+              <a:buFont typeface="Arial" panose="020B0604020202020204" pitchFamily="34" charset="0"/>
+              <a:buChar char="•"/>
+              <a:defRPr sz="1800" kern="1200">
+                <a:solidFill>
+                  <a:schemeClr val="tx1"/>
+                </a:solidFill>
+                <a:latin typeface="+mn-lt"/>
+                <a:ea typeface="+mn-ea"/>
+                <a:cs typeface="+mn-cs"/>
+              </a:defRPr>
+            </a:lvl9pPr>
+          </a:lstStyle>
+          <a:p>
+            <a:pPr>
+              <a:buFont typeface="Wingdings" panose="05000000000000000000" pitchFamily="2" charset="2"/>
+              <a:buChar char="Ø"/>
+            </a:pPr>
+            <a:r>
+              <a:rPr lang="zh-TW" altLang="en-US" sz="1600" dirty="0">
+                <a:solidFill>
+                  <a:schemeClr val="bg1"/>
+                </a:solidFill>
+              </a:rPr>
+              <a:t>切換到本地端的任何一個資料夾目錄</a:t>
+            </a:r>
+          </a:p>
+        </p:txBody>
+      </p:sp>
+      <p:sp>
+        <p:nvSpPr>
+          <p:cNvPr id="7" name="文字方塊 6">
+            <a:extLst>
+              <a:ext uri="{FF2B5EF4-FFF2-40B4-BE49-F238E27FC236}">
+                <a16:creationId xmlns:a16="http://schemas.microsoft.com/office/drawing/2014/main" id="{002516ED-66B6-B264-2523-0129E2180980}"/>
+              </a:ext>
+            </a:extLst>
+          </p:cNvPr>
+          <p:cNvSpPr txBox="1"/>
+          <p:nvPr/>
+        </p:nvSpPr>
+        <p:spPr>
+          <a:xfrm>
+            <a:off x="2651883" y="5961479"/>
+            <a:ext cx="7413882" cy="461665"/>
+          </a:xfrm>
+          <a:prstGeom prst="rect">
+            <a:avLst/>
+          </a:prstGeom>
+          <a:noFill/>
+        </p:spPr>
+        <p:txBody>
+          <a:bodyPr wrap="square" rtlCol="0">
+            <a:spAutoFit/>
+          </a:bodyPr>
+          <a:lstStyle/>
+          <a:p>
+            <a:pPr algn="ctr"/>
+            <a:r>
+              <a:rPr lang="en-US" altLang="zh-TW" sz="1200" dirty="0">
+                <a:solidFill>
+                  <a:schemeClr val="bg1">
+                    <a:lumMod val="65000"/>
+                  </a:schemeClr>
+                </a:solidFill>
+                <a:latin typeface="Courier New" panose="02070309020205020404" pitchFamily="49" charset="0"/>
+                <a:cs typeface="Courier New" panose="02070309020205020404" pitchFamily="49" charset="0"/>
+              </a:rPr>
+              <a:t>Clone</a:t>
+            </a:r>
+            <a:r>
+              <a:rPr lang="zh-TW" altLang="en-US" sz="1200" dirty="0">
+                <a:solidFill>
+                  <a:schemeClr val="bg1">
+                    <a:lumMod val="65000"/>
+                  </a:schemeClr>
+                </a:solidFill>
+                <a:latin typeface="Courier New" panose="02070309020205020404" pitchFamily="49" charset="0"/>
+                <a:cs typeface="Courier New" panose="02070309020205020404" pitchFamily="49" charset="0"/>
+              </a:rPr>
+              <a:t>完成後會出現</a:t>
+            </a:r>
+            <a:r>
+              <a:rPr lang="en-US" altLang="zh-TW" sz="1200" dirty="0">
+                <a:solidFill>
+                  <a:schemeClr val="bg1">
+                    <a:lumMod val="65000"/>
+                  </a:schemeClr>
+                </a:solidFill>
+                <a:latin typeface="Courier New" panose="02070309020205020404" pitchFamily="49" charset="0"/>
+                <a:cs typeface="Courier New" panose="02070309020205020404" pitchFamily="49" charset="0"/>
+              </a:rPr>
+              <a:t>“cloning</a:t>
+            </a:r>
+            <a:r>
+              <a:rPr lang="zh-TW" altLang="en-US" sz="1200" dirty="0">
+                <a:solidFill>
+                  <a:schemeClr val="bg1">
+                    <a:lumMod val="65000"/>
+                  </a:schemeClr>
+                </a:solidFill>
+                <a:latin typeface="Courier New" panose="02070309020205020404" pitchFamily="49" charset="0"/>
+                <a:cs typeface="Courier New" panose="02070309020205020404" pitchFamily="49" charset="0"/>
+              </a:rPr>
+              <a:t> </a:t>
+            </a:r>
+            <a:r>
+              <a:rPr lang="en-US" altLang="zh-TW" sz="1200" dirty="0">
+                <a:solidFill>
+                  <a:schemeClr val="bg1">
+                    <a:lumMod val="65000"/>
+                  </a:schemeClr>
+                </a:solidFill>
+                <a:latin typeface="Courier New" panose="02070309020205020404" pitchFamily="49" charset="0"/>
+                <a:cs typeface="Courier New" panose="02070309020205020404" pitchFamily="49" charset="0"/>
+              </a:rPr>
+              <a:t>into</a:t>
+            </a:r>
+            <a:r>
+              <a:rPr lang="zh-TW" altLang="en-US" sz="1200" dirty="0">
+                <a:solidFill>
+                  <a:schemeClr val="bg1">
+                    <a:lumMod val="65000"/>
+                  </a:schemeClr>
+                </a:solidFill>
+                <a:latin typeface="Courier New" panose="02070309020205020404" pitchFamily="49" charset="0"/>
+                <a:cs typeface="Courier New" panose="02070309020205020404" pitchFamily="49" charset="0"/>
+              </a:rPr>
+              <a:t> </a:t>
+            </a:r>
+            <a:r>
+              <a:rPr lang="en-US" altLang="zh-TW" sz="1200" dirty="0">
+                <a:solidFill>
+                  <a:schemeClr val="bg1">
+                    <a:lumMod val="65000"/>
+                  </a:schemeClr>
+                </a:solidFill>
+                <a:latin typeface="Courier New" panose="02070309020205020404" pitchFamily="49" charset="0"/>
+                <a:cs typeface="Courier New" panose="02070309020205020404" pitchFamily="49" charset="0"/>
+              </a:rPr>
+              <a:t>‘RemoteGit’</a:t>
+            </a:r>
+            <a:r>
+              <a:rPr lang="zh-TW" altLang="en-US" sz="1200" dirty="0">
+                <a:solidFill>
+                  <a:schemeClr val="bg1">
+                    <a:lumMod val="65000"/>
+                  </a:schemeClr>
+                </a:solidFill>
+                <a:latin typeface="Courier New" panose="02070309020205020404" pitchFamily="49" charset="0"/>
+                <a:cs typeface="Courier New" panose="02070309020205020404" pitchFamily="49" charset="0"/>
+              </a:rPr>
+              <a:t>字樣，同時在資料夾中會出現</a:t>
+            </a:r>
+            <a:r>
+              <a:rPr lang="en-US" altLang="zh-TW" sz="1200" dirty="0">
+                <a:solidFill>
+                  <a:schemeClr val="bg1">
+                    <a:lumMod val="65000"/>
+                  </a:schemeClr>
+                </a:solidFill>
+                <a:latin typeface="Courier New" panose="02070309020205020404" pitchFamily="49" charset="0"/>
+                <a:cs typeface="Courier New" panose="02070309020205020404" pitchFamily="49" charset="0"/>
+              </a:rPr>
+              <a:t>clone</a:t>
+            </a:r>
+            <a:r>
+              <a:rPr lang="zh-TW" altLang="en-US" sz="1200" dirty="0">
+                <a:solidFill>
+                  <a:schemeClr val="bg1">
+                    <a:lumMod val="65000"/>
+                  </a:schemeClr>
+                </a:solidFill>
+                <a:latin typeface="Courier New" panose="02070309020205020404" pitchFamily="49" charset="0"/>
+                <a:cs typeface="Courier New" panose="02070309020205020404" pitchFamily="49" charset="0"/>
+              </a:rPr>
+              <a:t>下來的所有數據</a:t>
+            </a:r>
+            <a:endParaRPr lang="en-US" altLang="zh-TW" sz="1200" dirty="0">
+              <a:solidFill>
+                <a:schemeClr val="bg1">
+                  <a:lumMod val="65000"/>
+                </a:schemeClr>
+              </a:solidFill>
+              <a:latin typeface="Courier New" panose="02070309020205020404" pitchFamily="49" charset="0"/>
+              <a:cs typeface="Courier New" panose="02070309020205020404" pitchFamily="49" charset="0"/>
+            </a:endParaRPr>
+          </a:p>
+          <a:p>
+            <a:pPr algn="ctr"/>
+            <a:r>
+              <a:rPr lang="en-US" altLang="zh-TW" sz="1200" dirty="0">
+                <a:solidFill>
+                  <a:schemeClr val="bg1">
+                    <a:lumMod val="65000"/>
+                  </a:schemeClr>
+                </a:solidFill>
+                <a:latin typeface="Courier New" panose="02070309020205020404" pitchFamily="49" charset="0"/>
+                <a:cs typeface="Courier New" panose="02070309020205020404" pitchFamily="49" charset="0"/>
+              </a:rPr>
+              <a:t>(</a:t>
+            </a:r>
+            <a:r>
+              <a:rPr lang="zh-TW" altLang="en-US" sz="1200" dirty="0">
+                <a:solidFill>
+                  <a:schemeClr val="bg1">
+                    <a:lumMod val="65000"/>
+                  </a:schemeClr>
+                </a:solidFill>
+                <a:latin typeface="Courier New" panose="02070309020205020404" pitchFamily="49" charset="0"/>
+                <a:cs typeface="Courier New" panose="02070309020205020404" pitchFamily="49" charset="0"/>
+              </a:rPr>
+              <a:t>與遠端</a:t>
+            </a:r>
+            <a:r>
+              <a:rPr lang="en-US" altLang="zh-TW" sz="1200" dirty="0">
+                <a:solidFill>
+                  <a:schemeClr val="bg1">
+                    <a:lumMod val="65000"/>
+                  </a:schemeClr>
+                </a:solidFill>
+                <a:latin typeface="Courier New" panose="02070309020205020404" pitchFamily="49" charset="0"/>
+                <a:cs typeface="Courier New" panose="02070309020205020404" pitchFamily="49" charset="0"/>
+              </a:rPr>
+              <a:t>git</a:t>
+            </a:r>
+            <a:r>
+              <a:rPr lang="zh-TW" altLang="en-US" sz="1200" dirty="0">
+                <a:solidFill>
+                  <a:schemeClr val="bg1">
+                    <a:lumMod val="65000"/>
+                  </a:schemeClr>
+                </a:solidFill>
+                <a:latin typeface="Courier New" panose="02070309020205020404" pitchFamily="49" charset="0"/>
+                <a:cs typeface="Courier New" panose="02070309020205020404" pitchFamily="49" charset="0"/>
+              </a:rPr>
+              <a:t> </a:t>
+            </a:r>
+            <a:r>
+              <a:rPr lang="en-US" altLang="zh-TW" sz="1200" dirty="0">
+                <a:solidFill>
+                  <a:schemeClr val="bg1">
+                    <a:lumMod val="65000"/>
+                  </a:schemeClr>
+                </a:solidFill>
+                <a:latin typeface="Courier New" panose="02070309020205020404" pitchFamily="49" charset="0"/>
+                <a:cs typeface="Courier New" panose="02070309020205020404" pitchFamily="49" charset="0"/>
+              </a:rPr>
+              <a:t>repositor</a:t>
+            </a:r>
+            <a:r>
+              <a:rPr lang="zh-TW" altLang="en-US" sz="1200" dirty="0">
+                <a:solidFill>
+                  <a:schemeClr val="bg1">
+                    <a:lumMod val="65000"/>
+                  </a:schemeClr>
+                </a:solidFill>
+                <a:latin typeface="Courier New" panose="02070309020205020404" pitchFamily="49" charset="0"/>
+                <a:cs typeface="Courier New" panose="02070309020205020404" pitchFamily="49" charset="0"/>
+              </a:rPr>
+              <a:t>相同的資料內容</a:t>
+            </a:r>
+            <a:r>
+              <a:rPr lang="en-US" altLang="zh-TW" sz="1200" dirty="0">
+                <a:solidFill>
+                  <a:schemeClr val="bg1">
+                    <a:lumMod val="65000"/>
+                  </a:schemeClr>
+                </a:solidFill>
+                <a:latin typeface="Courier New" panose="02070309020205020404" pitchFamily="49" charset="0"/>
+                <a:cs typeface="Courier New" panose="02070309020205020404" pitchFamily="49" charset="0"/>
+              </a:rPr>
+              <a:t>)</a:t>
+            </a:r>
+          </a:p>
+        </p:txBody>
+      </p:sp>
+      <p:sp>
+        <p:nvSpPr>
+          <p:cNvPr id="9" name="文字方塊 8">
+            <a:extLst>
+              <a:ext uri="{FF2B5EF4-FFF2-40B4-BE49-F238E27FC236}">
+                <a16:creationId xmlns:a16="http://schemas.microsoft.com/office/drawing/2014/main" id="{4A8DDC12-9A75-AB04-9570-3EA587CC7131}"/>
+              </a:ext>
+            </a:extLst>
+          </p:cNvPr>
+          <p:cNvSpPr txBox="1"/>
+          <p:nvPr/>
+        </p:nvSpPr>
+        <p:spPr>
+          <a:xfrm>
+            <a:off x="1918377" y="3877170"/>
+            <a:ext cx="5854023" cy="461665"/>
+          </a:xfrm>
+          <a:prstGeom prst="rect">
+            <a:avLst/>
+          </a:prstGeom>
+          <a:noFill/>
+        </p:spPr>
+        <p:txBody>
+          <a:bodyPr wrap="square" rtlCol="0">
+            <a:spAutoFit/>
+          </a:bodyPr>
+          <a:lstStyle/>
+          <a:p>
+            <a:r>
+              <a:rPr lang="en-US" altLang="zh-TW" sz="1200" dirty="0">
+                <a:solidFill>
+                  <a:srgbClr val="00FF00"/>
+                </a:solidFill>
+                <a:latin typeface="Courier New" panose="02070309020205020404" pitchFamily="49" charset="0"/>
+                <a:cs typeface="Courier New" panose="02070309020205020404" pitchFamily="49" charset="0"/>
+              </a:rPr>
+              <a:t>tengc@MSI </a:t>
+            </a:r>
+            <a:r>
+              <a:rPr lang="en-US" altLang="zh-TW" sz="1200" dirty="0">
+                <a:solidFill>
+                  <a:srgbClr val="FF00FF"/>
+                </a:solidFill>
+                <a:latin typeface="Courier New" panose="02070309020205020404" pitchFamily="49" charset="0"/>
+                <a:cs typeface="Courier New" panose="02070309020205020404" pitchFamily="49" charset="0"/>
+              </a:rPr>
+              <a:t>MINGW64</a:t>
+            </a:r>
+            <a:r>
+              <a:rPr lang="en-US" altLang="zh-TW" sz="1200" dirty="0">
+                <a:solidFill>
+                  <a:srgbClr val="00FF00"/>
+                </a:solidFill>
+                <a:latin typeface="Courier New" panose="02070309020205020404" pitchFamily="49" charset="0"/>
+                <a:cs typeface="Courier New" panose="02070309020205020404" pitchFamily="49" charset="0"/>
+              </a:rPr>
+              <a:t> </a:t>
+            </a:r>
+            <a:r>
+              <a:rPr lang="en-US" altLang="zh-TW" sz="1200" dirty="0">
+                <a:solidFill>
+                  <a:srgbClr val="FFC000"/>
+                </a:solidFill>
+                <a:latin typeface="Courier New" panose="02070309020205020404" pitchFamily="49" charset="0"/>
+                <a:cs typeface="Courier New" panose="02070309020205020404" pitchFamily="49" charset="0"/>
+              </a:rPr>
+              <a:t>/d/Daniel_SIDE_PROJECT/clone_test</a:t>
+            </a:r>
+            <a:endParaRPr lang="en-US" altLang="zh-TW" sz="1200" dirty="0">
+              <a:solidFill>
+                <a:srgbClr val="33CCCC"/>
+              </a:solidFill>
+              <a:latin typeface="Courier New" panose="02070309020205020404" pitchFamily="49" charset="0"/>
+              <a:cs typeface="Courier New" panose="02070309020205020404" pitchFamily="49" charset="0"/>
+            </a:endParaRPr>
+          </a:p>
+          <a:p>
+            <a:r>
+              <a:rPr lang="en-US" altLang="zh-TW" sz="1200" dirty="0">
+                <a:solidFill>
+                  <a:schemeClr val="bg1"/>
+                </a:solidFill>
+                <a:latin typeface="Courier New" panose="02070309020205020404" pitchFamily="49" charset="0"/>
+                <a:cs typeface="Courier New" panose="02070309020205020404" pitchFamily="49" charset="0"/>
+              </a:rPr>
+              <a:t>$</a:t>
+            </a:r>
+            <a:r>
+              <a:rPr lang="en-US" altLang="zh-TW" sz="1200" dirty="0">
+                <a:solidFill>
+                  <a:srgbClr val="00FF00"/>
+                </a:solidFill>
+                <a:latin typeface="Courier New" panose="02070309020205020404" pitchFamily="49" charset="0"/>
+                <a:cs typeface="Courier New" panose="02070309020205020404" pitchFamily="49" charset="0"/>
+              </a:rPr>
+              <a:t> git clone d:/Daniel_SIDE_PROJECT/TestDoc/RemoteGit.git</a:t>
+            </a:r>
+          </a:p>
+        </p:txBody>
+      </p:sp>
+      <p:sp>
+        <p:nvSpPr>
+          <p:cNvPr id="12" name="文字方塊 11">
+            <a:extLst>
+              <a:ext uri="{FF2B5EF4-FFF2-40B4-BE49-F238E27FC236}">
+                <a16:creationId xmlns:a16="http://schemas.microsoft.com/office/drawing/2014/main" id="{67E96BE7-C838-22D6-A2E7-A3E3DBCB7C55}"/>
+              </a:ext>
+            </a:extLst>
+          </p:cNvPr>
+          <p:cNvSpPr txBox="1"/>
+          <p:nvPr/>
+        </p:nvSpPr>
+        <p:spPr>
+          <a:xfrm>
+            <a:off x="7353667" y="3987061"/>
+            <a:ext cx="4003019" cy="276999"/>
+          </a:xfrm>
+          <a:prstGeom prst="rect">
+            <a:avLst/>
+          </a:prstGeom>
+          <a:noFill/>
+        </p:spPr>
+        <p:txBody>
+          <a:bodyPr wrap="square" rtlCol="0">
+            <a:spAutoFit/>
+          </a:bodyPr>
+          <a:lstStyle/>
+          <a:p>
+            <a:r>
+              <a:rPr lang="zh-TW" altLang="en-US" sz="1200" dirty="0">
+                <a:solidFill>
+                  <a:schemeClr val="bg1"/>
+                </a:solidFill>
+                <a:latin typeface="Courier New" panose="02070309020205020404" pitchFamily="49" charset="0"/>
+                <a:cs typeface="Courier New" panose="02070309020205020404" pitchFamily="49" charset="0"/>
+              </a:rPr>
+              <a:t>語法 </a:t>
+            </a:r>
+            <a:r>
+              <a:rPr lang="en-US" altLang="zh-TW" sz="1200" dirty="0">
+                <a:solidFill>
+                  <a:schemeClr val="bg1"/>
+                </a:solidFill>
+                <a:latin typeface="Courier New" panose="02070309020205020404" pitchFamily="49" charset="0"/>
+                <a:cs typeface="Courier New" panose="02070309020205020404" pitchFamily="49" charset="0"/>
+              </a:rPr>
+              <a:t>:</a:t>
+            </a:r>
+            <a:r>
+              <a:rPr lang="zh-TW" altLang="en-US" sz="1200" dirty="0">
+                <a:solidFill>
+                  <a:schemeClr val="bg1"/>
+                </a:solidFill>
+                <a:latin typeface="Courier New" panose="02070309020205020404" pitchFamily="49" charset="0"/>
+                <a:cs typeface="Courier New" panose="02070309020205020404" pitchFamily="49" charset="0"/>
+              </a:rPr>
+              <a:t> </a:t>
+            </a:r>
+            <a:r>
+              <a:rPr lang="en-US" altLang="zh-TW" sz="1200" dirty="0">
+                <a:solidFill>
+                  <a:schemeClr val="bg1"/>
+                </a:solidFill>
+                <a:latin typeface="Courier New" panose="02070309020205020404" pitchFamily="49" charset="0"/>
+                <a:cs typeface="Courier New" panose="02070309020205020404" pitchFamily="49" charset="0"/>
+              </a:rPr>
+              <a:t>$</a:t>
+            </a:r>
+            <a:r>
+              <a:rPr lang="zh-TW" altLang="en-US" sz="1200" dirty="0">
+                <a:solidFill>
+                  <a:schemeClr val="bg1"/>
+                </a:solidFill>
+                <a:latin typeface="Courier New" panose="02070309020205020404" pitchFamily="49" charset="0"/>
+                <a:cs typeface="Courier New" panose="02070309020205020404" pitchFamily="49" charset="0"/>
+              </a:rPr>
+              <a:t> </a:t>
+            </a:r>
+            <a:r>
+              <a:rPr lang="en-US" altLang="zh-TW" sz="1200" dirty="0">
+                <a:solidFill>
+                  <a:schemeClr val="bg1"/>
+                </a:solidFill>
+                <a:latin typeface="Courier New" panose="02070309020205020404" pitchFamily="49" charset="0"/>
+                <a:cs typeface="Courier New" panose="02070309020205020404" pitchFamily="49" charset="0"/>
+              </a:rPr>
+              <a:t>git </a:t>
+            </a:r>
+            <a:r>
+              <a:rPr lang="zh-TW" altLang="en-US" sz="1200" dirty="0">
+                <a:solidFill>
+                  <a:schemeClr val="bg1"/>
+                </a:solidFill>
+                <a:latin typeface="Courier New" panose="02070309020205020404" pitchFamily="49" charset="0"/>
+                <a:cs typeface="Courier New" panose="02070309020205020404" pitchFamily="49" charset="0"/>
+              </a:rPr>
+              <a:t>命令</a:t>
+            </a:r>
+            <a:r>
+              <a:rPr lang="en-US" altLang="zh-TW" sz="1200" dirty="0">
+                <a:solidFill>
+                  <a:schemeClr val="bg1"/>
+                </a:solidFill>
+                <a:latin typeface="Courier New" panose="02070309020205020404" pitchFamily="49" charset="0"/>
+                <a:cs typeface="Courier New" panose="02070309020205020404" pitchFamily="49" charset="0"/>
+              </a:rPr>
+              <a:t>(clone) </a:t>
+            </a:r>
+            <a:r>
+              <a:rPr lang="zh-TW" altLang="en-US" sz="1200" dirty="0">
+                <a:solidFill>
+                  <a:schemeClr val="bg1"/>
+                </a:solidFill>
+                <a:latin typeface="Courier New" panose="02070309020205020404" pitchFamily="49" charset="0"/>
+                <a:cs typeface="Courier New" panose="02070309020205020404" pitchFamily="49" charset="0"/>
+              </a:rPr>
+              <a:t>參數</a:t>
+            </a:r>
+            <a:r>
+              <a:rPr lang="en-US" altLang="zh-TW" sz="1200" dirty="0">
+                <a:solidFill>
+                  <a:schemeClr val="bg1"/>
+                </a:solidFill>
+                <a:latin typeface="Courier New" panose="02070309020205020404" pitchFamily="49" charset="0"/>
+                <a:cs typeface="Courier New" panose="02070309020205020404" pitchFamily="49" charset="0"/>
+              </a:rPr>
+              <a:t>(</a:t>
+            </a:r>
+            <a:r>
+              <a:rPr lang="zh-TW" altLang="en-US" sz="1200" dirty="0">
+                <a:solidFill>
+                  <a:schemeClr val="bg1"/>
+                </a:solidFill>
+                <a:latin typeface="Courier New" panose="02070309020205020404" pitchFamily="49" charset="0"/>
+                <a:cs typeface="Courier New" panose="02070309020205020404" pitchFamily="49" charset="0"/>
+              </a:rPr>
+              <a:t>遠端節點的</a:t>
+            </a:r>
+            <a:r>
+              <a:rPr lang="en-US" altLang="zh-TW" sz="1200" dirty="0">
+                <a:solidFill>
+                  <a:schemeClr val="bg1"/>
+                </a:solidFill>
+                <a:latin typeface="Courier New" panose="02070309020205020404" pitchFamily="49" charset="0"/>
+                <a:cs typeface="Courier New" panose="02070309020205020404" pitchFamily="49" charset="0"/>
+              </a:rPr>
+              <a:t>URL)</a:t>
+            </a:r>
+            <a:endParaRPr lang="en-US" altLang="zh-TW" sz="1200" dirty="0">
+              <a:solidFill>
+                <a:srgbClr val="33CCCC"/>
+              </a:solidFill>
+              <a:latin typeface="Courier New" panose="02070309020205020404" pitchFamily="49" charset="0"/>
+              <a:cs typeface="Courier New" panose="02070309020205020404" pitchFamily="49" charset="0"/>
+            </a:endParaRPr>
+          </a:p>
+        </p:txBody>
+      </p:sp>
+      <p:pic>
+        <p:nvPicPr>
+          <p:cNvPr id="14" name="圖片 13">
+            <a:extLst>
+              <a:ext uri="{FF2B5EF4-FFF2-40B4-BE49-F238E27FC236}">
+                <a16:creationId xmlns:a16="http://schemas.microsoft.com/office/drawing/2014/main" id="{492FC85C-2A0A-EBA7-92F9-B547E58A371D}"/>
+              </a:ext>
+            </a:extLst>
+          </p:cNvPr>
+          <p:cNvPicPr>
+            <a:picLocks noChangeAspect="1"/>
+          </p:cNvPicPr>
+          <p:nvPr/>
+        </p:nvPicPr>
+        <p:blipFill>
+          <a:blip r:embed="rId2"/>
+          <a:stretch>
+            <a:fillRect/>
+          </a:stretch>
+        </p:blipFill>
+        <p:spPr>
+          <a:xfrm>
+            <a:off x="1972166" y="4815220"/>
+            <a:ext cx="4873346" cy="669875"/>
+          </a:xfrm>
+          <a:prstGeom prst="rect">
+            <a:avLst/>
+          </a:prstGeom>
+        </p:spPr>
+      </p:pic>
+      <p:pic>
+        <p:nvPicPr>
+          <p:cNvPr id="16" name="圖片 15">
+            <a:extLst>
+              <a:ext uri="{FF2B5EF4-FFF2-40B4-BE49-F238E27FC236}">
+                <a16:creationId xmlns:a16="http://schemas.microsoft.com/office/drawing/2014/main" id="{17A26E90-04F3-1D47-34C8-8BA38B4F8886}"/>
+              </a:ext>
+            </a:extLst>
+          </p:cNvPr>
+          <p:cNvPicPr>
+            <a:picLocks noChangeAspect="1"/>
+          </p:cNvPicPr>
+          <p:nvPr/>
+        </p:nvPicPr>
+        <p:blipFill>
+          <a:blip r:embed="rId3"/>
+          <a:stretch>
+            <a:fillRect/>
+          </a:stretch>
+        </p:blipFill>
+        <p:spPr>
+          <a:xfrm>
+            <a:off x="7541926" y="4786171"/>
+            <a:ext cx="3012296" cy="727972"/>
+          </a:xfrm>
+          <a:prstGeom prst="rect">
+            <a:avLst/>
+          </a:prstGeom>
+        </p:spPr>
+      </p:pic>
+    </p:spTree>
+    <p:extLst>
+      <p:ext uri="{BB962C8B-B14F-4D97-AF65-F5344CB8AC3E}">
+        <p14:creationId xmlns:p14="http://schemas.microsoft.com/office/powerpoint/2010/main" val="961174090"/>
+      </p:ext>
+    </p:extLst>
+  </p:cSld>
+  <p:clrMapOvr>
+    <a:masterClrMapping/>
+  </p:clrMapOvr>
+</p:sld>
+</file>
+
+<file path=ppt/slides/slide13.xml><?xml version="1.0" encoding="utf-8"?>
+<p:sld xmlns:a="http://schemas.openxmlformats.org/drawingml/2006/main" xmlns:r="http://schemas.openxmlformats.org/officeDocument/2006/relationships" xmlns:p="http://schemas.openxmlformats.org/presentationml/2006/main">
+  <p:cSld>
+    <p:bg>
+      <p:bgPr>
+        <a:solidFill>
+          <a:schemeClr val="tx1">
+            <a:lumMod val="75000"/>
+            <a:lumOff val="25000"/>
+          </a:schemeClr>
+        </a:solidFill>
+        <a:effectLst/>
+      </p:bgPr>
+    </p:bg>
+    <p:spTree>
+      <p:nvGrpSpPr>
+        <p:cNvPr id="1" name="">
+          <a:extLst>
+            <a:ext uri="{FF2B5EF4-FFF2-40B4-BE49-F238E27FC236}">
+              <a16:creationId xmlns:a16="http://schemas.microsoft.com/office/drawing/2014/main" id="{8346F350-29EB-5802-A831-30FEAB3E8ADB}"/>
+            </a:ext>
+          </a:extLst>
+        </p:cNvPr>
+        <p:cNvGrpSpPr/>
+        <p:nvPr/>
+      </p:nvGrpSpPr>
+      <p:grpSpPr>
+        <a:xfrm>
+          <a:off x="0" y="0"/>
+          <a:ext cx="0" cy="0"/>
+          <a:chOff x="0" y="0"/>
+          <a:chExt cx="0" cy="0"/>
+        </a:xfrm>
+      </p:grpSpPr>
+      <p:sp>
+        <p:nvSpPr>
+          <p:cNvPr id="2" name="標題 1">
+            <a:extLst>
+              <a:ext uri="{FF2B5EF4-FFF2-40B4-BE49-F238E27FC236}">
+                <a16:creationId xmlns:a16="http://schemas.microsoft.com/office/drawing/2014/main" id="{B45814E1-0D07-DF36-BF95-E4D00FA9AAAE}"/>
+              </a:ext>
+            </a:extLst>
+          </p:cNvPr>
+          <p:cNvSpPr>
+            <a:spLocks noGrp="1"/>
+          </p:cNvSpPr>
+          <p:nvPr>
+            <p:ph type="title"/>
+          </p:nvPr>
+        </p:nvSpPr>
+        <p:spPr>
+          <a:xfrm>
+            <a:off x="640079" y="1102718"/>
+            <a:ext cx="10890929" cy="662474"/>
+          </a:xfrm>
+        </p:spPr>
+        <p:txBody>
+          <a:bodyPr anchor="ctr" anchorCtr="0">
+            <a:normAutofit/>
+          </a:bodyPr>
+          <a:lstStyle/>
+          <a:p>
+            <a:r>
+              <a:rPr lang="en-US" altLang="zh-TW" sz="3200" dirty="0">
+                <a:solidFill>
+                  <a:srgbClr val="FFC000"/>
+                </a:solidFill>
+              </a:rPr>
+              <a:t>Git Bash – Command Line</a:t>
+            </a:r>
+            <a:endParaRPr lang="zh-TW" altLang="en-US" sz="3200" dirty="0">
+              <a:solidFill>
+                <a:srgbClr val="FFC000"/>
+              </a:solidFill>
+            </a:endParaRPr>
+          </a:p>
+        </p:txBody>
+      </p:sp>
+      <p:sp>
+        <p:nvSpPr>
+          <p:cNvPr id="3" name="內容版面配置區 2">
+            <a:extLst>
+              <a:ext uri="{FF2B5EF4-FFF2-40B4-BE49-F238E27FC236}">
+                <a16:creationId xmlns:a16="http://schemas.microsoft.com/office/drawing/2014/main" id="{2D0A11D7-C4A5-9A8A-FFD3-492AD1210420}"/>
+              </a:ext>
+            </a:extLst>
+          </p:cNvPr>
+          <p:cNvSpPr>
+            <a:spLocks noGrp="1"/>
+          </p:cNvSpPr>
+          <p:nvPr>
+            <p:ph idx="1"/>
+          </p:nvPr>
+        </p:nvSpPr>
+        <p:spPr>
+          <a:xfrm>
+            <a:off x="797097" y="1765192"/>
+            <a:ext cx="5496127" cy="547027"/>
+          </a:xfrm>
+        </p:spPr>
+        <p:txBody>
+          <a:bodyPr anchor="ctr" anchorCtr="0">
+            <a:noAutofit/>
+          </a:bodyPr>
+          <a:lstStyle/>
+          <a:p>
+            <a:pPr>
+              <a:buFont typeface="Wingdings" panose="05000000000000000000" pitchFamily="2" charset="2"/>
+              <a:buChar char="l"/>
+            </a:pPr>
+            <a:r>
+              <a:rPr lang="zh-TW" altLang="en-US" dirty="0">
+                <a:solidFill>
+                  <a:srgbClr val="00B0F0"/>
+                </a:solidFill>
+              </a:rPr>
+              <a:t> </a:t>
+            </a:r>
+            <a:r>
+              <a:rPr lang="en-US" altLang="zh-TW" dirty="0">
+                <a:solidFill>
+                  <a:srgbClr val="00B0F0"/>
+                </a:solidFill>
+              </a:rPr>
+              <a:t>Push(</a:t>
+            </a:r>
+            <a:r>
+              <a:rPr lang="zh-TW" altLang="en-US" dirty="0">
+                <a:solidFill>
+                  <a:srgbClr val="00B0F0"/>
+                </a:solidFill>
+              </a:rPr>
+              <a:t>推送</a:t>
+            </a:r>
+            <a:r>
+              <a:rPr lang="en-US" altLang="zh-TW" dirty="0">
+                <a:solidFill>
+                  <a:srgbClr val="00B0F0"/>
+                </a:solidFill>
+              </a:rPr>
+              <a:t>)</a:t>
+            </a:r>
+            <a:r>
+              <a:rPr lang="zh-TW" altLang="en-US" dirty="0">
+                <a:solidFill>
+                  <a:srgbClr val="00B0F0"/>
+                </a:solidFill>
+              </a:rPr>
+              <a:t>數據到遠端</a:t>
+            </a:r>
+            <a:r>
+              <a:rPr lang="en-US" altLang="zh-TW" dirty="0">
+                <a:solidFill>
+                  <a:srgbClr val="00B0F0"/>
+                </a:solidFill>
+              </a:rPr>
+              <a:t>Git</a:t>
+            </a:r>
+            <a:r>
+              <a:rPr lang="zh-TW" altLang="en-US" dirty="0">
+                <a:solidFill>
+                  <a:srgbClr val="00B0F0"/>
+                </a:solidFill>
+              </a:rPr>
+              <a:t> </a:t>
+            </a:r>
+            <a:r>
+              <a:rPr lang="en-US" altLang="zh-TW" dirty="0">
+                <a:solidFill>
+                  <a:srgbClr val="00B0F0"/>
+                </a:solidFill>
+              </a:rPr>
+              <a:t>Repository</a:t>
+            </a:r>
+            <a:r>
+              <a:rPr lang="zh-TW" altLang="en-US" dirty="0">
+                <a:solidFill>
+                  <a:srgbClr val="00B0F0"/>
+                </a:solidFill>
+              </a:rPr>
+              <a:t>目錄</a:t>
+            </a:r>
+          </a:p>
+        </p:txBody>
+      </p:sp>
+      <p:sp>
+        <p:nvSpPr>
+          <p:cNvPr id="4" name="文字方塊 3">
+            <a:extLst>
+              <a:ext uri="{FF2B5EF4-FFF2-40B4-BE49-F238E27FC236}">
+                <a16:creationId xmlns:a16="http://schemas.microsoft.com/office/drawing/2014/main" id="{2C87BD18-FA3B-985B-54C0-EF9B35A851F1}"/>
+              </a:ext>
+            </a:extLst>
+          </p:cNvPr>
+          <p:cNvSpPr txBox="1"/>
+          <p:nvPr/>
+        </p:nvSpPr>
+        <p:spPr>
+          <a:xfrm>
+            <a:off x="1717954" y="2625876"/>
+            <a:ext cx="9918234" cy="387927"/>
+          </a:xfrm>
+          <a:prstGeom prst="rect">
+            <a:avLst/>
+          </a:prstGeom>
+          <a:noFill/>
+        </p:spPr>
+        <p:txBody>
+          <a:bodyPr wrap="square" rtlCol="0">
+            <a:spAutoFit/>
+          </a:bodyPr>
+          <a:lstStyle/>
+          <a:p>
+            <a:pPr>
+              <a:lnSpc>
+                <a:spcPct val="150000"/>
+              </a:lnSpc>
+            </a:pPr>
+            <a:r>
+              <a:rPr lang="zh-TW" altLang="en-US" sz="1400" dirty="0">
+                <a:solidFill>
+                  <a:schemeClr val="bg1"/>
+                </a:solidFill>
+                <a:latin typeface="Courier New" panose="02070309020205020404" pitchFamily="49" charset="0"/>
+                <a:cs typeface="Courier New" panose="02070309020205020404" pitchFamily="49" charset="0"/>
+              </a:rPr>
+              <a:t>將剛才</a:t>
+            </a:r>
+            <a:r>
+              <a:rPr lang="en-US" altLang="zh-TW" sz="1400" dirty="0">
+                <a:solidFill>
+                  <a:schemeClr val="bg1"/>
+                </a:solidFill>
+                <a:latin typeface="Courier New" panose="02070309020205020404" pitchFamily="49" charset="0"/>
+                <a:cs typeface="Courier New" panose="02070309020205020404" pitchFamily="49" charset="0"/>
+              </a:rPr>
+              <a:t>clone</a:t>
+            </a:r>
+            <a:r>
+              <a:rPr lang="zh-TW" altLang="en-US" sz="1400" dirty="0">
+                <a:solidFill>
+                  <a:schemeClr val="bg1"/>
+                </a:solidFill>
+                <a:latin typeface="Courier New" panose="02070309020205020404" pitchFamily="49" charset="0"/>
+                <a:cs typeface="Courier New" panose="02070309020205020404" pitchFamily="49" charset="0"/>
+              </a:rPr>
+              <a:t>下來的資料版本內容進行修改，修改完後使用</a:t>
+            </a:r>
+            <a:r>
+              <a:rPr lang="en-US" altLang="zh-TW" sz="1400" dirty="0">
+                <a:solidFill>
+                  <a:schemeClr val="bg1"/>
+                </a:solidFill>
+                <a:latin typeface="Courier New" panose="02070309020205020404" pitchFamily="49" charset="0"/>
+                <a:cs typeface="Courier New" panose="02070309020205020404" pitchFamily="49" charset="0"/>
+              </a:rPr>
+              <a:t>“git</a:t>
+            </a:r>
+            <a:r>
+              <a:rPr lang="zh-TW" altLang="en-US" sz="1400" dirty="0">
+                <a:solidFill>
+                  <a:schemeClr val="bg1"/>
+                </a:solidFill>
+                <a:latin typeface="Courier New" panose="02070309020205020404" pitchFamily="49" charset="0"/>
+                <a:cs typeface="Courier New" panose="02070309020205020404" pitchFamily="49" charset="0"/>
+              </a:rPr>
+              <a:t> </a:t>
+            </a:r>
+            <a:r>
+              <a:rPr lang="en-US" altLang="zh-TW" sz="1400" dirty="0">
+                <a:solidFill>
+                  <a:schemeClr val="bg1"/>
+                </a:solidFill>
+                <a:latin typeface="Courier New" panose="02070309020205020404" pitchFamily="49" charset="0"/>
+                <a:cs typeface="Courier New" panose="02070309020205020404" pitchFamily="49" charset="0"/>
+              </a:rPr>
+              <a:t>add”</a:t>
+            </a:r>
+            <a:r>
+              <a:rPr lang="zh-TW" altLang="en-US" sz="1400" dirty="0">
+                <a:solidFill>
+                  <a:schemeClr val="bg1"/>
+                </a:solidFill>
+                <a:latin typeface="Courier New" panose="02070309020205020404" pitchFamily="49" charset="0"/>
+                <a:cs typeface="Courier New" panose="02070309020205020404" pitchFamily="49" charset="0"/>
+              </a:rPr>
+              <a:t>與 </a:t>
+            </a:r>
+            <a:r>
+              <a:rPr lang="en-US" altLang="zh-TW" sz="1400" dirty="0">
+                <a:solidFill>
+                  <a:schemeClr val="bg1"/>
+                </a:solidFill>
+                <a:latin typeface="Courier New" panose="02070309020205020404" pitchFamily="49" charset="0"/>
+                <a:cs typeface="Courier New" panose="02070309020205020404" pitchFamily="49" charset="0"/>
+              </a:rPr>
+              <a:t>“git</a:t>
+            </a:r>
+            <a:r>
+              <a:rPr lang="zh-TW" altLang="en-US" sz="1400" dirty="0">
+                <a:solidFill>
+                  <a:schemeClr val="bg1"/>
+                </a:solidFill>
+                <a:latin typeface="Courier New" panose="02070309020205020404" pitchFamily="49" charset="0"/>
+                <a:cs typeface="Courier New" panose="02070309020205020404" pitchFamily="49" charset="0"/>
+              </a:rPr>
+              <a:t> </a:t>
+            </a:r>
+            <a:r>
+              <a:rPr lang="en-US" altLang="zh-TW" sz="1400" dirty="0">
+                <a:solidFill>
+                  <a:schemeClr val="bg1"/>
+                </a:solidFill>
+                <a:latin typeface="Courier New" panose="02070309020205020404" pitchFamily="49" charset="0"/>
+                <a:cs typeface="Courier New" panose="02070309020205020404" pitchFamily="49" charset="0"/>
+              </a:rPr>
+              <a:t>commit”</a:t>
+            </a:r>
+            <a:r>
+              <a:rPr lang="zh-TW" altLang="en-US" sz="1400" dirty="0">
+                <a:solidFill>
+                  <a:schemeClr val="bg1"/>
+                </a:solidFill>
+                <a:latin typeface="Courier New" panose="02070309020205020404" pitchFamily="49" charset="0"/>
+                <a:cs typeface="Courier New" panose="02070309020205020404" pitchFamily="49" charset="0"/>
+              </a:rPr>
+              <a:t>指令更新本地端</a:t>
+            </a:r>
+            <a:r>
+              <a:rPr lang="en-US" altLang="zh-TW" sz="1400" dirty="0">
+                <a:solidFill>
+                  <a:schemeClr val="bg1"/>
+                </a:solidFill>
+                <a:latin typeface="Courier New" panose="02070309020205020404" pitchFamily="49" charset="0"/>
+                <a:cs typeface="Courier New" panose="02070309020205020404" pitchFamily="49" charset="0"/>
+              </a:rPr>
+              <a:t>git</a:t>
+            </a:r>
+            <a:r>
+              <a:rPr lang="zh-TW" altLang="en-US" sz="1400" dirty="0">
+                <a:solidFill>
+                  <a:schemeClr val="bg1"/>
+                </a:solidFill>
+                <a:latin typeface="Courier New" panose="02070309020205020404" pitchFamily="49" charset="0"/>
+                <a:cs typeface="Courier New" panose="02070309020205020404" pitchFamily="49" charset="0"/>
+              </a:rPr>
+              <a:t>數據庫</a:t>
+            </a:r>
+            <a:endParaRPr lang="zh-TW" altLang="en-US" sz="1400" dirty="0">
+              <a:solidFill>
+                <a:srgbClr val="00FF00"/>
+              </a:solidFill>
+              <a:latin typeface="Courier New" panose="02070309020205020404" pitchFamily="49" charset="0"/>
+              <a:cs typeface="Courier New" panose="02070309020205020404" pitchFamily="49" charset="0"/>
+            </a:endParaRPr>
+          </a:p>
+        </p:txBody>
+      </p:sp>
+      <p:sp>
+        <p:nvSpPr>
+          <p:cNvPr id="5" name="內容版面配置區 2">
+            <a:extLst>
+              <a:ext uri="{FF2B5EF4-FFF2-40B4-BE49-F238E27FC236}">
+                <a16:creationId xmlns:a16="http://schemas.microsoft.com/office/drawing/2014/main" id="{F7DC9E2C-C41E-0635-73ED-0EDD9A15459F}"/>
+              </a:ext>
+            </a:extLst>
+          </p:cNvPr>
+          <p:cNvSpPr txBox="1">
+            <a:spLocks/>
+          </p:cNvSpPr>
+          <p:nvPr/>
+        </p:nvSpPr>
+        <p:spPr>
+          <a:xfrm>
+            <a:off x="1340358" y="2289256"/>
+            <a:ext cx="3168889" cy="442048"/>
+          </a:xfrm>
+          <a:prstGeom prst="rect">
+            <a:avLst/>
+          </a:prstGeom>
+        </p:spPr>
+        <p:txBody>
+          <a:bodyPr vert="horz" lIns="91440" tIns="45720" rIns="91440" bIns="45720" rtlCol="0" anchor="ctr" anchorCtr="0">
+            <a:normAutofit/>
+          </a:bodyPr>
+          <a:lstStyle>
+            <a:lvl1pPr marL="228600" indent="-228600" algn="l" defTabSz="914400" rtl="0" eaLnBrk="1" latinLnBrk="0" hangingPunct="1">
+              <a:lnSpc>
+                <a:spcPct val="120000"/>
+              </a:lnSpc>
+              <a:spcBef>
+                <a:spcPts val="1000"/>
+              </a:spcBef>
+              <a:buSzPct val="87000"/>
+              <a:buFont typeface="Arial" panose="020B0604020202020204" pitchFamily="34" charset="0"/>
+              <a:buChar char="•"/>
+              <a:defRPr sz="2000" kern="1200">
+                <a:solidFill>
+                  <a:schemeClr val="tx1"/>
+                </a:solidFill>
+                <a:latin typeface="+mn-lt"/>
+                <a:ea typeface="+mn-ea"/>
+                <a:cs typeface="+mn-cs"/>
+              </a:defRPr>
+            </a:lvl1pPr>
+            <a:lvl2pPr marL="493776" indent="-228600" algn="l" defTabSz="914400" rtl="0" eaLnBrk="1" latinLnBrk="0" hangingPunct="1">
+              <a:lnSpc>
+                <a:spcPct val="120000"/>
+              </a:lnSpc>
+              <a:spcBef>
+                <a:spcPts val="500"/>
+              </a:spcBef>
+              <a:buSzPct val="87000"/>
+              <a:buFont typeface="Arial" panose="020B0604020202020204" pitchFamily="34" charset="0"/>
+              <a:buChar char="•"/>
+              <a:defRPr sz="1800" kern="1200">
+                <a:solidFill>
+                  <a:schemeClr val="tx1"/>
+                </a:solidFill>
+                <a:latin typeface="+mn-lt"/>
+                <a:ea typeface="+mn-ea"/>
+                <a:cs typeface="+mn-cs"/>
+              </a:defRPr>
+            </a:lvl2pPr>
+            <a:lvl3pPr marL="731520" indent="-228600" algn="l" defTabSz="914400" rtl="0" eaLnBrk="1" latinLnBrk="0" hangingPunct="1">
+              <a:lnSpc>
+                <a:spcPct val="120000"/>
+              </a:lnSpc>
+              <a:spcBef>
+                <a:spcPts val="500"/>
+              </a:spcBef>
+              <a:buSzPct val="87000"/>
+              <a:buFont typeface="Arial" panose="020B0604020202020204" pitchFamily="34" charset="0"/>
+              <a:buChar char="•"/>
+              <a:defRPr sz="1600" kern="1200">
+                <a:solidFill>
+                  <a:schemeClr val="tx1"/>
+                </a:solidFill>
+                <a:latin typeface="+mn-lt"/>
+                <a:ea typeface="+mn-ea"/>
+                <a:cs typeface="+mn-cs"/>
+              </a:defRPr>
+            </a:lvl3pPr>
+            <a:lvl4pPr marL="1051560" indent="-285750" algn="l" defTabSz="914400" rtl="0" eaLnBrk="1" latinLnBrk="0" hangingPunct="1">
+              <a:lnSpc>
+                <a:spcPct val="120000"/>
+              </a:lnSpc>
+              <a:spcBef>
+                <a:spcPts val="500"/>
+              </a:spcBef>
+              <a:buSzPct val="87000"/>
+              <a:buFont typeface="Arial" panose="020B0604020202020204" pitchFamily="34" charset="0"/>
+              <a:buChar char="•"/>
+              <a:defRPr sz="1400" kern="1200">
+                <a:solidFill>
+                  <a:schemeClr val="tx1"/>
+                </a:solidFill>
+                <a:latin typeface="+mn-lt"/>
+                <a:ea typeface="+mn-ea"/>
+                <a:cs typeface="+mn-cs"/>
+              </a:defRPr>
+            </a:lvl4pPr>
+            <a:lvl5pPr marL="1298448" indent="-228600" algn="l" defTabSz="914400" rtl="0" eaLnBrk="1" latinLnBrk="0" hangingPunct="1">
+              <a:lnSpc>
+                <a:spcPct val="120000"/>
+              </a:lnSpc>
+              <a:spcBef>
+                <a:spcPts val="500"/>
+              </a:spcBef>
+              <a:buSzPct val="87000"/>
+              <a:buFont typeface="Arial" panose="020B0604020202020204" pitchFamily="34" charset="0"/>
+              <a:buChar char="•"/>
+              <a:defRPr sz="1400" kern="1200">
+                <a:solidFill>
+                  <a:schemeClr val="tx1"/>
+                </a:solidFill>
+                <a:latin typeface="+mn-lt"/>
+                <a:ea typeface="+mn-ea"/>
+                <a:cs typeface="+mn-cs"/>
+              </a:defRPr>
+            </a:lvl5pPr>
+            <a:lvl6pPr marL="2514600" indent="-228600" algn="l" defTabSz="914400" rtl="0" eaLnBrk="1" latinLnBrk="0" hangingPunct="1">
+              <a:lnSpc>
+                <a:spcPct val="90000"/>
+              </a:lnSpc>
+              <a:spcBef>
+                <a:spcPts val="500"/>
+              </a:spcBef>
+              <a:buFont typeface="Arial" panose="020B0604020202020204" pitchFamily="34" charset="0"/>
+              <a:buChar char="•"/>
+              <a:defRPr sz="1800" kern="1200">
+                <a:solidFill>
+                  <a:schemeClr val="tx1"/>
+                </a:solidFill>
+                <a:latin typeface="+mn-lt"/>
+                <a:ea typeface="+mn-ea"/>
+                <a:cs typeface="+mn-cs"/>
+              </a:defRPr>
+            </a:lvl6pPr>
+            <a:lvl7pPr marL="2971800" indent="-228600" algn="l" defTabSz="914400" rtl="0" eaLnBrk="1" latinLnBrk="0" hangingPunct="1">
+              <a:lnSpc>
+                <a:spcPct val="90000"/>
+              </a:lnSpc>
+              <a:spcBef>
+                <a:spcPts val="500"/>
+              </a:spcBef>
+              <a:buFont typeface="Arial" panose="020B0604020202020204" pitchFamily="34" charset="0"/>
+              <a:buChar char="•"/>
+              <a:defRPr sz="1800" kern="1200">
+                <a:solidFill>
+                  <a:schemeClr val="tx1"/>
+                </a:solidFill>
+                <a:latin typeface="+mn-lt"/>
+                <a:ea typeface="+mn-ea"/>
+                <a:cs typeface="+mn-cs"/>
+              </a:defRPr>
+            </a:lvl7pPr>
+            <a:lvl8pPr marL="3429000" indent="-228600" algn="l" defTabSz="914400" rtl="0" eaLnBrk="1" latinLnBrk="0" hangingPunct="1">
+              <a:lnSpc>
+                <a:spcPct val="90000"/>
+              </a:lnSpc>
+              <a:spcBef>
+                <a:spcPts val="500"/>
+              </a:spcBef>
+              <a:buFont typeface="Arial" panose="020B0604020202020204" pitchFamily="34" charset="0"/>
+              <a:buChar char="•"/>
+              <a:defRPr sz="1800" kern="1200">
+                <a:solidFill>
+                  <a:schemeClr val="tx1"/>
+                </a:solidFill>
+                <a:latin typeface="+mn-lt"/>
+                <a:ea typeface="+mn-ea"/>
+                <a:cs typeface="+mn-cs"/>
+              </a:defRPr>
+            </a:lvl8pPr>
+            <a:lvl9pPr marL="3886200" indent="-228600" algn="l" defTabSz="914400" rtl="0" eaLnBrk="1" latinLnBrk="0" hangingPunct="1">
+              <a:lnSpc>
+                <a:spcPct val="90000"/>
+              </a:lnSpc>
+              <a:spcBef>
+                <a:spcPts val="500"/>
+              </a:spcBef>
+              <a:buFont typeface="Arial" panose="020B0604020202020204" pitchFamily="34" charset="0"/>
+              <a:buChar char="•"/>
+              <a:defRPr sz="1800" kern="1200">
+                <a:solidFill>
+                  <a:schemeClr val="tx1"/>
+                </a:solidFill>
+                <a:latin typeface="+mn-lt"/>
+                <a:ea typeface="+mn-ea"/>
+                <a:cs typeface="+mn-cs"/>
+              </a:defRPr>
+            </a:lvl9pPr>
+          </a:lstStyle>
+          <a:p>
+            <a:pPr>
+              <a:buFont typeface="Wingdings" panose="05000000000000000000" pitchFamily="2" charset="2"/>
+              <a:buChar char="Ø"/>
+            </a:pPr>
+            <a:r>
+              <a:rPr lang="zh-TW" altLang="en-US" sz="1600" dirty="0">
+                <a:solidFill>
+                  <a:schemeClr val="bg1"/>
+                </a:solidFill>
+              </a:rPr>
+              <a:t>修改</a:t>
+            </a:r>
+            <a:r>
+              <a:rPr lang="en-US" altLang="zh-TW" sz="1600" dirty="0">
+                <a:solidFill>
+                  <a:schemeClr val="bg1"/>
+                </a:solidFill>
+              </a:rPr>
+              <a:t>clone</a:t>
+            </a:r>
+            <a:r>
+              <a:rPr lang="zh-TW" altLang="en-US" sz="1600" dirty="0">
+                <a:solidFill>
+                  <a:schemeClr val="bg1"/>
+                </a:solidFill>
+              </a:rPr>
+              <a:t>下來的文件</a:t>
+            </a:r>
+          </a:p>
+        </p:txBody>
+      </p:sp>
+      <p:sp>
+        <p:nvSpPr>
+          <p:cNvPr id="12" name="文字方塊 11">
+            <a:extLst>
+              <a:ext uri="{FF2B5EF4-FFF2-40B4-BE49-F238E27FC236}">
+                <a16:creationId xmlns:a16="http://schemas.microsoft.com/office/drawing/2014/main" id="{BE68ED56-69C6-7C26-5D80-9EF4CD91C474}"/>
+              </a:ext>
+            </a:extLst>
+          </p:cNvPr>
+          <p:cNvSpPr txBox="1"/>
+          <p:nvPr/>
+        </p:nvSpPr>
+        <p:spPr>
+          <a:xfrm>
+            <a:off x="4583572" y="3085829"/>
+            <a:ext cx="2373039" cy="276999"/>
+          </a:xfrm>
+          <a:prstGeom prst="rect">
+            <a:avLst/>
+          </a:prstGeom>
+          <a:noFill/>
+        </p:spPr>
+        <p:txBody>
+          <a:bodyPr wrap="square" rtlCol="0">
+            <a:spAutoFit/>
+          </a:bodyPr>
+          <a:lstStyle/>
+          <a:p>
+            <a:r>
+              <a:rPr lang="zh-TW" altLang="en-US" sz="1200" dirty="0">
+                <a:solidFill>
+                  <a:srgbClr val="00FF00"/>
+                </a:solidFill>
+                <a:latin typeface="Courier New" panose="02070309020205020404" pitchFamily="49" charset="0"/>
+                <a:cs typeface="Courier New" panose="02070309020205020404" pitchFamily="49" charset="0"/>
+              </a:rPr>
+              <a:t>參考</a:t>
+            </a:r>
+            <a:r>
+              <a:rPr lang="en-US" altLang="zh-TW" sz="1200" dirty="0">
+                <a:solidFill>
+                  <a:srgbClr val="00FF00"/>
+                </a:solidFill>
+                <a:latin typeface="Courier New" panose="02070309020205020404" pitchFamily="49" charset="0"/>
+                <a:cs typeface="Courier New" panose="02070309020205020404" pitchFamily="49" charset="0"/>
+              </a:rPr>
+              <a:t>page 8 and page 9</a:t>
+            </a:r>
+          </a:p>
+        </p:txBody>
+      </p:sp>
+      <p:sp>
+        <p:nvSpPr>
+          <p:cNvPr id="6" name="內容版面配置區 2">
+            <a:extLst>
+              <a:ext uri="{FF2B5EF4-FFF2-40B4-BE49-F238E27FC236}">
+                <a16:creationId xmlns:a16="http://schemas.microsoft.com/office/drawing/2014/main" id="{3513B655-33FF-DB38-FCF3-07F80694BC5C}"/>
+              </a:ext>
+            </a:extLst>
+          </p:cNvPr>
+          <p:cNvSpPr txBox="1">
+            <a:spLocks/>
+          </p:cNvSpPr>
+          <p:nvPr/>
+        </p:nvSpPr>
+        <p:spPr>
+          <a:xfrm>
+            <a:off x="1340358" y="3370964"/>
+            <a:ext cx="3168889" cy="442048"/>
+          </a:xfrm>
+          <a:prstGeom prst="rect">
+            <a:avLst/>
+          </a:prstGeom>
+        </p:spPr>
+        <p:txBody>
+          <a:bodyPr vert="horz" lIns="91440" tIns="45720" rIns="91440" bIns="45720" rtlCol="0" anchor="ctr" anchorCtr="0">
+            <a:normAutofit/>
+          </a:bodyPr>
+          <a:lstStyle>
+            <a:lvl1pPr marL="228600" indent="-228600" algn="l" defTabSz="914400" rtl="0" eaLnBrk="1" latinLnBrk="0" hangingPunct="1">
+              <a:lnSpc>
+                <a:spcPct val="120000"/>
+              </a:lnSpc>
+              <a:spcBef>
+                <a:spcPts val="1000"/>
+              </a:spcBef>
+              <a:buSzPct val="87000"/>
+              <a:buFont typeface="Arial" panose="020B0604020202020204" pitchFamily="34" charset="0"/>
+              <a:buChar char="•"/>
+              <a:defRPr sz="2000" kern="1200">
+                <a:solidFill>
+                  <a:schemeClr val="tx1"/>
+                </a:solidFill>
+                <a:latin typeface="+mn-lt"/>
+                <a:ea typeface="+mn-ea"/>
+                <a:cs typeface="+mn-cs"/>
+              </a:defRPr>
+            </a:lvl1pPr>
+            <a:lvl2pPr marL="493776" indent="-228600" algn="l" defTabSz="914400" rtl="0" eaLnBrk="1" latinLnBrk="0" hangingPunct="1">
+              <a:lnSpc>
+                <a:spcPct val="120000"/>
+              </a:lnSpc>
+              <a:spcBef>
+                <a:spcPts val="500"/>
+              </a:spcBef>
+              <a:buSzPct val="87000"/>
+              <a:buFont typeface="Arial" panose="020B0604020202020204" pitchFamily="34" charset="0"/>
+              <a:buChar char="•"/>
+              <a:defRPr sz="1800" kern="1200">
+                <a:solidFill>
+                  <a:schemeClr val="tx1"/>
+                </a:solidFill>
+                <a:latin typeface="+mn-lt"/>
+                <a:ea typeface="+mn-ea"/>
+                <a:cs typeface="+mn-cs"/>
+              </a:defRPr>
+            </a:lvl2pPr>
+            <a:lvl3pPr marL="731520" indent="-228600" algn="l" defTabSz="914400" rtl="0" eaLnBrk="1" latinLnBrk="0" hangingPunct="1">
+              <a:lnSpc>
+                <a:spcPct val="120000"/>
+              </a:lnSpc>
+              <a:spcBef>
+                <a:spcPts val="500"/>
+              </a:spcBef>
+              <a:buSzPct val="87000"/>
+              <a:buFont typeface="Arial" panose="020B0604020202020204" pitchFamily="34" charset="0"/>
+              <a:buChar char="•"/>
+              <a:defRPr sz="1600" kern="1200">
+                <a:solidFill>
+                  <a:schemeClr val="tx1"/>
+                </a:solidFill>
+                <a:latin typeface="+mn-lt"/>
+                <a:ea typeface="+mn-ea"/>
+                <a:cs typeface="+mn-cs"/>
+              </a:defRPr>
+            </a:lvl3pPr>
+            <a:lvl4pPr marL="1051560" indent="-285750" algn="l" defTabSz="914400" rtl="0" eaLnBrk="1" latinLnBrk="0" hangingPunct="1">
+              <a:lnSpc>
+                <a:spcPct val="120000"/>
+              </a:lnSpc>
+              <a:spcBef>
+                <a:spcPts val="500"/>
+              </a:spcBef>
+              <a:buSzPct val="87000"/>
+              <a:buFont typeface="Arial" panose="020B0604020202020204" pitchFamily="34" charset="0"/>
+              <a:buChar char="•"/>
+              <a:defRPr sz="1400" kern="1200">
+                <a:solidFill>
+                  <a:schemeClr val="tx1"/>
+                </a:solidFill>
+                <a:latin typeface="+mn-lt"/>
+                <a:ea typeface="+mn-ea"/>
+                <a:cs typeface="+mn-cs"/>
+              </a:defRPr>
+            </a:lvl4pPr>
+            <a:lvl5pPr marL="1298448" indent="-228600" algn="l" defTabSz="914400" rtl="0" eaLnBrk="1" latinLnBrk="0" hangingPunct="1">
+              <a:lnSpc>
+                <a:spcPct val="120000"/>
+              </a:lnSpc>
+              <a:spcBef>
+                <a:spcPts val="500"/>
+              </a:spcBef>
+              <a:buSzPct val="87000"/>
+              <a:buFont typeface="Arial" panose="020B0604020202020204" pitchFamily="34" charset="0"/>
+              <a:buChar char="•"/>
+              <a:defRPr sz="1400" kern="1200">
+                <a:solidFill>
+                  <a:schemeClr val="tx1"/>
+                </a:solidFill>
+                <a:latin typeface="+mn-lt"/>
+                <a:ea typeface="+mn-ea"/>
+                <a:cs typeface="+mn-cs"/>
+              </a:defRPr>
+            </a:lvl5pPr>
+            <a:lvl6pPr marL="2514600" indent="-228600" algn="l" defTabSz="914400" rtl="0" eaLnBrk="1" latinLnBrk="0" hangingPunct="1">
+              <a:lnSpc>
+                <a:spcPct val="90000"/>
+              </a:lnSpc>
+              <a:spcBef>
+                <a:spcPts val="500"/>
+              </a:spcBef>
+              <a:buFont typeface="Arial" panose="020B0604020202020204" pitchFamily="34" charset="0"/>
+              <a:buChar char="•"/>
+              <a:defRPr sz="1800" kern="1200">
+                <a:solidFill>
+                  <a:schemeClr val="tx1"/>
+                </a:solidFill>
+                <a:latin typeface="+mn-lt"/>
+                <a:ea typeface="+mn-ea"/>
+                <a:cs typeface="+mn-cs"/>
+              </a:defRPr>
+            </a:lvl6pPr>
+            <a:lvl7pPr marL="2971800" indent="-228600" algn="l" defTabSz="914400" rtl="0" eaLnBrk="1" latinLnBrk="0" hangingPunct="1">
+              <a:lnSpc>
+                <a:spcPct val="90000"/>
+              </a:lnSpc>
+              <a:spcBef>
+                <a:spcPts val="500"/>
+              </a:spcBef>
+              <a:buFont typeface="Arial" panose="020B0604020202020204" pitchFamily="34" charset="0"/>
+              <a:buChar char="•"/>
+              <a:defRPr sz="1800" kern="1200">
+                <a:solidFill>
+                  <a:schemeClr val="tx1"/>
+                </a:solidFill>
+                <a:latin typeface="+mn-lt"/>
+                <a:ea typeface="+mn-ea"/>
+                <a:cs typeface="+mn-cs"/>
+              </a:defRPr>
+            </a:lvl7pPr>
+            <a:lvl8pPr marL="3429000" indent="-228600" algn="l" defTabSz="914400" rtl="0" eaLnBrk="1" latinLnBrk="0" hangingPunct="1">
+              <a:lnSpc>
+                <a:spcPct val="90000"/>
+              </a:lnSpc>
+              <a:spcBef>
+                <a:spcPts val="500"/>
+              </a:spcBef>
+              <a:buFont typeface="Arial" panose="020B0604020202020204" pitchFamily="34" charset="0"/>
+              <a:buChar char="•"/>
+              <a:defRPr sz="1800" kern="1200">
+                <a:solidFill>
+                  <a:schemeClr val="tx1"/>
+                </a:solidFill>
+                <a:latin typeface="+mn-lt"/>
+                <a:ea typeface="+mn-ea"/>
+                <a:cs typeface="+mn-cs"/>
+              </a:defRPr>
+            </a:lvl8pPr>
+            <a:lvl9pPr marL="3886200" indent="-228600" algn="l" defTabSz="914400" rtl="0" eaLnBrk="1" latinLnBrk="0" hangingPunct="1">
+              <a:lnSpc>
+                <a:spcPct val="90000"/>
+              </a:lnSpc>
+              <a:spcBef>
+                <a:spcPts val="500"/>
+              </a:spcBef>
+              <a:buFont typeface="Arial" panose="020B0604020202020204" pitchFamily="34" charset="0"/>
+              <a:buChar char="•"/>
+              <a:defRPr sz="1800" kern="1200">
+                <a:solidFill>
+                  <a:schemeClr val="tx1"/>
+                </a:solidFill>
+                <a:latin typeface="+mn-lt"/>
+                <a:ea typeface="+mn-ea"/>
+                <a:cs typeface="+mn-cs"/>
+              </a:defRPr>
+            </a:lvl9pPr>
+          </a:lstStyle>
+          <a:p>
+            <a:pPr>
+              <a:buFont typeface="Wingdings" panose="05000000000000000000" pitchFamily="2" charset="2"/>
+              <a:buChar char="Ø"/>
+            </a:pPr>
+            <a:r>
+              <a:rPr lang="zh-TW" altLang="en-US" sz="1600" dirty="0">
+                <a:solidFill>
+                  <a:schemeClr val="bg1"/>
+                </a:solidFill>
+              </a:rPr>
+              <a:t>推送</a:t>
+            </a:r>
+            <a:r>
+              <a:rPr lang="en-US" altLang="zh-TW" sz="1600" dirty="0">
+                <a:solidFill>
+                  <a:schemeClr val="bg1"/>
+                </a:solidFill>
+              </a:rPr>
+              <a:t>Git</a:t>
+            </a:r>
+            <a:r>
+              <a:rPr lang="zh-TW" altLang="en-US" sz="1600" dirty="0">
+                <a:solidFill>
+                  <a:schemeClr val="bg1"/>
+                </a:solidFill>
+              </a:rPr>
+              <a:t>到遠端數據庫</a:t>
+            </a:r>
+          </a:p>
+        </p:txBody>
+      </p:sp>
+      <p:sp>
+        <p:nvSpPr>
+          <p:cNvPr id="8" name="文字方塊 7">
+            <a:extLst>
+              <a:ext uri="{FF2B5EF4-FFF2-40B4-BE49-F238E27FC236}">
+                <a16:creationId xmlns:a16="http://schemas.microsoft.com/office/drawing/2014/main" id="{7B0F3A7E-0B7F-98BA-BFF8-B19C7BF3790C}"/>
+              </a:ext>
+            </a:extLst>
+          </p:cNvPr>
+          <p:cNvSpPr txBox="1"/>
+          <p:nvPr/>
+        </p:nvSpPr>
+        <p:spPr>
+          <a:xfrm>
+            <a:off x="1981129" y="4312943"/>
+            <a:ext cx="6616023" cy="461665"/>
+          </a:xfrm>
+          <a:prstGeom prst="rect">
+            <a:avLst/>
+          </a:prstGeom>
+          <a:noFill/>
+        </p:spPr>
+        <p:txBody>
+          <a:bodyPr wrap="square" rtlCol="0">
+            <a:spAutoFit/>
+          </a:bodyPr>
+          <a:lstStyle/>
+          <a:p>
+            <a:r>
+              <a:rPr lang="en-US" altLang="zh-TW" sz="1200" dirty="0">
+                <a:solidFill>
+                  <a:srgbClr val="00FF00"/>
+                </a:solidFill>
+                <a:latin typeface="Courier New" panose="02070309020205020404" pitchFamily="49" charset="0"/>
+                <a:cs typeface="Courier New" panose="02070309020205020404" pitchFamily="49" charset="0"/>
+              </a:rPr>
+              <a:t>tengc@MSI </a:t>
+            </a:r>
+            <a:r>
+              <a:rPr lang="en-US" altLang="zh-TW" sz="1200" dirty="0">
+                <a:solidFill>
+                  <a:srgbClr val="FF00FF"/>
+                </a:solidFill>
+                <a:latin typeface="Courier New" panose="02070309020205020404" pitchFamily="49" charset="0"/>
+                <a:cs typeface="Courier New" panose="02070309020205020404" pitchFamily="49" charset="0"/>
+              </a:rPr>
+              <a:t>MINGW64</a:t>
+            </a:r>
+            <a:r>
+              <a:rPr lang="en-US" altLang="zh-TW" sz="1200" dirty="0">
+                <a:solidFill>
+                  <a:srgbClr val="00FF00"/>
+                </a:solidFill>
+                <a:latin typeface="Courier New" panose="02070309020205020404" pitchFamily="49" charset="0"/>
+                <a:cs typeface="Courier New" panose="02070309020205020404" pitchFamily="49" charset="0"/>
+              </a:rPr>
+              <a:t> </a:t>
+            </a:r>
+            <a:r>
+              <a:rPr lang="en-US" altLang="zh-TW" sz="1200" dirty="0">
+                <a:solidFill>
+                  <a:srgbClr val="FFC000"/>
+                </a:solidFill>
+                <a:latin typeface="Courier New" panose="02070309020205020404" pitchFamily="49" charset="0"/>
+                <a:cs typeface="Courier New" panose="02070309020205020404" pitchFamily="49" charset="0"/>
+              </a:rPr>
+              <a:t>/d/Daniel_SIDE_PROJECT/clone_test/RemoteGit </a:t>
+            </a:r>
+            <a:r>
+              <a:rPr lang="en-US" altLang="zh-TW" sz="1200" dirty="0">
+                <a:solidFill>
+                  <a:srgbClr val="33CCCC"/>
+                </a:solidFill>
+                <a:latin typeface="Courier New" panose="02070309020205020404" pitchFamily="49" charset="0"/>
+                <a:cs typeface="Courier New" panose="02070309020205020404" pitchFamily="49" charset="0"/>
+              </a:rPr>
+              <a:t>(master)</a:t>
+            </a:r>
+          </a:p>
+          <a:p>
+            <a:r>
+              <a:rPr lang="en-US" altLang="zh-TW" sz="1200" dirty="0">
+                <a:solidFill>
+                  <a:schemeClr val="bg1"/>
+                </a:solidFill>
+                <a:latin typeface="Courier New" panose="02070309020205020404" pitchFamily="49" charset="0"/>
+                <a:cs typeface="Courier New" panose="02070309020205020404" pitchFamily="49" charset="0"/>
+              </a:rPr>
+              <a:t>$</a:t>
+            </a:r>
+            <a:r>
+              <a:rPr lang="en-US" altLang="zh-TW" sz="1200" dirty="0">
+                <a:solidFill>
+                  <a:srgbClr val="00FF00"/>
+                </a:solidFill>
+                <a:latin typeface="Courier New" panose="02070309020205020404" pitchFamily="49" charset="0"/>
+                <a:cs typeface="Courier New" panose="02070309020205020404" pitchFamily="49" charset="0"/>
+              </a:rPr>
+              <a:t> git push</a:t>
+            </a:r>
+          </a:p>
+        </p:txBody>
+      </p:sp>
+      <p:sp>
+        <p:nvSpPr>
+          <p:cNvPr id="10" name="文字方塊 9">
+            <a:extLst>
+              <a:ext uri="{FF2B5EF4-FFF2-40B4-BE49-F238E27FC236}">
+                <a16:creationId xmlns:a16="http://schemas.microsoft.com/office/drawing/2014/main" id="{8A1D02AB-9E96-9746-1104-B5D5193788C2}"/>
+              </a:ext>
+            </a:extLst>
+          </p:cNvPr>
+          <p:cNvSpPr txBox="1"/>
+          <p:nvPr/>
+        </p:nvSpPr>
+        <p:spPr>
+          <a:xfrm>
+            <a:off x="1717954" y="3869014"/>
+            <a:ext cx="3920846" cy="387927"/>
+          </a:xfrm>
+          <a:prstGeom prst="rect">
+            <a:avLst/>
+          </a:prstGeom>
+          <a:noFill/>
+        </p:spPr>
+        <p:txBody>
+          <a:bodyPr wrap="square" rtlCol="0">
+            <a:spAutoFit/>
+          </a:bodyPr>
+          <a:lstStyle/>
+          <a:p>
+            <a:pPr>
+              <a:lnSpc>
+                <a:spcPct val="150000"/>
+              </a:lnSpc>
+            </a:pPr>
+            <a:r>
+              <a:rPr lang="zh-TW" altLang="en-US" sz="1400" dirty="0">
+                <a:solidFill>
+                  <a:schemeClr val="bg1"/>
+                </a:solidFill>
+                <a:latin typeface="Courier New" panose="02070309020205020404" pitchFamily="49" charset="0"/>
+                <a:cs typeface="Courier New" panose="02070309020205020404" pitchFamily="49" charset="0"/>
+              </a:rPr>
+              <a:t>使用</a:t>
+            </a:r>
+            <a:r>
+              <a:rPr lang="en-US" altLang="zh-TW" sz="1400" dirty="0">
+                <a:solidFill>
+                  <a:schemeClr val="bg1"/>
+                </a:solidFill>
+                <a:latin typeface="Courier New" panose="02070309020205020404" pitchFamily="49" charset="0"/>
+                <a:cs typeface="Courier New" panose="02070309020205020404" pitchFamily="49" charset="0"/>
+              </a:rPr>
+              <a:t>“push”</a:t>
+            </a:r>
+            <a:r>
+              <a:rPr lang="zh-TW" altLang="en-US" sz="1400" dirty="0">
+                <a:solidFill>
+                  <a:schemeClr val="bg1"/>
+                </a:solidFill>
+                <a:latin typeface="Courier New" panose="02070309020205020404" pitchFamily="49" charset="0"/>
+                <a:cs typeface="Courier New" panose="02070309020205020404" pitchFamily="49" charset="0"/>
+              </a:rPr>
+              <a:t>指令進行版本推送</a:t>
+            </a:r>
+            <a:endParaRPr lang="zh-TW" altLang="en-US" sz="1400" dirty="0">
+              <a:solidFill>
+                <a:srgbClr val="00FF00"/>
+              </a:solidFill>
+              <a:latin typeface="Courier New" panose="02070309020205020404" pitchFamily="49" charset="0"/>
+              <a:cs typeface="Courier New" panose="02070309020205020404" pitchFamily="49" charset="0"/>
+            </a:endParaRPr>
+          </a:p>
+        </p:txBody>
+      </p:sp>
+      <p:pic>
+        <p:nvPicPr>
+          <p:cNvPr id="13" name="圖片 12">
+            <a:extLst>
+              <a:ext uri="{FF2B5EF4-FFF2-40B4-BE49-F238E27FC236}">
+                <a16:creationId xmlns:a16="http://schemas.microsoft.com/office/drawing/2014/main" id="{91F0B3AB-45D9-9572-EF87-AF62FBE46B08}"/>
+              </a:ext>
+            </a:extLst>
+          </p:cNvPr>
+          <p:cNvPicPr>
+            <a:picLocks noChangeAspect="1"/>
+          </p:cNvPicPr>
+          <p:nvPr/>
+        </p:nvPicPr>
+        <p:blipFill>
+          <a:blip r:embed="rId2"/>
+          <a:stretch>
+            <a:fillRect/>
+          </a:stretch>
+        </p:blipFill>
+        <p:spPr>
+          <a:xfrm>
+            <a:off x="3382863" y="4760609"/>
+            <a:ext cx="4774455" cy="1259643"/>
+          </a:xfrm>
+          <a:prstGeom prst="rect">
+            <a:avLst/>
+          </a:prstGeom>
+        </p:spPr>
+      </p:pic>
+      <p:sp>
+        <p:nvSpPr>
+          <p:cNvPr id="15" name="文字方塊 14">
+            <a:extLst>
+              <a:ext uri="{FF2B5EF4-FFF2-40B4-BE49-F238E27FC236}">
+                <a16:creationId xmlns:a16="http://schemas.microsoft.com/office/drawing/2014/main" id="{5583B6C8-FF61-114A-D752-2AF432419AC3}"/>
+              </a:ext>
+            </a:extLst>
+          </p:cNvPr>
+          <p:cNvSpPr txBox="1"/>
+          <p:nvPr/>
+        </p:nvSpPr>
+        <p:spPr>
+          <a:xfrm>
+            <a:off x="1416423" y="6237085"/>
+            <a:ext cx="8931244" cy="461665"/>
+          </a:xfrm>
+          <a:prstGeom prst="rect">
+            <a:avLst/>
+          </a:prstGeom>
+          <a:noFill/>
+        </p:spPr>
+        <p:txBody>
+          <a:bodyPr wrap="square" rtlCol="0">
+            <a:spAutoFit/>
+          </a:bodyPr>
+          <a:lstStyle/>
+          <a:p>
+            <a:pPr algn="ctr"/>
+            <a:r>
+              <a:rPr lang="zh-TW" altLang="en-US" sz="1200" dirty="0">
+                <a:solidFill>
+                  <a:schemeClr val="bg1">
+                    <a:lumMod val="65000"/>
+                  </a:schemeClr>
+                </a:solidFill>
+                <a:latin typeface="Courier New" panose="02070309020205020404" pitchFamily="49" charset="0"/>
+                <a:cs typeface="Courier New" panose="02070309020205020404" pitchFamily="49" charset="0"/>
+              </a:rPr>
+              <a:t>顯示推送版本到遠端</a:t>
+            </a:r>
+            <a:r>
+              <a:rPr lang="en-US" altLang="zh-TW" sz="1200" dirty="0">
+                <a:solidFill>
+                  <a:schemeClr val="bg1">
+                    <a:lumMod val="65000"/>
+                  </a:schemeClr>
+                </a:solidFill>
+                <a:latin typeface="Courier New" panose="02070309020205020404" pitchFamily="49" charset="0"/>
+                <a:cs typeface="Courier New" panose="02070309020205020404" pitchFamily="49" charset="0"/>
+              </a:rPr>
+              <a:t>git</a:t>
+            </a:r>
+            <a:r>
+              <a:rPr lang="zh-TW" altLang="en-US" sz="1200" dirty="0">
+                <a:solidFill>
+                  <a:schemeClr val="bg1">
+                    <a:lumMod val="65000"/>
+                  </a:schemeClr>
+                </a:solidFill>
+                <a:latin typeface="Courier New" panose="02070309020205020404" pitchFamily="49" charset="0"/>
+                <a:cs typeface="Courier New" panose="02070309020205020404" pitchFamily="49" charset="0"/>
+              </a:rPr>
+              <a:t>數據庫的信息以及要推送本地端某個分支到遠端的分支節點，以左圖例，即是將本地端</a:t>
+            </a:r>
+            <a:r>
+              <a:rPr lang="en-US" altLang="zh-TW" sz="1200" dirty="0">
+                <a:solidFill>
+                  <a:schemeClr val="bg1">
+                    <a:lumMod val="65000"/>
+                  </a:schemeClr>
+                </a:solidFill>
+                <a:latin typeface="Courier New" panose="02070309020205020404" pitchFamily="49" charset="0"/>
+                <a:cs typeface="Courier New" panose="02070309020205020404" pitchFamily="49" charset="0"/>
+              </a:rPr>
+              <a:t>master</a:t>
+            </a:r>
+            <a:r>
+              <a:rPr lang="zh-TW" altLang="en-US" sz="1200" dirty="0">
+                <a:solidFill>
+                  <a:schemeClr val="bg1">
+                    <a:lumMod val="65000"/>
+                  </a:schemeClr>
+                </a:solidFill>
+                <a:latin typeface="Courier New" panose="02070309020205020404" pitchFamily="49" charset="0"/>
+                <a:cs typeface="Courier New" panose="02070309020205020404" pitchFamily="49" charset="0"/>
+              </a:rPr>
+              <a:t>分支節點推送到遠端的</a:t>
+            </a:r>
+            <a:r>
+              <a:rPr lang="en-US" altLang="zh-TW" sz="1200" dirty="0">
+                <a:solidFill>
+                  <a:schemeClr val="bg1">
+                    <a:lumMod val="65000"/>
+                  </a:schemeClr>
+                </a:solidFill>
+                <a:latin typeface="Courier New" panose="02070309020205020404" pitchFamily="49" charset="0"/>
+                <a:cs typeface="Courier New" panose="02070309020205020404" pitchFamily="49" charset="0"/>
+              </a:rPr>
+              <a:t>master</a:t>
+            </a:r>
+            <a:r>
+              <a:rPr lang="zh-TW" altLang="en-US" sz="1200" dirty="0">
+                <a:solidFill>
+                  <a:schemeClr val="bg1">
+                    <a:lumMod val="65000"/>
+                  </a:schemeClr>
+                </a:solidFill>
+                <a:latin typeface="Courier New" panose="02070309020205020404" pitchFamily="49" charset="0"/>
+                <a:cs typeface="Courier New" panose="02070309020205020404" pitchFamily="49" charset="0"/>
+              </a:rPr>
+              <a:t>分支節點</a:t>
+            </a:r>
+            <a:endParaRPr lang="en-US" altLang="zh-TW" sz="1200" dirty="0">
+              <a:solidFill>
+                <a:schemeClr val="bg1">
+                  <a:lumMod val="65000"/>
+                </a:schemeClr>
+              </a:solidFill>
+              <a:latin typeface="Courier New" panose="02070309020205020404" pitchFamily="49" charset="0"/>
+              <a:cs typeface="Courier New" panose="02070309020205020404" pitchFamily="49" charset="0"/>
+            </a:endParaRPr>
+          </a:p>
+        </p:txBody>
+      </p:sp>
+    </p:spTree>
+    <p:extLst>
+      <p:ext uri="{BB962C8B-B14F-4D97-AF65-F5344CB8AC3E}">
+        <p14:creationId xmlns:p14="http://schemas.microsoft.com/office/powerpoint/2010/main" val="637548206"/>
+      </p:ext>
+    </p:extLst>
+  </p:cSld>
+  <p:clrMapOvr>
+    <a:masterClrMapping/>
+  </p:clrMapOvr>
+</p:sld>
+</file>
+
+<file path=ppt/slides/slide14.xml><?xml version="1.0" encoding="utf-8"?>
 <p:sld xmlns:a="http://schemas.openxmlformats.org/drawingml/2006/main" xmlns:r="http://schemas.openxmlformats.org/officeDocument/2006/relationships" xmlns:p="http://schemas.openxmlformats.org/presentationml/2006/main">
   <p:cSld>
     <p:spTree>

--- a/GitHub_note.pptx
+++ b/GitHub_note.pptx
@@ -18,7 +18,13 @@
     <p:sldId id="267" r:id="rId12"/>
     <p:sldId id="268" r:id="rId13"/>
     <p:sldId id="269" r:id="rId14"/>
-    <p:sldId id="266" r:id="rId15"/>
+    <p:sldId id="270" r:id="rId15"/>
+    <p:sldId id="271" r:id="rId16"/>
+    <p:sldId id="272" r:id="rId17"/>
+    <p:sldId id="273" r:id="rId18"/>
+    <p:sldId id="274" r:id="rId19"/>
+    <p:sldId id="275" r:id="rId20"/>
+    <p:sldId id="266" r:id="rId21"/>
   </p:sldIdLst>
   <p:sldSz cx="12192000" cy="6858000"/>
   <p:notesSz cx="6858000" cy="9144000"/>
@@ -281,7 +287,7 @@
           <a:p>
             <a:fld id="{6444479B-705B-4489-957E-7E8A228BDFA0}" type="datetime1">
               <a:rPr lang="en-US" smtClean="0"/>
-              <a:t>11/16/2025</a:t>
+              <a:t>11/17/2025</a:t>
             </a:fld>
             <a:endParaRPr lang="en-US"/>
           </a:p>
@@ -481,7 +487,7 @@
           <a:p>
             <a:fld id="{C07B66AD-7C08-490A-ADA4-B47E10FB2407}" type="datetime1">
               <a:rPr lang="en-US" smtClean="0"/>
-              <a:t>11/16/2025</a:t>
+              <a:t>11/17/2025</a:t>
             </a:fld>
             <a:endParaRPr lang="en-US"/>
           </a:p>
@@ -740,7 +746,7 @@
           <a:p>
             <a:fld id="{05B95027-4255-49E7-9841-CD21BCC99996}" type="datetime1">
               <a:rPr lang="en-US" smtClean="0"/>
-              <a:t>11/16/2025</a:t>
+              <a:t>11/17/2025</a:t>
             </a:fld>
             <a:endParaRPr lang="en-US"/>
           </a:p>
@@ -981,7 +987,7 @@
           <a:p>
             <a:fld id="{9F89F774-3FA6-43B8-9241-99959C8FD463}" type="datetime1">
               <a:rPr lang="en-US" smtClean="0"/>
-              <a:t>11/16/2025</a:t>
+              <a:t>11/17/2025</a:t>
             </a:fld>
             <a:endParaRPr lang="en-US"/>
           </a:p>
@@ -1308,7 +1314,7 @@
           <a:p>
             <a:fld id="{F9504452-5DCC-4FE2-A5C9-8A5EF6714D65}" type="datetime1">
               <a:rPr lang="en-US" smtClean="0"/>
-              <a:t>11/16/2025</a:t>
+              <a:t>11/17/2025</a:t>
             </a:fld>
             <a:endParaRPr lang="en-US"/>
           </a:p>
@@ -1618,7 +1624,7 @@
           <a:p>
             <a:fld id="{E579ABC2-0180-4F3A-A895-A85BC724D472}" type="datetime1">
               <a:rPr lang="en-US" smtClean="0"/>
-              <a:t>11/16/2025</a:t>
+              <a:t>11/17/2025</a:t>
             </a:fld>
             <a:endParaRPr lang="en-US"/>
           </a:p>
@@ -2036,7 +2042,7 @@
           <a:p>
             <a:fld id="{6AEEA9BA-4E8F-439E-BEA4-91FBA01E3F5F}" type="datetime1">
               <a:rPr lang="en-US" smtClean="0"/>
-              <a:t>11/16/2025</a:t>
+              <a:t>11/17/2025</a:t>
             </a:fld>
             <a:endParaRPr lang="en-US"/>
           </a:p>
@@ -2178,7 +2184,7 @@
           <a:p>
             <a:fld id="{BE15BF18-0007-481C-AA29-413124BC3EE7}" type="datetime1">
               <a:rPr lang="en-US" smtClean="0"/>
-              <a:t>11/16/2025</a:t>
+              <a:t>11/17/2025</a:t>
             </a:fld>
             <a:endParaRPr lang="en-US"/>
           </a:p>
@@ -2340,7 +2346,7 @@
           <a:p>
             <a:fld id="{09BE9870-3748-43AD-B547-02A075CB4A1D}" type="datetime1">
               <a:rPr lang="en-US" smtClean="0"/>
-              <a:t>11/16/2025</a:t>
+              <a:t>11/17/2025</a:t>
             </a:fld>
             <a:endParaRPr lang="en-US"/>
           </a:p>
@@ -2657,7 +2663,7 @@
           <a:p>
             <a:fld id="{558E7897-33C5-4F1A-9307-D068E37F3DC7}" type="datetime1">
               <a:rPr lang="en-US" smtClean="0"/>
-              <a:t>11/16/2025</a:t>
+              <a:t>11/17/2025</a:t>
             </a:fld>
             <a:endParaRPr lang="en-US"/>
           </a:p>
@@ -2952,7 +2958,7 @@
           <a:p>
             <a:fld id="{82E171BA-CC09-47C8-A6DF-F5C5CB59CEEC}" type="datetime1">
               <a:rPr lang="en-US" smtClean="0"/>
-              <a:t>11/16/2025</a:t>
+              <a:t>11/17/2025</a:t>
             </a:fld>
             <a:endParaRPr lang="en-US"/>
           </a:p>
@@ -3193,7 +3199,7 @@
           <a:p>
             <a:fld id="{7DA38F49-B3E2-4BF0-BEC7-C30D34ABBB8D}" type="datetime1">
               <a:rPr lang="en-US" smtClean="0"/>
-              <a:t>11/16/2025</a:t>
+              <a:t>11/17/2025</a:t>
             </a:fld>
             <a:endParaRPr lang="en-US"/>
           </a:p>
@@ -5767,7 +5773,27 @@
                 <a:latin typeface="Courier New" panose="02070309020205020404" pitchFamily="49" charset="0"/>
                 <a:cs typeface="Courier New" panose="02070309020205020404" pitchFamily="49" charset="0"/>
               </a:rPr>
-              <a:t> git remote add origin d:/Daniel_SIDE_PROJECT/TestDoc/RemoteGit.git </a:t>
+              <a:t> git remote add origin d:/Daniel_SIDE_PROJECT/TestDoc/</a:t>
+            </a:r>
+            <a:r>
+              <a:rPr lang="en-US" altLang="zh-TW" sz="1200" dirty="0" err="1">
+                <a:solidFill>
+                  <a:srgbClr val="00FF00"/>
+                </a:solidFill>
+                <a:latin typeface="Courier New" panose="02070309020205020404" pitchFamily="49" charset="0"/>
+                <a:cs typeface="Courier New" panose="02070309020205020404" pitchFamily="49" charset="0"/>
+              </a:rPr>
+              <a:t>RemoteGit.git</a:t>
+            </a:r>
+            <a:r>
+              <a:rPr lang="en-US" altLang="zh-TW" sz="1200" dirty="0">
+                <a:solidFill>
+                  <a:srgbClr val="00FF00"/>
+                </a:solidFill>
+                <a:latin typeface="Courier New" panose="02070309020205020404" pitchFamily="49" charset="0"/>
+                <a:cs typeface="Courier New" panose="02070309020205020404" pitchFamily="49" charset="0"/>
+              </a:rPr>
+              <a:t> </a:t>
             </a:r>
             <a:endParaRPr lang="en-US" altLang="zh-TW" sz="1200" dirty="0">
               <a:solidFill>
@@ -6083,8 +6109,29 @@
                 <a:latin typeface="Courier New" panose="02070309020205020404" pitchFamily="49" charset="0"/>
                 <a:cs typeface="Courier New" panose="02070309020205020404" pitchFamily="49" charset="0"/>
               </a:rPr>
-              <a:t>d:/Daniel_SIDE_PROJECT/TestDoc/RemoteGit.git</a:t>
-            </a:r>
+              <a:t>d:/Daniel_SIDE_PROJECT/TestDoc/</a:t>
+            </a:r>
+            <a:r>
+              <a:rPr lang="en-US" altLang="zh-TW" sz="1200" dirty="0" err="1">
+                <a:solidFill>
+                  <a:schemeClr val="bg1">
+                    <a:lumMod val="65000"/>
+                  </a:schemeClr>
+                </a:solidFill>
+                <a:latin typeface="Courier New" panose="02070309020205020404" pitchFamily="49" charset="0"/>
+                <a:cs typeface="Courier New" panose="02070309020205020404" pitchFamily="49" charset="0"/>
+              </a:rPr>
+              <a:t>RemoteGit.git</a:t>
+            </a:r>
+            <a:endParaRPr lang="en-US" altLang="zh-TW" sz="1200" dirty="0">
+              <a:solidFill>
+                <a:schemeClr val="bg1">
+                  <a:lumMod val="65000"/>
+                </a:schemeClr>
+              </a:solidFill>
+              <a:latin typeface="Courier New" panose="02070309020205020404" pitchFamily="49" charset="0"/>
+              <a:cs typeface="Courier New" panose="02070309020205020404" pitchFamily="49" charset="0"/>
+            </a:endParaRPr>
           </a:p>
         </p:txBody>
       </p:sp>
@@ -6271,19 +6318,59 @@
                 <a:latin typeface="Courier New" panose="02070309020205020404" pitchFamily="49" charset="0"/>
                 <a:cs typeface="Courier New" panose="02070309020205020404" pitchFamily="49" charset="0"/>
               </a:rPr>
-              <a:t>origin d:/Daniel_SIDE_PROJECT/TestDoc/RemoteGit.git (fetch)</a:t>
-            </a:r>
-          </a:p>
-          <a:p>
-            <a:r>
-              <a:rPr lang="en-US" altLang="zh-TW" sz="1200" dirty="0">
-                <a:solidFill>
-                  <a:schemeClr val="bg1"/>
-                </a:solidFill>
-                <a:latin typeface="Courier New" panose="02070309020205020404" pitchFamily="49" charset="0"/>
-                <a:cs typeface="Courier New" panose="02070309020205020404" pitchFamily="49" charset="0"/>
-              </a:rPr>
-              <a:t>origin d:/Daniel_SIDE_PROJECT/TestDoc/RemoteGit.git (push)</a:t>
+              <a:t>origin d:/Daniel_SIDE_PROJECT/TestDoc/</a:t>
+            </a:r>
+            <a:r>
+              <a:rPr lang="en-US" altLang="zh-TW" sz="1200" dirty="0" err="1">
+                <a:solidFill>
+                  <a:schemeClr val="bg1"/>
+                </a:solidFill>
+                <a:latin typeface="Courier New" panose="02070309020205020404" pitchFamily="49" charset="0"/>
+                <a:cs typeface="Courier New" panose="02070309020205020404" pitchFamily="49" charset="0"/>
+              </a:rPr>
+              <a:t>RemoteGit.git</a:t>
+            </a:r>
+            <a:r>
+              <a:rPr lang="en-US" altLang="zh-TW" sz="1200" dirty="0">
+                <a:solidFill>
+                  <a:schemeClr val="bg1"/>
+                </a:solidFill>
+                <a:latin typeface="Courier New" panose="02070309020205020404" pitchFamily="49" charset="0"/>
+                <a:cs typeface="Courier New" panose="02070309020205020404" pitchFamily="49" charset="0"/>
+              </a:rPr>
+              <a:t> (fetch)</a:t>
+            </a:r>
+          </a:p>
+          <a:p>
+            <a:r>
+              <a:rPr lang="en-US" altLang="zh-TW" sz="1200" dirty="0">
+                <a:solidFill>
+                  <a:schemeClr val="bg1"/>
+                </a:solidFill>
+                <a:latin typeface="Courier New" panose="02070309020205020404" pitchFamily="49" charset="0"/>
+                <a:cs typeface="Courier New" panose="02070309020205020404" pitchFamily="49" charset="0"/>
+              </a:rPr>
+              <a:t>origin d:/Daniel_SIDE_PROJECT/TestDoc/</a:t>
+            </a:r>
+            <a:r>
+              <a:rPr lang="en-US" altLang="zh-TW" sz="1200" dirty="0" err="1">
+                <a:solidFill>
+                  <a:schemeClr val="bg1"/>
+                </a:solidFill>
+                <a:latin typeface="Courier New" panose="02070309020205020404" pitchFamily="49" charset="0"/>
+                <a:cs typeface="Courier New" panose="02070309020205020404" pitchFamily="49" charset="0"/>
+              </a:rPr>
+              <a:t>RemoteGit.git</a:t>
+            </a:r>
+            <a:r>
+              <a:rPr lang="en-US" altLang="zh-TW" sz="1200" dirty="0">
+                <a:solidFill>
+                  <a:schemeClr val="bg1"/>
+                </a:solidFill>
+                <a:latin typeface="Courier New" panose="02070309020205020404" pitchFamily="49" charset="0"/>
+                <a:cs typeface="Courier New" panose="02070309020205020404" pitchFamily="49" charset="0"/>
+              </a:rPr>
+              <a:t> (push)</a:t>
             </a:r>
           </a:p>
           <a:p>
@@ -7507,8 +7594,25 @@
                 <a:latin typeface="Courier New" panose="02070309020205020404" pitchFamily="49" charset="0"/>
                 <a:cs typeface="Courier New" panose="02070309020205020404" pitchFamily="49" charset="0"/>
               </a:rPr>
-              <a:t> git clone d:/Daniel_SIDE_PROJECT/TestDoc/RemoteGit.git</a:t>
-            </a:r>
+              <a:t> git clone d:/Daniel_SIDE_PROJECT/TestDoc/</a:t>
+            </a:r>
+            <a:r>
+              <a:rPr lang="en-US" altLang="zh-TW" sz="1200" dirty="0" err="1">
+                <a:solidFill>
+                  <a:srgbClr val="00FF00"/>
+                </a:solidFill>
+                <a:latin typeface="Courier New" panose="02070309020205020404" pitchFamily="49" charset="0"/>
+                <a:cs typeface="Courier New" panose="02070309020205020404" pitchFamily="49" charset="0"/>
+              </a:rPr>
+              <a:t>RemoteGit.git</a:t>
+            </a:r>
+            <a:endParaRPr lang="en-US" altLang="zh-TW" sz="1200" dirty="0">
+              <a:solidFill>
+                <a:srgbClr val="00FF00"/>
+              </a:solidFill>
+              <a:latin typeface="Courier New" panose="02070309020205020404" pitchFamily="49" charset="0"/>
+              <a:cs typeface="Courier New" panose="02070309020205020404" pitchFamily="49" charset="0"/>
+            </a:endParaRPr>
           </a:p>
         </p:txBody>
       </p:sp>
@@ -8955,9 +9059,26 @@
 <file path=ppt/slides/slide14.xml><?xml version="1.0" encoding="utf-8"?>
 <p:sld xmlns:a="http://schemas.openxmlformats.org/drawingml/2006/main" xmlns:r="http://schemas.openxmlformats.org/officeDocument/2006/relationships" xmlns:p="http://schemas.openxmlformats.org/presentationml/2006/main">
   <p:cSld>
+    <p:bg>
+      <p:bgPr>
+        <a:solidFill>
+          <a:schemeClr val="tx1">
+            <a:lumMod val="75000"/>
+            <a:lumOff val="25000"/>
+          </a:schemeClr>
+        </a:solidFill>
+        <a:effectLst/>
+      </p:bgPr>
+    </p:bg>
     <p:spTree>
       <p:nvGrpSpPr>
-        <p:cNvPr id="1" name=""/>
+        <p:cNvPr id="1" name="">
+          <a:extLst>
+            <a:ext uri="{FF2B5EF4-FFF2-40B4-BE49-F238E27FC236}">
+              <a16:creationId xmlns:a16="http://schemas.microsoft.com/office/drawing/2014/main" id="{C78CDC47-36B1-B360-EAA4-F44D659AF053}"/>
+            </a:ext>
+          </a:extLst>
+        </p:cNvPr>
         <p:cNvGrpSpPr/>
         <p:nvPr/>
       </p:nvGrpSpPr>
@@ -8974,7 +9095,7 @@
           <p:cNvPr id="2" name="標題 1">
             <a:extLst>
               <a:ext uri="{FF2B5EF4-FFF2-40B4-BE49-F238E27FC236}">
-                <a16:creationId xmlns:a16="http://schemas.microsoft.com/office/drawing/2014/main" id="{1295165D-BBFE-B968-8812-5920135BB69A}"/>
+                <a16:creationId xmlns:a16="http://schemas.microsoft.com/office/drawing/2014/main" id="{36394C69-98E3-72CE-EDE3-614A86ADC87A}"/>
               </a:ext>
             </a:extLst>
           </p:cNvPr>
@@ -8985,16 +9106,31 @@
             <p:ph type="title"/>
           </p:nvPr>
         </p:nvSpPr>
-        <p:spPr/>
+        <p:spPr>
+          <a:xfrm>
+            <a:off x="640079" y="1102718"/>
+            <a:ext cx="10890929" cy="662474"/>
+          </a:xfrm>
+        </p:spPr>
         <p:txBody>
-          <a:bodyPr/>
+          <a:bodyPr anchor="ctr" anchorCtr="0">
+            <a:normAutofit/>
+          </a:bodyPr>
           <a:lstStyle/>
           <a:p>
             <a:r>
-              <a:rPr lang="en-US" altLang="zh-TW" dirty="0"/>
-              <a:t>Git Test</a:t>
-            </a:r>
-            <a:endParaRPr lang="zh-TW" altLang="en-US" dirty="0"/>
+              <a:rPr lang="en-US" altLang="zh-TW" sz="3200" dirty="0">
+                <a:solidFill>
+                  <a:srgbClr val="FFC000"/>
+                </a:solidFill>
+              </a:rPr>
+              <a:t>Git Bash – Command Line</a:t>
+            </a:r>
+            <a:endParaRPr lang="zh-TW" altLang="en-US" sz="3200" dirty="0">
+              <a:solidFill>
+                <a:srgbClr val="FFC000"/>
+              </a:solidFill>
+            </a:endParaRPr>
           </a:p>
         </p:txBody>
       </p:sp>
@@ -9003,7 +9139,7 @@
           <p:cNvPr id="3" name="內容版面配置區 2">
             <a:extLst>
               <a:ext uri="{FF2B5EF4-FFF2-40B4-BE49-F238E27FC236}">
-                <a16:creationId xmlns:a16="http://schemas.microsoft.com/office/drawing/2014/main" id="{A3B52210-FB3E-3961-061E-A7E9C7B3D5F8}"/>
+                <a16:creationId xmlns:a16="http://schemas.microsoft.com/office/drawing/2014/main" id="{0A6903D1-8125-3F25-AD3C-8AC22D315662}"/>
               </a:ext>
             </a:extLst>
           </p:cNvPr>
@@ -9014,27 +9150,7777 @@
             <p:ph idx="1"/>
           </p:nvPr>
         </p:nvSpPr>
-        <p:spPr/>
+        <p:spPr>
+          <a:xfrm>
+            <a:off x="797097" y="1765192"/>
+            <a:ext cx="5496127" cy="547027"/>
+          </a:xfrm>
+        </p:spPr>
         <p:txBody>
-          <a:bodyPr/>
+          <a:bodyPr anchor="ctr" anchorCtr="0">
+            <a:noAutofit/>
+          </a:bodyPr>
           <a:lstStyle/>
           <a:p>
-            <a:r>
-              <a:rPr lang="en-US" altLang="zh-TW" dirty="0"/>
-              <a:t>For commit, merge, pull and </a:t>
-            </a:r>
-            <a:r>
-              <a:rPr lang="en-US" altLang="zh-TW"/>
-              <a:t>push test.</a:t>
-            </a:r>
-            <a:endParaRPr lang="zh-TW" altLang="en-US"/>
+            <a:pPr>
+              <a:buFont typeface="Wingdings" panose="05000000000000000000" pitchFamily="2" charset="2"/>
+              <a:buChar char="l"/>
+            </a:pPr>
+            <a:r>
+              <a:rPr lang="zh-TW" altLang="en-US" dirty="0">
+                <a:solidFill>
+                  <a:srgbClr val="00B0F0"/>
+                </a:solidFill>
+              </a:rPr>
+              <a:t> </a:t>
+            </a:r>
+            <a:r>
+              <a:rPr lang="en-US" altLang="zh-TW" dirty="0">
+                <a:solidFill>
+                  <a:srgbClr val="00B0F0"/>
+                </a:solidFill>
+              </a:rPr>
+              <a:t>Pull(</a:t>
+            </a:r>
+            <a:r>
+              <a:rPr lang="zh-TW" altLang="en-US" dirty="0">
+                <a:solidFill>
+                  <a:srgbClr val="00B0F0"/>
+                </a:solidFill>
+              </a:rPr>
+              <a:t>拉取</a:t>
+            </a:r>
+            <a:r>
+              <a:rPr lang="en-US" altLang="zh-TW" dirty="0">
+                <a:solidFill>
+                  <a:srgbClr val="00B0F0"/>
+                </a:solidFill>
+              </a:rPr>
+              <a:t>)</a:t>
+            </a:r>
+            <a:r>
+              <a:rPr lang="zh-TW" altLang="en-US" dirty="0">
+                <a:solidFill>
+                  <a:srgbClr val="00B0F0"/>
+                </a:solidFill>
+              </a:rPr>
+              <a:t>數據到本地端</a:t>
+            </a:r>
+            <a:r>
+              <a:rPr lang="en-US" altLang="zh-TW" dirty="0">
+                <a:solidFill>
+                  <a:srgbClr val="00B0F0"/>
+                </a:solidFill>
+              </a:rPr>
+              <a:t>Git</a:t>
+            </a:r>
+            <a:r>
+              <a:rPr lang="zh-TW" altLang="en-US" dirty="0">
+                <a:solidFill>
+                  <a:srgbClr val="00B0F0"/>
+                </a:solidFill>
+              </a:rPr>
+              <a:t> </a:t>
+            </a:r>
+            <a:r>
+              <a:rPr lang="en-US" altLang="zh-TW" dirty="0">
+                <a:solidFill>
+                  <a:srgbClr val="00B0F0"/>
+                </a:solidFill>
+              </a:rPr>
+              <a:t>Repository</a:t>
+            </a:r>
+            <a:r>
+              <a:rPr lang="zh-TW" altLang="en-US" dirty="0">
+                <a:solidFill>
+                  <a:srgbClr val="00B0F0"/>
+                </a:solidFill>
+              </a:rPr>
+              <a:t>目錄</a:t>
+            </a:r>
+          </a:p>
+        </p:txBody>
+      </p:sp>
+      <p:sp>
+        <p:nvSpPr>
+          <p:cNvPr id="4" name="文字方塊 3">
+            <a:extLst>
+              <a:ext uri="{FF2B5EF4-FFF2-40B4-BE49-F238E27FC236}">
+                <a16:creationId xmlns:a16="http://schemas.microsoft.com/office/drawing/2014/main" id="{FFA9F214-4307-AD3D-1615-8B1DEA323C9A}"/>
+              </a:ext>
+            </a:extLst>
+          </p:cNvPr>
+          <p:cNvSpPr txBox="1"/>
+          <p:nvPr/>
+        </p:nvSpPr>
+        <p:spPr>
+          <a:xfrm>
+            <a:off x="1717954" y="2625876"/>
+            <a:ext cx="4378046" cy="387927"/>
+          </a:xfrm>
+          <a:prstGeom prst="rect">
+            <a:avLst/>
+          </a:prstGeom>
+          <a:noFill/>
+        </p:spPr>
+        <p:txBody>
+          <a:bodyPr wrap="square" rtlCol="0">
+            <a:spAutoFit/>
+          </a:bodyPr>
+          <a:lstStyle/>
+          <a:p>
+            <a:pPr>
+              <a:lnSpc>
+                <a:spcPct val="150000"/>
+              </a:lnSpc>
+            </a:pPr>
+            <a:r>
+              <a:rPr lang="zh-TW" altLang="en-US" sz="1400" dirty="0">
+                <a:solidFill>
+                  <a:schemeClr val="bg1"/>
+                </a:solidFill>
+                <a:latin typeface="Courier New" panose="02070309020205020404" pitchFamily="49" charset="0"/>
+                <a:cs typeface="Courier New" panose="02070309020205020404" pitchFamily="49" charset="0"/>
+              </a:rPr>
+              <a:t>使用</a:t>
+            </a:r>
+            <a:r>
+              <a:rPr lang="en-US" altLang="zh-TW" sz="1400" dirty="0">
+                <a:solidFill>
+                  <a:schemeClr val="bg1"/>
+                </a:solidFill>
+                <a:latin typeface="Courier New" panose="02070309020205020404" pitchFamily="49" charset="0"/>
+                <a:cs typeface="Courier New" panose="02070309020205020404" pitchFamily="49" charset="0"/>
+              </a:rPr>
+              <a:t>“remote”</a:t>
+            </a:r>
+            <a:r>
+              <a:rPr lang="zh-TW" altLang="en-US" sz="1400" dirty="0">
+                <a:solidFill>
+                  <a:schemeClr val="bg1"/>
+                </a:solidFill>
+                <a:latin typeface="Courier New" panose="02070309020205020404" pitchFamily="49" charset="0"/>
+                <a:cs typeface="Courier New" panose="02070309020205020404" pitchFamily="49" charset="0"/>
+              </a:rPr>
+              <a:t>指令查詢</a:t>
+            </a:r>
+            <a:r>
+              <a:rPr lang="en-US" altLang="zh-TW" sz="1400" dirty="0">
+                <a:solidFill>
+                  <a:schemeClr val="bg1"/>
+                </a:solidFill>
+                <a:latin typeface="Courier New" panose="02070309020205020404" pitchFamily="49" charset="0"/>
+                <a:cs typeface="Courier New" panose="02070309020205020404" pitchFamily="49" charset="0"/>
+              </a:rPr>
+              <a:t>/</a:t>
+            </a:r>
+            <a:r>
+              <a:rPr lang="zh-TW" altLang="en-US" sz="1400" dirty="0">
+                <a:solidFill>
+                  <a:schemeClr val="bg1"/>
+                </a:solidFill>
+                <a:latin typeface="Courier New" panose="02070309020205020404" pitchFamily="49" charset="0"/>
+                <a:cs typeface="Courier New" panose="02070309020205020404" pitchFamily="49" charset="0"/>
+              </a:rPr>
+              <a:t>確認遠端分支路徑</a:t>
+            </a:r>
+            <a:endParaRPr lang="zh-TW" altLang="en-US" sz="1400" dirty="0">
+              <a:solidFill>
+                <a:srgbClr val="00FF00"/>
+              </a:solidFill>
+              <a:latin typeface="Courier New" panose="02070309020205020404" pitchFamily="49" charset="0"/>
+              <a:cs typeface="Courier New" panose="02070309020205020404" pitchFamily="49" charset="0"/>
+            </a:endParaRPr>
+          </a:p>
+        </p:txBody>
+      </p:sp>
+      <p:sp>
+        <p:nvSpPr>
+          <p:cNvPr id="5" name="內容版面配置區 2">
+            <a:extLst>
+              <a:ext uri="{FF2B5EF4-FFF2-40B4-BE49-F238E27FC236}">
+                <a16:creationId xmlns:a16="http://schemas.microsoft.com/office/drawing/2014/main" id="{789AB788-9C41-85BC-3828-6B16C65D6265}"/>
+              </a:ext>
+            </a:extLst>
+          </p:cNvPr>
+          <p:cNvSpPr txBox="1">
+            <a:spLocks/>
+          </p:cNvSpPr>
+          <p:nvPr/>
+        </p:nvSpPr>
+        <p:spPr>
+          <a:xfrm>
+            <a:off x="1340358" y="2289256"/>
+            <a:ext cx="3895030" cy="442048"/>
+          </a:xfrm>
+          <a:prstGeom prst="rect">
+            <a:avLst/>
+          </a:prstGeom>
+        </p:spPr>
+        <p:txBody>
+          <a:bodyPr vert="horz" lIns="91440" tIns="45720" rIns="91440" bIns="45720" rtlCol="0" anchor="ctr" anchorCtr="0">
+            <a:normAutofit/>
+          </a:bodyPr>
+          <a:lstStyle>
+            <a:lvl1pPr marL="228600" indent="-228600" algn="l" defTabSz="914400" rtl="0" eaLnBrk="1" latinLnBrk="0" hangingPunct="1">
+              <a:lnSpc>
+                <a:spcPct val="120000"/>
+              </a:lnSpc>
+              <a:spcBef>
+                <a:spcPts val="1000"/>
+              </a:spcBef>
+              <a:buSzPct val="87000"/>
+              <a:buFont typeface="Arial" panose="020B0604020202020204" pitchFamily="34" charset="0"/>
+              <a:buChar char="•"/>
+              <a:defRPr sz="2000" kern="1200">
+                <a:solidFill>
+                  <a:schemeClr val="tx1"/>
+                </a:solidFill>
+                <a:latin typeface="+mn-lt"/>
+                <a:ea typeface="+mn-ea"/>
+                <a:cs typeface="+mn-cs"/>
+              </a:defRPr>
+            </a:lvl1pPr>
+            <a:lvl2pPr marL="493776" indent="-228600" algn="l" defTabSz="914400" rtl="0" eaLnBrk="1" latinLnBrk="0" hangingPunct="1">
+              <a:lnSpc>
+                <a:spcPct val="120000"/>
+              </a:lnSpc>
+              <a:spcBef>
+                <a:spcPts val="500"/>
+              </a:spcBef>
+              <a:buSzPct val="87000"/>
+              <a:buFont typeface="Arial" panose="020B0604020202020204" pitchFamily="34" charset="0"/>
+              <a:buChar char="•"/>
+              <a:defRPr sz="1800" kern="1200">
+                <a:solidFill>
+                  <a:schemeClr val="tx1"/>
+                </a:solidFill>
+                <a:latin typeface="+mn-lt"/>
+                <a:ea typeface="+mn-ea"/>
+                <a:cs typeface="+mn-cs"/>
+              </a:defRPr>
+            </a:lvl2pPr>
+            <a:lvl3pPr marL="731520" indent="-228600" algn="l" defTabSz="914400" rtl="0" eaLnBrk="1" latinLnBrk="0" hangingPunct="1">
+              <a:lnSpc>
+                <a:spcPct val="120000"/>
+              </a:lnSpc>
+              <a:spcBef>
+                <a:spcPts val="500"/>
+              </a:spcBef>
+              <a:buSzPct val="87000"/>
+              <a:buFont typeface="Arial" panose="020B0604020202020204" pitchFamily="34" charset="0"/>
+              <a:buChar char="•"/>
+              <a:defRPr sz="1600" kern="1200">
+                <a:solidFill>
+                  <a:schemeClr val="tx1"/>
+                </a:solidFill>
+                <a:latin typeface="+mn-lt"/>
+                <a:ea typeface="+mn-ea"/>
+                <a:cs typeface="+mn-cs"/>
+              </a:defRPr>
+            </a:lvl3pPr>
+            <a:lvl4pPr marL="1051560" indent="-285750" algn="l" defTabSz="914400" rtl="0" eaLnBrk="1" latinLnBrk="0" hangingPunct="1">
+              <a:lnSpc>
+                <a:spcPct val="120000"/>
+              </a:lnSpc>
+              <a:spcBef>
+                <a:spcPts val="500"/>
+              </a:spcBef>
+              <a:buSzPct val="87000"/>
+              <a:buFont typeface="Arial" panose="020B0604020202020204" pitchFamily="34" charset="0"/>
+              <a:buChar char="•"/>
+              <a:defRPr sz="1400" kern="1200">
+                <a:solidFill>
+                  <a:schemeClr val="tx1"/>
+                </a:solidFill>
+                <a:latin typeface="+mn-lt"/>
+                <a:ea typeface="+mn-ea"/>
+                <a:cs typeface="+mn-cs"/>
+              </a:defRPr>
+            </a:lvl4pPr>
+            <a:lvl5pPr marL="1298448" indent="-228600" algn="l" defTabSz="914400" rtl="0" eaLnBrk="1" latinLnBrk="0" hangingPunct="1">
+              <a:lnSpc>
+                <a:spcPct val="120000"/>
+              </a:lnSpc>
+              <a:spcBef>
+                <a:spcPts val="500"/>
+              </a:spcBef>
+              <a:buSzPct val="87000"/>
+              <a:buFont typeface="Arial" panose="020B0604020202020204" pitchFamily="34" charset="0"/>
+              <a:buChar char="•"/>
+              <a:defRPr sz="1400" kern="1200">
+                <a:solidFill>
+                  <a:schemeClr val="tx1"/>
+                </a:solidFill>
+                <a:latin typeface="+mn-lt"/>
+                <a:ea typeface="+mn-ea"/>
+                <a:cs typeface="+mn-cs"/>
+              </a:defRPr>
+            </a:lvl5pPr>
+            <a:lvl6pPr marL="2514600" indent="-228600" algn="l" defTabSz="914400" rtl="0" eaLnBrk="1" latinLnBrk="0" hangingPunct="1">
+              <a:lnSpc>
+                <a:spcPct val="90000"/>
+              </a:lnSpc>
+              <a:spcBef>
+                <a:spcPts val="500"/>
+              </a:spcBef>
+              <a:buFont typeface="Arial" panose="020B0604020202020204" pitchFamily="34" charset="0"/>
+              <a:buChar char="•"/>
+              <a:defRPr sz="1800" kern="1200">
+                <a:solidFill>
+                  <a:schemeClr val="tx1"/>
+                </a:solidFill>
+                <a:latin typeface="+mn-lt"/>
+                <a:ea typeface="+mn-ea"/>
+                <a:cs typeface="+mn-cs"/>
+              </a:defRPr>
+            </a:lvl6pPr>
+            <a:lvl7pPr marL="2971800" indent="-228600" algn="l" defTabSz="914400" rtl="0" eaLnBrk="1" latinLnBrk="0" hangingPunct="1">
+              <a:lnSpc>
+                <a:spcPct val="90000"/>
+              </a:lnSpc>
+              <a:spcBef>
+                <a:spcPts val="500"/>
+              </a:spcBef>
+              <a:buFont typeface="Arial" panose="020B0604020202020204" pitchFamily="34" charset="0"/>
+              <a:buChar char="•"/>
+              <a:defRPr sz="1800" kern="1200">
+                <a:solidFill>
+                  <a:schemeClr val="tx1"/>
+                </a:solidFill>
+                <a:latin typeface="+mn-lt"/>
+                <a:ea typeface="+mn-ea"/>
+                <a:cs typeface="+mn-cs"/>
+              </a:defRPr>
+            </a:lvl7pPr>
+            <a:lvl8pPr marL="3429000" indent="-228600" algn="l" defTabSz="914400" rtl="0" eaLnBrk="1" latinLnBrk="0" hangingPunct="1">
+              <a:lnSpc>
+                <a:spcPct val="90000"/>
+              </a:lnSpc>
+              <a:spcBef>
+                <a:spcPts val="500"/>
+              </a:spcBef>
+              <a:buFont typeface="Arial" panose="020B0604020202020204" pitchFamily="34" charset="0"/>
+              <a:buChar char="•"/>
+              <a:defRPr sz="1800" kern="1200">
+                <a:solidFill>
+                  <a:schemeClr val="tx1"/>
+                </a:solidFill>
+                <a:latin typeface="+mn-lt"/>
+                <a:ea typeface="+mn-ea"/>
+                <a:cs typeface="+mn-cs"/>
+              </a:defRPr>
+            </a:lvl8pPr>
+            <a:lvl9pPr marL="3886200" indent="-228600" algn="l" defTabSz="914400" rtl="0" eaLnBrk="1" latinLnBrk="0" hangingPunct="1">
+              <a:lnSpc>
+                <a:spcPct val="90000"/>
+              </a:lnSpc>
+              <a:spcBef>
+                <a:spcPts val="500"/>
+              </a:spcBef>
+              <a:buFont typeface="Arial" panose="020B0604020202020204" pitchFamily="34" charset="0"/>
+              <a:buChar char="•"/>
+              <a:defRPr sz="1800" kern="1200">
+                <a:solidFill>
+                  <a:schemeClr val="tx1"/>
+                </a:solidFill>
+                <a:latin typeface="+mn-lt"/>
+                <a:ea typeface="+mn-ea"/>
+                <a:cs typeface="+mn-cs"/>
+              </a:defRPr>
+            </a:lvl9pPr>
+          </a:lstStyle>
+          <a:p>
+            <a:pPr>
+              <a:buFont typeface="Wingdings" panose="05000000000000000000" pitchFamily="2" charset="2"/>
+              <a:buChar char="Ø"/>
+            </a:pPr>
+            <a:r>
+              <a:rPr lang="zh-TW" altLang="en-US" sz="1600" dirty="0">
+                <a:solidFill>
+                  <a:schemeClr val="bg1"/>
+                </a:solidFill>
+              </a:rPr>
+              <a:t>確認遠端</a:t>
+            </a:r>
+            <a:r>
+              <a:rPr lang="en-US" altLang="zh-TW" sz="1600" dirty="0">
+                <a:solidFill>
+                  <a:schemeClr val="bg1"/>
+                </a:solidFill>
+              </a:rPr>
+              <a:t>Git</a:t>
+            </a:r>
+            <a:r>
+              <a:rPr lang="zh-TW" altLang="en-US" sz="1600" dirty="0">
+                <a:solidFill>
+                  <a:schemeClr val="bg1"/>
+                </a:solidFill>
+              </a:rPr>
+              <a:t> </a:t>
+            </a:r>
+            <a:r>
+              <a:rPr lang="en-US" altLang="zh-TW" sz="1600" dirty="0">
+                <a:solidFill>
+                  <a:schemeClr val="bg1"/>
+                </a:solidFill>
+              </a:rPr>
+              <a:t>Repository</a:t>
+            </a:r>
+            <a:r>
+              <a:rPr lang="zh-TW" altLang="en-US" sz="1600" dirty="0">
+                <a:solidFill>
+                  <a:schemeClr val="bg1"/>
+                </a:solidFill>
+              </a:rPr>
+              <a:t>分支</a:t>
+            </a:r>
+            <a:r>
+              <a:rPr lang="en-US" altLang="zh-TW" sz="1600" dirty="0">
+                <a:solidFill>
+                  <a:schemeClr val="bg1"/>
+                </a:solidFill>
+              </a:rPr>
+              <a:t>URL</a:t>
+            </a:r>
+            <a:r>
+              <a:rPr lang="zh-TW" altLang="en-US" sz="1600" dirty="0">
+                <a:solidFill>
+                  <a:schemeClr val="bg1"/>
+                </a:solidFill>
+              </a:rPr>
+              <a:t>路徑</a:t>
+            </a:r>
+          </a:p>
+        </p:txBody>
+      </p:sp>
+      <p:sp>
+        <p:nvSpPr>
+          <p:cNvPr id="6" name="內容版面配置區 2">
+            <a:extLst>
+              <a:ext uri="{FF2B5EF4-FFF2-40B4-BE49-F238E27FC236}">
+                <a16:creationId xmlns:a16="http://schemas.microsoft.com/office/drawing/2014/main" id="{91AD2E49-A8C2-355D-43AC-4EB3BD8AD022}"/>
+              </a:ext>
+            </a:extLst>
+          </p:cNvPr>
+          <p:cNvSpPr txBox="1">
+            <a:spLocks/>
+          </p:cNvSpPr>
+          <p:nvPr/>
+        </p:nvSpPr>
+        <p:spPr>
+          <a:xfrm>
+            <a:off x="1340358" y="4778681"/>
+            <a:ext cx="3168889" cy="442048"/>
+          </a:xfrm>
+          <a:prstGeom prst="rect">
+            <a:avLst/>
+          </a:prstGeom>
+        </p:spPr>
+        <p:txBody>
+          <a:bodyPr vert="horz" lIns="91440" tIns="45720" rIns="91440" bIns="45720" rtlCol="0" anchor="ctr" anchorCtr="0">
+            <a:normAutofit/>
+          </a:bodyPr>
+          <a:lstStyle>
+            <a:lvl1pPr marL="228600" indent="-228600" algn="l" defTabSz="914400" rtl="0" eaLnBrk="1" latinLnBrk="0" hangingPunct="1">
+              <a:lnSpc>
+                <a:spcPct val="120000"/>
+              </a:lnSpc>
+              <a:spcBef>
+                <a:spcPts val="1000"/>
+              </a:spcBef>
+              <a:buSzPct val="87000"/>
+              <a:buFont typeface="Arial" panose="020B0604020202020204" pitchFamily="34" charset="0"/>
+              <a:buChar char="•"/>
+              <a:defRPr sz="2000" kern="1200">
+                <a:solidFill>
+                  <a:schemeClr val="tx1"/>
+                </a:solidFill>
+                <a:latin typeface="+mn-lt"/>
+                <a:ea typeface="+mn-ea"/>
+                <a:cs typeface="+mn-cs"/>
+              </a:defRPr>
+            </a:lvl1pPr>
+            <a:lvl2pPr marL="493776" indent="-228600" algn="l" defTabSz="914400" rtl="0" eaLnBrk="1" latinLnBrk="0" hangingPunct="1">
+              <a:lnSpc>
+                <a:spcPct val="120000"/>
+              </a:lnSpc>
+              <a:spcBef>
+                <a:spcPts val="500"/>
+              </a:spcBef>
+              <a:buSzPct val="87000"/>
+              <a:buFont typeface="Arial" panose="020B0604020202020204" pitchFamily="34" charset="0"/>
+              <a:buChar char="•"/>
+              <a:defRPr sz="1800" kern="1200">
+                <a:solidFill>
+                  <a:schemeClr val="tx1"/>
+                </a:solidFill>
+                <a:latin typeface="+mn-lt"/>
+                <a:ea typeface="+mn-ea"/>
+                <a:cs typeface="+mn-cs"/>
+              </a:defRPr>
+            </a:lvl2pPr>
+            <a:lvl3pPr marL="731520" indent="-228600" algn="l" defTabSz="914400" rtl="0" eaLnBrk="1" latinLnBrk="0" hangingPunct="1">
+              <a:lnSpc>
+                <a:spcPct val="120000"/>
+              </a:lnSpc>
+              <a:spcBef>
+                <a:spcPts val="500"/>
+              </a:spcBef>
+              <a:buSzPct val="87000"/>
+              <a:buFont typeface="Arial" panose="020B0604020202020204" pitchFamily="34" charset="0"/>
+              <a:buChar char="•"/>
+              <a:defRPr sz="1600" kern="1200">
+                <a:solidFill>
+                  <a:schemeClr val="tx1"/>
+                </a:solidFill>
+                <a:latin typeface="+mn-lt"/>
+                <a:ea typeface="+mn-ea"/>
+                <a:cs typeface="+mn-cs"/>
+              </a:defRPr>
+            </a:lvl3pPr>
+            <a:lvl4pPr marL="1051560" indent="-285750" algn="l" defTabSz="914400" rtl="0" eaLnBrk="1" latinLnBrk="0" hangingPunct="1">
+              <a:lnSpc>
+                <a:spcPct val="120000"/>
+              </a:lnSpc>
+              <a:spcBef>
+                <a:spcPts val="500"/>
+              </a:spcBef>
+              <a:buSzPct val="87000"/>
+              <a:buFont typeface="Arial" panose="020B0604020202020204" pitchFamily="34" charset="0"/>
+              <a:buChar char="•"/>
+              <a:defRPr sz="1400" kern="1200">
+                <a:solidFill>
+                  <a:schemeClr val="tx1"/>
+                </a:solidFill>
+                <a:latin typeface="+mn-lt"/>
+                <a:ea typeface="+mn-ea"/>
+                <a:cs typeface="+mn-cs"/>
+              </a:defRPr>
+            </a:lvl4pPr>
+            <a:lvl5pPr marL="1298448" indent="-228600" algn="l" defTabSz="914400" rtl="0" eaLnBrk="1" latinLnBrk="0" hangingPunct="1">
+              <a:lnSpc>
+                <a:spcPct val="120000"/>
+              </a:lnSpc>
+              <a:spcBef>
+                <a:spcPts val="500"/>
+              </a:spcBef>
+              <a:buSzPct val="87000"/>
+              <a:buFont typeface="Arial" panose="020B0604020202020204" pitchFamily="34" charset="0"/>
+              <a:buChar char="•"/>
+              <a:defRPr sz="1400" kern="1200">
+                <a:solidFill>
+                  <a:schemeClr val="tx1"/>
+                </a:solidFill>
+                <a:latin typeface="+mn-lt"/>
+                <a:ea typeface="+mn-ea"/>
+                <a:cs typeface="+mn-cs"/>
+              </a:defRPr>
+            </a:lvl5pPr>
+            <a:lvl6pPr marL="2514600" indent="-228600" algn="l" defTabSz="914400" rtl="0" eaLnBrk="1" latinLnBrk="0" hangingPunct="1">
+              <a:lnSpc>
+                <a:spcPct val="90000"/>
+              </a:lnSpc>
+              <a:spcBef>
+                <a:spcPts val="500"/>
+              </a:spcBef>
+              <a:buFont typeface="Arial" panose="020B0604020202020204" pitchFamily="34" charset="0"/>
+              <a:buChar char="•"/>
+              <a:defRPr sz="1800" kern="1200">
+                <a:solidFill>
+                  <a:schemeClr val="tx1"/>
+                </a:solidFill>
+                <a:latin typeface="+mn-lt"/>
+                <a:ea typeface="+mn-ea"/>
+                <a:cs typeface="+mn-cs"/>
+              </a:defRPr>
+            </a:lvl6pPr>
+            <a:lvl7pPr marL="2971800" indent="-228600" algn="l" defTabSz="914400" rtl="0" eaLnBrk="1" latinLnBrk="0" hangingPunct="1">
+              <a:lnSpc>
+                <a:spcPct val="90000"/>
+              </a:lnSpc>
+              <a:spcBef>
+                <a:spcPts val="500"/>
+              </a:spcBef>
+              <a:buFont typeface="Arial" panose="020B0604020202020204" pitchFamily="34" charset="0"/>
+              <a:buChar char="•"/>
+              <a:defRPr sz="1800" kern="1200">
+                <a:solidFill>
+                  <a:schemeClr val="tx1"/>
+                </a:solidFill>
+                <a:latin typeface="+mn-lt"/>
+                <a:ea typeface="+mn-ea"/>
+                <a:cs typeface="+mn-cs"/>
+              </a:defRPr>
+            </a:lvl7pPr>
+            <a:lvl8pPr marL="3429000" indent="-228600" algn="l" defTabSz="914400" rtl="0" eaLnBrk="1" latinLnBrk="0" hangingPunct="1">
+              <a:lnSpc>
+                <a:spcPct val="90000"/>
+              </a:lnSpc>
+              <a:spcBef>
+                <a:spcPts val="500"/>
+              </a:spcBef>
+              <a:buFont typeface="Arial" panose="020B0604020202020204" pitchFamily="34" charset="0"/>
+              <a:buChar char="•"/>
+              <a:defRPr sz="1800" kern="1200">
+                <a:solidFill>
+                  <a:schemeClr val="tx1"/>
+                </a:solidFill>
+                <a:latin typeface="+mn-lt"/>
+                <a:ea typeface="+mn-ea"/>
+                <a:cs typeface="+mn-cs"/>
+              </a:defRPr>
+            </a:lvl8pPr>
+            <a:lvl9pPr marL="3886200" indent="-228600" algn="l" defTabSz="914400" rtl="0" eaLnBrk="1" latinLnBrk="0" hangingPunct="1">
+              <a:lnSpc>
+                <a:spcPct val="90000"/>
+              </a:lnSpc>
+              <a:spcBef>
+                <a:spcPts val="500"/>
+              </a:spcBef>
+              <a:buFont typeface="Arial" panose="020B0604020202020204" pitchFamily="34" charset="0"/>
+              <a:buChar char="•"/>
+              <a:defRPr sz="1800" kern="1200">
+                <a:solidFill>
+                  <a:schemeClr val="tx1"/>
+                </a:solidFill>
+                <a:latin typeface="+mn-lt"/>
+                <a:ea typeface="+mn-ea"/>
+                <a:cs typeface="+mn-cs"/>
+              </a:defRPr>
+            </a:lvl9pPr>
+          </a:lstStyle>
+          <a:p>
+            <a:pPr>
+              <a:buFont typeface="Wingdings" panose="05000000000000000000" pitchFamily="2" charset="2"/>
+              <a:buChar char="Ø"/>
+            </a:pPr>
+            <a:r>
+              <a:rPr lang="zh-TW" altLang="en-US" sz="1600" dirty="0">
+                <a:solidFill>
+                  <a:schemeClr val="bg1"/>
+                </a:solidFill>
+              </a:rPr>
+              <a:t>從遠端數據庫拉取</a:t>
+            </a:r>
+          </a:p>
+        </p:txBody>
+      </p:sp>
+      <p:sp>
+        <p:nvSpPr>
+          <p:cNvPr id="8" name="文字方塊 7">
+            <a:extLst>
+              <a:ext uri="{FF2B5EF4-FFF2-40B4-BE49-F238E27FC236}">
+                <a16:creationId xmlns:a16="http://schemas.microsoft.com/office/drawing/2014/main" id="{100E4677-434A-4BB5-9FDE-4693E433778F}"/>
+              </a:ext>
+            </a:extLst>
+          </p:cNvPr>
+          <p:cNvSpPr txBox="1"/>
+          <p:nvPr/>
+        </p:nvSpPr>
+        <p:spPr>
+          <a:xfrm>
+            <a:off x="1981129" y="5583888"/>
+            <a:ext cx="9681953" cy="461665"/>
+          </a:xfrm>
+          <a:prstGeom prst="rect">
+            <a:avLst/>
+          </a:prstGeom>
+          <a:noFill/>
+        </p:spPr>
+        <p:txBody>
+          <a:bodyPr wrap="square" rtlCol="0">
+            <a:spAutoFit/>
+          </a:bodyPr>
+          <a:lstStyle/>
+          <a:p>
+            <a:r>
+              <a:rPr lang="en-US" altLang="zh-TW" sz="1200" dirty="0">
+                <a:solidFill>
+                  <a:srgbClr val="00FF00"/>
+                </a:solidFill>
+                <a:latin typeface="Courier New" panose="02070309020205020404" pitchFamily="49" charset="0"/>
+                <a:cs typeface="Courier New" panose="02070309020205020404" pitchFamily="49" charset="0"/>
+              </a:rPr>
+              <a:t>daniel.hsu@DESKTOP-2C8EEA2 </a:t>
+            </a:r>
+            <a:r>
+              <a:rPr lang="en-US" altLang="zh-TW" sz="1200" dirty="0">
+                <a:solidFill>
+                  <a:srgbClr val="FF00FF"/>
+                </a:solidFill>
+                <a:latin typeface="Courier New" panose="02070309020205020404" pitchFamily="49" charset="0"/>
+                <a:cs typeface="Courier New" panose="02070309020205020404" pitchFamily="49" charset="0"/>
+              </a:rPr>
+              <a:t>MINGW64</a:t>
+            </a:r>
+            <a:r>
+              <a:rPr lang="en-US" altLang="zh-TW" sz="1200" dirty="0">
+                <a:solidFill>
+                  <a:srgbClr val="00FF00"/>
+                </a:solidFill>
+                <a:latin typeface="Courier New" panose="02070309020205020404" pitchFamily="49" charset="0"/>
+                <a:cs typeface="Courier New" panose="02070309020205020404" pitchFamily="49" charset="0"/>
+              </a:rPr>
+              <a:t> </a:t>
+            </a:r>
+            <a:r>
+              <a:rPr lang="en-US" altLang="zh-TW" sz="1200" dirty="0">
+                <a:solidFill>
+                  <a:srgbClr val="FFC000"/>
+                </a:solidFill>
+                <a:latin typeface="Courier New" panose="02070309020205020404" pitchFamily="49" charset="0"/>
+                <a:cs typeface="Courier New" panose="02070309020205020404" pitchFamily="49" charset="0"/>
+              </a:rPr>
+              <a:t>/d/CAI_Porject/git_test </a:t>
+            </a:r>
+            <a:r>
+              <a:rPr lang="en-US" altLang="zh-TW" sz="1200" dirty="0">
+                <a:solidFill>
+                  <a:srgbClr val="33CCCC"/>
+                </a:solidFill>
+                <a:latin typeface="Courier New" panose="02070309020205020404" pitchFamily="49" charset="0"/>
+                <a:cs typeface="Courier New" panose="02070309020205020404" pitchFamily="49" charset="0"/>
+              </a:rPr>
+              <a:t>(master)</a:t>
+            </a:r>
+          </a:p>
+          <a:p>
+            <a:r>
+              <a:rPr lang="en-US" altLang="zh-TW" sz="1200" dirty="0">
+                <a:solidFill>
+                  <a:schemeClr val="bg1"/>
+                </a:solidFill>
+                <a:latin typeface="Courier New" panose="02070309020205020404" pitchFamily="49" charset="0"/>
+                <a:cs typeface="Courier New" panose="02070309020205020404" pitchFamily="49" charset="0"/>
+              </a:rPr>
+              <a:t>$</a:t>
+            </a:r>
+            <a:r>
+              <a:rPr lang="en-US" altLang="zh-TW" sz="1200" dirty="0">
+                <a:solidFill>
+                  <a:srgbClr val="00FF00"/>
+                </a:solidFill>
+                <a:latin typeface="Courier New" panose="02070309020205020404" pitchFamily="49" charset="0"/>
+                <a:cs typeface="Courier New" panose="02070309020205020404" pitchFamily="49" charset="0"/>
+              </a:rPr>
+              <a:t> git pull https://github.com/Jerry-Daniel/Git_Learning.git master</a:t>
+            </a:r>
+          </a:p>
+        </p:txBody>
+      </p:sp>
+      <p:sp>
+        <p:nvSpPr>
+          <p:cNvPr id="10" name="文字方塊 9">
+            <a:extLst>
+              <a:ext uri="{FF2B5EF4-FFF2-40B4-BE49-F238E27FC236}">
+                <a16:creationId xmlns:a16="http://schemas.microsoft.com/office/drawing/2014/main" id="{FB6E91EC-F2E8-BC10-E427-363B7029E5FD}"/>
+              </a:ext>
+            </a:extLst>
+          </p:cNvPr>
+          <p:cNvSpPr txBox="1"/>
+          <p:nvPr/>
+        </p:nvSpPr>
+        <p:spPr>
+          <a:xfrm>
+            <a:off x="1717954" y="5188894"/>
+            <a:ext cx="3024375" cy="387927"/>
+          </a:xfrm>
+          <a:prstGeom prst="rect">
+            <a:avLst/>
+          </a:prstGeom>
+          <a:noFill/>
+        </p:spPr>
+        <p:txBody>
+          <a:bodyPr wrap="square" rtlCol="0">
+            <a:spAutoFit/>
+          </a:bodyPr>
+          <a:lstStyle/>
+          <a:p>
+            <a:pPr>
+              <a:lnSpc>
+                <a:spcPct val="150000"/>
+              </a:lnSpc>
+            </a:pPr>
+            <a:r>
+              <a:rPr lang="zh-TW" altLang="en-US" sz="1400" dirty="0">
+                <a:solidFill>
+                  <a:schemeClr val="bg1"/>
+                </a:solidFill>
+                <a:latin typeface="Courier New" panose="02070309020205020404" pitchFamily="49" charset="0"/>
+                <a:cs typeface="Courier New" panose="02070309020205020404" pitchFamily="49" charset="0"/>
+              </a:rPr>
+              <a:t>使用</a:t>
+            </a:r>
+            <a:r>
+              <a:rPr lang="en-US" altLang="zh-TW" sz="1400" dirty="0">
+                <a:solidFill>
+                  <a:schemeClr val="bg1"/>
+                </a:solidFill>
+                <a:latin typeface="Courier New" panose="02070309020205020404" pitchFamily="49" charset="0"/>
+                <a:cs typeface="Courier New" panose="02070309020205020404" pitchFamily="49" charset="0"/>
+              </a:rPr>
+              <a:t>“pull”</a:t>
+            </a:r>
+            <a:r>
+              <a:rPr lang="zh-TW" altLang="en-US" sz="1400" dirty="0">
+                <a:solidFill>
+                  <a:schemeClr val="bg1"/>
+                </a:solidFill>
+                <a:latin typeface="Courier New" panose="02070309020205020404" pitchFamily="49" charset="0"/>
+                <a:cs typeface="Courier New" panose="02070309020205020404" pitchFamily="49" charset="0"/>
+              </a:rPr>
+              <a:t>指令進行拉取</a:t>
+            </a:r>
+            <a:endParaRPr lang="zh-TW" altLang="en-US" sz="1400" dirty="0">
+              <a:solidFill>
+                <a:srgbClr val="00FF00"/>
+              </a:solidFill>
+              <a:latin typeface="Courier New" panose="02070309020205020404" pitchFamily="49" charset="0"/>
+              <a:cs typeface="Courier New" panose="02070309020205020404" pitchFamily="49" charset="0"/>
+            </a:endParaRPr>
+          </a:p>
+        </p:txBody>
+      </p:sp>
+      <p:sp>
+        <p:nvSpPr>
+          <p:cNvPr id="7" name="文字方塊 6">
+            <a:extLst>
+              <a:ext uri="{FF2B5EF4-FFF2-40B4-BE49-F238E27FC236}">
+                <a16:creationId xmlns:a16="http://schemas.microsoft.com/office/drawing/2014/main" id="{E34D24C2-C2BF-5D85-CDE9-15CF2183C77B}"/>
+              </a:ext>
+            </a:extLst>
+          </p:cNvPr>
+          <p:cNvSpPr txBox="1"/>
+          <p:nvPr/>
+        </p:nvSpPr>
+        <p:spPr>
+          <a:xfrm>
+            <a:off x="1981128" y="3492192"/>
+            <a:ext cx="6616023" cy="461665"/>
+          </a:xfrm>
+          <a:prstGeom prst="rect">
+            <a:avLst/>
+          </a:prstGeom>
+          <a:noFill/>
+        </p:spPr>
+        <p:txBody>
+          <a:bodyPr wrap="square" rtlCol="0">
+            <a:spAutoFit/>
+          </a:bodyPr>
+          <a:lstStyle/>
+          <a:p>
+            <a:r>
+              <a:rPr lang="en-US" altLang="zh-TW" sz="1200" dirty="0">
+                <a:solidFill>
+                  <a:srgbClr val="00FF00"/>
+                </a:solidFill>
+                <a:latin typeface="Courier New" panose="02070309020205020404" pitchFamily="49" charset="0"/>
+                <a:cs typeface="Courier New" panose="02070309020205020404" pitchFamily="49" charset="0"/>
+              </a:rPr>
+              <a:t>daniel.hsu@DESKTOP-2C8EEA2 </a:t>
+            </a:r>
+            <a:r>
+              <a:rPr lang="en-US" altLang="zh-TW" sz="1200" dirty="0">
+                <a:solidFill>
+                  <a:srgbClr val="FF00FF"/>
+                </a:solidFill>
+                <a:latin typeface="Courier New" panose="02070309020205020404" pitchFamily="49" charset="0"/>
+                <a:cs typeface="Courier New" panose="02070309020205020404" pitchFamily="49" charset="0"/>
+              </a:rPr>
+              <a:t>MINGW64</a:t>
+            </a:r>
+            <a:r>
+              <a:rPr lang="en-US" altLang="zh-TW" sz="1200" dirty="0">
+                <a:solidFill>
+                  <a:srgbClr val="00FF00"/>
+                </a:solidFill>
+                <a:latin typeface="Courier New" panose="02070309020205020404" pitchFamily="49" charset="0"/>
+                <a:cs typeface="Courier New" panose="02070309020205020404" pitchFamily="49" charset="0"/>
+              </a:rPr>
+              <a:t> </a:t>
+            </a:r>
+            <a:r>
+              <a:rPr lang="en-US" altLang="zh-TW" sz="1200" dirty="0">
+                <a:solidFill>
+                  <a:srgbClr val="FFC000"/>
+                </a:solidFill>
+                <a:latin typeface="Courier New" panose="02070309020205020404" pitchFamily="49" charset="0"/>
+                <a:cs typeface="Courier New" panose="02070309020205020404" pitchFamily="49" charset="0"/>
+              </a:rPr>
+              <a:t>/d/CAI_Porject/git_test </a:t>
+            </a:r>
+            <a:r>
+              <a:rPr lang="en-US" altLang="zh-TW" sz="1200" dirty="0">
+                <a:solidFill>
+                  <a:srgbClr val="33CCCC"/>
+                </a:solidFill>
+                <a:latin typeface="Courier New" panose="02070309020205020404" pitchFamily="49" charset="0"/>
+                <a:cs typeface="Courier New" panose="02070309020205020404" pitchFamily="49" charset="0"/>
+              </a:rPr>
+              <a:t>(master) </a:t>
+            </a:r>
+          </a:p>
+          <a:p>
+            <a:r>
+              <a:rPr lang="en-US" altLang="zh-TW" sz="1200" dirty="0">
+                <a:solidFill>
+                  <a:schemeClr val="bg1"/>
+                </a:solidFill>
+                <a:latin typeface="Courier New" panose="02070309020205020404" pitchFamily="49" charset="0"/>
+                <a:cs typeface="Courier New" panose="02070309020205020404" pitchFamily="49" charset="0"/>
+              </a:rPr>
+              <a:t>$</a:t>
+            </a:r>
+            <a:r>
+              <a:rPr lang="en-US" altLang="zh-TW" sz="1200" dirty="0">
+                <a:solidFill>
+                  <a:srgbClr val="00FF00"/>
+                </a:solidFill>
+                <a:latin typeface="Courier New" panose="02070309020205020404" pitchFamily="49" charset="0"/>
+                <a:cs typeface="Courier New" panose="02070309020205020404" pitchFamily="49" charset="0"/>
+              </a:rPr>
+              <a:t> git remote -v</a:t>
+            </a:r>
+          </a:p>
+        </p:txBody>
+      </p:sp>
+      <p:sp>
+        <p:nvSpPr>
+          <p:cNvPr id="9" name="文字方塊 8">
+            <a:extLst>
+              <a:ext uri="{FF2B5EF4-FFF2-40B4-BE49-F238E27FC236}">
+                <a16:creationId xmlns:a16="http://schemas.microsoft.com/office/drawing/2014/main" id="{817D3BB2-7F9E-96B7-198D-7FDBAD9D1F45}"/>
+              </a:ext>
+            </a:extLst>
+          </p:cNvPr>
+          <p:cNvSpPr txBox="1"/>
+          <p:nvPr/>
+        </p:nvSpPr>
+        <p:spPr>
+          <a:xfrm>
+            <a:off x="1981129" y="3133437"/>
+            <a:ext cx="6867036" cy="276999"/>
+          </a:xfrm>
+          <a:prstGeom prst="rect">
+            <a:avLst/>
+          </a:prstGeom>
+          <a:noFill/>
+        </p:spPr>
+        <p:txBody>
+          <a:bodyPr wrap="square" rtlCol="0">
+            <a:spAutoFit/>
+          </a:bodyPr>
+          <a:lstStyle/>
+          <a:p>
+            <a:r>
+              <a:rPr lang="zh-TW" altLang="en-US" sz="1200" dirty="0">
+                <a:solidFill>
+                  <a:schemeClr val="bg1"/>
+                </a:solidFill>
+                <a:latin typeface="Courier New" panose="02070309020205020404" pitchFamily="49" charset="0"/>
+                <a:cs typeface="Courier New" panose="02070309020205020404" pitchFamily="49" charset="0"/>
+              </a:rPr>
+              <a:t>語法 </a:t>
+            </a:r>
+            <a:r>
+              <a:rPr lang="en-US" altLang="zh-TW" sz="1200" dirty="0">
+                <a:solidFill>
+                  <a:schemeClr val="bg1"/>
+                </a:solidFill>
+                <a:latin typeface="Courier New" panose="02070309020205020404" pitchFamily="49" charset="0"/>
+                <a:cs typeface="Courier New" panose="02070309020205020404" pitchFamily="49" charset="0"/>
+              </a:rPr>
+              <a:t>:</a:t>
+            </a:r>
+            <a:r>
+              <a:rPr lang="zh-TW" altLang="en-US" sz="1200" dirty="0">
+                <a:solidFill>
+                  <a:schemeClr val="bg1"/>
+                </a:solidFill>
+                <a:latin typeface="Courier New" panose="02070309020205020404" pitchFamily="49" charset="0"/>
+                <a:cs typeface="Courier New" panose="02070309020205020404" pitchFamily="49" charset="0"/>
+              </a:rPr>
+              <a:t> </a:t>
+            </a:r>
+            <a:r>
+              <a:rPr lang="en-US" altLang="zh-TW" sz="1200" dirty="0">
+                <a:solidFill>
+                  <a:schemeClr val="bg1"/>
+                </a:solidFill>
+                <a:latin typeface="Courier New" panose="02070309020205020404" pitchFamily="49" charset="0"/>
+                <a:cs typeface="Courier New" panose="02070309020205020404" pitchFamily="49" charset="0"/>
+              </a:rPr>
+              <a:t>$</a:t>
+            </a:r>
+            <a:r>
+              <a:rPr lang="zh-TW" altLang="en-US" sz="1200" dirty="0">
+                <a:solidFill>
+                  <a:schemeClr val="bg1"/>
+                </a:solidFill>
+                <a:latin typeface="Courier New" panose="02070309020205020404" pitchFamily="49" charset="0"/>
+                <a:cs typeface="Courier New" panose="02070309020205020404" pitchFamily="49" charset="0"/>
+              </a:rPr>
+              <a:t> </a:t>
+            </a:r>
+            <a:r>
+              <a:rPr lang="en-US" altLang="zh-TW" sz="1200" dirty="0">
+                <a:solidFill>
+                  <a:schemeClr val="bg1"/>
+                </a:solidFill>
+                <a:latin typeface="Courier New" panose="02070309020205020404" pitchFamily="49" charset="0"/>
+                <a:cs typeface="Courier New" panose="02070309020205020404" pitchFamily="49" charset="0"/>
+              </a:rPr>
+              <a:t>git </a:t>
+            </a:r>
+            <a:r>
+              <a:rPr lang="zh-TW" altLang="en-US" sz="1200" dirty="0">
+                <a:solidFill>
+                  <a:schemeClr val="bg1"/>
+                </a:solidFill>
+                <a:latin typeface="Courier New" panose="02070309020205020404" pitchFamily="49" charset="0"/>
+                <a:cs typeface="Courier New" panose="02070309020205020404" pitchFamily="49" charset="0"/>
+              </a:rPr>
+              <a:t>命令</a:t>
+            </a:r>
+            <a:r>
+              <a:rPr lang="en-US" altLang="zh-TW" sz="1200" dirty="0">
+                <a:solidFill>
+                  <a:schemeClr val="bg1"/>
+                </a:solidFill>
+                <a:latin typeface="Courier New" panose="02070309020205020404" pitchFamily="49" charset="0"/>
+                <a:cs typeface="Courier New" panose="02070309020205020404" pitchFamily="49" charset="0"/>
+              </a:rPr>
+              <a:t>(remote) </a:t>
+            </a:r>
+            <a:r>
+              <a:rPr lang="zh-TW" altLang="en-US" sz="1200" dirty="0">
+                <a:solidFill>
+                  <a:schemeClr val="bg1"/>
+                </a:solidFill>
+                <a:latin typeface="Courier New" panose="02070309020205020404" pitchFamily="49" charset="0"/>
+                <a:cs typeface="Courier New" panose="02070309020205020404" pitchFamily="49" charset="0"/>
+              </a:rPr>
+              <a:t>參數</a:t>
+            </a:r>
+            <a:r>
+              <a:rPr lang="en-US" altLang="zh-TW" sz="1200" dirty="0">
+                <a:solidFill>
+                  <a:schemeClr val="bg1"/>
+                </a:solidFill>
+                <a:latin typeface="Courier New" panose="02070309020205020404" pitchFamily="49" charset="0"/>
+                <a:cs typeface="Courier New" panose="02070309020205020404" pitchFamily="49" charset="0"/>
+              </a:rPr>
+              <a:t>(-v) </a:t>
+            </a:r>
+            <a:r>
+              <a:rPr lang="en-US" altLang="zh-TW" sz="1200" dirty="0">
+                <a:solidFill>
+                  <a:schemeClr val="bg1">
+                    <a:lumMod val="65000"/>
+                  </a:schemeClr>
+                </a:solidFill>
+                <a:latin typeface="Courier New" panose="02070309020205020404" pitchFamily="49" charset="0"/>
+                <a:cs typeface="Courier New" panose="02070309020205020404" pitchFamily="49" charset="0"/>
+              </a:rPr>
+              <a:t>#</a:t>
+            </a:r>
+            <a:r>
+              <a:rPr lang="zh-TW" altLang="en-US" sz="1200" dirty="0">
+                <a:solidFill>
+                  <a:schemeClr val="bg1">
+                    <a:lumMod val="65000"/>
+                  </a:schemeClr>
+                </a:solidFill>
+                <a:latin typeface="Courier New" panose="02070309020205020404" pitchFamily="49" charset="0"/>
+                <a:cs typeface="Courier New" panose="02070309020205020404" pitchFamily="49" charset="0"/>
+              </a:rPr>
+              <a:t>參數</a:t>
+            </a:r>
+            <a:r>
+              <a:rPr lang="en-US" altLang="zh-TW" sz="1200" dirty="0">
+                <a:solidFill>
+                  <a:schemeClr val="bg1">
+                    <a:lumMod val="65000"/>
+                  </a:schemeClr>
+                </a:solidFill>
+                <a:latin typeface="Courier New" panose="02070309020205020404" pitchFamily="49" charset="0"/>
+                <a:cs typeface="Courier New" panose="02070309020205020404" pitchFamily="49" charset="0"/>
+              </a:rPr>
+              <a:t>v</a:t>
+            </a:r>
+            <a:r>
+              <a:rPr lang="zh-TW" altLang="en-US" sz="1200" dirty="0">
+                <a:solidFill>
+                  <a:schemeClr val="bg1">
+                    <a:lumMod val="65000"/>
+                  </a:schemeClr>
+                </a:solidFill>
+                <a:latin typeface="Courier New" panose="02070309020205020404" pitchFamily="49" charset="0"/>
+                <a:cs typeface="Courier New" panose="02070309020205020404" pitchFamily="49" charset="0"/>
+              </a:rPr>
+              <a:t>是顯示</a:t>
+            </a:r>
+            <a:r>
+              <a:rPr lang="en-US" altLang="zh-TW" sz="1200" dirty="0">
+                <a:solidFill>
+                  <a:schemeClr val="bg1">
+                    <a:lumMod val="65000"/>
+                  </a:schemeClr>
+                </a:solidFill>
+                <a:latin typeface="Courier New" panose="02070309020205020404" pitchFamily="49" charset="0"/>
+                <a:cs typeface="Courier New" panose="02070309020205020404" pitchFamily="49" charset="0"/>
+              </a:rPr>
+              <a:t>Git</a:t>
+            </a:r>
+            <a:r>
+              <a:rPr lang="zh-TW" altLang="en-US" sz="1200" dirty="0">
+                <a:solidFill>
+                  <a:schemeClr val="bg1">
+                    <a:lumMod val="65000"/>
+                  </a:schemeClr>
+                </a:solidFill>
+                <a:latin typeface="Courier New" panose="02070309020205020404" pitchFamily="49" charset="0"/>
+                <a:cs typeface="Courier New" panose="02070309020205020404" pitchFamily="49" charset="0"/>
+              </a:rPr>
+              <a:t>用來讀寫遠端分支目錄的路徑</a:t>
+            </a:r>
+            <a:r>
+              <a:rPr lang="en-US" altLang="zh-TW" sz="1200" dirty="0">
+                <a:solidFill>
+                  <a:schemeClr val="bg1">
+                    <a:lumMod val="65000"/>
+                  </a:schemeClr>
+                </a:solidFill>
+                <a:latin typeface="Courier New" panose="02070309020205020404" pitchFamily="49" charset="0"/>
+                <a:cs typeface="Courier New" panose="02070309020205020404" pitchFamily="49" charset="0"/>
+              </a:rPr>
+              <a:t>URL</a:t>
+            </a:r>
+          </a:p>
+        </p:txBody>
+      </p:sp>
+      <p:pic>
+        <p:nvPicPr>
+          <p:cNvPr id="14" name="圖片 13">
+            <a:extLst>
+              <a:ext uri="{FF2B5EF4-FFF2-40B4-BE49-F238E27FC236}">
+                <a16:creationId xmlns:a16="http://schemas.microsoft.com/office/drawing/2014/main" id="{95F3BD7E-AD3A-0B7E-B6CD-804A9343C3A0}"/>
+              </a:ext>
+            </a:extLst>
+          </p:cNvPr>
+          <p:cNvPicPr>
+            <a:picLocks noChangeAspect="1"/>
+          </p:cNvPicPr>
+          <p:nvPr/>
+        </p:nvPicPr>
+        <p:blipFill>
+          <a:blip r:embed="rId2"/>
+          <a:stretch>
+            <a:fillRect/>
+          </a:stretch>
+        </p:blipFill>
+        <p:spPr>
+          <a:xfrm>
+            <a:off x="2221612" y="3966340"/>
+            <a:ext cx="5496127" cy="690729"/>
+          </a:xfrm>
+          <a:prstGeom prst="rect">
+            <a:avLst/>
+          </a:prstGeom>
+        </p:spPr>
+      </p:pic>
+      <p:sp>
+        <p:nvSpPr>
+          <p:cNvPr id="16" name="文字方塊 15">
+            <a:extLst>
+              <a:ext uri="{FF2B5EF4-FFF2-40B4-BE49-F238E27FC236}">
+                <a16:creationId xmlns:a16="http://schemas.microsoft.com/office/drawing/2014/main" id="{C6948417-AF69-6E18-0EA4-35EA48DDED96}"/>
+              </a:ext>
+            </a:extLst>
+          </p:cNvPr>
+          <p:cNvSpPr txBox="1"/>
+          <p:nvPr/>
+        </p:nvSpPr>
+        <p:spPr>
+          <a:xfrm>
+            <a:off x="7924729" y="4320304"/>
+            <a:ext cx="3003247" cy="276999"/>
+          </a:xfrm>
+          <a:prstGeom prst="rect">
+            <a:avLst/>
+          </a:prstGeom>
+          <a:noFill/>
+        </p:spPr>
+        <p:txBody>
+          <a:bodyPr wrap="square" rtlCol="0">
+            <a:spAutoFit/>
+          </a:bodyPr>
+          <a:lstStyle/>
+          <a:p>
+            <a:r>
+              <a:rPr lang="en-US" altLang="zh-TW" sz="1200" dirty="0">
+                <a:solidFill>
+                  <a:schemeClr val="bg1">
+                    <a:lumMod val="65000"/>
+                  </a:schemeClr>
+                </a:solidFill>
+                <a:latin typeface="Courier New" panose="02070309020205020404" pitchFamily="49" charset="0"/>
+                <a:cs typeface="Courier New" panose="02070309020205020404" pitchFamily="49" charset="0"/>
+              </a:rPr>
+              <a:t>Git</a:t>
+            </a:r>
+            <a:r>
+              <a:rPr lang="zh-TW" altLang="en-US" sz="1200" dirty="0">
+                <a:solidFill>
+                  <a:schemeClr val="bg1">
+                    <a:lumMod val="65000"/>
+                  </a:schemeClr>
+                </a:solidFill>
+                <a:latin typeface="Courier New" panose="02070309020205020404" pitchFamily="49" charset="0"/>
+                <a:cs typeface="Courier New" panose="02070309020205020404" pitchFamily="49" charset="0"/>
+              </a:rPr>
+              <a:t>用來讀寫遠端分支目錄的路徑</a:t>
+            </a:r>
+            <a:r>
+              <a:rPr lang="en-US" altLang="zh-TW" sz="1200" dirty="0">
+                <a:solidFill>
+                  <a:schemeClr val="bg1">
+                    <a:lumMod val="65000"/>
+                  </a:schemeClr>
+                </a:solidFill>
+                <a:latin typeface="Courier New" panose="02070309020205020404" pitchFamily="49" charset="0"/>
+                <a:cs typeface="Courier New" panose="02070309020205020404" pitchFamily="49" charset="0"/>
+              </a:rPr>
+              <a:t>URL</a:t>
+            </a:r>
+          </a:p>
+        </p:txBody>
+      </p:sp>
+      <p:sp>
+        <p:nvSpPr>
+          <p:cNvPr id="17" name="文字方塊 16">
+            <a:extLst>
+              <a:ext uri="{FF2B5EF4-FFF2-40B4-BE49-F238E27FC236}">
+                <a16:creationId xmlns:a16="http://schemas.microsoft.com/office/drawing/2014/main" id="{32065C5D-207F-F8A2-91BC-96FF04499582}"/>
+              </a:ext>
+            </a:extLst>
+          </p:cNvPr>
+          <p:cNvSpPr txBox="1"/>
+          <p:nvPr/>
+        </p:nvSpPr>
+        <p:spPr>
+          <a:xfrm>
+            <a:off x="1408444" y="6052620"/>
+            <a:ext cx="4440799" cy="276999"/>
+          </a:xfrm>
+          <a:prstGeom prst="rect">
+            <a:avLst/>
+          </a:prstGeom>
+          <a:noFill/>
+        </p:spPr>
+        <p:txBody>
+          <a:bodyPr wrap="square" rtlCol="0">
+            <a:spAutoFit/>
+          </a:bodyPr>
+          <a:lstStyle/>
+          <a:p>
+            <a:r>
+              <a:rPr lang="zh-TW" altLang="en-US" sz="1200" dirty="0">
+                <a:solidFill>
+                  <a:schemeClr val="bg1"/>
+                </a:solidFill>
+                <a:latin typeface="Courier New" panose="02070309020205020404" pitchFamily="49" charset="0"/>
+                <a:cs typeface="Courier New" panose="02070309020205020404" pitchFamily="49" charset="0"/>
+              </a:rPr>
+              <a:t>語法 </a:t>
+            </a:r>
+            <a:r>
+              <a:rPr lang="en-US" altLang="zh-TW" sz="1200" dirty="0">
+                <a:solidFill>
+                  <a:schemeClr val="bg1"/>
+                </a:solidFill>
+                <a:latin typeface="Courier New" panose="02070309020205020404" pitchFamily="49" charset="0"/>
+                <a:cs typeface="Courier New" panose="02070309020205020404" pitchFamily="49" charset="0"/>
+              </a:rPr>
+              <a:t>:</a:t>
+            </a:r>
+            <a:r>
+              <a:rPr lang="zh-TW" altLang="en-US" sz="1200" dirty="0">
+                <a:solidFill>
+                  <a:schemeClr val="bg1"/>
+                </a:solidFill>
+                <a:latin typeface="Courier New" panose="02070309020205020404" pitchFamily="49" charset="0"/>
+                <a:cs typeface="Courier New" panose="02070309020205020404" pitchFamily="49" charset="0"/>
+              </a:rPr>
+              <a:t> </a:t>
+            </a:r>
+            <a:r>
+              <a:rPr lang="en-US" altLang="zh-TW" sz="1200" dirty="0">
+                <a:solidFill>
+                  <a:schemeClr val="bg1"/>
+                </a:solidFill>
+                <a:latin typeface="Courier New" panose="02070309020205020404" pitchFamily="49" charset="0"/>
+                <a:cs typeface="Courier New" panose="02070309020205020404" pitchFamily="49" charset="0"/>
+              </a:rPr>
+              <a:t>$</a:t>
+            </a:r>
+            <a:r>
+              <a:rPr lang="zh-TW" altLang="en-US" sz="1200" dirty="0">
+                <a:solidFill>
+                  <a:schemeClr val="bg1"/>
+                </a:solidFill>
+                <a:latin typeface="Courier New" panose="02070309020205020404" pitchFamily="49" charset="0"/>
+                <a:cs typeface="Courier New" panose="02070309020205020404" pitchFamily="49" charset="0"/>
+              </a:rPr>
+              <a:t> </a:t>
+            </a:r>
+            <a:r>
+              <a:rPr lang="en-US" altLang="zh-TW" sz="1200" dirty="0">
+                <a:solidFill>
+                  <a:schemeClr val="bg1"/>
+                </a:solidFill>
+                <a:latin typeface="Courier New" panose="02070309020205020404" pitchFamily="49" charset="0"/>
+                <a:cs typeface="Courier New" panose="02070309020205020404" pitchFamily="49" charset="0"/>
+              </a:rPr>
+              <a:t>git </a:t>
+            </a:r>
+            <a:r>
+              <a:rPr lang="zh-TW" altLang="en-US" sz="1200" dirty="0">
+                <a:solidFill>
+                  <a:schemeClr val="bg1"/>
+                </a:solidFill>
+                <a:latin typeface="Courier New" panose="02070309020205020404" pitchFamily="49" charset="0"/>
+                <a:cs typeface="Courier New" panose="02070309020205020404" pitchFamily="49" charset="0"/>
+              </a:rPr>
+              <a:t>命令</a:t>
+            </a:r>
+            <a:r>
+              <a:rPr lang="en-US" altLang="zh-TW" sz="1200" dirty="0">
+                <a:solidFill>
+                  <a:schemeClr val="bg1"/>
+                </a:solidFill>
+                <a:latin typeface="Courier New" panose="02070309020205020404" pitchFamily="49" charset="0"/>
+                <a:cs typeface="Courier New" panose="02070309020205020404" pitchFamily="49" charset="0"/>
+              </a:rPr>
+              <a:t>(pull) </a:t>
+            </a:r>
+            <a:r>
+              <a:rPr lang="zh-TW" altLang="en-US" sz="1200" dirty="0">
+                <a:solidFill>
+                  <a:schemeClr val="bg1"/>
+                </a:solidFill>
+                <a:latin typeface="Courier New" panose="02070309020205020404" pitchFamily="49" charset="0"/>
+                <a:cs typeface="Courier New" panose="02070309020205020404" pitchFamily="49" charset="0"/>
+              </a:rPr>
+              <a:t>參數</a:t>
+            </a:r>
+            <a:r>
+              <a:rPr lang="en-US" altLang="zh-TW" sz="1200" dirty="0">
+                <a:solidFill>
+                  <a:schemeClr val="bg1"/>
+                </a:solidFill>
+                <a:latin typeface="Courier New" panose="02070309020205020404" pitchFamily="49" charset="0"/>
+                <a:cs typeface="Courier New" panose="02070309020205020404" pitchFamily="49" charset="0"/>
+              </a:rPr>
+              <a:t>(remote URL)</a:t>
+            </a:r>
+            <a:r>
+              <a:rPr lang="zh-TW" altLang="en-US" sz="1200" dirty="0">
+                <a:solidFill>
+                  <a:schemeClr val="bg1"/>
+                </a:solidFill>
+                <a:latin typeface="Courier New" panose="02070309020205020404" pitchFamily="49" charset="0"/>
+                <a:cs typeface="Courier New" panose="02070309020205020404" pitchFamily="49" charset="0"/>
+              </a:rPr>
+              <a:t> </a:t>
+            </a:r>
+            <a:r>
+              <a:rPr lang="en-US" altLang="zh-TW" sz="1200" dirty="0">
+                <a:solidFill>
+                  <a:schemeClr val="bg1"/>
+                </a:solidFill>
+                <a:latin typeface="Courier New" panose="02070309020205020404" pitchFamily="49" charset="0"/>
+                <a:cs typeface="Courier New" panose="02070309020205020404" pitchFamily="49" charset="0"/>
+              </a:rPr>
+              <a:t>master</a:t>
+            </a:r>
+            <a:endParaRPr lang="en-US" altLang="zh-TW" sz="1200" dirty="0">
+              <a:solidFill>
+                <a:schemeClr val="bg1">
+                  <a:lumMod val="65000"/>
+                </a:schemeClr>
+              </a:solidFill>
+              <a:latin typeface="Courier New" panose="02070309020205020404" pitchFamily="49" charset="0"/>
+              <a:cs typeface="Courier New" panose="02070309020205020404" pitchFamily="49" charset="0"/>
+            </a:endParaRPr>
+          </a:p>
+        </p:txBody>
+      </p:sp>
+      <p:sp>
+        <p:nvSpPr>
+          <p:cNvPr id="18" name="文字方塊 17">
+            <a:extLst>
+              <a:ext uri="{FF2B5EF4-FFF2-40B4-BE49-F238E27FC236}">
+                <a16:creationId xmlns:a16="http://schemas.microsoft.com/office/drawing/2014/main" id="{208E8A00-6476-09AC-8EDC-28A28EE10D88}"/>
+              </a:ext>
+            </a:extLst>
+          </p:cNvPr>
+          <p:cNvSpPr txBox="1"/>
+          <p:nvPr/>
+        </p:nvSpPr>
+        <p:spPr>
+          <a:xfrm>
+            <a:off x="2097287" y="6408712"/>
+            <a:ext cx="6966031" cy="276999"/>
+          </a:xfrm>
+          <a:prstGeom prst="rect">
+            <a:avLst/>
+          </a:prstGeom>
+          <a:noFill/>
+        </p:spPr>
+        <p:txBody>
+          <a:bodyPr wrap="square" rtlCol="0">
+            <a:spAutoFit/>
+          </a:bodyPr>
+          <a:lstStyle/>
+          <a:p>
+            <a:r>
+              <a:rPr lang="en-US" altLang="zh-TW" sz="1200" dirty="0">
+                <a:solidFill>
+                  <a:schemeClr val="bg1">
+                    <a:lumMod val="65000"/>
+                  </a:schemeClr>
+                </a:solidFill>
+                <a:latin typeface="Courier New" panose="02070309020205020404" pitchFamily="49" charset="0"/>
+                <a:cs typeface="Courier New" panose="02070309020205020404" pitchFamily="49" charset="0"/>
+              </a:rPr>
+              <a:t>#remote URL</a:t>
+            </a:r>
+            <a:r>
+              <a:rPr lang="zh-TW" altLang="en-US" sz="1200" dirty="0">
+                <a:solidFill>
+                  <a:schemeClr val="bg1">
+                    <a:lumMod val="65000"/>
+                  </a:schemeClr>
+                </a:solidFill>
+                <a:latin typeface="Courier New" panose="02070309020205020404" pitchFamily="49" charset="0"/>
+                <a:cs typeface="Courier New" panose="02070309020205020404" pitchFamily="49" charset="0"/>
+              </a:rPr>
+              <a:t>就是要拉取的遠端</a:t>
+            </a:r>
+            <a:r>
+              <a:rPr lang="en-US" altLang="zh-TW" sz="1200" dirty="0">
+                <a:solidFill>
+                  <a:schemeClr val="bg1">
+                    <a:lumMod val="65000"/>
+                  </a:schemeClr>
+                </a:solidFill>
+                <a:latin typeface="Courier New" panose="02070309020205020404" pitchFamily="49" charset="0"/>
+                <a:cs typeface="Courier New" panose="02070309020205020404" pitchFamily="49" charset="0"/>
+              </a:rPr>
+              <a:t>Git</a:t>
+            </a:r>
+            <a:r>
+              <a:rPr lang="zh-TW" altLang="en-US" sz="1200" dirty="0">
+                <a:solidFill>
+                  <a:schemeClr val="bg1">
+                    <a:lumMod val="65000"/>
+                  </a:schemeClr>
+                </a:solidFill>
+                <a:latin typeface="Courier New" panose="02070309020205020404" pitchFamily="49" charset="0"/>
+                <a:cs typeface="Courier New" panose="02070309020205020404" pitchFamily="49" charset="0"/>
+              </a:rPr>
+              <a:t>版本庫的網址，</a:t>
+            </a:r>
+            <a:r>
+              <a:rPr lang="en-US" altLang="zh-TW" sz="1200" dirty="0">
+                <a:solidFill>
+                  <a:schemeClr val="bg1">
+                    <a:lumMod val="65000"/>
+                  </a:schemeClr>
+                </a:solidFill>
+                <a:latin typeface="Courier New" panose="02070309020205020404" pitchFamily="49" charset="0"/>
+                <a:cs typeface="Courier New" panose="02070309020205020404" pitchFamily="49" charset="0"/>
+              </a:rPr>
+              <a:t>master</a:t>
+            </a:r>
+            <a:r>
+              <a:rPr lang="zh-TW" altLang="en-US" sz="1200" dirty="0">
+                <a:solidFill>
+                  <a:schemeClr val="bg1">
+                    <a:lumMod val="65000"/>
+                  </a:schemeClr>
+                </a:solidFill>
+                <a:latin typeface="Courier New" panose="02070309020205020404" pitchFamily="49" charset="0"/>
+                <a:cs typeface="Courier New" panose="02070309020205020404" pitchFamily="49" charset="0"/>
+              </a:rPr>
+              <a:t>是指定從</a:t>
+            </a:r>
+            <a:r>
+              <a:rPr lang="en-US" altLang="zh-TW" sz="1200" dirty="0">
+                <a:solidFill>
+                  <a:schemeClr val="bg1">
+                    <a:lumMod val="65000"/>
+                  </a:schemeClr>
+                </a:solidFill>
+                <a:latin typeface="Courier New" panose="02070309020205020404" pitchFamily="49" charset="0"/>
+                <a:cs typeface="Courier New" panose="02070309020205020404" pitchFamily="49" charset="0"/>
+              </a:rPr>
+              <a:t>master</a:t>
+            </a:r>
+            <a:r>
+              <a:rPr lang="zh-TW" altLang="en-US" sz="1200" dirty="0">
+                <a:solidFill>
+                  <a:schemeClr val="bg1">
+                    <a:lumMod val="65000"/>
+                  </a:schemeClr>
+                </a:solidFill>
+                <a:latin typeface="Courier New" panose="02070309020205020404" pitchFamily="49" charset="0"/>
+                <a:cs typeface="Courier New" panose="02070309020205020404" pitchFamily="49" charset="0"/>
+              </a:rPr>
+              <a:t>這個分支拉取資料。</a:t>
+            </a:r>
+            <a:endParaRPr lang="en-US" altLang="zh-TW" sz="1200" dirty="0">
+              <a:solidFill>
+                <a:schemeClr val="bg1">
+                  <a:lumMod val="65000"/>
+                </a:schemeClr>
+              </a:solidFill>
+              <a:latin typeface="Courier New" panose="02070309020205020404" pitchFamily="49" charset="0"/>
+              <a:cs typeface="Courier New" panose="02070309020205020404" pitchFamily="49" charset="0"/>
+            </a:endParaRPr>
           </a:p>
         </p:txBody>
       </p:sp>
     </p:spTree>
     <p:extLst>
       <p:ext uri="{BB962C8B-B14F-4D97-AF65-F5344CB8AC3E}">
-        <p14:creationId xmlns:p14="http://schemas.microsoft.com/office/powerpoint/2010/main" val="4235019278"/>
+        <p14:creationId xmlns:p14="http://schemas.microsoft.com/office/powerpoint/2010/main" val="1890543434"/>
+      </p:ext>
+    </p:extLst>
+  </p:cSld>
+  <p:clrMapOvr>
+    <a:masterClrMapping/>
+  </p:clrMapOvr>
+</p:sld>
+</file>
+
+<file path=ppt/slides/slide15.xml><?xml version="1.0" encoding="utf-8"?>
+<p:sld xmlns:a="http://schemas.openxmlformats.org/drawingml/2006/main" xmlns:r="http://schemas.openxmlformats.org/officeDocument/2006/relationships" xmlns:p="http://schemas.openxmlformats.org/presentationml/2006/main">
+  <p:cSld>
+    <p:bg>
+      <p:bgPr>
+        <a:solidFill>
+          <a:schemeClr val="tx1">
+            <a:lumMod val="75000"/>
+            <a:lumOff val="25000"/>
+          </a:schemeClr>
+        </a:solidFill>
+        <a:effectLst/>
+      </p:bgPr>
+    </p:bg>
+    <p:spTree>
+      <p:nvGrpSpPr>
+        <p:cNvPr id="1" name="">
+          <a:extLst>
+            <a:ext uri="{FF2B5EF4-FFF2-40B4-BE49-F238E27FC236}">
+              <a16:creationId xmlns:a16="http://schemas.microsoft.com/office/drawing/2014/main" id="{C8FD5B1D-57CD-406A-A2FC-21A721933C8D}"/>
+            </a:ext>
+          </a:extLst>
+        </p:cNvPr>
+        <p:cNvGrpSpPr/>
+        <p:nvPr/>
+      </p:nvGrpSpPr>
+      <p:grpSpPr>
+        <a:xfrm>
+          <a:off x="0" y="0"/>
+          <a:ext cx="0" cy="0"/>
+          <a:chOff x="0" y="0"/>
+          <a:chExt cx="0" cy="0"/>
+        </a:xfrm>
+      </p:grpSpPr>
+      <p:sp>
+        <p:nvSpPr>
+          <p:cNvPr id="2" name="標題 1">
+            <a:extLst>
+              <a:ext uri="{FF2B5EF4-FFF2-40B4-BE49-F238E27FC236}">
+                <a16:creationId xmlns:a16="http://schemas.microsoft.com/office/drawing/2014/main" id="{0DA94911-A089-B323-BF3F-C116C85BA861}"/>
+              </a:ext>
+            </a:extLst>
+          </p:cNvPr>
+          <p:cNvSpPr>
+            <a:spLocks noGrp="1"/>
+          </p:cNvSpPr>
+          <p:nvPr>
+            <p:ph type="title"/>
+          </p:nvPr>
+        </p:nvSpPr>
+        <p:spPr>
+          <a:xfrm>
+            <a:off x="640079" y="1102718"/>
+            <a:ext cx="10890929" cy="662474"/>
+          </a:xfrm>
+        </p:spPr>
+        <p:txBody>
+          <a:bodyPr anchor="ctr" anchorCtr="0">
+            <a:normAutofit/>
+          </a:bodyPr>
+          <a:lstStyle/>
+          <a:p>
+            <a:r>
+              <a:rPr lang="en-US" altLang="zh-TW" sz="3200" dirty="0">
+                <a:solidFill>
+                  <a:srgbClr val="FFC000"/>
+                </a:solidFill>
+              </a:rPr>
+              <a:t>Git Bash – Command Line</a:t>
+            </a:r>
+            <a:endParaRPr lang="zh-TW" altLang="en-US" sz="3200" dirty="0">
+              <a:solidFill>
+                <a:srgbClr val="FFC000"/>
+              </a:solidFill>
+            </a:endParaRPr>
+          </a:p>
+        </p:txBody>
+      </p:sp>
+      <p:sp>
+        <p:nvSpPr>
+          <p:cNvPr id="3" name="內容版面配置區 2">
+            <a:extLst>
+              <a:ext uri="{FF2B5EF4-FFF2-40B4-BE49-F238E27FC236}">
+                <a16:creationId xmlns:a16="http://schemas.microsoft.com/office/drawing/2014/main" id="{B4279119-064B-6CB0-5B37-A23CE0543C5D}"/>
+              </a:ext>
+            </a:extLst>
+          </p:cNvPr>
+          <p:cNvSpPr>
+            <a:spLocks noGrp="1"/>
+          </p:cNvSpPr>
+          <p:nvPr>
+            <p:ph idx="1"/>
+          </p:nvPr>
+        </p:nvSpPr>
+        <p:spPr>
+          <a:xfrm>
+            <a:off x="797097" y="1765192"/>
+            <a:ext cx="5496127" cy="547027"/>
+          </a:xfrm>
+        </p:spPr>
+        <p:txBody>
+          <a:bodyPr anchor="ctr" anchorCtr="0">
+            <a:noAutofit/>
+          </a:bodyPr>
+          <a:lstStyle/>
+          <a:p>
+            <a:pPr>
+              <a:buFont typeface="Wingdings" panose="05000000000000000000" pitchFamily="2" charset="2"/>
+              <a:buChar char="l"/>
+            </a:pPr>
+            <a:r>
+              <a:rPr lang="zh-TW" altLang="en-US" dirty="0">
+                <a:solidFill>
+                  <a:srgbClr val="00B0F0"/>
+                </a:solidFill>
+              </a:rPr>
+              <a:t> </a:t>
+            </a:r>
+            <a:r>
+              <a:rPr lang="en-US" altLang="zh-TW" dirty="0">
+                <a:solidFill>
+                  <a:srgbClr val="00B0F0"/>
+                </a:solidFill>
+              </a:rPr>
+              <a:t>Git Branch –</a:t>
+            </a:r>
+            <a:r>
+              <a:rPr lang="zh-TW" altLang="en-US" dirty="0">
+                <a:solidFill>
+                  <a:srgbClr val="00B0F0"/>
+                </a:solidFill>
+              </a:rPr>
+              <a:t>分支建立</a:t>
+            </a:r>
+          </a:p>
+        </p:txBody>
+      </p:sp>
+      <p:sp>
+        <p:nvSpPr>
+          <p:cNvPr id="4" name="文字方塊 3">
+            <a:extLst>
+              <a:ext uri="{FF2B5EF4-FFF2-40B4-BE49-F238E27FC236}">
+                <a16:creationId xmlns:a16="http://schemas.microsoft.com/office/drawing/2014/main" id="{1DC921A3-36FA-C809-6DA4-94BE9DBA1EFA}"/>
+              </a:ext>
+            </a:extLst>
+          </p:cNvPr>
+          <p:cNvSpPr txBox="1"/>
+          <p:nvPr/>
+        </p:nvSpPr>
+        <p:spPr>
+          <a:xfrm>
+            <a:off x="1717953" y="2625876"/>
+            <a:ext cx="9416211" cy="711092"/>
+          </a:xfrm>
+          <a:prstGeom prst="rect">
+            <a:avLst/>
+          </a:prstGeom>
+          <a:noFill/>
+        </p:spPr>
+        <p:txBody>
+          <a:bodyPr wrap="square" rtlCol="0">
+            <a:spAutoFit/>
+          </a:bodyPr>
+          <a:lstStyle/>
+          <a:p>
+            <a:pPr>
+              <a:lnSpc>
+                <a:spcPct val="150000"/>
+              </a:lnSpc>
+            </a:pPr>
+            <a:r>
+              <a:rPr lang="zh-TW" altLang="en-US" sz="1400" dirty="0">
+                <a:solidFill>
+                  <a:schemeClr val="bg1"/>
+                </a:solidFill>
+                <a:latin typeface="Courier New" panose="02070309020205020404" pitchFamily="49" charset="0"/>
+                <a:cs typeface="Courier New" panose="02070309020205020404" pitchFamily="49" charset="0"/>
+              </a:rPr>
+              <a:t>從遠端</a:t>
+            </a:r>
+            <a:r>
+              <a:rPr lang="en-US" altLang="zh-TW" sz="1400" dirty="0">
+                <a:solidFill>
+                  <a:schemeClr val="bg1"/>
+                </a:solidFill>
+                <a:latin typeface="Courier New" panose="02070309020205020404" pitchFamily="49" charset="0"/>
+                <a:cs typeface="Courier New" panose="02070309020205020404" pitchFamily="49" charset="0"/>
+              </a:rPr>
+              <a:t>Git</a:t>
+            </a:r>
+            <a:r>
+              <a:rPr lang="zh-TW" altLang="en-US" sz="1400" dirty="0">
+                <a:solidFill>
+                  <a:schemeClr val="bg1"/>
+                </a:solidFill>
+                <a:latin typeface="Courier New" panose="02070309020205020404" pitchFamily="49" charset="0"/>
+                <a:cs typeface="Courier New" panose="02070309020205020404" pitchFamily="49" charset="0"/>
+              </a:rPr>
+              <a:t>克隆</a:t>
+            </a:r>
+            <a:r>
+              <a:rPr lang="en-US" altLang="zh-TW" sz="1400" dirty="0">
+                <a:solidFill>
+                  <a:schemeClr val="bg1"/>
+                </a:solidFill>
+                <a:latin typeface="Courier New" panose="02070309020205020404" pitchFamily="49" charset="0"/>
+                <a:cs typeface="Courier New" panose="02070309020205020404" pitchFamily="49" charset="0"/>
+              </a:rPr>
+              <a:t>(clone)</a:t>
+            </a:r>
+            <a:r>
+              <a:rPr lang="zh-TW" altLang="en-US" sz="1400" dirty="0">
+                <a:solidFill>
+                  <a:schemeClr val="bg1"/>
+                </a:solidFill>
+                <a:latin typeface="Courier New" panose="02070309020205020404" pitchFamily="49" charset="0"/>
+                <a:cs typeface="Courier New" panose="02070309020205020404" pitchFamily="49" charset="0"/>
+              </a:rPr>
+              <a:t>下來的</a:t>
+            </a:r>
+            <a:r>
+              <a:rPr lang="en-US" altLang="zh-TW" sz="1400" dirty="0">
+                <a:solidFill>
+                  <a:schemeClr val="bg1"/>
+                </a:solidFill>
+                <a:latin typeface="Courier New" panose="02070309020205020404" pitchFamily="49" charset="0"/>
+                <a:cs typeface="Courier New" panose="02070309020205020404" pitchFamily="49" charset="0"/>
+              </a:rPr>
+              <a:t>Git</a:t>
+            </a:r>
+            <a:r>
+              <a:rPr lang="zh-TW" altLang="en-US" sz="1400" dirty="0">
+                <a:solidFill>
+                  <a:schemeClr val="bg1"/>
+                </a:solidFill>
+                <a:latin typeface="Courier New" panose="02070309020205020404" pitchFamily="49" charset="0"/>
+                <a:cs typeface="Courier New" panose="02070309020205020404" pitchFamily="49" charset="0"/>
+              </a:rPr>
+              <a:t>庫，其預設的分支為</a:t>
+            </a:r>
+            <a:r>
+              <a:rPr lang="en-US" altLang="zh-TW" sz="1400" dirty="0">
+                <a:solidFill>
+                  <a:schemeClr val="bg1"/>
+                </a:solidFill>
+                <a:latin typeface="Courier New" panose="02070309020205020404" pitchFamily="49" charset="0"/>
+                <a:cs typeface="Courier New" panose="02070309020205020404" pitchFamily="49" charset="0"/>
+              </a:rPr>
+              <a:t>master</a:t>
+            </a:r>
+            <a:r>
+              <a:rPr lang="zh-TW" altLang="en-US" sz="1400" dirty="0">
+                <a:solidFill>
+                  <a:schemeClr val="bg1"/>
+                </a:solidFill>
+                <a:latin typeface="Courier New" panose="02070309020205020404" pitchFamily="49" charset="0"/>
+                <a:cs typeface="Courier New" panose="02070309020205020404" pitchFamily="49" charset="0"/>
+              </a:rPr>
+              <a:t>，修改、合併也都是在</a:t>
+            </a:r>
+            <a:r>
+              <a:rPr lang="en-US" altLang="zh-TW" sz="1400" dirty="0">
+                <a:solidFill>
+                  <a:schemeClr val="bg1"/>
+                </a:solidFill>
+                <a:latin typeface="Courier New" panose="02070309020205020404" pitchFamily="49" charset="0"/>
+                <a:cs typeface="Courier New" panose="02070309020205020404" pitchFamily="49" charset="0"/>
+              </a:rPr>
+              <a:t>master</a:t>
+            </a:r>
+            <a:r>
+              <a:rPr lang="zh-TW" altLang="en-US" sz="1400" dirty="0">
+                <a:solidFill>
+                  <a:schemeClr val="bg1"/>
+                </a:solidFill>
+                <a:latin typeface="Courier New" panose="02070309020205020404" pitchFamily="49" charset="0"/>
+                <a:cs typeface="Courier New" panose="02070309020205020404" pitchFamily="49" charset="0"/>
+              </a:rPr>
+              <a:t>上操作，若要在不動到主版本</a:t>
+            </a:r>
+            <a:r>
+              <a:rPr lang="en-US" altLang="zh-TW" sz="1400" dirty="0">
+                <a:solidFill>
+                  <a:schemeClr val="bg1"/>
+                </a:solidFill>
+                <a:latin typeface="Courier New" panose="02070309020205020404" pitchFamily="49" charset="0"/>
+                <a:cs typeface="Courier New" panose="02070309020205020404" pitchFamily="49" charset="0"/>
+              </a:rPr>
+              <a:t>(master</a:t>
+            </a:r>
+            <a:r>
+              <a:rPr lang="zh-TW" altLang="en-US" sz="1400" dirty="0">
+                <a:solidFill>
+                  <a:schemeClr val="bg1"/>
+                </a:solidFill>
+                <a:latin typeface="Courier New" panose="02070309020205020404" pitchFamily="49" charset="0"/>
+                <a:cs typeface="Courier New" panose="02070309020205020404" pitchFamily="49" charset="0"/>
+              </a:rPr>
+              <a:t>分支的版本</a:t>
+            </a:r>
+            <a:r>
+              <a:rPr lang="en-US" altLang="zh-TW" sz="1400" dirty="0">
+                <a:solidFill>
+                  <a:schemeClr val="bg1"/>
+                </a:solidFill>
+                <a:latin typeface="Courier New" panose="02070309020205020404" pitchFamily="49" charset="0"/>
+                <a:cs typeface="Courier New" panose="02070309020205020404" pitchFamily="49" charset="0"/>
+              </a:rPr>
+              <a:t>)</a:t>
+            </a:r>
+            <a:r>
+              <a:rPr lang="zh-TW" altLang="en-US" sz="1400" dirty="0">
+                <a:solidFill>
+                  <a:schemeClr val="bg1"/>
+                </a:solidFill>
+                <a:latin typeface="Courier New" panose="02070309020205020404" pitchFamily="49" charset="0"/>
+                <a:cs typeface="Courier New" panose="02070309020205020404" pitchFamily="49" charset="0"/>
+              </a:rPr>
+              <a:t>的條件下另外建立一個開發版本，就必須另外建立一個分支獨立出來，</a:t>
+            </a:r>
+            <a:endParaRPr lang="zh-TW" altLang="en-US" sz="1400" dirty="0">
+              <a:solidFill>
+                <a:srgbClr val="00FF00"/>
+              </a:solidFill>
+              <a:latin typeface="Courier New" panose="02070309020205020404" pitchFamily="49" charset="0"/>
+              <a:cs typeface="Courier New" panose="02070309020205020404" pitchFamily="49" charset="0"/>
+            </a:endParaRPr>
+          </a:p>
+        </p:txBody>
+      </p:sp>
+      <p:sp>
+        <p:nvSpPr>
+          <p:cNvPr id="5" name="內容版面配置區 2">
+            <a:extLst>
+              <a:ext uri="{FF2B5EF4-FFF2-40B4-BE49-F238E27FC236}">
+                <a16:creationId xmlns:a16="http://schemas.microsoft.com/office/drawing/2014/main" id="{FE181540-1A39-2715-1663-320166D453F4}"/>
+              </a:ext>
+            </a:extLst>
+          </p:cNvPr>
+          <p:cNvSpPr txBox="1">
+            <a:spLocks/>
+          </p:cNvSpPr>
+          <p:nvPr/>
+        </p:nvSpPr>
+        <p:spPr>
+          <a:xfrm>
+            <a:off x="1340358" y="2289256"/>
+            <a:ext cx="3895030" cy="442048"/>
+          </a:xfrm>
+          <a:prstGeom prst="rect">
+            <a:avLst/>
+          </a:prstGeom>
+        </p:spPr>
+        <p:txBody>
+          <a:bodyPr vert="horz" lIns="91440" tIns="45720" rIns="91440" bIns="45720" rtlCol="0" anchor="ctr" anchorCtr="0">
+            <a:normAutofit/>
+          </a:bodyPr>
+          <a:lstStyle>
+            <a:lvl1pPr marL="228600" indent="-228600" algn="l" defTabSz="914400" rtl="0" eaLnBrk="1" latinLnBrk="0" hangingPunct="1">
+              <a:lnSpc>
+                <a:spcPct val="120000"/>
+              </a:lnSpc>
+              <a:spcBef>
+                <a:spcPts val="1000"/>
+              </a:spcBef>
+              <a:buSzPct val="87000"/>
+              <a:buFont typeface="Arial" panose="020B0604020202020204" pitchFamily="34" charset="0"/>
+              <a:buChar char="•"/>
+              <a:defRPr sz="2000" kern="1200">
+                <a:solidFill>
+                  <a:schemeClr val="tx1"/>
+                </a:solidFill>
+                <a:latin typeface="+mn-lt"/>
+                <a:ea typeface="+mn-ea"/>
+                <a:cs typeface="+mn-cs"/>
+              </a:defRPr>
+            </a:lvl1pPr>
+            <a:lvl2pPr marL="493776" indent="-228600" algn="l" defTabSz="914400" rtl="0" eaLnBrk="1" latinLnBrk="0" hangingPunct="1">
+              <a:lnSpc>
+                <a:spcPct val="120000"/>
+              </a:lnSpc>
+              <a:spcBef>
+                <a:spcPts val="500"/>
+              </a:spcBef>
+              <a:buSzPct val="87000"/>
+              <a:buFont typeface="Arial" panose="020B0604020202020204" pitchFamily="34" charset="0"/>
+              <a:buChar char="•"/>
+              <a:defRPr sz="1800" kern="1200">
+                <a:solidFill>
+                  <a:schemeClr val="tx1"/>
+                </a:solidFill>
+                <a:latin typeface="+mn-lt"/>
+                <a:ea typeface="+mn-ea"/>
+                <a:cs typeface="+mn-cs"/>
+              </a:defRPr>
+            </a:lvl2pPr>
+            <a:lvl3pPr marL="731520" indent="-228600" algn="l" defTabSz="914400" rtl="0" eaLnBrk="1" latinLnBrk="0" hangingPunct="1">
+              <a:lnSpc>
+                <a:spcPct val="120000"/>
+              </a:lnSpc>
+              <a:spcBef>
+                <a:spcPts val="500"/>
+              </a:spcBef>
+              <a:buSzPct val="87000"/>
+              <a:buFont typeface="Arial" panose="020B0604020202020204" pitchFamily="34" charset="0"/>
+              <a:buChar char="•"/>
+              <a:defRPr sz="1600" kern="1200">
+                <a:solidFill>
+                  <a:schemeClr val="tx1"/>
+                </a:solidFill>
+                <a:latin typeface="+mn-lt"/>
+                <a:ea typeface="+mn-ea"/>
+                <a:cs typeface="+mn-cs"/>
+              </a:defRPr>
+            </a:lvl3pPr>
+            <a:lvl4pPr marL="1051560" indent="-285750" algn="l" defTabSz="914400" rtl="0" eaLnBrk="1" latinLnBrk="0" hangingPunct="1">
+              <a:lnSpc>
+                <a:spcPct val="120000"/>
+              </a:lnSpc>
+              <a:spcBef>
+                <a:spcPts val="500"/>
+              </a:spcBef>
+              <a:buSzPct val="87000"/>
+              <a:buFont typeface="Arial" panose="020B0604020202020204" pitchFamily="34" charset="0"/>
+              <a:buChar char="•"/>
+              <a:defRPr sz="1400" kern="1200">
+                <a:solidFill>
+                  <a:schemeClr val="tx1"/>
+                </a:solidFill>
+                <a:latin typeface="+mn-lt"/>
+                <a:ea typeface="+mn-ea"/>
+                <a:cs typeface="+mn-cs"/>
+              </a:defRPr>
+            </a:lvl4pPr>
+            <a:lvl5pPr marL="1298448" indent="-228600" algn="l" defTabSz="914400" rtl="0" eaLnBrk="1" latinLnBrk="0" hangingPunct="1">
+              <a:lnSpc>
+                <a:spcPct val="120000"/>
+              </a:lnSpc>
+              <a:spcBef>
+                <a:spcPts val="500"/>
+              </a:spcBef>
+              <a:buSzPct val="87000"/>
+              <a:buFont typeface="Arial" panose="020B0604020202020204" pitchFamily="34" charset="0"/>
+              <a:buChar char="•"/>
+              <a:defRPr sz="1400" kern="1200">
+                <a:solidFill>
+                  <a:schemeClr val="tx1"/>
+                </a:solidFill>
+                <a:latin typeface="+mn-lt"/>
+                <a:ea typeface="+mn-ea"/>
+                <a:cs typeface="+mn-cs"/>
+              </a:defRPr>
+            </a:lvl5pPr>
+            <a:lvl6pPr marL="2514600" indent="-228600" algn="l" defTabSz="914400" rtl="0" eaLnBrk="1" latinLnBrk="0" hangingPunct="1">
+              <a:lnSpc>
+                <a:spcPct val="90000"/>
+              </a:lnSpc>
+              <a:spcBef>
+                <a:spcPts val="500"/>
+              </a:spcBef>
+              <a:buFont typeface="Arial" panose="020B0604020202020204" pitchFamily="34" charset="0"/>
+              <a:buChar char="•"/>
+              <a:defRPr sz="1800" kern="1200">
+                <a:solidFill>
+                  <a:schemeClr val="tx1"/>
+                </a:solidFill>
+                <a:latin typeface="+mn-lt"/>
+                <a:ea typeface="+mn-ea"/>
+                <a:cs typeface="+mn-cs"/>
+              </a:defRPr>
+            </a:lvl6pPr>
+            <a:lvl7pPr marL="2971800" indent="-228600" algn="l" defTabSz="914400" rtl="0" eaLnBrk="1" latinLnBrk="0" hangingPunct="1">
+              <a:lnSpc>
+                <a:spcPct val="90000"/>
+              </a:lnSpc>
+              <a:spcBef>
+                <a:spcPts val="500"/>
+              </a:spcBef>
+              <a:buFont typeface="Arial" panose="020B0604020202020204" pitchFamily="34" charset="0"/>
+              <a:buChar char="•"/>
+              <a:defRPr sz="1800" kern="1200">
+                <a:solidFill>
+                  <a:schemeClr val="tx1"/>
+                </a:solidFill>
+                <a:latin typeface="+mn-lt"/>
+                <a:ea typeface="+mn-ea"/>
+                <a:cs typeface="+mn-cs"/>
+              </a:defRPr>
+            </a:lvl7pPr>
+            <a:lvl8pPr marL="3429000" indent="-228600" algn="l" defTabSz="914400" rtl="0" eaLnBrk="1" latinLnBrk="0" hangingPunct="1">
+              <a:lnSpc>
+                <a:spcPct val="90000"/>
+              </a:lnSpc>
+              <a:spcBef>
+                <a:spcPts val="500"/>
+              </a:spcBef>
+              <a:buFont typeface="Arial" panose="020B0604020202020204" pitchFamily="34" charset="0"/>
+              <a:buChar char="•"/>
+              <a:defRPr sz="1800" kern="1200">
+                <a:solidFill>
+                  <a:schemeClr val="tx1"/>
+                </a:solidFill>
+                <a:latin typeface="+mn-lt"/>
+                <a:ea typeface="+mn-ea"/>
+                <a:cs typeface="+mn-cs"/>
+              </a:defRPr>
+            </a:lvl8pPr>
+            <a:lvl9pPr marL="3886200" indent="-228600" algn="l" defTabSz="914400" rtl="0" eaLnBrk="1" latinLnBrk="0" hangingPunct="1">
+              <a:lnSpc>
+                <a:spcPct val="90000"/>
+              </a:lnSpc>
+              <a:spcBef>
+                <a:spcPts val="500"/>
+              </a:spcBef>
+              <a:buFont typeface="Arial" panose="020B0604020202020204" pitchFamily="34" charset="0"/>
+              <a:buChar char="•"/>
+              <a:defRPr sz="1800" kern="1200">
+                <a:solidFill>
+                  <a:schemeClr val="tx1"/>
+                </a:solidFill>
+                <a:latin typeface="+mn-lt"/>
+                <a:ea typeface="+mn-ea"/>
+                <a:cs typeface="+mn-cs"/>
+              </a:defRPr>
+            </a:lvl9pPr>
+          </a:lstStyle>
+          <a:p>
+            <a:pPr>
+              <a:buFont typeface="Wingdings" panose="05000000000000000000" pitchFamily="2" charset="2"/>
+              <a:buChar char="Ø"/>
+            </a:pPr>
+            <a:r>
+              <a:rPr lang="zh-TW" altLang="en-US" sz="1600" dirty="0">
+                <a:solidFill>
+                  <a:schemeClr val="bg1"/>
+                </a:solidFill>
+              </a:rPr>
+              <a:t>在本地端的</a:t>
+            </a:r>
+            <a:r>
+              <a:rPr lang="en-US" altLang="zh-TW" sz="1600" dirty="0">
+                <a:solidFill>
+                  <a:schemeClr val="bg1"/>
+                </a:solidFill>
+              </a:rPr>
+              <a:t>Git</a:t>
+            </a:r>
+            <a:r>
+              <a:rPr lang="zh-TW" altLang="en-US" sz="1600" dirty="0">
+                <a:solidFill>
+                  <a:schemeClr val="bg1"/>
+                </a:solidFill>
+              </a:rPr>
+              <a:t>版本庫中新建分支</a:t>
+            </a:r>
+          </a:p>
+        </p:txBody>
+      </p:sp>
+      <p:sp>
+        <p:nvSpPr>
+          <p:cNvPr id="7" name="文字方塊 6">
+            <a:extLst>
+              <a:ext uri="{FF2B5EF4-FFF2-40B4-BE49-F238E27FC236}">
+                <a16:creationId xmlns:a16="http://schemas.microsoft.com/office/drawing/2014/main" id="{E9728614-54B5-D2B4-AD5E-8CAF4F953D54}"/>
+              </a:ext>
+            </a:extLst>
+          </p:cNvPr>
+          <p:cNvSpPr txBox="1"/>
+          <p:nvPr/>
+        </p:nvSpPr>
+        <p:spPr>
+          <a:xfrm>
+            <a:off x="1717953" y="4771452"/>
+            <a:ext cx="8636283" cy="461665"/>
+          </a:xfrm>
+          <a:prstGeom prst="rect">
+            <a:avLst/>
+          </a:prstGeom>
+          <a:noFill/>
+        </p:spPr>
+        <p:txBody>
+          <a:bodyPr wrap="square" rtlCol="0">
+            <a:spAutoFit/>
+          </a:bodyPr>
+          <a:lstStyle/>
+          <a:p>
+            <a:r>
+              <a:rPr lang="en-US" altLang="zh-TW" sz="1200" dirty="0">
+                <a:solidFill>
+                  <a:srgbClr val="00FF00"/>
+                </a:solidFill>
+                <a:latin typeface="Courier New" panose="02070309020205020404" pitchFamily="49" charset="0"/>
+                <a:cs typeface="Courier New" panose="02070309020205020404" pitchFamily="49" charset="0"/>
+              </a:rPr>
+              <a:t>daniel.hsu@DESKTOP-2C8EEA2 </a:t>
+            </a:r>
+            <a:r>
+              <a:rPr lang="en-US" altLang="zh-TW" sz="1200" dirty="0">
+                <a:solidFill>
+                  <a:srgbClr val="FF00FF"/>
+                </a:solidFill>
+                <a:latin typeface="Courier New" panose="02070309020205020404" pitchFamily="49" charset="0"/>
+                <a:cs typeface="Courier New" panose="02070309020205020404" pitchFamily="49" charset="0"/>
+              </a:rPr>
+              <a:t>MINGW64</a:t>
+            </a:r>
+            <a:r>
+              <a:rPr lang="en-US" altLang="zh-TW" sz="1200" dirty="0">
+                <a:solidFill>
+                  <a:srgbClr val="00FF00"/>
+                </a:solidFill>
+                <a:latin typeface="Courier New" panose="02070309020205020404" pitchFamily="49" charset="0"/>
+                <a:cs typeface="Courier New" panose="02070309020205020404" pitchFamily="49" charset="0"/>
+              </a:rPr>
+              <a:t> </a:t>
+            </a:r>
+            <a:r>
+              <a:rPr lang="en-US" altLang="zh-TW" sz="1200" dirty="0">
+                <a:solidFill>
+                  <a:srgbClr val="FFC000"/>
+                </a:solidFill>
+                <a:latin typeface="Courier New" panose="02070309020205020404" pitchFamily="49" charset="0"/>
+                <a:cs typeface="Courier New" panose="02070309020205020404" pitchFamily="49" charset="0"/>
+              </a:rPr>
+              <a:t>/d/CAI_Porject/TestFolder/LocalGit/RemoteGit </a:t>
+            </a:r>
+            <a:r>
+              <a:rPr lang="en-US" altLang="zh-TW" sz="1200" dirty="0">
+                <a:solidFill>
+                  <a:srgbClr val="33CCCC"/>
+                </a:solidFill>
+                <a:latin typeface="Courier New" panose="02070309020205020404" pitchFamily="49" charset="0"/>
+                <a:cs typeface="Courier New" panose="02070309020205020404" pitchFamily="49" charset="0"/>
+              </a:rPr>
+              <a:t>(master) </a:t>
+            </a:r>
+          </a:p>
+          <a:p>
+            <a:r>
+              <a:rPr lang="en-US" altLang="zh-TW" sz="1200" dirty="0">
+                <a:solidFill>
+                  <a:schemeClr val="bg1"/>
+                </a:solidFill>
+                <a:latin typeface="Courier New" panose="02070309020205020404" pitchFamily="49" charset="0"/>
+                <a:cs typeface="Courier New" panose="02070309020205020404" pitchFamily="49" charset="0"/>
+              </a:rPr>
+              <a:t>$</a:t>
+            </a:r>
+            <a:r>
+              <a:rPr lang="en-US" altLang="zh-TW" sz="1200" dirty="0">
+                <a:solidFill>
+                  <a:srgbClr val="00FF00"/>
+                </a:solidFill>
+                <a:latin typeface="Courier New" panose="02070309020205020404" pitchFamily="49" charset="0"/>
+                <a:cs typeface="Courier New" panose="02070309020205020404" pitchFamily="49" charset="0"/>
+              </a:rPr>
+              <a:t> git log </a:t>
+            </a:r>
+            <a:r>
+              <a:rPr lang="en-US" altLang="zh-TW" sz="1200" dirty="0">
+                <a:solidFill>
+                  <a:schemeClr val="bg1">
+                    <a:lumMod val="65000"/>
+                  </a:schemeClr>
+                </a:solidFill>
+                <a:latin typeface="Courier New" panose="02070309020205020404" pitchFamily="49" charset="0"/>
+                <a:cs typeface="Courier New" panose="02070309020205020404" pitchFamily="49" charset="0"/>
+              </a:rPr>
+              <a:t>#</a:t>
+            </a:r>
+            <a:r>
+              <a:rPr lang="zh-TW" altLang="en-US" sz="1200" dirty="0">
+                <a:solidFill>
+                  <a:schemeClr val="bg1">
+                    <a:lumMod val="65000"/>
+                  </a:schemeClr>
+                </a:solidFill>
+                <a:latin typeface="Courier New" panose="02070309020205020404" pitchFamily="49" charset="0"/>
+                <a:cs typeface="Courier New" panose="02070309020205020404" pitchFamily="49" charset="0"/>
+              </a:rPr>
+              <a:t>表示要查看目前所在的分支</a:t>
+            </a:r>
+            <a:endParaRPr lang="en-US" altLang="zh-TW" sz="1200" dirty="0">
+              <a:solidFill>
+                <a:schemeClr val="bg1">
+                  <a:lumMod val="65000"/>
+                </a:schemeClr>
+              </a:solidFill>
+              <a:latin typeface="Courier New" panose="02070309020205020404" pitchFamily="49" charset="0"/>
+              <a:cs typeface="Courier New" panose="02070309020205020404" pitchFamily="49" charset="0"/>
+            </a:endParaRPr>
+          </a:p>
+        </p:txBody>
+      </p:sp>
+      <p:sp>
+        <p:nvSpPr>
+          <p:cNvPr id="9" name="文字方塊 8">
+            <a:extLst>
+              <a:ext uri="{FF2B5EF4-FFF2-40B4-BE49-F238E27FC236}">
+                <a16:creationId xmlns:a16="http://schemas.microsoft.com/office/drawing/2014/main" id="{86A4CD2A-10AE-5CFA-1D69-2EDFAF8798BF}"/>
+              </a:ext>
+            </a:extLst>
+          </p:cNvPr>
+          <p:cNvSpPr txBox="1"/>
+          <p:nvPr/>
+        </p:nvSpPr>
+        <p:spPr>
+          <a:xfrm>
+            <a:off x="3397552" y="3483807"/>
+            <a:ext cx="4025225" cy="276999"/>
+          </a:xfrm>
+          <a:prstGeom prst="rect">
+            <a:avLst/>
+          </a:prstGeom>
+          <a:noFill/>
+        </p:spPr>
+        <p:txBody>
+          <a:bodyPr wrap="square" rtlCol="0">
+            <a:spAutoFit/>
+          </a:bodyPr>
+          <a:lstStyle/>
+          <a:p>
+            <a:r>
+              <a:rPr lang="zh-TW" altLang="en-US" sz="1200" dirty="0">
+                <a:solidFill>
+                  <a:schemeClr val="bg1"/>
+                </a:solidFill>
+                <a:latin typeface="Courier New" panose="02070309020205020404" pitchFamily="49" charset="0"/>
+                <a:cs typeface="Courier New" panose="02070309020205020404" pitchFamily="49" charset="0"/>
+              </a:rPr>
+              <a:t>語法 </a:t>
+            </a:r>
+            <a:r>
+              <a:rPr lang="en-US" altLang="zh-TW" sz="1200" dirty="0">
+                <a:solidFill>
+                  <a:schemeClr val="bg1"/>
+                </a:solidFill>
+                <a:latin typeface="Courier New" panose="02070309020205020404" pitchFamily="49" charset="0"/>
+                <a:cs typeface="Courier New" panose="02070309020205020404" pitchFamily="49" charset="0"/>
+              </a:rPr>
+              <a:t>:</a:t>
+            </a:r>
+            <a:r>
+              <a:rPr lang="zh-TW" altLang="en-US" sz="1200" dirty="0">
+                <a:solidFill>
+                  <a:schemeClr val="bg1"/>
+                </a:solidFill>
+                <a:latin typeface="Courier New" panose="02070309020205020404" pitchFamily="49" charset="0"/>
+                <a:cs typeface="Courier New" panose="02070309020205020404" pitchFamily="49" charset="0"/>
+              </a:rPr>
+              <a:t> </a:t>
+            </a:r>
+            <a:r>
+              <a:rPr lang="en-US" altLang="zh-TW" sz="1200" dirty="0">
+                <a:solidFill>
+                  <a:schemeClr val="bg1"/>
+                </a:solidFill>
+                <a:latin typeface="Courier New" panose="02070309020205020404" pitchFamily="49" charset="0"/>
+                <a:cs typeface="Courier New" panose="02070309020205020404" pitchFamily="49" charset="0"/>
+              </a:rPr>
+              <a:t>$</a:t>
+            </a:r>
+            <a:r>
+              <a:rPr lang="zh-TW" altLang="en-US" sz="1200" dirty="0">
+                <a:solidFill>
+                  <a:schemeClr val="bg1"/>
+                </a:solidFill>
+                <a:latin typeface="Courier New" panose="02070309020205020404" pitchFamily="49" charset="0"/>
+                <a:cs typeface="Courier New" panose="02070309020205020404" pitchFamily="49" charset="0"/>
+              </a:rPr>
+              <a:t> </a:t>
+            </a:r>
+            <a:r>
+              <a:rPr lang="en-US" altLang="zh-TW" sz="1200" dirty="0">
+                <a:solidFill>
+                  <a:schemeClr val="bg1"/>
+                </a:solidFill>
+                <a:latin typeface="Courier New" panose="02070309020205020404" pitchFamily="49" charset="0"/>
+                <a:cs typeface="Courier New" panose="02070309020205020404" pitchFamily="49" charset="0"/>
+              </a:rPr>
+              <a:t>git </a:t>
+            </a:r>
+            <a:r>
+              <a:rPr lang="zh-TW" altLang="en-US" sz="1200" dirty="0">
+                <a:solidFill>
+                  <a:schemeClr val="bg1"/>
+                </a:solidFill>
+                <a:latin typeface="Courier New" panose="02070309020205020404" pitchFamily="49" charset="0"/>
+                <a:cs typeface="Courier New" panose="02070309020205020404" pitchFamily="49" charset="0"/>
+              </a:rPr>
+              <a:t>命令</a:t>
+            </a:r>
+            <a:r>
+              <a:rPr lang="en-US" altLang="zh-TW" sz="1200" dirty="0">
+                <a:solidFill>
+                  <a:schemeClr val="bg1"/>
+                </a:solidFill>
+                <a:latin typeface="Courier New" panose="02070309020205020404" pitchFamily="49" charset="0"/>
+                <a:cs typeface="Courier New" panose="02070309020205020404" pitchFamily="49" charset="0"/>
+              </a:rPr>
+              <a:t>(branch) </a:t>
+            </a:r>
+            <a:r>
+              <a:rPr lang="zh-TW" altLang="en-US" sz="1200" dirty="0">
+                <a:solidFill>
+                  <a:schemeClr val="bg1"/>
+                </a:solidFill>
+                <a:latin typeface="Courier New" panose="02070309020205020404" pitchFamily="49" charset="0"/>
+                <a:cs typeface="Courier New" panose="02070309020205020404" pitchFamily="49" charset="0"/>
+              </a:rPr>
+              <a:t>參數</a:t>
+            </a:r>
+            <a:r>
+              <a:rPr lang="en-US" altLang="zh-TW" sz="1200" dirty="0">
+                <a:solidFill>
+                  <a:schemeClr val="bg1"/>
+                </a:solidFill>
+                <a:latin typeface="Courier New" panose="02070309020205020404" pitchFamily="49" charset="0"/>
+                <a:cs typeface="Courier New" panose="02070309020205020404" pitchFamily="49" charset="0"/>
+              </a:rPr>
+              <a:t>(</a:t>
+            </a:r>
+            <a:r>
+              <a:rPr lang="zh-TW" altLang="en-US" sz="1200" dirty="0">
+                <a:solidFill>
+                  <a:schemeClr val="bg1"/>
+                </a:solidFill>
+                <a:latin typeface="Courier New" panose="02070309020205020404" pitchFamily="49" charset="0"/>
+                <a:cs typeface="Courier New" panose="02070309020205020404" pitchFamily="49" charset="0"/>
+              </a:rPr>
+              <a:t>自訂的分支名稱</a:t>
+            </a:r>
+            <a:r>
+              <a:rPr lang="en-US" altLang="zh-TW" sz="1200" dirty="0">
+                <a:solidFill>
+                  <a:schemeClr val="bg1"/>
+                </a:solidFill>
+                <a:latin typeface="Courier New" panose="02070309020205020404" pitchFamily="49" charset="0"/>
+                <a:cs typeface="Courier New" panose="02070309020205020404" pitchFamily="49" charset="0"/>
+              </a:rPr>
+              <a:t>)</a:t>
+            </a:r>
+            <a:endParaRPr lang="en-US" altLang="zh-TW" sz="1200" dirty="0">
+              <a:solidFill>
+                <a:schemeClr val="bg1">
+                  <a:lumMod val="65000"/>
+                </a:schemeClr>
+              </a:solidFill>
+              <a:latin typeface="Courier New" panose="02070309020205020404" pitchFamily="49" charset="0"/>
+              <a:cs typeface="Courier New" panose="02070309020205020404" pitchFamily="49" charset="0"/>
+            </a:endParaRPr>
+          </a:p>
+        </p:txBody>
+      </p:sp>
+      <p:sp>
+        <p:nvSpPr>
+          <p:cNvPr id="11" name="文字方塊 10">
+            <a:extLst>
+              <a:ext uri="{FF2B5EF4-FFF2-40B4-BE49-F238E27FC236}">
+                <a16:creationId xmlns:a16="http://schemas.microsoft.com/office/drawing/2014/main" id="{054FD410-D1E9-A066-43C1-3241EF806DED}"/>
+              </a:ext>
+            </a:extLst>
+          </p:cNvPr>
+          <p:cNvSpPr txBox="1"/>
+          <p:nvPr/>
+        </p:nvSpPr>
+        <p:spPr>
+          <a:xfrm>
+            <a:off x="1717953" y="3868266"/>
+            <a:ext cx="9311518" cy="711092"/>
+          </a:xfrm>
+          <a:prstGeom prst="rect">
+            <a:avLst/>
+          </a:prstGeom>
+          <a:noFill/>
+        </p:spPr>
+        <p:txBody>
+          <a:bodyPr wrap="square" rtlCol="0">
+            <a:spAutoFit/>
+          </a:bodyPr>
+          <a:lstStyle/>
+          <a:p>
+            <a:pPr>
+              <a:lnSpc>
+                <a:spcPct val="150000"/>
+              </a:lnSpc>
+            </a:pPr>
+            <a:r>
+              <a:rPr lang="zh-TW" altLang="en-US" sz="1400" dirty="0">
+                <a:solidFill>
+                  <a:schemeClr val="tx2">
+                    <a:lumMod val="25000"/>
+                    <a:lumOff val="75000"/>
+                  </a:schemeClr>
+                </a:solidFill>
+                <a:latin typeface="Courier New" panose="02070309020205020404" pitchFamily="49" charset="0"/>
+                <a:cs typeface="Courier New" panose="02070309020205020404" pitchFamily="49" charset="0"/>
+              </a:rPr>
+              <a:t>前置作業</a:t>
+            </a:r>
+            <a:r>
+              <a:rPr lang="en-US" altLang="zh-TW" sz="1400" dirty="0">
+                <a:solidFill>
+                  <a:schemeClr val="tx2">
+                    <a:lumMod val="25000"/>
+                    <a:lumOff val="75000"/>
+                  </a:schemeClr>
+                </a:solidFill>
+                <a:latin typeface="Courier New" panose="02070309020205020404" pitchFamily="49" charset="0"/>
+                <a:cs typeface="Courier New" panose="02070309020205020404" pitchFamily="49" charset="0"/>
+              </a:rPr>
+              <a:t>/</a:t>
+            </a:r>
+            <a:r>
+              <a:rPr lang="zh-TW" altLang="en-US" sz="1400" dirty="0">
+                <a:solidFill>
+                  <a:schemeClr val="tx2">
+                    <a:lumMod val="25000"/>
+                    <a:lumOff val="75000"/>
+                  </a:schemeClr>
+                </a:solidFill>
+                <a:latin typeface="Courier New" panose="02070309020205020404" pitchFamily="49" charset="0"/>
+                <a:cs typeface="Courier New" panose="02070309020205020404" pitchFamily="49" charset="0"/>
+              </a:rPr>
+              <a:t>動作</a:t>
+            </a:r>
+            <a:r>
+              <a:rPr lang="en-US" altLang="zh-TW" sz="1400" dirty="0">
+                <a:solidFill>
+                  <a:schemeClr val="tx2">
+                    <a:lumMod val="25000"/>
+                    <a:lumOff val="75000"/>
+                  </a:schemeClr>
+                </a:solidFill>
+                <a:latin typeface="Courier New" panose="02070309020205020404" pitchFamily="49" charset="0"/>
+                <a:cs typeface="Courier New" panose="02070309020205020404" pitchFamily="49" charset="0"/>
+              </a:rPr>
+              <a:t>:</a:t>
+            </a:r>
+            <a:r>
+              <a:rPr lang="zh-TW" altLang="en-US" sz="1400" dirty="0">
+                <a:solidFill>
+                  <a:schemeClr val="tx2">
+                    <a:lumMod val="25000"/>
+                    <a:lumOff val="75000"/>
+                  </a:schemeClr>
+                </a:solidFill>
+                <a:latin typeface="Courier New" panose="02070309020205020404" pitchFamily="49" charset="0"/>
+                <a:cs typeface="Courier New" panose="02070309020205020404" pitchFamily="49" charset="0"/>
+              </a:rPr>
+              <a:t>先將遠端</a:t>
+            </a:r>
+            <a:r>
+              <a:rPr lang="en-US" altLang="zh-TW" sz="1400" dirty="0">
+                <a:solidFill>
+                  <a:schemeClr val="tx2">
+                    <a:lumMod val="25000"/>
+                    <a:lumOff val="75000"/>
+                  </a:schemeClr>
+                </a:solidFill>
+                <a:latin typeface="Courier New" panose="02070309020205020404" pitchFamily="49" charset="0"/>
+                <a:cs typeface="Courier New" panose="02070309020205020404" pitchFamily="49" charset="0"/>
+              </a:rPr>
+              <a:t>Git</a:t>
+            </a:r>
+            <a:r>
+              <a:rPr lang="zh-TW" altLang="en-US" sz="1400" dirty="0">
+                <a:solidFill>
+                  <a:schemeClr val="tx2">
+                    <a:lumMod val="25000"/>
+                    <a:lumOff val="75000"/>
+                  </a:schemeClr>
+                </a:solidFill>
+                <a:latin typeface="Courier New" panose="02070309020205020404" pitchFamily="49" charset="0"/>
+                <a:cs typeface="Courier New" panose="02070309020205020404" pitchFamily="49" charset="0"/>
+              </a:rPr>
+              <a:t> </a:t>
+            </a:r>
+            <a:r>
+              <a:rPr lang="en-US" altLang="zh-TW" sz="1400" dirty="0">
+                <a:solidFill>
+                  <a:schemeClr val="tx2">
+                    <a:lumMod val="25000"/>
+                    <a:lumOff val="75000"/>
+                  </a:schemeClr>
+                </a:solidFill>
+                <a:latin typeface="Courier New" panose="02070309020205020404" pitchFamily="49" charset="0"/>
+                <a:cs typeface="Courier New" panose="02070309020205020404" pitchFamily="49" charset="0"/>
+              </a:rPr>
+              <a:t>Repository</a:t>
+            </a:r>
+            <a:r>
+              <a:rPr lang="zh-TW" altLang="en-US" sz="1400" dirty="0">
+                <a:solidFill>
+                  <a:schemeClr val="tx2">
+                    <a:lumMod val="25000"/>
+                    <a:lumOff val="75000"/>
+                  </a:schemeClr>
+                </a:solidFill>
+                <a:latin typeface="Courier New" panose="02070309020205020404" pitchFamily="49" charset="0"/>
+                <a:cs typeface="Courier New" panose="02070309020205020404" pitchFamily="49" charset="0"/>
+              </a:rPr>
+              <a:t>克隆</a:t>
+            </a:r>
+            <a:r>
+              <a:rPr lang="en-US" altLang="zh-TW" sz="1400" dirty="0">
+                <a:solidFill>
+                  <a:schemeClr val="tx2">
+                    <a:lumMod val="25000"/>
+                    <a:lumOff val="75000"/>
+                  </a:schemeClr>
+                </a:solidFill>
+                <a:latin typeface="Courier New" panose="02070309020205020404" pitchFamily="49" charset="0"/>
+                <a:cs typeface="Courier New" panose="02070309020205020404" pitchFamily="49" charset="0"/>
+              </a:rPr>
+              <a:t>(clone)</a:t>
+            </a:r>
+            <a:r>
+              <a:rPr lang="zh-TW" altLang="en-US" sz="1400" dirty="0">
+                <a:solidFill>
+                  <a:schemeClr val="tx2">
+                    <a:lumMod val="25000"/>
+                    <a:lumOff val="75000"/>
+                  </a:schemeClr>
+                </a:solidFill>
+                <a:latin typeface="Courier New" panose="02070309020205020404" pitchFamily="49" charset="0"/>
+                <a:cs typeface="Courier New" panose="02070309020205020404" pitchFamily="49" charset="0"/>
+              </a:rPr>
+              <a:t>到本地端的資料夾中，而克隆下來的分支預設就是</a:t>
+            </a:r>
+            <a:r>
+              <a:rPr lang="en-US" altLang="zh-TW" sz="1400" dirty="0">
+                <a:solidFill>
+                  <a:schemeClr val="tx2">
+                    <a:lumMod val="25000"/>
+                    <a:lumOff val="75000"/>
+                  </a:schemeClr>
+                </a:solidFill>
+                <a:latin typeface="Courier New" panose="02070309020205020404" pitchFamily="49" charset="0"/>
+                <a:cs typeface="Courier New" panose="02070309020205020404" pitchFamily="49" charset="0"/>
+              </a:rPr>
+              <a:t>master</a:t>
+            </a:r>
+            <a:r>
+              <a:rPr lang="zh-TW" altLang="en-US" sz="1400" dirty="0">
+                <a:solidFill>
+                  <a:schemeClr val="tx2">
+                    <a:lumMod val="25000"/>
+                    <a:lumOff val="75000"/>
+                  </a:schemeClr>
+                </a:solidFill>
+                <a:latin typeface="Courier New" panose="02070309020205020404" pitchFamily="49" charset="0"/>
+                <a:cs typeface="Courier New" panose="02070309020205020404" pitchFamily="49" charset="0"/>
+              </a:rPr>
+              <a:t>，並切換到克隆的目錄，可以使用</a:t>
+            </a:r>
+            <a:r>
+              <a:rPr lang="en-US" altLang="zh-TW" sz="1400" dirty="0">
+                <a:solidFill>
+                  <a:schemeClr val="tx2">
+                    <a:lumMod val="25000"/>
+                    <a:lumOff val="75000"/>
+                  </a:schemeClr>
+                </a:solidFill>
+                <a:latin typeface="Courier New" panose="02070309020205020404" pitchFamily="49" charset="0"/>
+                <a:cs typeface="Courier New" panose="02070309020205020404" pitchFamily="49" charset="0"/>
+              </a:rPr>
+              <a:t>“git</a:t>
+            </a:r>
+            <a:r>
+              <a:rPr lang="zh-TW" altLang="en-US" sz="1400" dirty="0">
+                <a:solidFill>
+                  <a:schemeClr val="tx2">
+                    <a:lumMod val="25000"/>
+                    <a:lumOff val="75000"/>
+                  </a:schemeClr>
+                </a:solidFill>
+                <a:latin typeface="Courier New" panose="02070309020205020404" pitchFamily="49" charset="0"/>
+                <a:cs typeface="Courier New" panose="02070309020205020404" pitchFamily="49" charset="0"/>
+              </a:rPr>
+              <a:t> </a:t>
+            </a:r>
+            <a:r>
+              <a:rPr lang="en-US" altLang="zh-TW" sz="1400" dirty="0">
+                <a:solidFill>
+                  <a:schemeClr val="tx2">
+                    <a:lumMod val="25000"/>
+                    <a:lumOff val="75000"/>
+                  </a:schemeClr>
+                </a:solidFill>
+                <a:latin typeface="Courier New" panose="02070309020205020404" pitchFamily="49" charset="0"/>
+                <a:cs typeface="Courier New" panose="02070309020205020404" pitchFamily="49" charset="0"/>
+              </a:rPr>
+              <a:t>log”</a:t>
+            </a:r>
+            <a:r>
+              <a:rPr lang="zh-TW" altLang="en-US" sz="1400" dirty="0">
+                <a:solidFill>
+                  <a:schemeClr val="tx2">
+                    <a:lumMod val="25000"/>
+                    <a:lumOff val="75000"/>
+                  </a:schemeClr>
+                </a:solidFill>
+                <a:latin typeface="Courier New" panose="02070309020205020404" pitchFamily="49" charset="0"/>
+                <a:cs typeface="Courier New" panose="02070309020205020404" pitchFamily="49" charset="0"/>
+              </a:rPr>
+              <a:t>指令來查看目前所在的分支。</a:t>
+            </a:r>
+            <a:endParaRPr lang="en-US" altLang="zh-TW" sz="1400" dirty="0">
+              <a:solidFill>
+                <a:schemeClr val="tx2">
+                  <a:lumMod val="25000"/>
+                  <a:lumOff val="75000"/>
+                </a:schemeClr>
+              </a:solidFill>
+              <a:latin typeface="Courier New" panose="02070309020205020404" pitchFamily="49" charset="0"/>
+              <a:cs typeface="Courier New" panose="02070309020205020404" pitchFamily="49" charset="0"/>
+            </a:endParaRPr>
+          </a:p>
+        </p:txBody>
+      </p:sp>
+      <p:pic>
+        <p:nvPicPr>
+          <p:cNvPr id="13" name="圖片 12">
+            <a:extLst>
+              <a:ext uri="{FF2B5EF4-FFF2-40B4-BE49-F238E27FC236}">
+                <a16:creationId xmlns:a16="http://schemas.microsoft.com/office/drawing/2014/main" id="{2C1F5289-C48A-7302-6CB2-CFC9777201AB}"/>
+              </a:ext>
+            </a:extLst>
+          </p:cNvPr>
+          <p:cNvPicPr>
+            <a:picLocks noChangeAspect="1"/>
+          </p:cNvPicPr>
+          <p:nvPr/>
+        </p:nvPicPr>
+        <p:blipFill>
+          <a:blip r:embed="rId2"/>
+          <a:stretch>
+            <a:fillRect/>
+          </a:stretch>
+        </p:blipFill>
+        <p:spPr>
+          <a:xfrm>
+            <a:off x="2128558" y="5514304"/>
+            <a:ext cx="6943725" cy="525394"/>
+          </a:xfrm>
+          <a:prstGeom prst="rect">
+            <a:avLst/>
+          </a:prstGeom>
+        </p:spPr>
+      </p:pic>
+      <p:sp>
+        <p:nvSpPr>
+          <p:cNvPr id="15" name="文字方塊 14">
+            <a:extLst>
+              <a:ext uri="{FF2B5EF4-FFF2-40B4-BE49-F238E27FC236}">
+                <a16:creationId xmlns:a16="http://schemas.microsoft.com/office/drawing/2014/main" id="{1590A5CD-F240-8523-59A1-105AF366B69F}"/>
+              </a:ext>
+            </a:extLst>
+          </p:cNvPr>
+          <p:cNvSpPr txBox="1"/>
+          <p:nvPr/>
+        </p:nvSpPr>
+        <p:spPr>
+          <a:xfrm>
+            <a:off x="2305854" y="6195379"/>
+            <a:ext cx="6766429" cy="461665"/>
+          </a:xfrm>
+          <a:prstGeom prst="rect">
+            <a:avLst/>
+          </a:prstGeom>
+          <a:noFill/>
+        </p:spPr>
+        <p:txBody>
+          <a:bodyPr wrap="square" rtlCol="0">
+            <a:spAutoFit/>
+          </a:bodyPr>
+          <a:lstStyle/>
+          <a:p>
+            <a:pPr algn="ctr"/>
+            <a:r>
+              <a:rPr lang="en-US" altLang="zh-TW" sz="1200" dirty="0">
+                <a:solidFill>
+                  <a:schemeClr val="bg1">
+                    <a:lumMod val="65000"/>
+                  </a:schemeClr>
+                </a:solidFill>
+                <a:latin typeface="Courier New" panose="02070309020205020404" pitchFamily="49" charset="0"/>
+                <a:cs typeface="Courier New" panose="02070309020205020404" pitchFamily="49" charset="0"/>
+              </a:rPr>
+              <a:t>“your current branch ‘master’</a:t>
+            </a:r>
+            <a:r>
+              <a:rPr lang="zh-TW" altLang="en-US" sz="1200" dirty="0">
+                <a:solidFill>
+                  <a:schemeClr val="bg1">
+                    <a:lumMod val="65000"/>
+                  </a:schemeClr>
+                </a:solidFill>
+                <a:latin typeface="Courier New" panose="02070309020205020404" pitchFamily="49" charset="0"/>
+                <a:cs typeface="Courier New" panose="02070309020205020404" pitchFamily="49" charset="0"/>
+              </a:rPr>
+              <a:t>，訊息中很明確的指出目前所在的分支是 </a:t>
+            </a:r>
+            <a:r>
+              <a:rPr lang="en-US" altLang="zh-TW" sz="1200" dirty="0">
+                <a:solidFill>
+                  <a:schemeClr val="bg1">
+                    <a:lumMod val="65000"/>
+                  </a:schemeClr>
+                </a:solidFill>
+                <a:latin typeface="Courier New" panose="02070309020205020404" pitchFamily="49" charset="0"/>
+                <a:cs typeface="Courier New" panose="02070309020205020404" pitchFamily="49" charset="0"/>
+              </a:rPr>
+              <a:t>master</a:t>
+            </a:r>
+            <a:r>
+              <a:rPr lang="zh-TW" altLang="en-US" sz="1200" dirty="0">
+                <a:solidFill>
+                  <a:schemeClr val="bg1">
+                    <a:lumMod val="65000"/>
+                  </a:schemeClr>
+                </a:solidFill>
+                <a:latin typeface="Courier New" panose="02070309020205020404" pitchFamily="49" charset="0"/>
+                <a:cs typeface="Courier New" panose="02070309020205020404" pitchFamily="49" charset="0"/>
+              </a:rPr>
+              <a:t>，只是目前是沒有任何</a:t>
+            </a:r>
+            <a:r>
+              <a:rPr lang="en-US" altLang="zh-TW" sz="1200" dirty="0">
+                <a:solidFill>
+                  <a:schemeClr val="bg1">
+                    <a:lumMod val="65000"/>
+                  </a:schemeClr>
+                </a:solidFill>
+                <a:latin typeface="Courier New" panose="02070309020205020404" pitchFamily="49" charset="0"/>
+                <a:cs typeface="Courier New" panose="02070309020205020404" pitchFamily="49" charset="0"/>
+              </a:rPr>
+              <a:t>commit</a:t>
+            </a:r>
+            <a:r>
+              <a:rPr lang="zh-TW" altLang="en-US" sz="1200" dirty="0">
+                <a:solidFill>
+                  <a:schemeClr val="bg1">
+                    <a:lumMod val="65000"/>
+                  </a:schemeClr>
+                </a:solidFill>
+                <a:latin typeface="Courier New" panose="02070309020205020404" pitchFamily="49" charset="0"/>
+                <a:cs typeface="Courier New" panose="02070309020205020404" pitchFamily="49" charset="0"/>
+              </a:rPr>
+              <a:t>的資料。</a:t>
+            </a:r>
+            <a:endParaRPr lang="en-US" altLang="zh-TW" sz="1200" dirty="0">
+              <a:solidFill>
+                <a:schemeClr val="bg1">
+                  <a:lumMod val="65000"/>
+                </a:schemeClr>
+              </a:solidFill>
+              <a:latin typeface="Courier New" panose="02070309020205020404" pitchFamily="49" charset="0"/>
+              <a:cs typeface="Courier New" panose="02070309020205020404" pitchFamily="49" charset="0"/>
+            </a:endParaRPr>
+          </a:p>
+        </p:txBody>
+      </p:sp>
+    </p:spTree>
+    <p:extLst>
+      <p:ext uri="{BB962C8B-B14F-4D97-AF65-F5344CB8AC3E}">
+        <p14:creationId xmlns:p14="http://schemas.microsoft.com/office/powerpoint/2010/main" val="3668352682"/>
+      </p:ext>
+    </p:extLst>
+  </p:cSld>
+  <p:clrMapOvr>
+    <a:masterClrMapping/>
+  </p:clrMapOvr>
+</p:sld>
+</file>
+
+<file path=ppt/slides/slide16.xml><?xml version="1.0" encoding="utf-8"?>
+<p:sld xmlns:a="http://schemas.openxmlformats.org/drawingml/2006/main" xmlns:r="http://schemas.openxmlformats.org/officeDocument/2006/relationships" xmlns:p="http://schemas.openxmlformats.org/presentationml/2006/main">
+  <p:cSld>
+    <p:bg>
+      <p:bgPr>
+        <a:solidFill>
+          <a:schemeClr val="tx1">
+            <a:lumMod val="75000"/>
+            <a:lumOff val="25000"/>
+          </a:schemeClr>
+        </a:solidFill>
+        <a:effectLst/>
+      </p:bgPr>
+    </p:bg>
+    <p:spTree>
+      <p:nvGrpSpPr>
+        <p:cNvPr id="1" name="">
+          <a:extLst>
+            <a:ext uri="{FF2B5EF4-FFF2-40B4-BE49-F238E27FC236}">
+              <a16:creationId xmlns:a16="http://schemas.microsoft.com/office/drawing/2014/main" id="{386B5B5D-3DE4-894E-A93C-F4930B2F3E1C}"/>
+            </a:ext>
+          </a:extLst>
+        </p:cNvPr>
+        <p:cNvGrpSpPr/>
+        <p:nvPr/>
+      </p:nvGrpSpPr>
+      <p:grpSpPr>
+        <a:xfrm>
+          <a:off x="0" y="0"/>
+          <a:ext cx="0" cy="0"/>
+          <a:chOff x="0" y="0"/>
+          <a:chExt cx="0" cy="0"/>
+        </a:xfrm>
+      </p:grpSpPr>
+      <p:sp>
+        <p:nvSpPr>
+          <p:cNvPr id="2" name="標題 1">
+            <a:extLst>
+              <a:ext uri="{FF2B5EF4-FFF2-40B4-BE49-F238E27FC236}">
+                <a16:creationId xmlns:a16="http://schemas.microsoft.com/office/drawing/2014/main" id="{A72A4D8E-ECA3-3752-4EC1-C4296FA3F5D4}"/>
+              </a:ext>
+            </a:extLst>
+          </p:cNvPr>
+          <p:cNvSpPr>
+            <a:spLocks noGrp="1"/>
+          </p:cNvSpPr>
+          <p:nvPr>
+            <p:ph type="title"/>
+          </p:nvPr>
+        </p:nvSpPr>
+        <p:spPr>
+          <a:xfrm>
+            <a:off x="640080" y="1102718"/>
+            <a:ext cx="6739776" cy="662474"/>
+          </a:xfrm>
+        </p:spPr>
+        <p:txBody>
+          <a:bodyPr anchor="ctr" anchorCtr="0">
+            <a:normAutofit/>
+          </a:bodyPr>
+          <a:lstStyle/>
+          <a:p>
+            <a:r>
+              <a:rPr lang="en-US" altLang="zh-TW" sz="3200" dirty="0">
+                <a:solidFill>
+                  <a:srgbClr val="FFC000"/>
+                </a:solidFill>
+              </a:rPr>
+              <a:t>Git Bash – Command Line</a:t>
+            </a:r>
+            <a:endParaRPr lang="zh-TW" altLang="en-US" sz="3200" dirty="0">
+              <a:solidFill>
+                <a:srgbClr val="FFC000"/>
+              </a:solidFill>
+            </a:endParaRPr>
+          </a:p>
+        </p:txBody>
+      </p:sp>
+      <p:sp>
+        <p:nvSpPr>
+          <p:cNvPr id="3" name="內容版面配置區 2">
+            <a:extLst>
+              <a:ext uri="{FF2B5EF4-FFF2-40B4-BE49-F238E27FC236}">
+                <a16:creationId xmlns:a16="http://schemas.microsoft.com/office/drawing/2014/main" id="{C115767B-77DC-A1C4-3B54-FA9B5AA25E97}"/>
+              </a:ext>
+            </a:extLst>
+          </p:cNvPr>
+          <p:cNvSpPr>
+            <a:spLocks noGrp="1"/>
+          </p:cNvSpPr>
+          <p:nvPr>
+            <p:ph idx="1"/>
+          </p:nvPr>
+        </p:nvSpPr>
+        <p:spPr>
+          <a:xfrm>
+            <a:off x="797097" y="1765192"/>
+            <a:ext cx="5496127" cy="547027"/>
+          </a:xfrm>
+        </p:spPr>
+        <p:txBody>
+          <a:bodyPr anchor="ctr" anchorCtr="0">
+            <a:noAutofit/>
+          </a:bodyPr>
+          <a:lstStyle/>
+          <a:p>
+            <a:pPr>
+              <a:buFont typeface="Wingdings" panose="05000000000000000000" pitchFamily="2" charset="2"/>
+              <a:buChar char="l"/>
+            </a:pPr>
+            <a:r>
+              <a:rPr lang="zh-TW" altLang="en-US" dirty="0">
+                <a:solidFill>
+                  <a:srgbClr val="00B0F0"/>
+                </a:solidFill>
+              </a:rPr>
+              <a:t> </a:t>
+            </a:r>
+            <a:r>
+              <a:rPr lang="en-US" altLang="zh-TW" dirty="0">
+                <a:solidFill>
+                  <a:srgbClr val="00B0F0"/>
+                </a:solidFill>
+              </a:rPr>
+              <a:t>Git Branch –</a:t>
+            </a:r>
+            <a:r>
+              <a:rPr lang="zh-TW" altLang="en-US" dirty="0">
+                <a:solidFill>
+                  <a:srgbClr val="00B0F0"/>
+                </a:solidFill>
+              </a:rPr>
+              <a:t>分支建立</a:t>
+            </a:r>
+          </a:p>
+        </p:txBody>
+      </p:sp>
+      <p:sp>
+        <p:nvSpPr>
+          <p:cNvPr id="4" name="文字方塊 3">
+            <a:extLst>
+              <a:ext uri="{FF2B5EF4-FFF2-40B4-BE49-F238E27FC236}">
+                <a16:creationId xmlns:a16="http://schemas.microsoft.com/office/drawing/2014/main" id="{A19BAB30-B9E2-AC52-0518-6DFA6240296C}"/>
+              </a:ext>
+            </a:extLst>
+          </p:cNvPr>
+          <p:cNvSpPr txBox="1"/>
+          <p:nvPr/>
+        </p:nvSpPr>
+        <p:spPr>
+          <a:xfrm>
+            <a:off x="1717953" y="2625876"/>
+            <a:ext cx="6359247" cy="387927"/>
+          </a:xfrm>
+          <a:prstGeom prst="rect">
+            <a:avLst/>
+          </a:prstGeom>
+          <a:noFill/>
+        </p:spPr>
+        <p:txBody>
+          <a:bodyPr wrap="square" rtlCol="0">
+            <a:spAutoFit/>
+          </a:bodyPr>
+          <a:lstStyle/>
+          <a:p>
+            <a:pPr>
+              <a:lnSpc>
+                <a:spcPct val="150000"/>
+              </a:lnSpc>
+            </a:pPr>
+            <a:r>
+              <a:rPr lang="zh-TW" altLang="en-US" sz="1400" dirty="0">
+                <a:solidFill>
+                  <a:schemeClr val="bg1"/>
+                </a:solidFill>
+                <a:latin typeface="Courier New" panose="02070309020205020404" pitchFamily="49" charset="0"/>
+                <a:cs typeface="Courier New" panose="02070309020205020404" pitchFamily="49" charset="0"/>
+              </a:rPr>
+              <a:t>接下來使用</a:t>
+            </a:r>
+            <a:r>
+              <a:rPr lang="en-US" altLang="zh-TW" sz="1400" dirty="0">
+                <a:solidFill>
+                  <a:schemeClr val="bg1"/>
+                </a:solidFill>
+                <a:latin typeface="Courier New" panose="02070309020205020404" pitchFamily="49" charset="0"/>
+                <a:cs typeface="Courier New" panose="02070309020205020404" pitchFamily="49" charset="0"/>
+              </a:rPr>
+              <a:t>”git branch &lt;</a:t>
+            </a:r>
+            <a:r>
+              <a:rPr lang="zh-TW" altLang="en-US" sz="1400" dirty="0">
+                <a:solidFill>
+                  <a:schemeClr val="bg1"/>
+                </a:solidFill>
+                <a:latin typeface="Courier New" panose="02070309020205020404" pitchFamily="49" charset="0"/>
+                <a:cs typeface="Courier New" panose="02070309020205020404" pitchFamily="49" charset="0"/>
+              </a:rPr>
+              <a:t>分支名稱</a:t>
+            </a:r>
+            <a:r>
+              <a:rPr lang="en-US" altLang="zh-TW" sz="1400" dirty="0">
+                <a:solidFill>
+                  <a:schemeClr val="bg1"/>
+                </a:solidFill>
+                <a:latin typeface="Courier New" panose="02070309020205020404" pitchFamily="49" charset="0"/>
+                <a:cs typeface="Courier New" panose="02070309020205020404" pitchFamily="49" charset="0"/>
+              </a:rPr>
+              <a:t>&gt;”</a:t>
+            </a:r>
+            <a:r>
+              <a:rPr lang="zh-TW" altLang="en-US" sz="1400" dirty="0">
+                <a:solidFill>
+                  <a:schemeClr val="bg1"/>
+                </a:solidFill>
+                <a:latin typeface="Courier New" panose="02070309020205020404" pitchFamily="49" charset="0"/>
+                <a:cs typeface="Courier New" panose="02070309020205020404" pitchFamily="49" charset="0"/>
+              </a:rPr>
+              <a:t>這個語法建立一個新的分支節點，</a:t>
+            </a:r>
+            <a:endParaRPr lang="zh-TW" altLang="en-US" sz="1400" dirty="0">
+              <a:solidFill>
+                <a:srgbClr val="00FF00"/>
+              </a:solidFill>
+              <a:latin typeface="Courier New" panose="02070309020205020404" pitchFamily="49" charset="0"/>
+              <a:cs typeface="Courier New" panose="02070309020205020404" pitchFamily="49" charset="0"/>
+            </a:endParaRPr>
+          </a:p>
+        </p:txBody>
+      </p:sp>
+      <p:sp>
+        <p:nvSpPr>
+          <p:cNvPr id="5" name="內容版面配置區 2">
+            <a:extLst>
+              <a:ext uri="{FF2B5EF4-FFF2-40B4-BE49-F238E27FC236}">
+                <a16:creationId xmlns:a16="http://schemas.microsoft.com/office/drawing/2014/main" id="{D10D3D74-C6E1-8E92-BA20-5D508612DAEE}"/>
+              </a:ext>
+            </a:extLst>
+          </p:cNvPr>
+          <p:cNvSpPr txBox="1">
+            <a:spLocks/>
+          </p:cNvSpPr>
+          <p:nvPr/>
+        </p:nvSpPr>
+        <p:spPr>
+          <a:xfrm>
+            <a:off x="1340358" y="2289256"/>
+            <a:ext cx="3895030" cy="442048"/>
+          </a:xfrm>
+          <a:prstGeom prst="rect">
+            <a:avLst/>
+          </a:prstGeom>
+        </p:spPr>
+        <p:txBody>
+          <a:bodyPr vert="horz" lIns="91440" tIns="45720" rIns="91440" bIns="45720" rtlCol="0" anchor="ctr" anchorCtr="0">
+            <a:normAutofit/>
+          </a:bodyPr>
+          <a:lstStyle>
+            <a:lvl1pPr marL="228600" indent="-228600" algn="l" defTabSz="914400" rtl="0" eaLnBrk="1" latinLnBrk="0" hangingPunct="1">
+              <a:lnSpc>
+                <a:spcPct val="120000"/>
+              </a:lnSpc>
+              <a:spcBef>
+                <a:spcPts val="1000"/>
+              </a:spcBef>
+              <a:buSzPct val="87000"/>
+              <a:buFont typeface="Arial" panose="020B0604020202020204" pitchFamily="34" charset="0"/>
+              <a:buChar char="•"/>
+              <a:defRPr sz="2000" kern="1200">
+                <a:solidFill>
+                  <a:schemeClr val="tx1"/>
+                </a:solidFill>
+                <a:latin typeface="+mn-lt"/>
+                <a:ea typeface="+mn-ea"/>
+                <a:cs typeface="+mn-cs"/>
+              </a:defRPr>
+            </a:lvl1pPr>
+            <a:lvl2pPr marL="493776" indent="-228600" algn="l" defTabSz="914400" rtl="0" eaLnBrk="1" latinLnBrk="0" hangingPunct="1">
+              <a:lnSpc>
+                <a:spcPct val="120000"/>
+              </a:lnSpc>
+              <a:spcBef>
+                <a:spcPts val="500"/>
+              </a:spcBef>
+              <a:buSzPct val="87000"/>
+              <a:buFont typeface="Arial" panose="020B0604020202020204" pitchFamily="34" charset="0"/>
+              <a:buChar char="•"/>
+              <a:defRPr sz="1800" kern="1200">
+                <a:solidFill>
+                  <a:schemeClr val="tx1"/>
+                </a:solidFill>
+                <a:latin typeface="+mn-lt"/>
+                <a:ea typeface="+mn-ea"/>
+                <a:cs typeface="+mn-cs"/>
+              </a:defRPr>
+            </a:lvl2pPr>
+            <a:lvl3pPr marL="731520" indent="-228600" algn="l" defTabSz="914400" rtl="0" eaLnBrk="1" latinLnBrk="0" hangingPunct="1">
+              <a:lnSpc>
+                <a:spcPct val="120000"/>
+              </a:lnSpc>
+              <a:spcBef>
+                <a:spcPts val="500"/>
+              </a:spcBef>
+              <a:buSzPct val="87000"/>
+              <a:buFont typeface="Arial" panose="020B0604020202020204" pitchFamily="34" charset="0"/>
+              <a:buChar char="•"/>
+              <a:defRPr sz="1600" kern="1200">
+                <a:solidFill>
+                  <a:schemeClr val="tx1"/>
+                </a:solidFill>
+                <a:latin typeface="+mn-lt"/>
+                <a:ea typeface="+mn-ea"/>
+                <a:cs typeface="+mn-cs"/>
+              </a:defRPr>
+            </a:lvl3pPr>
+            <a:lvl4pPr marL="1051560" indent="-285750" algn="l" defTabSz="914400" rtl="0" eaLnBrk="1" latinLnBrk="0" hangingPunct="1">
+              <a:lnSpc>
+                <a:spcPct val="120000"/>
+              </a:lnSpc>
+              <a:spcBef>
+                <a:spcPts val="500"/>
+              </a:spcBef>
+              <a:buSzPct val="87000"/>
+              <a:buFont typeface="Arial" panose="020B0604020202020204" pitchFamily="34" charset="0"/>
+              <a:buChar char="•"/>
+              <a:defRPr sz="1400" kern="1200">
+                <a:solidFill>
+                  <a:schemeClr val="tx1"/>
+                </a:solidFill>
+                <a:latin typeface="+mn-lt"/>
+                <a:ea typeface="+mn-ea"/>
+                <a:cs typeface="+mn-cs"/>
+              </a:defRPr>
+            </a:lvl4pPr>
+            <a:lvl5pPr marL="1298448" indent="-228600" algn="l" defTabSz="914400" rtl="0" eaLnBrk="1" latinLnBrk="0" hangingPunct="1">
+              <a:lnSpc>
+                <a:spcPct val="120000"/>
+              </a:lnSpc>
+              <a:spcBef>
+                <a:spcPts val="500"/>
+              </a:spcBef>
+              <a:buSzPct val="87000"/>
+              <a:buFont typeface="Arial" panose="020B0604020202020204" pitchFamily="34" charset="0"/>
+              <a:buChar char="•"/>
+              <a:defRPr sz="1400" kern="1200">
+                <a:solidFill>
+                  <a:schemeClr val="tx1"/>
+                </a:solidFill>
+                <a:latin typeface="+mn-lt"/>
+                <a:ea typeface="+mn-ea"/>
+                <a:cs typeface="+mn-cs"/>
+              </a:defRPr>
+            </a:lvl5pPr>
+            <a:lvl6pPr marL="2514600" indent="-228600" algn="l" defTabSz="914400" rtl="0" eaLnBrk="1" latinLnBrk="0" hangingPunct="1">
+              <a:lnSpc>
+                <a:spcPct val="90000"/>
+              </a:lnSpc>
+              <a:spcBef>
+                <a:spcPts val="500"/>
+              </a:spcBef>
+              <a:buFont typeface="Arial" panose="020B0604020202020204" pitchFamily="34" charset="0"/>
+              <a:buChar char="•"/>
+              <a:defRPr sz="1800" kern="1200">
+                <a:solidFill>
+                  <a:schemeClr val="tx1"/>
+                </a:solidFill>
+                <a:latin typeface="+mn-lt"/>
+                <a:ea typeface="+mn-ea"/>
+                <a:cs typeface="+mn-cs"/>
+              </a:defRPr>
+            </a:lvl6pPr>
+            <a:lvl7pPr marL="2971800" indent="-228600" algn="l" defTabSz="914400" rtl="0" eaLnBrk="1" latinLnBrk="0" hangingPunct="1">
+              <a:lnSpc>
+                <a:spcPct val="90000"/>
+              </a:lnSpc>
+              <a:spcBef>
+                <a:spcPts val="500"/>
+              </a:spcBef>
+              <a:buFont typeface="Arial" panose="020B0604020202020204" pitchFamily="34" charset="0"/>
+              <a:buChar char="•"/>
+              <a:defRPr sz="1800" kern="1200">
+                <a:solidFill>
+                  <a:schemeClr val="tx1"/>
+                </a:solidFill>
+                <a:latin typeface="+mn-lt"/>
+                <a:ea typeface="+mn-ea"/>
+                <a:cs typeface="+mn-cs"/>
+              </a:defRPr>
+            </a:lvl7pPr>
+            <a:lvl8pPr marL="3429000" indent="-228600" algn="l" defTabSz="914400" rtl="0" eaLnBrk="1" latinLnBrk="0" hangingPunct="1">
+              <a:lnSpc>
+                <a:spcPct val="90000"/>
+              </a:lnSpc>
+              <a:spcBef>
+                <a:spcPts val="500"/>
+              </a:spcBef>
+              <a:buFont typeface="Arial" panose="020B0604020202020204" pitchFamily="34" charset="0"/>
+              <a:buChar char="•"/>
+              <a:defRPr sz="1800" kern="1200">
+                <a:solidFill>
+                  <a:schemeClr val="tx1"/>
+                </a:solidFill>
+                <a:latin typeface="+mn-lt"/>
+                <a:ea typeface="+mn-ea"/>
+                <a:cs typeface="+mn-cs"/>
+              </a:defRPr>
+            </a:lvl8pPr>
+            <a:lvl9pPr marL="3886200" indent="-228600" algn="l" defTabSz="914400" rtl="0" eaLnBrk="1" latinLnBrk="0" hangingPunct="1">
+              <a:lnSpc>
+                <a:spcPct val="90000"/>
+              </a:lnSpc>
+              <a:spcBef>
+                <a:spcPts val="500"/>
+              </a:spcBef>
+              <a:buFont typeface="Arial" panose="020B0604020202020204" pitchFamily="34" charset="0"/>
+              <a:buChar char="•"/>
+              <a:defRPr sz="1800" kern="1200">
+                <a:solidFill>
+                  <a:schemeClr val="tx1"/>
+                </a:solidFill>
+                <a:latin typeface="+mn-lt"/>
+                <a:ea typeface="+mn-ea"/>
+                <a:cs typeface="+mn-cs"/>
+              </a:defRPr>
+            </a:lvl9pPr>
+          </a:lstStyle>
+          <a:p>
+            <a:pPr>
+              <a:buFont typeface="Wingdings" panose="05000000000000000000" pitchFamily="2" charset="2"/>
+              <a:buChar char="Ø"/>
+            </a:pPr>
+            <a:r>
+              <a:rPr lang="zh-TW" altLang="en-US" sz="1600" dirty="0">
+                <a:solidFill>
+                  <a:schemeClr val="bg1"/>
+                </a:solidFill>
+              </a:rPr>
+              <a:t>在本地端的</a:t>
+            </a:r>
+            <a:r>
+              <a:rPr lang="en-US" altLang="zh-TW" sz="1600" dirty="0">
+                <a:solidFill>
+                  <a:schemeClr val="bg1"/>
+                </a:solidFill>
+              </a:rPr>
+              <a:t>Git</a:t>
+            </a:r>
+            <a:r>
+              <a:rPr lang="zh-TW" altLang="en-US" sz="1600" dirty="0">
+                <a:solidFill>
+                  <a:schemeClr val="bg1"/>
+                </a:solidFill>
+              </a:rPr>
+              <a:t>版本庫中新建分支</a:t>
+            </a:r>
+          </a:p>
+        </p:txBody>
+      </p:sp>
+      <p:sp>
+        <p:nvSpPr>
+          <p:cNvPr id="7" name="文字方塊 6">
+            <a:extLst>
+              <a:ext uri="{FF2B5EF4-FFF2-40B4-BE49-F238E27FC236}">
+                <a16:creationId xmlns:a16="http://schemas.microsoft.com/office/drawing/2014/main" id="{8F794305-29A8-D6E7-C45C-7D8917A2D642}"/>
+              </a:ext>
+            </a:extLst>
+          </p:cNvPr>
+          <p:cNvSpPr txBox="1"/>
+          <p:nvPr/>
+        </p:nvSpPr>
+        <p:spPr>
+          <a:xfrm>
+            <a:off x="1717953" y="3006306"/>
+            <a:ext cx="8636283" cy="461665"/>
+          </a:xfrm>
+          <a:prstGeom prst="rect">
+            <a:avLst/>
+          </a:prstGeom>
+          <a:noFill/>
+        </p:spPr>
+        <p:txBody>
+          <a:bodyPr wrap="square" rtlCol="0">
+            <a:spAutoFit/>
+          </a:bodyPr>
+          <a:lstStyle/>
+          <a:p>
+            <a:r>
+              <a:rPr lang="en-US" altLang="zh-TW" sz="1200" dirty="0">
+                <a:solidFill>
+                  <a:srgbClr val="00FF00"/>
+                </a:solidFill>
+                <a:latin typeface="Courier New" panose="02070309020205020404" pitchFamily="49" charset="0"/>
+                <a:cs typeface="Courier New" panose="02070309020205020404" pitchFamily="49" charset="0"/>
+              </a:rPr>
+              <a:t>daniel.hsu@DESKTOP-2C8EEA2 </a:t>
+            </a:r>
+            <a:r>
+              <a:rPr lang="en-US" altLang="zh-TW" sz="1200" dirty="0">
+                <a:solidFill>
+                  <a:srgbClr val="FF00FF"/>
+                </a:solidFill>
+                <a:latin typeface="Courier New" panose="02070309020205020404" pitchFamily="49" charset="0"/>
+                <a:cs typeface="Courier New" panose="02070309020205020404" pitchFamily="49" charset="0"/>
+              </a:rPr>
+              <a:t>MINGW64</a:t>
+            </a:r>
+            <a:r>
+              <a:rPr lang="en-US" altLang="zh-TW" sz="1200" dirty="0">
+                <a:solidFill>
+                  <a:srgbClr val="00FF00"/>
+                </a:solidFill>
+                <a:latin typeface="Courier New" panose="02070309020205020404" pitchFamily="49" charset="0"/>
+                <a:cs typeface="Courier New" panose="02070309020205020404" pitchFamily="49" charset="0"/>
+              </a:rPr>
+              <a:t> </a:t>
+            </a:r>
+            <a:r>
+              <a:rPr lang="en-US" altLang="zh-TW" sz="1200" dirty="0">
+                <a:solidFill>
+                  <a:srgbClr val="FFC000"/>
+                </a:solidFill>
+                <a:latin typeface="Courier New" panose="02070309020205020404" pitchFamily="49" charset="0"/>
+                <a:cs typeface="Courier New" panose="02070309020205020404" pitchFamily="49" charset="0"/>
+              </a:rPr>
+              <a:t>/d/CAI_Porject/TestFolder/LocalGit/RemoteGit </a:t>
+            </a:r>
+            <a:r>
+              <a:rPr lang="en-US" altLang="zh-TW" sz="1200" dirty="0">
+                <a:solidFill>
+                  <a:srgbClr val="33CCCC"/>
+                </a:solidFill>
+                <a:latin typeface="Courier New" panose="02070309020205020404" pitchFamily="49" charset="0"/>
+                <a:cs typeface="Courier New" panose="02070309020205020404" pitchFamily="49" charset="0"/>
+              </a:rPr>
+              <a:t>(master) </a:t>
+            </a:r>
+          </a:p>
+          <a:p>
+            <a:r>
+              <a:rPr lang="en-US" altLang="zh-TW" sz="1200" dirty="0">
+                <a:solidFill>
+                  <a:schemeClr val="bg1"/>
+                </a:solidFill>
+                <a:latin typeface="Courier New" panose="02070309020205020404" pitchFamily="49" charset="0"/>
+                <a:cs typeface="Courier New" panose="02070309020205020404" pitchFamily="49" charset="0"/>
+              </a:rPr>
+              <a:t>$</a:t>
+            </a:r>
+            <a:r>
+              <a:rPr lang="en-US" altLang="zh-TW" sz="1200" dirty="0">
+                <a:solidFill>
+                  <a:srgbClr val="00FF00"/>
+                </a:solidFill>
+                <a:latin typeface="Courier New" panose="02070309020205020404" pitchFamily="49" charset="0"/>
+                <a:cs typeface="Courier New" panose="02070309020205020404" pitchFamily="49" charset="0"/>
+              </a:rPr>
+              <a:t> git branch second</a:t>
+            </a:r>
+            <a:endParaRPr lang="en-US" altLang="zh-TW" sz="1200" dirty="0">
+              <a:solidFill>
+                <a:schemeClr val="bg1">
+                  <a:lumMod val="65000"/>
+                </a:schemeClr>
+              </a:solidFill>
+              <a:latin typeface="Courier New" panose="02070309020205020404" pitchFamily="49" charset="0"/>
+              <a:cs typeface="Courier New" panose="02070309020205020404" pitchFamily="49" charset="0"/>
+            </a:endParaRPr>
+          </a:p>
+        </p:txBody>
+      </p:sp>
+      <p:sp>
+        <p:nvSpPr>
+          <p:cNvPr id="9" name="文字方塊 8">
+            <a:extLst>
+              <a:ext uri="{FF2B5EF4-FFF2-40B4-BE49-F238E27FC236}">
+                <a16:creationId xmlns:a16="http://schemas.microsoft.com/office/drawing/2014/main" id="{599F9BE8-CD1B-052D-881D-A9D08D789D49}"/>
+              </a:ext>
+            </a:extLst>
+          </p:cNvPr>
+          <p:cNvSpPr txBox="1"/>
+          <p:nvPr/>
+        </p:nvSpPr>
+        <p:spPr>
+          <a:xfrm>
+            <a:off x="949496" y="6540942"/>
+            <a:ext cx="9485421" cy="276999"/>
+          </a:xfrm>
+          <a:prstGeom prst="rect">
+            <a:avLst/>
+          </a:prstGeom>
+          <a:noFill/>
+        </p:spPr>
+        <p:txBody>
+          <a:bodyPr wrap="square" rtlCol="0">
+            <a:spAutoFit/>
+          </a:bodyPr>
+          <a:lstStyle/>
+          <a:p>
+            <a:r>
+              <a:rPr lang="zh-TW" altLang="en-US" sz="1200" dirty="0">
+                <a:solidFill>
+                  <a:schemeClr val="bg1"/>
+                </a:solidFill>
+                <a:latin typeface="Courier New" panose="02070309020205020404" pitchFamily="49" charset="0"/>
+                <a:cs typeface="Courier New" panose="02070309020205020404" pitchFamily="49" charset="0"/>
+              </a:rPr>
+              <a:t>使用</a:t>
+            </a:r>
+            <a:r>
+              <a:rPr lang="en-US" altLang="zh-TW" sz="1200" dirty="0">
+                <a:solidFill>
+                  <a:schemeClr val="bg1"/>
+                </a:solidFill>
+                <a:latin typeface="Courier New" panose="02070309020205020404" pitchFamily="49" charset="0"/>
+                <a:cs typeface="Courier New" panose="02070309020205020404" pitchFamily="49" charset="0"/>
+              </a:rPr>
+              <a:t>“git</a:t>
+            </a:r>
+            <a:r>
+              <a:rPr lang="zh-TW" altLang="en-US" sz="1200" dirty="0">
+                <a:solidFill>
+                  <a:schemeClr val="bg1"/>
+                </a:solidFill>
+                <a:latin typeface="Courier New" panose="02070309020205020404" pitchFamily="49" charset="0"/>
+                <a:cs typeface="Courier New" panose="02070309020205020404" pitchFamily="49" charset="0"/>
+              </a:rPr>
+              <a:t> </a:t>
+            </a:r>
+            <a:r>
+              <a:rPr lang="en-US" altLang="zh-TW" sz="1200" dirty="0">
+                <a:solidFill>
+                  <a:schemeClr val="bg1"/>
+                </a:solidFill>
+                <a:latin typeface="Courier New" panose="02070309020205020404" pitchFamily="49" charset="0"/>
+                <a:cs typeface="Courier New" panose="02070309020205020404" pitchFamily="49" charset="0"/>
+              </a:rPr>
+              <a:t>log”</a:t>
+            </a:r>
+            <a:r>
+              <a:rPr lang="zh-TW" altLang="en-US" sz="1200" dirty="0">
+                <a:solidFill>
+                  <a:schemeClr val="bg1"/>
+                </a:solidFill>
+                <a:latin typeface="Courier New" panose="02070309020205020404" pitchFamily="49" charset="0"/>
+                <a:cs typeface="Courier New" panose="02070309020205020404" pitchFamily="49" charset="0"/>
+              </a:rPr>
+              <a:t>查看分支狀態，可以看到有兩個分支</a:t>
+            </a:r>
+            <a:r>
+              <a:rPr lang="en-US" altLang="zh-TW" sz="1200" dirty="0">
+                <a:solidFill>
+                  <a:schemeClr val="bg1"/>
+                </a:solidFill>
+                <a:latin typeface="Courier New" panose="02070309020205020404" pitchFamily="49" charset="0"/>
+                <a:cs typeface="Courier New" panose="02070309020205020404" pitchFamily="49" charset="0"/>
+              </a:rPr>
+              <a:t>(master, second)</a:t>
+            </a:r>
+            <a:r>
+              <a:rPr lang="zh-TW" altLang="en-US" sz="1200" dirty="0">
+                <a:solidFill>
+                  <a:schemeClr val="bg1"/>
+                </a:solidFill>
+                <a:latin typeface="Courier New" panose="02070309020205020404" pitchFamily="49" charset="0"/>
+                <a:cs typeface="Courier New" panose="02070309020205020404" pitchFamily="49" charset="0"/>
+              </a:rPr>
+              <a:t>，然後</a:t>
+            </a:r>
+            <a:r>
+              <a:rPr lang="en-US" altLang="zh-TW" sz="1200" dirty="0">
+                <a:solidFill>
+                  <a:schemeClr val="bg1"/>
+                </a:solidFill>
+                <a:latin typeface="Courier New" panose="02070309020205020404" pitchFamily="49" charset="0"/>
+                <a:cs typeface="Courier New" panose="02070309020205020404" pitchFamily="49" charset="0"/>
+              </a:rPr>
+              <a:t>HEAD</a:t>
+            </a:r>
+            <a:r>
+              <a:rPr lang="zh-TW" altLang="en-US" sz="1200" dirty="0">
+                <a:solidFill>
+                  <a:schemeClr val="bg1"/>
+                </a:solidFill>
+                <a:latin typeface="Courier New" panose="02070309020205020404" pitchFamily="49" charset="0"/>
+                <a:cs typeface="Courier New" panose="02070309020205020404" pitchFamily="49" charset="0"/>
+              </a:rPr>
+              <a:t>指向</a:t>
+            </a:r>
+            <a:r>
+              <a:rPr lang="en-US" altLang="zh-TW" sz="1200" dirty="0">
+                <a:solidFill>
+                  <a:schemeClr val="bg1"/>
+                </a:solidFill>
+                <a:latin typeface="Courier New" panose="02070309020205020404" pitchFamily="49" charset="0"/>
+                <a:cs typeface="Courier New" panose="02070309020205020404" pitchFamily="49" charset="0"/>
+              </a:rPr>
+              <a:t>master</a:t>
+            </a:r>
+            <a:r>
+              <a:rPr lang="zh-TW" altLang="en-US" sz="1200" dirty="0">
+                <a:solidFill>
+                  <a:schemeClr val="bg1"/>
+                </a:solidFill>
+                <a:latin typeface="Courier New" panose="02070309020205020404" pitchFamily="49" charset="0"/>
+                <a:cs typeface="Courier New" panose="02070309020205020404" pitchFamily="49" charset="0"/>
+              </a:rPr>
+              <a:t>，表示目前操作的分支是</a:t>
+            </a:r>
+            <a:r>
+              <a:rPr lang="en-US" altLang="zh-TW" sz="1200" dirty="0">
+                <a:solidFill>
+                  <a:schemeClr val="bg1"/>
+                </a:solidFill>
+                <a:latin typeface="Courier New" panose="02070309020205020404" pitchFamily="49" charset="0"/>
+                <a:cs typeface="Courier New" panose="02070309020205020404" pitchFamily="49" charset="0"/>
+              </a:rPr>
+              <a:t>master</a:t>
+            </a:r>
+            <a:r>
+              <a:rPr lang="zh-TW" altLang="en-US" sz="1200" dirty="0">
+                <a:solidFill>
+                  <a:schemeClr val="bg1"/>
+                </a:solidFill>
+                <a:latin typeface="Courier New" panose="02070309020205020404" pitchFamily="49" charset="0"/>
+                <a:cs typeface="Courier New" panose="02070309020205020404" pitchFamily="49" charset="0"/>
+              </a:rPr>
+              <a:t>。</a:t>
+            </a:r>
+            <a:endParaRPr lang="en-US" altLang="zh-TW" sz="1200" dirty="0">
+              <a:solidFill>
+                <a:schemeClr val="bg1">
+                  <a:lumMod val="65000"/>
+                </a:schemeClr>
+              </a:solidFill>
+              <a:latin typeface="Courier New" panose="02070309020205020404" pitchFamily="49" charset="0"/>
+              <a:cs typeface="Courier New" panose="02070309020205020404" pitchFamily="49" charset="0"/>
+            </a:endParaRPr>
+          </a:p>
+        </p:txBody>
+      </p:sp>
+      <p:pic>
+        <p:nvPicPr>
+          <p:cNvPr id="8" name="圖片 7">
+            <a:extLst>
+              <a:ext uri="{FF2B5EF4-FFF2-40B4-BE49-F238E27FC236}">
+                <a16:creationId xmlns:a16="http://schemas.microsoft.com/office/drawing/2014/main" id="{508E8E08-3C2F-8AE8-6F97-EE85FEAF36D0}"/>
+              </a:ext>
+            </a:extLst>
+          </p:cNvPr>
+          <p:cNvPicPr>
+            <a:picLocks noChangeAspect="1"/>
+          </p:cNvPicPr>
+          <p:nvPr/>
+        </p:nvPicPr>
+        <p:blipFill>
+          <a:blip r:embed="rId2"/>
+          <a:stretch>
+            <a:fillRect/>
+          </a:stretch>
+        </p:blipFill>
+        <p:spPr>
+          <a:xfrm>
+            <a:off x="2188228" y="3532061"/>
+            <a:ext cx="7152995" cy="507252"/>
+          </a:xfrm>
+          <a:prstGeom prst="rect">
+            <a:avLst/>
+          </a:prstGeom>
+        </p:spPr>
+      </p:pic>
+      <p:sp>
+        <p:nvSpPr>
+          <p:cNvPr id="10" name="文字方塊 9">
+            <a:extLst>
+              <a:ext uri="{FF2B5EF4-FFF2-40B4-BE49-F238E27FC236}">
+                <a16:creationId xmlns:a16="http://schemas.microsoft.com/office/drawing/2014/main" id="{61D78BCF-9B80-1382-005A-61C89696F921}"/>
+              </a:ext>
+            </a:extLst>
+          </p:cNvPr>
+          <p:cNvSpPr txBox="1"/>
+          <p:nvPr/>
+        </p:nvSpPr>
+        <p:spPr>
+          <a:xfrm>
+            <a:off x="874024" y="4023867"/>
+            <a:ext cx="10656984" cy="622671"/>
+          </a:xfrm>
+          <a:prstGeom prst="rect">
+            <a:avLst/>
+          </a:prstGeom>
+          <a:noFill/>
+        </p:spPr>
+        <p:txBody>
+          <a:bodyPr wrap="square" rtlCol="0">
+            <a:spAutoFit/>
+          </a:bodyPr>
+          <a:lstStyle/>
+          <a:p>
+            <a:pPr algn="ctr">
+              <a:lnSpc>
+                <a:spcPct val="150000"/>
+              </a:lnSpc>
+            </a:pPr>
+            <a:r>
+              <a:rPr lang="zh-TW" altLang="en-US" sz="1200" dirty="0">
+                <a:solidFill>
+                  <a:schemeClr val="bg1"/>
+                </a:solidFill>
+                <a:latin typeface="Courier New" panose="02070309020205020404" pitchFamily="49" charset="0"/>
+                <a:cs typeface="Courier New" panose="02070309020205020404" pitchFamily="49" charset="0"/>
+              </a:rPr>
+              <a:t>出現錯誤了</a:t>
+            </a:r>
+            <a:r>
+              <a:rPr lang="en-US" altLang="zh-TW" sz="1200" dirty="0">
+                <a:solidFill>
+                  <a:schemeClr val="bg1"/>
+                </a:solidFill>
+                <a:latin typeface="Courier New" panose="02070309020205020404" pitchFamily="49" charset="0"/>
+                <a:cs typeface="Courier New" panose="02070309020205020404" pitchFamily="49" charset="0"/>
+              </a:rPr>
+              <a:t>!</a:t>
+            </a:r>
+            <a:r>
+              <a:rPr lang="en-US" altLang="zh-TW" sz="1200" dirty="0">
+                <a:solidFill>
+                  <a:schemeClr val="accent5">
+                    <a:lumMod val="60000"/>
+                    <a:lumOff val="40000"/>
+                  </a:schemeClr>
+                </a:solidFill>
+                <a:latin typeface="Courier New" panose="02070309020205020404" pitchFamily="49" charset="0"/>
+                <a:cs typeface="Courier New" panose="02070309020205020404" pitchFamily="49" charset="0"/>
+              </a:rPr>
+              <a:t>fatal: not a valid object name: ‘master’</a:t>
+            </a:r>
+            <a:r>
+              <a:rPr lang="zh-TW" altLang="en-US" sz="1200" dirty="0">
+                <a:solidFill>
+                  <a:schemeClr val="bg1"/>
+                </a:solidFill>
+                <a:latin typeface="Courier New" panose="02070309020205020404" pitchFamily="49" charset="0"/>
+                <a:cs typeface="Courier New" panose="02070309020205020404" pitchFamily="49" charset="0"/>
+              </a:rPr>
+              <a:t>，因為</a:t>
+            </a:r>
+            <a:r>
+              <a:rPr lang="en-US" altLang="zh-TW" sz="1200" dirty="0">
+                <a:solidFill>
+                  <a:schemeClr val="bg1"/>
+                </a:solidFill>
+                <a:latin typeface="Courier New" panose="02070309020205020404" pitchFamily="49" charset="0"/>
+                <a:cs typeface="Courier New" panose="02070309020205020404" pitchFamily="49" charset="0"/>
+              </a:rPr>
+              <a:t>『</a:t>
+            </a:r>
+            <a:r>
+              <a:rPr lang="zh-TW" altLang="en-US" sz="1200" b="1" i="1" dirty="0">
+                <a:solidFill>
+                  <a:srgbClr val="FFFF00"/>
+                </a:solidFill>
+                <a:latin typeface="Courier New" panose="02070309020205020404" pitchFamily="49" charset="0"/>
+                <a:cs typeface="Courier New" panose="02070309020205020404" pitchFamily="49" charset="0"/>
+              </a:rPr>
+              <a:t>分支建立的條件是建立在已有的提交上進行創建的</a:t>
+            </a:r>
+            <a:r>
+              <a:rPr lang="en-US" altLang="zh-TW" sz="1200" b="1" dirty="0">
+                <a:solidFill>
+                  <a:schemeClr val="bg1"/>
+                </a:solidFill>
+                <a:latin typeface="Courier New" panose="02070309020205020404" pitchFamily="49" charset="0"/>
+                <a:cs typeface="Courier New" panose="02070309020205020404" pitchFamily="49" charset="0"/>
+              </a:rPr>
+              <a:t>』</a:t>
+            </a:r>
+            <a:r>
+              <a:rPr lang="zh-TW" altLang="en-US" sz="1200" dirty="0">
+                <a:solidFill>
+                  <a:schemeClr val="bg1"/>
+                </a:solidFill>
+                <a:latin typeface="Courier New" panose="02070309020205020404" pitchFamily="49" charset="0"/>
+                <a:cs typeface="Courier New" panose="02070309020205020404" pitchFamily="49" charset="0"/>
+              </a:rPr>
+              <a:t>，而這個</a:t>
+            </a:r>
+            <a:r>
+              <a:rPr lang="en-US" altLang="zh-TW" sz="1200" dirty="0">
+                <a:solidFill>
+                  <a:schemeClr val="bg1"/>
+                </a:solidFill>
+                <a:latin typeface="Courier New" panose="02070309020205020404" pitchFamily="49" charset="0"/>
+                <a:cs typeface="Courier New" panose="02070309020205020404" pitchFamily="49" charset="0"/>
+              </a:rPr>
+              <a:t>Git</a:t>
+            </a:r>
+            <a:r>
+              <a:rPr lang="zh-TW" altLang="en-US" sz="1200" dirty="0">
+                <a:solidFill>
+                  <a:schemeClr val="bg1"/>
+                </a:solidFill>
+                <a:latin typeface="Courier New" panose="02070309020205020404" pitchFamily="49" charset="0"/>
+                <a:cs typeface="Courier New" panose="02070309020205020404" pitchFamily="49" charset="0"/>
+              </a:rPr>
+              <a:t>目錄是空目錄，沒有任何提交</a:t>
+            </a:r>
+            <a:r>
+              <a:rPr lang="en-US" altLang="zh-TW" sz="1200" dirty="0">
+                <a:solidFill>
+                  <a:schemeClr val="bg1"/>
+                </a:solidFill>
+                <a:latin typeface="Courier New" panose="02070309020205020404" pitchFamily="49" charset="0"/>
+                <a:cs typeface="Courier New" panose="02070309020205020404" pitchFamily="49" charset="0"/>
+              </a:rPr>
+              <a:t>(commit)</a:t>
+            </a:r>
+            <a:r>
+              <a:rPr lang="zh-TW" altLang="en-US" sz="1200" dirty="0">
+                <a:solidFill>
+                  <a:schemeClr val="bg1"/>
+                </a:solidFill>
+                <a:latin typeface="Courier New" panose="02070309020205020404" pitchFamily="49" charset="0"/>
+                <a:cs typeface="Courier New" panose="02070309020205020404" pitchFamily="49" charset="0"/>
+              </a:rPr>
+              <a:t>，所以</a:t>
+            </a:r>
+            <a:r>
+              <a:rPr lang="zh-TW" altLang="en-US" sz="1200" dirty="0">
+                <a:solidFill>
+                  <a:srgbClr val="00FF00"/>
+                </a:solidFill>
+                <a:latin typeface="Courier New" panose="02070309020205020404" pitchFamily="49" charset="0"/>
+                <a:cs typeface="Courier New" panose="02070309020205020404" pitchFamily="49" charset="0"/>
+              </a:rPr>
+              <a:t>依照之前的操作建立檔案、追蹤然後提交</a:t>
+            </a:r>
+            <a:r>
+              <a:rPr lang="en-US" altLang="zh-TW" sz="1200" dirty="0">
+                <a:solidFill>
+                  <a:srgbClr val="00FF00"/>
+                </a:solidFill>
+                <a:latin typeface="Courier New" panose="02070309020205020404" pitchFamily="49" charset="0"/>
+                <a:cs typeface="Courier New" panose="02070309020205020404" pitchFamily="49" charset="0"/>
+              </a:rPr>
+              <a:t>(commit)</a:t>
+            </a:r>
+            <a:r>
+              <a:rPr lang="zh-TW" altLang="en-US" sz="1200" dirty="0">
+                <a:solidFill>
+                  <a:srgbClr val="00FF00"/>
+                </a:solidFill>
+                <a:latin typeface="Courier New" panose="02070309020205020404" pitchFamily="49" charset="0"/>
+                <a:cs typeface="Courier New" panose="02070309020205020404" pitchFamily="49" charset="0"/>
+              </a:rPr>
+              <a:t>一次檔案之後再做一次</a:t>
+            </a:r>
+            <a:r>
+              <a:rPr lang="en-US" altLang="zh-TW" sz="1200" dirty="0">
+                <a:solidFill>
+                  <a:srgbClr val="00FF00"/>
+                </a:solidFill>
+                <a:latin typeface="Courier New" panose="02070309020205020404" pitchFamily="49" charset="0"/>
+                <a:cs typeface="Courier New" panose="02070309020205020404" pitchFamily="49" charset="0"/>
+              </a:rPr>
+              <a:t>“git</a:t>
+            </a:r>
+            <a:r>
+              <a:rPr lang="zh-TW" altLang="en-US" sz="1200" dirty="0">
+                <a:solidFill>
+                  <a:srgbClr val="00FF00"/>
+                </a:solidFill>
+                <a:latin typeface="Courier New" panose="02070309020205020404" pitchFamily="49" charset="0"/>
+                <a:cs typeface="Courier New" panose="02070309020205020404" pitchFamily="49" charset="0"/>
+              </a:rPr>
+              <a:t> </a:t>
+            </a:r>
+            <a:r>
+              <a:rPr lang="en-US" altLang="zh-TW" sz="1200" dirty="0">
+                <a:solidFill>
+                  <a:srgbClr val="00FF00"/>
+                </a:solidFill>
+                <a:latin typeface="Courier New" panose="02070309020205020404" pitchFamily="49" charset="0"/>
+                <a:cs typeface="Courier New" panose="02070309020205020404" pitchFamily="49" charset="0"/>
+              </a:rPr>
+              <a:t>branch”</a:t>
+            </a:r>
+            <a:r>
+              <a:rPr lang="zh-TW" altLang="en-US" sz="1200" dirty="0">
+                <a:solidFill>
+                  <a:schemeClr val="bg1"/>
+                </a:solidFill>
+                <a:latin typeface="Courier New" panose="02070309020205020404" pitchFamily="49" charset="0"/>
+                <a:cs typeface="Courier New" panose="02070309020205020404" pitchFamily="49" charset="0"/>
+              </a:rPr>
+              <a:t>。</a:t>
+            </a:r>
+            <a:endParaRPr lang="zh-TW" altLang="en-US" sz="1200" b="1" dirty="0">
+              <a:solidFill>
+                <a:schemeClr val="bg1"/>
+              </a:solidFill>
+              <a:latin typeface="Courier New" panose="02070309020205020404" pitchFamily="49" charset="0"/>
+              <a:cs typeface="Courier New" panose="02070309020205020404" pitchFamily="49" charset="0"/>
+            </a:endParaRPr>
+          </a:p>
+        </p:txBody>
+      </p:sp>
+      <p:pic>
+        <p:nvPicPr>
+          <p:cNvPr id="14" name="圖片 13">
+            <a:extLst>
+              <a:ext uri="{FF2B5EF4-FFF2-40B4-BE49-F238E27FC236}">
+                <a16:creationId xmlns:a16="http://schemas.microsoft.com/office/drawing/2014/main" id="{2B43A236-317D-5D92-C44B-639E02F9AE33}"/>
+              </a:ext>
+            </a:extLst>
+          </p:cNvPr>
+          <p:cNvPicPr>
+            <a:picLocks noChangeAspect="1"/>
+          </p:cNvPicPr>
+          <p:nvPr/>
+        </p:nvPicPr>
+        <p:blipFill>
+          <a:blip r:embed="rId3"/>
+          <a:stretch>
+            <a:fillRect/>
+          </a:stretch>
+        </p:blipFill>
+        <p:spPr>
+          <a:xfrm>
+            <a:off x="1052232" y="4778478"/>
+            <a:ext cx="6738097" cy="1519510"/>
+          </a:xfrm>
+          <a:prstGeom prst="rect">
+            <a:avLst/>
+          </a:prstGeom>
+        </p:spPr>
+      </p:pic>
+      <p:grpSp>
+        <p:nvGrpSpPr>
+          <p:cNvPr id="25" name="群組 24">
+            <a:extLst>
+              <a:ext uri="{FF2B5EF4-FFF2-40B4-BE49-F238E27FC236}">
+                <a16:creationId xmlns:a16="http://schemas.microsoft.com/office/drawing/2014/main" id="{2FF6262F-E56D-F462-39A4-B9BFE76939F0}"/>
+              </a:ext>
+            </a:extLst>
+          </p:cNvPr>
+          <p:cNvGrpSpPr/>
+          <p:nvPr/>
+        </p:nvGrpSpPr>
+        <p:grpSpPr>
+          <a:xfrm>
+            <a:off x="8475444" y="4737755"/>
+            <a:ext cx="789706" cy="1634195"/>
+            <a:chOff x="9608919" y="1912692"/>
+            <a:chExt cx="789706" cy="1634195"/>
+          </a:xfrm>
+        </p:grpSpPr>
+        <p:sp>
+          <p:nvSpPr>
+            <p:cNvPr id="16" name="圖說文字: 向下箭號 15">
+              <a:extLst>
+                <a:ext uri="{FF2B5EF4-FFF2-40B4-BE49-F238E27FC236}">
+                  <a16:creationId xmlns:a16="http://schemas.microsoft.com/office/drawing/2014/main" id="{248A2896-2549-923B-EB51-171353C53B46}"/>
+                </a:ext>
+              </a:extLst>
+            </p:cNvPr>
+            <p:cNvSpPr/>
+            <p:nvPr/>
+          </p:nvSpPr>
+          <p:spPr>
+            <a:xfrm>
+              <a:off x="9608919" y="1912692"/>
+              <a:ext cx="780473" cy="283978"/>
+            </a:xfrm>
+            <a:prstGeom prst="downArrowCallout">
+              <a:avLst>
+                <a:gd name="adj1" fmla="val 41770"/>
+                <a:gd name="adj2" fmla="val 40932"/>
+                <a:gd name="adj3" fmla="val 25000"/>
+                <a:gd name="adj4" fmla="val 64977"/>
+              </a:avLst>
+            </a:prstGeom>
+            <a:noFill/>
+            <a:ln w="12700" cap="flat" cmpd="sng" algn="ctr">
+              <a:solidFill>
+                <a:srgbClr val="0070C0"/>
+              </a:solidFill>
+              <a:prstDash val="solid"/>
+              <a:round/>
+              <a:headEnd type="none" w="med" len="med"/>
+              <a:tailEnd type="none" w="med" len="med"/>
+            </a:ln>
+          </p:spPr>
+          <p:style>
+            <a:lnRef idx="0">
+              <a:scrgbClr r="0" g="0" b="0"/>
+            </a:lnRef>
+            <a:fillRef idx="0">
+              <a:scrgbClr r="0" g="0" b="0"/>
+            </a:fillRef>
+            <a:effectRef idx="0">
+              <a:scrgbClr r="0" g="0" b="0"/>
+            </a:effectRef>
+            <a:fontRef idx="minor">
+              <a:schemeClr val="accent6"/>
+            </a:fontRef>
+          </p:style>
+          <p:txBody>
+            <a:bodyPr rtlCol="0" anchor="ctr"/>
+            <a:lstStyle/>
+            <a:p>
+              <a:pPr algn="ctr"/>
+              <a:r>
+                <a:rPr lang="en-US" altLang="zh-TW" sz="1000" b="1" dirty="0">
+                  <a:solidFill>
+                    <a:srgbClr val="00B0F0"/>
+                  </a:solidFill>
+                </a:rPr>
+                <a:t>HEAD</a:t>
+              </a:r>
+              <a:endParaRPr lang="zh-TW" altLang="en-US" sz="1000" b="1" dirty="0">
+                <a:solidFill>
+                  <a:srgbClr val="00B0F0"/>
+                </a:solidFill>
+              </a:endParaRPr>
+            </a:p>
+          </p:txBody>
+        </p:sp>
+        <p:grpSp>
+          <p:nvGrpSpPr>
+            <p:cNvPr id="20" name="群組 19">
+              <a:extLst>
+                <a:ext uri="{FF2B5EF4-FFF2-40B4-BE49-F238E27FC236}">
+                  <a16:creationId xmlns:a16="http://schemas.microsoft.com/office/drawing/2014/main" id="{7F732277-E031-BCC2-1D22-57E98E0B9508}"/>
+                </a:ext>
+              </a:extLst>
+            </p:cNvPr>
+            <p:cNvGrpSpPr/>
+            <p:nvPr/>
+          </p:nvGrpSpPr>
+          <p:grpSpPr>
+            <a:xfrm>
+              <a:off x="9819117" y="2745310"/>
+              <a:ext cx="378544" cy="282710"/>
+              <a:chOff x="6768151" y="1518439"/>
+              <a:chExt cx="378544" cy="282710"/>
+            </a:xfrm>
+          </p:grpSpPr>
+          <p:sp>
+            <p:nvSpPr>
+              <p:cNvPr id="18" name="流程圖: 接點 17">
+                <a:extLst>
+                  <a:ext uri="{FF2B5EF4-FFF2-40B4-BE49-F238E27FC236}">
+                    <a16:creationId xmlns:a16="http://schemas.microsoft.com/office/drawing/2014/main" id="{01523689-2E58-D2C3-CC6A-65E56F5D485B}"/>
+                  </a:ext>
+                </a:extLst>
+              </p:cNvPr>
+              <p:cNvSpPr>
+                <a:spLocks noChangeAspect="1"/>
+              </p:cNvSpPr>
+              <p:nvPr/>
+            </p:nvSpPr>
+            <p:spPr>
+              <a:xfrm>
+                <a:off x="6808644" y="1518439"/>
+                <a:ext cx="282710" cy="282710"/>
+              </a:xfrm>
+              <a:prstGeom prst="flowChartConnector">
+                <a:avLst/>
+              </a:prstGeom>
+              <a:noFill/>
+              <a:ln w="22225"/>
+            </p:spPr>
+            <p:style>
+              <a:lnRef idx="2">
+                <a:schemeClr val="accent6"/>
+              </a:lnRef>
+              <a:fillRef idx="1">
+                <a:schemeClr val="lt1"/>
+              </a:fillRef>
+              <a:effectRef idx="0">
+                <a:schemeClr val="accent6"/>
+              </a:effectRef>
+              <a:fontRef idx="minor">
+                <a:schemeClr val="dk1"/>
+              </a:fontRef>
+            </p:style>
+            <p:txBody>
+              <a:bodyPr rtlCol="0" anchor="ctr"/>
+              <a:lstStyle/>
+              <a:p>
+                <a:pPr algn="ctr"/>
+                <a:endParaRPr lang="zh-TW" altLang="en-US" sz="1200" dirty="0"/>
+              </a:p>
+            </p:txBody>
+          </p:sp>
+          <p:sp>
+            <p:nvSpPr>
+              <p:cNvPr id="19" name="文字方塊 18">
+                <a:extLst>
+                  <a:ext uri="{FF2B5EF4-FFF2-40B4-BE49-F238E27FC236}">
+                    <a16:creationId xmlns:a16="http://schemas.microsoft.com/office/drawing/2014/main" id="{B40EA279-E991-B113-B290-FD3BBD222623}"/>
+                  </a:ext>
+                </a:extLst>
+              </p:cNvPr>
+              <p:cNvSpPr txBox="1"/>
+              <p:nvPr/>
+            </p:nvSpPr>
+            <p:spPr>
+              <a:xfrm>
+                <a:off x="6768151" y="1523768"/>
+                <a:ext cx="378544" cy="276999"/>
+              </a:xfrm>
+              <a:prstGeom prst="rect">
+                <a:avLst/>
+              </a:prstGeom>
+              <a:noFill/>
+            </p:spPr>
+            <p:txBody>
+              <a:bodyPr wrap="square" rtlCol="0">
+                <a:spAutoFit/>
+              </a:bodyPr>
+              <a:lstStyle/>
+              <a:p>
+                <a:pPr algn="ctr"/>
+                <a:r>
+                  <a:rPr lang="en-US" altLang="zh-TW" sz="1200" b="1" dirty="0">
+                    <a:solidFill>
+                      <a:srgbClr val="00FF00"/>
+                    </a:solidFill>
+                    <a:latin typeface="Courier New" panose="02070309020205020404" pitchFamily="49" charset="0"/>
+                    <a:cs typeface="Courier New" panose="02070309020205020404" pitchFamily="49" charset="0"/>
+                  </a:rPr>
+                  <a:t>C1</a:t>
+                </a:r>
+              </a:p>
+            </p:txBody>
+          </p:sp>
+        </p:grpSp>
+        <p:sp>
+          <p:nvSpPr>
+            <p:cNvPr id="21" name="圖說文字: 向下箭號 20">
+              <a:extLst>
+                <a:ext uri="{FF2B5EF4-FFF2-40B4-BE49-F238E27FC236}">
+                  <a16:creationId xmlns:a16="http://schemas.microsoft.com/office/drawing/2014/main" id="{2BA3AC72-3AB9-E7A7-2F8D-1F23B95BAAC8}"/>
+                </a:ext>
+              </a:extLst>
+            </p:cNvPr>
+            <p:cNvSpPr/>
+            <p:nvPr/>
+          </p:nvSpPr>
+          <p:spPr>
+            <a:xfrm>
+              <a:off x="9608919" y="2213596"/>
+              <a:ext cx="780473" cy="491806"/>
+            </a:xfrm>
+            <a:prstGeom prst="downArrowCallout">
+              <a:avLst/>
+            </a:prstGeom>
+            <a:noFill/>
+            <a:ln w="25400" cap="flat" cmpd="sng" algn="ctr">
+              <a:solidFill>
+                <a:schemeClr val="accent6"/>
+              </a:solidFill>
+              <a:prstDash val="solid"/>
+              <a:round/>
+              <a:headEnd type="none" w="med" len="med"/>
+              <a:tailEnd type="none" w="med" len="med"/>
+            </a:ln>
+          </p:spPr>
+          <p:style>
+            <a:lnRef idx="0">
+              <a:scrgbClr r="0" g="0" b="0"/>
+            </a:lnRef>
+            <a:fillRef idx="0">
+              <a:scrgbClr r="0" g="0" b="0"/>
+            </a:fillRef>
+            <a:effectRef idx="0">
+              <a:scrgbClr r="0" g="0" b="0"/>
+            </a:effectRef>
+            <a:fontRef idx="minor">
+              <a:schemeClr val="accent6"/>
+            </a:fontRef>
+          </p:style>
+          <p:txBody>
+            <a:bodyPr rtlCol="0" anchor="ctr"/>
+            <a:lstStyle/>
+            <a:p>
+              <a:pPr algn="ctr"/>
+              <a:r>
+                <a:rPr lang="en-US" altLang="zh-TW" sz="1200" b="1" dirty="0">
+                  <a:solidFill>
+                    <a:srgbClr val="00FF00"/>
+                  </a:solidFill>
+                </a:rPr>
+                <a:t>master</a:t>
+              </a:r>
+              <a:endParaRPr lang="zh-TW" altLang="en-US" sz="1200" b="1" dirty="0">
+                <a:solidFill>
+                  <a:srgbClr val="00FF00"/>
+                </a:solidFill>
+              </a:endParaRPr>
+            </a:p>
+          </p:txBody>
+        </p:sp>
+        <p:sp>
+          <p:nvSpPr>
+            <p:cNvPr id="23" name="圖說文字: 向上箭號 22">
+              <a:extLst>
+                <a:ext uri="{FF2B5EF4-FFF2-40B4-BE49-F238E27FC236}">
+                  <a16:creationId xmlns:a16="http://schemas.microsoft.com/office/drawing/2014/main" id="{06D75DB2-7326-0645-BAEB-69F0DE002664}"/>
+                </a:ext>
+              </a:extLst>
+            </p:cNvPr>
+            <p:cNvSpPr/>
+            <p:nvPr/>
+          </p:nvSpPr>
+          <p:spPr>
+            <a:xfrm>
+              <a:off x="9618152" y="3055081"/>
+              <a:ext cx="780473" cy="491806"/>
+            </a:xfrm>
+            <a:prstGeom prst="upArrowCallout">
+              <a:avLst>
+                <a:gd name="adj1" fmla="val 25000"/>
+                <a:gd name="adj2" fmla="val 25000"/>
+                <a:gd name="adj3" fmla="val 25000"/>
+                <a:gd name="adj4" fmla="val 64542"/>
+              </a:avLst>
+            </a:prstGeom>
+            <a:noFill/>
+            <a:ln w="25400">
+              <a:solidFill>
+                <a:schemeClr val="accent6"/>
+              </a:solidFill>
+              <a:round/>
+            </a:ln>
+          </p:spPr>
+          <p:style>
+            <a:lnRef idx="2">
+              <a:schemeClr val="accent6">
+                <a:shade val="15000"/>
+              </a:schemeClr>
+            </a:lnRef>
+            <a:fillRef idx="1">
+              <a:schemeClr val="accent6"/>
+            </a:fillRef>
+            <a:effectRef idx="0">
+              <a:schemeClr val="accent6"/>
+            </a:effectRef>
+            <a:fontRef idx="minor">
+              <a:schemeClr val="lt1"/>
+            </a:fontRef>
+          </p:style>
+          <p:txBody>
+            <a:bodyPr rtlCol="0" anchor="ctr"/>
+            <a:lstStyle/>
+            <a:p>
+              <a:pPr algn="ctr"/>
+              <a:r>
+                <a:rPr lang="en-US" altLang="zh-TW" sz="1200" b="1" dirty="0">
+                  <a:solidFill>
+                    <a:srgbClr val="00FF00"/>
+                  </a:solidFill>
+                </a:rPr>
+                <a:t>second</a:t>
+              </a:r>
+              <a:endParaRPr lang="zh-TW" altLang="en-US" sz="1200" b="1" dirty="0">
+                <a:solidFill>
+                  <a:srgbClr val="00FF00"/>
+                </a:solidFill>
+              </a:endParaRPr>
+            </a:p>
+          </p:txBody>
+        </p:sp>
+      </p:grpSp>
+      <p:sp>
+        <p:nvSpPr>
+          <p:cNvPr id="26" name="文字方塊 25">
+            <a:extLst>
+              <a:ext uri="{FF2B5EF4-FFF2-40B4-BE49-F238E27FC236}">
+                <a16:creationId xmlns:a16="http://schemas.microsoft.com/office/drawing/2014/main" id="{64129C4C-CA7B-8A29-58D0-EB23D5A12D0C}"/>
+              </a:ext>
+            </a:extLst>
+          </p:cNvPr>
+          <p:cNvSpPr txBox="1"/>
+          <p:nvPr/>
+        </p:nvSpPr>
+        <p:spPr>
+          <a:xfrm>
+            <a:off x="9423866" y="5253959"/>
+            <a:ext cx="2022102" cy="830997"/>
+          </a:xfrm>
+          <a:prstGeom prst="rect">
+            <a:avLst/>
+          </a:prstGeom>
+          <a:noFill/>
+        </p:spPr>
+        <p:txBody>
+          <a:bodyPr wrap="square" rtlCol="0">
+            <a:spAutoFit/>
+          </a:bodyPr>
+          <a:lstStyle/>
+          <a:p>
+            <a:pPr algn="ctr"/>
+            <a:r>
+              <a:rPr lang="zh-TW" altLang="en-US" sz="1200" dirty="0">
+                <a:solidFill>
+                  <a:schemeClr val="bg1"/>
+                </a:solidFill>
+                <a:latin typeface="Courier New" panose="02070309020205020404" pitchFamily="49" charset="0"/>
+                <a:cs typeface="Courier New" panose="02070309020205020404" pitchFamily="49" charset="0"/>
+              </a:rPr>
+              <a:t>目前的分支是</a:t>
+            </a:r>
+            <a:r>
+              <a:rPr lang="en-US" altLang="zh-TW" sz="1200" dirty="0">
+                <a:solidFill>
+                  <a:schemeClr val="bg1"/>
+                </a:solidFill>
+                <a:latin typeface="Courier New" panose="02070309020205020404" pitchFamily="49" charset="0"/>
+                <a:cs typeface="Courier New" panose="02070309020205020404" pitchFamily="49" charset="0"/>
+              </a:rPr>
+              <a:t>master,</a:t>
+            </a:r>
+            <a:r>
+              <a:rPr lang="zh-TW" altLang="en-US" sz="1200" dirty="0">
+                <a:solidFill>
+                  <a:schemeClr val="bg1"/>
+                </a:solidFill>
+                <a:latin typeface="Courier New" panose="02070309020205020404" pitchFamily="49" charset="0"/>
+                <a:cs typeface="Courier New" panose="02070309020205020404" pitchFamily="49" charset="0"/>
+              </a:rPr>
+              <a:t>表示所有的操作</a:t>
+            </a:r>
+            <a:r>
+              <a:rPr lang="en-US" altLang="zh-TW" sz="1200" dirty="0">
+                <a:solidFill>
+                  <a:schemeClr val="bg1"/>
+                </a:solidFill>
+                <a:latin typeface="Courier New" panose="02070309020205020404" pitchFamily="49" charset="0"/>
+                <a:cs typeface="Courier New" panose="02070309020205020404" pitchFamily="49" charset="0"/>
+              </a:rPr>
+              <a:t>(</a:t>
+            </a:r>
+            <a:r>
+              <a:rPr lang="zh-TW" altLang="en-US" sz="1200" dirty="0">
+                <a:solidFill>
+                  <a:schemeClr val="bg1"/>
+                </a:solidFill>
+                <a:latin typeface="Courier New" panose="02070309020205020404" pitchFamily="49" charset="0"/>
+                <a:cs typeface="Courier New" panose="02070309020205020404" pitchFamily="49" charset="0"/>
+              </a:rPr>
+              <a:t>修改、追蹤、提交</a:t>
+            </a:r>
+            <a:r>
+              <a:rPr lang="en-US" altLang="zh-TW" sz="1200" dirty="0">
+                <a:solidFill>
+                  <a:schemeClr val="bg1"/>
+                </a:solidFill>
+                <a:latin typeface="Courier New" panose="02070309020205020404" pitchFamily="49" charset="0"/>
+                <a:cs typeface="Courier New" panose="02070309020205020404" pitchFamily="49" charset="0"/>
+              </a:rPr>
+              <a:t>)</a:t>
+            </a:r>
+            <a:r>
+              <a:rPr lang="zh-TW" altLang="en-US" sz="1200" dirty="0">
+                <a:solidFill>
+                  <a:schemeClr val="bg1"/>
+                </a:solidFill>
+                <a:latin typeface="Courier New" panose="02070309020205020404" pitchFamily="49" charset="0"/>
+                <a:cs typeface="Courier New" panose="02070309020205020404" pitchFamily="49" charset="0"/>
+              </a:rPr>
+              <a:t>都是屬於</a:t>
+            </a:r>
+            <a:r>
+              <a:rPr lang="en-US" altLang="zh-TW" sz="1200" dirty="0">
+                <a:solidFill>
+                  <a:schemeClr val="bg1"/>
+                </a:solidFill>
+                <a:latin typeface="Courier New" panose="02070309020205020404" pitchFamily="49" charset="0"/>
+                <a:cs typeface="Courier New" panose="02070309020205020404" pitchFamily="49" charset="0"/>
+              </a:rPr>
+              <a:t>master</a:t>
+            </a:r>
+            <a:r>
+              <a:rPr lang="zh-TW" altLang="en-US" sz="1200" dirty="0">
+                <a:solidFill>
+                  <a:schemeClr val="bg1"/>
+                </a:solidFill>
+                <a:latin typeface="Courier New" panose="02070309020205020404" pitchFamily="49" charset="0"/>
+                <a:cs typeface="Courier New" panose="02070309020205020404" pitchFamily="49" charset="0"/>
+              </a:rPr>
+              <a:t>分支的存取</a:t>
+            </a:r>
+            <a:endParaRPr lang="en-US" altLang="zh-TW" sz="1200" dirty="0">
+              <a:solidFill>
+                <a:schemeClr val="bg1">
+                  <a:lumMod val="65000"/>
+                </a:schemeClr>
+              </a:solidFill>
+              <a:latin typeface="Courier New" panose="02070309020205020404" pitchFamily="49" charset="0"/>
+              <a:cs typeface="Courier New" panose="02070309020205020404" pitchFamily="49" charset="0"/>
+            </a:endParaRPr>
+          </a:p>
+        </p:txBody>
+      </p:sp>
+    </p:spTree>
+    <p:extLst>
+      <p:ext uri="{BB962C8B-B14F-4D97-AF65-F5344CB8AC3E}">
+        <p14:creationId xmlns:p14="http://schemas.microsoft.com/office/powerpoint/2010/main" val="3083206576"/>
+      </p:ext>
+    </p:extLst>
+  </p:cSld>
+  <p:clrMapOvr>
+    <a:masterClrMapping/>
+  </p:clrMapOvr>
+</p:sld>
+</file>
+
+<file path=ppt/slides/slide17.xml><?xml version="1.0" encoding="utf-8"?>
+<p:sld xmlns:a="http://schemas.openxmlformats.org/drawingml/2006/main" xmlns:r="http://schemas.openxmlformats.org/officeDocument/2006/relationships" xmlns:p="http://schemas.openxmlformats.org/presentationml/2006/main">
+  <p:cSld>
+    <p:bg>
+      <p:bgPr>
+        <a:solidFill>
+          <a:schemeClr val="tx1">
+            <a:lumMod val="75000"/>
+            <a:lumOff val="25000"/>
+          </a:schemeClr>
+        </a:solidFill>
+        <a:effectLst/>
+      </p:bgPr>
+    </p:bg>
+    <p:spTree>
+      <p:nvGrpSpPr>
+        <p:cNvPr id="1" name="">
+          <a:extLst>
+            <a:ext uri="{FF2B5EF4-FFF2-40B4-BE49-F238E27FC236}">
+              <a16:creationId xmlns:a16="http://schemas.microsoft.com/office/drawing/2014/main" id="{B42ECC6F-D685-C98E-30B5-7D3DB5E07D4F}"/>
+            </a:ext>
+          </a:extLst>
+        </p:cNvPr>
+        <p:cNvGrpSpPr/>
+        <p:nvPr/>
+      </p:nvGrpSpPr>
+      <p:grpSpPr>
+        <a:xfrm>
+          <a:off x="0" y="0"/>
+          <a:ext cx="0" cy="0"/>
+          <a:chOff x="0" y="0"/>
+          <a:chExt cx="0" cy="0"/>
+        </a:xfrm>
+      </p:grpSpPr>
+      <p:sp>
+        <p:nvSpPr>
+          <p:cNvPr id="2" name="標題 1">
+            <a:extLst>
+              <a:ext uri="{FF2B5EF4-FFF2-40B4-BE49-F238E27FC236}">
+                <a16:creationId xmlns:a16="http://schemas.microsoft.com/office/drawing/2014/main" id="{575BCF5D-A4B2-9186-1116-813DABD2A1CF}"/>
+              </a:ext>
+            </a:extLst>
+          </p:cNvPr>
+          <p:cNvSpPr>
+            <a:spLocks noGrp="1"/>
+          </p:cNvSpPr>
+          <p:nvPr>
+            <p:ph type="title"/>
+          </p:nvPr>
+        </p:nvSpPr>
+        <p:spPr>
+          <a:xfrm>
+            <a:off x="640080" y="1102718"/>
+            <a:ext cx="6739776" cy="662474"/>
+          </a:xfrm>
+        </p:spPr>
+        <p:txBody>
+          <a:bodyPr anchor="ctr" anchorCtr="0">
+            <a:normAutofit/>
+          </a:bodyPr>
+          <a:lstStyle/>
+          <a:p>
+            <a:r>
+              <a:rPr lang="en-US" altLang="zh-TW" sz="3200" dirty="0">
+                <a:solidFill>
+                  <a:srgbClr val="FFC000"/>
+                </a:solidFill>
+              </a:rPr>
+              <a:t>Git Bash – Command Line</a:t>
+            </a:r>
+            <a:endParaRPr lang="zh-TW" altLang="en-US" sz="3200" dirty="0">
+              <a:solidFill>
+                <a:srgbClr val="FFC000"/>
+              </a:solidFill>
+            </a:endParaRPr>
+          </a:p>
+        </p:txBody>
+      </p:sp>
+      <p:sp>
+        <p:nvSpPr>
+          <p:cNvPr id="3" name="內容版面配置區 2">
+            <a:extLst>
+              <a:ext uri="{FF2B5EF4-FFF2-40B4-BE49-F238E27FC236}">
+                <a16:creationId xmlns:a16="http://schemas.microsoft.com/office/drawing/2014/main" id="{C581A302-570E-8F69-D29F-087340B2DC77}"/>
+              </a:ext>
+            </a:extLst>
+          </p:cNvPr>
+          <p:cNvSpPr>
+            <a:spLocks noGrp="1"/>
+          </p:cNvSpPr>
+          <p:nvPr>
+            <p:ph idx="1"/>
+          </p:nvPr>
+        </p:nvSpPr>
+        <p:spPr>
+          <a:xfrm>
+            <a:off x="797097" y="1765192"/>
+            <a:ext cx="3276139" cy="547027"/>
+          </a:xfrm>
+        </p:spPr>
+        <p:txBody>
+          <a:bodyPr anchor="ctr" anchorCtr="0">
+            <a:noAutofit/>
+          </a:bodyPr>
+          <a:lstStyle/>
+          <a:p>
+            <a:pPr>
+              <a:buFont typeface="Wingdings" panose="05000000000000000000" pitchFamily="2" charset="2"/>
+              <a:buChar char="l"/>
+            </a:pPr>
+            <a:r>
+              <a:rPr lang="zh-TW" altLang="en-US" dirty="0">
+                <a:solidFill>
+                  <a:srgbClr val="00B0F0"/>
+                </a:solidFill>
+              </a:rPr>
+              <a:t> </a:t>
+            </a:r>
+            <a:r>
+              <a:rPr lang="en-US" altLang="zh-TW" dirty="0">
+                <a:solidFill>
+                  <a:srgbClr val="00B0F0"/>
+                </a:solidFill>
+              </a:rPr>
+              <a:t>Git Branch –</a:t>
+            </a:r>
+            <a:r>
+              <a:rPr lang="zh-TW" altLang="en-US" dirty="0">
+                <a:solidFill>
+                  <a:srgbClr val="00B0F0"/>
+                </a:solidFill>
+              </a:rPr>
+              <a:t>分支建立</a:t>
+            </a:r>
+          </a:p>
+        </p:txBody>
+      </p:sp>
+      <p:sp>
+        <p:nvSpPr>
+          <p:cNvPr id="4" name="文字方塊 3">
+            <a:extLst>
+              <a:ext uri="{FF2B5EF4-FFF2-40B4-BE49-F238E27FC236}">
+                <a16:creationId xmlns:a16="http://schemas.microsoft.com/office/drawing/2014/main" id="{E1C5DB92-0582-16D7-37F0-97CB290530BE}"/>
+              </a:ext>
+            </a:extLst>
+          </p:cNvPr>
+          <p:cNvSpPr txBox="1"/>
+          <p:nvPr/>
+        </p:nvSpPr>
+        <p:spPr>
+          <a:xfrm>
+            <a:off x="1717953" y="2625876"/>
+            <a:ext cx="6359247" cy="387927"/>
+          </a:xfrm>
+          <a:prstGeom prst="rect">
+            <a:avLst/>
+          </a:prstGeom>
+          <a:noFill/>
+        </p:spPr>
+        <p:txBody>
+          <a:bodyPr wrap="square" rtlCol="0">
+            <a:spAutoFit/>
+          </a:bodyPr>
+          <a:lstStyle/>
+          <a:p>
+            <a:pPr>
+              <a:lnSpc>
+                <a:spcPct val="150000"/>
+              </a:lnSpc>
+            </a:pPr>
+            <a:r>
+              <a:rPr lang="zh-TW" altLang="en-US" sz="1400" dirty="0">
+                <a:solidFill>
+                  <a:schemeClr val="bg1"/>
+                </a:solidFill>
+                <a:latin typeface="Courier New" panose="02070309020205020404" pitchFamily="49" charset="0"/>
+                <a:cs typeface="Courier New" panose="02070309020205020404" pitchFamily="49" charset="0"/>
+              </a:rPr>
+              <a:t>接下來使用</a:t>
+            </a:r>
+            <a:r>
+              <a:rPr lang="en-US" altLang="zh-TW" sz="1400" dirty="0">
+                <a:solidFill>
+                  <a:schemeClr val="bg1"/>
+                </a:solidFill>
+                <a:latin typeface="Courier New" panose="02070309020205020404" pitchFamily="49" charset="0"/>
+                <a:cs typeface="Courier New" panose="02070309020205020404" pitchFamily="49" charset="0"/>
+              </a:rPr>
+              <a:t>”git checkout &lt;</a:t>
+            </a:r>
+            <a:r>
+              <a:rPr lang="zh-TW" altLang="en-US" sz="1400" dirty="0">
+                <a:solidFill>
+                  <a:schemeClr val="bg1"/>
+                </a:solidFill>
+                <a:latin typeface="Courier New" panose="02070309020205020404" pitchFamily="49" charset="0"/>
+                <a:cs typeface="Courier New" panose="02070309020205020404" pitchFamily="49" charset="0"/>
+              </a:rPr>
+              <a:t>分支名稱</a:t>
+            </a:r>
+            <a:r>
+              <a:rPr lang="en-US" altLang="zh-TW" sz="1400" dirty="0">
+                <a:solidFill>
+                  <a:schemeClr val="bg1"/>
+                </a:solidFill>
+                <a:latin typeface="Courier New" panose="02070309020205020404" pitchFamily="49" charset="0"/>
+                <a:cs typeface="Courier New" panose="02070309020205020404" pitchFamily="49" charset="0"/>
+              </a:rPr>
+              <a:t>&gt;”</a:t>
+            </a:r>
+            <a:r>
+              <a:rPr lang="zh-TW" altLang="en-US" sz="1400" dirty="0">
+                <a:solidFill>
+                  <a:schemeClr val="bg1"/>
+                </a:solidFill>
+                <a:latin typeface="Courier New" panose="02070309020205020404" pitchFamily="49" charset="0"/>
+                <a:cs typeface="Courier New" panose="02070309020205020404" pitchFamily="49" charset="0"/>
+              </a:rPr>
+              <a:t>這個語法切換到其他分支節點，</a:t>
+            </a:r>
+            <a:endParaRPr lang="zh-TW" altLang="en-US" sz="1400" dirty="0">
+              <a:solidFill>
+                <a:srgbClr val="00FF00"/>
+              </a:solidFill>
+              <a:latin typeface="Courier New" panose="02070309020205020404" pitchFamily="49" charset="0"/>
+              <a:cs typeface="Courier New" panose="02070309020205020404" pitchFamily="49" charset="0"/>
+            </a:endParaRPr>
+          </a:p>
+        </p:txBody>
+      </p:sp>
+      <p:sp>
+        <p:nvSpPr>
+          <p:cNvPr id="5" name="內容版面配置區 2">
+            <a:extLst>
+              <a:ext uri="{FF2B5EF4-FFF2-40B4-BE49-F238E27FC236}">
+                <a16:creationId xmlns:a16="http://schemas.microsoft.com/office/drawing/2014/main" id="{67B0D1ED-EA9A-F8BA-1B32-06760E08DC72}"/>
+              </a:ext>
+            </a:extLst>
+          </p:cNvPr>
+          <p:cNvSpPr txBox="1">
+            <a:spLocks/>
+          </p:cNvSpPr>
+          <p:nvPr/>
+        </p:nvSpPr>
+        <p:spPr>
+          <a:xfrm>
+            <a:off x="1340358" y="2289256"/>
+            <a:ext cx="1917192" cy="442048"/>
+          </a:xfrm>
+          <a:prstGeom prst="rect">
+            <a:avLst/>
+          </a:prstGeom>
+        </p:spPr>
+        <p:txBody>
+          <a:bodyPr vert="horz" lIns="91440" tIns="45720" rIns="91440" bIns="45720" rtlCol="0" anchor="ctr" anchorCtr="0">
+            <a:normAutofit/>
+          </a:bodyPr>
+          <a:lstStyle>
+            <a:lvl1pPr marL="228600" indent="-228600" algn="l" defTabSz="914400" rtl="0" eaLnBrk="1" latinLnBrk="0" hangingPunct="1">
+              <a:lnSpc>
+                <a:spcPct val="120000"/>
+              </a:lnSpc>
+              <a:spcBef>
+                <a:spcPts val="1000"/>
+              </a:spcBef>
+              <a:buSzPct val="87000"/>
+              <a:buFont typeface="Arial" panose="020B0604020202020204" pitchFamily="34" charset="0"/>
+              <a:buChar char="•"/>
+              <a:defRPr sz="2000" kern="1200">
+                <a:solidFill>
+                  <a:schemeClr val="tx1"/>
+                </a:solidFill>
+                <a:latin typeface="+mn-lt"/>
+                <a:ea typeface="+mn-ea"/>
+                <a:cs typeface="+mn-cs"/>
+              </a:defRPr>
+            </a:lvl1pPr>
+            <a:lvl2pPr marL="493776" indent="-228600" algn="l" defTabSz="914400" rtl="0" eaLnBrk="1" latinLnBrk="0" hangingPunct="1">
+              <a:lnSpc>
+                <a:spcPct val="120000"/>
+              </a:lnSpc>
+              <a:spcBef>
+                <a:spcPts val="500"/>
+              </a:spcBef>
+              <a:buSzPct val="87000"/>
+              <a:buFont typeface="Arial" panose="020B0604020202020204" pitchFamily="34" charset="0"/>
+              <a:buChar char="•"/>
+              <a:defRPr sz="1800" kern="1200">
+                <a:solidFill>
+                  <a:schemeClr val="tx1"/>
+                </a:solidFill>
+                <a:latin typeface="+mn-lt"/>
+                <a:ea typeface="+mn-ea"/>
+                <a:cs typeface="+mn-cs"/>
+              </a:defRPr>
+            </a:lvl2pPr>
+            <a:lvl3pPr marL="731520" indent="-228600" algn="l" defTabSz="914400" rtl="0" eaLnBrk="1" latinLnBrk="0" hangingPunct="1">
+              <a:lnSpc>
+                <a:spcPct val="120000"/>
+              </a:lnSpc>
+              <a:spcBef>
+                <a:spcPts val="500"/>
+              </a:spcBef>
+              <a:buSzPct val="87000"/>
+              <a:buFont typeface="Arial" panose="020B0604020202020204" pitchFamily="34" charset="0"/>
+              <a:buChar char="•"/>
+              <a:defRPr sz="1600" kern="1200">
+                <a:solidFill>
+                  <a:schemeClr val="tx1"/>
+                </a:solidFill>
+                <a:latin typeface="+mn-lt"/>
+                <a:ea typeface="+mn-ea"/>
+                <a:cs typeface="+mn-cs"/>
+              </a:defRPr>
+            </a:lvl3pPr>
+            <a:lvl4pPr marL="1051560" indent="-285750" algn="l" defTabSz="914400" rtl="0" eaLnBrk="1" latinLnBrk="0" hangingPunct="1">
+              <a:lnSpc>
+                <a:spcPct val="120000"/>
+              </a:lnSpc>
+              <a:spcBef>
+                <a:spcPts val="500"/>
+              </a:spcBef>
+              <a:buSzPct val="87000"/>
+              <a:buFont typeface="Arial" panose="020B0604020202020204" pitchFamily="34" charset="0"/>
+              <a:buChar char="•"/>
+              <a:defRPr sz="1400" kern="1200">
+                <a:solidFill>
+                  <a:schemeClr val="tx1"/>
+                </a:solidFill>
+                <a:latin typeface="+mn-lt"/>
+                <a:ea typeface="+mn-ea"/>
+                <a:cs typeface="+mn-cs"/>
+              </a:defRPr>
+            </a:lvl4pPr>
+            <a:lvl5pPr marL="1298448" indent="-228600" algn="l" defTabSz="914400" rtl="0" eaLnBrk="1" latinLnBrk="0" hangingPunct="1">
+              <a:lnSpc>
+                <a:spcPct val="120000"/>
+              </a:lnSpc>
+              <a:spcBef>
+                <a:spcPts val="500"/>
+              </a:spcBef>
+              <a:buSzPct val="87000"/>
+              <a:buFont typeface="Arial" panose="020B0604020202020204" pitchFamily="34" charset="0"/>
+              <a:buChar char="•"/>
+              <a:defRPr sz="1400" kern="1200">
+                <a:solidFill>
+                  <a:schemeClr val="tx1"/>
+                </a:solidFill>
+                <a:latin typeface="+mn-lt"/>
+                <a:ea typeface="+mn-ea"/>
+                <a:cs typeface="+mn-cs"/>
+              </a:defRPr>
+            </a:lvl5pPr>
+            <a:lvl6pPr marL="2514600" indent="-228600" algn="l" defTabSz="914400" rtl="0" eaLnBrk="1" latinLnBrk="0" hangingPunct="1">
+              <a:lnSpc>
+                <a:spcPct val="90000"/>
+              </a:lnSpc>
+              <a:spcBef>
+                <a:spcPts val="500"/>
+              </a:spcBef>
+              <a:buFont typeface="Arial" panose="020B0604020202020204" pitchFamily="34" charset="0"/>
+              <a:buChar char="•"/>
+              <a:defRPr sz="1800" kern="1200">
+                <a:solidFill>
+                  <a:schemeClr val="tx1"/>
+                </a:solidFill>
+                <a:latin typeface="+mn-lt"/>
+                <a:ea typeface="+mn-ea"/>
+                <a:cs typeface="+mn-cs"/>
+              </a:defRPr>
+            </a:lvl6pPr>
+            <a:lvl7pPr marL="2971800" indent="-228600" algn="l" defTabSz="914400" rtl="0" eaLnBrk="1" latinLnBrk="0" hangingPunct="1">
+              <a:lnSpc>
+                <a:spcPct val="90000"/>
+              </a:lnSpc>
+              <a:spcBef>
+                <a:spcPts val="500"/>
+              </a:spcBef>
+              <a:buFont typeface="Arial" panose="020B0604020202020204" pitchFamily="34" charset="0"/>
+              <a:buChar char="•"/>
+              <a:defRPr sz="1800" kern="1200">
+                <a:solidFill>
+                  <a:schemeClr val="tx1"/>
+                </a:solidFill>
+                <a:latin typeface="+mn-lt"/>
+                <a:ea typeface="+mn-ea"/>
+                <a:cs typeface="+mn-cs"/>
+              </a:defRPr>
+            </a:lvl7pPr>
+            <a:lvl8pPr marL="3429000" indent="-228600" algn="l" defTabSz="914400" rtl="0" eaLnBrk="1" latinLnBrk="0" hangingPunct="1">
+              <a:lnSpc>
+                <a:spcPct val="90000"/>
+              </a:lnSpc>
+              <a:spcBef>
+                <a:spcPts val="500"/>
+              </a:spcBef>
+              <a:buFont typeface="Arial" panose="020B0604020202020204" pitchFamily="34" charset="0"/>
+              <a:buChar char="•"/>
+              <a:defRPr sz="1800" kern="1200">
+                <a:solidFill>
+                  <a:schemeClr val="tx1"/>
+                </a:solidFill>
+                <a:latin typeface="+mn-lt"/>
+                <a:ea typeface="+mn-ea"/>
+                <a:cs typeface="+mn-cs"/>
+              </a:defRPr>
+            </a:lvl8pPr>
+            <a:lvl9pPr marL="3886200" indent="-228600" algn="l" defTabSz="914400" rtl="0" eaLnBrk="1" latinLnBrk="0" hangingPunct="1">
+              <a:lnSpc>
+                <a:spcPct val="90000"/>
+              </a:lnSpc>
+              <a:spcBef>
+                <a:spcPts val="500"/>
+              </a:spcBef>
+              <a:buFont typeface="Arial" panose="020B0604020202020204" pitchFamily="34" charset="0"/>
+              <a:buChar char="•"/>
+              <a:defRPr sz="1800" kern="1200">
+                <a:solidFill>
+                  <a:schemeClr val="tx1"/>
+                </a:solidFill>
+                <a:latin typeface="+mn-lt"/>
+                <a:ea typeface="+mn-ea"/>
+                <a:cs typeface="+mn-cs"/>
+              </a:defRPr>
+            </a:lvl9pPr>
+          </a:lstStyle>
+          <a:p>
+            <a:pPr>
+              <a:buFont typeface="Wingdings" panose="05000000000000000000" pitchFamily="2" charset="2"/>
+              <a:buChar char="Ø"/>
+            </a:pPr>
+            <a:r>
+              <a:rPr lang="zh-TW" altLang="en-US" sz="1600" dirty="0">
+                <a:solidFill>
+                  <a:schemeClr val="bg1"/>
+                </a:solidFill>
+              </a:rPr>
+              <a:t>切換分支</a:t>
+            </a:r>
+          </a:p>
+        </p:txBody>
+      </p:sp>
+      <p:sp>
+        <p:nvSpPr>
+          <p:cNvPr id="7" name="文字方塊 6">
+            <a:extLst>
+              <a:ext uri="{FF2B5EF4-FFF2-40B4-BE49-F238E27FC236}">
+                <a16:creationId xmlns:a16="http://schemas.microsoft.com/office/drawing/2014/main" id="{7DEE84BA-BDCF-4271-4C03-F90E7A4993B9}"/>
+              </a:ext>
+            </a:extLst>
+          </p:cNvPr>
+          <p:cNvSpPr txBox="1"/>
+          <p:nvPr/>
+        </p:nvSpPr>
+        <p:spPr>
+          <a:xfrm>
+            <a:off x="1717953" y="3006306"/>
+            <a:ext cx="8636283" cy="461665"/>
+          </a:xfrm>
+          <a:prstGeom prst="rect">
+            <a:avLst/>
+          </a:prstGeom>
+          <a:noFill/>
+        </p:spPr>
+        <p:txBody>
+          <a:bodyPr wrap="square" rtlCol="0">
+            <a:spAutoFit/>
+          </a:bodyPr>
+          <a:lstStyle/>
+          <a:p>
+            <a:r>
+              <a:rPr lang="en-US" altLang="zh-TW" sz="1200" dirty="0">
+                <a:solidFill>
+                  <a:srgbClr val="00FF00"/>
+                </a:solidFill>
+                <a:latin typeface="Courier New" panose="02070309020205020404" pitchFamily="49" charset="0"/>
+                <a:cs typeface="Courier New" panose="02070309020205020404" pitchFamily="49" charset="0"/>
+              </a:rPr>
+              <a:t>daniel.hsu@DESKTOP-2C8EEA2 </a:t>
+            </a:r>
+            <a:r>
+              <a:rPr lang="en-US" altLang="zh-TW" sz="1200" dirty="0">
+                <a:solidFill>
+                  <a:srgbClr val="FF00FF"/>
+                </a:solidFill>
+                <a:latin typeface="Courier New" panose="02070309020205020404" pitchFamily="49" charset="0"/>
+                <a:cs typeface="Courier New" panose="02070309020205020404" pitchFamily="49" charset="0"/>
+              </a:rPr>
+              <a:t>MINGW64</a:t>
+            </a:r>
+            <a:r>
+              <a:rPr lang="en-US" altLang="zh-TW" sz="1200" dirty="0">
+                <a:solidFill>
+                  <a:srgbClr val="00FF00"/>
+                </a:solidFill>
+                <a:latin typeface="Courier New" panose="02070309020205020404" pitchFamily="49" charset="0"/>
+                <a:cs typeface="Courier New" panose="02070309020205020404" pitchFamily="49" charset="0"/>
+              </a:rPr>
+              <a:t> </a:t>
+            </a:r>
+            <a:r>
+              <a:rPr lang="en-US" altLang="zh-TW" sz="1200" dirty="0">
+                <a:solidFill>
+                  <a:srgbClr val="FFC000"/>
+                </a:solidFill>
+                <a:latin typeface="Courier New" panose="02070309020205020404" pitchFamily="49" charset="0"/>
+                <a:cs typeface="Courier New" panose="02070309020205020404" pitchFamily="49" charset="0"/>
+              </a:rPr>
+              <a:t>/d/CAI_Porject/TestFolder/LocalGit/RemoteGit </a:t>
+            </a:r>
+            <a:r>
+              <a:rPr lang="en-US" altLang="zh-TW" sz="1200" dirty="0">
+                <a:solidFill>
+                  <a:srgbClr val="33CCCC"/>
+                </a:solidFill>
+                <a:latin typeface="Courier New" panose="02070309020205020404" pitchFamily="49" charset="0"/>
+                <a:cs typeface="Courier New" panose="02070309020205020404" pitchFamily="49" charset="0"/>
+              </a:rPr>
+              <a:t>(master) </a:t>
+            </a:r>
+          </a:p>
+          <a:p>
+            <a:r>
+              <a:rPr lang="en-US" altLang="zh-TW" sz="1200" dirty="0">
+                <a:solidFill>
+                  <a:schemeClr val="bg1"/>
+                </a:solidFill>
+                <a:latin typeface="Courier New" panose="02070309020205020404" pitchFamily="49" charset="0"/>
+                <a:cs typeface="Courier New" panose="02070309020205020404" pitchFamily="49" charset="0"/>
+              </a:rPr>
+              <a:t>$</a:t>
+            </a:r>
+            <a:r>
+              <a:rPr lang="en-US" altLang="zh-TW" sz="1200" dirty="0">
+                <a:solidFill>
+                  <a:srgbClr val="00FF00"/>
+                </a:solidFill>
+                <a:latin typeface="Courier New" panose="02070309020205020404" pitchFamily="49" charset="0"/>
+                <a:cs typeface="Courier New" panose="02070309020205020404" pitchFamily="49" charset="0"/>
+              </a:rPr>
+              <a:t> git checkout second</a:t>
+            </a:r>
+            <a:endParaRPr lang="en-US" altLang="zh-TW" sz="1200" dirty="0">
+              <a:solidFill>
+                <a:schemeClr val="bg1">
+                  <a:lumMod val="65000"/>
+                </a:schemeClr>
+              </a:solidFill>
+              <a:latin typeface="Courier New" panose="02070309020205020404" pitchFamily="49" charset="0"/>
+              <a:cs typeface="Courier New" panose="02070309020205020404" pitchFamily="49" charset="0"/>
+            </a:endParaRPr>
+          </a:p>
+        </p:txBody>
+      </p:sp>
+      <p:sp>
+        <p:nvSpPr>
+          <p:cNvPr id="9" name="文字方塊 8">
+            <a:extLst>
+              <a:ext uri="{FF2B5EF4-FFF2-40B4-BE49-F238E27FC236}">
+                <a16:creationId xmlns:a16="http://schemas.microsoft.com/office/drawing/2014/main" id="{E6A933A0-7D7F-1672-7A08-94377180DB12}"/>
+              </a:ext>
+            </a:extLst>
+          </p:cNvPr>
+          <p:cNvSpPr txBox="1"/>
+          <p:nvPr/>
+        </p:nvSpPr>
+        <p:spPr>
+          <a:xfrm>
+            <a:off x="986008" y="6447973"/>
+            <a:ext cx="10614431" cy="276999"/>
+          </a:xfrm>
+          <a:prstGeom prst="rect">
+            <a:avLst/>
+          </a:prstGeom>
+          <a:noFill/>
+        </p:spPr>
+        <p:txBody>
+          <a:bodyPr wrap="square" rtlCol="0">
+            <a:spAutoFit/>
+          </a:bodyPr>
+          <a:lstStyle/>
+          <a:p>
+            <a:r>
+              <a:rPr lang="zh-TW" altLang="en-US" sz="1200" dirty="0">
+                <a:solidFill>
+                  <a:schemeClr val="bg1"/>
+                </a:solidFill>
+                <a:latin typeface="Courier New" panose="02070309020205020404" pitchFamily="49" charset="0"/>
+                <a:cs typeface="Courier New" panose="02070309020205020404" pitchFamily="49" charset="0"/>
+              </a:rPr>
+              <a:t>使用</a:t>
+            </a:r>
+            <a:r>
+              <a:rPr lang="en-US" altLang="zh-TW" sz="1200" dirty="0">
+                <a:solidFill>
+                  <a:schemeClr val="bg1"/>
+                </a:solidFill>
+                <a:latin typeface="Courier New" panose="02070309020205020404" pitchFamily="49" charset="0"/>
+                <a:cs typeface="Courier New" panose="02070309020205020404" pitchFamily="49" charset="0"/>
+              </a:rPr>
+              <a:t>“git</a:t>
+            </a:r>
+            <a:r>
+              <a:rPr lang="zh-TW" altLang="en-US" sz="1200" dirty="0">
+                <a:solidFill>
+                  <a:schemeClr val="bg1"/>
+                </a:solidFill>
+                <a:latin typeface="Courier New" panose="02070309020205020404" pitchFamily="49" charset="0"/>
+                <a:cs typeface="Courier New" panose="02070309020205020404" pitchFamily="49" charset="0"/>
+              </a:rPr>
+              <a:t> </a:t>
+            </a:r>
+            <a:r>
+              <a:rPr lang="en-US" altLang="zh-TW" sz="1200" dirty="0">
+                <a:solidFill>
+                  <a:schemeClr val="bg1"/>
+                </a:solidFill>
+                <a:latin typeface="Courier New" panose="02070309020205020404" pitchFamily="49" charset="0"/>
+                <a:cs typeface="Courier New" panose="02070309020205020404" pitchFamily="49" charset="0"/>
+              </a:rPr>
+              <a:t>log”</a:t>
+            </a:r>
+            <a:r>
+              <a:rPr lang="zh-TW" altLang="en-US" sz="1200" dirty="0">
+                <a:solidFill>
+                  <a:schemeClr val="bg1"/>
+                </a:solidFill>
+                <a:latin typeface="Courier New" panose="02070309020205020404" pitchFamily="49" charset="0"/>
+                <a:cs typeface="Courier New" panose="02070309020205020404" pitchFamily="49" charset="0"/>
+              </a:rPr>
+              <a:t>查看分支狀態，可以看到有兩個分支</a:t>
+            </a:r>
+            <a:r>
+              <a:rPr lang="en-US" altLang="zh-TW" sz="1200" dirty="0">
+                <a:solidFill>
+                  <a:schemeClr val="bg1"/>
+                </a:solidFill>
+                <a:latin typeface="Courier New" panose="02070309020205020404" pitchFamily="49" charset="0"/>
+                <a:cs typeface="Courier New" panose="02070309020205020404" pitchFamily="49" charset="0"/>
+              </a:rPr>
+              <a:t>(master, second)</a:t>
+            </a:r>
+            <a:r>
+              <a:rPr lang="zh-TW" altLang="en-US" sz="1200" dirty="0">
+                <a:solidFill>
+                  <a:schemeClr val="bg1"/>
+                </a:solidFill>
+                <a:latin typeface="Courier New" panose="02070309020205020404" pitchFamily="49" charset="0"/>
+                <a:cs typeface="Courier New" panose="02070309020205020404" pitchFamily="49" charset="0"/>
+              </a:rPr>
+              <a:t>，然後</a:t>
+            </a:r>
+            <a:r>
+              <a:rPr lang="en-US" altLang="zh-TW" sz="1200" dirty="0">
+                <a:solidFill>
+                  <a:schemeClr val="bg1"/>
+                </a:solidFill>
+                <a:latin typeface="Courier New" panose="02070309020205020404" pitchFamily="49" charset="0"/>
+                <a:cs typeface="Courier New" panose="02070309020205020404" pitchFamily="49" charset="0"/>
+              </a:rPr>
+              <a:t>HEAD</a:t>
+            </a:r>
+            <a:r>
+              <a:rPr lang="zh-TW" altLang="en-US" sz="1200" dirty="0">
+                <a:solidFill>
+                  <a:schemeClr val="bg1"/>
+                </a:solidFill>
+                <a:latin typeface="Courier New" panose="02070309020205020404" pitchFamily="49" charset="0"/>
+                <a:cs typeface="Courier New" panose="02070309020205020404" pitchFamily="49" charset="0"/>
+              </a:rPr>
+              <a:t>已經改成指向</a:t>
+            </a:r>
+            <a:r>
+              <a:rPr lang="en-US" altLang="zh-TW" sz="1200" dirty="0">
+                <a:solidFill>
+                  <a:schemeClr val="bg1"/>
+                </a:solidFill>
+                <a:latin typeface="Courier New" panose="02070309020205020404" pitchFamily="49" charset="0"/>
+                <a:cs typeface="Courier New" panose="02070309020205020404" pitchFamily="49" charset="0"/>
+              </a:rPr>
+              <a:t>second</a:t>
+            </a:r>
+            <a:r>
+              <a:rPr lang="zh-TW" altLang="en-US" sz="1200" dirty="0">
+                <a:solidFill>
+                  <a:schemeClr val="bg1"/>
+                </a:solidFill>
+                <a:latin typeface="Courier New" panose="02070309020205020404" pitchFamily="49" charset="0"/>
+                <a:cs typeface="Courier New" panose="02070309020205020404" pitchFamily="49" charset="0"/>
+              </a:rPr>
+              <a:t>，表示目前操作的分支是</a:t>
+            </a:r>
+            <a:r>
+              <a:rPr lang="en-US" altLang="zh-TW" sz="1200" dirty="0">
+                <a:solidFill>
+                  <a:schemeClr val="bg1"/>
+                </a:solidFill>
+                <a:latin typeface="Courier New" panose="02070309020205020404" pitchFamily="49" charset="0"/>
+                <a:cs typeface="Courier New" panose="02070309020205020404" pitchFamily="49" charset="0"/>
+              </a:rPr>
+              <a:t>second</a:t>
+            </a:r>
+            <a:r>
+              <a:rPr lang="zh-TW" altLang="en-US" sz="1200" dirty="0">
+                <a:solidFill>
+                  <a:schemeClr val="bg1"/>
+                </a:solidFill>
+                <a:latin typeface="Courier New" panose="02070309020205020404" pitchFamily="49" charset="0"/>
+                <a:cs typeface="Courier New" panose="02070309020205020404" pitchFamily="49" charset="0"/>
+              </a:rPr>
+              <a:t>。</a:t>
+            </a:r>
+            <a:endParaRPr lang="en-US" altLang="zh-TW" sz="1200" dirty="0">
+              <a:solidFill>
+                <a:schemeClr val="bg1">
+                  <a:lumMod val="65000"/>
+                </a:schemeClr>
+              </a:solidFill>
+              <a:latin typeface="Courier New" panose="02070309020205020404" pitchFamily="49" charset="0"/>
+              <a:cs typeface="Courier New" panose="02070309020205020404" pitchFamily="49" charset="0"/>
+            </a:endParaRPr>
+          </a:p>
+        </p:txBody>
+      </p:sp>
+      <p:sp>
+        <p:nvSpPr>
+          <p:cNvPr id="10" name="文字方塊 9">
+            <a:extLst>
+              <a:ext uri="{FF2B5EF4-FFF2-40B4-BE49-F238E27FC236}">
+                <a16:creationId xmlns:a16="http://schemas.microsoft.com/office/drawing/2014/main" id="{D89D7D96-13D3-A7BC-669F-91B3D21E283F}"/>
+              </a:ext>
+            </a:extLst>
+          </p:cNvPr>
+          <p:cNvSpPr txBox="1"/>
+          <p:nvPr/>
+        </p:nvSpPr>
+        <p:spPr>
+          <a:xfrm>
+            <a:off x="1717953" y="4051468"/>
+            <a:ext cx="6738097" cy="345672"/>
+          </a:xfrm>
+          <a:prstGeom prst="rect">
+            <a:avLst/>
+          </a:prstGeom>
+          <a:noFill/>
+        </p:spPr>
+        <p:txBody>
+          <a:bodyPr wrap="square" rtlCol="0">
+            <a:spAutoFit/>
+          </a:bodyPr>
+          <a:lstStyle/>
+          <a:p>
+            <a:pPr>
+              <a:lnSpc>
+                <a:spcPct val="150000"/>
+              </a:lnSpc>
+            </a:pPr>
+            <a:r>
+              <a:rPr lang="zh-TW" altLang="en-US" sz="1200" dirty="0">
+                <a:solidFill>
+                  <a:schemeClr val="bg1"/>
+                </a:solidFill>
+                <a:latin typeface="Courier New" panose="02070309020205020404" pitchFamily="49" charset="0"/>
+                <a:cs typeface="Courier New" panose="02070309020205020404" pitchFamily="49" charset="0"/>
+              </a:rPr>
+              <a:t>提示訊息出現</a:t>
+            </a:r>
+            <a:r>
+              <a:rPr lang="en-US" altLang="zh-TW" sz="1200" dirty="0">
+                <a:solidFill>
+                  <a:schemeClr val="bg1"/>
+                </a:solidFill>
+                <a:latin typeface="Courier New" panose="02070309020205020404" pitchFamily="49" charset="0"/>
+                <a:cs typeface="Courier New" panose="02070309020205020404" pitchFamily="49" charset="0"/>
+              </a:rPr>
+              <a:t>“Switched</a:t>
+            </a:r>
+            <a:r>
+              <a:rPr lang="zh-TW" altLang="en-US" sz="1200" dirty="0">
+                <a:solidFill>
+                  <a:schemeClr val="bg1"/>
+                </a:solidFill>
+                <a:latin typeface="Courier New" panose="02070309020205020404" pitchFamily="49" charset="0"/>
+                <a:cs typeface="Courier New" panose="02070309020205020404" pitchFamily="49" charset="0"/>
+              </a:rPr>
+              <a:t> </a:t>
+            </a:r>
+            <a:r>
+              <a:rPr lang="en-US" altLang="zh-TW" sz="1200" dirty="0">
+                <a:solidFill>
+                  <a:schemeClr val="bg1"/>
+                </a:solidFill>
+                <a:latin typeface="Courier New" panose="02070309020205020404" pitchFamily="49" charset="0"/>
+                <a:cs typeface="Courier New" panose="02070309020205020404" pitchFamily="49" charset="0"/>
+              </a:rPr>
+              <a:t>to</a:t>
+            </a:r>
+            <a:r>
+              <a:rPr lang="zh-TW" altLang="en-US" sz="1200" dirty="0">
+                <a:solidFill>
+                  <a:schemeClr val="bg1"/>
+                </a:solidFill>
+                <a:latin typeface="Courier New" panose="02070309020205020404" pitchFamily="49" charset="0"/>
+                <a:cs typeface="Courier New" panose="02070309020205020404" pitchFamily="49" charset="0"/>
+              </a:rPr>
+              <a:t> </a:t>
+            </a:r>
+            <a:r>
+              <a:rPr lang="en-US" altLang="zh-TW" sz="1200" dirty="0">
+                <a:solidFill>
+                  <a:schemeClr val="bg1"/>
+                </a:solidFill>
+                <a:latin typeface="Courier New" panose="02070309020205020404" pitchFamily="49" charset="0"/>
+                <a:cs typeface="Courier New" panose="02070309020205020404" pitchFamily="49" charset="0"/>
+              </a:rPr>
+              <a:t>branch</a:t>
+            </a:r>
+            <a:r>
+              <a:rPr lang="zh-TW" altLang="en-US" sz="1200" dirty="0">
+                <a:solidFill>
+                  <a:schemeClr val="bg1"/>
+                </a:solidFill>
+                <a:latin typeface="Courier New" panose="02070309020205020404" pitchFamily="49" charset="0"/>
+                <a:cs typeface="Courier New" panose="02070309020205020404" pitchFamily="49" charset="0"/>
+              </a:rPr>
+              <a:t> </a:t>
+            </a:r>
+            <a:r>
+              <a:rPr lang="en-US" altLang="zh-TW" sz="1200" dirty="0">
+                <a:solidFill>
+                  <a:schemeClr val="bg1"/>
+                </a:solidFill>
+                <a:latin typeface="Courier New" panose="02070309020205020404" pitchFamily="49" charset="0"/>
+                <a:cs typeface="Courier New" panose="02070309020205020404" pitchFamily="49" charset="0"/>
+              </a:rPr>
+              <a:t>‘second’</a:t>
+            </a:r>
+            <a:r>
+              <a:rPr lang="zh-TW" altLang="en-US" sz="1200" dirty="0">
+                <a:solidFill>
+                  <a:schemeClr val="bg1"/>
+                </a:solidFill>
+                <a:latin typeface="Courier New" panose="02070309020205020404" pitchFamily="49" charset="0"/>
+                <a:cs typeface="Courier New" panose="02070309020205020404" pitchFamily="49" charset="0"/>
+              </a:rPr>
+              <a:t>，表示已切換到剛才所建立的分支</a:t>
+            </a:r>
+            <a:r>
+              <a:rPr lang="en-US" altLang="zh-TW" sz="1200" dirty="0">
+                <a:solidFill>
+                  <a:schemeClr val="bg1"/>
+                </a:solidFill>
+                <a:latin typeface="Courier New" panose="02070309020205020404" pitchFamily="49" charset="0"/>
+                <a:cs typeface="Courier New" panose="02070309020205020404" pitchFamily="49" charset="0"/>
+              </a:rPr>
+              <a:t>second</a:t>
+            </a:r>
+            <a:r>
+              <a:rPr lang="zh-TW" altLang="en-US" sz="1200" dirty="0">
+                <a:solidFill>
+                  <a:schemeClr val="bg1"/>
+                </a:solidFill>
+                <a:latin typeface="Courier New" panose="02070309020205020404" pitchFamily="49" charset="0"/>
+                <a:cs typeface="Courier New" panose="02070309020205020404" pitchFamily="49" charset="0"/>
+              </a:rPr>
+              <a:t>。</a:t>
+            </a:r>
+            <a:endParaRPr lang="zh-TW" altLang="en-US" sz="1200" b="1" dirty="0">
+              <a:solidFill>
+                <a:schemeClr val="bg1"/>
+              </a:solidFill>
+              <a:latin typeface="Courier New" panose="02070309020205020404" pitchFamily="49" charset="0"/>
+              <a:cs typeface="Courier New" panose="02070309020205020404" pitchFamily="49" charset="0"/>
+            </a:endParaRPr>
+          </a:p>
+        </p:txBody>
+      </p:sp>
+      <p:sp>
+        <p:nvSpPr>
+          <p:cNvPr id="26" name="文字方塊 25">
+            <a:extLst>
+              <a:ext uri="{FF2B5EF4-FFF2-40B4-BE49-F238E27FC236}">
+                <a16:creationId xmlns:a16="http://schemas.microsoft.com/office/drawing/2014/main" id="{44214402-4AE2-2DF7-9596-2A5D7D91C534}"/>
+              </a:ext>
+            </a:extLst>
+          </p:cNvPr>
+          <p:cNvSpPr txBox="1"/>
+          <p:nvPr/>
+        </p:nvSpPr>
+        <p:spPr>
+          <a:xfrm>
+            <a:off x="9423866" y="5253959"/>
+            <a:ext cx="2022102" cy="830997"/>
+          </a:xfrm>
+          <a:prstGeom prst="rect">
+            <a:avLst/>
+          </a:prstGeom>
+          <a:noFill/>
+        </p:spPr>
+        <p:txBody>
+          <a:bodyPr wrap="square" rtlCol="0">
+            <a:spAutoFit/>
+          </a:bodyPr>
+          <a:lstStyle/>
+          <a:p>
+            <a:pPr algn="ctr"/>
+            <a:r>
+              <a:rPr lang="zh-TW" altLang="en-US" sz="1200" dirty="0">
+                <a:solidFill>
+                  <a:schemeClr val="bg1"/>
+                </a:solidFill>
+                <a:latin typeface="Courier New" panose="02070309020205020404" pitchFamily="49" charset="0"/>
+                <a:cs typeface="Courier New" panose="02070309020205020404" pitchFamily="49" charset="0"/>
+              </a:rPr>
+              <a:t>可以看見分支是</a:t>
+            </a:r>
+            <a:r>
+              <a:rPr lang="en-US" altLang="zh-TW" sz="1200" dirty="0">
+                <a:solidFill>
+                  <a:schemeClr val="bg1"/>
+                </a:solidFill>
+                <a:latin typeface="Courier New" panose="02070309020205020404" pitchFamily="49" charset="0"/>
+                <a:cs typeface="Courier New" panose="02070309020205020404" pitchFamily="49" charset="0"/>
+              </a:rPr>
+              <a:t>second,</a:t>
+            </a:r>
+            <a:r>
+              <a:rPr lang="zh-TW" altLang="en-US" sz="1200" dirty="0">
+                <a:solidFill>
+                  <a:schemeClr val="bg1"/>
+                </a:solidFill>
+                <a:latin typeface="Courier New" panose="02070309020205020404" pitchFamily="49" charset="0"/>
+                <a:cs typeface="Courier New" panose="02070309020205020404" pitchFamily="49" charset="0"/>
+              </a:rPr>
+              <a:t>表示所有的操作</a:t>
+            </a:r>
+            <a:r>
+              <a:rPr lang="en-US" altLang="zh-TW" sz="1200" dirty="0">
+                <a:solidFill>
+                  <a:schemeClr val="bg1"/>
+                </a:solidFill>
+                <a:latin typeface="Courier New" panose="02070309020205020404" pitchFamily="49" charset="0"/>
+                <a:cs typeface="Courier New" panose="02070309020205020404" pitchFamily="49" charset="0"/>
+              </a:rPr>
+              <a:t>(</a:t>
+            </a:r>
+            <a:r>
+              <a:rPr lang="zh-TW" altLang="en-US" sz="1200" dirty="0">
+                <a:solidFill>
+                  <a:schemeClr val="bg1"/>
+                </a:solidFill>
+                <a:latin typeface="Courier New" panose="02070309020205020404" pitchFamily="49" charset="0"/>
+                <a:cs typeface="Courier New" panose="02070309020205020404" pitchFamily="49" charset="0"/>
+              </a:rPr>
+              <a:t>修改、追蹤、提交</a:t>
+            </a:r>
+            <a:r>
+              <a:rPr lang="en-US" altLang="zh-TW" sz="1200" dirty="0">
+                <a:solidFill>
+                  <a:schemeClr val="bg1"/>
+                </a:solidFill>
+                <a:latin typeface="Courier New" panose="02070309020205020404" pitchFamily="49" charset="0"/>
+                <a:cs typeface="Courier New" panose="02070309020205020404" pitchFamily="49" charset="0"/>
+              </a:rPr>
+              <a:t>)</a:t>
+            </a:r>
+            <a:r>
+              <a:rPr lang="zh-TW" altLang="en-US" sz="1200" dirty="0">
+                <a:solidFill>
+                  <a:schemeClr val="bg1"/>
+                </a:solidFill>
+                <a:latin typeface="Courier New" panose="02070309020205020404" pitchFamily="49" charset="0"/>
+                <a:cs typeface="Courier New" panose="02070309020205020404" pitchFamily="49" charset="0"/>
+              </a:rPr>
+              <a:t>都是屬於</a:t>
+            </a:r>
+            <a:r>
+              <a:rPr lang="en-US" altLang="zh-TW" sz="1200" dirty="0">
+                <a:solidFill>
+                  <a:schemeClr val="bg1"/>
+                </a:solidFill>
+                <a:latin typeface="Courier New" panose="02070309020205020404" pitchFamily="49" charset="0"/>
+                <a:cs typeface="Courier New" panose="02070309020205020404" pitchFamily="49" charset="0"/>
+              </a:rPr>
+              <a:t>second</a:t>
+            </a:r>
+            <a:r>
+              <a:rPr lang="zh-TW" altLang="en-US" sz="1200" dirty="0">
+                <a:solidFill>
+                  <a:schemeClr val="bg1"/>
+                </a:solidFill>
+                <a:latin typeface="Courier New" panose="02070309020205020404" pitchFamily="49" charset="0"/>
+                <a:cs typeface="Courier New" panose="02070309020205020404" pitchFamily="49" charset="0"/>
+              </a:rPr>
+              <a:t>分支的存取</a:t>
+            </a:r>
+            <a:endParaRPr lang="en-US" altLang="zh-TW" sz="1200" dirty="0">
+              <a:solidFill>
+                <a:schemeClr val="bg1">
+                  <a:lumMod val="65000"/>
+                </a:schemeClr>
+              </a:solidFill>
+              <a:latin typeface="Courier New" panose="02070309020205020404" pitchFamily="49" charset="0"/>
+              <a:cs typeface="Courier New" panose="02070309020205020404" pitchFamily="49" charset="0"/>
+            </a:endParaRPr>
+          </a:p>
+        </p:txBody>
+      </p:sp>
+      <p:pic>
+        <p:nvPicPr>
+          <p:cNvPr id="11" name="圖片 10">
+            <a:extLst>
+              <a:ext uri="{FF2B5EF4-FFF2-40B4-BE49-F238E27FC236}">
+                <a16:creationId xmlns:a16="http://schemas.microsoft.com/office/drawing/2014/main" id="{B0420315-1194-E410-3020-231149097CC2}"/>
+              </a:ext>
+            </a:extLst>
+          </p:cNvPr>
+          <p:cNvPicPr>
+            <a:picLocks noChangeAspect="1"/>
+          </p:cNvPicPr>
+          <p:nvPr/>
+        </p:nvPicPr>
+        <p:blipFill>
+          <a:blip r:embed="rId2"/>
+          <a:stretch>
+            <a:fillRect/>
+          </a:stretch>
+        </p:blipFill>
+        <p:spPr>
+          <a:xfrm>
+            <a:off x="1978444" y="3484897"/>
+            <a:ext cx="8115300" cy="566571"/>
+          </a:xfrm>
+          <a:prstGeom prst="rect">
+            <a:avLst/>
+          </a:prstGeom>
+        </p:spPr>
+      </p:pic>
+      <p:sp>
+        <p:nvSpPr>
+          <p:cNvPr id="12" name="文字方塊 11">
+            <a:extLst>
+              <a:ext uri="{FF2B5EF4-FFF2-40B4-BE49-F238E27FC236}">
+                <a16:creationId xmlns:a16="http://schemas.microsoft.com/office/drawing/2014/main" id="{B35E2092-C8B2-3DC6-E50D-C97E7B36A824}"/>
+              </a:ext>
+            </a:extLst>
+          </p:cNvPr>
+          <p:cNvSpPr txBox="1"/>
+          <p:nvPr/>
+        </p:nvSpPr>
+        <p:spPr>
+          <a:xfrm>
+            <a:off x="1717953" y="4490180"/>
+            <a:ext cx="6359247" cy="387927"/>
+          </a:xfrm>
+          <a:prstGeom prst="rect">
+            <a:avLst/>
+          </a:prstGeom>
+          <a:noFill/>
+        </p:spPr>
+        <p:txBody>
+          <a:bodyPr wrap="square" rtlCol="0">
+            <a:spAutoFit/>
+          </a:bodyPr>
+          <a:lstStyle/>
+          <a:p>
+            <a:pPr>
+              <a:lnSpc>
+                <a:spcPct val="150000"/>
+              </a:lnSpc>
+            </a:pPr>
+            <a:r>
+              <a:rPr lang="zh-TW" altLang="en-US" sz="1400" dirty="0">
+                <a:solidFill>
+                  <a:schemeClr val="bg1"/>
+                </a:solidFill>
+                <a:latin typeface="Courier New" panose="02070309020205020404" pitchFamily="49" charset="0"/>
+                <a:cs typeface="Courier New" panose="02070309020205020404" pitchFamily="49" charset="0"/>
+              </a:rPr>
+              <a:t>使用</a:t>
+            </a:r>
+            <a:r>
+              <a:rPr lang="en-US" altLang="zh-TW" sz="1400" dirty="0">
+                <a:solidFill>
+                  <a:schemeClr val="bg1"/>
+                </a:solidFill>
+                <a:latin typeface="Courier New" panose="02070309020205020404" pitchFamily="49" charset="0"/>
+                <a:cs typeface="Courier New" panose="02070309020205020404" pitchFamily="49" charset="0"/>
+              </a:rPr>
+              <a:t>”git log”</a:t>
+            </a:r>
+            <a:r>
+              <a:rPr lang="zh-TW" altLang="en-US" sz="1400" dirty="0">
+                <a:solidFill>
+                  <a:schemeClr val="bg1"/>
+                </a:solidFill>
+                <a:latin typeface="Courier New" panose="02070309020205020404" pitchFamily="49" charset="0"/>
+                <a:cs typeface="Courier New" panose="02070309020205020404" pitchFamily="49" charset="0"/>
+              </a:rPr>
+              <a:t>查看分支狀態</a:t>
+            </a:r>
+            <a:endParaRPr lang="zh-TW" altLang="en-US" sz="1400" dirty="0">
+              <a:solidFill>
+                <a:srgbClr val="00FF00"/>
+              </a:solidFill>
+              <a:latin typeface="Courier New" panose="02070309020205020404" pitchFamily="49" charset="0"/>
+              <a:cs typeface="Courier New" panose="02070309020205020404" pitchFamily="49" charset="0"/>
+            </a:endParaRPr>
+          </a:p>
+        </p:txBody>
+      </p:sp>
+      <p:pic>
+        <p:nvPicPr>
+          <p:cNvPr id="15" name="圖片 14">
+            <a:extLst>
+              <a:ext uri="{FF2B5EF4-FFF2-40B4-BE49-F238E27FC236}">
+                <a16:creationId xmlns:a16="http://schemas.microsoft.com/office/drawing/2014/main" id="{E5FDF2FC-4D3A-F1EE-B708-E7B6144E5013}"/>
+              </a:ext>
+            </a:extLst>
+          </p:cNvPr>
+          <p:cNvPicPr>
+            <a:picLocks noChangeAspect="1"/>
+          </p:cNvPicPr>
+          <p:nvPr/>
+        </p:nvPicPr>
+        <p:blipFill>
+          <a:blip r:embed="rId3"/>
+          <a:stretch>
+            <a:fillRect/>
+          </a:stretch>
+        </p:blipFill>
+        <p:spPr>
+          <a:xfrm>
+            <a:off x="1556570" y="5124537"/>
+            <a:ext cx="6503853" cy="1016018"/>
+          </a:xfrm>
+          <a:prstGeom prst="rect">
+            <a:avLst/>
+          </a:prstGeom>
+        </p:spPr>
+      </p:pic>
+      <p:grpSp>
+        <p:nvGrpSpPr>
+          <p:cNvPr id="22" name="群組 21">
+            <a:extLst>
+              <a:ext uri="{FF2B5EF4-FFF2-40B4-BE49-F238E27FC236}">
+                <a16:creationId xmlns:a16="http://schemas.microsoft.com/office/drawing/2014/main" id="{32C83168-D45C-4151-C3B3-FC34A80F3885}"/>
+              </a:ext>
+            </a:extLst>
+          </p:cNvPr>
+          <p:cNvGrpSpPr/>
+          <p:nvPr/>
+        </p:nvGrpSpPr>
+        <p:grpSpPr>
+          <a:xfrm>
+            <a:off x="8456050" y="4652325"/>
+            <a:ext cx="789706" cy="1639422"/>
+            <a:chOff x="8704044" y="1013633"/>
+            <a:chExt cx="789706" cy="1639422"/>
+          </a:xfrm>
+        </p:grpSpPr>
+        <p:grpSp>
+          <p:nvGrpSpPr>
+            <p:cNvPr id="20" name="群組 19">
+              <a:extLst>
+                <a:ext uri="{FF2B5EF4-FFF2-40B4-BE49-F238E27FC236}">
+                  <a16:creationId xmlns:a16="http://schemas.microsoft.com/office/drawing/2014/main" id="{3AB17B45-6B16-2B34-EF07-B400C8790D13}"/>
+                </a:ext>
+              </a:extLst>
+            </p:cNvPr>
+            <p:cNvGrpSpPr/>
+            <p:nvPr/>
+          </p:nvGrpSpPr>
+          <p:grpSpPr>
+            <a:xfrm>
+              <a:off x="8914242" y="1545347"/>
+              <a:ext cx="378544" cy="282710"/>
+              <a:chOff x="6768151" y="1518439"/>
+              <a:chExt cx="378544" cy="282710"/>
+            </a:xfrm>
+          </p:grpSpPr>
+          <p:sp>
+            <p:nvSpPr>
+              <p:cNvPr id="18" name="流程圖: 接點 17">
+                <a:extLst>
+                  <a:ext uri="{FF2B5EF4-FFF2-40B4-BE49-F238E27FC236}">
+                    <a16:creationId xmlns:a16="http://schemas.microsoft.com/office/drawing/2014/main" id="{CE4AE33A-BAB1-2214-8966-ECA2E0D78E56}"/>
+                  </a:ext>
+                </a:extLst>
+              </p:cNvPr>
+              <p:cNvSpPr>
+                <a:spLocks noChangeAspect="1"/>
+              </p:cNvSpPr>
+              <p:nvPr/>
+            </p:nvSpPr>
+            <p:spPr>
+              <a:xfrm>
+                <a:off x="6808644" y="1518439"/>
+                <a:ext cx="282710" cy="282710"/>
+              </a:xfrm>
+              <a:prstGeom prst="flowChartConnector">
+                <a:avLst/>
+              </a:prstGeom>
+              <a:noFill/>
+              <a:ln w="22225"/>
+            </p:spPr>
+            <p:style>
+              <a:lnRef idx="2">
+                <a:schemeClr val="accent6"/>
+              </a:lnRef>
+              <a:fillRef idx="1">
+                <a:schemeClr val="lt1"/>
+              </a:fillRef>
+              <a:effectRef idx="0">
+                <a:schemeClr val="accent6"/>
+              </a:effectRef>
+              <a:fontRef idx="minor">
+                <a:schemeClr val="dk1"/>
+              </a:fontRef>
+            </p:style>
+            <p:txBody>
+              <a:bodyPr rtlCol="0" anchor="ctr"/>
+              <a:lstStyle/>
+              <a:p>
+                <a:pPr algn="ctr"/>
+                <a:endParaRPr lang="zh-TW" altLang="en-US" sz="1200" dirty="0"/>
+              </a:p>
+            </p:txBody>
+          </p:sp>
+          <p:sp>
+            <p:nvSpPr>
+              <p:cNvPr id="19" name="文字方塊 18">
+                <a:extLst>
+                  <a:ext uri="{FF2B5EF4-FFF2-40B4-BE49-F238E27FC236}">
+                    <a16:creationId xmlns:a16="http://schemas.microsoft.com/office/drawing/2014/main" id="{8114B100-596F-DEC1-2160-66A835779727}"/>
+                  </a:ext>
+                </a:extLst>
+              </p:cNvPr>
+              <p:cNvSpPr txBox="1"/>
+              <p:nvPr/>
+            </p:nvSpPr>
+            <p:spPr>
+              <a:xfrm>
+                <a:off x="6768151" y="1523768"/>
+                <a:ext cx="378544" cy="276999"/>
+              </a:xfrm>
+              <a:prstGeom prst="rect">
+                <a:avLst/>
+              </a:prstGeom>
+              <a:noFill/>
+            </p:spPr>
+            <p:txBody>
+              <a:bodyPr wrap="square" rtlCol="0">
+                <a:spAutoFit/>
+              </a:bodyPr>
+              <a:lstStyle/>
+              <a:p>
+                <a:pPr algn="ctr"/>
+                <a:r>
+                  <a:rPr lang="en-US" altLang="zh-TW" sz="1200" b="1" dirty="0">
+                    <a:solidFill>
+                      <a:srgbClr val="00FF00"/>
+                    </a:solidFill>
+                    <a:latin typeface="Courier New" panose="02070309020205020404" pitchFamily="49" charset="0"/>
+                    <a:cs typeface="Courier New" panose="02070309020205020404" pitchFamily="49" charset="0"/>
+                  </a:rPr>
+                  <a:t>C1</a:t>
+                </a:r>
+              </a:p>
+            </p:txBody>
+          </p:sp>
+        </p:grpSp>
+        <p:sp>
+          <p:nvSpPr>
+            <p:cNvPr id="21" name="圖說文字: 向下箭號 20">
+              <a:extLst>
+                <a:ext uri="{FF2B5EF4-FFF2-40B4-BE49-F238E27FC236}">
+                  <a16:creationId xmlns:a16="http://schemas.microsoft.com/office/drawing/2014/main" id="{603C8F80-3B42-44A8-F268-12DC07475C0A}"/>
+                </a:ext>
+              </a:extLst>
+            </p:cNvPr>
+            <p:cNvSpPr/>
+            <p:nvPr/>
+          </p:nvSpPr>
+          <p:spPr>
+            <a:xfrm>
+              <a:off x="8704044" y="1013633"/>
+              <a:ext cx="780473" cy="491806"/>
+            </a:xfrm>
+            <a:prstGeom prst="downArrowCallout">
+              <a:avLst/>
+            </a:prstGeom>
+            <a:noFill/>
+            <a:ln w="25400" cap="flat" cmpd="sng" algn="ctr">
+              <a:solidFill>
+                <a:schemeClr val="accent6"/>
+              </a:solidFill>
+              <a:prstDash val="solid"/>
+              <a:round/>
+              <a:headEnd type="none" w="med" len="med"/>
+              <a:tailEnd type="none" w="med" len="med"/>
+            </a:ln>
+          </p:spPr>
+          <p:style>
+            <a:lnRef idx="0">
+              <a:scrgbClr r="0" g="0" b="0"/>
+            </a:lnRef>
+            <a:fillRef idx="0">
+              <a:scrgbClr r="0" g="0" b="0"/>
+            </a:fillRef>
+            <a:effectRef idx="0">
+              <a:scrgbClr r="0" g="0" b="0"/>
+            </a:effectRef>
+            <a:fontRef idx="minor">
+              <a:schemeClr val="accent6"/>
+            </a:fontRef>
+          </p:style>
+          <p:txBody>
+            <a:bodyPr rtlCol="0" anchor="ctr"/>
+            <a:lstStyle/>
+            <a:p>
+              <a:pPr algn="ctr"/>
+              <a:r>
+                <a:rPr lang="en-US" altLang="zh-TW" sz="1200" b="1" dirty="0">
+                  <a:solidFill>
+                    <a:srgbClr val="00FF00"/>
+                  </a:solidFill>
+                </a:rPr>
+                <a:t>master</a:t>
+              </a:r>
+              <a:endParaRPr lang="zh-TW" altLang="en-US" sz="1200" b="1" dirty="0">
+                <a:solidFill>
+                  <a:srgbClr val="00FF00"/>
+                </a:solidFill>
+              </a:endParaRPr>
+            </a:p>
+          </p:txBody>
+        </p:sp>
+        <p:sp>
+          <p:nvSpPr>
+            <p:cNvPr id="23" name="圖說文字: 向上箭號 22">
+              <a:extLst>
+                <a:ext uri="{FF2B5EF4-FFF2-40B4-BE49-F238E27FC236}">
+                  <a16:creationId xmlns:a16="http://schemas.microsoft.com/office/drawing/2014/main" id="{2740B8D1-B588-AA43-ABEF-8D769D0D58D5}"/>
+                </a:ext>
+              </a:extLst>
+            </p:cNvPr>
+            <p:cNvSpPr/>
+            <p:nvPr/>
+          </p:nvSpPr>
+          <p:spPr>
+            <a:xfrm>
+              <a:off x="8713277" y="1855118"/>
+              <a:ext cx="780473" cy="491806"/>
+            </a:xfrm>
+            <a:prstGeom prst="upArrowCallout">
+              <a:avLst>
+                <a:gd name="adj1" fmla="val 25000"/>
+                <a:gd name="adj2" fmla="val 25000"/>
+                <a:gd name="adj3" fmla="val 25000"/>
+                <a:gd name="adj4" fmla="val 64542"/>
+              </a:avLst>
+            </a:prstGeom>
+            <a:noFill/>
+            <a:ln w="25400">
+              <a:solidFill>
+                <a:schemeClr val="accent6"/>
+              </a:solidFill>
+              <a:round/>
+            </a:ln>
+          </p:spPr>
+          <p:style>
+            <a:lnRef idx="2">
+              <a:schemeClr val="accent6">
+                <a:shade val="15000"/>
+              </a:schemeClr>
+            </a:lnRef>
+            <a:fillRef idx="1">
+              <a:schemeClr val="accent6"/>
+            </a:fillRef>
+            <a:effectRef idx="0">
+              <a:schemeClr val="accent6"/>
+            </a:effectRef>
+            <a:fontRef idx="minor">
+              <a:schemeClr val="lt1"/>
+            </a:fontRef>
+          </p:style>
+          <p:txBody>
+            <a:bodyPr rtlCol="0" anchor="ctr"/>
+            <a:lstStyle/>
+            <a:p>
+              <a:pPr algn="ctr"/>
+              <a:r>
+                <a:rPr lang="en-US" altLang="zh-TW" sz="1200" b="1" dirty="0">
+                  <a:solidFill>
+                    <a:srgbClr val="00FF00"/>
+                  </a:solidFill>
+                </a:rPr>
+                <a:t>second</a:t>
+              </a:r>
+              <a:endParaRPr lang="zh-TW" altLang="en-US" sz="1200" b="1" dirty="0">
+                <a:solidFill>
+                  <a:srgbClr val="00FF00"/>
+                </a:solidFill>
+              </a:endParaRPr>
+            </a:p>
+          </p:txBody>
+        </p:sp>
+        <p:sp>
+          <p:nvSpPr>
+            <p:cNvPr id="17" name="圖說文字: 向上箭號 16">
+              <a:extLst>
+                <a:ext uri="{FF2B5EF4-FFF2-40B4-BE49-F238E27FC236}">
+                  <a16:creationId xmlns:a16="http://schemas.microsoft.com/office/drawing/2014/main" id="{DA262601-C815-1C5C-BEB9-E2141AB97240}"/>
+                </a:ext>
+              </a:extLst>
+            </p:cNvPr>
+            <p:cNvSpPr/>
+            <p:nvPr/>
+          </p:nvSpPr>
+          <p:spPr>
+            <a:xfrm>
+              <a:off x="8713277" y="2369075"/>
+              <a:ext cx="780473" cy="283980"/>
+            </a:xfrm>
+            <a:prstGeom prst="upArrowCallout">
+              <a:avLst>
+                <a:gd name="adj1" fmla="val 38416"/>
+                <a:gd name="adj2" fmla="val 40093"/>
+                <a:gd name="adj3" fmla="val 25000"/>
+                <a:gd name="adj4" fmla="val 64542"/>
+              </a:avLst>
+            </a:prstGeom>
+            <a:noFill/>
+            <a:ln w="12700">
+              <a:solidFill>
+                <a:srgbClr val="0070C0"/>
+              </a:solidFill>
+              <a:round/>
+            </a:ln>
+          </p:spPr>
+          <p:style>
+            <a:lnRef idx="2">
+              <a:schemeClr val="accent6">
+                <a:shade val="15000"/>
+              </a:schemeClr>
+            </a:lnRef>
+            <a:fillRef idx="1">
+              <a:schemeClr val="accent6"/>
+            </a:fillRef>
+            <a:effectRef idx="0">
+              <a:schemeClr val="accent6"/>
+            </a:effectRef>
+            <a:fontRef idx="minor">
+              <a:schemeClr val="lt1"/>
+            </a:fontRef>
+          </p:style>
+          <p:txBody>
+            <a:bodyPr rtlCol="0" anchor="ctr"/>
+            <a:lstStyle/>
+            <a:p>
+              <a:pPr algn="ctr"/>
+              <a:r>
+                <a:rPr lang="en-US" altLang="zh-TW" sz="1000" b="1" dirty="0">
+                  <a:solidFill>
+                    <a:srgbClr val="00B0F0"/>
+                  </a:solidFill>
+                </a:rPr>
+                <a:t>HEAD</a:t>
+              </a:r>
+              <a:endParaRPr lang="zh-TW" altLang="en-US" sz="1000" b="1" dirty="0">
+                <a:solidFill>
+                  <a:srgbClr val="00B0F0"/>
+                </a:solidFill>
+              </a:endParaRPr>
+            </a:p>
+          </p:txBody>
+        </p:sp>
+      </p:grpSp>
+    </p:spTree>
+    <p:extLst>
+      <p:ext uri="{BB962C8B-B14F-4D97-AF65-F5344CB8AC3E}">
+        <p14:creationId xmlns:p14="http://schemas.microsoft.com/office/powerpoint/2010/main" val="1784290067"/>
+      </p:ext>
+    </p:extLst>
+  </p:cSld>
+  <p:clrMapOvr>
+    <a:masterClrMapping/>
+  </p:clrMapOvr>
+</p:sld>
+</file>
+
+<file path=ppt/slides/slide18.xml><?xml version="1.0" encoding="utf-8"?>
+<p:sld xmlns:a="http://schemas.openxmlformats.org/drawingml/2006/main" xmlns:r="http://schemas.openxmlformats.org/officeDocument/2006/relationships" xmlns:p="http://schemas.openxmlformats.org/presentationml/2006/main">
+  <p:cSld>
+    <p:bg>
+      <p:bgPr>
+        <a:solidFill>
+          <a:schemeClr val="tx1">
+            <a:lumMod val="75000"/>
+            <a:lumOff val="25000"/>
+          </a:schemeClr>
+        </a:solidFill>
+        <a:effectLst/>
+      </p:bgPr>
+    </p:bg>
+    <p:spTree>
+      <p:nvGrpSpPr>
+        <p:cNvPr id="1" name="">
+          <a:extLst>
+            <a:ext uri="{FF2B5EF4-FFF2-40B4-BE49-F238E27FC236}">
+              <a16:creationId xmlns:a16="http://schemas.microsoft.com/office/drawing/2014/main" id="{3E27F66A-8F90-C156-72D6-EC28E4629904}"/>
+            </a:ext>
+          </a:extLst>
+        </p:cNvPr>
+        <p:cNvGrpSpPr/>
+        <p:nvPr/>
+      </p:nvGrpSpPr>
+      <p:grpSpPr>
+        <a:xfrm>
+          <a:off x="0" y="0"/>
+          <a:ext cx="0" cy="0"/>
+          <a:chOff x="0" y="0"/>
+          <a:chExt cx="0" cy="0"/>
+        </a:xfrm>
+      </p:grpSpPr>
+      <p:sp>
+        <p:nvSpPr>
+          <p:cNvPr id="2" name="標題 1">
+            <a:extLst>
+              <a:ext uri="{FF2B5EF4-FFF2-40B4-BE49-F238E27FC236}">
+                <a16:creationId xmlns:a16="http://schemas.microsoft.com/office/drawing/2014/main" id="{4BCFD3D3-CDD1-3C8A-7406-B03AD6CCFCAF}"/>
+              </a:ext>
+            </a:extLst>
+          </p:cNvPr>
+          <p:cNvSpPr>
+            <a:spLocks noGrp="1"/>
+          </p:cNvSpPr>
+          <p:nvPr>
+            <p:ph type="title"/>
+          </p:nvPr>
+        </p:nvSpPr>
+        <p:spPr>
+          <a:xfrm>
+            <a:off x="640079" y="1102718"/>
+            <a:ext cx="10890929" cy="662474"/>
+          </a:xfrm>
+        </p:spPr>
+        <p:txBody>
+          <a:bodyPr anchor="ctr" anchorCtr="0">
+            <a:normAutofit/>
+          </a:bodyPr>
+          <a:lstStyle/>
+          <a:p>
+            <a:r>
+              <a:rPr lang="en-US" altLang="zh-TW" sz="3200" dirty="0">
+                <a:solidFill>
+                  <a:srgbClr val="FFC000"/>
+                </a:solidFill>
+              </a:rPr>
+              <a:t>Git Bash – Command Line</a:t>
+            </a:r>
+            <a:endParaRPr lang="zh-TW" altLang="en-US" sz="3200" dirty="0">
+              <a:solidFill>
+                <a:srgbClr val="FFC000"/>
+              </a:solidFill>
+            </a:endParaRPr>
+          </a:p>
+        </p:txBody>
+      </p:sp>
+      <p:sp>
+        <p:nvSpPr>
+          <p:cNvPr id="3" name="內容版面配置區 2">
+            <a:extLst>
+              <a:ext uri="{FF2B5EF4-FFF2-40B4-BE49-F238E27FC236}">
+                <a16:creationId xmlns:a16="http://schemas.microsoft.com/office/drawing/2014/main" id="{2279A261-2512-D8FE-B21D-33C1B31A5533}"/>
+              </a:ext>
+            </a:extLst>
+          </p:cNvPr>
+          <p:cNvSpPr>
+            <a:spLocks noGrp="1"/>
+          </p:cNvSpPr>
+          <p:nvPr>
+            <p:ph idx="1"/>
+          </p:nvPr>
+        </p:nvSpPr>
+        <p:spPr>
+          <a:xfrm>
+            <a:off x="797097" y="1765192"/>
+            <a:ext cx="5496127" cy="547027"/>
+          </a:xfrm>
+        </p:spPr>
+        <p:txBody>
+          <a:bodyPr anchor="ctr" anchorCtr="0">
+            <a:noAutofit/>
+          </a:bodyPr>
+          <a:lstStyle/>
+          <a:p>
+            <a:pPr>
+              <a:buFont typeface="Wingdings" panose="05000000000000000000" pitchFamily="2" charset="2"/>
+              <a:buChar char="l"/>
+            </a:pPr>
+            <a:r>
+              <a:rPr lang="zh-TW" altLang="en-US" dirty="0">
+                <a:solidFill>
+                  <a:srgbClr val="00B0F0"/>
+                </a:solidFill>
+              </a:rPr>
+              <a:t> </a:t>
+            </a:r>
+            <a:r>
+              <a:rPr lang="en-US" altLang="zh-TW" dirty="0">
+                <a:solidFill>
+                  <a:srgbClr val="00B0F0"/>
+                </a:solidFill>
+              </a:rPr>
+              <a:t>Git Branch –</a:t>
+            </a:r>
+            <a:r>
+              <a:rPr lang="zh-TW" altLang="en-US" dirty="0">
+                <a:solidFill>
+                  <a:srgbClr val="00B0F0"/>
+                </a:solidFill>
+              </a:rPr>
+              <a:t>各個分支的推送與拉取</a:t>
+            </a:r>
+          </a:p>
+        </p:txBody>
+      </p:sp>
+      <p:sp>
+        <p:nvSpPr>
+          <p:cNvPr id="4" name="文字方塊 3">
+            <a:extLst>
+              <a:ext uri="{FF2B5EF4-FFF2-40B4-BE49-F238E27FC236}">
+                <a16:creationId xmlns:a16="http://schemas.microsoft.com/office/drawing/2014/main" id="{5A31A015-9EE2-C9EA-24B4-BEBB85ADFBDB}"/>
+              </a:ext>
+            </a:extLst>
+          </p:cNvPr>
+          <p:cNvSpPr txBox="1"/>
+          <p:nvPr/>
+        </p:nvSpPr>
+        <p:spPr>
+          <a:xfrm>
+            <a:off x="1717953" y="2625876"/>
+            <a:ext cx="9416211" cy="387927"/>
+          </a:xfrm>
+          <a:prstGeom prst="rect">
+            <a:avLst/>
+          </a:prstGeom>
+          <a:noFill/>
+        </p:spPr>
+        <p:txBody>
+          <a:bodyPr wrap="square" rtlCol="0">
+            <a:spAutoFit/>
+          </a:bodyPr>
+          <a:lstStyle/>
+          <a:p>
+            <a:pPr>
+              <a:lnSpc>
+                <a:spcPct val="150000"/>
+              </a:lnSpc>
+            </a:pPr>
+            <a:r>
+              <a:rPr lang="zh-TW" altLang="en-US" sz="1400" dirty="0">
+                <a:solidFill>
+                  <a:schemeClr val="bg1"/>
+                </a:solidFill>
+                <a:latin typeface="Courier New" panose="02070309020205020404" pitchFamily="49" charset="0"/>
+                <a:cs typeface="Courier New" panose="02070309020205020404" pitchFamily="49" charset="0"/>
+              </a:rPr>
+              <a:t>切換到</a:t>
+            </a:r>
+            <a:r>
+              <a:rPr lang="en-US" altLang="zh-TW" sz="1400" dirty="0">
+                <a:solidFill>
+                  <a:schemeClr val="bg1"/>
+                </a:solidFill>
+                <a:latin typeface="Courier New" panose="02070309020205020404" pitchFamily="49" charset="0"/>
+                <a:cs typeface="Courier New" panose="02070309020205020404" pitchFamily="49" charset="0"/>
+              </a:rPr>
+              <a:t>master</a:t>
+            </a:r>
+            <a:r>
+              <a:rPr lang="zh-TW" altLang="en-US" sz="1400" dirty="0">
+                <a:solidFill>
+                  <a:schemeClr val="bg1"/>
+                </a:solidFill>
+                <a:latin typeface="Courier New" panose="02070309020205020404" pitchFamily="49" charset="0"/>
+                <a:cs typeface="Courier New" panose="02070309020205020404" pitchFamily="49" charset="0"/>
+              </a:rPr>
+              <a:t>分支，並建立一個新的檔案並編寫資料數據，進行追蹤、提交與推送到遠端</a:t>
+            </a:r>
+            <a:r>
+              <a:rPr lang="en-US" altLang="zh-TW" sz="1400" dirty="0">
+                <a:solidFill>
+                  <a:schemeClr val="bg1"/>
+                </a:solidFill>
+                <a:latin typeface="Courier New" panose="02070309020205020404" pitchFamily="49" charset="0"/>
+                <a:cs typeface="Courier New" panose="02070309020205020404" pitchFamily="49" charset="0"/>
+              </a:rPr>
+              <a:t>master</a:t>
+            </a:r>
+            <a:r>
+              <a:rPr lang="zh-TW" altLang="en-US" sz="1400" dirty="0">
+                <a:solidFill>
+                  <a:schemeClr val="bg1"/>
+                </a:solidFill>
+                <a:latin typeface="Courier New" panose="02070309020205020404" pitchFamily="49" charset="0"/>
+                <a:cs typeface="Courier New" panose="02070309020205020404" pitchFamily="49" charset="0"/>
+              </a:rPr>
+              <a:t>分支的動作。</a:t>
+            </a:r>
+            <a:endParaRPr lang="zh-TW" altLang="en-US" sz="1400" dirty="0">
+              <a:solidFill>
+                <a:srgbClr val="00FF00"/>
+              </a:solidFill>
+              <a:latin typeface="Courier New" panose="02070309020205020404" pitchFamily="49" charset="0"/>
+              <a:cs typeface="Courier New" panose="02070309020205020404" pitchFamily="49" charset="0"/>
+            </a:endParaRPr>
+          </a:p>
+        </p:txBody>
+      </p:sp>
+      <p:sp>
+        <p:nvSpPr>
+          <p:cNvPr id="5" name="內容版面配置區 2">
+            <a:extLst>
+              <a:ext uri="{FF2B5EF4-FFF2-40B4-BE49-F238E27FC236}">
+                <a16:creationId xmlns:a16="http://schemas.microsoft.com/office/drawing/2014/main" id="{C9F78970-488C-38C9-D0A6-6D82F84A9E1B}"/>
+              </a:ext>
+            </a:extLst>
+          </p:cNvPr>
+          <p:cNvSpPr txBox="1">
+            <a:spLocks/>
+          </p:cNvSpPr>
+          <p:nvPr/>
+        </p:nvSpPr>
+        <p:spPr>
+          <a:xfrm>
+            <a:off x="1340358" y="2289256"/>
+            <a:ext cx="2797533" cy="442048"/>
+          </a:xfrm>
+          <a:prstGeom prst="rect">
+            <a:avLst/>
+          </a:prstGeom>
+        </p:spPr>
+        <p:txBody>
+          <a:bodyPr vert="horz" lIns="91440" tIns="45720" rIns="91440" bIns="45720" rtlCol="0" anchor="ctr" anchorCtr="0">
+            <a:normAutofit/>
+          </a:bodyPr>
+          <a:lstStyle>
+            <a:lvl1pPr marL="228600" indent="-228600" algn="l" defTabSz="914400" rtl="0" eaLnBrk="1" latinLnBrk="0" hangingPunct="1">
+              <a:lnSpc>
+                <a:spcPct val="120000"/>
+              </a:lnSpc>
+              <a:spcBef>
+                <a:spcPts val="1000"/>
+              </a:spcBef>
+              <a:buSzPct val="87000"/>
+              <a:buFont typeface="Arial" panose="020B0604020202020204" pitchFamily="34" charset="0"/>
+              <a:buChar char="•"/>
+              <a:defRPr sz="2000" kern="1200">
+                <a:solidFill>
+                  <a:schemeClr val="tx1"/>
+                </a:solidFill>
+                <a:latin typeface="+mn-lt"/>
+                <a:ea typeface="+mn-ea"/>
+                <a:cs typeface="+mn-cs"/>
+              </a:defRPr>
+            </a:lvl1pPr>
+            <a:lvl2pPr marL="493776" indent="-228600" algn="l" defTabSz="914400" rtl="0" eaLnBrk="1" latinLnBrk="0" hangingPunct="1">
+              <a:lnSpc>
+                <a:spcPct val="120000"/>
+              </a:lnSpc>
+              <a:spcBef>
+                <a:spcPts val="500"/>
+              </a:spcBef>
+              <a:buSzPct val="87000"/>
+              <a:buFont typeface="Arial" panose="020B0604020202020204" pitchFamily="34" charset="0"/>
+              <a:buChar char="•"/>
+              <a:defRPr sz="1800" kern="1200">
+                <a:solidFill>
+                  <a:schemeClr val="tx1"/>
+                </a:solidFill>
+                <a:latin typeface="+mn-lt"/>
+                <a:ea typeface="+mn-ea"/>
+                <a:cs typeface="+mn-cs"/>
+              </a:defRPr>
+            </a:lvl2pPr>
+            <a:lvl3pPr marL="731520" indent="-228600" algn="l" defTabSz="914400" rtl="0" eaLnBrk="1" latinLnBrk="0" hangingPunct="1">
+              <a:lnSpc>
+                <a:spcPct val="120000"/>
+              </a:lnSpc>
+              <a:spcBef>
+                <a:spcPts val="500"/>
+              </a:spcBef>
+              <a:buSzPct val="87000"/>
+              <a:buFont typeface="Arial" panose="020B0604020202020204" pitchFamily="34" charset="0"/>
+              <a:buChar char="•"/>
+              <a:defRPr sz="1600" kern="1200">
+                <a:solidFill>
+                  <a:schemeClr val="tx1"/>
+                </a:solidFill>
+                <a:latin typeface="+mn-lt"/>
+                <a:ea typeface="+mn-ea"/>
+                <a:cs typeface="+mn-cs"/>
+              </a:defRPr>
+            </a:lvl3pPr>
+            <a:lvl4pPr marL="1051560" indent="-285750" algn="l" defTabSz="914400" rtl="0" eaLnBrk="1" latinLnBrk="0" hangingPunct="1">
+              <a:lnSpc>
+                <a:spcPct val="120000"/>
+              </a:lnSpc>
+              <a:spcBef>
+                <a:spcPts val="500"/>
+              </a:spcBef>
+              <a:buSzPct val="87000"/>
+              <a:buFont typeface="Arial" panose="020B0604020202020204" pitchFamily="34" charset="0"/>
+              <a:buChar char="•"/>
+              <a:defRPr sz="1400" kern="1200">
+                <a:solidFill>
+                  <a:schemeClr val="tx1"/>
+                </a:solidFill>
+                <a:latin typeface="+mn-lt"/>
+                <a:ea typeface="+mn-ea"/>
+                <a:cs typeface="+mn-cs"/>
+              </a:defRPr>
+            </a:lvl4pPr>
+            <a:lvl5pPr marL="1298448" indent="-228600" algn="l" defTabSz="914400" rtl="0" eaLnBrk="1" latinLnBrk="0" hangingPunct="1">
+              <a:lnSpc>
+                <a:spcPct val="120000"/>
+              </a:lnSpc>
+              <a:spcBef>
+                <a:spcPts val="500"/>
+              </a:spcBef>
+              <a:buSzPct val="87000"/>
+              <a:buFont typeface="Arial" panose="020B0604020202020204" pitchFamily="34" charset="0"/>
+              <a:buChar char="•"/>
+              <a:defRPr sz="1400" kern="1200">
+                <a:solidFill>
+                  <a:schemeClr val="tx1"/>
+                </a:solidFill>
+                <a:latin typeface="+mn-lt"/>
+                <a:ea typeface="+mn-ea"/>
+                <a:cs typeface="+mn-cs"/>
+              </a:defRPr>
+            </a:lvl5pPr>
+            <a:lvl6pPr marL="2514600" indent="-228600" algn="l" defTabSz="914400" rtl="0" eaLnBrk="1" latinLnBrk="0" hangingPunct="1">
+              <a:lnSpc>
+                <a:spcPct val="90000"/>
+              </a:lnSpc>
+              <a:spcBef>
+                <a:spcPts val="500"/>
+              </a:spcBef>
+              <a:buFont typeface="Arial" panose="020B0604020202020204" pitchFamily="34" charset="0"/>
+              <a:buChar char="•"/>
+              <a:defRPr sz="1800" kern="1200">
+                <a:solidFill>
+                  <a:schemeClr val="tx1"/>
+                </a:solidFill>
+                <a:latin typeface="+mn-lt"/>
+                <a:ea typeface="+mn-ea"/>
+                <a:cs typeface="+mn-cs"/>
+              </a:defRPr>
+            </a:lvl6pPr>
+            <a:lvl7pPr marL="2971800" indent="-228600" algn="l" defTabSz="914400" rtl="0" eaLnBrk="1" latinLnBrk="0" hangingPunct="1">
+              <a:lnSpc>
+                <a:spcPct val="90000"/>
+              </a:lnSpc>
+              <a:spcBef>
+                <a:spcPts val="500"/>
+              </a:spcBef>
+              <a:buFont typeface="Arial" panose="020B0604020202020204" pitchFamily="34" charset="0"/>
+              <a:buChar char="•"/>
+              <a:defRPr sz="1800" kern="1200">
+                <a:solidFill>
+                  <a:schemeClr val="tx1"/>
+                </a:solidFill>
+                <a:latin typeface="+mn-lt"/>
+                <a:ea typeface="+mn-ea"/>
+                <a:cs typeface="+mn-cs"/>
+              </a:defRPr>
+            </a:lvl7pPr>
+            <a:lvl8pPr marL="3429000" indent="-228600" algn="l" defTabSz="914400" rtl="0" eaLnBrk="1" latinLnBrk="0" hangingPunct="1">
+              <a:lnSpc>
+                <a:spcPct val="90000"/>
+              </a:lnSpc>
+              <a:spcBef>
+                <a:spcPts val="500"/>
+              </a:spcBef>
+              <a:buFont typeface="Arial" panose="020B0604020202020204" pitchFamily="34" charset="0"/>
+              <a:buChar char="•"/>
+              <a:defRPr sz="1800" kern="1200">
+                <a:solidFill>
+                  <a:schemeClr val="tx1"/>
+                </a:solidFill>
+                <a:latin typeface="+mn-lt"/>
+                <a:ea typeface="+mn-ea"/>
+                <a:cs typeface="+mn-cs"/>
+              </a:defRPr>
+            </a:lvl8pPr>
+            <a:lvl9pPr marL="3886200" indent="-228600" algn="l" defTabSz="914400" rtl="0" eaLnBrk="1" latinLnBrk="0" hangingPunct="1">
+              <a:lnSpc>
+                <a:spcPct val="90000"/>
+              </a:lnSpc>
+              <a:spcBef>
+                <a:spcPts val="500"/>
+              </a:spcBef>
+              <a:buFont typeface="Arial" panose="020B0604020202020204" pitchFamily="34" charset="0"/>
+              <a:buChar char="•"/>
+              <a:defRPr sz="1800" kern="1200">
+                <a:solidFill>
+                  <a:schemeClr val="tx1"/>
+                </a:solidFill>
+                <a:latin typeface="+mn-lt"/>
+                <a:ea typeface="+mn-ea"/>
+                <a:cs typeface="+mn-cs"/>
+              </a:defRPr>
+            </a:lvl9pPr>
+          </a:lstStyle>
+          <a:p>
+            <a:pPr>
+              <a:buFont typeface="Wingdings" panose="05000000000000000000" pitchFamily="2" charset="2"/>
+              <a:buChar char="Ø"/>
+            </a:pPr>
+            <a:r>
+              <a:rPr lang="zh-TW" altLang="en-US" sz="1600" dirty="0">
+                <a:solidFill>
+                  <a:schemeClr val="bg1"/>
+                </a:solidFill>
+              </a:rPr>
+              <a:t>在</a:t>
+            </a:r>
+            <a:r>
+              <a:rPr lang="en-US" altLang="zh-TW" sz="1600" dirty="0">
+                <a:solidFill>
+                  <a:schemeClr val="bg1"/>
+                </a:solidFill>
+              </a:rPr>
+              <a:t>master</a:t>
+            </a:r>
+            <a:r>
+              <a:rPr lang="zh-TW" altLang="en-US" sz="1600" dirty="0">
+                <a:solidFill>
+                  <a:schemeClr val="bg1"/>
+                </a:solidFill>
+              </a:rPr>
+              <a:t>分支進行提交</a:t>
+            </a:r>
+          </a:p>
+        </p:txBody>
+      </p:sp>
+      <p:sp>
+        <p:nvSpPr>
+          <p:cNvPr id="7" name="文字方塊 6">
+            <a:extLst>
+              <a:ext uri="{FF2B5EF4-FFF2-40B4-BE49-F238E27FC236}">
+                <a16:creationId xmlns:a16="http://schemas.microsoft.com/office/drawing/2014/main" id="{2C68AC79-9950-32C6-3458-68269D496452}"/>
+              </a:ext>
+            </a:extLst>
+          </p:cNvPr>
+          <p:cNvSpPr txBox="1"/>
+          <p:nvPr/>
+        </p:nvSpPr>
+        <p:spPr>
+          <a:xfrm>
+            <a:off x="1717953" y="3077649"/>
+            <a:ext cx="8636283" cy="461665"/>
+          </a:xfrm>
+          <a:prstGeom prst="rect">
+            <a:avLst/>
+          </a:prstGeom>
+          <a:noFill/>
+        </p:spPr>
+        <p:txBody>
+          <a:bodyPr wrap="square" rtlCol="0">
+            <a:spAutoFit/>
+          </a:bodyPr>
+          <a:lstStyle/>
+          <a:p>
+            <a:r>
+              <a:rPr lang="en-US" altLang="zh-TW" sz="1200" dirty="0">
+                <a:solidFill>
+                  <a:srgbClr val="00FF00"/>
+                </a:solidFill>
+                <a:latin typeface="Courier New" panose="02070309020205020404" pitchFamily="49" charset="0"/>
+                <a:cs typeface="Courier New" panose="02070309020205020404" pitchFamily="49" charset="0"/>
+              </a:rPr>
+              <a:t>daniel.hsu@DESKTOP-2C8EEA2 </a:t>
+            </a:r>
+            <a:r>
+              <a:rPr lang="en-US" altLang="zh-TW" sz="1200" dirty="0">
+                <a:solidFill>
+                  <a:srgbClr val="FF00FF"/>
+                </a:solidFill>
+                <a:latin typeface="Courier New" panose="02070309020205020404" pitchFamily="49" charset="0"/>
+                <a:cs typeface="Courier New" panose="02070309020205020404" pitchFamily="49" charset="0"/>
+              </a:rPr>
+              <a:t>MINGW64</a:t>
+            </a:r>
+            <a:r>
+              <a:rPr lang="en-US" altLang="zh-TW" sz="1200" dirty="0">
+                <a:solidFill>
+                  <a:srgbClr val="00FF00"/>
+                </a:solidFill>
+                <a:latin typeface="Courier New" panose="02070309020205020404" pitchFamily="49" charset="0"/>
+                <a:cs typeface="Courier New" panose="02070309020205020404" pitchFamily="49" charset="0"/>
+              </a:rPr>
+              <a:t> </a:t>
+            </a:r>
+            <a:r>
+              <a:rPr lang="en-US" altLang="zh-TW" sz="1200" dirty="0">
+                <a:solidFill>
+                  <a:srgbClr val="FFC000"/>
+                </a:solidFill>
+                <a:latin typeface="Courier New" panose="02070309020205020404" pitchFamily="49" charset="0"/>
+                <a:cs typeface="Courier New" panose="02070309020205020404" pitchFamily="49" charset="0"/>
+              </a:rPr>
+              <a:t>/d/CAI_Porject/TestFolder/LocalGit/RemoteGit </a:t>
+            </a:r>
+            <a:r>
+              <a:rPr lang="en-US" altLang="zh-TW" sz="1200" dirty="0">
+                <a:solidFill>
+                  <a:srgbClr val="33CCCC"/>
+                </a:solidFill>
+                <a:latin typeface="Courier New" panose="02070309020205020404" pitchFamily="49" charset="0"/>
+                <a:cs typeface="Courier New" panose="02070309020205020404" pitchFamily="49" charset="0"/>
+              </a:rPr>
+              <a:t>(master) </a:t>
+            </a:r>
+          </a:p>
+          <a:p>
+            <a:r>
+              <a:rPr lang="en-US" altLang="zh-TW" sz="1200" dirty="0">
+                <a:solidFill>
+                  <a:schemeClr val="bg1"/>
+                </a:solidFill>
+                <a:latin typeface="Courier New" panose="02070309020205020404" pitchFamily="49" charset="0"/>
+                <a:cs typeface="Courier New" panose="02070309020205020404" pitchFamily="49" charset="0"/>
+              </a:rPr>
+              <a:t>$</a:t>
+            </a:r>
+            <a:r>
+              <a:rPr lang="en-US" altLang="zh-TW" sz="1200" dirty="0">
+                <a:solidFill>
+                  <a:srgbClr val="00FF00"/>
+                </a:solidFill>
+                <a:latin typeface="Courier New" panose="02070309020205020404" pitchFamily="49" charset="0"/>
+                <a:cs typeface="Courier New" panose="02070309020205020404" pitchFamily="49" charset="0"/>
+              </a:rPr>
+              <a:t> git push d:/CAI_Porject/TestFolder/RemoteGit.git master</a:t>
+            </a:r>
+            <a:endParaRPr lang="en-US" altLang="zh-TW" sz="1200" dirty="0">
+              <a:solidFill>
+                <a:schemeClr val="bg1">
+                  <a:lumMod val="65000"/>
+                </a:schemeClr>
+              </a:solidFill>
+              <a:latin typeface="Courier New" panose="02070309020205020404" pitchFamily="49" charset="0"/>
+              <a:cs typeface="Courier New" panose="02070309020205020404" pitchFamily="49" charset="0"/>
+            </a:endParaRPr>
+          </a:p>
+        </p:txBody>
+      </p:sp>
+      <p:sp>
+        <p:nvSpPr>
+          <p:cNvPr id="9" name="文字方塊 8">
+            <a:extLst>
+              <a:ext uri="{FF2B5EF4-FFF2-40B4-BE49-F238E27FC236}">
+                <a16:creationId xmlns:a16="http://schemas.microsoft.com/office/drawing/2014/main" id="{7881D0A8-3A3C-3140-2665-A834132D7577}"/>
+              </a:ext>
+            </a:extLst>
+          </p:cNvPr>
+          <p:cNvSpPr txBox="1"/>
+          <p:nvPr/>
+        </p:nvSpPr>
+        <p:spPr>
+          <a:xfrm>
+            <a:off x="4863075" y="5996884"/>
+            <a:ext cx="4844933" cy="461665"/>
+          </a:xfrm>
+          <a:prstGeom prst="rect">
+            <a:avLst/>
+          </a:prstGeom>
+          <a:noFill/>
+        </p:spPr>
+        <p:txBody>
+          <a:bodyPr wrap="square" rtlCol="0">
+            <a:spAutoFit/>
+          </a:bodyPr>
+          <a:lstStyle/>
+          <a:p>
+            <a:pPr algn="ctr"/>
+            <a:r>
+              <a:rPr lang="zh-TW" altLang="en-US" sz="1200" dirty="0">
+                <a:solidFill>
+                  <a:schemeClr val="bg1"/>
+                </a:solidFill>
+                <a:latin typeface="Courier New" panose="02070309020205020404" pitchFamily="49" charset="0"/>
+                <a:cs typeface="Courier New" panose="02070309020205020404" pitchFamily="49" charset="0"/>
+              </a:rPr>
+              <a:t>開啟</a:t>
+            </a:r>
+            <a:r>
+              <a:rPr lang="en-US" altLang="zh-TW" sz="1200" dirty="0">
+                <a:solidFill>
+                  <a:schemeClr val="bg1"/>
+                </a:solidFill>
+                <a:latin typeface="Courier New" panose="02070309020205020404" pitchFamily="49" charset="0"/>
+                <a:cs typeface="Courier New" panose="02070309020205020404" pitchFamily="49" charset="0"/>
+              </a:rPr>
+              <a:t>file.txt</a:t>
+            </a:r>
+            <a:r>
+              <a:rPr lang="zh-TW" altLang="en-US" sz="1200" dirty="0">
+                <a:solidFill>
+                  <a:schemeClr val="bg1"/>
+                </a:solidFill>
+                <a:latin typeface="Courier New" panose="02070309020205020404" pitchFamily="49" charset="0"/>
+                <a:cs typeface="Courier New" panose="02070309020205020404" pitchFamily="49" charset="0"/>
+              </a:rPr>
+              <a:t>查看內容，是剛才所編寫的資料 </a:t>
+            </a:r>
+            <a:r>
+              <a:rPr lang="en-US" altLang="zh-TW" sz="1200" dirty="0">
+                <a:solidFill>
+                  <a:schemeClr val="bg1"/>
+                </a:solidFill>
+                <a:latin typeface="Courier New" panose="02070309020205020404" pitchFamily="49" charset="0"/>
+                <a:cs typeface="Courier New" panose="02070309020205020404" pitchFamily="49" charset="0"/>
+              </a:rPr>
+              <a:t>–</a:t>
+            </a:r>
+            <a:r>
+              <a:rPr lang="zh-TW" altLang="en-US" sz="1200" dirty="0">
+                <a:solidFill>
+                  <a:schemeClr val="bg1"/>
+                </a:solidFill>
+                <a:latin typeface="Courier New" panose="02070309020205020404" pitchFamily="49" charset="0"/>
+                <a:cs typeface="Courier New" panose="02070309020205020404" pitchFamily="49" charset="0"/>
+              </a:rPr>
+              <a:t> </a:t>
+            </a:r>
+            <a:endParaRPr lang="en-US" altLang="zh-TW" sz="1200" dirty="0">
+              <a:solidFill>
+                <a:schemeClr val="bg1"/>
+              </a:solidFill>
+              <a:latin typeface="Courier New" panose="02070309020205020404" pitchFamily="49" charset="0"/>
+              <a:cs typeface="Courier New" panose="02070309020205020404" pitchFamily="49" charset="0"/>
+            </a:endParaRPr>
+          </a:p>
+          <a:p>
+            <a:pPr algn="ctr"/>
+            <a:r>
+              <a:rPr lang="en-US" altLang="zh-TW" sz="1200" dirty="0">
+                <a:solidFill>
+                  <a:schemeClr val="bg1"/>
+                </a:solidFill>
+                <a:latin typeface="Courier New" panose="02070309020205020404" pitchFamily="49" charset="0"/>
+                <a:cs typeface="Courier New" panose="02070309020205020404" pitchFamily="49" charset="0"/>
+              </a:rPr>
+              <a:t>This file is ‘MASTER’ branch test data file</a:t>
+            </a:r>
+            <a:r>
+              <a:rPr lang="zh-TW" altLang="en-US" sz="1200" dirty="0">
+                <a:solidFill>
+                  <a:schemeClr val="bg1"/>
+                </a:solidFill>
+                <a:latin typeface="Courier New" panose="02070309020205020404" pitchFamily="49" charset="0"/>
+                <a:cs typeface="Courier New" panose="02070309020205020404" pitchFamily="49" charset="0"/>
+              </a:rPr>
+              <a:t>。</a:t>
+            </a:r>
+            <a:endParaRPr lang="en-US" altLang="zh-TW" sz="1200" dirty="0">
+              <a:solidFill>
+                <a:schemeClr val="bg1">
+                  <a:lumMod val="65000"/>
+                </a:schemeClr>
+              </a:solidFill>
+              <a:latin typeface="Courier New" panose="02070309020205020404" pitchFamily="49" charset="0"/>
+              <a:cs typeface="Courier New" panose="02070309020205020404" pitchFamily="49" charset="0"/>
+            </a:endParaRPr>
+          </a:p>
+        </p:txBody>
+      </p:sp>
+      <p:pic>
+        <p:nvPicPr>
+          <p:cNvPr id="8" name="圖片 7">
+            <a:extLst>
+              <a:ext uri="{FF2B5EF4-FFF2-40B4-BE49-F238E27FC236}">
+                <a16:creationId xmlns:a16="http://schemas.microsoft.com/office/drawing/2014/main" id="{FB7B1144-F9F9-7134-3421-73DB37D75BCF}"/>
+              </a:ext>
+            </a:extLst>
+          </p:cNvPr>
+          <p:cNvPicPr>
+            <a:picLocks noChangeAspect="1"/>
+          </p:cNvPicPr>
+          <p:nvPr/>
+        </p:nvPicPr>
+        <p:blipFill>
+          <a:blip r:embed="rId2"/>
+          <a:stretch>
+            <a:fillRect/>
+          </a:stretch>
+        </p:blipFill>
+        <p:spPr>
+          <a:xfrm>
+            <a:off x="2123773" y="3675044"/>
+            <a:ext cx="7676010" cy="1772604"/>
+          </a:xfrm>
+          <a:prstGeom prst="rect">
+            <a:avLst/>
+          </a:prstGeom>
+        </p:spPr>
+      </p:pic>
+      <p:pic>
+        <p:nvPicPr>
+          <p:cNvPr id="12" name="圖片 11">
+            <a:extLst>
+              <a:ext uri="{FF2B5EF4-FFF2-40B4-BE49-F238E27FC236}">
+                <a16:creationId xmlns:a16="http://schemas.microsoft.com/office/drawing/2014/main" id="{4BBCF246-BB1E-8470-5CEC-BB4FEB2E6CB9}"/>
+              </a:ext>
+            </a:extLst>
+          </p:cNvPr>
+          <p:cNvPicPr>
+            <a:picLocks noChangeAspect="1"/>
+          </p:cNvPicPr>
+          <p:nvPr/>
+        </p:nvPicPr>
+        <p:blipFill>
+          <a:blip r:embed="rId3"/>
+          <a:stretch>
+            <a:fillRect/>
+          </a:stretch>
+        </p:blipFill>
+        <p:spPr>
+          <a:xfrm>
+            <a:off x="2123773" y="5583378"/>
+            <a:ext cx="2423102" cy="1048594"/>
+          </a:xfrm>
+          <a:prstGeom prst="rect">
+            <a:avLst/>
+          </a:prstGeom>
+        </p:spPr>
+      </p:pic>
+    </p:spTree>
+    <p:extLst>
+      <p:ext uri="{BB962C8B-B14F-4D97-AF65-F5344CB8AC3E}">
+        <p14:creationId xmlns:p14="http://schemas.microsoft.com/office/powerpoint/2010/main" val="50419919"/>
+      </p:ext>
+    </p:extLst>
+  </p:cSld>
+  <p:clrMapOvr>
+    <a:masterClrMapping/>
+  </p:clrMapOvr>
+</p:sld>
+</file>
+
+<file path=ppt/slides/slide19.xml><?xml version="1.0" encoding="utf-8"?>
+<p:sld xmlns:a="http://schemas.openxmlformats.org/drawingml/2006/main" xmlns:r="http://schemas.openxmlformats.org/officeDocument/2006/relationships" xmlns:p="http://schemas.openxmlformats.org/presentationml/2006/main">
+  <p:cSld>
+    <p:bg>
+      <p:bgPr>
+        <a:solidFill>
+          <a:schemeClr val="tx1">
+            <a:lumMod val="75000"/>
+            <a:lumOff val="25000"/>
+          </a:schemeClr>
+        </a:solidFill>
+        <a:effectLst/>
+      </p:bgPr>
+    </p:bg>
+    <p:spTree>
+      <p:nvGrpSpPr>
+        <p:cNvPr id="1" name="">
+          <a:extLst>
+            <a:ext uri="{FF2B5EF4-FFF2-40B4-BE49-F238E27FC236}">
+              <a16:creationId xmlns:a16="http://schemas.microsoft.com/office/drawing/2014/main" id="{C51EB439-9001-0FE9-ED54-DFB66F92A559}"/>
+            </a:ext>
+          </a:extLst>
+        </p:cNvPr>
+        <p:cNvGrpSpPr/>
+        <p:nvPr/>
+      </p:nvGrpSpPr>
+      <p:grpSpPr>
+        <a:xfrm>
+          <a:off x="0" y="0"/>
+          <a:ext cx="0" cy="0"/>
+          <a:chOff x="0" y="0"/>
+          <a:chExt cx="0" cy="0"/>
+        </a:xfrm>
+      </p:grpSpPr>
+      <p:sp>
+        <p:nvSpPr>
+          <p:cNvPr id="2" name="標題 1">
+            <a:extLst>
+              <a:ext uri="{FF2B5EF4-FFF2-40B4-BE49-F238E27FC236}">
+                <a16:creationId xmlns:a16="http://schemas.microsoft.com/office/drawing/2014/main" id="{9D61BD07-0145-0271-85F4-8BB1F15A80D2}"/>
+              </a:ext>
+            </a:extLst>
+          </p:cNvPr>
+          <p:cNvSpPr>
+            <a:spLocks noGrp="1"/>
+          </p:cNvSpPr>
+          <p:nvPr>
+            <p:ph type="title"/>
+          </p:nvPr>
+        </p:nvSpPr>
+        <p:spPr>
+          <a:xfrm>
+            <a:off x="640079" y="1102718"/>
+            <a:ext cx="10890929" cy="662474"/>
+          </a:xfrm>
+        </p:spPr>
+        <p:txBody>
+          <a:bodyPr anchor="ctr" anchorCtr="0">
+            <a:normAutofit/>
+          </a:bodyPr>
+          <a:lstStyle/>
+          <a:p>
+            <a:r>
+              <a:rPr lang="en-US" altLang="zh-TW" sz="3200" dirty="0">
+                <a:solidFill>
+                  <a:srgbClr val="FFC000"/>
+                </a:solidFill>
+              </a:rPr>
+              <a:t>Git Bash – Command Line</a:t>
+            </a:r>
+            <a:endParaRPr lang="zh-TW" altLang="en-US" sz="3200" dirty="0">
+              <a:solidFill>
+                <a:srgbClr val="FFC000"/>
+              </a:solidFill>
+            </a:endParaRPr>
+          </a:p>
+        </p:txBody>
+      </p:sp>
+      <p:sp>
+        <p:nvSpPr>
+          <p:cNvPr id="3" name="內容版面配置區 2">
+            <a:extLst>
+              <a:ext uri="{FF2B5EF4-FFF2-40B4-BE49-F238E27FC236}">
+                <a16:creationId xmlns:a16="http://schemas.microsoft.com/office/drawing/2014/main" id="{EED2BE2A-3EC0-F39C-DD22-1666900D8F64}"/>
+              </a:ext>
+            </a:extLst>
+          </p:cNvPr>
+          <p:cNvSpPr>
+            <a:spLocks noGrp="1"/>
+          </p:cNvSpPr>
+          <p:nvPr>
+            <p:ph idx="1"/>
+          </p:nvPr>
+        </p:nvSpPr>
+        <p:spPr>
+          <a:xfrm>
+            <a:off x="797097" y="1765192"/>
+            <a:ext cx="5496127" cy="547027"/>
+          </a:xfrm>
+        </p:spPr>
+        <p:txBody>
+          <a:bodyPr anchor="ctr" anchorCtr="0">
+            <a:noAutofit/>
+          </a:bodyPr>
+          <a:lstStyle/>
+          <a:p>
+            <a:pPr>
+              <a:buFont typeface="Wingdings" panose="05000000000000000000" pitchFamily="2" charset="2"/>
+              <a:buChar char="l"/>
+            </a:pPr>
+            <a:r>
+              <a:rPr lang="zh-TW" altLang="en-US" dirty="0">
+                <a:solidFill>
+                  <a:srgbClr val="00B0F0"/>
+                </a:solidFill>
+              </a:rPr>
+              <a:t> </a:t>
+            </a:r>
+            <a:r>
+              <a:rPr lang="en-US" altLang="zh-TW" dirty="0">
+                <a:solidFill>
+                  <a:srgbClr val="00B0F0"/>
+                </a:solidFill>
+              </a:rPr>
+              <a:t>Git Branch –</a:t>
+            </a:r>
+            <a:r>
+              <a:rPr lang="zh-TW" altLang="en-US" dirty="0">
+                <a:solidFill>
+                  <a:srgbClr val="00B0F0"/>
+                </a:solidFill>
+              </a:rPr>
+              <a:t>各個分支的推送與拉取</a:t>
+            </a:r>
+          </a:p>
+        </p:txBody>
+      </p:sp>
+      <p:sp>
+        <p:nvSpPr>
+          <p:cNvPr id="4" name="文字方塊 3">
+            <a:extLst>
+              <a:ext uri="{FF2B5EF4-FFF2-40B4-BE49-F238E27FC236}">
+                <a16:creationId xmlns:a16="http://schemas.microsoft.com/office/drawing/2014/main" id="{3876F783-AB5E-0697-8A4A-C73748A23996}"/>
+              </a:ext>
+            </a:extLst>
+          </p:cNvPr>
+          <p:cNvSpPr txBox="1"/>
+          <p:nvPr/>
+        </p:nvSpPr>
+        <p:spPr>
+          <a:xfrm>
+            <a:off x="1717953" y="2625876"/>
+            <a:ext cx="10002992" cy="387927"/>
+          </a:xfrm>
+          <a:prstGeom prst="rect">
+            <a:avLst/>
+          </a:prstGeom>
+          <a:noFill/>
+        </p:spPr>
+        <p:txBody>
+          <a:bodyPr wrap="square" rtlCol="0">
+            <a:spAutoFit/>
+          </a:bodyPr>
+          <a:lstStyle/>
+          <a:p>
+            <a:pPr>
+              <a:lnSpc>
+                <a:spcPct val="150000"/>
+              </a:lnSpc>
+            </a:pPr>
+            <a:r>
+              <a:rPr lang="zh-TW" altLang="en-US" sz="1400" dirty="0">
+                <a:solidFill>
+                  <a:schemeClr val="bg1"/>
+                </a:solidFill>
+                <a:latin typeface="Courier New" panose="02070309020205020404" pitchFamily="49" charset="0"/>
+                <a:cs typeface="Courier New" panose="02070309020205020404" pitchFamily="49" charset="0"/>
+              </a:rPr>
+              <a:t>切換到</a:t>
+            </a:r>
+            <a:r>
+              <a:rPr lang="en-US" altLang="zh-TW" sz="1400" dirty="0">
+                <a:solidFill>
+                  <a:schemeClr val="bg1"/>
+                </a:solidFill>
+                <a:latin typeface="Courier New" panose="02070309020205020404" pitchFamily="49" charset="0"/>
+                <a:cs typeface="Courier New" panose="02070309020205020404" pitchFamily="49" charset="0"/>
+              </a:rPr>
+              <a:t>second</a:t>
+            </a:r>
+            <a:r>
+              <a:rPr lang="zh-TW" altLang="en-US" sz="1400" dirty="0">
+                <a:solidFill>
+                  <a:schemeClr val="bg1"/>
+                </a:solidFill>
+                <a:latin typeface="Courier New" panose="02070309020205020404" pitchFamily="49" charset="0"/>
+                <a:cs typeface="Courier New" panose="02070309020205020404" pitchFamily="49" charset="0"/>
+              </a:rPr>
+              <a:t>分支，然後將遠端</a:t>
+            </a:r>
+            <a:r>
+              <a:rPr lang="en-US" altLang="zh-TW" sz="1400" dirty="0">
+                <a:solidFill>
+                  <a:schemeClr val="bg1"/>
+                </a:solidFill>
+                <a:latin typeface="Courier New" panose="02070309020205020404" pitchFamily="49" charset="0"/>
+                <a:cs typeface="Courier New" panose="02070309020205020404" pitchFamily="49" charset="0"/>
+              </a:rPr>
+              <a:t>Git</a:t>
+            </a:r>
+            <a:r>
+              <a:rPr lang="zh-TW" altLang="en-US" sz="1400" dirty="0">
+                <a:solidFill>
+                  <a:schemeClr val="bg1"/>
+                </a:solidFill>
+                <a:latin typeface="Courier New" panose="02070309020205020404" pitchFamily="49" charset="0"/>
+                <a:cs typeface="Courier New" panose="02070309020205020404" pitchFamily="49" charset="0"/>
+              </a:rPr>
+              <a:t>的儲存庫</a:t>
+            </a:r>
+            <a:r>
+              <a:rPr lang="en-US" altLang="zh-TW" sz="1400" dirty="0">
+                <a:solidFill>
+                  <a:schemeClr val="bg1"/>
+                </a:solidFill>
+                <a:latin typeface="Courier New" panose="02070309020205020404" pitchFamily="49" charset="0"/>
+                <a:cs typeface="Courier New" panose="02070309020205020404" pitchFamily="49" charset="0"/>
+              </a:rPr>
+              <a:t>Pull(</a:t>
+            </a:r>
+            <a:r>
+              <a:rPr lang="zh-TW" altLang="en-US" sz="1400" dirty="0">
+                <a:solidFill>
+                  <a:schemeClr val="bg1"/>
+                </a:solidFill>
+                <a:latin typeface="Courier New" panose="02070309020205020404" pitchFamily="49" charset="0"/>
+                <a:cs typeface="Courier New" panose="02070309020205020404" pitchFamily="49" charset="0"/>
+              </a:rPr>
+              <a:t>拉取</a:t>
+            </a:r>
+            <a:r>
+              <a:rPr lang="en-US" altLang="zh-TW" sz="1400" dirty="0">
+                <a:solidFill>
+                  <a:schemeClr val="bg1"/>
+                </a:solidFill>
+                <a:latin typeface="Courier New" panose="02070309020205020404" pitchFamily="49" charset="0"/>
+                <a:cs typeface="Courier New" panose="02070309020205020404" pitchFamily="49" charset="0"/>
+              </a:rPr>
+              <a:t>)</a:t>
+            </a:r>
+            <a:r>
+              <a:rPr lang="zh-TW" altLang="en-US" sz="1400" dirty="0">
+                <a:solidFill>
+                  <a:schemeClr val="bg1"/>
+                </a:solidFill>
+                <a:latin typeface="Courier New" panose="02070309020205020404" pitchFamily="49" charset="0"/>
+                <a:cs typeface="Courier New" panose="02070309020205020404" pitchFamily="49" charset="0"/>
+              </a:rPr>
+              <a:t>下來，所拉取的內容就是剛才從</a:t>
+            </a:r>
+            <a:r>
+              <a:rPr lang="en-US" altLang="zh-TW" sz="1400" dirty="0">
+                <a:solidFill>
+                  <a:schemeClr val="bg1"/>
+                </a:solidFill>
+                <a:latin typeface="Courier New" panose="02070309020205020404" pitchFamily="49" charset="0"/>
+                <a:cs typeface="Courier New" panose="02070309020205020404" pitchFamily="49" charset="0"/>
+              </a:rPr>
+              <a:t>master</a:t>
+            </a:r>
+            <a:r>
+              <a:rPr lang="zh-TW" altLang="en-US" sz="1400" dirty="0">
+                <a:solidFill>
+                  <a:schemeClr val="bg1"/>
+                </a:solidFill>
+                <a:latin typeface="Courier New" panose="02070309020205020404" pitchFamily="49" charset="0"/>
+                <a:cs typeface="Courier New" panose="02070309020205020404" pitchFamily="49" charset="0"/>
+              </a:rPr>
+              <a:t>分支所推送的內容。</a:t>
+            </a:r>
+            <a:endParaRPr lang="zh-TW" altLang="en-US" sz="1400" dirty="0">
+              <a:solidFill>
+                <a:srgbClr val="00FF00"/>
+              </a:solidFill>
+              <a:latin typeface="Courier New" panose="02070309020205020404" pitchFamily="49" charset="0"/>
+              <a:cs typeface="Courier New" panose="02070309020205020404" pitchFamily="49" charset="0"/>
+            </a:endParaRPr>
+          </a:p>
+        </p:txBody>
+      </p:sp>
+      <p:sp>
+        <p:nvSpPr>
+          <p:cNvPr id="5" name="內容版面配置區 2">
+            <a:extLst>
+              <a:ext uri="{FF2B5EF4-FFF2-40B4-BE49-F238E27FC236}">
+                <a16:creationId xmlns:a16="http://schemas.microsoft.com/office/drawing/2014/main" id="{206CEE4C-FB4A-6701-0190-A70ECB7132C9}"/>
+              </a:ext>
+            </a:extLst>
+          </p:cNvPr>
+          <p:cNvSpPr txBox="1">
+            <a:spLocks/>
+          </p:cNvSpPr>
+          <p:nvPr/>
+        </p:nvSpPr>
+        <p:spPr>
+          <a:xfrm>
+            <a:off x="1340358" y="2289256"/>
+            <a:ext cx="2797533" cy="442048"/>
+          </a:xfrm>
+          <a:prstGeom prst="rect">
+            <a:avLst/>
+          </a:prstGeom>
+        </p:spPr>
+        <p:txBody>
+          <a:bodyPr vert="horz" lIns="91440" tIns="45720" rIns="91440" bIns="45720" rtlCol="0" anchor="ctr" anchorCtr="0">
+            <a:normAutofit/>
+          </a:bodyPr>
+          <a:lstStyle>
+            <a:lvl1pPr marL="228600" indent="-228600" algn="l" defTabSz="914400" rtl="0" eaLnBrk="1" latinLnBrk="0" hangingPunct="1">
+              <a:lnSpc>
+                <a:spcPct val="120000"/>
+              </a:lnSpc>
+              <a:spcBef>
+                <a:spcPts val="1000"/>
+              </a:spcBef>
+              <a:buSzPct val="87000"/>
+              <a:buFont typeface="Arial" panose="020B0604020202020204" pitchFamily="34" charset="0"/>
+              <a:buChar char="•"/>
+              <a:defRPr sz="2000" kern="1200">
+                <a:solidFill>
+                  <a:schemeClr val="tx1"/>
+                </a:solidFill>
+                <a:latin typeface="+mn-lt"/>
+                <a:ea typeface="+mn-ea"/>
+                <a:cs typeface="+mn-cs"/>
+              </a:defRPr>
+            </a:lvl1pPr>
+            <a:lvl2pPr marL="493776" indent="-228600" algn="l" defTabSz="914400" rtl="0" eaLnBrk="1" latinLnBrk="0" hangingPunct="1">
+              <a:lnSpc>
+                <a:spcPct val="120000"/>
+              </a:lnSpc>
+              <a:spcBef>
+                <a:spcPts val="500"/>
+              </a:spcBef>
+              <a:buSzPct val="87000"/>
+              <a:buFont typeface="Arial" panose="020B0604020202020204" pitchFamily="34" charset="0"/>
+              <a:buChar char="•"/>
+              <a:defRPr sz="1800" kern="1200">
+                <a:solidFill>
+                  <a:schemeClr val="tx1"/>
+                </a:solidFill>
+                <a:latin typeface="+mn-lt"/>
+                <a:ea typeface="+mn-ea"/>
+                <a:cs typeface="+mn-cs"/>
+              </a:defRPr>
+            </a:lvl2pPr>
+            <a:lvl3pPr marL="731520" indent="-228600" algn="l" defTabSz="914400" rtl="0" eaLnBrk="1" latinLnBrk="0" hangingPunct="1">
+              <a:lnSpc>
+                <a:spcPct val="120000"/>
+              </a:lnSpc>
+              <a:spcBef>
+                <a:spcPts val="500"/>
+              </a:spcBef>
+              <a:buSzPct val="87000"/>
+              <a:buFont typeface="Arial" panose="020B0604020202020204" pitchFamily="34" charset="0"/>
+              <a:buChar char="•"/>
+              <a:defRPr sz="1600" kern="1200">
+                <a:solidFill>
+                  <a:schemeClr val="tx1"/>
+                </a:solidFill>
+                <a:latin typeface="+mn-lt"/>
+                <a:ea typeface="+mn-ea"/>
+                <a:cs typeface="+mn-cs"/>
+              </a:defRPr>
+            </a:lvl3pPr>
+            <a:lvl4pPr marL="1051560" indent="-285750" algn="l" defTabSz="914400" rtl="0" eaLnBrk="1" latinLnBrk="0" hangingPunct="1">
+              <a:lnSpc>
+                <a:spcPct val="120000"/>
+              </a:lnSpc>
+              <a:spcBef>
+                <a:spcPts val="500"/>
+              </a:spcBef>
+              <a:buSzPct val="87000"/>
+              <a:buFont typeface="Arial" panose="020B0604020202020204" pitchFamily="34" charset="0"/>
+              <a:buChar char="•"/>
+              <a:defRPr sz="1400" kern="1200">
+                <a:solidFill>
+                  <a:schemeClr val="tx1"/>
+                </a:solidFill>
+                <a:latin typeface="+mn-lt"/>
+                <a:ea typeface="+mn-ea"/>
+                <a:cs typeface="+mn-cs"/>
+              </a:defRPr>
+            </a:lvl4pPr>
+            <a:lvl5pPr marL="1298448" indent="-228600" algn="l" defTabSz="914400" rtl="0" eaLnBrk="1" latinLnBrk="0" hangingPunct="1">
+              <a:lnSpc>
+                <a:spcPct val="120000"/>
+              </a:lnSpc>
+              <a:spcBef>
+                <a:spcPts val="500"/>
+              </a:spcBef>
+              <a:buSzPct val="87000"/>
+              <a:buFont typeface="Arial" panose="020B0604020202020204" pitchFamily="34" charset="0"/>
+              <a:buChar char="•"/>
+              <a:defRPr sz="1400" kern="1200">
+                <a:solidFill>
+                  <a:schemeClr val="tx1"/>
+                </a:solidFill>
+                <a:latin typeface="+mn-lt"/>
+                <a:ea typeface="+mn-ea"/>
+                <a:cs typeface="+mn-cs"/>
+              </a:defRPr>
+            </a:lvl5pPr>
+            <a:lvl6pPr marL="2514600" indent="-228600" algn="l" defTabSz="914400" rtl="0" eaLnBrk="1" latinLnBrk="0" hangingPunct="1">
+              <a:lnSpc>
+                <a:spcPct val="90000"/>
+              </a:lnSpc>
+              <a:spcBef>
+                <a:spcPts val="500"/>
+              </a:spcBef>
+              <a:buFont typeface="Arial" panose="020B0604020202020204" pitchFamily="34" charset="0"/>
+              <a:buChar char="•"/>
+              <a:defRPr sz="1800" kern="1200">
+                <a:solidFill>
+                  <a:schemeClr val="tx1"/>
+                </a:solidFill>
+                <a:latin typeface="+mn-lt"/>
+                <a:ea typeface="+mn-ea"/>
+                <a:cs typeface="+mn-cs"/>
+              </a:defRPr>
+            </a:lvl6pPr>
+            <a:lvl7pPr marL="2971800" indent="-228600" algn="l" defTabSz="914400" rtl="0" eaLnBrk="1" latinLnBrk="0" hangingPunct="1">
+              <a:lnSpc>
+                <a:spcPct val="90000"/>
+              </a:lnSpc>
+              <a:spcBef>
+                <a:spcPts val="500"/>
+              </a:spcBef>
+              <a:buFont typeface="Arial" panose="020B0604020202020204" pitchFamily="34" charset="0"/>
+              <a:buChar char="•"/>
+              <a:defRPr sz="1800" kern="1200">
+                <a:solidFill>
+                  <a:schemeClr val="tx1"/>
+                </a:solidFill>
+                <a:latin typeface="+mn-lt"/>
+                <a:ea typeface="+mn-ea"/>
+                <a:cs typeface="+mn-cs"/>
+              </a:defRPr>
+            </a:lvl7pPr>
+            <a:lvl8pPr marL="3429000" indent="-228600" algn="l" defTabSz="914400" rtl="0" eaLnBrk="1" latinLnBrk="0" hangingPunct="1">
+              <a:lnSpc>
+                <a:spcPct val="90000"/>
+              </a:lnSpc>
+              <a:spcBef>
+                <a:spcPts val="500"/>
+              </a:spcBef>
+              <a:buFont typeface="Arial" panose="020B0604020202020204" pitchFamily="34" charset="0"/>
+              <a:buChar char="•"/>
+              <a:defRPr sz="1800" kern="1200">
+                <a:solidFill>
+                  <a:schemeClr val="tx1"/>
+                </a:solidFill>
+                <a:latin typeface="+mn-lt"/>
+                <a:ea typeface="+mn-ea"/>
+                <a:cs typeface="+mn-cs"/>
+              </a:defRPr>
+            </a:lvl8pPr>
+            <a:lvl9pPr marL="3886200" indent="-228600" algn="l" defTabSz="914400" rtl="0" eaLnBrk="1" latinLnBrk="0" hangingPunct="1">
+              <a:lnSpc>
+                <a:spcPct val="90000"/>
+              </a:lnSpc>
+              <a:spcBef>
+                <a:spcPts val="500"/>
+              </a:spcBef>
+              <a:buFont typeface="Arial" panose="020B0604020202020204" pitchFamily="34" charset="0"/>
+              <a:buChar char="•"/>
+              <a:defRPr sz="1800" kern="1200">
+                <a:solidFill>
+                  <a:schemeClr val="tx1"/>
+                </a:solidFill>
+                <a:latin typeface="+mn-lt"/>
+                <a:ea typeface="+mn-ea"/>
+                <a:cs typeface="+mn-cs"/>
+              </a:defRPr>
+            </a:lvl9pPr>
+          </a:lstStyle>
+          <a:p>
+            <a:pPr>
+              <a:buFont typeface="Wingdings" panose="05000000000000000000" pitchFamily="2" charset="2"/>
+              <a:buChar char="Ø"/>
+            </a:pPr>
+            <a:r>
+              <a:rPr lang="zh-TW" altLang="en-US" sz="1600" dirty="0">
+                <a:solidFill>
+                  <a:schemeClr val="bg1"/>
+                </a:solidFill>
+              </a:rPr>
+              <a:t>在</a:t>
+            </a:r>
+            <a:r>
+              <a:rPr lang="en-US" altLang="zh-TW" sz="1600" dirty="0">
+                <a:solidFill>
+                  <a:schemeClr val="bg1"/>
+                </a:solidFill>
+              </a:rPr>
+              <a:t>second</a:t>
+            </a:r>
+            <a:r>
+              <a:rPr lang="zh-TW" altLang="en-US" sz="1600" dirty="0">
+                <a:solidFill>
+                  <a:schemeClr val="bg1"/>
+                </a:solidFill>
+              </a:rPr>
+              <a:t>分支進行提交</a:t>
+            </a:r>
+          </a:p>
+        </p:txBody>
+      </p:sp>
+      <p:sp>
+        <p:nvSpPr>
+          <p:cNvPr id="7" name="文字方塊 6">
+            <a:extLst>
+              <a:ext uri="{FF2B5EF4-FFF2-40B4-BE49-F238E27FC236}">
+                <a16:creationId xmlns:a16="http://schemas.microsoft.com/office/drawing/2014/main" id="{0B39F5A2-21A8-2154-854A-4A8F123F0C7A}"/>
+              </a:ext>
+            </a:extLst>
+          </p:cNvPr>
+          <p:cNvSpPr txBox="1"/>
+          <p:nvPr/>
+        </p:nvSpPr>
+        <p:spPr>
+          <a:xfrm>
+            <a:off x="1717953" y="3077649"/>
+            <a:ext cx="10206192" cy="461665"/>
+          </a:xfrm>
+          <a:prstGeom prst="rect">
+            <a:avLst/>
+          </a:prstGeom>
+          <a:noFill/>
+        </p:spPr>
+        <p:txBody>
+          <a:bodyPr wrap="square" rtlCol="0">
+            <a:spAutoFit/>
+          </a:bodyPr>
+          <a:lstStyle/>
+          <a:p>
+            <a:r>
+              <a:rPr lang="en-US" altLang="zh-TW" sz="1200" dirty="0">
+                <a:solidFill>
+                  <a:srgbClr val="00FF00"/>
+                </a:solidFill>
+                <a:latin typeface="Courier New" panose="02070309020205020404" pitchFamily="49" charset="0"/>
+                <a:cs typeface="Courier New" panose="02070309020205020404" pitchFamily="49" charset="0"/>
+              </a:rPr>
+              <a:t>daniel.hsu@DESKTOP-2C8EEA2 </a:t>
+            </a:r>
+            <a:r>
+              <a:rPr lang="en-US" altLang="zh-TW" sz="1200" dirty="0">
+                <a:solidFill>
+                  <a:srgbClr val="FF00FF"/>
+                </a:solidFill>
+                <a:latin typeface="Courier New" panose="02070309020205020404" pitchFamily="49" charset="0"/>
+                <a:cs typeface="Courier New" panose="02070309020205020404" pitchFamily="49" charset="0"/>
+              </a:rPr>
+              <a:t>MINGW64</a:t>
+            </a:r>
+            <a:r>
+              <a:rPr lang="en-US" altLang="zh-TW" sz="1200" dirty="0">
+                <a:solidFill>
+                  <a:srgbClr val="00FF00"/>
+                </a:solidFill>
+                <a:latin typeface="Courier New" panose="02070309020205020404" pitchFamily="49" charset="0"/>
+                <a:cs typeface="Courier New" panose="02070309020205020404" pitchFamily="49" charset="0"/>
+              </a:rPr>
+              <a:t> </a:t>
+            </a:r>
+            <a:r>
+              <a:rPr lang="en-US" altLang="zh-TW" sz="1200" dirty="0">
+                <a:solidFill>
+                  <a:srgbClr val="FFC000"/>
+                </a:solidFill>
+                <a:latin typeface="Courier New" panose="02070309020205020404" pitchFamily="49" charset="0"/>
+                <a:cs typeface="Courier New" panose="02070309020205020404" pitchFamily="49" charset="0"/>
+              </a:rPr>
+              <a:t>/d/CAI_Porject/TestFolder/LocalGit/RemoteGit </a:t>
+            </a:r>
+            <a:r>
+              <a:rPr lang="en-US" altLang="zh-TW" sz="1200" dirty="0">
+                <a:solidFill>
+                  <a:srgbClr val="33CCCC"/>
+                </a:solidFill>
+                <a:latin typeface="Courier New" panose="02070309020205020404" pitchFamily="49" charset="0"/>
+                <a:cs typeface="Courier New" panose="02070309020205020404" pitchFamily="49" charset="0"/>
+              </a:rPr>
+              <a:t>(second) </a:t>
+            </a:r>
+          </a:p>
+          <a:p>
+            <a:r>
+              <a:rPr lang="en-US" altLang="zh-TW" sz="1200" dirty="0">
+                <a:solidFill>
+                  <a:schemeClr val="bg1"/>
+                </a:solidFill>
+                <a:latin typeface="Courier New" panose="02070309020205020404" pitchFamily="49" charset="0"/>
+                <a:cs typeface="Courier New" panose="02070309020205020404" pitchFamily="49" charset="0"/>
+              </a:rPr>
+              <a:t>$</a:t>
+            </a:r>
+            <a:r>
+              <a:rPr lang="en-US" altLang="zh-TW" sz="1200" dirty="0">
+                <a:solidFill>
+                  <a:srgbClr val="00FF00"/>
+                </a:solidFill>
+                <a:latin typeface="Courier New" panose="02070309020205020404" pitchFamily="49" charset="0"/>
+                <a:cs typeface="Courier New" panose="02070309020205020404" pitchFamily="49" charset="0"/>
+              </a:rPr>
+              <a:t> git pull d:/CAI_Porject/TestFolder/RemoteGit.git master:second </a:t>
+            </a:r>
+            <a:r>
+              <a:rPr lang="en-US" altLang="zh-TW" sz="1200" dirty="0">
+                <a:solidFill>
+                  <a:schemeClr val="bg1">
+                    <a:lumMod val="75000"/>
+                  </a:schemeClr>
+                </a:solidFill>
+                <a:latin typeface="Courier New" panose="02070309020205020404" pitchFamily="49" charset="0"/>
+                <a:cs typeface="Courier New" panose="02070309020205020404" pitchFamily="49" charset="0"/>
+              </a:rPr>
+              <a:t>#</a:t>
+            </a:r>
+            <a:r>
+              <a:rPr lang="zh-TW" altLang="en-US" sz="1200" dirty="0">
+                <a:solidFill>
+                  <a:schemeClr val="bg1">
+                    <a:lumMod val="75000"/>
+                  </a:schemeClr>
+                </a:solidFill>
+                <a:latin typeface="Courier New" panose="02070309020205020404" pitchFamily="49" charset="0"/>
+                <a:cs typeface="Courier New" panose="02070309020205020404" pitchFamily="49" charset="0"/>
+              </a:rPr>
+              <a:t>表示從遠端</a:t>
+            </a:r>
+            <a:r>
+              <a:rPr lang="en-US" altLang="zh-TW" sz="1200" dirty="0">
+                <a:solidFill>
+                  <a:schemeClr val="bg1">
+                    <a:lumMod val="75000"/>
+                  </a:schemeClr>
+                </a:solidFill>
+                <a:latin typeface="Courier New" panose="02070309020205020404" pitchFamily="49" charset="0"/>
+                <a:cs typeface="Courier New" panose="02070309020205020404" pitchFamily="49" charset="0"/>
+              </a:rPr>
+              <a:t>master</a:t>
+            </a:r>
+            <a:r>
+              <a:rPr lang="zh-TW" altLang="en-US" sz="1200" dirty="0">
+                <a:solidFill>
+                  <a:schemeClr val="bg1">
+                    <a:lumMod val="75000"/>
+                  </a:schemeClr>
+                </a:solidFill>
+                <a:latin typeface="Courier New" panose="02070309020205020404" pitchFamily="49" charset="0"/>
+                <a:cs typeface="Courier New" panose="02070309020205020404" pitchFamily="49" charset="0"/>
+              </a:rPr>
+              <a:t>分支拉取到本地端的新分支</a:t>
+            </a:r>
+            <a:r>
+              <a:rPr lang="en-US" altLang="zh-TW" sz="1200" dirty="0">
+                <a:solidFill>
+                  <a:schemeClr val="bg1">
+                    <a:lumMod val="75000"/>
+                  </a:schemeClr>
+                </a:solidFill>
+                <a:latin typeface="Courier New" panose="02070309020205020404" pitchFamily="49" charset="0"/>
+                <a:cs typeface="Courier New" panose="02070309020205020404" pitchFamily="49" charset="0"/>
+              </a:rPr>
+              <a:t>'second'</a:t>
+            </a:r>
+          </a:p>
+        </p:txBody>
+      </p:sp>
+      <p:sp>
+        <p:nvSpPr>
+          <p:cNvPr id="6" name="文字方塊 5">
+            <a:extLst>
+              <a:ext uri="{FF2B5EF4-FFF2-40B4-BE49-F238E27FC236}">
+                <a16:creationId xmlns:a16="http://schemas.microsoft.com/office/drawing/2014/main" id="{4C5E83A8-0126-AED5-5435-7807A2E44FF8}"/>
+              </a:ext>
+            </a:extLst>
+          </p:cNvPr>
+          <p:cNvSpPr txBox="1"/>
+          <p:nvPr/>
+        </p:nvSpPr>
+        <p:spPr>
+          <a:xfrm>
+            <a:off x="1717953" y="3723980"/>
+            <a:ext cx="10002992" cy="711733"/>
+          </a:xfrm>
+          <a:prstGeom prst="rect">
+            <a:avLst/>
+          </a:prstGeom>
+          <a:noFill/>
+        </p:spPr>
+        <p:txBody>
+          <a:bodyPr wrap="square" rtlCol="0">
+            <a:spAutoFit/>
+          </a:bodyPr>
+          <a:lstStyle/>
+          <a:p>
+            <a:pPr>
+              <a:lnSpc>
+                <a:spcPct val="150000"/>
+              </a:lnSpc>
+            </a:pPr>
+            <a:r>
+              <a:rPr lang="zh-TW" altLang="en-US" sz="1400" dirty="0">
+                <a:solidFill>
+                  <a:schemeClr val="bg1"/>
+                </a:solidFill>
+                <a:latin typeface="Courier New" panose="02070309020205020404" pitchFamily="49" charset="0"/>
+                <a:cs typeface="Courier New" panose="02070309020205020404" pitchFamily="49" charset="0"/>
+              </a:rPr>
+              <a:t>拉取下來後，編輯檔案，讓檔案內容與</a:t>
+            </a:r>
+            <a:r>
+              <a:rPr lang="en-US" altLang="zh-TW" sz="1400" dirty="0">
+                <a:solidFill>
+                  <a:schemeClr val="bg1"/>
+                </a:solidFill>
+                <a:latin typeface="Courier New" panose="02070309020205020404" pitchFamily="49" charset="0"/>
+                <a:cs typeface="Courier New" panose="02070309020205020404" pitchFamily="49" charset="0"/>
+              </a:rPr>
+              <a:t>master</a:t>
+            </a:r>
+            <a:r>
+              <a:rPr lang="zh-TW" altLang="en-US" sz="1400" dirty="0">
+                <a:solidFill>
+                  <a:schemeClr val="bg1"/>
+                </a:solidFill>
+                <a:latin typeface="Courier New" panose="02070309020205020404" pitchFamily="49" charset="0"/>
+                <a:cs typeface="Courier New" panose="02070309020205020404" pitchFamily="49" charset="0"/>
+              </a:rPr>
+              <a:t>分支的內容不同，用以區分拉取的分支，修改完後，再推送到遠端的新分支</a:t>
+            </a:r>
+            <a:r>
+              <a:rPr lang="en-US" altLang="zh-TW" sz="1400" dirty="0">
+                <a:solidFill>
+                  <a:schemeClr val="bg1"/>
+                </a:solidFill>
+                <a:latin typeface="Courier New" panose="02070309020205020404" pitchFamily="49" charset="0"/>
+                <a:cs typeface="Courier New" panose="02070309020205020404" pitchFamily="49" charset="0"/>
+              </a:rPr>
+              <a:t>second(</a:t>
+            </a:r>
+            <a:r>
+              <a:rPr lang="zh-TW" altLang="en-US" sz="1400" dirty="0">
+                <a:solidFill>
+                  <a:schemeClr val="bg1"/>
+                </a:solidFill>
+                <a:latin typeface="Courier New" panose="02070309020205020404" pitchFamily="49" charset="0"/>
+                <a:cs typeface="Courier New" panose="02070309020205020404" pitchFamily="49" charset="0"/>
+              </a:rPr>
+              <a:t>遠端若沒有新分支，則推送時會自動建立</a:t>
+            </a:r>
+            <a:r>
+              <a:rPr lang="en-US" altLang="zh-TW" sz="1400" dirty="0">
+                <a:solidFill>
+                  <a:schemeClr val="bg1"/>
+                </a:solidFill>
+                <a:latin typeface="Courier New" panose="02070309020205020404" pitchFamily="49" charset="0"/>
+                <a:cs typeface="Courier New" panose="02070309020205020404" pitchFamily="49" charset="0"/>
+              </a:rPr>
+              <a:t>)</a:t>
+            </a:r>
+            <a:r>
+              <a:rPr lang="zh-TW" altLang="en-US" sz="1400" dirty="0">
+                <a:solidFill>
+                  <a:schemeClr val="bg1"/>
+                </a:solidFill>
+                <a:latin typeface="Courier New" panose="02070309020205020404" pitchFamily="49" charset="0"/>
+                <a:cs typeface="Courier New" panose="02070309020205020404" pitchFamily="49" charset="0"/>
+              </a:rPr>
+              <a:t>。</a:t>
+            </a:r>
+            <a:endParaRPr lang="zh-TW" altLang="en-US" sz="1400" dirty="0">
+              <a:solidFill>
+                <a:srgbClr val="00FF00"/>
+              </a:solidFill>
+              <a:latin typeface="Courier New" panose="02070309020205020404" pitchFamily="49" charset="0"/>
+              <a:cs typeface="Courier New" panose="02070309020205020404" pitchFamily="49" charset="0"/>
+            </a:endParaRPr>
+          </a:p>
+        </p:txBody>
+      </p:sp>
+      <p:sp>
+        <p:nvSpPr>
+          <p:cNvPr id="10" name="文字方塊 9">
+            <a:extLst>
+              <a:ext uri="{FF2B5EF4-FFF2-40B4-BE49-F238E27FC236}">
+                <a16:creationId xmlns:a16="http://schemas.microsoft.com/office/drawing/2014/main" id="{00C8BDFD-2ABB-9C84-B028-A0AEE26A667D}"/>
+              </a:ext>
+            </a:extLst>
+          </p:cNvPr>
+          <p:cNvSpPr txBox="1"/>
+          <p:nvPr/>
+        </p:nvSpPr>
+        <p:spPr>
+          <a:xfrm>
+            <a:off x="1717953" y="4414966"/>
+            <a:ext cx="10206192" cy="461665"/>
+          </a:xfrm>
+          <a:prstGeom prst="rect">
+            <a:avLst/>
+          </a:prstGeom>
+          <a:noFill/>
+        </p:spPr>
+        <p:txBody>
+          <a:bodyPr wrap="square" rtlCol="0">
+            <a:spAutoFit/>
+          </a:bodyPr>
+          <a:lstStyle/>
+          <a:p>
+            <a:r>
+              <a:rPr lang="en-US" altLang="zh-TW" sz="1200" dirty="0">
+                <a:solidFill>
+                  <a:srgbClr val="00FF00"/>
+                </a:solidFill>
+                <a:latin typeface="Courier New" panose="02070309020205020404" pitchFamily="49" charset="0"/>
+                <a:cs typeface="Courier New" panose="02070309020205020404" pitchFamily="49" charset="0"/>
+              </a:rPr>
+              <a:t>daniel.hsu@DESKTOP-2C8EEA2 </a:t>
+            </a:r>
+            <a:r>
+              <a:rPr lang="en-US" altLang="zh-TW" sz="1200" dirty="0">
+                <a:solidFill>
+                  <a:srgbClr val="FF00FF"/>
+                </a:solidFill>
+                <a:latin typeface="Courier New" panose="02070309020205020404" pitchFamily="49" charset="0"/>
+                <a:cs typeface="Courier New" panose="02070309020205020404" pitchFamily="49" charset="0"/>
+              </a:rPr>
+              <a:t>MINGW64</a:t>
+            </a:r>
+            <a:r>
+              <a:rPr lang="en-US" altLang="zh-TW" sz="1200" dirty="0">
+                <a:solidFill>
+                  <a:srgbClr val="00FF00"/>
+                </a:solidFill>
+                <a:latin typeface="Courier New" panose="02070309020205020404" pitchFamily="49" charset="0"/>
+                <a:cs typeface="Courier New" panose="02070309020205020404" pitchFamily="49" charset="0"/>
+              </a:rPr>
+              <a:t> </a:t>
+            </a:r>
+            <a:r>
+              <a:rPr lang="en-US" altLang="zh-TW" sz="1200" dirty="0">
+                <a:solidFill>
+                  <a:srgbClr val="FFC000"/>
+                </a:solidFill>
+                <a:latin typeface="Courier New" panose="02070309020205020404" pitchFamily="49" charset="0"/>
+                <a:cs typeface="Courier New" panose="02070309020205020404" pitchFamily="49" charset="0"/>
+              </a:rPr>
+              <a:t>/d/CAI_Porject/TestFolder/LocalGit/RemoteGit </a:t>
+            </a:r>
+            <a:r>
+              <a:rPr lang="en-US" altLang="zh-TW" sz="1200" dirty="0">
+                <a:solidFill>
+                  <a:srgbClr val="33CCCC"/>
+                </a:solidFill>
+                <a:latin typeface="Courier New" panose="02070309020205020404" pitchFamily="49" charset="0"/>
+                <a:cs typeface="Courier New" panose="02070309020205020404" pitchFamily="49" charset="0"/>
+              </a:rPr>
+              <a:t>(second) </a:t>
+            </a:r>
+          </a:p>
+          <a:p>
+            <a:r>
+              <a:rPr lang="en-US" altLang="zh-TW" sz="1200" dirty="0">
+                <a:solidFill>
+                  <a:schemeClr val="bg1"/>
+                </a:solidFill>
+                <a:latin typeface="Courier New" panose="02070309020205020404" pitchFamily="49" charset="0"/>
+                <a:cs typeface="Courier New" panose="02070309020205020404" pitchFamily="49" charset="0"/>
+              </a:rPr>
+              <a:t>$</a:t>
+            </a:r>
+            <a:r>
+              <a:rPr lang="en-US" altLang="zh-TW" sz="1200" dirty="0">
+                <a:solidFill>
+                  <a:srgbClr val="00FF00"/>
+                </a:solidFill>
+                <a:latin typeface="Courier New" panose="02070309020205020404" pitchFamily="49" charset="0"/>
+                <a:cs typeface="Courier New" panose="02070309020205020404" pitchFamily="49" charset="0"/>
+              </a:rPr>
+              <a:t> git push d:/CAI_Porject/TestFolder/RemoteGit.git second </a:t>
+            </a:r>
+            <a:r>
+              <a:rPr lang="en-US" altLang="zh-TW" sz="1200" dirty="0">
+                <a:solidFill>
+                  <a:schemeClr val="bg1">
+                    <a:lumMod val="75000"/>
+                  </a:schemeClr>
+                </a:solidFill>
+                <a:latin typeface="Courier New" panose="02070309020205020404" pitchFamily="49" charset="0"/>
+                <a:cs typeface="Courier New" panose="02070309020205020404" pitchFamily="49" charset="0"/>
+              </a:rPr>
+              <a:t>#</a:t>
+            </a:r>
+            <a:r>
+              <a:rPr lang="zh-TW" altLang="en-US" sz="1200" dirty="0">
+                <a:solidFill>
+                  <a:schemeClr val="bg1">
+                    <a:lumMod val="75000"/>
+                  </a:schemeClr>
+                </a:solidFill>
+                <a:latin typeface="Courier New" panose="02070309020205020404" pitchFamily="49" charset="0"/>
+                <a:cs typeface="Courier New" panose="02070309020205020404" pitchFamily="49" charset="0"/>
+              </a:rPr>
+              <a:t>表示從本地端的新分支</a:t>
+            </a:r>
+            <a:r>
+              <a:rPr lang="en-US" altLang="zh-TW" sz="1200" dirty="0">
+                <a:solidFill>
+                  <a:schemeClr val="bg1">
+                    <a:lumMod val="75000"/>
+                  </a:schemeClr>
+                </a:solidFill>
+                <a:latin typeface="Courier New" panose="02070309020205020404" pitchFamily="49" charset="0"/>
+                <a:cs typeface="Courier New" panose="02070309020205020404" pitchFamily="49" charset="0"/>
+              </a:rPr>
+              <a:t>‘second’</a:t>
+            </a:r>
+            <a:r>
+              <a:rPr lang="zh-TW" altLang="en-US" sz="1200" dirty="0">
+                <a:solidFill>
+                  <a:schemeClr val="bg1">
+                    <a:lumMod val="75000"/>
+                  </a:schemeClr>
+                </a:solidFill>
+                <a:latin typeface="Courier New" panose="02070309020205020404" pitchFamily="49" charset="0"/>
+                <a:cs typeface="Courier New" panose="02070309020205020404" pitchFamily="49" charset="0"/>
+              </a:rPr>
+              <a:t>推送到遠端</a:t>
+            </a:r>
+            <a:r>
+              <a:rPr lang="en-US" altLang="zh-TW" sz="1200" dirty="0">
+                <a:solidFill>
+                  <a:schemeClr val="bg1">
+                    <a:lumMod val="75000"/>
+                  </a:schemeClr>
+                </a:solidFill>
+                <a:latin typeface="Courier New" panose="02070309020205020404" pitchFamily="49" charset="0"/>
+                <a:cs typeface="Courier New" panose="02070309020205020404" pitchFamily="49" charset="0"/>
+              </a:rPr>
+              <a:t>Git</a:t>
+            </a:r>
+            <a:r>
+              <a:rPr lang="zh-TW" altLang="en-US" sz="1200" dirty="0">
+                <a:solidFill>
+                  <a:schemeClr val="bg1">
+                    <a:lumMod val="75000"/>
+                  </a:schemeClr>
+                </a:solidFill>
+                <a:latin typeface="Courier New" panose="02070309020205020404" pitchFamily="49" charset="0"/>
+                <a:cs typeface="Courier New" panose="02070309020205020404" pitchFamily="49" charset="0"/>
+              </a:rPr>
+              <a:t>的</a:t>
+            </a:r>
+            <a:r>
+              <a:rPr lang="en-US" altLang="zh-TW" sz="1200" dirty="0">
+                <a:solidFill>
+                  <a:schemeClr val="bg1">
+                    <a:lumMod val="75000"/>
+                  </a:schemeClr>
+                </a:solidFill>
+                <a:latin typeface="Courier New" panose="02070309020205020404" pitchFamily="49" charset="0"/>
+                <a:cs typeface="Courier New" panose="02070309020205020404" pitchFamily="49" charset="0"/>
+              </a:rPr>
+              <a:t>second</a:t>
+            </a:r>
+            <a:r>
+              <a:rPr lang="zh-TW" altLang="en-US" sz="1200" dirty="0">
+                <a:solidFill>
+                  <a:schemeClr val="bg1">
+                    <a:lumMod val="75000"/>
+                  </a:schemeClr>
+                </a:solidFill>
+                <a:latin typeface="Courier New" panose="02070309020205020404" pitchFamily="49" charset="0"/>
+                <a:cs typeface="Courier New" panose="02070309020205020404" pitchFamily="49" charset="0"/>
+              </a:rPr>
+              <a:t>分支。</a:t>
+            </a:r>
+            <a:endParaRPr lang="en-US" altLang="zh-TW" sz="1200" dirty="0">
+              <a:solidFill>
+                <a:schemeClr val="bg1">
+                  <a:lumMod val="75000"/>
+                </a:schemeClr>
+              </a:solidFill>
+              <a:latin typeface="Courier New" panose="02070309020205020404" pitchFamily="49" charset="0"/>
+              <a:cs typeface="Courier New" panose="02070309020205020404" pitchFamily="49" charset="0"/>
+            </a:endParaRPr>
+          </a:p>
+        </p:txBody>
+      </p:sp>
+      <p:pic>
+        <p:nvPicPr>
+          <p:cNvPr id="13" name="圖片 12">
+            <a:extLst>
+              <a:ext uri="{FF2B5EF4-FFF2-40B4-BE49-F238E27FC236}">
+                <a16:creationId xmlns:a16="http://schemas.microsoft.com/office/drawing/2014/main" id="{2417F846-7B91-46E3-CC17-079301BA010F}"/>
+              </a:ext>
+            </a:extLst>
+          </p:cNvPr>
+          <p:cNvPicPr>
+            <a:picLocks noChangeAspect="1"/>
+          </p:cNvPicPr>
+          <p:nvPr/>
+        </p:nvPicPr>
+        <p:blipFill>
+          <a:blip r:embed="rId2"/>
+          <a:stretch>
+            <a:fillRect/>
+          </a:stretch>
+        </p:blipFill>
+        <p:spPr>
+          <a:xfrm>
+            <a:off x="1918277" y="5073590"/>
+            <a:ext cx="7211994" cy="1604301"/>
+          </a:xfrm>
+          <a:prstGeom prst="rect">
+            <a:avLst/>
+          </a:prstGeom>
+        </p:spPr>
+      </p:pic>
+      <p:sp>
+        <p:nvSpPr>
+          <p:cNvPr id="14" name="文字方塊 13">
+            <a:extLst>
+              <a:ext uri="{FF2B5EF4-FFF2-40B4-BE49-F238E27FC236}">
+                <a16:creationId xmlns:a16="http://schemas.microsoft.com/office/drawing/2014/main" id="{F5BE90B8-D69A-A97F-43D6-E528B8C9E3C2}"/>
+              </a:ext>
+            </a:extLst>
+          </p:cNvPr>
+          <p:cNvSpPr txBox="1"/>
+          <p:nvPr/>
+        </p:nvSpPr>
+        <p:spPr>
+          <a:xfrm>
+            <a:off x="6293224" y="6428600"/>
+            <a:ext cx="3035503" cy="276999"/>
+          </a:xfrm>
+          <a:prstGeom prst="rect">
+            <a:avLst/>
+          </a:prstGeom>
+          <a:noFill/>
+        </p:spPr>
+        <p:txBody>
+          <a:bodyPr wrap="square" rtlCol="0">
+            <a:spAutoFit/>
+          </a:bodyPr>
+          <a:lstStyle/>
+          <a:p>
+            <a:r>
+              <a:rPr lang="zh-TW" altLang="en-US" sz="1200" dirty="0">
+                <a:solidFill>
+                  <a:schemeClr val="bg1"/>
+                </a:solidFill>
+                <a:latin typeface="Courier New" panose="02070309020205020404" pitchFamily="49" charset="0"/>
+                <a:cs typeface="Courier New" panose="02070309020205020404" pitchFamily="49" charset="0"/>
+              </a:rPr>
+              <a:t>遠端</a:t>
+            </a:r>
+            <a:r>
+              <a:rPr lang="en-US" altLang="zh-TW" sz="1200" dirty="0">
+                <a:solidFill>
+                  <a:schemeClr val="bg1"/>
+                </a:solidFill>
+                <a:latin typeface="Courier New" panose="02070309020205020404" pitchFamily="49" charset="0"/>
+                <a:cs typeface="Courier New" panose="02070309020205020404" pitchFamily="49" charset="0"/>
+              </a:rPr>
+              <a:t>Git</a:t>
+            </a:r>
+            <a:r>
+              <a:rPr lang="zh-TW" altLang="en-US" sz="1200" dirty="0">
+                <a:solidFill>
+                  <a:schemeClr val="bg1"/>
+                </a:solidFill>
+                <a:latin typeface="Courier New" panose="02070309020205020404" pitchFamily="49" charset="0"/>
+                <a:cs typeface="Courier New" panose="02070309020205020404" pitchFamily="49" charset="0"/>
+              </a:rPr>
+              <a:t>自動建立一個新分支</a:t>
+            </a:r>
+            <a:r>
+              <a:rPr lang="en-US" altLang="zh-TW" sz="1200" dirty="0">
+                <a:solidFill>
+                  <a:schemeClr val="bg1"/>
+                </a:solidFill>
+                <a:latin typeface="Courier New" panose="02070309020205020404" pitchFamily="49" charset="0"/>
+                <a:cs typeface="Courier New" panose="02070309020205020404" pitchFamily="49" charset="0"/>
+              </a:rPr>
+              <a:t>-‘second’</a:t>
+            </a:r>
+            <a:endParaRPr lang="en-US" altLang="zh-TW" sz="1200" dirty="0">
+              <a:solidFill>
+                <a:schemeClr val="bg1">
+                  <a:lumMod val="65000"/>
+                </a:schemeClr>
+              </a:solidFill>
+              <a:latin typeface="Courier New" panose="02070309020205020404" pitchFamily="49" charset="0"/>
+              <a:cs typeface="Courier New" panose="02070309020205020404" pitchFamily="49" charset="0"/>
+            </a:endParaRPr>
+          </a:p>
+        </p:txBody>
+      </p:sp>
+      <p:sp>
+        <p:nvSpPr>
+          <p:cNvPr id="15" name="箭號: 向右 14">
+            <a:extLst>
+              <a:ext uri="{FF2B5EF4-FFF2-40B4-BE49-F238E27FC236}">
+                <a16:creationId xmlns:a16="http://schemas.microsoft.com/office/drawing/2014/main" id="{57C4BEC0-5A34-8EB9-769E-8C1DB501C64D}"/>
+              </a:ext>
+            </a:extLst>
+          </p:cNvPr>
+          <p:cNvSpPr/>
+          <p:nvPr/>
+        </p:nvSpPr>
+        <p:spPr>
+          <a:xfrm rot="10800000">
+            <a:off x="5107709" y="6520874"/>
+            <a:ext cx="1117600" cy="110836"/>
+          </a:xfrm>
+          <a:prstGeom prst="rightArrow">
+            <a:avLst/>
+          </a:prstGeom>
+          <a:solidFill>
+            <a:schemeClr val="accent5"/>
+          </a:solidFill>
+        </p:spPr>
+        <p:style>
+          <a:lnRef idx="2">
+            <a:schemeClr val="accent5"/>
+          </a:lnRef>
+          <a:fillRef idx="1">
+            <a:schemeClr val="lt1"/>
+          </a:fillRef>
+          <a:effectRef idx="0">
+            <a:schemeClr val="accent5"/>
+          </a:effectRef>
+          <a:fontRef idx="minor">
+            <a:schemeClr val="dk1"/>
+          </a:fontRef>
+        </p:style>
+        <p:txBody>
+          <a:bodyPr rtlCol="0" anchor="ctr"/>
+          <a:lstStyle/>
+          <a:p>
+            <a:pPr algn="ctr"/>
+            <a:endParaRPr lang="zh-TW" altLang="en-US"/>
+          </a:p>
+        </p:txBody>
+      </p:sp>
+    </p:spTree>
+    <p:extLst>
+      <p:ext uri="{BB962C8B-B14F-4D97-AF65-F5344CB8AC3E}">
+        <p14:creationId xmlns:p14="http://schemas.microsoft.com/office/powerpoint/2010/main" val="1587254410"/>
       </p:ext>
     </p:extLst>
   </p:cSld>
@@ -9871,6 +17757,98 @@
     <p:extLst>
       <p:ext uri="{BB962C8B-B14F-4D97-AF65-F5344CB8AC3E}">
         <p14:creationId xmlns:p14="http://schemas.microsoft.com/office/powerpoint/2010/main" val="4257229696"/>
+      </p:ext>
+    </p:extLst>
+  </p:cSld>
+  <p:clrMapOvr>
+    <a:masterClrMapping/>
+  </p:clrMapOvr>
+</p:sld>
+</file>
+
+<file path=ppt/slides/slide20.xml><?xml version="1.0" encoding="utf-8"?>
+<p:sld xmlns:a="http://schemas.openxmlformats.org/drawingml/2006/main" xmlns:r="http://schemas.openxmlformats.org/officeDocument/2006/relationships" xmlns:p="http://schemas.openxmlformats.org/presentationml/2006/main">
+  <p:cSld>
+    <p:spTree>
+      <p:nvGrpSpPr>
+        <p:cNvPr id="1" name=""/>
+        <p:cNvGrpSpPr/>
+        <p:nvPr/>
+      </p:nvGrpSpPr>
+      <p:grpSpPr>
+        <a:xfrm>
+          <a:off x="0" y="0"/>
+          <a:ext cx="0" cy="0"/>
+          <a:chOff x="0" y="0"/>
+          <a:chExt cx="0" cy="0"/>
+        </a:xfrm>
+      </p:grpSpPr>
+      <p:sp>
+        <p:nvSpPr>
+          <p:cNvPr id="2" name="標題 1">
+            <a:extLst>
+              <a:ext uri="{FF2B5EF4-FFF2-40B4-BE49-F238E27FC236}">
+                <a16:creationId xmlns:a16="http://schemas.microsoft.com/office/drawing/2014/main" id="{1295165D-BBFE-B968-8812-5920135BB69A}"/>
+              </a:ext>
+            </a:extLst>
+          </p:cNvPr>
+          <p:cNvSpPr>
+            <a:spLocks noGrp="1"/>
+          </p:cNvSpPr>
+          <p:nvPr>
+            <p:ph type="title"/>
+          </p:nvPr>
+        </p:nvSpPr>
+        <p:spPr/>
+        <p:txBody>
+          <a:bodyPr/>
+          <a:lstStyle/>
+          <a:p>
+            <a:r>
+              <a:rPr lang="en-US" altLang="zh-TW" dirty="0"/>
+              <a:t>Git Test</a:t>
+            </a:r>
+            <a:endParaRPr lang="zh-TW" altLang="en-US" dirty="0"/>
+          </a:p>
+        </p:txBody>
+      </p:sp>
+      <p:sp>
+        <p:nvSpPr>
+          <p:cNvPr id="3" name="內容版面配置區 2">
+            <a:extLst>
+              <a:ext uri="{FF2B5EF4-FFF2-40B4-BE49-F238E27FC236}">
+                <a16:creationId xmlns:a16="http://schemas.microsoft.com/office/drawing/2014/main" id="{A3B52210-FB3E-3961-061E-A7E9C7B3D5F8}"/>
+              </a:ext>
+            </a:extLst>
+          </p:cNvPr>
+          <p:cNvSpPr>
+            <a:spLocks noGrp="1"/>
+          </p:cNvSpPr>
+          <p:nvPr>
+            <p:ph idx="1"/>
+          </p:nvPr>
+        </p:nvSpPr>
+        <p:spPr/>
+        <p:txBody>
+          <a:bodyPr/>
+          <a:lstStyle/>
+          <a:p>
+            <a:r>
+              <a:rPr lang="en-US" altLang="zh-TW" dirty="0"/>
+              <a:t>For commit, merge, pull and </a:t>
+            </a:r>
+            <a:r>
+              <a:rPr lang="en-US" altLang="zh-TW"/>
+              <a:t>push test.</a:t>
+            </a:r>
+            <a:endParaRPr lang="zh-TW" altLang="en-US"/>
+          </a:p>
+        </p:txBody>
+      </p:sp>
+    </p:spTree>
+    <p:extLst>
+      <p:ext uri="{BB962C8B-B14F-4D97-AF65-F5344CB8AC3E}">
+        <p14:creationId xmlns:p14="http://schemas.microsoft.com/office/powerpoint/2010/main" val="4235019278"/>
       </p:ext>
     </p:extLst>
   </p:cSld>
@@ -10791,27 +18769,7 @@
                 <a:latin typeface="Courier New" panose="02070309020205020404" pitchFamily="49" charset="0"/>
                 <a:cs typeface="Courier New" panose="02070309020205020404" pitchFamily="49" charset="0"/>
               </a:rPr>
-              <a:t>define repository name: </a:t>
-            </a:r>
-            <a:r>
-              <a:rPr lang="en-US" altLang="zh-TW" sz="1600" dirty="0" err="1">
-                <a:solidFill>
-                  <a:schemeClr val="bg1"/>
-                </a:solidFill>
-                <a:latin typeface="Courier New" panose="02070309020205020404" pitchFamily="49" charset="0"/>
-                <a:cs typeface="Courier New" panose="02070309020205020404" pitchFamily="49" charset="0"/>
-              </a:rPr>
-              <a:t>init.defaultbranch</a:t>
-            </a:r>
-            <a:r>
-              <a:rPr lang="en-US" altLang="zh-TW" sz="1600" dirty="0">
-                <a:solidFill>
-                  <a:schemeClr val="bg1"/>
-                </a:solidFill>
-                <a:latin typeface="Courier New" panose="02070309020205020404" pitchFamily="49" charset="0"/>
-                <a:cs typeface="Courier New" panose="02070309020205020404" pitchFamily="49" charset="0"/>
-              </a:rPr>
-              <a:t>=master</a:t>
+              <a:t>define repository name: init.defaultbranch=master</a:t>
             </a:r>
             <a:r>
               <a:rPr lang="en-US" altLang="zh-TW" sz="1600" dirty="0">
@@ -11123,27 +19081,7 @@
                 <a:latin typeface="Courier New" panose="02070309020205020404" pitchFamily="49" charset="0"/>
                 <a:cs typeface="Courier New" panose="02070309020205020404" pitchFamily="49" charset="0"/>
               </a:rPr>
-              <a:t> git config ––global </a:t>
-            </a:r>
-            <a:r>
-              <a:rPr lang="en-US" altLang="zh-TW" sz="1600" dirty="0" err="1">
-                <a:solidFill>
-                  <a:srgbClr val="00FF00"/>
-                </a:solidFill>
-                <a:latin typeface="Courier New" panose="02070309020205020404" pitchFamily="49" charset="0"/>
-                <a:cs typeface="Courier New" panose="02070309020205020404" pitchFamily="49" charset="0"/>
-              </a:rPr>
-              <a:t>init.defaultbranch</a:t>
-            </a:r>
-            <a:r>
-              <a:rPr lang="en-US" altLang="zh-TW" sz="1600" dirty="0">
-                <a:solidFill>
-                  <a:srgbClr val="00FF00"/>
-                </a:solidFill>
-                <a:latin typeface="Courier New" panose="02070309020205020404" pitchFamily="49" charset="0"/>
-                <a:cs typeface="Courier New" panose="02070309020205020404" pitchFamily="49" charset="0"/>
-              </a:rPr>
-              <a:t> &lt;branch name&gt; </a:t>
+              <a:t> git config ––global init.defaultbranch &lt;branch name&gt; </a:t>
             </a:r>
             <a:endParaRPr lang="zh-TW" altLang="en-US" sz="1600" dirty="0">
               <a:solidFill>

--- a/GitHub_note.pptx
+++ b/GitHub_note.pptx
@@ -14,17 +14,19 @@
     <p:sldId id="262" r:id="rId8"/>
     <p:sldId id="263" r:id="rId9"/>
     <p:sldId id="264" r:id="rId10"/>
-    <p:sldId id="265" r:id="rId11"/>
-    <p:sldId id="267" r:id="rId12"/>
-    <p:sldId id="268" r:id="rId13"/>
-    <p:sldId id="269" r:id="rId14"/>
-    <p:sldId id="270" r:id="rId15"/>
-    <p:sldId id="271" r:id="rId16"/>
-    <p:sldId id="272" r:id="rId17"/>
-    <p:sldId id="273" r:id="rId18"/>
-    <p:sldId id="274" r:id="rId19"/>
-    <p:sldId id="275" r:id="rId20"/>
-    <p:sldId id="266" r:id="rId21"/>
+    <p:sldId id="276" r:id="rId11"/>
+    <p:sldId id="265" r:id="rId12"/>
+    <p:sldId id="267" r:id="rId13"/>
+    <p:sldId id="268" r:id="rId14"/>
+    <p:sldId id="269" r:id="rId15"/>
+    <p:sldId id="277" r:id="rId16"/>
+    <p:sldId id="270" r:id="rId17"/>
+    <p:sldId id="271" r:id="rId18"/>
+    <p:sldId id="272" r:id="rId19"/>
+    <p:sldId id="273" r:id="rId20"/>
+    <p:sldId id="274" r:id="rId21"/>
+    <p:sldId id="275" r:id="rId22"/>
+    <p:sldId id="266" r:id="rId23"/>
   </p:sldIdLst>
   <p:sldSz cx="12192000" cy="6858000"/>
   <p:notesSz cx="6858000" cy="9144000"/>
@@ -287,7 +289,7 @@
           <a:p>
             <a:fld id="{6444479B-705B-4489-957E-7E8A228BDFA0}" type="datetime1">
               <a:rPr lang="en-US" smtClean="0"/>
-              <a:t>11/17/2025</a:t>
+              <a:t>11/24/2025</a:t>
             </a:fld>
             <a:endParaRPr lang="en-US"/>
           </a:p>
@@ -487,7 +489,7 @@
           <a:p>
             <a:fld id="{C07B66AD-7C08-490A-ADA4-B47E10FB2407}" type="datetime1">
               <a:rPr lang="en-US" smtClean="0"/>
-              <a:t>11/17/2025</a:t>
+              <a:t>11/24/2025</a:t>
             </a:fld>
             <a:endParaRPr lang="en-US"/>
           </a:p>
@@ -746,7 +748,7 @@
           <a:p>
             <a:fld id="{05B95027-4255-49E7-9841-CD21BCC99996}" type="datetime1">
               <a:rPr lang="en-US" smtClean="0"/>
-              <a:t>11/17/2025</a:t>
+              <a:t>11/24/2025</a:t>
             </a:fld>
             <a:endParaRPr lang="en-US"/>
           </a:p>
@@ -987,7 +989,7 @@
           <a:p>
             <a:fld id="{9F89F774-3FA6-43B8-9241-99959C8FD463}" type="datetime1">
               <a:rPr lang="en-US" smtClean="0"/>
-              <a:t>11/17/2025</a:t>
+              <a:t>11/24/2025</a:t>
             </a:fld>
             <a:endParaRPr lang="en-US"/>
           </a:p>
@@ -1314,7 +1316,7 @@
           <a:p>
             <a:fld id="{F9504452-5DCC-4FE2-A5C9-8A5EF6714D65}" type="datetime1">
               <a:rPr lang="en-US" smtClean="0"/>
-              <a:t>11/17/2025</a:t>
+              <a:t>11/24/2025</a:t>
             </a:fld>
             <a:endParaRPr lang="en-US"/>
           </a:p>
@@ -1624,7 +1626,7 @@
           <a:p>
             <a:fld id="{E579ABC2-0180-4F3A-A895-A85BC724D472}" type="datetime1">
               <a:rPr lang="en-US" smtClean="0"/>
-              <a:t>11/17/2025</a:t>
+              <a:t>11/24/2025</a:t>
             </a:fld>
             <a:endParaRPr lang="en-US"/>
           </a:p>
@@ -2042,7 +2044,7 @@
           <a:p>
             <a:fld id="{6AEEA9BA-4E8F-439E-BEA4-91FBA01E3F5F}" type="datetime1">
               <a:rPr lang="en-US" smtClean="0"/>
-              <a:t>11/17/2025</a:t>
+              <a:t>11/24/2025</a:t>
             </a:fld>
             <a:endParaRPr lang="en-US"/>
           </a:p>
@@ -2184,7 +2186,7 @@
           <a:p>
             <a:fld id="{BE15BF18-0007-481C-AA29-413124BC3EE7}" type="datetime1">
               <a:rPr lang="en-US" smtClean="0"/>
-              <a:t>11/17/2025</a:t>
+              <a:t>11/24/2025</a:t>
             </a:fld>
             <a:endParaRPr lang="en-US"/>
           </a:p>
@@ -2346,7 +2348,7 @@
           <a:p>
             <a:fld id="{09BE9870-3748-43AD-B547-02A075CB4A1D}" type="datetime1">
               <a:rPr lang="en-US" smtClean="0"/>
-              <a:t>11/17/2025</a:t>
+              <a:t>11/24/2025</a:t>
             </a:fld>
             <a:endParaRPr lang="en-US"/>
           </a:p>
@@ -2663,7 +2665,7 @@
           <a:p>
             <a:fld id="{558E7897-33C5-4F1A-9307-D068E37F3DC7}" type="datetime1">
               <a:rPr lang="en-US" smtClean="0"/>
-              <a:t>11/17/2025</a:t>
+              <a:t>11/24/2025</a:t>
             </a:fld>
             <a:endParaRPr lang="en-US"/>
           </a:p>
@@ -2958,7 +2960,7 @@
           <a:p>
             <a:fld id="{82E171BA-CC09-47C8-A6DF-F5C5CB59CEEC}" type="datetime1">
               <a:rPr lang="en-US" smtClean="0"/>
-              <a:t>11/17/2025</a:t>
+              <a:t>11/24/2025</a:t>
             </a:fld>
             <a:endParaRPr lang="en-US"/>
           </a:p>
@@ -3199,7 +3201,7 @@
           <a:p>
             <a:fld id="{7DA38F49-B3E2-4BF0-BEC7-C30D34ABBB8D}" type="datetime1">
               <a:rPr lang="en-US" smtClean="0"/>
-              <a:t>11/17/2025</a:t>
+              <a:t>11/24/2025</a:t>
             </a:fld>
             <a:endParaRPr lang="en-US"/>
           </a:p>
@@ -4019,6 +4021,961 @@
         <p:cNvPr id="1" name="">
           <a:extLst>
             <a:ext uri="{FF2B5EF4-FFF2-40B4-BE49-F238E27FC236}">
+              <a16:creationId xmlns:a16="http://schemas.microsoft.com/office/drawing/2014/main" id="{DAFDD00A-0995-D6EB-3242-75514E443CAF}"/>
+            </a:ext>
+          </a:extLst>
+        </p:cNvPr>
+        <p:cNvGrpSpPr/>
+        <p:nvPr/>
+      </p:nvGrpSpPr>
+      <p:grpSpPr>
+        <a:xfrm>
+          <a:off x="0" y="0"/>
+          <a:ext cx="0" cy="0"/>
+          <a:chOff x="0" y="0"/>
+          <a:chExt cx="0" cy="0"/>
+        </a:xfrm>
+      </p:grpSpPr>
+      <p:sp>
+        <p:nvSpPr>
+          <p:cNvPr id="2" name="標題 1">
+            <a:extLst>
+              <a:ext uri="{FF2B5EF4-FFF2-40B4-BE49-F238E27FC236}">
+                <a16:creationId xmlns:a16="http://schemas.microsoft.com/office/drawing/2014/main" id="{4E245827-B405-8CB4-2B08-E9B0FADF7DF3}"/>
+              </a:ext>
+            </a:extLst>
+          </p:cNvPr>
+          <p:cNvSpPr>
+            <a:spLocks noGrp="1"/>
+          </p:cNvSpPr>
+          <p:nvPr>
+            <p:ph type="title"/>
+          </p:nvPr>
+        </p:nvSpPr>
+        <p:spPr>
+          <a:xfrm>
+            <a:off x="640079" y="1102718"/>
+            <a:ext cx="5948643" cy="662474"/>
+          </a:xfrm>
+        </p:spPr>
+        <p:txBody>
+          <a:bodyPr anchor="ctr" anchorCtr="0">
+            <a:normAutofit/>
+          </a:bodyPr>
+          <a:lstStyle/>
+          <a:p>
+            <a:r>
+              <a:rPr lang="en-US" altLang="zh-TW" sz="3200" dirty="0">
+                <a:solidFill>
+                  <a:srgbClr val="FFC000"/>
+                </a:solidFill>
+              </a:rPr>
+              <a:t>Git Bash – Command Line</a:t>
+            </a:r>
+            <a:endParaRPr lang="zh-TW" altLang="en-US" sz="3200" dirty="0">
+              <a:solidFill>
+                <a:srgbClr val="FFC000"/>
+              </a:solidFill>
+            </a:endParaRPr>
+          </a:p>
+        </p:txBody>
+      </p:sp>
+      <p:sp>
+        <p:nvSpPr>
+          <p:cNvPr id="3" name="內容版面配置區 2">
+            <a:extLst>
+              <a:ext uri="{FF2B5EF4-FFF2-40B4-BE49-F238E27FC236}">
+                <a16:creationId xmlns:a16="http://schemas.microsoft.com/office/drawing/2014/main" id="{D35C46EB-351A-CDFB-6A8A-BDE8335BAD52}"/>
+              </a:ext>
+            </a:extLst>
+          </p:cNvPr>
+          <p:cNvSpPr>
+            <a:spLocks noGrp="1"/>
+          </p:cNvSpPr>
+          <p:nvPr>
+            <p:ph idx="1"/>
+          </p:nvPr>
+        </p:nvSpPr>
+        <p:spPr>
+          <a:xfrm>
+            <a:off x="797097" y="1765192"/>
+            <a:ext cx="6329844" cy="547027"/>
+          </a:xfrm>
+        </p:spPr>
+        <p:txBody>
+          <a:bodyPr anchor="ctr" anchorCtr="0">
+            <a:noAutofit/>
+          </a:bodyPr>
+          <a:lstStyle/>
+          <a:p>
+            <a:pPr>
+              <a:buFont typeface="Wingdings" panose="05000000000000000000" pitchFamily="2" charset="2"/>
+              <a:buChar char="l"/>
+            </a:pPr>
+            <a:r>
+              <a:rPr lang="zh-TW" altLang="en-US" dirty="0">
+                <a:solidFill>
+                  <a:srgbClr val="00B0F0"/>
+                </a:solidFill>
+              </a:rPr>
+              <a:t> 將</a:t>
+            </a:r>
+            <a:r>
+              <a:rPr lang="en-US" altLang="zh-TW" dirty="0">
+                <a:solidFill>
+                  <a:srgbClr val="00B0F0"/>
+                </a:solidFill>
+              </a:rPr>
+              <a:t>Git Repository</a:t>
+            </a:r>
+            <a:r>
+              <a:rPr lang="zh-TW" altLang="en-US" dirty="0">
+                <a:solidFill>
+                  <a:srgbClr val="00B0F0"/>
+                </a:solidFill>
+              </a:rPr>
+              <a:t>進行</a:t>
+            </a:r>
+            <a:r>
+              <a:rPr lang="en-US" altLang="zh-TW" dirty="0">
+                <a:solidFill>
+                  <a:srgbClr val="00B0F0"/>
+                </a:solidFill>
+              </a:rPr>
+              <a:t>Commit(</a:t>
+            </a:r>
+            <a:r>
+              <a:rPr lang="zh-TW" altLang="en-US" dirty="0">
+                <a:solidFill>
+                  <a:srgbClr val="00B0F0"/>
+                </a:solidFill>
+              </a:rPr>
+              <a:t>理解為存檔的概念</a:t>
+            </a:r>
+            <a:r>
+              <a:rPr lang="en-US" altLang="zh-TW" dirty="0">
+                <a:solidFill>
+                  <a:srgbClr val="00B0F0"/>
+                </a:solidFill>
+              </a:rPr>
+              <a:t>)</a:t>
+            </a:r>
+            <a:endParaRPr lang="zh-TW" altLang="en-US" dirty="0">
+              <a:solidFill>
+                <a:srgbClr val="00B0F0"/>
+              </a:solidFill>
+            </a:endParaRPr>
+          </a:p>
+        </p:txBody>
+      </p:sp>
+      <p:sp>
+        <p:nvSpPr>
+          <p:cNvPr id="6" name="內容版面配置區 2">
+            <a:extLst>
+              <a:ext uri="{FF2B5EF4-FFF2-40B4-BE49-F238E27FC236}">
+                <a16:creationId xmlns:a16="http://schemas.microsoft.com/office/drawing/2014/main" id="{4E5B34E1-96F3-5E67-A3A4-FA01AE67FA2D}"/>
+              </a:ext>
+            </a:extLst>
+          </p:cNvPr>
+          <p:cNvSpPr txBox="1">
+            <a:spLocks/>
+          </p:cNvSpPr>
+          <p:nvPr/>
+        </p:nvSpPr>
+        <p:spPr>
+          <a:xfrm>
+            <a:off x="1340358" y="2252412"/>
+            <a:ext cx="4388089" cy="514673"/>
+          </a:xfrm>
+          <a:prstGeom prst="rect">
+            <a:avLst/>
+          </a:prstGeom>
+        </p:spPr>
+        <p:txBody>
+          <a:bodyPr vert="horz" lIns="91440" tIns="45720" rIns="91440" bIns="45720" rtlCol="0" anchor="ctr" anchorCtr="0">
+            <a:normAutofit/>
+          </a:bodyPr>
+          <a:lstStyle>
+            <a:lvl1pPr marL="228600" indent="-228600" algn="l" defTabSz="914400" rtl="0" eaLnBrk="1" latinLnBrk="0" hangingPunct="1">
+              <a:lnSpc>
+                <a:spcPct val="120000"/>
+              </a:lnSpc>
+              <a:spcBef>
+                <a:spcPts val="1000"/>
+              </a:spcBef>
+              <a:buSzPct val="87000"/>
+              <a:buFont typeface="Arial" panose="020B0604020202020204" pitchFamily="34" charset="0"/>
+              <a:buChar char="•"/>
+              <a:defRPr sz="2000" kern="1200">
+                <a:solidFill>
+                  <a:schemeClr val="tx1"/>
+                </a:solidFill>
+                <a:latin typeface="+mn-lt"/>
+                <a:ea typeface="+mn-ea"/>
+                <a:cs typeface="+mn-cs"/>
+              </a:defRPr>
+            </a:lvl1pPr>
+            <a:lvl2pPr marL="493776" indent="-228600" algn="l" defTabSz="914400" rtl="0" eaLnBrk="1" latinLnBrk="0" hangingPunct="1">
+              <a:lnSpc>
+                <a:spcPct val="120000"/>
+              </a:lnSpc>
+              <a:spcBef>
+                <a:spcPts val="500"/>
+              </a:spcBef>
+              <a:buSzPct val="87000"/>
+              <a:buFont typeface="Arial" panose="020B0604020202020204" pitchFamily="34" charset="0"/>
+              <a:buChar char="•"/>
+              <a:defRPr sz="1800" kern="1200">
+                <a:solidFill>
+                  <a:schemeClr val="tx1"/>
+                </a:solidFill>
+                <a:latin typeface="+mn-lt"/>
+                <a:ea typeface="+mn-ea"/>
+                <a:cs typeface="+mn-cs"/>
+              </a:defRPr>
+            </a:lvl2pPr>
+            <a:lvl3pPr marL="731520" indent="-228600" algn="l" defTabSz="914400" rtl="0" eaLnBrk="1" latinLnBrk="0" hangingPunct="1">
+              <a:lnSpc>
+                <a:spcPct val="120000"/>
+              </a:lnSpc>
+              <a:spcBef>
+                <a:spcPts val="500"/>
+              </a:spcBef>
+              <a:buSzPct val="87000"/>
+              <a:buFont typeface="Arial" panose="020B0604020202020204" pitchFamily="34" charset="0"/>
+              <a:buChar char="•"/>
+              <a:defRPr sz="1600" kern="1200">
+                <a:solidFill>
+                  <a:schemeClr val="tx1"/>
+                </a:solidFill>
+                <a:latin typeface="+mn-lt"/>
+                <a:ea typeface="+mn-ea"/>
+                <a:cs typeface="+mn-cs"/>
+              </a:defRPr>
+            </a:lvl3pPr>
+            <a:lvl4pPr marL="1051560" indent="-285750" algn="l" defTabSz="914400" rtl="0" eaLnBrk="1" latinLnBrk="0" hangingPunct="1">
+              <a:lnSpc>
+                <a:spcPct val="120000"/>
+              </a:lnSpc>
+              <a:spcBef>
+                <a:spcPts val="500"/>
+              </a:spcBef>
+              <a:buSzPct val="87000"/>
+              <a:buFont typeface="Arial" panose="020B0604020202020204" pitchFamily="34" charset="0"/>
+              <a:buChar char="•"/>
+              <a:defRPr sz="1400" kern="1200">
+                <a:solidFill>
+                  <a:schemeClr val="tx1"/>
+                </a:solidFill>
+                <a:latin typeface="+mn-lt"/>
+                <a:ea typeface="+mn-ea"/>
+                <a:cs typeface="+mn-cs"/>
+              </a:defRPr>
+            </a:lvl4pPr>
+            <a:lvl5pPr marL="1298448" indent="-228600" algn="l" defTabSz="914400" rtl="0" eaLnBrk="1" latinLnBrk="0" hangingPunct="1">
+              <a:lnSpc>
+                <a:spcPct val="120000"/>
+              </a:lnSpc>
+              <a:spcBef>
+                <a:spcPts val="500"/>
+              </a:spcBef>
+              <a:buSzPct val="87000"/>
+              <a:buFont typeface="Arial" panose="020B0604020202020204" pitchFamily="34" charset="0"/>
+              <a:buChar char="•"/>
+              <a:defRPr sz="1400" kern="1200">
+                <a:solidFill>
+                  <a:schemeClr val="tx1"/>
+                </a:solidFill>
+                <a:latin typeface="+mn-lt"/>
+                <a:ea typeface="+mn-ea"/>
+                <a:cs typeface="+mn-cs"/>
+              </a:defRPr>
+            </a:lvl5pPr>
+            <a:lvl6pPr marL="2514600" indent="-228600" algn="l" defTabSz="914400" rtl="0" eaLnBrk="1" latinLnBrk="0" hangingPunct="1">
+              <a:lnSpc>
+                <a:spcPct val="90000"/>
+              </a:lnSpc>
+              <a:spcBef>
+                <a:spcPts val="500"/>
+              </a:spcBef>
+              <a:buFont typeface="Arial" panose="020B0604020202020204" pitchFamily="34" charset="0"/>
+              <a:buChar char="•"/>
+              <a:defRPr sz="1800" kern="1200">
+                <a:solidFill>
+                  <a:schemeClr val="tx1"/>
+                </a:solidFill>
+                <a:latin typeface="+mn-lt"/>
+                <a:ea typeface="+mn-ea"/>
+                <a:cs typeface="+mn-cs"/>
+              </a:defRPr>
+            </a:lvl6pPr>
+            <a:lvl7pPr marL="2971800" indent="-228600" algn="l" defTabSz="914400" rtl="0" eaLnBrk="1" latinLnBrk="0" hangingPunct="1">
+              <a:lnSpc>
+                <a:spcPct val="90000"/>
+              </a:lnSpc>
+              <a:spcBef>
+                <a:spcPts val="500"/>
+              </a:spcBef>
+              <a:buFont typeface="Arial" panose="020B0604020202020204" pitchFamily="34" charset="0"/>
+              <a:buChar char="•"/>
+              <a:defRPr sz="1800" kern="1200">
+                <a:solidFill>
+                  <a:schemeClr val="tx1"/>
+                </a:solidFill>
+                <a:latin typeface="+mn-lt"/>
+                <a:ea typeface="+mn-ea"/>
+                <a:cs typeface="+mn-cs"/>
+              </a:defRPr>
+            </a:lvl7pPr>
+            <a:lvl8pPr marL="3429000" indent="-228600" algn="l" defTabSz="914400" rtl="0" eaLnBrk="1" latinLnBrk="0" hangingPunct="1">
+              <a:lnSpc>
+                <a:spcPct val="90000"/>
+              </a:lnSpc>
+              <a:spcBef>
+                <a:spcPts val="500"/>
+              </a:spcBef>
+              <a:buFont typeface="Arial" panose="020B0604020202020204" pitchFamily="34" charset="0"/>
+              <a:buChar char="•"/>
+              <a:defRPr sz="1800" kern="1200">
+                <a:solidFill>
+                  <a:schemeClr val="tx1"/>
+                </a:solidFill>
+                <a:latin typeface="+mn-lt"/>
+                <a:ea typeface="+mn-ea"/>
+                <a:cs typeface="+mn-cs"/>
+              </a:defRPr>
+            </a:lvl8pPr>
+            <a:lvl9pPr marL="3886200" indent="-228600" algn="l" defTabSz="914400" rtl="0" eaLnBrk="1" latinLnBrk="0" hangingPunct="1">
+              <a:lnSpc>
+                <a:spcPct val="90000"/>
+              </a:lnSpc>
+              <a:spcBef>
+                <a:spcPts val="500"/>
+              </a:spcBef>
+              <a:buFont typeface="Arial" panose="020B0604020202020204" pitchFamily="34" charset="0"/>
+              <a:buChar char="•"/>
+              <a:defRPr sz="1800" kern="1200">
+                <a:solidFill>
+                  <a:schemeClr val="tx1"/>
+                </a:solidFill>
+                <a:latin typeface="+mn-lt"/>
+                <a:ea typeface="+mn-ea"/>
+                <a:cs typeface="+mn-cs"/>
+              </a:defRPr>
+            </a:lvl9pPr>
+          </a:lstStyle>
+          <a:p>
+            <a:pPr>
+              <a:buFont typeface="Wingdings" panose="05000000000000000000" pitchFamily="2" charset="2"/>
+              <a:buChar char="Ø"/>
+            </a:pPr>
+            <a:r>
+              <a:rPr lang="zh-TW" altLang="en-US" sz="1600" dirty="0">
+                <a:solidFill>
+                  <a:schemeClr val="bg1"/>
+                </a:solidFill>
+              </a:rPr>
+              <a:t>追加新的檔案到最新進行的</a:t>
+            </a:r>
+            <a:r>
+              <a:rPr lang="en-US" altLang="zh-TW" sz="1600" dirty="0">
+                <a:solidFill>
+                  <a:schemeClr val="bg1"/>
+                </a:solidFill>
+              </a:rPr>
+              <a:t>Commit</a:t>
+            </a:r>
+            <a:endParaRPr lang="zh-TW" altLang="en-US" sz="1600" dirty="0">
+              <a:solidFill>
+                <a:schemeClr val="bg1"/>
+              </a:solidFill>
+            </a:endParaRPr>
+          </a:p>
+        </p:txBody>
+      </p:sp>
+      <p:sp>
+        <p:nvSpPr>
+          <p:cNvPr id="10" name="文字方塊 9">
+            <a:extLst>
+              <a:ext uri="{FF2B5EF4-FFF2-40B4-BE49-F238E27FC236}">
+                <a16:creationId xmlns:a16="http://schemas.microsoft.com/office/drawing/2014/main" id="{5925BB02-DA3D-9216-B478-858AAC4E8C5C}"/>
+              </a:ext>
+            </a:extLst>
+          </p:cNvPr>
+          <p:cNvSpPr txBox="1"/>
+          <p:nvPr/>
+        </p:nvSpPr>
+        <p:spPr>
+          <a:xfrm>
+            <a:off x="1717954" y="2747130"/>
+            <a:ext cx="4270470" cy="387927"/>
+          </a:xfrm>
+          <a:prstGeom prst="rect">
+            <a:avLst/>
+          </a:prstGeom>
+          <a:noFill/>
+        </p:spPr>
+        <p:txBody>
+          <a:bodyPr wrap="square" rtlCol="0">
+            <a:spAutoFit/>
+          </a:bodyPr>
+          <a:lstStyle/>
+          <a:p>
+            <a:pPr>
+              <a:lnSpc>
+                <a:spcPct val="150000"/>
+              </a:lnSpc>
+            </a:pPr>
+            <a:r>
+              <a:rPr lang="zh-TW" altLang="en-US" sz="1400" dirty="0">
+                <a:solidFill>
+                  <a:schemeClr val="bg1"/>
+                </a:solidFill>
+                <a:latin typeface="Courier New" panose="02070309020205020404" pitchFamily="49" charset="0"/>
+                <a:cs typeface="Courier New" panose="02070309020205020404" pitchFamily="49" charset="0"/>
+              </a:rPr>
+              <a:t>先使用</a:t>
+            </a:r>
+            <a:r>
+              <a:rPr lang="en-US" altLang="zh-TW" sz="1400" dirty="0">
+                <a:solidFill>
+                  <a:schemeClr val="bg1"/>
+                </a:solidFill>
+                <a:latin typeface="Courier New" panose="02070309020205020404" pitchFamily="49" charset="0"/>
+                <a:cs typeface="Courier New" panose="02070309020205020404" pitchFamily="49" charset="0"/>
+              </a:rPr>
+              <a:t>”</a:t>
+            </a:r>
+            <a:r>
+              <a:rPr lang="en-US" altLang="zh-TW" sz="1400" dirty="0">
+                <a:solidFill>
+                  <a:srgbClr val="00FF00"/>
+                </a:solidFill>
+                <a:latin typeface="Courier New" panose="02070309020205020404" pitchFamily="49" charset="0"/>
+                <a:cs typeface="Courier New" panose="02070309020205020404" pitchFamily="49" charset="0"/>
+              </a:rPr>
+              <a:t>add</a:t>
+            </a:r>
+            <a:r>
+              <a:rPr lang="en-US" altLang="zh-TW" sz="1400" dirty="0">
+                <a:solidFill>
+                  <a:schemeClr val="bg1"/>
+                </a:solidFill>
+                <a:latin typeface="Courier New" panose="02070309020205020404" pitchFamily="49" charset="0"/>
+                <a:cs typeface="Courier New" panose="02070309020205020404" pitchFamily="49" charset="0"/>
+              </a:rPr>
+              <a:t>”</a:t>
+            </a:r>
+            <a:r>
+              <a:rPr lang="zh-TW" altLang="en-US" sz="1400" dirty="0">
+                <a:solidFill>
+                  <a:schemeClr val="bg1"/>
+                </a:solidFill>
+                <a:latin typeface="Courier New" panose="02070309020205020404" pitchFamily="49" charset="0"/>
+                <a:cs typeface="Courier New" panose="02070309020205020404" pitchFamily="49" charset="0"/>
+              </a:rPr>
+              <a:t>指令將追加新增的檔案存入暫存區</a:t>
+            </a:r>
+            <a:endParaRPr lang="zh-TW" altLang="en-US" sz="1400" dirty="0">
+              <a:solidFill>
+                <a:srgbClr val="00FF00"/>
+              </a:solidFill>
+              <a:latin typeface="Courier New" panose="02070309020205020404" pitchFamily="49" charset="0"/>
+              <a:cs typeface="Courier New" panose="02070309020205020404" pitchFamily="49" charset="0"/>
+            </a:endParaRPr>
+          </a:p>
+        </p:txBody>
+      </p:sp>
+      <p:sp>
+        <p:nvSpPr>
+          <p:cNvPr id="11" name="文字方塊 10">
+            <a:extLst>
+              <a:ext uri="{FF2B5EF4-FFF2-40B4-BE49-F238E27FC236}">
+                <a16:creationId xmlns:a16="http://schemas.microsoft.com/office/drawing/2014/main" id="{82ADFFC7-B86B-E118-5A9F-D17BE24B8679}"/>
+              </a:ext>
+            </a:extLst>
+          </p:cNvPr>
+          <p:cNvSpPr txBox="1"/>
+          <p:nvPr/>
+        </p:nvSpPr>
+        <p:spPr>
+          <a:xfrm>
+            <a:off x="2034847" y="5092946"/>
+            <a:ext cx="3433623" cy="276999"/>
+          </a:xfrm>
+          <a:prstGeom prst="rect">
+            <a:avLst/>
+          </a:prstGeom>
+          <a:noFill/>
+        </p:spPr>
+        <p:txBody>
+          <a:bodyPr wrap="square" rtlCol="0">
+            <a:spAutoFit/>
+          </a:bodyPr>
+          <a:lstStyle/>
+          <a:p>
+            <a:r>
+              <a:rPr lang="en-US" altLang="zh-TW" sz="1200" dirty="0">
+                <a:solidFill>
+                  <a:schemeClr val="bg1"/>
+                </a:solidFill>
+                <a:latin typeface="Courier New" panose="02070309020205020404" pitchFamily="49" charset="0"/>
+                <a:cs typeface="Courier New" panose="02070309020205020404" pitchFamily="49" charset="0"/>
+              </a:rPr>
+              <a:t>$</a:t>
+            </a:r>
+            <a:r>
+              <a:rPr lang="zh-TW" altLang="en-US" sz="1200" dirty="0">
+                <a:solidFill>
+                  <a:srgbClr val="00FF00"/>
+                </a:solidFill>
+                <a:latin typeface="Courier New" panose="02070309020205020404" pitchFamily="49" charset="0"/>
+                <a:cs typeface="Courier New" panose="02070309020205020404" pitchFamily="49" charset="0"/>
+              </a:rPr>
+              <a:t> </a:t>
+            </a:r>
+            <a:r>
+              <a:rPr lang="en-US" altLang="zh-TW" sz="1200" dirty="0">
+                <a:solidFill>
+                  <a:srgbClr val="00FF00"/>
+                </a:solidFill>
+                <a:latin typeface="Courier New" panose="02070309020205020404" pitchFamily="49" charset="0"/>
+                <a:cs typeface="Courier New" panose="02070309020205020404" pitchFamily="49" charset="0"/>
+              </a:rPr>
+              <a:t>git commit –-amend --no-edit</a:t>
+            </a:r>
+            <a:endParaRPr lang="en-US" altLang="zh-TW" sz="1200" dirty="0">
+              <a:solidFill>
+                <a:srgbClr val="33CCCC"/>
+              </a:solidFill>
+              <a:latin typeface="Courier New" panose="02070309020205020404" pitchFamily="49" charset="0"/>
+              <a:cs typeface="Courier New" panose="02070309020205020404" pitchFamily="49" charset="0"/>
+            </a:endParaRPr>
+          </a:p>
+        </p:txBody>
+      </p:sp>
+      <p:sp>
+        <p:nvSpPr>
+          <p:cNvPr id="15" name="文字方塊 14">
+            <a:extLst>
+              <a:ext uri="{FF2B5EF4-FFF2-40B4-BE49-F238E27FC236}">
+                <a16:creationId xmlns:a16="http://schemas.microsoft.com/office/drawing/2014/main" id="{E19796DC-BFAE-3104-49F0-5B9F5D065D7E}"/>
+              </a:ext>
+            </a:extLst>
+          </p:cNvPr>
+          <p:cNvSpPr txBox="1"/>
+          <p:nvPr/>
+        </p:nvSpPr>
+        <p:spPr>
+          <a:xfrm>
+            <a:off x="1717954" y="4527738"/>
+            <a:ext cx="6215811" cy="387927"/>
+          </a:xfrm>
+          <a:prstGeom prst="rect">
+            <a:avLst/>
+          </a:prstGeom>
+          <a:noFill/>
+        </p:spPr>
+        <p:txBody>
+          <a:bodyPr wrap="square" rtlCol="0">
+            <a:spAutoFit/>
+          </a:bodyPr>
+          <a:lstStyle/>
+          <a:p>
+            <a:pPr>
+              <a:lnSpc>
+                <a:spcPct val="150000"/>
+              </a:lnSpc>
+            </a:pPr>
+            <a:r>
+              <a:rPr lang="zh-TW" altLang="en-US" sz="1400" dirty="0">
+                <a:solidFill>
+                  <a:schemeClr val="bg1"/>
+                </a:solidFill>
+                <a:latin typeface="Courier New" panose="02070309020205020404" pitchFamily="49" charset="0"/>
+                <a:cs typeface="Courier New" panose="02070309020205020404" pitchFamily="49" charset="0"/>
+              </a:rPr>
+              <a:t>使用</a:t>
+            </a:r>
+            <a:r>
+              <a:rPr lang="en-US" altLang="zh-TW" sz="1400" dirty="0">
+                <a:solidFill>
+                  <a:schemeClr val="bg1"/>
+                </a:solidFill>
+                <a:latin typeface="Courier New" panose="02070309020205020404" pitchFamily="49" charset="0"/>
+                <a:cs typeface="Courier New" panose="02070309020205020404" pitchFamily="49" charset="0"/>
+              </a:rPr>
+              <a:t>“</a:t>
+            </a:r>
+            <a:r>
+              <a:rPr lang="en-US" altLang="zh-TW" sz="1400" dirty="0">
+                <a:solidFill>
+                  <a:srgbClr val="00FF00"/>
+                </a:solidFill>
+                <a:latin typeface="Courier New" panose="02070309020205020404" pitchFamily="49" charset="0"/>
+                <a:cs typeface="Courier New" panose="02070309020205020404" pitchFamily="49" charset="0"/>
+              </a:rPr>
+              <a:t>commit</a:t>
+            </a:r>
+            <a:r>
+              <a:rPr lang="en-US" altLang="zh-TW" sz="1400" dirty="0">
+                <a:solidFill>
+                  <a:schemeClr val="bg1"/>
+                </a:solidFill>
+                <a:latin typeface="Courier New" panose="02070309020205020404" pitchFamily="49" charset="0"/>
+                <a:cs typeface="Courier New" panose="02070309020205020404" pitchFamily="49" charset="0"/>
+              </a:rPr>
+              <a:t>”</a:t>
+            </a:r>
+            <a:r>
+              <a:rPr lang="zh-TW" altLang="en-US" sz="1400" dirty="0">
+                <a:solidFill>
+                  <a:schemeClr val="bg1"/>
+                </a:solidFill>
+                <a:latin typeface="Courier New" panose="02070309020205020404" pitchFamily="49" charset="0"/>
+                <a:cs typeface="Courier New" panose="02070309020205020404" pitchFamily="49" charset="0"/>
+              </a:rPr>
+              <a:t>指令，後面加上參數 </a:t>
+            </a:r>
+            <a:r>
+              <a:rPr lang="en-US" altLang="zh-TW" sz="1400" dirty="0">
+                <a:solidFill>
+                  <a:schemeClr val="bg1"/>
+                </a:solidFill>
+                <a:latin typeface="Courier New" panose="02070309020205020404" pitchFamily="49" charset="0"/>
+                <a:cs typeface="Courier New" panose="02070309020205020404" pitchFamily="49" charset="0"/>
+              </a:rPr>
+              <a:t>“</a:t>
+            </a:r>
+            <a:r>
+              <a:rPr lang="en-US" altLang="zh-TW" sz="1400" dirty="0">
+                <a:solidFill>
+                  <a:srgbClr val="FFFF00"/>
+                </a:solidFill>
+                <a:latin typeface="Courier New" panose="02070309020205020404" pitchFamily="49" charset="0"/>
+                <a:cs typeface="Courier New" panose="02070309020205020404" pitchFamily="49" charset="0"/>
+              </a:rPr>
+              <a:t>--amend --no-edit</a:t>
+            </a:r>
+            <a:r>
+              <a:rPr lang="en-US" altLang="zh-TW" sz="1400" dirty="0">
+                <a:solidFill>
+                  <a:schemeClr val="bg1"/>
+                </a:solidFill>
+                <a:latin typeface="Courier New" panose="02070309020205020404" pitchFamily="49" charset="0"/>
+                <a:cs typeface="Courier New" panose="02070309020205020404" pitchFamily="49" charset="0"/>
+              </a:rPr>
+              <a:t>”:</a:t>
+            </a:r>
+            <a:endParaRPr lang="zh-TW" altLang="en-US" sz="1400" dirty="0">
+              <a:solidFill>
+                <a:srgbClr val="00FF00"/>
+              </a:solidFill>
+              <a:latin typeface="Courier New" panose="02070309020205020404" pitchFamily="49" charset="0"/>
+              <a:cs typeface="Courier New" panose="02070309020205020404" pitchFamily="49" charset="0"/>
+            </a:endParaRPr>
+          </a:p>
+        </p:txBody>
+      </p:sp>
+      <p:sp>
+        <p:nvSpPr>
+          <p:cNvPr id="17" name="文字方塊 16">
+            <a:extLst>
+              <a:ext uri="{FF2B5EF4-FFF2-40B4-BE49-F238E27FC236}">
+                <a16:creationId xmlns:a16="http://schemas.microsoft.com/office/drawing/2014/main" id="{D28976AA-47BA-5BA4-690F-09CE49A5E27F}"/>
+              </a:ext>
+            </a:extLst>
+          </p:cNvPr>
+          <p:cNvSpPr txBox="1"/>
+          <p:nvPr/>
+        </p:nvSpPr>
+        <p:spPr>
+          <a:xfrm>
+            <a:off x="6334460" y="5951402"/>
+            <a:ext cx="3600953" cy="345672"/>
+          </a:xfrm>
+          <a:prstGeom prst="rect">
+            <a:avLst/>
+          </a:prstGeom>
+          <a:noFill/>
+        </p:spPr>
+        <p:txBody>
+          <a:bodyPr wrap="square" rtlCol="0">
+            <a:spAutoFit/>
+          </a:bodyPr>
+          <a:lstStyle/>
+          <a:p>
+            <a:pPr>
+              <a:lnSpc>
+                <a:spcPct val="150000"/>
+              </a:lnSpc>
+            </a:pPr>
+            <a:r>
+              <a:rPr lang="zh-TW" altLang="en-US" sz="1200" dirty="0">
+                <a:solidFill>
+                  <a:schemeClr val="bg1">
+                    <a:lumMod val="65000"/>
+                  </a:schemeClr>
+                </a:solidFill>
+                <a:latin typeface="Courier New" panose="02070309020205020404" pitchFamily="49" charset="0"/>
+                <a:cs typeface="Courier New" panose="02070309020205020404" pitchFamily="49" charset="0"/>
+              </a:rPr>
+              <a:t>直接將追加的檔案合併到最新一次的</a:t>
+            </a:r>
+            <a:r>
+              <a:rPr lang="en-US" altLang="zh-TW" sz="1200" dirty="0">
+                <a:solidFill>
+                  <a:schemeClr val="bg1">
+                    <a:lumMod val="65000"/>
+                  </a:schemeClr>
+                </a:solidFill>
+                <a:latin typeface="Courier New" panose="02070309020205020404" pitchFamily="49" charset="0"/>
+                <a:cs typeface="Courier New" panose="02070309020205020404" pitchFamily="49" charset="0"/>
+              </a:rPr>
+              <a:t>commit</a:t>
+            </a:r>
+            <a:r>
+              <a:rPr lang="zh-TW" altLang="en-US" sz="1200" dirty="0">
+                <a:solidFill>
+                  <a:schemeClr val="bg1">
+                    <a:lumMod val="65000"/>
+                  </a:schemeClr>
+                </a:solidFill>
+                <a:latin typeface="Courier New" panose="02070309020205020404" pitchFamily="49" charset="0"/>
+                <a:cs typeface="Courier New" panose="02070309020205020404" pitchFamily="49" charset="0"/>
+              </a:rPr>
+              <a:t>中。</a:t>
+            </a:r>
+            <a:endParaRPr lang="zh-TW" altLang="en-US" sz="1200" dirty="0">
+              <a:solidFill>
+                <a:srgbClr val="00FF00"/>
+              </a:solidFill>
+              <a:latin typeface="Courier New" panose="02070309020205020404" pitchFamily="49" charset="0"/>
+              <a:cs typeface="Courier New" panose="02070309020205020404" pitchFamily="49" charset="0"/>
+            </a:endParaRPr>
+          </a:p>
+        </p:txBody>
+      </p:sp>
+      <p:sp>
+        <p:nvSpPr>
+          <p:cNvPr id="18" name="文字方塊 17">
+            <a:extLst>
+              <a:ext uri="{FF2B5EF4-FFF2-40B4-BE49-F238E27FC236}">
+                <a16:creationId xmlns:a16="http://schemas.microsoft.com/office/drawing/2014/main" id="{6CDF7418-1A23-891C-B24F-A967AF472913}"/>
+              </a:ext>
+            </a:extLst>
+          </p:cNvPr>
+          <p:cNvSpPr txBox="1"/>
+          <p:nvPr/>
+        </p:nvSpPr>
+        <p:spPr>
+          <a:xfrm>
+            <a:off x="5203817" y="5072941"/>
+            <a:ext cx="4478065" cy="276999"/>
+          </a:xfrm>
+          <a:prstGeom prst="rect">
+            <a:avLst/>
+          </a:prstGeom>
+          <a:noFill/>
+        </p:spPr>
+        <p:txBody>
+          <a:bodyPr wrap="square" rtlCol="0">
+            <a:spAutoFit/>
+          </a:bodyPr>
+          <a:lstStyle/>
+          <a:p>
+            <a:r>
+              <a:rPr lang="en-US" altLang="zh-TW" sz="1200" dirty="0">
+                <a:solidFill>
+                  <a:schemeClr val="bg1"/>
+                </a:solidFill>
+                <a:latin typeface="Courier New" panose="02070309020205020404" pitchFamily="49" charset="0"/>
+                <a:cs typeface="Courier New" panose="02070309020205020404" pitchFamily="49" charset="0"/>
+              </a:rPr>
+              <a:t>no-edit</a:t>
+            </a:r>
+            <a:r>
+              <a:rPr lang="zh-TW" altLang="en-US" sz="1200" dirty="0">
+                <a:solidFill>
+                  <a:schemeClr val="bg1"/>
+                </a:solidFill>
+                <a:latin typeface="Courier New" panose="02070309020205020404" pitchFamily="49" charset="0"/>
+                <a:cs typeface="Courier New" panose="02070309020205020404" pitchFamily="49" charset="0"/>
+              </a:rPr>
+              <a:t>就是代表此次的</a:t>
+            </a:r>
+            <a:r>
+              <a:rPr lang="en-US" altLang="zh-TW" sz="1200" dirty="0">
+                <a:solidFill>
+                  <a:schemeClr val="bg1"/>
+                </a:solidFill>
+                <a:latin typeface="Courier New" panose="02070309020205020404" pitchFamily="49" charset="0"/>
+                <a:cs typeface="Courier New" panose="02070309020205020404" pitchFamily="49" charset="0"/>
+              </a:rPr>
+              <a:t>commit</a:t>
+            </a:r>
+            <a:r>
+              <a:rPr lang="zh-TW" altLang="en-US" sz="1200" dirty="0">
+                <a:solidFill>
+                  <a:schemeClr val="bg1"/>
+                </a:solidFill>
+                <a:latin typeface="Courier New" panose="02070309020205020404" pitchFamily="49" charset="0"/>
+                <a:cs typeface="Courier New" panose="02070309020205020404" pitchFamily="49" charset="0"/>
+              </a:rPr>
+              <a:t>不要加入</a:t>
+            </a:r>
+            <a:r>
+              <a:rPr lang="en-US" altLang="zh-TW" sz="1200" dirty="0">
+                <a:solidFill>
+                  <a:schemeClr val="bg1"/>
+                </a:solidFill>
+                <a:latin typeface="Courier New" panose="02070309020205020404" pitchFamily="49" charset="0"/>
+                <a:cs typeface="Courier New" panose="02070309020205020404" pitchFamily="49" charset="0"/>
+              </a:rPr>
+              <a:t>commit</a:t>
+            </a:r>
+            <a:r>
+              <a:rPr lang="zh-TW" altLang="en-US" sz="1200" dirty="0">
+                <a:solidFill>
+                  <a:schemeClr val="bg1"/>
+                </a:solidFill>
+                <a:latin typeface="Courier New" panose="02070309020205020404" pitchFamily="49" charset="0"/>
+                <a:cs typeface="Courier New" panose="02070309020205020404" pitchFamily="49" charset="0"/>
+              </a:rPr>
+              <a:t>內容編輯</a:t>
+            </a:r>
+            <a:endParaRPr lang="en-US" altLang="zh-TW" sz="1200" dirty="0">
+              <a:solidFill>
+                <a:srgbClr val="33CCCC"/>
+              </a:solidFill>
+              <a:latin typeface="Courier New" panose="02070309020205020404" pitchFamily="49" charset="0"/>
+              <a:cs typeface="Courier New" panose="02070309020205020404" pitchFamily="49" charset="0"/>
+            </a:endParaRPr>
+          </a:p>
+        </p:txBody>
+      </p:sp>
+      <p:pic>
+        <p:nvPicPr>
+          <p:cNvPr id="19" name="圖片 18">
+            <a:extLst>
+              <a:ext uri="{FF2B5EF4-FFF2-40B4-BE49-F238E27FC236}">
+                <a16:creationId xmlns:a16="http://schemas.microsoft.com/office/drawing/2014/main" id="{AF02831A-2004-6F04-81C3-0F59BEECCC5B}"/>
+              </a:ext>
+            </a:extLst>
+          </p:cNvPr>
+          <p:cNvPicPr>
+            <a:picLocks noChangeAspect="1"/>
+          </p:cNvPicPr>
+          <p:nvPr/>
+        </p:nvPicPr>
+        <p:blipFill>
+          <a:blip r:embed="rId2"/>
+          <a:stretch>
+            <a:fillRect/>
+          </a:stretch>
+        </p:blipFill>
+        <p:spPr>
+          <a:xfrm>
+            <a:off x="6588722" y="2397680"/>
+            <a:ext cx="5243947" cy="738810"/>
+          </a:xfrm>
+          <a:prstGeom prst="rect">
+            <a:avLst/>
+          </a:prstGeom>
+        </p:spPr>
+      </p:pic>
+      <p:pic>
+        <p:nvPicPr>
+          <p:cNvPr id="20" name="圖片 19">
+            <a:extLst>
+              <a:ext uri="{FF2B5EF4-FFF2-40B4-BE49-F238E27FC236}">
+                <a16:creationId xmlns:a16="http://schemas.microsoft.com/office/drawing/2014/main" id="{4EC2DAD0-3073-DB2F-30BF-8E91C4D2F297}"/>
+              </a:ext>
+            </a:extLst>
+          </p:cNvPr>
+          <p:cNvPicPr>
+            <a:picLocks noChangeAspect="1"/>
+          </p:cNvPicPr>
+          <p:nvPr/>
+        </p:nvPicPr>
+        <p:blipFill>
+          <a:blip r:embed="rId3"/>
+          <a:stretch>
+            <a:fillRect/>
+          </a:stretch>
+        </p:blipFill>
+        <p:spPr>
+          <a:xfrm>
+            <a:off x="2193726" y="3393350"/>
+            <a:ext cx="5450125" cy="1078129"/>
+          </a:xfrm>
+          <a:prstGeom prst="rect">
+            <a:avLst/>
+          </a:prstGeom>
+        </p:spPr>
+      </p:pic>
+      <p:pic>
+        <p:nvPicPr>
+          <p:cNvPr id="21" name="圖片 20">
+            <a:extLst>
+              <a:ext uri="{FF2B5EF4-FFF2-40B4-BE49-F238E27FC236}">
+                <a16:creationId xmlns:a16="http://schemas.microsoft.com/office/drawing/2014/main" id="{3DBD206C-1A03-E952-C854-C05B07E41B09}"/>
+              </a:ext>
+            </a:extLst>
+          </p:cNvPr>
+          <p:cNvPicPr>
+            <a:picLocks noChangeAspect="1"/>
+          </p:cNvPicPr>
+          <p:nvPr/>
+        </p:nvPicPr>
+        <p:blipFill>
+          <a:blip r:embed="rId4"/>
+          <a:stretch>
+            <a:fillRect/>
+          </a:stretch>
+        </p:blipFill>
+        <p:spPr>
+          <a:xfrm>
+            <a:off x="2495047" y="5644420"/>
+            <a:ext cx="3600953" cy="895475"/>
+          </a:xfrm>
+          <a:prstGeom prst="rect">
+            <a:avLst/>
+          </a:prstGeom>
+        </p:spPr>
+      </p:pic>
+    </p:spTree>
+    <p:extLst>
+      <p:ext uri="{BB962C8B-B14F-4D97-AF65-F5344CB8AC3E}">
+        <p14:creationId xmlns:p14="http://schemas.microsoft.com/office/powerpoint/2010/main" val="2303895570"/>
+      </p:ext>
+    </p:extLst>
+  </p:cSld>
+  <p:clrMapOvr>
+    <a:masterClrMapping/>
+  </p:clrMapOvr>
+</p:sld>
+</file>
+
+<file path=ppt/slides/slide11.xml><?xml version="1.0" encoding="utf-8"?>
+<p:sld xmlns:a="http://schemas.openxmlformats.org/drawingml/2006/main" xmlns:r="http://schemas.openxmlformats.org/officeDocument/2006/relationships" xmlns:p="http://schemas.openxmlformats.org/presentationml/2006/main">
+  <p:cSld>
+    <p:bg>
+      <p:bgPr>
+        <a:solidFill>
+          <a:schemeClr val="tx1">
+            <a:lumMod val="75000"/>
+            <a:lumOff val="25000"/>
+          </a:schemeClr>
+        </a:solidFill>
+        <a:effectLst/>
+      </p:bgPr>
+    </p:bg>
+    <p:spTree>
+      <p:nvGrpSpPr>
+        <p:cNvPr id="1" name="">
+          <a:extLst>
+            <a:ext uri="{FF2B5EF4-FFF2-40B4-BE49-F238E27FC236}">
               <a16:creationId xmlns:a16="http://schemas.microsoft.com/office/drawing/2014/main" id="{FD82A9D9-DE65-9FDC-801B-CA651E8E4D47}"/>
             </a:ext>
           </a:extLst>
@@ -5233,7 +6190,7 @@
 </p:sld>
 </file>
 
-<file path=ppt/slides/slide11.xml><?xml version="1.0" encoding="utf-8"?>
+<file path=ppt/slides/slide12.xml><?xml version="1.0" encoding="utf-8"?>
 <p:sld xmlns:a="http://schemas.openxmlformats.org/drawingml/2006/main" xmlns:r="http://schemas.openxmlformats.org/officeDocument/2006/relationships" xmlns:p="http://schemas.openxmlformats.org/presentationml/2006/main">
   <p:cSld>
     <p:bg>
@@ -6651,7 +7608,7 @@
 </p:sld>
 </file>
 
-<file path=ppt/slides/slide12.xml><?xml version="1.0" encoding="utf-8"?>
+<file path=ppt/slides/slide13.xml><?xml version="1.0" encoding="utf-8"?>
 <p:sld xmlns:a="http://schemas.openxmlformats.org/drawingml/2006/main" xmlns:r="http://schemas.openxmlformats.org/officeDocument/2006/relationships" xmlns:p="http://schemas.openxmlformats.org/presentationml/2006/main">
   <p:cSld>
     <p:bg>
@@ -7847,7 +8804,7 @@
 </p:sld>
 </file>
 
-<file path=ppt/slides/slide13.xml><?xml version="1.0" encoding="utf-8"?>
+<file path=ppt/slides/slide14.xml><?xml version="1.0" encoding="utf-8"?>
 <p:sld xmlns:a="http://schemas.openxmlformats.org/drawingml/2006/main" xmlns:r="http://schemas.openxmlformats.org/officeDocument/2006/relationships" xmlns:p="http://schemas.openxmlformats.org/presentationml/2006/main">
   <p:cSld>
     <p:bg>
@@ -9056,7 +10013,973 @@
 </p:sld>
 </file>
 
-<file path=ppt/slides/slide14.xml><?xml version="1.0" encoding="utf-8"?>
+<file path=ppt/slides/slide15.xml><?xml version="1.0" encoding="utf-8"?>
+<p:sld xmlns:a="http://schemas.openxmlformats.org/drawingml/2006/main" xmlns:r="http://schemas.openxmlformats.org/officeDocument/2006/relationships" xmlns:p="http://schemas.openxmlformats.org/presentationml/2006/main">
+  <p:cSld>
+    <p:bg>
+      <p:bgPr>
+        <a:solidFill>
+          <a:schemeClr val="tx1">
+            <a:lumMod val="75000"/>
+            <a:lumOff val="25000"/>
+          </a:schemeClr>
+        </a:solidFill>
+        <a:effectLst/>
+      </p:bgPr>
+    </p:bg>
+    <p:spTree>
+      <p:nvGrpSpPr>
+        <p:cNvPr id="1" name="">
+          <a:extLst>
+            <a:ext uri="{FF2B5EF4-FFF2-40B4-BE49-F238E27FC236}">
+              <a16:creationId xmlns:a16="http://schemas.microsoft.com/office/drawing/2014/main" id="{6F8949AB-C3E1-5412-C113-45D77003CA2A}"/>
+            </a:ext>
+          </a:extLst>
+        </p:cNvPr>
+        <p:cNvGrpSpPr/>
+        <p:nvPr/>
+      </p:nvGrpSpPr>
+      <p:grpSpPr>
+        <a:xfrm>
+          <a:off x="0" y="0"/>
+          <a:ext cx="0" cy="0"/>
+          <a:chOff x="0" y="0"/>
+          <a:chExt cx="0" cy="0"/>
+        </a:xfrm>
+      </p:grpSpPr>
+      <p:sp>
+        <p:nvSpPr>
+          <p:cNvPr id="2" name="標題 1">
+            <a:extLst>
+              <a:ext uri="{FF2B5EF4-FFF2-40B4-BE49-F238E27FC236}">
+                <a16:creationId xmlns:a16="http://schemas.microsoft.com/office/drawing/2014/main" id="{37A7A89E-3358-F33C-635C-A82680813661}"/>
+              </a:ext>
+            </a:extLst>
+          </p:cNvPr>
+          <p:cNvSpPr>
+            <a:spLocks noGrp="1"/>
+          </p:cNvSpPr>
+          <p:nvPr>
+            <p:ph type="title"/>
+          </p:nvPr>
+        </p:nvSpPr>
+        <p:spPr>
+          <a:xfrm>
+            <a:off x="640079" y="1102718"/>
+            <a:ext cx="10890929" cy="662474"/>
+          </a:xfrm>
+        </p:spPr>
+        <p:txBody>
+          <a:bodyPr anchor="ctr" anchorCtr="0">
+            <a:normAutofit/>
+          </a:bodyPr>
+          <a:lstStyle/>
+          <a:p>
+            <a:r>
+              <a:rPr lang="en-US" altLang="zh-TW" sz="3200" dirty="0">
+                <a:solidFill>
+                  <a:srgbClr val="FFC000"/>
+                </a:solidFill>
+              </a:rPr>
+              <a:t>Git Bash – Command Line</a:t>
+            </a:r>
+            <a:endParaRPr lang="zh-TW" altLang="en-US" sz="3200" dirty="0">
+              <a:solidFill>
+                <a:srgbClr val="FFC000"/>
+              </a:solidFill>
+            </a:endParaRPr>
+          </a:p>
+        </p:txBody>
+      </p:sp>
+      <p:sp>
+        <p:nvSpPr>
+          <p:cNvPr id="3" name="內容版面配置區 2">
+            <a:extLst>
+              <a:ext uri="{FF2B5EF4-FFF2-40B4-BE49-F238E27FC236}">
+                <a16:creationId xmlns:a16="http://schemas.microsoft.com/office/drawing/2014/main" id="{BCD1334E-696C-48ED-124F-550400F12E74}"/>
+              </a:ext>
+            </a:extLst>
+          </p:cNvPr>
+          <p:cNvSpPr>
+            <a:spLocks noGrp="1"/>
+          </p:cNvSpPr>
+          <p:nvPr>
+            <p:ph idx="1"/>
+          </p:nvPr>
+        </p:nvSpPr>
+        <p:spPr>
+          <a:xfrm>
+            <a:off x="797097" y="1765192"/>
+            <a:ext cx="5496127" cy="547027"/>
+          </a:xfrm>
+        </p:spPr>
+        <p:txBody>
+          <a:bodyPr anchor="ctr" anchorCtr="0">
+            <a:noAutofit/>
+          </a:bodyPr>
+          <a:lstStyle/>
+          <a:p>
+            <a:pPr>
+              <a:buFont typeface="Wingdings" panose="05000000000000000000" pitchFamily="2" charset="2"/>
+              <a:buChar char="l"/>
+            </a:pPr>
+            <a:r>
+              <a:rPr lang="zh-TW" altLang="en-US" dirty="0">
+                <a:solidFill>
+                  <a:srgbClr val="00B0F0"/>
+                </a:solidFill>
+              </a:rPr>
+              <a:t> </a:t>
+            </a:r>
+            <a:r>
+              <a:rPr lang="en-US" altLang="zh-TW" dirty="0">
+                <a:solidFill>
+                  <a:srgbClr val="00B0F0"/>
+                </a:solidFill>
+              </a:rPr>
+              <a:t>Push(</a:t>
+            </a:r>
+            <a:r>
+              <a:rPr lang="zh-TW" altLang="en-US" dirty="0">
+                <a:solidFill>
+                  <a:srgbClr val="00B0F0"/>
+                </a:solidFill>
+              </a:rPr>
+              <a:t>推送</a:t>
+            </a:r>
+            <a:r>
+              <a:rPr lang="en-US" altLang="zh-TW" dirty="0">
+                <a:solidFill>
+                  <a:srgbClr val="00B0F0"/>
+                </a:solidFill>
+              </a:rPr>
+              <a:t>)</a:t>
+            </a:r>
+            <a:r>
+              <a:rPr lang="zh-TW" altLang="en-US" dirty="0">
+                <a:solidFill>
+                  <a:srgbClr val="00B0F0"/>
+                </a:solidFill>
+              </a:rPr>
+              <a:t>新分支到遠端</a:t>
+            </a:r>
+            <a:r>
+              <a:rPr lang="en-US" altLang="zh-TW" dirty="0">
+                <a:solidFill>
+                  <a:srgbClr val="00B0F0"/>
+                </a:solidFill>
+              </a:rPr>
+              <a:t>Git</a:t>
+            </a:r>
+            <a:r>
+              <a:rPr lang="zh-TW" altLang="en-US" dirty="0">
+                <a:solidFill>
+                  <a:srgbClr val="00B0F0"/>
+                </a:solidFill>
+              </a:rPr>
+              <a:t> 新分支</a:t>
+            </a:r>
+          </a:p>
+        </p:txBody>
+      </p:sp>
+      <p:sp>
+        <p:nvSpPr>
+          <p:cNvPr id="11" name="內容版面配置區 2">
+            <a:extLst>
+              <a:ext uri="{FF2B5EF4-FFF2-40B4-BE49-F238E27FC236}">
+                <a16:creationId xmlns:a16="http://schemas.microsoft.com/office/drawing/2014/main" id="{F5F62EB3-DD38-A0F2-E557-DEF1097D4922}"/>
+              </a:ext>
+            </a:extLst>
+          </p:cNvPr>
+          <p:cNvSpPr txBox="1">
+            <a:spLocks/>
+          </p:cNvSpPr>
+          <p:nvPr/>
+        </p:nvSpPr>
+        <p:spPr>
+          <a:xfrm>
+            <a:off x="1340358" y="2431410"/>
+            <a:ext cx="6503760" cy="442048"/>
+          </a:xfrm>
+          <a:prstGeom prst="rect">
+            <a:avLst/>
+          </a:prstGeom>
+        </p:spPr>
+        <p:txBody>
+          <a:bodyPr vert="horz" lIns="91440" tIns="45720" rIns="91440" bIns="45720" rtlCol="0" anchor="ctr" anchorCtr="0">
+            <a:normAutofit/>
+          </a:bodyPr>
+          <a:lstStyle>
+            <a:lvl1pPr marL="228600" indent="-228600" algn="l" defTabSz="914400" rtl="0" eaLnBrk="1" latinLnBrk="0" hangingPunct="1">
+              <a:lnSpc>
+                <a:spcPct val="120000"/>
+              </a:lnSpc>
+              <a:spcBef>
+                <a:spcPts val="1000"/>
+              </a:spcBef>
+              <a:buSzPct val="87000"/>
+              <a:buFont typeface="Arial" panose="020B0604020202020204" pitchFamily="34" charset="0"/>
+              <a:buChar char="•"/>
+              <a:defRPr sz="2000" kern="1200">
+                <a:solidFill>
+                  <a:schemeClr val="tx1"/>
+                </a:solidFill>
+                <a:latin typeface="+mn-lt"/>
+                <a:ea typeface="+mn-ea"/>
+                <a:cs typeface="+mn-cs"/>
+              </a:defRPr>
+            </a:lvl1pPr>
+            <a:lvl2pPr marL="493776" indent="-228600" algn="l" defTabSz="914400" rtl="0" eaLnBrk="1" latinLnBrk="0" hangingPunct="1">
+              <a:lnSpc>
+                <a:spcPct val="120000"/>
+              </a:lnSpc>
+              <a:spcBef>
+                <a:spcPts val="500"/>
+              </a:spcBef>
+              <a:buSzPct val="87000"/>
+              <a:buFont typeface="Arial" panose="020B0604020202020204" pitchFamily="34" charset="0"/>
+              <a:buChar char="•"/>
+              <a:defRPr sz="1800" kern="1200">
+                <a:solidFill>
+                  <a:schemeClr val="tx1"/>
+                </a:solidFill>
+                <a:latin typeface="+mn-lt"/>
+                <a:ea typeface="+mn-ea"/>
+                <a:cs typeface="+mn-cs"/>
+              </a:defRPr>
+            </a:lvl2pPr>
+            <a:lvl3pPr marL="731520" indent="-228600" algn="l" defTabSz="914400" rtl="0" eaLnBrk="1" latinLnBrk="0" hangingPunct="1">
+              <a:lnSpc>
+                <a:spcPct val="120000"/>
+              </a:lnSpc>
+              <a:spcBef>
+                <a:spcPts val="500"/>
+              </a:spcBef>
+              <a:buSzPct val="87000"/>
+              <a:buFont typeface="Arial" panose="020B0604020202020204" pitchFamily="34" charset="0"/>
+              <a:buChar char="•"/>
+              <a:defRPr sz="1600" kern="1200">
+                <a:solidFill>
+                  <a:schemeClr val="tx1"/>
+                </a:solidFill>
+                <a:latin typeface="+mn-lt"/>
+                <a:ea typeface="+mn-ea"/>
+                <a:cs typeface="+mn-cs"/>
+              </a:defRPr>
+            </a:lvl3pPr>
+            <a:lvl4pPr marL="1051560" indent="-285750" algn="l" defTabSz="914400" rtl="0" eaLnBrk="1" latinLnBrk="0" hangingPunct="1">
+              <a:lnSpc>
+                <a:spcPct val="120000"/>
+              </a:lnSpc>
+              <a:spcBef>
+                <a:spcPts val="500"/>
+              </a:spcBef>
+              <a:buSzPct val="87000"/>
+              <a:buFont typeface="Arial" panose="020B0604020202020204" pitchFamily="34" charset="0"/>
+              <a:buChar char="•"/>
+              <a:defRPr sz="1400" kern="1200">
+                <a:solidFill>
+                  <a:schemeClr val="tx1"/>
+                </a:solidFill>
+                <a:latin typeface="+mn-lt"/>
+                <a:ea typeface="+mn-ea"/>
+                <a:cs typeface="+mn-cs"/>
+              </a:defRPr>
+            </a:lvl4pPr>
+            <a:lvl5pPr marL="1298448" indent="-228600" algn="l" defTabSz="914400" rtl="0" eaLnBrk="1" latinLnBrk="0" hangingPunct="1">
+              <a:lnSpc>
+                <a:spcPct val="120000"/>
+              </a:lnSpc>
+              <a:spcBef>
+                <a:spcPts val="500"/>
+              </a:spcBef>
+              <a:buSzPct val="87000"/>
+              <a:buFont typeface="Arial" panose="020B0604020202020204" pitchFamily="34" charset="0"/>
+              <a:buChar char="•"/>
+              <a:defRPr sz="1400" kern="1200">
+                <a:solidFill>
+                  <a:schemeClr val="tx1"/>
+                </a:solidFill>
+                <a:latin typeface="+mn-lt"/>
+                <a:ea typeface="+mn-ea"/>
+                <a:cs typeface="+mn-cs"/>
+              </a:defRPr>
+            </a:lvl5pPr>
+            <a:lvl6pPr marL="2514600" indent="-228600" algn="l" defTabSz="914400" rtl="0" eaLnBrk="1" latinLnBrk="0" hangingPunct="1">
+              <a:lnSpc>
+                <a:spcPct val="90000"/>
+              </a:lnSpc>
+              <a:spcBef>
+                <a:spcPts val="500"/>
+              </a:spcBef>
+              <a:buFont typeface="Arial" panose="020B0604020202020204" pitchFamily="34" charset="0"/>
+              <a:buChar char="•"/>
+              <a:defRPr sz="1800" kern="1200">
+                <a:solidFill>
+                  <a:schemeClr val="tx1"/>
+                </a:solidFill>
+                <a:latin typeface="+mn-lt"/>
+                <a:ea typeface="+mn-ea"/>
+                <a:cs typeface="+mn-cs"/>
+              </a:defRPr>
+            </a:lvl6pPr>
+            <a:lvl7pPr marL="2971800" indent="-228600" algn="l" defTabSz="914400" rtl="0" eaLnBrk="1" latinLnBrk="0" hangingPunct="1">
+              <a:lnSpc>
+                <a:spcPct val="90000"/>
+              </a:lnSpc>
+              <a:spcBef>
+                <a:spcPts val="500"/>
+              </a:spcBef>
+              <a:buFont typeface="Arial" panose="020B0604020202020204" pitchFamily="34" charset="0"/>
+              <a:buChar char="•"/>
+              <a:defRPr sz="1800" kern="1200">
+                <a:solidFill>
+                  <a:schemeClr val="tx1"/>
+                </a:solidFill>
+                <a:latin typeface="+mn-lt"/>
+                <a:ea typeface="+mn-ea"/>
+                <a:cs typeface="+mn-cs"/>
+              </a:defRPr>
+            </a:lvl7pPr>
+            <a:lvl8pPr marL="3429000" indent="-228600" algn="l" defTabSz="914400" rtl="0" eaLnBrk="1" latinLnBrk="0" hangingPunct="1">
+              <a:lnSpc>
+                <a:spcPct val="90000"/>
+              </a:lnSpc>
+              <a:spcBef>
+                <a:spcPts val="500"/>
+              </a:spcBef>
+              <a:buFont typeface="Arial" panose="020B0604020202020204" pitchFamily="34" charset="0"/>
+              <a:buChar char="•"/>
+              <a:defRPr sz="1800" kern="1200">
+                <a:solidFill>
+                  <a:schemeClr val="tx1"/>
+                </a:solidFill>
+                <a:latin typeface="+mn-lt"/>
+                <a:ea typeface="+mn-ea"/>
+                <a:cs typeface="+mn-cs"/>
+              </a:defRPr>
+            </a:lvl8pPr>
+            <a:lvl9pPr marL="3886200" indent="-228600" algn="l" defTabSz="914400" rtl="0" eaLnBrk="1" latinLnBrk="0" hangingPunct="1">
+              <a:lnSpc>
+                <a:spcPct val="90000"/>
+              </a:lnSpc>
+              <a:spcBef>
+                <a:spcPts val="500"/>
+              </a:spcBef>
+              <a:buFont typeface="Arial" panose="020B0604020202020204" pitchFamily="34" charset="0"/>
+              <a:buChar char="•"/>
+              <a:defRPr sz="1800" kern="1200">
+                <a:solidFill>
+                  <a:schemeClr val="tx1"/>
+                </a:solidFill>
+                <a:latin typeface="+mn-lt"/>
+                <a:ea typeface="+mn-ea"/>
+                <a:cs typeface="+mn-cs"/>
+              </a:defRPr>
+            </a:lvl9pPr>
+          </a:lstStyle>
+          <a:p>
+            <a:pPr>
+              <a:buFont typeface="Wingdings" panose="05000000000000000000" pitchFamily="2" charset="2"/>
+              <a:buChar char="Ø"/>
+            </a:pPr>
+            <a:r>
+              <a:rPr lang="zh-TW" altLang="en-US" sz="1600" dirty="0">
+                <a:solidFill>
+                  <a:schemeClr val="bg1"/>
+                </a:solidFill>
+              </a:rPr>
+              <a:t>推送</a:t>
+            </a:r>
+            <a:r>
+              <a:rPr lang="en-US" altLang="zh-TW" sz="1600" dirty="0">
+                <a:solidFill>
+                  <a:schemeClr val="bg1"/>
+                </a:solidFill>
+              </a:rPr>
+              <a:t>Git</a:t>
+            </a:r>
+            <a:r>
+              <a:rPr lang="zh-TW" altLang="en-US" sz="1600" dirty="0">
+                <a:solidFill>
+                  <a:schemeClr val="bg1"/>
+                </a:solidFill>
+              </a:rPr>
+              <a:t>到遠端數據庫，同時設定追蹤</a:t>
+            </a:r>
+            <a:r>
+              <a:rPr lang="en-US" altLang="zh-TW" sz="1600" dirty="0">
+                <a:solidFill>
+                  <a:schemeClr val="bg1"/>
+                </a:solidFill>
+              </a:rPr>
+              <a:t>(track)</a:t>
+            </a:r>
+            <a:r>
+              <a:rPr lang="zh-TW" altLang="en-US" sz="1600" dirty="0">
+                <a:solidFill>
+                  <a:schemeClr val="bg1"/>
+                </a:solidFill>
+              </a:rPr>
+              <a:t>遠端分支</a:t>
+            </a:r>
+          </a:p>
+        </p:txBody>
+      </p:sp>
+      <p:sp>
+        <p:nvSpPr>
+          <p:cNvPr id="14" name="文字方塊 13">
+            <a:extLst>
+              <a:ext uri="{FF2B5EF4-FFF2-40B4-BE49-F238E27FC236}">
+                <a16:creationId xmlns:a16="http://schemas.microsoft.com/office/drawing/2014/main" id="{78CC2848-B619-D87F-35F2-FEA7D6DAD172}"/>
+              </a:ext>
+            </a:extLst>
+          </p:cNvPr>
+          <p:cNvSpPr txBox="1"/>
+          <p:nvPr/>
+        </p:nvSpPr>
+        <p:spPr>
+          <a:xfrm>
+            <a:off x="1717953" y="2974693"/>
+            <a:ext cx="9389318" cy="387927"/>
+          </a:xfrm>
+          <a:prstGeom prst="rect">
+            <a:avLst/>
+          </a:prstGeom>
+          <a:noFill/>
+        </p:spPr>
+        <p:txBody>
+          <a:bodyPr wrap="square" rtlCol="0">
+            <a:spAutoFit/>
+          </a:bodyPr>
+          <a:lstStyle/>
+          <a:p>
+            <a:pPr>
+              <a:lnSpc>
+                <a:spcPct val="150000"/>
+              </a:lnSpc>
+            </a:pPr>
+            <a:r>
+              <a:rPr lang="zh-TW" altLang="en-US" sz="1400" dirty="0">
+                <a:solidFill>
+                  <a:schemeClr val="bg1"/>
+                </a:solidFill>
+                <a:latin typeface="Courier New" panose="02070309020205020404" pitchFamily="49" charset="0"/>
+                <a:cs typeface="Courier New" panose="02070309020205020404" pitchFamily="49" charset="0"/>
+              </a:rPr>
+              <a:t>在</a:t>
+            </a:r>
+            <a:r>
+              <a:rPr lang="en-US" altLang="zh-TW" sz="1400" dirty="0">
+                <a:solidFill>
+                  <a:schemeClr val="bg1"/>
+                </a:solidFill>
+                <a:latin typeface="Courier New" panose="02070309020205020404" pitchFamily="49" charset="0"/>
+                <a:cs typeface="Courier New" panose="02070309020205020404" pitchFamily="49" charset="0"/>
+              </a:rPr>
+              <a:t>“push”</a:t>
+            </a:r>
+            <a:r>
+              <a:rPr lang="zh-TW" altLang="en-US" sz="1400" dirty="0">
+                <a:solidFill>
+                  <a:schemeClr val="bg1"/>
+                </a:solidFill>
+                <a:latin typeface="Courier New" panose="02070309020205020404" pitchFamily="49" charset="0"/>
+                <a:cs typeface="Courier New" panose="02070309020205020404" pitchFamily="49" charset="0"/>
+              </a:rPr>
+              <a:t>指令後加上參數 </a:t>
+            </a:r>
+            <a:r>
+              <a:rPr lang="en-US" altLang="zh-TW" sz="1400" dirty="0">
+                <a:solidFill>
+                  <a:schemeClr val="bg1"/>
+                </a:solidFill>
+                <a:latin typeface="Courier New" panose="02070309020205020404" pitchFamily="49" charset="0"/>
+                <a:cs typeface="Courier New" panose="02070309020205020404" pitchFamily="49" charset="0"/>
+              </a:rPr>
+              <a:t>“— —set—upstream” &lt;</a:t>
+            </a:r>
+            <a:r>
+              <a:rPr lang="zh-TW" altLang="en-US" sz="1400" dirty="0">
+                <a:solidFill>
+                  <a:schemeClr val="bg1"/>
+                </a:solidFill>
+                <a:latin typeface="Courier New" panose="02070309020205020404" pitchFamily="49" charset="0"/>
+                <a:cs typeface="Courier New" panose="02070309020205020404" pitchFamily="49" charset="0"/>
+              </a:rPr>
+              <a:t>遠端分支路徑</a:t>
+            </a:r>
+            <a:r>
+              <a:rPr lang="en-US" altLang="zh-TW" sz="1400" dirty="0">
+                <a:solidFill>
+                  <a:schemeClr val="bg1"/>
+                </a:solidFill>
+                <a:latin typeface="Courier New" panose="02070309020205020404" pitchFamily="49" charset="0"/>
+                <a:cs typeface="Courier New" panose="02070309020205020404" pitchFamily="49" charset="0"/>
+              </a:rPr>
+              <a:t>&gt;</a:t>
+            </a:r>
+            <a:r>
+              <a:rPr lang="zh-TW" altLang="en-US" sz="1400" dirty="0">
+                <a:solidFill>
+                  <a:schemeClr val="bg1"/>
+                </a:solidFill>
+                <a:latin typeface="Courier New" panose="02070309020205020404" pitchFamily="49" charset="0"/>
+                <a:cs typeface="Courier New" panose="02070309020205020404" pitchFamily="49" charset="0"/>
+              </a:rPr>
+              <a:t> </a:t>
+            </a:r>
+            <a:r>
+              <a:rPr lang="en-US" altLang="zh-TW" sz="1400" dirty="0">
+                <a:solidFill>
+                  <a:schemeClr val="bg1"/>
+                </a:solidFill>
+                <a:latin typeface="Courier New" panose="02070309020205020404" pitchFamily="49" charset="0"/>
+                <a:cs typeface="Courier New" panose="02070309020205020404" pitchFamily="49" charset="0"/>
+              </a:rPr>
+              <a:t>&lt;</a:t>
+            </a:r>
+            <a:r>
+              <a:rPr lang="zh-TW" altLang="en-US" sz="1400" dirty="0">
+                <a:solidFill>
+                  <a:schemeClr val="bg1"/>
+                </a:solidFill>
+                <a:latin typeface="Courier New" panose="02070309020205020404" pitchFamily="49" charset="0"/>
+                <a:cs typeface="Courier New" panose="02070309020205020404" pitchFamily="49" charset="0"/>
+              </a:rPr>
+              <a:t>本地端分支名稱</a:t>
+            </a:r>
+            <a:r>
+              <a:rPr lang="en-US" altLang="zh-TW" sz="1400" dirty="0">
+                <a:solidFill>
+                  <a:schemeClr val="bg1"/>
+                </a:solidFill>
+                <a:latin typeface="Courier New" panose="02070309020205020404" pitchFamily="49" charset="0"/>
+                <a:cs typeface="Courier New" panose="02070309020205020404" pitchFamily="49" charset="0"/>
+              </a:rPr>
+              <a:t>&gt;:&lt;</a:t>
+            </a:r>
+            <a:r>
+              <a:rPr lang="zh-TW" altLang="en-US" sz="1400" dirty="0">
+                <a:solidFill>
+                  <a:schemeClr val="bg1"/>
+                </a:solidFill>
+                <a:latin typeface="Courier New" panose="02070309020205020404" pitchFamily="49" charset="0"/>
+                <a:cs typeface="Courier New" panose="02070309020205020404" pitchFamily="49" charset="0"/>
+              </a:rPr>
+              <a:t>遠端分支名稱</a:t>
+            </a:r>
+            <a:r>
+              <a:rPr lang="en-US" altLang="zh-TW" sz="1400" dirty="0">
+                <a:solidFill>
+                  <a:schemeClr val="bg1"/>
+                </a:solidFill>
+                <a:latin typeface="Courier New" panose="02070309020205020404" pitchFamily="49" charset="0"/>
+                <a:cs typeface="Courier New" panose="02070309020205020404" pitchFamily="49" charset="0"/>
+              </a:rPr>
+              <a:t>&gt;</a:t>
+            </a:r>
+            <a:endParaRPr lang="zh-TW" altLang="en-US" sz="1400" dirty="0">
+              <a:solidFill>
+                <a:srgbClr val="00FF00"/>
+              </a:solidFill>
+              <a:latin typeface="Courier New" panose="02070309020205020404" pitchFamily="49" charset="0"/>
+              <a:cs typeface="Courier New" panose="02070309020205020404" pitchFamily="49" charset="0"/>
+            </a:endParaRPr>
+          </a:p>
+        </p:txBody>
+      </p:sp>
+      <p:sp>
+        <p:nvSpPr>
+          <p:cNvPr id="16" name="文字方塊 15">
+            <a:extLst>
+              <a:ext uri="{FF2B5EF4-FFF2-40B4-BE49-F238E27FC236}">
+                <a16:creationId xmlns:a16="http://schemas.microsoft.com/office/drawing/2014/main" id="{01D7F75B-2E4A-5543-0FC3-0B66DC65F618}"/>
+              </a:ext>
+            </a:extLst>
+          </p:cNvPr>
+          <p:cNvSpPr txBox="1"/>
+          <p:nvPr/>
+        </p:nvSpPr>
+        <p:spPr>
+          <a:xfrm>
+            <a:off x="1981130" y="3493191"/>
+            <a:ext cx="8525506" cy="276999"/>
+          </a:xfrm>
+          <a:prstGeom prst="rect">
+            <a:avLst/>
+          </a:prstGeom>
+          <a:noFill/>
+        </p:spPr>
+        <p:txBody>
+          <a:bodyPr wrap="square" rtlCol="0">
+            <a:spAutoFit/>
+          </a:bodyPr>
+          <a:lstStyle/>
+          <a:p>
+            <a:r>
+              <a:rPr lang="en-US" altLang="zh-TW" sz="1200" dirty="0">
+                <a:solidFill>
+                  <a:schemeClr val="bg1"/>
+                </a:solidFill>
+                <a:latin typeface="Courier New" panose="02070309020205020404" pitchFamily="49" charset="0"/>
+                <a:cs typeface="Courier New" panose="02070309020205020404" pitchFamily="49" charset="0"/>
+              </a:rPr>
+              <a:t>$</a:t>
+            </a:r>
+            <a:r>
+              <a:rPr lang="en-US" altLang="zh-TW" sz="1200" dirty="0">
+                <a:solidFill>
+                  <a:srgbClr val="00FF00"/>
+                </a:solidFill>
+                <a:latin typeface="Courier New" panose="02070309020205020404" pitchFamily="49" charset="0"/>
+                <a:cs typeface="Courier New" panose="02070309020205020404" pitchFamily="49" charset="0"/>
+              </a:rPr>
+              <a:t> git push</a:t>
+            </a:r>
+            <a:r>
+              <a:rPr lang="zh-TW" altLang="en-US" sz="1200" dirty="0">
+                <a:solidFill>
+                  <a:srgbClr val="00FF00"/>
+                </a:solidFill>
+                <a:latin typeface="Courier New" panose="02070309020205020404" pitchFamily="49" charset="0"/>
+                <a:cs typeface="Courier New" panose="02070309020205020404" pitchFamily="49" charset="0"/>
+              </a:rPr>
+              <a:t> </a:t>
+            </a:r>
+            <a:r>
+              <a:rPr lang="en-US" altLang="zh-TW" sz="1200" dirty="0">
+                <a:solidFill>
+                  <a:srgbClr val="00FF00"/>
+                </a:solidFill>
+                <a:latin typeface="Courier New" panose="02070309020205020404" pitchFamily="49" charset="0"/>
+                <a:cs typeface="Courier New" panose="02070309020205020404" pitchFamily="49" charset="0"/>
+              </a:rPr>
+              <a:t>––set–upstream d:/Daniel_SIDE_PROJECT/TestFolder/Remote master:master </a:t>
+            </a:r>
+          </a:p>
+        </p:txBody>
+      </p:sp>
+      <p:sp>
+        <p:nvSpPr>
+          <p:cNvPr id="17" name="文字方塊 16">
+            <a:extLst>
+              <a:ext uri="{FF2B5EF4-FFF2-40B4-BE49-F238E27FC236}">
+                <a16:creationId xmlns:a16="http://schemas.microsoft.com/office/drawing/2014/main" id="{56DFB556-169B-B060-1BA3-0D20DD9216CF}"/>
+              </a:ext>
+            </a:extLst>
+          </p:cNvPr>
+          <p:cNvSpPr txBox="1"/>
+          <p:nvPr/>
+        </p:nvSpPr>
+        <p:spPr>
+          <a:xfrm>
+            <a:off x="2227452" y="3944459"/>
+            <a:ext cx="8817066" cy="276999"/>
+          </a:xfrm>
+          <a:prstGeom prst="rect">
+            <a:avLst/>
+          </a:prstGeom>
+          <a:noFill/>
+        </p:spPr>
+        <p:txBody>
+          <a:bodyPr wrap="square" rtlCol="0">
+            <a:spAutoFit/>
+          </a:bodyPr>
+          <a:lstStyle/>
+          <a:p>
+            <a:r>
+              <a:rPr lang="zh-TW" altLang="en-US" sz="1200" dirty="0">
+                <a:solidFill>
+                  <a:schemeClr val="bg1"/>
+                </a:solidFill>
+                <a:latin typeface="Courier New" panose="02070309020205020404" pitchFamily="49" charset="0"/>
+                <a:cs typeface="Courier New" panose="02070309020205020404" pitchFamily="49" charset="0"/>
+              </a:rPr>
+              <a:t>語法說明 </a:t>
+            </a:r>
+            <a:r>
+              <a:rPr lang="en-US" altLang="zh-TW" sz="1200" dirty="0">
+                <a:solidFill>
+                  <a:schemeClr val="bg1"/>
+                </a:solidFill>
+                <a:latin typeface="Courier New" panose="02070309020205020404" pitchFamily="49" charset="0"/>
+                <a:cs typeface="Courier New" panose="02070309020205020404" pitchFamily="49" charset="0"/>
+              </a:rPr>
+              <a:t>:</a:t>
+            </a:r>
+            <a:r>
+              <a:rPr lang="zh-TW" altLang="en-US" sz="1200" dirty="0">
+                <a:solidFill>
+                  <a:schemeClr val="bg1"/>
+                </a:solidFill>
+                <a:latin typeface="Courier New" panose="02070309020205020404" pitchFamily="49" charset="0"/>
+                <a:cs typeface="Courier New" panose="02070309020205020404" pitchFamily="49" charset="0"/>
+              </a:rPr>
+              <a:t> 上述指令即是將本地端分支名稱</a:t>
+            </a:r>
+            <a:r>
+              <a:rPr lang="en-US" altLang="zh-TW" sz="1200" dirty="0">
+                <a:solidFill>
+                  <a:schemeClr val="bg1"/>
+                </a:solidFill>
+                <a:latin typeface="Courier New" panose="02070309020205020404" pitchFamily="49" charset="0"/>
+                <a:cs typeface="Courier New" panose="02070309020205020404" pitchFamily="49" charset="0"/>
+              </a:rPr>
+              <a:t>master</a:t>
+            </a:r>
+            <a:r>
+              <a:rPr lang="zh-TW" altLang="en-US" sz="1200" dirty="0">
+                <a:solidFill>
+                  <a:schemeClr val="bg1"/>
+                </a:solidFill>
+                <a:latin typeface="Courier New" panose="02070309020205020404" pitchFamily="49" charset="0"/>
+                <a:cs typeface="Courier New" panose="02070309020205020404" pitchFamily="49" charset="0"/>
+              </a:rPr>
+              <a:t>推送到遠地端分支名稱</a:t>
+            </a:r>
+            <a:r>
+              <a:rPr lang="en-US" altLang="zh-TW" sz="1200" dirty="0">
+                <a:solidFill>
+                  <a:schemeClr val="bg1"/>
+                </a:solidFill>
+                <a:latin typeface="Courier New" panose="02070309020205020404" pitchFamily="49" charset="0"/>
+                <a:cs typeface="Courier New" panose="02070309020205020404" pitchFamily="49" charset="0"/>
+              </a:rPr>
+              <a:t>master</a:t>
+            </a:r>
+            <a:r>
+              <a:rPr lang="zh-TW" altLang="en-US" sz="1200" dirty="0">
+                <a:solidFill>
+                  <a:schemeClr val="bg1"/>
+                </a:solidFill>
+                <a:latin typeface="Courier New" panose="02070309020205020404" pitchFamily="49" charset="0"/>
+                <a:cs typeface="Courier New" panose="02070309020205020404" pitchFamily="49" charset="0"/>
+              </a:rPr>
+              <a:t>，並同時設定本地端追蹤遠端分支路徑。</a:t>
+            </a:r>
+            <a:endParaRPr lang="en-US" altLang="zh-TW" sz="1200" dirty="0">
+              <a:solidFill>
+                <a:srgbClr val="33CCCC"/>
+              </a:solidFill>
+              <a:latin typeface="Courier New" panose="02070309020205020404" pitchFamily="49" charset="0"/>
+              <a:cs typeface="Courier New" panose="02070309020205020404" pitchFamily="49" charset="0"/>
+            </a:endParaRPr>
+          </a:p>
+        </p:txBody>
+      </p:sp>
+      <p:sp>
+        <p:nvSpPr>
+          <p:cNvPr id="18" name="文字方塊 17">
+            <a:extLst>
+              <a:ext uri="{FF2B5EF4-FFF2-40B4-BE49-F238E27FC236}">
+                <a16:creationId xmlns:a16="http://schemas.microsoft.com/office/drawing/2014/main" id="{3C1CFFF9-1BC2-1B20-B45A-660F582A4CB9}"/>
+              </a:ext>
+            </a:extLst>
+          </p:cNvPr>
+          <p:cNvSpPr txBox="1"/>
+          <p:nvPr/>
+        </p:nvSpPr>
+        <p:spPr>
+          <a:xfrm>
+            <a:off x="3988094" y="6299394"/>
+            <a:ext cx="4215808" cy="276999"/>
+          </a:xfrm>
+          <a:prstGeom prst="rect">
+            <a:avLst/>
+          </a:prstGeom>
+          <a:noFill/>
+        </p:spPr>
+        <p:txBody>
+          <a:bodyPr wrap="square" rtlCol="0">
+            <a:spAutoFit/>
+          </a:bodyPr>
+          <a:lstStyle/>
+          <a:p>
+            <a:pPr algn="ctr"/>
+            <a:r>
+              <a:rPr lang="zh-TW" altLang="en-US" sz="1200" dirty="0">
+                <a:solidFill>
+                  <a:schemeClr val="bg1">
+                    <a:lumMod val="65000"/>
+                  </a:schemeClr>
+                </a:solidFill>
+                <a:latin typeface="Courier New" panose="02070309020205020404" pitchFamily="49" charset="0"/>
+                <a:cs typeface="Courier New" panose="02070309020205020404" pitchFamily="49" charset="0"/>
+              </a:rPr>
+              <a:t>紅框上指出已設定本地端</a:t>
+            </a:r>
+            <a:r>
+              <a:rPr lang="en-US" altLang="zh-TW" sz="1200" dirty="0">
+                <a:solidFill>
+                  <a:schemeClr val="bg1">
+                    <a:lumMod val="65000"/>
+                  </a:schemeClr>
+                </a:solidFill>
+                <a:latin typeface="Courier New" panose="02070309020205020404" pitchFamily="49" charset="0"/>
+                <a:cs typeface="Courier New" panose="02070309020205020404" pitchFamily="49" charset="0"/>
+              </a:rPr>
+              <a:t>master</a:t>
+            </a:r>
+            <a:r>
+              <a:rPr lang="zh-TW" altLang="en-US" sz="1200" dirty="0">
+                <a:solidFill>
+                  <a:schemeClr val="bg1">
+                    <a:lumMod val="65000"/>
+                  </a:schemeClr>
+                </a:solidFill>
+                <a:latin typeface="Courier New" panose="02070309020205020404" pitchFamily="49" charset="0"/>
+                <a:cs typeface="Courier New" panose="02070309020205020404" pitchFamily="49" charset="0"/>
+              </a:rPr>
+              <a:t>分支追蹤遠端</a:t>
+            </a:r>
+            <a:r>
+              <a:rPr lang="en-US" altLang="zh-TW" sz="1200" dirty="0">
+                <a:solidFill>
+                  <a:schemeClr val="bg1">
+                    <a:lumMod val="65000"/>
+                  </a:schemeClr>
+                </a:solidFill>
+                <a:latin typeface="Courier New" panose="02070309020205020404" pitchFamily="49" charset="0"/>
+                <a:cs typeface="Courier New" panose="02070309020205020404" pitchFamily="49" charset="0"/>
+              </a:rPr>
+              <a:t>master</a:t>
+            </a:r>
+            <a:r>
+              <a:rPr lang="zh-TW" altLang="en-US" sz="1200" dirty="0">
+                <a:solidFill>
+                  <a:schemeClr val="bg1">
+                    <a:lumMod val="65000"/>
+                  </a:schemeClr>
+                </a:solidFill>
+                <a:latin typeface="Courier New" panose="02070309020205020404" pitchFamily="49" charset="0"/>
+                <a:cs typeface="Courier New" panose="02070309020205020404" pitchFamily="49" charset="0"/>
+              </a:rPr>
+              <a:t>分支</a:t>
+            </a:r>
+            <a:endParaRPr lang="en-US" altLang="zh-TW" sz="1200" dirty="0">
+              <a:solidFill>
+                <a:schemeClr val="bg1">
+                  <a:lumMod val="65000"/>
+                </a:schemeClr>
+              </a:solidFill>
+              <a:latin typeface="Courier New" panose="02070309020205020404" pitchFamily="49" charset="0"/>
+              <a:cs typeface="Courier New" panose="02070309020205020404" pitchFamily="49" charset="0"/>
+            </a:endParaRPr>
+          </a:p>
+        </p:txBody>
+      </p:sp>
+      <p:grpSp>
+        <p:nvGrpSpPr>
+          <p:cNvPr id="19" name="群組 18">
+            <a:extLst>
+              <a:ext uri="{FF2B5EF4-FFF2-40B4-BE49-F238E27FC236}">
+                <a16:creationId xmlns:a16="http://schemas.microsoft.com/office/drawing/2014/main" id="{FB27BF0C-8178-EBF7-1422-86006A3FC7BA}"/>
+              </a:ext>
+            </a:extLst>
+          </p:cNvPr>
+          <p:cNvGrpSpPr/>
+          <p:nvPr/>
+        </p:nvGrpSpPr>
+        <p:grpSpPr>
+          <a:xfrm>
+            <a:off x="2600048" y="4572121"/>
+            <a:ext cx="6991902" cy="1464644"/>
+            <a:chOff x="2600048" y="4572121"/>
+            <a:chExt cx="6991902" cy="1464644"/>
+          </a:xfrm>
+        </p:grpSpPr>
+        <p:pic>
+          <p:nvPicPr>
+            <p:cNvPr id="20" name="圖片 19">
+              <a:extLst>
+                <a:ext uri="{FF2B5EF4-FFF2-40B4-BE49-F238E27FC236}">
+                  <a16:creationId xmlns:a16="http://schemas.microsoft.com/office/drawing/2014/main" id="{3E9D9419-205E-27B7-4FAA-051A72F1E0E6}"/>
+                </a:ext>
+              </a:extLst>
+            </p:cNvPr>
+            <p:cNvPicPr>
+              <a:picLocks noChangeAspect="1"/>
+            </p:cNvPicPr>
+            <p:nvPr/>
+          </p:nvPicPr>
+          <p:blipFill>
+            <a:blip r:embed="rId2"/>
+            <a:stretch>
+              <a:fillRect/>
+            </a:stretch>
+          </p:blipFill>
+          <p:spPr>
+            <a:xfrm>
+              <a:off x="2600049" y="4572121"/>
+              <a:ext cx="6991901" cy="1435535"/>
+            </a:xfrm>
+            <a:prstGeom prst="rect">
+              <a:avLst/>
+            </a:prstGeom>
+          </p:spPr>
+        </p:pic>
+        <p:sp>
+          <p:nvSpPr>
+            <p:cNvPr id="21" name="矩形 20">
+              <a:extLst>
+                <a:ext uri="{FF2B5EF4-FFF2-40B4-BE49-F238E27FC236}">
+                  <a16:creationId xmlns:a16="http://schemas.microsoft.com/office/drawing/2014/main" id="{06DA336A-50FB-4F0A-1748-5C043B0251C3}"/>
+                </a:ext>
+              </a:extLst>
+            </p:cNvPr>
+            <p:cNvSpPr/>
+            <p:nvPr/>
+          </p:nvSpPr>
+          <p:spPr>
+            <a:xfrm>
+              <a:off x="2600048" y="5759766"/>
+              <a:ext cx="6991901" cy="276999"/>
+            </a:xfrm>
+            <a:prstGeom prst="rect">
+              <a:avLst/>
+            </a:prstGeom>
+            <a:noFill/>
+            <a:ln w="19050"/>
+          </p:spPr>
+          <p:style>
+            <a:lnRef idx="2">
+              <a:schemeClr val="accent5"/>
+            </a:lnRef>
+            <a:fillRef idx="1">
+              <a:schemeClr val="lt1"/>
+            </a:fillRef>
+            <a:effectRef idx="0">
+              <a:schemeClr val="accent5"/>
+            </a:effectRef>
+            <a:fontRef idx="minor">
+              <a:schemeClr val="dk1"/>
+            </a:fontRef>
+          </p:style>
+          <p:txBody>
+            <a:bodyPr rtlCol="0" anchor="ctr"/>
+            <a:lstStyle/>
+            <a:p>
+              <a:pPr algn="ctr"/>
+              <a:endParaRPr lang="zh-TW" altLang="en-US"/>
+            </a:p>
+          </p:txBody>
+        </p:sp>
+      </p:grpSp>
+    </p:spTree>
+    <p:extLst>
+      <p:ext uri="{BB962C8B-B14F-4D97-AF65-F5344CB8AC3E}">
+        <p14:creationId xmlns:p14="http://schemas.microsoft.com/office/powerpoint/2010/main" val="3694130762"/>
+      </p:ext>
+    </p:extLst>
+  </p:cSld>
+  <p:clrMapOvr>
+    <a:masterClrMapping/>
+  </p:clrMapOvr>
+</p:sld>
+</file>
+
+<file path=ppt/slides/slide16.xml><?xml version="1.0" encoding="utf-8"?>
 <p:sld xmlns:a="http://schemas.openxmlformats.org/drawingml/2006/main" xmlns:r="http://schemas.openxmlformats.org/officeDocument/2006/relationships" xmlns:p="http://schemas.openxmlformats.org/presentationml/2006/main">
   <p:cSld>
     <p:bg>
@@ -10706,7 +12629,7 @@
 </p:sld>
 </file>
 
-<file path=ppt/slides/slide15.xml><?xml version="1.0" encoding="utf-8"?>
+<file path=ppt/slides/slide17.xml><?xml version="1.0" encoding="utf-8"?>
 <p:sld xmlns:a="http://schemas.openxmlformats.org/drawingml/2006/main" xmlns:r="http://schemas.openxmlformats.org/officeDocument/2006/relationships" xmlns:p="http://schemas.openxmlformats.org/presentationml/2006/main">
   <p:cSld>
     <p:bg>
@@ -11983,7 +13906,7 @@
 </p:sld>
 </file>
 
-<file path=ppt/slides/slide16.xml><?xml version="1.0" encoding="utf-8"?>
+<file path=ppt/slides/slide18.xml><?xml version="1.0" encoding="utf-8"?>
 <p:sld xmlns:a="http://schemas.openxmlformats.org/drawingml/2006/main" xmlns:r="http://schemas.openxmlformats.org/officeDocument/2006/relationships" xmlns:p="http://schemas.openxmlformats.org/presentationml/2006/main">
   <p:cSld>
     <p:bg>
@@ -13502,7 +15425,7 @@
 </p:sld>
 </file>
 
-<file path=ppt/slides/slide17.xml><?xml version="1.0" encoding="utf-8"?>
+<file path=ppt/slides/slide19.xml><?xml version="1.0" encoding="utf-8"?>
 <p:sld xmlns:a="http://schemas.openxmlformats.org/drawingml/2006/main" xmlns:r="http://schemas.openxmlformats.org/officeDocument/2006/relationships" xmlns:p="http://schemas.openxmlformats.org/presentationml/2006/main">
   <p:cSld>
     <p:bg>
@@ -14994,7 +16917,843 @@
 </p:sld>
 </file>
 
-<file path=ppt/slides/slide18.xml><?xml version="1.0" encoding="utf-8"?>
+<file path=ppt/slides/slide2.xml><?xml version="1.0" encoding="utf-8"?>
+<p:sld xmlns:a="http://schemas.openxmlformats.org/drawingml/2006/main" xmlns:r="http://schemas.openxmlformats.org/officeDocument/2006/relationships" xmlns:p="http://schemas.openxmlformats.org/presentationml/2006/main">
+  <p:cSld>
+    <p:bg>
+      <p:bgPr>
+        <a:solidFill>
+          <a:schemeClr val="tx1">
+            <a:lumMod val="75000"/>
+            <a:lumOff val="25000"/>
+          </a:schemeClr>
+        </a:solidFill>
+        <a:effectLst/>
+      </p:bgPr>
+    </p:bg>
+    <p:spTree>
+      <p:nvGrpSpPr>
+        <p:cNvPr id="1" name=""/>
+        <p:cNvGrpSpPr/>
+        <p:nvPr/>
+      </p:nvGrpSpPr>
+      <p:grpSpPr>
+        <a:xfrm>
+          <a:off x="0" y="0"/>
+          <a:ext cx="0" cy="0"/>
+          <a:chOff x="0" y="0"/>
+          <a:chExt cx="0" cy="0"/>
+        </a:xfrm>
+      </p:grpSpPr>
+      <p:sp>
+        <p:nvSpPr>
+          <p:cNvPr id="2" name="標題 1">
+            <a:extLst>
+              <a:ext uri="{FF2B5EF4-FFF2-40B4-BE49-F238E27FC236}">
+                <a16:creationId xmlns:a16="http://schemas.microsoft.com/office/drawing/2014/main" id="{D0319E0B-CE52-5BD1-E3E7-765C35AA9D1D}"/>
+              </a:ext>
+            </a:extLst>
+          </p:cNvPr>
+          <p:cNvSpPr>
+            <a:spLocks noGrp="1"/>
+          </p:cNvSpPr>
+          <p:nvPr>
+            <p:ph type="title"/>
+          </p:nvPr>
+        </p:nvSpPr>
+        <p:spPr>
+          <a:xfrm>
+            <a:off x="640079" y="1123237"/>
+            <a:ext cx="10890929" cy="1097280"/>
+          </a:xfrm>
+        </p:spPr>
+        <p:txBody>
+          <a:bodyPr anchor="ctr" anchorCtr="0"/>
+          <a:lstStyle/>
+          <a:p>
+            <a:r>
+              <a:rPr lang="en-US" altLang="zh-TW" dirty="0">
+                <a:solidFill>
+                  <a:srgbClr val="FFC000"/>
+                </a:solidFill>
+              </a:rPr>
+              <a:t>Git Bash – Command Line</a:t>
+            </a:r>
+            <a:endParaRPr lang="zh-TW" altLang="en-US" dirty="0">
+              <a:solidFill>
+                <a:srgbClr val="FFC000"/>
+              </a:solidFill>
+            </a:endParaRPr>
+          </a:p>
+        </p:txBody>
+      </p:sp>
+      <p:sp>
+        <p:nvSpPr>
+          <p:cNvPr id="3" name="內容版面配置區 2">
+            <a:extLst>
+              <a:ext uri="{FF2B5EF4-FFF2-40B4-BE49-F238E27FC236}">
+                <a16:creationId xmlns:a16="http://schemas.microsoft.com/office/drawing/2014/main" id="{D6F5BB14-CB00-FB25-B911-203A52C54E35}"/>
+              </a:ext>
+            </a:extLst>
+          </p:cNvPr>
+          <p:cNvSpPr>
+            <a:spLocks noGrp="1"/>
+          </p:cNvSpPr>
+          <p:nvPr>
+            <p:ph idx="1"/>
+          </p:nvPr>
+        </p:nvSpPr>
+        <p:spPr>
+          <a:xfrm>
+            <a:off x="797098" y="2122664"/>
+            <a:ext cx="8439266" cy="692434"/>
+          </a:xfrm>
+        </p:spPr>
+        <p:txBody>
+          <a:bodyPr anchor="ctr" anchorCtr="0">
+            <a:noAutofit/>
+          </a:bodyPr>
+          <a:lstStyle/>
+          <a:p>
+            <a:pPr>
+              <a:buFont typeface="Wingdings" panose="05000000000000000000" pitchFamily="2" charset="2"/>
+              <a:buChar char="l"/>
+            </a:pPr>
+            <a:r>
+              <a:rPr lang="zh-TW" altLang="en-US" dirty="0">
+                <a:solidFill>
+                  <a:srgbClr val="00B0F0"/>
+                </a:solidFill>
+              </a:rPr>
+              <a:t> </a:t>
+            </a:r>
+            <a:r>
+              <a:rPr lang="en-US" altLang="zh-TW" dirty="0">
+                <a:solidFill>
+                  <a:srgbClr val="00B0F0"/>
+                </a:solidFill>
+              </a:rPr>
+              <a:t>Git</a:t>
+            </a:r>
+            <a:r>
+              <a:rPr lang="zh-TW" altLang="en-US" dirty="0">
+                <a:solidFill>
+                  <a:srgbClr val="00B0F0"/>
+                </a:solidFill>
+              </a:rPr>
+              <a:t>初次安裝完成後可透過</a:t>
+            </a:r>
+            <a:r>
+              <a:rPr lang="en-US" altLang="zh-TW" dirty="0">
+                <a:solidFill>
+                  <a:srgbClr val="00B0F0"/>
+                </a:solidFill>
+              </a:rPr>
+              <a:t>Git</a:t>
+            </a:r>
+            <a:r>
+              <a:rPr lang="zh-TW" altLang="en-US" dirty="0">
+                <a:solidFill>
+                  <a:srgbClr val="00B0F0"/>
+                </a:solidFill>
+              </a:rPr>
+              <a:t> </a:t>
+            </a:r>
+            <a:r>
+              <a:rPr lang="en-US" altLang="zh-TW" dirty="0">
+                <a:solidFill>
+                  <a:srgbClr val="00B0F0"/>
+                </a:solidFill>
+              </a:rPr>
+              <a:t>Bash</a:t>
+            </a:r>
+            <a:r>
+              <a:rPr lang="zh-TW" altLang="en-US" dirty="0">
+                <a:solidFill>
+                  <a:srgbClr val="00B0F0"/>
+                </a:solidFill>
+              </a:rPr>
+              <a:t>輸入指令查看初始的設定參數</a:t>
+            </a:r>
+          </a:p>
+        </p:txBody>
+      </p:sp>
+      <p:sp>
+        <p:nvSpPr>
+          <p:cNvPr id="4" name="文字方塊 3">
+            <a:extLst>
+              <a:ext uri="{FF2B5EF4-FFF2-40B4-BE49-F238E27FC236}">
+                <a16:creationId xmlns:a16="http://schemas.microsoft.com/office/drawing/2014/main" id="{1FBCA4F5-E5BB-3189-07AB-217E3BC6A781}"/>
+              </a:ext>
+            </a:extLst>
+          </p:cNvPr>
+          <p:cNvSpPr txBox="1"/>
+          <p:nvPr/>
+        </p:nvSpPr>
+        <p:spPr>
+          <a:xfrm>
+            <a:off x="1717955" y="3824497"/>
+            <a:ext cx="4598623" cy="338554"/>
+          </a:xfrm>
+          <a:prstGeom prst="rect">
+            <a:avLst/>
+          </a:prstGeom>
+          <a:noFill/>
+        </p:spPr>
+        <p:txBody>
+          <a:bodyPr wrap="square" rtlCol="0">
+            <a:spAutoFit/>
+          </a:bodyPr>
+          <a:lstStyle/>
+          <a:p>
+            <a:r>
+              <a:rPr lang="en-US" altLang="zh-TW" sz="1600" dirty="0">
+                <a:solidFill>
+                  <a:schemeClr val="bg1"/>
+                </a:solidFill>
+                <a:latin typeface="Courier New" panose="02070309020205020404" pitchFamily="49" charset="0"/>
+                <a:cs typeface="Courier New" panose="02070309020205020404" pitchFamily="49" charset="0"/>
+              </a:rPr>
+              <a:t>$</a:t>
+            </a:r>
+            <a:r>
+              <a:rPr lang="en-US" altLang="zh-TW" sz="1600" dirty="0">
+                <a:solidFill>
+                  <a:srgbClr val="00FF00"/>
+                </a:solidFill>
+                <a:latin typeface="Courier New" panose="02070309020205020404" pitchFamily="49" charset="0"/>
+                <a:cs typeface="Courier New" panose="02070309020205020404" pitchFamily="49" charset="0"/>
+              </a:rPr>
+              <a:t> git config ––list ––show—origin </a:t>
+            </a:r>
+            <a:endParaRPr lang="zh-TW" altLang="en-US" sz="1600" dirty="0">
+              <a:solidFill>
+                <a:srgbClr val="00FF00"/>
+              </a:solidFill>
+              <a:latin typeface="Courier New" panose="02070309020205020404" pitchFamily="49" charset="0"/>
+              <a:cs typeface="Courier New" panose="02070309020205020404" pitchFamily="49" charset="0"/>
+            </a:endParaRPr>
+          </a:p>
+        </p:txBody>
+      </p:sp>
+      <p:sp>
+        <p:nvSpPr>
+          <p:cNvPr id="5" name="內容版面配置區 2">
+            <a:extLst>
+              <a:ext uri="{FF2B5EF4-FFF2-40B4-BE49-F238E27FC236}">
+                <a16:creationId xmlns:a16="http://schemas.microsoft.com/office/drawing/2014/main" id="{D444E1D1-AFAD-CB4A-F777-381A4CD925C5}"/>
+              </a:ext>
+            </a:extLst>
+          </p:cNvPr>
+          <p:cNvSpPr txBox="1">
+            <a:spLocks/>
+          </p:cNvSpPr>
+          <p:nvPr/>
+        </p:nvSpPr>
+        <p:spPr>
+          <a:xfrm>
+            <a:off x="1340359" y="2986683"/>
+            <a:ext cx="8662622" cy="692434"/>
+          </a:xfrm>
+          <a:prstGeom prst="rect">
+            <a:avLst/>
+          </a:prstGeom>
+        </p:spPr>
+        <p:txBody>
+          <a:bodyPr vert="horz" lIns="91440" tIns="45720" rIns="91440" bIns="45720" rtlCol="0" anchor="ctr" anchorCtr="0">
+            <a:normAutofit/>
+          </a:bodyPr>
+          <a:lstStyle>
+            <a:lvl1pPr marL="228600" indent="-228600" algn="l" defTabSz="914400" rtl="0" eaLnBrk="1" latinLnBrk="0" hangingPunct="1">
+              <a:lnSpc>
+                <a:spcPct val="120000"/>
+              </a:lnSpc>
+              <a:spcBef>
+                <a:spcPts val="1000"/>
+              </a:spcBef>
+              <a:buSzPct val="87000"/>
+              <a:buFont typeface="Arial" panose="020B0604020202020204" pitchFamily="34" charset="0"/>
+              <a:buChar char="•"/>
+              <a:defRPr sz="2000" kern="1200">
+                <a:solidFill>
+                  <a:schemeClr val="tx1"/>
+                </a:solidFill>
+                <a:latin typeface="+mn-lt"/>
+                <a:ea typeface="+mn-ea"/>
+                <a:cs typeface="+mn-cs"/>
+              </a:defRPr>
+            </a:lvl1pPr>
+            <a:lvl2pPr marL="493776" indent="-228600" algn="l" defTabSz="914400" rtl="0" eaLnBrk="1" latinLnBrk="0" hangingPunct="1">
+              <a:lnSpc>
+                <a:spcPct val="120000"/>
+              </a:lnSpc>
+              <a:spcBef>
+                <a:spcPts val="500"/>
+              </a:spcBef>
+              <a:buSzPct val="87000"/>
+              <a:buFont typeface="Arial" panose="020B0604020202020204" pitchFamily="34" charset="0"/>
+              <a:buChar char="•"/>
+              <a:defRPr sz="1800" kern="1200">
+                <a:solidFill>
+                  <a:schemeClr val="tx1"/>
+                </a:solidFill>
+                <a:latin typeface="+mn-lt"/>
+                <a:ea typeface="+mn-ea"/>
+                <a:cs typeface="+mn-cs"/>
+              </a:defRPr>
+            </a:lvl2pPr>
+            <a:lvl3pPr marL="731520" indent="-228600" algn="l" defTabSz="914400" rtl="0" eaLnBrk="1" latinLnBrk="0" hangingPunct="1">
+              <a:lnSpc>
+                <a:spcPct val="120000"/>
+              </a:lnSpc>
+              <a:spcBef>
+                <a:spcPts val="500"/>
+              </a:spcBef>
+              <a:buSzPct val="87000"/>
+              <a:buFont typeface="Arial" panose="020B0604020202020204" pitchFamily="34" charset="0"/>
+              <a:buChar char="•"/>
+              <a:defRPr sz="1600" kern="1200">
+                <a:solidFill>
+                  <a:schemeClr val="tx1"/>
+                </a:solidFill>
+                <a:latin typeface="+mn-lt"/>
+                <a:ea typeface="+mn-ea"/>
+                <a:cs typeface="+mn-cs"/>
+              </a:defRPr>
+            </a:lvl3pPr>
+            <a:lvl4pPr marL="1051560" indent="-285750" algn="l" defTabSz="914400" rtl="0" eaLnBrk="1" latinLnBrk="0" hangingPunct="1">
+              <a:lnSpc>
+                <a:spcPct val="120000"/>
+              </a:lnSpc>
+              <a:spcBef>
+                <a:spcPts val="500"/>
+              </a:spcBef>
+              <a:buSzPct val="87000"/>
+              <a:buFont typeface="Arial" panose="020B0604020202020204" pitchFamily="34" charset="0"/>
+              <a:buChar char="•"/>
+              <a:defRPr sz="1400" kern="1200">
+                <a:solidFill>
+                  <a:schemeClr val="tx1"/>
+                </a:solidFill>
+                <a:latin typeface="+mn-lt"/>
+                <a:ea typeface="+mn-ea"/>
+                <a:cs typeface="+mn-cs"/>
+              </a:defRPr>
+            </a:lvl4pPr>
+            <a:lvl5pPr marL="1298448" indent="-228600" algn="l" defTabSz="914400" rtl="0" eaLnBrk="1" latinLnBrk="0" hangingPunct="1">
+              <a:lnSpc>
+                <a:spcPct val="120000"/>
+              </a:lnSpc>
+              <a:spcBef>
+                <a:spcPts val="500"/>
+              </a:spcBef>
+              <a:buSzPct val="87000"/>
+              <a:buFont typeface="Arial" panose="020B0604020202020204" pitchFamily="34" charset="0"/>
+              <a:buChar char="•"/>
+              <a:defRPr sz="1400" kern="1200">
+                <a:solidFill>
+                  <a:schemeClr val="tx1"/>
+                </a:solidFill>
+                <a:latin typeface="+mn-lt"/>
+                <a:ea typeface="+mn-ea"/>
+                <a:cs typeface="+mn-cs"/>
+              </a:defRPr>
+            </a:lvl5pPr>
+            <a:lvl6pPr marL="2514600" indent="-228600" algn="l" defTabSz="914400" rtl="0" eaLnBrk="1" latinLnBrk="0" hangingPunct="1">
+              <a:lnSpc>
+                <a:spcPct val="90000"/>
+              </a:lnSpc>
+              <a:spcBef>
+                <a:spcPts val="500"/>
+              </a:spcBef>
+              <a:buFont typeface="Arial" panose="020B0604020202020204" pitchFamily="34" charset="0"/>
+              <a:buChar char="•"/>
+              <a:defRPr sz="1800" kern="1200">
+                <a:solidFill>
+                  <a:schemeClr val="tx1"/>
+                </a:solidFill>
+                <a:latin typeface="+mn-lt"/>
+                <a:ea typeface="+mn-ea"/>
+                <a:cs typeface="+mn-cs"/>
+              </a:defRPr>
+            </a:lvl6pPr>
+            <a:lvl7pPr marL="2971800" indent="-228600" algn="l" defTabSz="914400" rtl="0" eaLnBrk="1" latinLnBrk="0" hangingPunct="1">
+              <a:lnSpc>
+                <a:spcPct val="90000"/>
+              </a:lnSpc>
+              <a:spcBef>
+                <a:spcPts val="500"/>
+              </a:spcBef>
+              <a:buFont typeface="Arial" panose="020B0604020202020204" pitchFamily="34" charset="0"/>
+              <a:buChar char="•"/>
+              <a:defRPr sz="1800" kern="1200">
+                <a:solidFill>
+                  <a:schemeClr val="tx1"/>
+                </a:solidFill>
+                <a:latin typeface="+mn-lt"/>
+                <a:ea typeface="+mn-ea"/>
+                <a:cs typeface="+mn-cs"/>
+              </a:defRPr>
+            </a:lvl7pPr>
+            <a:lvl8pPr marL="3429000" indent="-228600" algn="l" defTabSz="914400" rtl="0" eaLnBrk="1" latinLnBrk="0" hangingPunct="1">
+              <a:lnSpc>
+                <a:spcPct val="90000"/>
+              </a:lnSpc>
+              <a:spcBef>
+                <a:spcPts val="500"/>
+              </a:spcBef>
+              <a:buFont typeface="Arial" panose="020B0604020202020204" pitchFamily="34" charset="0"/>
+              <a:buChar char="•"/>
+              <a:defRPr sz="1800" kern="1200">
+                <a:solidFill>
+                  <a:schemeClr val="tx1"/>
+                </a:solidFill>
+                <a:latin typeface="+mn-lt"/>
+                <a:ea typeface="+mn-ea"/>
+                <a:cs typeface="+mn-cs"/>
+              </a:defRPr>
+            </a:lvl8pPr>
+            <a:lvl9pPr marL="3886200" indent="-228600" algn="l" defTabSz="914400" rtl="0" eaLnBrk="1" latinLnBrk="0" hangingPunct="1">
+              <a:lnSpc>
+                <a:spcPct val="90000"/>
+              </a:lnSpc>
+              <a:spcBef>
+                <a:spcPts val="500"/>
+              </a:spcBef>
+              <a:buFont typeface="Arial" panose="020B0604020202020204" pitchFamily="34" charset="0"/>
+              <a:buChar char="•"/>
+              <a:defRPr sz="1800" kern="1200">
+                <a:solidFill>
+                  <a:schemeClr val="tx1"/>
+                </a:solidFill>
+                <a:latin typeface="+mn-lt"/>
+                <a:ea typeface="+mn-ea"/>
+                <a:cs typeface="+mn-cs"/>
+              </a:defRPr>
+            </a:lvl9pPr>
+          </a:lstStyle>
+          <a:p>
+            <a:pPr>
+              <a:buFont typeface="Wingdings" panose="05000000000000000000" pitchFamily="2" charset="2"/>
+              <a:buChar char="Ø"/>
+            </a:pPr>
+            <a:r>
+              <a:rPr lang="zh-TW" altLang="en-US" sz="1800" dirty="0">
+                <a:solidFill>
+                  <a:schemeClr val="bg1"/>
+                </a:solidFill>
+              </a:rPr>
+              <a:t>查看</a:t>
+            </a:r>
+            <a:r>
+              <a:rPr lang="en-US" altLang="zh-TW" sz="1800" dirty="0">
+                <a:solidFill>
+                  <a:schemeClr val="bg1"/>
+                </a:solidFill>
+              </a:rPr>
+              <a:t>Git</a:t>
+            </a:r>
+            <a:r>
+              <a:rPr lang="zh-TW" altLang="en-US" sz="1800" dirty="0">
+                <a:solidFill>
+                  <a:schemeClr val="bg1"/>
+                </a:solidFill>
+              </a:rPr>
+              <a:t>所有設定與來源命令</a:t>
+            </a:r>
+            <a:r>
+              <a:rPr lang="en-US" altLang="zh-TW" sz="1800" dirty="0">
+                <a:solidFill>
+                  <a:schemeClr val="bg1"/>
+                </a:solidFill>
+              </a:rPr>
+              <a:t>(</a:t>
+            </a:r>
+            <a:r>
+              <a:rPr lang="zh-TW" altLang="en-US" sz="1800" dirty="0">
+                <a:solidFill>
+                  <a:schemeClr val="bg1"/>
+                </a:solidFill>
+              </a:rPr>
+              <a:t>顯示</a:t>
+            </a:r>
+            <a:r>
+              <a:rPr lang="en-US" altLang="zh-TW" sz="1800" dirty="0">
+                <a:solidFill>
+                  <a:schemeClr val="bg1"/>
+                </a:solidFill>
+              </a:rPr>
+              <a:t>Git</a:t>
+            </a:r>
+            <a:r>
+              <a:rPr lang="zh-TW" altLang="en-US" sz="1800" dirty="0">
+                <a:solidFill>
+                  <a:schemeClr val="bg1"/>
+                </a:solidFill>
+              </a:rPr>
+              <a:t>的設定值及設定值所在的文件來源位置</a:t>
+            </a:r>
+            <a:r>
+              <a:rPr lang="en-US" altLang="zh-TW" sz="1800" dirty="0">
+                <a:solidFill>
+                  <a:schemeClr val="bg1"/>
+                </a:solidFill>
+              </a:rPr>
+              <a:t>)</a:t>
+            </a:r>
+            <a:endParaRPr lang="zh-TW" altLang="en-US" sz="1800" dirty="0">
+              <a:solidFill>
+                <a:schemeClr val="bg1"/>
+              </a:solidFill>
+            </a:endParaRPr>
+          </a:p>
+        </p:txBody>
+      </p:sp>
+      <p:sp>
+        <p:nvSpPr>
+          <p:cNvPr id="6" name="內容版面配置區 2">
+            <a:extLst>
+              <a:ext uri="{FF2B5EF4-FFF2-40B4-BE49-F238E27FC236}">
+                <a16:creationId xmlns:a16="http://schemas.microsoft.com/office/drawing/2014/main" id="{45676DA1-17B6-2797-918C-06A37D64808C}"/>
+              </a:ext>
+            </a:extLst>
+          </p:cNvPr>
+          <p:cNvSpPr txBox="1">
+            <a:spLocks/>
+          </p:cNvSpPr>
+          <p:nvPr/>
+        </p:nvSpPr>
+        <p:spPr>
+          <a:xfrm>
+            <a:off x="1340359" y="4684263"/>
+            <a:ext cx="6907714" cy="692434"/>
+          </a:xfrm>
+          <a:prstGeom prst="rect">
+            <a:avLst/>
+          </a:prstGeom>
+        </p:spPr>
+        <p:txBody>
+          <a:bodyPr vert="horz" lIns="91440" tIns="45720" rIns="91440" bIns="45720" rtlCol="0" anchor="ctr" anchorCtr="0">
+            <a:normAutofit/>
+          </a:bodyPr>
+          <a:lstStyle>
+            <a:lvl1pPr marL="228600" indent="-228600" algn="l" defTabSz="914400" rtl="0" eaLnBrk="1" latinLnBrk="0" hangingPunct="1">
+              <a:lnSpc>
+                <a:spcPct val="120000"/>
+              </a:lnSpc>
+              <a:spcBef>
+                <a:spcPts val="1000"/>
+              </a:spcBef>
+              <a:buSzPct val="87000"/>
+              <a:buFont typeface="Arial" panose="020B0604020202020204" pitchFamily="34" charset="0"/>
+              <a:buChar char="•"/>
+              <a:defRPr sz="2000" kern="1200">
+                <a:solidFill>
+                  <a:schemeClr val="tx1"/>
+                </a:solidFill>
+                <a:latin typeface="+mn-lt"/>
+                <a:ea typeface="+mn-ea"/>
+                <a:cs typeface="+mn-cs"/>
+              </a:defRPr>
+            </a:lvl1pPr>
+            <a:lvl2pPr marL="493776" indent="-228600" algn="l" defTabSz="914400" rtl="0" eaLnBrk="1" latinLnBrk="0" hangingPunct="1">
+              <a:lnSpc>
+                <a:spcPct val="120000"/>
+              </a:lnSpc>
+              <a:spcBef>
+                <a:spcPts val="500"/>
+              </a:spcBef>
+              <a:buSzPct val="87000"/>
+              <a:buFont typeface="Arial" panose="020B0604020202020204" pitchFamily="34" charset="0"/>
+              <a:buChar char="•"/>
+              <a:defRPr sz="1800" kern="1200">
+                <a:solidFill>
+                  <a:schemeClr val="tx1"/>
+                </a:solidFill>
+                <a:latin typeface="+mn-lt"/>
+                <a:ea typeface="+mn-ea"/>
+                <a:cs typeface="+mn-cs"/>
+              </a:defRPr>
+            </a:lvl2pPr>
+            <a:lvl3pPr marL="731520" indent="-228600" algn="l" defTabSz="914400" rtl="0" eaLnBrk="1" latinLnBrk="0" hangingPunct="1">
+              <a:lnSpc>
+                <a:spcPct val="120000"/>
+              </a:lnSpc>
+              <a:spcBef>
+                <a:spcPts val="500"/>
+              </a:spcBef>
+              <a:buSzPct val="87000"/>
+              <a:buFont typeface="Arial" panose="020B0604020202020204" pitchFamily="34" charset="0"/>
+              <a:buChar char="•"/>
+              <a:defRPr sz="1600" kern="1200">
+                <a:solidFill>
+                  <a:schemeClr val="tx1"/>
+                </a:solidFill>
+                <a:latin typeface="+mn-lt"/>
+                <a:ea typeface="+mn-ea"/>
+                <a:cs typeface="+mn-cs"/>
+              </a:defRPr>
+            </a:lvl3pPr>
+            <a:lvl4pPr marL="1051560" indent="-285750" algn="l" defTabSz="914400" rtl="0" eaLnBrk="1" latinLnBrk="0" hangingPunct="1">
+              <a:lnSpc>
+                <a:spcPct val="120000"/>
+              </a:lnSpc>
+              <a:spcBef>
+                <a:spcPts val="500"/>
+              </a:spcBef>
+              <a:buSzPct val="87000"/>
+              <a:buFont typeface="Arial" panose="020B0604020202020204" pitchFamily="34" charset="0"/>
+              <a:buChar char="•"/>
+              <a:defRPr sz="1400" kern="1200">
+                <a:solidFill>
+                  <a:schemeClr val="tx1"/>
+                </a:solidFill>
+                <a:latin typeface="+mn-lt"/>
+                <a:ea typeface="+mn-ea"/>
+                <a:cs typeface="+mn-cs"/>
+              </a:defRPr>
+            </a:lvl4pPr>
+            <a:lvl5pPr marL="1298448" indent="-228600" algn="l" defTabSz="914400" rtl="0" eaLnBrk="1" latinLnBrk="0" hangingPunct="1">
+              <a:lnSpc>
+                <a:spcPct val="120000"/>
+              </a:lnSpc>
+              <a:spcBef>
+                <a:spcPts val="500"/>
+              </a:spcBef>
+              <a:buSzPct val="87000"/>
+              <a:buFont typeface="Arial" panose="020B0604020202020204" pitchFamily="34" charset="0"/>
+              <a:buChar char="•"/>
+              <a:defRPr sz="1400" kern="1200">
+                <a:solidFill>
+                  <a:schemeClr val="tx1"/>
+                </a:solidFill>
+                <a:latin typeface="+mn-lt"/>
+                <a:ea typeface="+mn-ea"/>
+                <a:cs typeface="+mn-cs"/>
+              </a:defRPr>
+            </a:lvl5pPr>
+            <a:lvl6pPr marL="2514600" indent="-228600" algn="l" defTabSz="914400" rtl="0" eaLnBrk="1" latinLnBrk="0" hangingPunct="1">
+              <a:lnSpc>
+                <a:spcPct val="90000"/>
+              </a:lnSpc>
+              <a:spcBef>
+                <a:spcPts val="500"/>
+              </a:spcBef>
+              <a:buFont typeface="Arial" panose="020B0604020202020204" pitchFamily="34" charset="0"/>
+              <a:buChar char="•"/>
+              <a:defRPr sz="1800" kern="1200">
+                <a:solidFill>
+                  <a:schemeClr val="tx1"/>
+                </a:solidFill>
+                <a:latin typeface="+mn-lt"/>
+                <a:ea typeface="+mn-ea"/>
+                <a:cs typeface="+mn-cs"/>
+              </a:defRPr>
+            </a:lvl6pPr>
+            <a:lvl7pPr marL="2971800" indent="-228600" algn="l" defTabSz="914400" rtl="0" eaLnBrk="1" latinLnBrk="0" hangingPunct="1">
+              <a:lnSpc>
+                <a:spcPct val="90000"/>
+              </a:lnSpc>
+              <a:spcBef>
+                <a:spcPts val="500"/>
+              </a:spcBef>
+              <a:buFont typeface="Arial" panose="020B0604020202020204" pitchFamily="34" charset="0"/>
+              <a:buChar char="•"/>
+              <a:defRPr sz="1800" kern="1200">
+                <a:solidFill>
+                  <a:schemeClr val="tx1"/>
+                </a:solidFill>
+                <a:latin typeface="+mn-lt"/>
+                <a:ea typeface="+mn-ea"/>
+                <a:cs typeface="+mn-cs"/>
+              </a:defRPr>
+            </a:lvl7pPr>
+            <a:lvl8pPr marL="3429000" indent="-228600" algn="l" defTabSz="914400" rtl="0" eaLnBrk="1" latinLnBrk="0" hangingPunct="1">
+              <a:lnSpc>
+                <a:spcPct val="90000"/>
+              </a:lnSpc>
+              <a:spcBef>
+                <a:spcPts val="500"/>
+              </a:spcBef>
+              <a:buFont typeface="Arial" panose="020B0604020202020204" pitchFamily="34" charset="0"/>
+              <a:buChar char="•"/>
+              <a:defRPr sz="1800" kern="1200">
+                <a:solidFill>
+                  <a:schemeClr val="tx1"/>
+                </a:solidFill>
+                <a:latin typeface="+mn-lt"/>
+                <a:ea typeface="+mn-ea"/>
+                <a:cs typeface="+mn-cs"/>
+              </a:defRPr>
+            </a:lvl8pPr>
+            <a:lvl9pPr marL="3886200" indent="-228600" algn="l" defTabSz="914400" rtl="0" eaLnBrk="1" latinLnBrk="0" hangingPunct="1">
+              <a:lnSpc>
+                <a:spcPct val="90000"/>
+              </a:lnSpc>
+              <a:spcBef>
+                <a:spcPts val="500"/>
+              </a:spcBef>
+              <a:buFont typeface="Arial" panose="020B0604020202020204" pitchFamily="34" charset="0"/>
+              <a:buChar char="•"/>
+              <a:defRPr sz="1800" kern="1200">
+                <a:solidFill>
+                  <a:schemeClr val="tx1"/>
+                </a:solidFill>
+                <a:latin typeface="+mn-lt"/>
+                <a:ea typeface="+mn-ea"/>
+                <a:cs typeface="+mn-cs"/>
+              </a:defRPr>
+            </a:lvl9pPr>
+          </a:lstStyle>
+          <a:p>
+            <a:pPr>
+              <a:buFont typeface="Wingdings" panose="05000000000000000000" pitchFamily="2" charset="2"/>
+              <a:buChar char="Ø"/>
+            </a:pPr>
+            <a:r>
+              <a:rPr lang="zh-TW" altLang="en-US" sz="1800" dirty="0">
+                <a:solidFill>
+                  <a:schemeClr val="bg1"/>
+                </a:solidFill>
+              </a:rPr>
+              <a:t>查看</a:t>
+            </a:r>
+            <a:r>
+              <a:rPr lang="en-US" altLang="zh-TW" sz="1800" dirty="0">
+                <a:solidFill>
+                  <a:schemeClr val="bg1"/>
+                </a:solidFill>
+              </a:rPr>
+              <a:t>Git</a:t>
+            </a:r>
+            <a:r>
+              <a:rPr lang="zh-TW" altLang="en-US" sz="1800" dirty="0">
+                <a:solidFill>
+                  <a:schemeClr val="bg1"/>
+                </a:solidFill>
+              </a:rPr>
+              <a:t>所有設定命令</a:t>
+            </a:r>
+            <a:r>
+              <a:rPr lang="en-US" altLang="zh-TW" sz="1800" dirty="0">
+                <a:solidFill>
+                  <a:schemeClr val="bg1"/>
+                </a:solidFill>
+              </a:rPr>
+              <a:t>(</a:t>
+            </a:r>
+            <a:r>
+              <a:rPr lang="zh-TW" altLang="en-US" sz="1800" dirty="0">
+                <a:solidFill>
+                  <a:schemeClr val="bg1"/>
+                </a:solidFill>
+              </a:rPr>
+              <a:t>僅顯示當前</a:t>
+            </a:r>
+            <a:r>
+              <a:rPr lang="en-US" altLang="zh-TW" sz="1800" dirty="0">
+                <a:solidFill>
+                  <a:schemeClr val="bg1"/>
+                </a:solidFill>
+              </a:rPr>
+              <a:t>Git</a:t>
+            </a:r>
+            <a:r>
+              <a:rPr lang="zh-TW" altLang="en-US" sz="1800" dirty="0">
+                <a:solidFill>
+                  <a:schemeClr val="bg1"/>
+                </a:solidFill>
+              </a:rPr>
+              <a:t>使用者的設定值</a:t>
+            </a:r>
+            <a:r>
+              <a:rPr lang="en-US" altLang="zh-TW" sz="1800" dirty="0">
+                <a:solidFill>
+                  <a:schemeClr val="bg1"/>
+                </a:solidFill>
+              </a:rPr>
+              <a:t>)</a:t>
+            </a:r>
+            <a:endParaRPr lang="zh-TW" altLang="en-US" sz="1800" dirty="0">
+              <a:solidFill>
+                <a:schemeClr val="bg1"/>
+              </a:solidFill>
+            </a:endParaRPr>
+          </a:p>
+        </p:txBody>
+      </p:sp>
+      <p:sp>
+        <p:nvSpPr>
+          <p:cNvPr id="7" name="文字方塊 6">
+            <a:extLst>
+              <a:ext uri="{FF2B5EF4-FFF2-40B4-BE49-F238E27FC236}">
+                <a16:creationId xmlns:a16="http://schemas.microsoft.com/office/drawing/2014/main" id="{EAD653F4-6C55-8C9B-A60D-C8EACCCAF416}"/>
+              </a:ext>
+            </a:extLst>
+          </p:cNvPr>
+          <p:cNvSpPr txBox="1"/>
+          <p:nvPr/>
+        </p:nvSpPr>
+        <p:spPr>
+          <a:xfrm>
+            <a:off x="1717955" y="5548282"/>
+            <a:ext cx="3139277" cy="338554"/>
+          </a:xfrm>
+          <a:prstGeom prst="rect">
+            <a:avLst/>
+          </a:prstGeom>
+          <a:noFill/>
+        </p:spPr>
+        <p:txBody>
+          <a:bodyPr wrap="square" rtlCol="0">
+            <a:spAutoFit/>
+          </a:bodyPr>
+          <a:lstStyle/>
+          <a:p>
+            <a:r>
+              <a:rPr lang="en-US" altLang="zh-TW" sz="1600" dirty="0">
+                <a:solidFill>
+                  <a:schemeClr val="bg1"/>
+                </a:solidFill>
+                <a:latin typeface="Courier New" panose="02070309020205020404" pitchFamily="49" charset="0"/>
+                <a:cs typeface="Courier New" panose="02070309020205020404" pitchFamily="49" charset="0"/>
+              </a:rPr>
+              <a:t>$</a:t>
+            </a:r>
+            <a:r>
+              <a:rPr lang="en-US" altLang="zh-TW" sz="1600" dirty="0">
+                <a:solidFill>
+                  <a:srgbClr val="00FF00"/>
+                </a:solidFill>
+                <a:latin typeface="Courier New" panose="02070309020205020404" pitchFamily="49" charset="0"/>
+                <a:cs typeface="Courier New" panose="02070309020205020404" pitchFamily="49" charset="0"/>
+              </a:rPr>
+              <a:t> git config ––list </a:t>
+            </a:r>
+            <a:endParaRPr lang="zh-TW" altLang="en-US" sz="1600" dirty="0">
+              <a:solidFill>
+                <a:srgbClr val="00FF00"/>
+              </a:solidFill>
+              <a:latin typeface="Courier New" panose="02070309020205020404" pitchFamily="49" charset="0"/>
+              <a:cs typeface="Courier New" panose="02070309020205020404" pitchFamily="49" charset="0"/>
+            </a:endParaRPr>
+          </a:p>
+        </p:txBody>
+      </p:sp>
+    </p:spTree>
+    <p:extLst>
+      <p:ext uri="{BB962C8B-B14F-4D97-AF65-F5344CB8AC3E}">
+        <p14:creationId xmlns:p14="http://schemas.microsoft.com/office/powerpoint/2010/main" val="4257229696"/>
+      </p:ext>
+    </p:extLst>
+  </p:cSld>
+  <p:clrMapOvr>
+    <a:masterClrMapping/>
+  </p:clrMapOvr>
+</p:sld>
+</file>
+
+<file path=ppt/slides/slide20.xml><?xml version="1.0" encoding="utf-8"?>
 <p:sld xmlns:a="http://schemas.openxmlformats.org/drawingml/2006/main" xmlns:r="http://schemas.openxmlformats.org/officeDocument/2006/relationships" xmlns:p="http://schemas.openxmlformats.org/presentationml/2006/main">
   <p:cSld>
     <p:bg>
@@ -15758,7 +18517,7 @@
 </p:sld>
 </file>
 
-<file path=ppt/slides/slide19.xml><?xml version="1.0" encoding="utf-8"?>
+<file path=ppt/slides/slide21.xml><?xml version="1.0" encoding="utf-8"?>
 <p:sld xmlns:a="http://schemas.openxmlformats.org/drawingml/2006/main" xmlns:r="http://schemas.openxmlformats.org/officeDocument/2006/relationships" xmlns:p="http://schemas.openxmlformats.org/presentationml/2006/main">
   <p:cSld>
     <p:bg>
@@ -16930,843 +19689,7 @@
 </p:sld>
 </file>
 
-<file path=ppt/slides/slide2.xml><?xml version="1.0" encoding="utf-8"?>
-<p:sld xmlns:a="http://schemas.openxmlformats.org/drawingml/2006/main" xmlns:r="http://schemas.openxmlformats.org/officeDocument/2006/relationships" xmlns:p="http://schemas.openxmlformats.org/presentationml/2006/main">
-  <p:cSld>
-    <p:bg>
-      <p:bgPr>
-        <a:solidFill>
-          <a:schemeClr val="tx1">
-            <a:lumMod val="75000"/>
-            <a:lumOff val="25000"/>
-          </a:schemeClr>
-        </a:solidFill>
-        <a:effectLst/>
-      </p:bgPr>
-    </p:bg>
-    <p:spTree>
-      <p:nvGrpSpPr>
-        <p:cNvPr id="1" name=""/>
-        <p:cNvGrpSpPr/>
-        <p:nvPr/>
-      </p:nvGrpSpPr>
-      <p:grpSpPr>
-        <a:xfrm>
-          <a:off x="0" y="0"/>
-          <a:ext cx="0" cy="0"/>
-          <a:chOff x="0" y="0"/>
-          <a:chExt cx="0" cy="0"/>
-        </a:xfrm>
-      </p:grpSpPr>
-      <p:sp>
-        <p:nvSpPr>
-          <p:cNvPr id="2" name="標題 1">
-            <a:extLst>
-              <a:ext uri="{FF2B5EF4-FFF2-40B4-BE49-F238E27FC236}">
-                <a16:creationId xmlns:a16="http://schemas.microsoft.com/office/drawing/2014/main" id="{D0319E0B-CE52-5BD1-E3E7-765C35AA9D1D}"/>
-              </a:ext>
-            </a:extLst>
-          </p:cNvPr>
-          <p:cNvSpPr>
-            <a:spLocks noGrp="1"/>
-          </p:cNvSpPr>
-          <p:nvPr>
-            <p:ph type="title"/>
-          </p:nvPr>
-        </p:nvSpPr>
-        <p:spPr>
-          <a:xfrm>
-            <a:off x="640079" y="1123237"/>
-            <a:ext cx="10890929" cy="1097280"/>
-          </a:xfrm>
-        </p:spPr>
-        <p:txBody>
-          <a:bodyPr anchor="ctr" anchorCtr="0"/>
-          <a:lstStyle/>
-          <a:p>
-            <a:r>
-              <a:rPr lang="en-US" altLang="zh-TW" dirty="0">
-                <a:solidFill>
-                  <a:srgbClr val="FFC000"/>
-                </a:solidFill>
-              </a:rPr>
-              <a:t>Git Bash – Command Line</a:t>
-            </a:r>
-            <a:endParaRPr lang="zh-TW" altLang="en-US" dirty="0">
-              <a:solidFill>
-                <a:srgbClr val="FFC000"/>
-              </a:solidFill>
-            </a:endParaRPr>
-          </a:p>
-        </p:txBody>
-      </p:sp>
-      <p:sp>
-        <p:nvSpPr>
-          <p:cNvPr id="3" name="內容版面配置區 2">
-            <a:extLst>
-              <a:ext uri="{FF2B5EF4-FFF2-40B4-BE49-F238E27FC236}">
-                <a16:creationId xmlns:a16="http://schemas.microsoft.com/office/drawing/2014/main" id="{D6F5BB14-CB00-FB25-B911-203A52C54E35}"/>
-              </a:ext>
-            </a:extLst>
-          </p:cNvPr>
-          <p:cNvSpPr>
-            <a:spLocks noGrp="1"/>
-          </p:cNvSpPr>
-          <p:nvPr>
-            <p:ph idx="1"/>
-          </p:nvPr>
-        </p:nvSpPr>
-        <p:spPr>
-          <a:xfrm>
-            <a:off x="797098" y="2122664"/>
-            <a:ext cx="8439266" cy="692434"/>
-          </a:xfrm>
-        </p:spPr>
-        <p:txBody>
-          <a:bodyPr anchor="ctr" anchorCtr="0">
-            <a:noAutofit/>
-          </a:bodyPr>
-          <a:lstStyle/>
-          <a:p>
-            <a:pPr>
-              <a:buFont typeface="Wingdings" panose="05000000000000000000" pitchFamily="2" charset="2"/>
-              <a:buChar char="l"/>
-            </a:pPr>
-            <a:r>
-              <a:rPr lang="zh-TW" altLang="en-US" dirty="0">
-                <a:solidFill>
-                  <a:srgbClr val="00B0F0"/>
-                </a:solidFill>
-              </a:rPr>
-              <a:t> </a:t>
-            </a:r>
-            <a:r>
-              <a:rPr lang="en-US" altLang="zh-TW" dirty="0">
-                <a:solidFill>
-                  <a:srgbClr val="00B0F0"/>
-                </a:solidFill>
-              </a:rPr>
-              <a:t>Git</a:t>
-            </a:r>
-            <a:r>
-              <a:rPr lang="zh-TW" altLang="en-US" dirty="0">
-                <a:solidFill>
-                  <a:srgbClr val="00B0F0"/>
-                </a:solidFill>
-              </a:rPr>
-              <a:t>初次安裝完成後可透過</a:t>
-            </a:r>
-            <a:r>
-              <a:rPr lang="en-US" altLang="zh-TW" dirty="0">
-                <a:solidFill>
-                  <a:srgbClr val="00B0F0"/>
-                </a:solidFill>
-              </a:rPr>
-              <a:t>Git</a:t>
-            </a:r>
-            <a:r>
-              <a:rPr lang="zh-TW" altLang="en-US" dirty="0">
-                <a:solidFill>
-                  <a:srgbClr val="00B0F0"/>
-                </a:solidFill>
-              </a:rPr>
-              <a:t> </a:t>
-            </a:r>
-            <a:r>
-              <a:rPr lang="en-US" altLang="zh-TW" dirty="0">
-                <a:solidFill>
-                  <a:srgbClr val="00B0F0"/>
-                </a:solidFill>
-              </a:rPr>
-              <a:t>Bash</a:t>
-            </a:r>
-            <a:r>
-              <a:rPr lang="zh-TW" altLang="en-US" dirty="0">
-                <a:solidFill>
-                  <a:srgbClr val="00B0F0"/>
-                </a:solidFill>
-              </a:rPr>
-              <a:t>輸入指令查看初始的設定參數</a:t>
-            </a:r>
-          </a:p>
-        </p:txBody>
-      </p:sp>
-      <p:sp>
-        <p:nvSpPr>
-          <p:cNvPr id="4" name="文字方塊 3">
-            <a:extLst>
-              <a:ext uri="{FF2B5EF4-FFF2-40B4-BE49-F238E27FC236}">
-                <a16:creationId xmlns:a16="http://schemas.microsoft.com/office/drawing/2014/main" id="{1FBCA4F5-E5BB-3189-07AB-217E3BC6A781}"/>
-              </a:ext>
-            </a:extLst>
-          </p:cNvPr>
-          <p:cNvSpPr txBox="1"/>
-          <p:nvPr/>
-        </p:nvSpPr>
-        <p:spPr>
-          <a:xfrm>
-            <a:off x="1717955" y="3824497"/>
-            <a:ext cx="4598623" cy="338554"/>
-          </a:xfrm>
-          <a:prstGeom prst="rect">
-            <a:avLst/>
-          </a:prstGeom>
-          <a:noFill/>
-        </p:spPr>
-        <p:txBody>
-          <a:bodyPr wrap="square" rtlCol="0">
-            <a:spAutoFit/>
-          </a:bodyPr>
-          <a:lstStyle/>
-          <a:p>
-            <a:r>
-              <a:rPr lang="en-US" altLang="zh-TW" sz="1600" dirty="0">
-                <a:solidFill>
-                  <a:schemeClr val="bg1"/>
-                </a:solidFill>
-                <a:latin typeface="Courier New" panose="02070309020205020404" pitchFamily="49" charset="0"/>
-                <a:cs typeface="Courier New" panose="02070309020205020404" pitchFamily="49" charset="0"/>
-              </a:rPr>
-              <a:t>$</a:t>
-            </a:r>
-            <a:r>
-              <a:rPr lang="en-US" altLang="zh-TW" sz="1600" dirty="0">
-                <a:solidFill>
-                  <a:srgbClr val="00FF00"/>
-                </a:solidFill>
-                <a:latin typeface="Courier New" panose="02070309020205020404" pitchFamily="49" charset="0"/>
-                <a:cs typeface="Courier New" panose="02070309020205020404" pitchFamily="49" charset="0"/>
-              </a:rPr>
-              <a:t> git config ––list ––show—origin </a:t>
-            </a:r>
-            <a:endParaRPr lang="zh-TW" altLang="en-US" sz="1600" dirty="0">
-              <a:solidFill>
-                <a:srgbClr val="00FF00"/>
-              </a:solidFill>
-              <a:latin typeface="Courier New" panose="02070309020205020404" pitchFamily="49" charset="0"/>
-              <a:cs typeface="Courier New" panose="02070309020205020404" pitchFamily="49" charset="0"/>
-            </a:endParaRPr>
-          </a:p>
-        </p:txBody>
-      </p:sp>
-      <p:sp>
-        <p:nvSpPr>
-          <p:cNvPr id="5" name="內容版面配置區 2">
-            <a:extLst>
-              <a:ext uri="{FF2B5EF4-FFF2-40B4-BE49-F238E27FC236}">
-                <a16:creationId xmlns:a16="http://schemas.microsoft.com/office/drawing/2014/main" id="{D444E1D1-AFAD-CB4A-F777-381A4CD925C5}"/>
-              </a:ext>
-            </a:extLst>
-          </p:cNvPr>
-          <p:cNvSpPr txBox="1">
-            <a:spLocks/>
-          </p:cNvSpPr>
-          <p:nvPr/>
-        </p:nvSpPr>
-        <p:spPr>
-          <a:xfrm>
-            <a:off x="1340359" y="2986683"/>
-            <a:ext cx="8662622" cy="692434"/>
-          </a:xfrm>
-          <a:prstGeom prst="rect">
-            <a:avLst/>
-          </a:prstGeom>
-        </p:spPr>
-        <p:txBody>
-          <a:bodyPr vert="horz" lIns="91440" tIns="45720" rIns="91440" bIns="45720" rtlCol="0" anchor="ctr" anchorCtr="0">
-            <a:normAutofit/>
-          </a:bodyPr>
-          <a:lstStyle>
-            <a:lvl1pPr marL="228600" indent="-228600" algn="l" defTabSz="914400" rtl="0" eaLnBrk="1" latinLnBrk="0" hangingPunct="1">
-              <a:lnSpc>
-                <a:spcPct val="120000"/>
-              </a:lnSpc>
-              <a:spcBef>
-                <a:spcPts val="1000"/>
-              </a:spcBef>
-              <a:buSzPct val="87000"/>
-              <a:buFont typeface="Arial" panose="020B0604020202020204" pitchFamily="34" charset="0"/>
-              <a:buChar char="•"/>
-              <a:defRPr sz="2000" kern="1200">
-                <a:solidFill>
-                  <a:schemeClr val="tx1"/>
-                </a:solidFill>
-                <a:latin typeface="+mn-lt"/>
-                <a:ea typeface="+mn-ea"/>
-                <a:cs typeface="+mn-cs"/>
-              </a:defRPr>
-            </a:lvl1pPr>
-            <a:lvl2pPr marL="493776" indent="-228600" algn="l" defTabSz="914400" rtl="0" eaLnBrk="1" latinLnBrk="0" hangingPunct="1">
-              <a:lnSpc>
-                <a:spcPct val="120000"/>
-              </a:lnSpc>
-              <a:spcBef>
-                <a:spcPts val="500"/>
-              </a:spcBef>
-              <a:buSzPct val="87000"/>
-              <a:buFont typeface="Arial" panose="020B0604020202020204" pitchFamily="34" charset="0"/>
-              <a:buChar char="•"/>
-              <a:defRPr sz="1800" kern="1200">
-                <a:solidFill>
-                  <a:schemeClr val="tx1"/>
-                </a:solidFill>
-                <a:latin typeface="+mn-lt"/>
-                <a:ea typeface="+mn-ea"/>
-                <a:cs typeface="+mn-cs"/>
-              </a:defRPr>
-            </a:lvl2pPr>
-            <a:lvl3pPr marL="731520" indent="-228600" algn="l" defTabSz="914400" rtl="0" eaLnBrk="1" latinLnBrk="0" hangingPunct="1">
-              <a:lnSpc>
-                <a:spcPct val="120000"/>
-              </a:lnSpc>
-              <a:spcBef>
-                <a:spcPts val="500"/>
-              </a:spcBef>
-              <a:buSzPct val="87000"/>
-              <a:buFont typeface="Arial" panose="020B0604020202020204" pitchFamily="34" charset="0"/>
-              <a:buChar char="•"/>
-              <a:defRPr sz="1600" kern="1200">
-                <a:solidFill>
-                  <a:schemeClr val="tx1"/>
-                </a:solidFill>
-                <a:latin typeface="+mn-lt"/>
-                <a:ea typeface="+mn-ea"/>
-                <a:cs typeface="+mn-cs"/>
-              </a:defRPr>
-            </a:lvl3pPr>
-            <a:lvl4pPr marL="1051560" indent="-285750" algn="l" defTabSz="914400" rtl="0" eaLnBrk="1" latinLnBrk="0" hangingPunct="1">
-              <a:lnSpc>
-                <a:spcPct val="120000"/>
-              </a:lnSpc>
-              <a:spcBef>
-                <a:spcPts val="500"/>
-              </a:spcBef>
-              <a:buSzPct val="87000"/>
-              <a:buFont typeface="Arial" panose="020B0604020202020204" pitchFamily="34" charset="0"/>
-              <a:buChar char="•"/>
-              <a:defRPr sz="1400" kern="1200">
-                <a:solidFill>
-                  <a:schemeClr val="tx1"/>
-                </a:solidFill>
-                <a:latin typeface="+mn-lt"/>
-                <a:ea typeface="+mn-ea"/>
-                <a:cs typeface="+mn-cs"/>
-              </a:defRPr>
-            </a:lvl4pPr>
-            <a:lvl5pPr marL="1298448" indent="-228600" algn="l" defTabSz="914400" rtl="0" eaLnBrk="1" latinLnBrk="0" hangingPunct="1">
-              <a:lnSpc>
-                <a:spcPct val="120000"/>
-              </a:lnSpc>
-              <a:spcBef>
-                <a:spcPts val="500"/>
-              </a:spcBef>
-              <a:buSzPct val="87000"/>
-              <a:buFont typeface="Arial" panose="020B0604020202020204" pitchFamily="34" charset="0"/>
-              <a:buChar char="•"/>
-              <a:defRPr sz="1400" kern="1200">
-                <a:solidFill>
-                  <a:schemeClr val="tx1"/>
-                </a:solidFill>
-                <a:latin typeface="+mn-lt"/>
-                <a:ea typeface="+mn-ea"/>
-                <a:cs typeface="+mn-cs"/>
-              </a:defRPr>
-            </a:lvl5pPr>
-            <a:lvl6pPr marL="2514600" indent="-228600" algn="l" defTabSz="914400" rtl="0" eaLnBrk="1" latinLnBrk="0" hangingPunct="1">
-              <a:lnSpc>
-                <a:spcPct val="90000"/>
-              </a:lnSpc>
-              <a:spcBef>
-                <a:spcPts val="500"/>
-              </a:spcBef>
-              <a:buFont typeface="Arial" panose="020B0604020202020204" pitchFamily="34" charset="0"/>
-              <a:buChar char="•"/>
-              <a:defRPr sz="1800" kern="1200">
-                <a:solidFill>
-                  <a:schemeClr val="tx1"/>
-                </a:solidFill>
-                <a:latin typeface="+mn-lt"/>
-                <a:ea typeface="+mn-ea"/>
-                <a:cs typeface="+mn-cs"/>
-              </a:defRPr>
-            </a:lvl6pPr>
-            <a:lvl7pPr marL="2971800" indent="-228600" algn="l" defTabSz="914400" rtl="0" eaLnBrk="1" latinLnBrk="0" hangingPunct="1">
-              <a:lnSpc>
-                <a:spcPct val="90000"/>
-              </a:lnSpc>
-              <a:spcBef>
-                <a:spcPts val="500"/>
-              </a:spcBef>
-              <a:buFont typeface="Arial" panose="020B0604020202020204" pitchFamily="34" charset="0"/>
-              <a:buChar char="•"/>
-              <a:defRPr sz="1800" kern="1200">
-                <a:solidFill>
-                  <a:schemeClr val="tx1"/>
-                </a:solidFill>
-                <a:latin typeface="+mn-lt"/>
-                <a:ea typeface="+mn-ea"/>
-                <a:cs typeface="+mn-cs"/>
-              </a:defRPr>
-            </a:lvl7pPr>
-            <a:lvl8pPr marL="3429000" indent="-228600" algn="l" defTabSz="914400" rtl="0" eaLnBrk="1" latinLnBrk="0" hangingPunct="1">
-              <a:lnSpc>
-                <a:spcPct val="90000"/>
-              </a:lnSpc>
-              <a:spcBef>
-                <a:spcPts val="500"/>
-              </a:spcBef>
-              <a:buFont typeface="Arial" panose="020B0604020202020204" pitchFamily="34" charset="0"/>
-              <a:buChar char="•"/>
-              <a:defRPr sz="1800" kern="1200">
-                <a:solidFill>
-                  <a:schemeClr val="tx1"/>
-                </a:solidFill>
-                <a:latin typeface="+mn-lt"/>
-                <a:ea typeface="+mn-ea"/>
-                <a:cs typeface="+mn-cs"/>
-              </a:defRPr>
-            </a:lvl8pPr>
-            <a:lvl9pPr marL="3886200" indent="-228600" algn="l" defTabSz="914400" rtl="0" eaLnBrk="1" latinLnBrk="0" hangingPunct="1">
-              <a:lnSpc>
-                <a:spcPct val="90000"/>
-              </a:lnSpc>
-              <a:spcBef>
-                <a:spcPts val="500"/>
-              </a:spcBef>
-              <a:buFont typeface="Arial" panose="020B0604020202020204" pitchFamily="34" charset="0"/>
-              <a:buChar char="•"/>
-              <a:defRPr sz="1800" kern="1200">
-                <a:solidFill>
-                  <a:schemeClr val="tx1"/>
-                </a:solidFill>
-                <a:latin typeface="+mn-lt"/>
-                <a:ea typeface="+mn-ea"/>
-                <a:cs typeface="+mn-cs"/>
-              </a:defRPr>
-            </a:lvl9pPr>
-          </a:lstStyle>
-          <a:p>
-            <a:pPr>
-              <a:buFont typeface="Wingdings" panose="05000000000000000000" pitchFamily="2" charset="2"/>
-              <a:buChar char="Ø"/>
-            </a:pPr>
-            <a:r>
-              <a:rPr lang="zh-TW" altLang="en-US" sz="1800" dirty="0">
-                <a:solidFill>
-                  <a:schemeClr val="bg1"/>
-                </a:solidFill>
-              </a:rPr>
-              <a:t>查看</a:t>
-            </a:r>
-            <a:r>
-              <a:rPr lang="en-US" altLang="zh-TW" sz="1800" dirty="0">
-                <a:solidFill>
-                  <a:schemeClr val="bg1"/>
-                </a:solidFill>
-              </a:rPr>
-              <a:t>Git</a:t>
-            </a:r>
-            <a:r>
-              <a:rPr lang="zh-TW" altLang="en-US" sz="1800" dirty="0">
-                <a:solidFill>
-                  <a:schemeClr val="bg1"/>
-                </a:solidFill>
-              </a:rPr>
-              <a:t>所有設定與來源命令</a:t>
-            </a:r>
-            <a:r>
-              <a:rPr lang="en-US" altLang="zh-TW" sz="1800" dirty="0">
-                <a:solidFill>
-                  <a:schemeClr val="bg1"/>
-                </a:solidFill>
-              </a:rPr>
-              <a:t>(</a:t>
-            </a:r>
-            <a:r>
-              <a:rPr lang="zh-TW" altLang="en-US" sz="1800" dirty="0">
-                <a:solidFill>
-                  <a:schemeClr val="bg1"/>
-                </a:solidFill>
-              </a:rPr>
-              <a:t>顯示</a:t>
-            </a:r>
-            <a:r>
-              <a:rPr lang="en-US" altLang="zh-TW" sz="1800" dirty="0">
-                <a:solidFill>
-                  <a:schemeClr val="bg1"/>
-                </a:solidFill>
-              </a:rPr>
-              <a:t>Git</a:t>
-            </a:r>
-            <a:r>
-              <a:rPr lang="zh-TW" altLang="en-US" sz="1800" dirty="0">
-                <a:solidFill>
-                  <a:schemeClr val="bg1"/>
-                </a:solidFill>
-              </a:rPr>
-              <a:t>的設定值及設定值所在的文件來源位置</a:t>
-            </a:r>
-            <a:r>
-              <a:rPr lang="en-US" altLang="zh-TW" sz="1800" dirty="0">
-                <a:solidFill>
-                  <a:schemeClr val="bg1"/>
-                </a:solidFill>
-              </a:rPr>
-              <a:t>)</a:t>
-            </a:r>
-            <a:endParaRPr lang="zh-TW" altLang="en-US" sz="1800" dirty="0">
-              <a:solidFill>
-                <a:schemeClr val="bg1"/>
-              </a:solidFill>
-            </a:endParaRPr>
-          </a:p>
-        </p:txBody>
-      </p:sp>
-      <p:sp>
-        <p:nvSpPr>
-          <p:cNvPr id="6" name="內容版面配置區 2">
-            <a:extLst>
-              <a:ext uri="{FF2B5EF4-FFF2-40B4-BE49-F238E27FC236}">
-                <a16:creationId xmlns:a16="http://schemas.microsoft.com/office/drawing/2014/main" id="{45676DA1-17B6-2797-918C-06A37D64808C}"/>
-              </a:ext>
-            </a:extLst>
-          </p:cNvPr>
-          <p:cNvSpPr txBox="1">
-            <a:spLocks/>
-          </p:cNvSpPr>
-          <p:nvPr/>
-        </p:nvSpPr>
-        <p:spPr>
-          <a:xfrm>
-            <a:off x="1340359" y="4684263"/>
-            <a:ext cx="6907714" cy="692434"/>
-          </a:xfrm>
-          <a:prstGeom prst="rect">
-            <a:avLst/>
-          </a:prstGeom>
-        </p:spPr>
-        <p:txBody>
-          <a:bodyPr vert="horz" lIns="91440" tIns="45720" rIns="91440" bIns="45720" rtlCol="0" anchor="ctr" anchorCtr="0">
-            <a:normAutofit/>
-          </a:bodyPr>
-          <a:lstStyle>
-            <a:lvl1pPr marL="228600" indent="-228600" algn="l" defTabSz="914400" rtl="0" eaLnBrk="1" latinLnBrk="0" hangingPunct="1">
-              <a:lnSpc>
-                <a:spcPct val="120000"/>
-              </a:lnSpc>
-              <a:spcBef>
-                <a:spcPts val="1000"/>
-              </a:spcBef>
-              <a:buSzPct val="87000"/>
-              <a:buFont typeface="Arial" panose="020B0604020202020204" pitchFamily="34" charset="0"/>
-              <a:buChar char="•"/>
-              <a:defRPr sz="2000" kern="1200">
-                <a:solidFill>
-                  <a:schemeClr val="tx1"/>
-                </a:solidFill>
-                <a:latin typeface="+mn-lt"/>
-                <a:ea typeface="+mn-ea"/>
-                <a:cs typeface="+mn-cs"/>
-              </a:defRPr>
-            </a:lvl1pPr>
-            <a:lvl2pPr marL="493776" indent="-228600" algn="l" defTabSz="914400" rtl="0" eaLnBrk="1" latinLnBrk="0" hangingPunct="1">
-              <a:lnSpc>
-                <a:spcPct val="120000"/>
-              </a:lnSpc>
-              <a:spcBef>
-                <a:spcPts val="500"/>
-              </a:spcBef>
-              <a:buSzPct val="87000"/>
-              <a:buFont typeface="Arial" panose="020B0604020202020204" pitchFamily="34" charset="0"/>
-              <a:buChar char="•"/>
-              <a:defRPr sz="1800" kern="1200">
-                <a:solidFill>
-                  <a:schemeClr val="tx1"/>
-                </a:solidFill>
-                <a:latin typeface="+mn-lt"/>
-                <a:ea typeface="+mn-ea"/>
-                <a:cs typeface="+mn-cs"/>
-              </a:defRPr>
-            </a:lvl2pPr>
-            <a:lvl3pPr marL="731520" indent="-228600" algn="l" defTabSz="914400" rtl="0" eaLnBrk="1" latinLnBrk="0" hangingPunct="1">
-              <a:lnSpc>
-                <a:spcPct val="120000"/>
-              </a:lnSpc>
-              <a:spcBef>
-                <a:spcPts val="500"/>
-              </a:spcBef>
-              <a:buSzPct val="87000"/>
-              <a:buFont typeface="Arial" panose="020B0604020202020204" pitchFamily="34" charset="0"/>
-              <a:buChar char="•"/>
-              <a:defRPr sz="1600" kern="1200">
-                <a:solidFill>
-                  <a:schemeClr val="tx1"/>
-                </a:solidFill>
-                <a:latin typeface="+mn-lt"/>
-                <a:ea typeface="+mn-ea"/>
-                <a:cs typeface="+mn-cs"/>
-              </a:defRPr>
-            </a:lvl3pPr>
-            <a:lvl4pPr marL="1051560" indent="-285750" algn="l" defTabSz="914400" rtl="0" eaLnBrk="1" latinLnBrk="0" hangingPunct="1">
-              <a:lnSpc>
-                <a:spcPct val="120000"/>
-              </a:lnSpc>
-              <a:spcBef>
-                <a:spcPts val="500"/>
-              </a:spcBef>
-              <a:buSzPct val="87000"/>
-              <a:buFont typeface="Arial" panose="020B0604020202020204" pitchFamily="34" charset="0"/>
-              <a:buChar char="•"/>
-              <a:defRPr sz="1400" kern="1200">
-                <a:solidFill>
-                  <a:schemeClr val="tx1"/>
-                </a:solidFill>
-                <a:latin typeface="+mn-lt"/>
-                <a:ea typeface="+mn-ea"/>
-                <a:cs typeface="+mn-cs"/>
-              </a:defRPr>
-            </a:lvl4pPr>
-            <a:lvl5pPr marL="1298448" indent="-228600" algn="l" defTabSz="914400" rtl="0" eaLnBrk="1" latinLnBrk="0" hangingPunct="1">
-              <a:lnSpc>
-                <a:spcPct val="120000"/>
-              </a:lnSpc>
-              <a:spcBef>
-                <a:spcPts val="500"/>
-              </a:spcBef>
-              <a:buSzPct val="87000"/>
-              <a:buFont typeface="Arial" panose="020B0604020202020204" pitchFamily="34" charset="0"/>
-              <a:buChar char="•"/>
-              <a:defRPr sz="1400" kern="1200">
-                <a:solidFill>
-                  <a:schemeClr val="tx1"/>
-                </a:solidFill>
-                <a:latin typeface="+mn-lt"/>
-                <a:ea typeface="+mn-ea"/>
-                <a:cs typeface="+mn-cs"/>
-              </a:defRPr>
-            </a:lvl5pPr>
-            <a:lvl6pPr marL="2514600" indent="-228600" algn="l" defTabSz="914400" rtl="0" eaLnBrk="1" latinLnBrk="0" hangingPunct="1">
-              <a:lnSpc>
-                <a:spcPct val="90000"/>
-              </a:lnSpc>
-              <a:spcBef>
-                <a:spcPts val="500"/>
-              </a:spcBef>
-              <a:buFont typeface="Arial" panose="020B0604020202020204" pitchFamily="34" charset="0"/>
-              <a:buChar char="•"/>
-              <a:defRPr sz="1800" kern="1200">
-                <a:solidFill>
-                  <a:schemeClr val="tx1"/>
-                </a:solidFill>
-                <a:latin typeface="+mn-lt"/>
-                <a:ea typeface="+mn-ea"/>
-                <a:cs typeface="+mn-cs"/>
-              </a:defRPr>
-            </a:lvl6pPr>
-            <a:lvl7pPr marL="2971800" indent="-228600" algn="l" defTabSz="914400" rtl="0" eaLnBrk="1" latinLnBrk="0" hangingPunct="1">
-              <a:lnSpc>
-                <a:spcPct val="90000"/>
-              </a:lnSpc>
-              <a:spcBef>
-                <a:spcPts val="500"/>
-              </a:spcBef>
-              <a:buFont typeface="Arial" panose="020B0604020202020204" pitchFamily="34" charset="0"/>
-              <a:buChar char="•"/>
-              <a:defRPr sz="1800" kern="1200">
-                <a:solidFill>
-                  <a:schemeClr val="tx1"/>
-                </a:solidFill>
-                <a:latin typeface="+mn-lt"/>
-                <a:ea typeface="+mn-ea"/>
-                <a:cs typeface="+mn-cs"/>
-              </a:defRPr>
-            </a:lvl7pPr>
-            <a:lvl8pPr marL="3429000" indent="-228600" algn="l" defTabSz="914400" rtl="0" eaLnBrk="1" latinLnBrk="0" hangingPunct="1">
-              <a:lnSpc>
-                <a:spcPct val="90000"/>
-              </a:lnSpc>
-              <a:spcBef>
-                <a:spcPts val="500"/>
-              </a:spcBef>
-              <a:buFont typeface="Arial" panose="020B0604020202020204" pitchFamily="34" charset="0"/>
-              <a:buChar char="•"/>
-              <a:defRPr sz="1800" kern="1200">
-                <a:solidFill>
-                  <a:schemeClr val="tx1"/>
-                </a:solidFill>
-                <a:latin typeface="+mn-lt"/>
-                <a:ea typeface="+mn-ea"/>
-                <a:cs typeface="+mn-cs"/>
-              </a:defRPr>
-            </a:lvl8pPr>
-            <a:lvl9pPr marL="3886200" indent="-228600" algn="l" defTabSz="914400" rtl="0" eaLnBrk="1" latinLnBrk="0" hangingPunct="1">
-              <a:lnSpc>
-                <a:spcPct val="90000"/>
-              </a:lnSpc>
-              <a:spcBef>
-                <a:spcPts val="500"/>
-              </a:spcBef>
-              <a:buFont typeface="Arial" panose="020B0604020202020204" pitchFamily="34" charset="0"/>
-              <a:buChar char="•"/>
-              <a:defRPr sz="1800" kern="1200">
-                <a:solidFill>
-                  <a:schemeClr val="tx1"/>
-                </a:solidFill>
-                <a:latin typeface="+mn-lt"/>
-                <a:ea typeface="+mn-ea"/>
-                <a:cs typeface="+mn-cs"/>
-              </a:defRPr>
-            </a:lvl9pPr>
-          </a:lstStyle>
-          <a:p>
-            <a:pPr>
-              <a:buFont typeface="Wingdings" panose="05000000000000000000" pitchFamily="2" charset="2"/>
-              <a:buChar char="Ø"/>
-            </a:pPr>
-            <a:r>
-              <a:rPr lang="zh-TW" altLang="en-US" sz="1800" dirty="0">
-                <a:solidFill>
-                  <a:schemeClr val="bg1"/>
-                </a:solidFill>
-              </a:rPr>
-              <a:t>查看</a:t>
-            </a:r>
-            <a:r>
-              <a:rPr lang="en-US" altLang="zh-TW" sz="1800" dirty="0">
-                <a:solidFill>
-                  <a:schemeClr val="bg1"/>
-                </a:solidFill>
-              </a:rPr>
-              <a:t>Git</a:t>
-            </a:r>
-            <a:r>
-              <a:rPr lang="zh-TW" altLang="en-US" sz="1800" dirty="0">
-                <a:solidFill>
-                  <a:schemeClr val="bg1"/>
-                </a:solidFill>
-              </a:rPr>
-              <a:t>所有設定命令</a:t>
-            </a:r>
-            <a:r>
-              <a:rPr lang="en-US" altLang="zh-TW" sz="1800" dirty="0">
-                <a:solidFill>
-                  <a:schemeClr val="bg1"/>
-                </a:solidFill>
-              </a:rPr>
-              <a:t>(</a:t>
-            </a:r>
-            <a:r>
-              <a:rPr lang="zh-TW" altLang="en-US" sz="1800" dirty="0">
-                <a:solidFill>
-                  <a:schemeClr val="bg1"/>
-                </a:solidFill>
-              </a:rPr>
-              <a:t>僅顯示當前</a:t>
-            </a:r>
-            <a:r>
-              <a:rPr lang="en-US" altLang="zh-TW" sz="1800" dirty="0">
-                <a:solidFill>
-                  <a:schemeClr val="bg1"/>
-                </a:solidFill>
-              </a:rPr>
-              <a:t>Git</a:t>
-            </a:r>
-            <a:r>
-              <a:rPr lang="zh-TW" altLang="en-US" sz="1800" dirty="0">
-                <a:solidFill>
-                  <a:schemeClr val="bg1"/>
-                </a:solidFill>
-              </a:rPr>
-              <a:t>使用者的設定值</a:t>
-            </a:r>
-            <a:r>
-              <a:rPr lang="en-US" altLang="zh-TW" sz="1800" dirty="0">
-                <a:solidFill>
-                  <a:schemeClr val="bg1"/>
-                </a:solidFill>
-              </a:rPr>
-              <a:t>)</a:t>
-            </a:r>
-            <a:endParaRPr lang="zh-TW" altLang="en-US" sz="1800" dirty="0">
-              <a:solidFill>
-                <a:schemeClr val="bg1"/>
-              </a:solidFill>
-            </a:endParaRPr>
-          </a:p>
-        </p:txBody>
-      </p:sp>
-      <p:sp>
-        <p:nvSpPr>
-          <p:cNvPr id="7" name="文字方塊 6">
-            <a:extLst>
-              <a:ext uri="{FF2B5EF4-FFF2-40B4-BE49-F238E27FC236}">
-                <a16:creationId xmlns:a16="http://schemas.microsoft.com/office/drawing/2014/main" id="{EAD653F4-6C55-8C9B-A60D-C8EACCCAF416}"/>
-              </a:ext>
-            </a:extLst>
-          </p:cNvPr>
-          <p:cNvSpPr txBox="1"/>
-          <p:nvPr/>
-        </p:nvSpPr>
-        <p:spPr>
-          <a:xfrm>
-            <a:off x="1717955" y="5548282"/>
-            <a:ext cx="3139277" cy="338554"/>
-          </a:xfrm>
-          <a:prstGeom prst="rect">
-            <a:avLst/>
-          </a:prstGeom>
-          <a:noFill/>
-        </p:spPr>
-        <p:txBody>
-          <a:bodyPr wrap="square" rtlCol="0">
-            <a:spAutoFit/>
-          </a:bodyPr>
-          <a:lstStyle/>
-          <a:p>
-            <a:r>
-              <a:rPr lang="en-US" altLang="zh-TW" sz="1600" dirty="0">
-                <a:solidFill>
-                  <a:schemeClr val="bg1"/>
-                </a:solidFill>
-                <a:latin typeface="Courier New" panose="02070309020205020404" pitchFamily="49" charset="0"/>
-                <a:cs typeface="Courier New" panose="02070309020205020404" pitchFamily="49" charset="0"/>
-              </a:rPr>
-              <a:t>$</a:t>
-            </a:r>
-            <a:r>
-              <a:rPr lang="en-US" altLang="zh-TW" sz="1600" dirty="0">
-                <a:solidFill>
-                  <a:srgbClr val="00FF00"/>
-                </a:solidFill>
-                <a:latin typeface="Courier New" panose="02070309020205020404" pitchFamily="49" charset="0"/>
-                <a:cs typeface="Courier New" panose="02070309020205020404" pitchFamily="49" charset="0"/>
-              </a:rPr>
-              <a:t> git config ––list </a:t>
-            </a:r>
-            <a:endParaRPr lang="zh-TW" altLang="en-US" sz="1600" dirty="0">
-              <a:solidFill>
-                <a:srgbClr val="00FF00"/>
-              </a:solidFill>
-              <a:latin typeface="Courier New" panose="02070309020205020404" pitchFamily="49" charset="0"/>
-              <a:cs typeface="Courier New" panose="02070309020205020404" pitchFamily="49" charset="0"/>
-            </a:endParaRPr>
-          </a:p>
-        </p:txBody>
-      </p:sp>
-    </p:spTree>
-    <p:extLst>
-      <p:ext uri="{BB962C8B-B14F-4D97-AF65-F5344CB8AC3E}">
-        <p14:creationId xmlns:p14="http://schemas.microsoft.com/office/powerpoint/2010/main" val="4257229696"/>
-      </p:ext>
-    </p:extLst>
-  </p:cSld>
-  <p:clrMapOvr>
-    <a:masterClrMapping/>
-  </p:clrMapOvr>
-</p:sld>
-</file>
-
-<file path=ppt/slides/slide20.xml><?xml version="1.0" encoding="utf-8"?>
+<file path=ppt/slides/slide22.xml><?xml version="1.0" encoding="utf-8"?>
 <p:sld xmlns:a="http://schemas.openxmlformats.org/drawingml/2006/main" xmlns:r="http://schemas.openxmlformats.org/officeDocument/2006/relationships" xmlns:p="http://schemas.openxmlformats.org/presentationml/2006/main">
   <p:cSld>
     <p:spTree>
